--- a/2D Personal Game Project/새 Microsoft PowerPoint 프레젠테이션.pptx
+++ b/2D Personal Game Project/새 Microsoft PowerPoint 프레젠테이션.pptx
@@ -9,12 +9,13 @@
     <p:sldId id="257" r:id="rId3"/>
     <p:sldId id="258" r:id="rId4"/>
     <p:sldId id="259" r:id="rId5"/>
-    <p:sldId id="260" r:id="rId6"/>
-    <p:sldId id="261" r:id="rId7"/>
-    <p:sldId id="262" r:id="rId8"/>
-    <p:sldId id="263" r:id="rId9"/>
-    <p:sldId id="264" r:id="rId10"/>
+    <p:sldId id="264" r:id="rId6"/>
+    <p:sldId id="260" r:id="rId7"/>
+    <p:sldId id="261" r:id="rId8"/>
+    <p:sldId id="262" r:id="rId9"/>
+    <p:sldId id="263" r:id="rId10"/>
     <p:sldId id="265" r:id="rId11"/>
+    <p:sldId id="266" r:id="rId12"/>
   </p:sldIdLst>
   <p:sldSz cx="9144000" cy="6858000" type="screen4x3"/>
   <p:notesSz cx="6858000" cy="9144000"/>
@@ -304,7 +305,7 @@
           <a:p>
             <a:fld id="{FB30EDBD-1C2D-4C1E-B459-B60219FAB484}" type="datetimeFigureOut">
               <a:rPr lang="ko-KR" altLang="en-US" smtClean="0"/>
-              <a:t>2020-11-06</a:t>
+              <a:t>2020-11-09</a:t>
             </a:fld>
             <a:endParaRPr lang="ko-KR" altLang="en-US"/>
           </a:p>
@@ -504,7 +505,7 @@
           <a:p>
             <a:fld id="{FB30EDBD-1C2D-4C1E-B459-B60219FAB484}" type="datetimeFigureOut">
               <a:rPr lang="ko-KR" altLang="en-US" smtClean="0"/>
-              <a:t>2020-11-06</a:t>
+              <a:t>2020-11-09</a:t>
             </a:fld>
             <a:endParaRPr lang="ko-KR" altLang="en-US"/>
           </a:p>
@@ -679,7 +680,7 @@
           <a:p>
             <a:fld id="{FB30EDBD-1C2D-4C1E-B459-B60219FAB484}" type="datetimeFigureOut">
               <a:rPr lang="ko-KR" altLang="en-US" smtClean="0"/>
-              <a:t>2020-11-06</a:t>
+              <a:t>2020-11-09</a:t>
             </a:fld>
             <a:endParaRPr lang="ko-KR" altLang="en-US"/>
           </a:p>
@@ -844,7 +845,7 @@
           <a:p>
             <a:fld id="{FB30EDBD-1C2D-4C1E-B459-B60219FAB484}" type="datetimeFigureOut">
               <a:rPr lang="ko-KR" altLang="en-US" smtClean="0"/>
-              <a:t>2020-11-06</a:t>
+              <a:t>2020-11-09</a:t>
             </a:fld>
             <a:endParaRPr lang="ko-KR" altLang="en-US"/>
           </a:p>
@@ -1092,7 +1093,7 @@
           <a:p>
             <a:fld id="{FB30EDBD-1C2D-4C1E-B459-B60219FAB484}" type="datetimeFigureOut">
               <a:rPr lang="ko-KR" altLang="en-US" smtClean="0"/>
-              <a:t>2020-11-06</a:t>
+              <a:t>2020-11-09</a:t>
             </a:fld>
             <a:endParaRPr lang="ko-KR" altLang="en-US"/>
           </a:p>
@@ -1410,7 +1411,7 @@
           <a:p>
             <a:fld id="{FB30EDBD-1C2D-4C1E-B459-B60219FAB484}" type="datetimeFigureOut">
               <a:rPr lang="ko-KR" altLang="en-US" smtClean="0"/>
-              <a:t>2020-11-06</a:t>
+              <a:t>2020-11-09</a:t>
             </a:fld>
             <a:endParaRPr lang="ko-KR" altLang="en-US"/>
           </a:p>
@@ -1876,7 +1877,7 @@
           <a:p>
             <a:fld id="{FB30EDBD-1C2D-4C1E-B459-B60219FAB484}" type="datetimeFigureOut">
               <a:rPr lang="ko-KR" altLang="en-US" smtClean="0"/>
-              <a:t>2020-11-06</a:t>
+              <a:t>2020-11-09</a:t>
             </a:fld>
             <a:endParaRPr lang="ko-KR" altLang="en-US"/>
           </a:p>
@@ -2024,7 +2025,7 @@
           <a:p>
             <a:fld id="{FB30EDBD-1C2D-4C1E-B459-B60219FAB484}" type="datetimeFigureOut">
               <a:rPr lang="ko-KR" altLang="en-US" smtClean="0"/>
-              <a:t>2020-11-06</a:t>
+              <a:t>2020-11-09</a:t>
             </a:fld>
             <a:endParaRPr lang="ko-KR" altLang="en-US"/>
           </a:p>
@@ -2114,7 +2115,7 @@
           <a:p>
             <a:fld id="{FB30EDBD-1C2D-4C1E-B459-B60219FAB484}" type="datetimeFigureOut">
               <a:rPr lang="ko-KR" altLang="en-US" smtClean="0"/>
-              <a:t>2020-11-06</a:t>
+              <a:t>2020-11-09</a:t>
             </a:fld>
             <a:endParaRPr lang="ko-KR" altLang="en-US"/>
           </a:p>
@@ -2388,7 +2389,7 @@
           <a:p>
             <a:fld id="{FB30EDBD-1C2D-4C1E-B459-B60219FAB484}" type="datetimeFigureOut">
               <a:rPr lang="ko-KR" altLang="en-US" smtClean="0"/>
-              <a:t>2020-11-06</a:t>
+              <a:t>2020-11-09</a:t>
             </a:fld>
             <a:endParaRPr lang="ko-KR" altLang="en-US"/>
           </a:p>
@@ -2693,7 +2694,7 @@
           <a:p>
             <a:fld id="{FB30EDBD-1C2D-4C1E-B459-B60219FAB484}" type="datetimeFigureOut">
               <a:rPr lang="ko-KR" altLang="en-US" smtClean="0"/>
-              <a:t>2020-11-06</a:t>
+              <a:t>2020-11-09</a:t>
             </a:fld>
             <a:endParaRPr lang="ko-KR" altLang="en-US"/>
           </a:p>
@@ -2991,7 +2992,7 @@
           <a:p>
             <a:fld id="{FB30EDBD-1C2D-4C1E-B459-B60219FAB484}" type="datetimeFigureOut">
               <a:rPr lang="ko-KR" altLang="en-US" smtClean="0"/>
-              <a:t>2020-11-06</a:t>
+              <a:t>2020-11-09</a:t>
             </a:fld>
             <a:endParaRPr lang="ko-KR" altLang="en-US"/>
           </a:p>
@@ -3579,7 +3580,7 @@
           <p:nvPr>
             <p:extLst>
               <p:ext uri="{D42A27DB-BD31-4B8C-83A1-F6EECF244321}">
-                <p14:modId xmlns:p14="http://schemas.microsoft.com/office/powerpoint/2010/main" val="2898180976"/>
+                <p14:modId xmlns:p14="http://schemas.microsoft.com/office/powerpoint/2010/main" val="1923435042"/>
               </p:ext>
             </p:extLst>
           </p:nvPr>
@@ -4275,7 +4276,574 @@
                     <a:lstStyle/>
                     <a:p>
                       <a:pPr algn="ctr" latinLnBrk="1"/>
+                      <a:r>
+                        <a:rPr lang="en-US" altLang="ko-KR" sz="1400" dirty="0" smtClean="0">
+                          <a:latin typeface="Noto Sans KR Medium" pitchFamily="34" charset="-127"/>
+                          <a:ea typeface="Noto Sans KR Medium" pitchFamily="34" charset="-127"/>
+                        </a:rPr>
+                        <a:t>X</a:t>
+                      </a:r>
+                      <a:endParaRPr lang="ko-KR" altLang="en-US" sz="1400" dirty="0">
+                        <a:latin typeface="Noto Sans KR Medium" pitchFamily="34" charset="-127"/>
+                        <a:ea typeface="Noto Sans KR Medium" pitchFamily="34" charset="-127"/>
+                      </a:endParaRPr>
+                    </a:p>
+                  </a:txBody>
+                  <a:tcPr/>
+                </a:tc>
+                <a:tc>
+                  <a:txBody>
+                    <a:bodyPr/>
+                    <a:lstStyle/>
+                    <a:p>
+                      <a:pPr algn="ctr" latinLnBrk="1"/>
+                      <a:r>
+                        <a:rPr lang="en-US" altLang="ko-KR" sz="1400" dirty="0" smtClean="0">
+                          <a:latin typeface="Noto Sans KR Medium" pitchFamily="34" charset="-127"/>
+                          <a:ea typeface="Noto Sans KR Medium" pitchFamily="34" charset="-127"/>
+                        </a:rPr>
+                        <a:t>X</a:t>
+                      </a:r>
+                      <a:endParaRPr lang="ko-KR" altLang="en-US" sz="1400" dirty="0">
+                        <a:latin typeface="Noto Sans KR Medium" pitchFamily="34" charset="-127"/>
+                        <a:ea typeface="Noto Sans KR Medium" pitchFamily="34" charset="-127"/>
+                      </a:endParaRPr>
+                    </a:p>
+                  </a:txBody>
+                  <a:tcPr/>
+                </a:tc>
+              </a:tr>
+            </a:tbl>
+          </a:graphicData>
+        </a:graphic>
+      </p:graphicFrame>
+    </p:spTree>
+    <p:extLst>
+      <p:ext uri="{BB962C8B-B14F-4D97-AF65-F5344CB8AC3E}">
+        <p14:creationId xmlns:p14="http://schemas.microsoft.com/office/powerpoint/2010/main" val="1783695213"/>
+      </p:ext>
+    </p:extLst>
+  </p:cSld>
+  <p:clrMapOvr>
+    <a:masterClrMapping/>
+  </p:clrMapOvr>
+  <p:timing>
+    <p:tnLst>
+      <p:par>
+        <p:cTn id="1" dur="indefinite" restart="never" nodeType="tmRoot"/>
+      </p:par>
+    </p:tnLst>
+  </p:timing>
+</p:sld>
+</file>
+
+<file path=ppt/slides/slide11.xml><?xml version="1.0" encoding="utf-8"?>
+<p:sld xmlns:a="http://schemas.openxmlformats.org/drawingml/2006/main" xmlns:r="http://schemas.openxmlformats.org/officeDocument/2006/relationships" xmlns:p="http://schemas.openxmlformats.org/presentationml/2006/main">
+  <p:cSld>
+    <p:spTree>
+      <p:nvGrpSpPr>
+        <p:cNvPr id="1" name=""/>
+        <p:cNvGrpSpPr/>
+        <p:nvPr/>
+      </p:nvGrpSpPr>
+      <p:grpSpPr>
+        <a:xfrm>
+          <a:off x="0" y="0"/>
+          <a:ext cx="0" cy="0"/>
+          <a:chOff x="0" y="0"/>
+          <a:chExt cx="0" cy="0"/>
+        </a:xfrm>
+      </p:grpSpPr>
+      <p:sp>
+        <p:nvSpPr>
+          <p:cNvPr id="2" name="제목 1"/>
+          <p:cNvSpPr>
+            <a:spLocks noGrp="1"/>
+          </p:cNvSpPr>
+          <p:nvPr>
+            <p:ph type="title"/>
+          </p:nvPr>
+        </p:nvSpPr>
+        <p:spPr/>
+        <p:txBody>
+          <a:bodyPr/>
+          <a:lstStyle/>
+          <a:p>
+            <a:r>
+              <a:rPr lang="ko-KR" altLang="en-US" dirty="0" smtClean="0">
+                <a:latin typeface="Noto Sans KR Medium" pitchFamily="34" charset="-127"/>
+                <a:ea typeface="Noto Sans KR Medium" pitchFamily="34" charset="-127"/>
+              </a:rPr>
+              <a:t>개발 단계 </a:t>
+            </a:r>
+            <a:r>
+              <a:rPr lang="en-US" altLang="ko-KR" dirty="0" smtClean="0">
+                <a:latin typeface="Noto Sans KR Medium" pitchFamily="34" charset="-127"/>
+                <a:ea typeface="Noto Sans KR Medium" pitchFamily="34" charset="-127"/>
+              </a:rPr>
+              <a:t>(2</a:t>
+            </a:r>
+            <a:r>
+              <a:rPr lang="ko-KR" altLang="en-US" dirty="0" smtClean="0">
+                <a:latin typeface="Noto Sans KR Medium" pitchFamily="34" charset="-127"/>
+                <a:ea typeface="Noto Sans KR Medium" pitchFamily="34" charset="-127"/>
+              </a:rPr>
+              <a:t>주차</a:t>
+            </a:r>
+            <a:r>
+              <a:rPr lang="en-US" altLang="ko-KR" dirty="0" smtClean="0">
+                <a:latin typeface="Noto Sans KR Medium" pitchFamily="34" charset="-127"/>
+                <a:ea typeface="Noto Sans KR Medium" pitchFamily="34" charset="-127"/>
+              </a:rPr>
+              <a:t>)</a:t>
+            </a:r>
+            <a:endParaRPr lang="ko-KR" altLang="en-US" dirty="0">
+              <a:latin typeface="Noto Sans KR Medium" pitchFamily="34" charset="-127"/>
+              <a:ea typeface="Noto Sans KR Medium" pitchFamily="34" charset="-127"/>
+            </a:endParaRPr>
+          </a:p>
+        </p:txBody>
+      </p:sp>
+      <p:sp>
+        <p:nvSpPr>
+          <p:cNvPr id="3" name="내용 개체 틀 2"/>
+          <p:cNvSpPr>
+            <a:spLocks noGrp="1"/>
+          </p:cNvSpPr>
+          <p:nvPr>
+            <p:ph idx="1"/>
+          </p:nvPr>
+        </p:nvSpPr>
+        <p:spPr/>
+        <p:txBody>
+          <a:bodyPr/>
+          <a:lstStyle/>
+          <a:p>
+            <a:pPr marL="0" indent="0">
+              <a:buNone/>
+            </a:pPr>
+            <a:endParaRPr lang="en-US" altLang="ko-KR" dirty="0">
+              <a:latin typeface="Noto Sans KR Medium" pitchFamily="34" charset="-127"/>
+              <a:ea typeface="Noto Sans KR Medium" pitchFamily="34" charset="-127"/>
+            </a:endParaRPr>
+          </a:p>
+          <a:p>
+            <a:pPr marL="0" indent="0">
+              <a:buNone/>
+            </a:pPr>
+            <a:endParaRPr lang="ko-KR" altLang="en-US" dirty="0">
+              <a:latin typeface="Noto Sans KR Medium" pitchFamily="34" charset="-127"/>
+              <a:ea typeface="Noto Sans KR Medium" pitchFamily="34" charset="-127"/>
+            </a:endParaRPr>
+          </a:p>
+        </p:txBody>
+      </p:sp>
+      <p:graphicFrame>
+        <p:nvGraphicFramePr>
+          <p:cNvPr id="4" name="표 3"/>
+          <p:cNvGraphicFramePr>
+            <a:graphicFrameLocks noGrp="1"/>
+          </p:cNvGraphicFramePr>
+          <p:nvPr>
+            <p:extLst>
+              <p:ext uri="{D42A27DB-BD31-4B8C-83A1-F6EECF244321}">
+                <p14:modId xmlns:p14="http://schemas.microsoft.com/office/powerpoint/2010/main" val="2178175181"/>
+              </p:ext>
+            </p:extLst>
+          </p:nvPr>
+        </p:nvGraphicFramePr>
+        <p:xfrm>
+          <a:off x="971600" y="1412776"/>
+          <a:ext cx="7152456" cy="5184576"/>
+        </p:xfrm>
+        <a:graphic>
+          <a:graphicData uri="http://schemas.openxmlformats.org/drawingml/2006/table">
+            <a:tbl>
+              <a:tblPr firstRow="1" bandRow="1">
+                <a:tableStyleId>{5C22544A-7EE6-4342-B048-85BDC9FD1C3A}</a:tableStyleId>
+              </a:tblPr>
+              <a:tblGrid>
+                <a:gridCol w="2384152"/>
+                <a:gridCol w="2384152"/>
+                <a:gridCol w="2384152"/>
+              </a:tblGrid>
+              <a:tr h="678068">
+                <a:tc>
+                  <a:txBody>
+                    <a:bodyPr/>
+                    <a:lstStyle/>
+                    <a:p>
+                      <a:pPr algn="ctr" latinLnBrk="1"/>
+                      <a:r>
+                        <a:rPr lang="ko-KR" altLang="en-US" sz="2800" dirty="0" smtClean="0">
+                          <a:latin typeface="Noto Sans KR Bold" pitchFamily="34" charset="-127"/>
+                          <a:ea typeface="Noto Sans KR Bold" pitchFamily="34" charset="-127"/>
+                        </a:rPr>
+                        <a:t>날짜</a:t>
+                      </a:r>
+                      <a:endParaRPr lang="ko-KR" altLang="en-US" sz="2800" dirty="0">
+                        <a:latin typeface="Noto Sans KR Bold" pitchFamily="34" charset="-127"/>
+                        <a:ea typeface="Noto Sans KR Bold" pitchFamily="34" charset="-127"/>
+                      </a:endParaRPr>
+                    </a:p>
+                  </a:txBody>
+                  <a:tcPr/>
+                </a:tc>
+                <a:tc>
+                  <a:txBody>
+                    <a:bodyPr/>
+                    <a:lstStyle/>
+                    <a:p>
+                      <a:pPr algn="ctr" latinLnBrk="1"/>
+                      <a:r>
+                        <a:rPr lang="ko-KR" altLang="en-US" sz="2800" dirty="0" smtClean="0">
+                          <a:latin typeface="Noto Sans KR Bold" pitchFamily="34" charset="-127"/>
+                          <a:ea typeface="Noto Sans KR Bold" pitchFamily="34" charset="-127"/>
+                        </a:rPr>
+                        <a:t>진행 내용</a:t>
+                      </a:r>
+                      <a:endParaRPr lang="ko-KR" altLang="en-US" sz="2800" dirty="0">
+                        <a:latin typeface="Noto Sans KR Bold" pitchFamily="34" charset="-127"/>
+                        <a:ea typeface="Noto Sans KR Bold" pitchFamily="34" charset="-127"/>
+                      </a:endParaRPr>
+                    </a:p>
+                  </a:txBody>
+                  <a:tcPr/>
+                </a:tc>
+                <a:tc>
+                  <a:txBody>
+                    <a:bodyPr/>
+                    <a:lstStyle/>
+                    <a:p>
+                      <a:pPr algn="ctr" latinLnBrk="1"/>
+                      <a:r>
+                        <a:rPr lang="ko-KR" altLang="en-US" sz="2800" dirty="0" smtClean="0">
+                          <a:latin typeface="Noto Sans KR Bold" pitchFamily="34" charset="-127"/>
+                          <a:ea typeface="Noto Sans KR Bold" pitchFamily="34" charset="-127"/>
+                        </a:rPr>
+                        <a:t>비고</a:t>
+                      </a:r>
+                      <a:endParaRPr lang="ko-KR" altLang="en-US" sz="2800" dirty="0">
+                        <a:latin typeface="Noto Sans KR Bold" pitchFamily="34" charset="-127"/>
+                        <a:ea typeface="Noto Sans KR Bold" pitchFamily="34" charset="-127"/>
+                      </a:endParaRPr>
+                    </a:p>
+                  </a:txBody>
+                  <a:tcPr/>
+                </a:tc>
+              </a:tr>
+              <a:tr h="712819">
+                <a:tc>
+                  <a:txBody>
+                    <a:bodyPr/>
+                    <a:lstStyle/>
+                    <a:p>
+                      <a:pPr algn="ctr" latinLnBrk="1"/>
+                      <a:r>
+                        <a:rPr lang="en-US" altLang="ko-KR" sz="1400" dirty="0" smtClean="0">
+                          <a:latin typeface="Noto Sans KR Medium" pitchFamily="34" charset="-127"/>
+                          <a:ea typeface="Noto Sans KR Medium" pitchFamily="34" charset="-127"/>
+                        </a:rPr>
+                        <a:t>11-09</a:t>
+                      </a:r>
+                      <a:endParaRPr lang="ko-KR" altLang="en-US" sz="1400" dirty="0">
+                        <a:latin typeface="Noto Sans KR Medium" pitchFamily="34" charset="-127"/>
+                        <a:ea typeface="Noto Sans KR Medium" pitchFamily="34" charset="-127"/>
+                      </a:endParaRPr>
+                    </a:p>
+                  </a:txBody>
+                  <a:tcPr/>
+                </a:tc>
+                <a:tc>
+                  <a:txBody>
+                    <a:bodyPr/>
+                    <a:lstStyle/>
+                    <a:p>
+                      <a:pPr algn="ctr" latinLnBrk="1"/>
+                      <a:r>
+                        <a:rPr lang="ko-KR" altLang="en-US" sz="1400" dirty="0" err="1" smtClean="0">
+                          <a:latin typeface="Noto Sans KR Medium" pitchFamily="34" charset="-127"/>
+                          <a:ea typeface="Noto Sans KR Medium" pitchFamily="34" charset="-127"/>
+                        </a:rPr>
+                        <a:t>튜토리얼</a:t>
+                      </a:r>
+                      <a:endParaRPr lang="en-US" altLang="ko-KR" sz="1400" dirty="0" smtClean="0">
+                        <a:latin typeface="Noto Sans KR Medium" pitchFamily="34" charset="-127"/>
+                        <a:ea typeface="Noto Sans KR Medium" pitchFamily="34" charset="-127"/>
+                      </a:endParaRPr>
+                    </a:p>
+                    <a:p>
+                      <a:pPr algn="ctr" latinLnBrk="1"/>
+                      <a:r>
+                        <a:rPr lang="ko-KR" altLang="en-US" sz="1400" dirty="0" smtClean="0">
+                          <a:latin typeface="Noto Sans KR Medium" pitchFamily="34" charset="-127"/>
+                          <a:ea typeface="Noto Sans KR Medium" pitchFamily="34" charset="-127"/>
+                        </a:rPr>
+                        <a:t>스토리</a:t>
+                      </a:r>
+                      <a:r>
+                        <a:rPr lang="en-US" altLang="ko-KR" sz="1400" dirty="0" smtClean="0">
+                          <a:latin typeface="Noto Sans KR Medium" pitchFamily="34" charset="-127"/>
+                          <a:ea typeface="Noto Sans KR Medium" pitchFamily="34" charset="-127"/>
+                        </a:rPr>
+                        <a:t>1</a:t>
+                      </a:r>
+                      <a:endParaRPr lang="ko-KR" altLang="en-US" sz="1400" dirty="0">
+                        <a:latin typeface="Noto Sans KR Medium" pitchFamily="34" charset="-127"/>
+                        <a:ea typeface="Noto Sans KR Medium" pitchFamily="34" charset="-127"/>
+                      </a:endParaRPr>
+                    </a:p>
+                  </a:txBody>
+                  <a:tcPr/>
+                </a:tc>
+                <a:tc>
+                  <a:txBody>
+                    <a:bodyPr/>
+                    <a:lstStyle/>
+                    <a:p>
+                      <a:pPr algn="ctr" latinLnBrk="1"/>
+                      <a:endParaRPr lang="ko-KR" altLang="en-US" sz="1400" dirty="0">
+                        <a:latin typeface="Noto Sans KR Medium" pitchFamily="34" charset="-127"/>
+                        <a:ea typeface="Noto Sans KR Medium" pitchFamily="34" charset="-127"/>
+                      </a:endParaRPr>
+                    </a:p>
+                  </a:txBody>
+                  <a:tcPr/>
+                </a:tc>
+              </a:tr>
+              <a:tr h="1018313">
+                <a:tc>
+                  <a:txBody>
+                    <a:bodyPr/>
+                    <a:lstStyle/>
+                    <a:p>
+                      <a:pPr algn="ctr" latinLnBrk="1"/>
+                      <a:r>
+                        <a:rPr lang="en-US" altLang="ko-KR" sz="1400" dirty="0" smtClean="0">
+                          <a:latin typeface="Noto Sans KR Medium" pitchFamily="34" charset="-127"/>
+                          <a:ea typeface="Noto Sans KR Medium" pitchFamily="34" charset="-127"/>
+                        </a:rPr>
+                        <a:t>11-10</a:t>
+                      </a:r>
+                      <a:endParaRPr lang="ko-KR" altLang="en-US" sz="1400" dirty="0">
+                        <a:latin typeface="Noto Sans KR Medium" pitchFamily="34" charset="-127"/>
+                        <a:ea typeface="Noto Sans KR Medium" pitchFamily="34" charset="-127"/>
+                      </a:endParaRPr>
+                    </a:p>
+                  </a:txBody>
+                  <a:tcPr/>
+                </a:tc>
+                <a:tc>
+                  <a:txBody>
+                    <a:bodyPr/>
+                    <a:lstStyle/>
+                    <a:p>
+                      <a:pPr algn="ctr" latinLnBrk="1"/>
+                      <a:endParaRPr lang="en-US" altLang="ko-KR" sz="1400" baseline="0" dirty="0" smtClean="0">
+                        <a:latin typeface="Noto Sans KR Medium" pitchFamily="34" charset="-127"/>
+                        <a:ea typeface="Noto Sans KR Medium" pitchFamily="34" charset="-127"/>
+                      </a:endParaRPr>
+                    </a:p>
+                  </a:txBody>
+                  <a:tcPr/>
+                </a:tc>
+                <a:tc>
+                  <a:txBody>
+                    <a:bodyPr/>
+                    <a:lstStyle/>
+                    <a:p>
+                      <a:pPr algn="ctr" latinLnBrk="1"/>
                       <a:endParaRPr lang="ko-KR" altLang="en-US" sz="1400">
+                        <a:latin typeface="Noto Sans KR Medium" pitchFamily="34" charset="-127"/>
+                        <a:ea typeface="Noto Sans KR Medium" pitchFamily="34" charset="-127"/>
+                      </a:endParaRPr>
+                    </a:p>
+                  </a:txBody>
+                  <a:tcPr/>
+                </a:tc>
+              </a:tr>
+              <a:tr h="693844">
+                <a:tc>
+                  <a:txBody>
+                    <a:bodyPr/>
+                    <a:lstStyle/>
+                    <a:p>
+                      <a:pPr algn="ctr" latinLnBrk="1"/>
+                      <a:r>
+                        <a:rPr lang="en-US" altLang="ko-KR" sz="1400" dirty="0" smtClean="0">
+                          <a:latin typeface="Noto Sans KR Medium" pitchFamily="34" charset="-127"/>
+                          <a:ea typeface="Noto Sans KR Medium" pitchFamily="34" charset="-127"/>
+                        </a:rPr>
+                        <a:t>11-11</a:t>
+                      </a:r>
+                      <a:endParaRPr lang="ko-KR" altLang="en-US" sz="1400" dirty="0">
+                        <a:latin typeface="Noto Sans KR Medium" pitchFamily="34" charset="-127"/>
+                        <a:ea typeface="Noto Sans KR Medium" pitchFamily="34" charset="-127"/>
+                      </a:endParaRPr>
+                    </a:p>
+                  </a:txBody>
+                  <a:tcPr/>
+                </a:tc>
+                <a:tc>
+                  <a:txBody>
+                    <a:bodyPr/>
+                    <a:lstStyle/>
+                    <a:p>
+                      <a:pPr algn="ctr" latinLnBrk="1"/>
+                      <a:endParaRPr lang="ko-KR" altLang="en-US" sz="1400" dirty="0">
+                        <a:latin typeface="Noto Sans KR Medium" pitchFamily="34" charset="-127"/>
+                        <a:ea typeface="Noto Sans KR Medium" pitchFamily="34" charset="-127"/>
+                      </a:endParaRPr>
+                    </a:p>
+                  </a:txBody>
+                  <a:tcPr/>
+                </a:tc>
+                <a:tc>
+                  <a:txBody>
+                    <a:bodyPr/>
+                    <a:lstStyle/>
+                    <a:p>
+                      <a:pPr algn="ctr" latinLnBrk="1"/>
+                      <a:endParaRPr lang="ko-KR" altLang="en-US" sz="1400" dirty="0">
+                        <a:latin typeface="Noto Sans KR Medium" pitchFamily="34" charset="-127"/>
+                        <a:ea typeface="Noto Sans KR Medium" pitchFamily="34" charset="-127"/>
+                      </a:endParaRPr>
+                    </a:p>
+                  </a:txBody>
+                  <a:tcPr/>
+                </a:tc>
+              </a:tr>
+              <a:tr h="693844">
+                <a:tc>
+                  <a:txBody>
+                    <a:bodyPr/>
+                    <a:lstStyle/>
+                    <a:p>
+                      <a:pPr algn="ctr" latinLnBrk="1"/>
+                      <a:r>
+                        <a:rPr lang="en-US" altLang="ko-KR" sz="1400" dirty="0" smtClean="0">
+                          <a:latin typeface="Noto Sans KR Medium" pitchFamily="34" charset="-127"/>
+                          <a:ea typeface="Noto Sans KR Medium" pitchFamily="34" charset="-127"/>
+                        </a:rPr>
+                        <a:t>11-12</a:t>
+                      </a:r>
+                      <a:endParaRPr lang="ko-KR" altLang="en-US" sz="1400" dirty="0">
+                        <a:latin typeface="Noto Sans KR Medium" pitchFamily="34" charset="-127"/>
+                        <a:ea typeface="Noto Sans KR Medium" pitchFamily="34" charset="-127"/>
+                      </a:endParaRPr>
+                    </a:p>
+                  </a:txBody>
+                  <a:tcPr/>
+                </a:tc>
+                <a:tc>
+                  <a:txBody>
+                    <a:bodyPr/>
+                    <a:lstStyle/>
+                    <a:p>
+                      <a:pPr algn="ctr" latinLnBrk="1"/>
+                      <a:endParaRPr lang="en-US" altLang="ko-KR" sz="1400" baseline="0" dirty="0" smtClean="0">
+                        <a:latin typeface="Noto Sans KR Medium" pitchFamily="34" charset="-127"/>
+                        <a:ea typeface="Noto Sans KR Medium" pitchFamily="34" charset="-127"/>
+                      </a:endParaRPr>
+                    </a:p>
+                  </a:txBody>
+                  <a:tcPr/>
+                </a:tc>
+                <a:tc>
+                  <a:txBody>
+                    <a:bodyPr/>
+                    <a:lstStyle/>
+                    <a:p>
+                      <a:pPr algn="ctr" latinLnBrk="1"/>
+                      <a:endParaRPr lang="ko-KR" altLang="en-US" sz="1400" dirty="0">
+                        <a:latin typeface="Noto Sans KR Medium" pitchFamily="34" charset="-127"/>
+                        <a:ea typeface="Noto Sans KR Medium" pitchFamily="34" charset="-127"/>
+                      </a:endParaRPr>
+                    </a:p>
+                  </a:txBody>
+                  <a:tcPr/>
+                </a:tc>
+              </a:tr>
+              <a:tr h="693844">
+                <a:tc>
+                  <a:txBody>
+                    <a:bodyPr/>
+                    <a:lstStyle/>
+                    <a:p>
+                      <a:pPr algn="ctr" latinLnBrk="1"/>
+                      <a:r>
+                        <a:rPr lang="en-US" altLang="ko-KR" sz="1400" dirty="0" smtClean="0">
+                          <a:latin typeface="Noto Sans KR Medium" pitchFamily="34" charset="-127"/>
+                          <a:ea typeface="Noto Sans KR Medium" pitchFamily="34" charset="-127"/>
+                        </a:rPr>
+                        <a:t>11-13</a:t>
+                      </a:r>
+                      <a:endParaRPr lang="ko-KR" altLang="en-US" sz="1400" dirty="0">
+                        <a:latin typeface="Noto Sans KR Medium" pitchFamily="34" charset="-127"/>
+                        <a:ea typeface="Noto Sans KR Medium" pitchFamily="34" charset="-127"/>
+                      </a:endParaRPr>
+                    </a:p>
+                  </a:txBody>
+                  <a:tcPr/>
+                </a:tc>
+                <a:tc>
+                  <a:txBody>
+                    <a:bodyPr/>
+                    <a:lstStyle/>
+                    <a:p>
+                      <a:pPr algn="ctr" latinLnBrk="1"/>
+                      <a:endParaRPr lang="ko-KR" altLang="en-US" sz="1400" dirty="0">
+                        <a:latin typeface="Noto Sans KR Medium" pitchFamily="34" charset="-127"/>
+                        <a:ea typeface="Noto Sans KR Medium" pitchFamily="34" charset="-127"/>
+                      </a:endParaRPr>
+                    </a:p>
+                  </a:txBody>
+                  <a:tcPr/>
+                </a:tc>
+                <a:tc>
+                  <a:txBody>
+                    <a:bodyPr/>
+                    <a:lstStyle/>
+                    <a:p>
+                      <a:pPr algn="ctr" latinLnBrk="1"/>
+                      <a:endParaRPr lang="ko-KR" altLang="en-US" sz="1400" dirty="0">
+                        <a:latin typeface="Noto Sans KR Medium" pitchFamily="34" charset="-127"/>
+                        <a:ea typeface="Noto Sans KR Medium" pitchFamily="34" charset="-127"/>
+                      </a:endParaRPr>
+                    </a:p>
+                  </a:txBody>
+                  <a:tcPr/>
+                </a:tc>
+              </a:tr>
+              <a:tr h="693844">
+                <a:tc>
+                  <a:txBody>
+                    <a:bodyPr/>
+                    <a:lstStyle/>
+                    <a:p>
+                      <a:pPr algn="ctr" latinLnBrk="1"/>
+                      <a:r>
+                        <a:rPr lang="en-US" altLang="ko-KR" sz="1400" dirty="0" smtClean="0">
+                          <a:latin typeface="Noto Sans KR Medium" pitchFamily="34" charset="-127"/>
+                          <a:ea typeface="Noto Sans KR Medium" pitchFamily="34" charset="-127"/>
+                        </a:rPr>
+                        <a:t>11-14</a:t>
+                      </a:r>
+                      <a:endParaRPr lang="ko-KR" altLang="en-US" sz="1400" dirty="0">
+                        <a:latin typeface="Noto Sans KR Medium" pitchFamily="34" charset="-127"/>
+                        <a:ea typeface="Noto Sans KR Medium" pitchFamily="34" charset="-127"/>
+                      </a:endParaRPr>
+                    </a:p>
+                  </a:txBody>
+                  <a:tcPr/>
+                </a:tc>
+                <a:tc>
+                  <a:txBody>
+                    <a:bodyPr/>
+                    <a:lstStyle/>
+                    <a:p>
+                      <a:pPr algn="ctr" latinLnBrk="1"/>
+                      <a:endParaRPr lang="ko-KR" altLang="en-US" sz="1400" dirty="0">
                         <a:latin typeface="Noto Sans KR Medium" pitchFamily="34" charset="-127"/>
                         <a:ea typeface="Noto Sans KR Medium" pitchFamily="34" charset="-127"/>
                       </a:endParaRPr>
@@ -4305,7 +4873,7 @@
     </p:spTree>
     <p:extLst>
       <p:ext uri="{BB962C8B-B14F-4D97-AF65-F5344CB8AC3E}">
-        <p14:creationId xmlns:p14="http://schemas.microsoft.com/office/powerpoint/2010/main" val="1783695213"/>
+        <p14:creationId xmlns:p14="http://schemas.microsoft.com/office/powerpoint/2010/main" val="2051796337"/>
       </p:ext>
     </p:extLst>
   </p:cSld>
@@ -4938,20 +5506,20 @@
               <a:t>플레이어 캐릭터의 </a:t>
             </a:r>
             <a:r>
-              <a:rPr lang="ko-KR" altLang="en-US" dirty="0" err="1" smtClean="0">
-                <a:latin typeface="Noto Sans KR Medium" pitchFamily="34" charset="-127"/>
-                <a:ea typeface="Noto Sans KR Medium" pitchFamily="34" charset="-127"/>
-              </a:rPr>
-              <a:t>스킬을</a:t>
-            </a:r>
-            <a:r>
-              <a:rPr lang="ko-KR" altLang="en-US" dirty="0" smtClean="0">
-                <a:latin typeface="Noto Sans KR Medium" pitchFamily="34" charset="-127"/>
-                <a:ea typeface="Noto Sans KR Medium" pitchFamily="34" charset="-127"/>
-              </a:rPr>
-              <a:t> 활용하여 작동시킴</a:t>
-            </a:r>
-            <a:endParaRPr lang="en-US" altLang="ko-KR" smtClean="0">
+              <a:rPr lang="ko-KR" altLang="en-US" dirty="0" smtClean="0">
+                <a:latin typeface="Noto Sans KR Medium" pitchFamily="34" charset="-127"/>
+                <a:ea typeface="Noto Sans KR Medium" pitchFamily="34" charset="-127"/>
+              </a:rPr>
+              <a:t>스킬 혹은 원소 구슬을 </a:t>
+            </a:r>
+            <a:r>
+              <a:rPr lang="ko-KR" altLang="en-US" dirty="0" smtClean="0">
+                <a:latin typeface="Noto Sans KR Medium" pitchFamily="34" charset="-127"/>
+                <a:ea typeface="Noto Sans KR Medium" pitchFamily="34" charset="-127"/>
+              </a:rPr>
+              <a:t>활용하여 작동시킴</a:t>
+            </a:r>
+            <a:endParaRPr lang="en-US" altLang="ko-KR" dirty="0" smtClean="0">
               <a:latin typeface="Noto Sans KR Medium" pitchFamily="34" charset="-127"/>
               <a:ea typeface="Noto Sans KR Medium" pitchFamily="34" charset="-127"/>
             </a:endParaRPr>
@@ -4989,6 +5557,439 @@
 </file>
 
 <file path=ppt/slides/slide5.xml><?xml version="1.0" encoding="utf-8"?>
+<p:sld xmlns:a="http://schemas.openxmlformats.org/drawingml/2006/main" xmlns:r="http://schemas.openxmlformats.org/officeDocument/2006/relationships" xmlns:p="http://schemas.openxmlformats.org/presentationml/2006/main">
+  <p:cSld>
+    <p:spTree>
+      <p:nvGrpSpPr>
+        <p:cNvPr id="1" name=""/>
+        <p:cNvGrpSpPr/>
+        <p:nvPr/>
+      </p:nvGrpSpPr>
+      <p:grpSpPr>
+        <a:xfrm>
+          <a:off x="0" y="0"/>
+          <a:ext cx="0" cy="0"/>
+          <a:chOff x="0" y="0"/>
+          <a:chExt cx="0" cy="0"/>
+        </a:xfrm>
+      </p:grpSpPr>
+      <p:sp>
+        <p:nvSpPr>
+          <p:cNvPr id="2" name="제목 1"/>
+          <p:cNvSpPr>
+            <a:spLocks noGrp="1"/>
+          </p:cNvSpPr>
+          <p:nvPr>
+            <p:ph type="title"/>
+          </p:nvPr>
+        </p:nvSpPr>
+        <p:spPr/>
+        <p:txBody>
+          <a:bodyPr/>
+          <a:lstStyle/>
+          <a:p>
+            <a:r>
+              <a:rPr lang="ko-KR" altLang="en-US" dirty="0" smtClean="0">
+                <a:latin typeface="Noto Sans KR Medium" pitchFamily="34" charset="-127"/>
+                <a:ea typeface="Noto Sans KR Medium" pitchFamily="34" charset="-127"/>
+              </a:rPr>
+              <a:t>원소 구슬</a:t>
+            </a:r>
+            <a:endParaRPr lang="ko-KR" altLang="en-US" dirty="0">
+              <a:latin typeface="Noto Sans KR Medium" pitchFamily="34" charset="-127"/>
+              <a:ea typeface="Noto Sans KR Medium" pitchFamily="34" charset="-127"/>
+            </a:endParaRPr>
+          </a:p>
+        </p:txBody>
+      </p:sp>
+      <p:sp>
+        <p:nvSpPr>
+          <p:cNvPr id="3" name="내용 개체 틀 2"/>
+          <p:cNvSpPr>
+            <a:spLocks noGrp="1"/>
+          </p:cNvSpPr>
+          <p:nvPr>
+            <p:ph idx="1"/>
+          </p:nvPr>
+        </p:nvSpPr>
+        <p:spPr/>
+        <p:txBody>
+          <a:bodyPr>
+            <a:normAutofit lnSpcReduction="10000"/>
+          </a:bodyPr>
+          <a:lstStyle/>
+          <a:p>
+            <a:pPr marL="0" indent="0">
+              <a:buNone/>
+            </a:pPr>
+            <a:r>
+              <a:rPr lang="ko-KR" altLang="en-US" dirty="0" smtClean="0">
+                <a:latin typeface="Noto Sans KR Medium" pitchFamily="34" charset="-127"/>
+                <a:ea typeface="Noto Sans KR Medium" pitchFamily="34" charset="-127"/>
+              </a:rPr>
+              <a:t>사용 방법 </a:t>
+            </a:r>
+            <a:r>
+              <a:rPr lang="en-US" altLang="ko-KR" dirty="0" smtClean="0">
+                <a:latin typeface="Noto Sans KR Medium" pitchFamily="34" charset="-127"/>
+                <a:ea typeface="Noto Sans KR Medium" pitchFamily="34" charset="-127"/>
+              </a:rPr>
+              <a:t>: </a:t>
+            </a:r>
+            <a:r>
+              <a:rPr lang="ko-KR" altLang="en-US" dirty="0" smtClean="0">
+                <a:latin typeface="Noto Sans KR Medium" pitchFamily="34" charset="-127"/>
+                <a:ea typeface="Noto Sans KR Medium" pitchFamily="34" charset="-127"/>
+              </a:rPr>
+              <a:t>클릭 후 원소가 태그인 오브젝트 클릭 시 해당 원소 </a:t>
+            </a:r>
+            <a:endParaRPr lang="en-US" altLang="ko-KR" dirty="0" smtClean="0">
+              <a:latin typeface="Noto Sans KR Medium" pitchFamily="34" charset="-127"/>
+              <a:ea typeface="Noto Sans KR Medium" pitchFamily="34" charset="-127"/>
+            </a:endParaRPr>
+          </a:p>
+          <a:p>
+            <a:pPr marL="0" indent="0">
+              <a:buNone/>
+            </a:pPr>
+            <a:r>
+              <a:rPr lang="ko-KR" altLang="en-US" dirty="0" smtClean="0">
+                <a:latin typeface="Noto Sans KR Medium" pitchFamily="34" charset="-127"/>
+                <a:ea typeface="Noto Sans KR Medium" pitchFamily="34" charset="-127"/>
+              </a:rPr>
+              <a:t>구슬로 </a:t>
+            </a:r>
+            <a:r>
+              <a:rPr lang="ko-KR" altLang="en-US" dirty="0" smtClean="0">
+                <a:latin typeface="Noto Sans KR Medium" pitchFamily="34" charset="-127"/>
+                <a:ea typeface="Noto Sans KR Medium" pitchFamily="34" charset="-127"/>
+              </a:rPr>
+              <a:t>변경 </a:t>
+            </a:r>
+            <a:r>
+              <a:rPr lang="en-US" altLang="ko-KR" dirty="0" smtClean="0">
+                <a:latin typeface="Noto Sans KR Medium" pitchFamily="34" charset="-127"/>
+                <a:ea typeface="Noto Sans KR Medium" pitchFamily="34" charset="-127"/>
+              </a:rPr>
+              <a:t>(</a:t>
+            </a:r>
+            <a:r>
+              <a:rPr lang="ko-KR" altLang="en-US" dirty="0" smtClean="0">
+                <a:latin typeface="Noto Sans KR Medium" pitchFamily="34" charset="-127"/>
+                <a:ea typeface="Noto Sans KR Medium" pitchFamily="34" charset="-127"/>
+              </a:rPr>
+              <a:t>사용 후 </a:t>
+            </a:r>
+            <a:r>
+              <a:rPr lang="ko-KR" altLang="en-US" dirty="0" err="1" smtClean="0">
+                <a:latin typeface="Noto Sans KR Medium" pitchFamily="34" charset="-127"/>
+                <a:ea typeface="Noto Sans KR Medium" pitchFamily="34" charset="-127"/>
+              </a:rPr>
+              <a:t>쿨타임</a:t>
+            </a:r>
+            <a:r>
+              <a:rPr lang="ko-KR" altLang="en-US" dirty="0" smtClean="0">
+                <a:latin typeface="Noto Sans KR Medium" pitchFamily="34" charset="-127"/>
+                <a:ea typeface="Noto Sans KR Medium" pitchFamily="34" charset="-127"/>
+              </a:rPr>
+              <a:t> </a:t>
+            </a:r>
+            <a:r>
+              <a:rPr lang="en-US" altLang="ko-KR" dirty="0" smtClean="0">
+                <a:latin typeface="Noto Sans KR Medium" pitchFamily="34" charset="-127"/>
+                <a:ea typeface="Noto Sans KR Medium" pitchFamily="34" charset="-127"/>
+              </a:rPr>
+              <a:t>15</a:t>
+            </a:r>
+            <a:r>
+              <a:rPr lang="ko-KR" altLang="en-US" dirty="0" smtClean="0">
+                <a:latin typeface="Noto Sans KR Medium" pitchFamily="34" charset="-127"/>
+                <a:ea typeface="Noto Sans KR Medium" pitchFamily="34" charset="-127"/>
+              </a:rPr>
+              <a:t>초</a:t>
+            </a:r>
+            <a:r>
+              <a:rPr lang="en-US" altLang="ko-KR" dirty="0" smtClean="0">
+                <a:latin typeface="Noto Sans KR Medium" pitchFamily="34" charset="-127"/>
+                <a:ea typeface="Noto Sans KR Medium" pitchFamily="34" charset="-127"/>
+              </a:rPr>
+              <a:t>)</a:t>
+            </a:r>
+            <a:endParaRPr lang="en-US" altLang="ko-KR" dirty="0" smtClean="0">
+              <a:latin typeface="Noto Sans KR Medium" pitchFamily="34" charset="-127"/>
+              <a:ea typeface="Noto Sans KR Medium" pitchFamily="34" charset="-127"/>
+            </a:endParaRPr>
+          </a:p>
+          <a:p>
+            <a:pPr marL="0" indent="0">
+              <a:buNone/>
+            </a:pPr>
+            <a:endParaRPr lang="en-US" altLang="ko-KR" dirty="0" smtClean="0">
+              <a:latin typeface="Noto Sans KR Medium" pitchFamily="34" charset="-127"/>
+              <a:ea typeface="Noto Sans KR Medium" pitchFamily="34" charset="-127"/>
+            </a:endParaRPr>
+          </a:p>
+          <a:p>
+            <a:pPr marL="0" indent="0">
+              <a:buNone/>
+            </a:pPr>
+            <a:r>
+              <a:rPr lang="ko-KR" altLang="en-US" dirty="0" smtClean="0">
+                <a:latin typeface="Noto Sans KR Medium" pitchFamily="34" charset="-127"/>
+                <a:ea typeface="Noto Sans KR Medium" pitchFamily="34" charset="-127"/>
+              </a:rPr>
+              <a:t>땅 </a:t>
+            </a:r>
+            <a:r>
+              <a:rPr lang="en-US" altLang="ko-KR" dirty="0" smtClean="0">
+                <a:latin typeface="Noto Sans KR Medium" pitchFamily="34" charset="-127"/>
+                <a:ea typeface="Noto Sans KR Medium" pitchFamily="34" charset="-127"/>
+              </a:rPr>
+              <a:t>: </a:t>
+            </a:r>
+            <a:r>
+              <a:rPr lang="ko-KR" altLang="en-US" dirty="0" smtClean="0">
+                <a:latin typeface="Noto Sans KR Medium" pitchFamily="34" charset="-127"/>
+                <a:ea typeface="Noto Sans KR Medium" pitchFamily="34" charset="-127"/>
+              </a:rPr>
+              <a:t>플레이어 발 밑에서 서서히 올라오는 바위 오브젝트 </a:t>
+            </a:r>
+            <a:r>
+              <a:rPr lang="ko-KR" altLang="en-US" dirty="0" smtClean="0">
+                <a:latin typeface="Noto Sans KR Medium" pitchFamily="34" charset="-127"/>
+                <a:ea typeface="Noto Sans KR Medium" pitchFamily="34" charset="-127"/>
+              </a:rPr>
+              <a:t>생성</a:t>
+            </a:r>
+            <a:endParaRPr lang="en-US" altLang="ko-KR" dirty="0" smtClean="0">
+              <a:latin typeface="Noto Sans KR Medium" pitchFamily="34" charset="-127"/>
+              <a:ea typeface="Noto Sans KR Medium" pitchFamily="34" charset="-127"/>
+            </a:endParaRPr>
+          </a:p>
+          <a:p>
+            <a:pPr marL="0" indent="0">
+              <a:buNone/>
+            </a:pPr>
+            <a:endParaRPr lang="en-US" altLang="ko-KR" dirty="0" smtClean="0">
+              <a:latin typeface="Noto Sans KR Medium" pitchFamily="34" charset="-127"/>
+              <a:ea typeface="Noto Sans KR Medium" pitchFamily="34" charset="-127"/>
+            </a:endParaRPr>
+          </a:p>
+          <a:p>
+            <a:pPr marL="0" indent="0">
+              <a:buNone/>
+            </a:pPr>
+            <a:r>
+              <a:rPr lang="ko-KR" altLang="en-US" dirty="0" smtClean="0">
+                <a:latin typeface="Noto Sans KR Medium" pitchFamily="34" charset="-127"/>
+                <a:ea typeface="Noto Sans KR Medium" pitchFamily="34" charset="-127"/>
+              </a:rPr>
+              <a:t>바람 </a:t>
+            </a:r>
+            <a:r>
+              <a:rPr lang="en-US" altLang="ko-KR" dirty="0" smtClean="0">
+                <a:latin typeface="Noto Sans KR Medium" pitchFamily="34" charset="-127"/>
+                <a:ea typeface="Noto Sans KR Medium" pitchFamily="34" charset="-127"/>
+              </a:rPr>
+              <a:t>: </a:t>
+            </a:r>
+            <a:r>
+              <a:rPr lang="ko-KR" altLang="en-US" dirty="0" smtClean="0">
+                <a:latin typeface="Noto Sans KR Medium" pitchFamily="34" charset="-127"/>
+                <a:ea typeface="Noto Sans KR Medium" pitchFamily="34" charset="-127"/>
+              </a:rPr>
+              <a:t>마우스 커서에 바람속성 오브젝트 </a:t>
+            </a:r>
+            <a:r>
+              <a:rPr lang="ko-KR" altLang="en-US" dirty="0" smtClean="0">
+                <a:latin typeface="Noto Sans KR Medium" pitchFamily="34" charset="-127"/>
+                <a:ea typeface="Noto Sans KR Medium" pitchFamily="34" charset="-127"/>
+              </a:rPr>
+              <a:t>생성</a:t>
+            </a:r>
+            <a:endParaRPr lang="en-US" altLang="ko-KR" dirty="0" smtClean="0">
+              <a:latin typeface="Noto Sans KR Medium" pitchFamily="34" charset="-127"/>
+              <a:ea typeface="Noto Sans KR Medium" pitchFamily="34" charset="-127"/>
+            </a:endParaRPr>
+          </a:p>
+          <a:p>
+            <a:pPr marL="0" indent="0">
+              <a:buNone/>
+            </a:pPr>
+            <a:endParaRPr lang="en-US" altLang="ko-KR" dirty="0" smtClean="0">
+              <a:latin typeface="Noto Sans KR Medium" pitchFamily="34" charset="-127"/>
+              <a:ea typeface="Noto Sans KR Medium" pitchFamily="34" charset="-127"/>
+            </a:endParaRPr>
+          </a:p>
+          <a:p>
+            <a:pPr marL="0" indent="0">
+              <a:buNone/>
+            </a:pPr>
+            <a:r>
+              <a:rPr lang="ko-KR" altLang="en-US" dirty="0" smtClean="0">
+                <a:latin typeface="Noto Sans KR Medium" pitchFamily="34" charset="-127"/>
+                <a:ea typeface="Noto Sans KR Medium" pitchFamily="34" charset="-127"/>
+              </a:rPr>
+              <a:t>물 </a:t>
+            </a:r>
+            <a:r>
+              <a:rPr lang="en-US" altLang="ko-KR" dirty="0" smtClean="0">
+                <a:latin typeface="Noto Sans KR Medium" pitchFamily="34" charset="-127"/>
+                <a:ea typeface="Noto Sans KR Medium" pitchFamily="34" charset="-127"/>
+              </a:rPr>
+              <a:t>: </a:t>
+            </a:r>
+            <a:r>
+              <a:rPr lang="ko-KR" altLang="en-US" dirty="0" smtClean="0">
+                <a:latin typeface="Noto Sans KR Medium" pitchFamily="34" charset="-127"/>
+                <a:ea typeface="Noto Sans KR Medium" pitchFamily="34" charset="-127"/>
+              </a:rPr>
+              <a:t>플레이어가 물의 형상으로 변함 </a:t>
+            </a:r>
+            <a:r>
+              <a:rPr lang="en-US" altLang="ko-KR" dirty="0" smtClean="0">
+                <a:latin typeface="Noto Sans KR Medium" pitchFamily="34" charset="-127"/>
+                <a:ea typeface="Noto Sans KR Medium" pitchFamily="34" charset="-127"/>
+              </a:rPr>
+              <a:t>(</a:t>
+            </a:r>
+            <a:r>
+              <a:rPr lang="ko-KR" altLang="en-US" dirty="0" smtClean="0">
+                <a:latin typeface="Noto Sans KR Medium" pitchFamily="34" charset="-127"/>
+                <a:ea typeface="Noto Sans KR Medium" pitchFamily="34" charset="-127"/>
+              </a:rPr>
+              <a:t>크기 작음</a:t>
+            </a:r>
+            <a:r>
+              <a:rPr lang="en-US" altLang="ko-KR" dirty="0" smtClean="0">
+                <a:latin typeface="Noto Sans KR Medium" pitchFamily="34" charset="-127"/>
+                <a:ea typeface="Noto Sans KR Medium" pitchFamily="34" charset="-127"/>
+              </a:rPr>
+              <a:t>)</a:t>
+            </a:r>
+          </a:p>
+          <a:p>
+            <a:pPr marL="0" indent="0">
+              <a:buNone/>
+            </a:pPr>
+            <a:endParaRPr lang="en-US" altLang="ko-KR" dirty="0" smtClean="0">
+              <a:latin typeface="Noto Sans KR Medium" pitchFamily="34" charset="-127"/>
+              <a:ea typeface="Noto Sans KR Medium" pitchFamily="34" charset="-127"/>
+            </a:endParaRPr>
+          </a:p>
+          <a:p>
+            <a:pPr marL="0" indent="0">
+              <a:buNone/>
+            </a:pPr>
+            <a:r>
+              <a:rPr lang="ko-KR" altLang="en-US" dirty="0" smtClean="0">
+                <a:latin typeface="Noto Sans KR Medium" pitchFamily="34" charset="-127"/>
+                <a:ea typeface="Noto Sans KR Medium" pitchFamily="34" charset="-127"/>
+              </a:rPr>
+              <a:t>불 </a:t>
+            </a:r>
+            <a:r>
+              <a:rPr lang="en-US" altLang="ko-KR" dirty="0" smtClean="0">
+                <a:latin typeface="Noto Sans KR Medium" pitchFamily="34" charset="-127"/>
+                <a:ea typeface="Noto Sans KR Medium" pitchFamily="34" charset="-127"/>
+              </a:rPr>
+              <a:t>: </a:t>
+            </a:r>
+            <a:r>
+              <a:rPr lang="ko-KR" altLang="en-US" dirty="0" smtClean="0">
+                <a:latin typeface="Noto Sans KR Medium" pitchFamily="34" charset="-127"/>
+                <a:ea typeface="Noto Sans KR Medium" pitchFamily="34" charset="-127"/>
+              </a:rPr>
+              <a:t>플레이어가 마우스 클릭 시 마우스 클릭 위치를 향해 포물선으로 </a:t>
+            </a:r>
+            <a:r>
+              <a:rPr lang="ko-KR" altLang="en-US" dirty="0" err="1" smtClean="0">
+                <a:latin typeface="Noto Sans KR Medium" pitchFamily="34" charset="-127"/>
+                <a:ea typeface="Noto Sans KR Medium" pitchFamily="34" charset="-127"/>
+              </a:rPr>
+              <a:t>화염구</a:t>
+            </a:r>
+            <a:r>
+              <a:rPr lang="ko-KR" altLang="en-US" dirty="0" smtClean="0">
+                <a:latin typeface="Noto Sans KR Medium" pitchFamily="34" charset="-127"/>
+                <a:ea typeface="Noto Sans KR Medium" pitchFamily="34" charset="-127"/>
+              </a:rPr>
+              <a:t> 사출 </a:t>
+            </a:r>
+            <a:r>
+              <a:rPr lang="en-US" altLang="ko-KR" dirty="0" smtClean="0">
+                <a:latin typeface="Noto Sans KR Medium" pitchFamily="34" charset="-127"/>
+                <a:ea typeface="Noto Sans KR Medium" pitchFamily="34" charset="-127"/>
+              </a:rPr>
+              <a:t>(1</a:t>
+            </a:r>
+            <a:r>
+              <a:rPr lang="ko-KR" altLang="en-US" dirty="0" smtClean="0">
+                <a:latin typeface="Noto Sans KR Medium" pitchFamily="34" charset="-127"/>
+                <a:ea typeface="Noto Sans KR Medium" pitchFamily="34" charset="-127"/>
+              </a:rPr>
+              <a:t>회</a:t>
+            </a:r>
+            <a:r>
+              <a:rPr lang="en-US" altLang="ko-KR" dirty="0" smtClean="0">
+                <a:latin typeface="Noto Sans KR Medium" pitchFamily="34" charset="-127"/>
+                <a:ea typeface="Noto Sans KR Medium" pitchFamily="34" charset="-127"/>
+              </a:rPr>
+              <a:t>) </a:t>
+            </a:r>
+            <a:r>
+              <a:rPr lang="ko-KR" altLang="en-US" dirty="0" smtClean="0">
+                <a:latin typeface="Noto Sans KR Medium" pitchFamily="34" charset="-127"/>
+                <a:ea typeface="Noto Sans KR Medium" pitchFamily="34" charset="-127"/>
+              </a:rPr>
+              <a:t>화염구가 바닥에 닿을 시 불꽃 오브젝트 생성 </a:t>
+            </a:r>
+            <a:endParaRPr lang="en-US" altLang="ko-KR" dirty="0" smtClean="0">
+              <a:latin typeface="Noto Sans KR Medium" pitchFamily="34" charset="-127"/>
+              <a:ea typeface="Noto Sans KR Medium" pitchFamily="34" charset="-127"/>
+            </a:endParaRPr>
+          </a:p>
+          <a:p>
+            <a:pPr marL="0" indent="0">
+              <a:buNone/>
+            </a:pPr>
+            <a:endParaRPr lang="en-US" altLang="ko-KR" dirty="0">
+              <a:latin typeface="Noto Sans KR Medium" pitchFamily="34" charset="-127"/>
+              <a:ea typeface="Noto Sans KR Medium" pitchFamily="34" charset="-127"/>
+            </a:endParaRPr>
+          </a:p>
+          <a:p>
+            <a:pPr marL="0" indent="0">
+              <a:buNone/>
+            </a:pPr>
+            <a:endParaRPr lang="ko-KR" altLang="en-US" dirty="0">
+              <a:latin typeface="Noto Sans KR Medium" pitchFamily="34" charset="-127"/>
+              <a:ea typeface="Noto Sans KR Medium" pitchFamily="34" charset="-127"/>
+            </a:endParaRPr>
+          </a:p>
+        </p:txBody>
+      </p:sp>
+    </p:spTree>
+    <p:extLst>
+      <p:ext uri="{BB962C8B-B14F-4D97-AF65-F5344CB8AC3E}">
+        <p14:creationId xmlns:p14="http://schemas.microsoft.com/office/powerpoint/2010/main" val="213043796"/>
+      </p:ext>
+    </p:extLst>
+  </p:cSld>
+  <p:clrMapOvr>
+    <a:masterClrMapping/>
+  </p:clrMapOvr>
+  <p:timing>
+    <p:tnLst>
+      <p:par>
+        <p:cTn id="1" dur="indefinite" restart="never" nodeType="tmRoot"/>
+      </p:par>
+    </p:tnLst>
+  </p:timing>
+</p:sld>
+</file>
+
+<file path=ppt/slides/slide6.xml><?xml version="1.0" encoding="utf-8"?>
 <p:sld xmlns:a="http://schemas.openxmlformats.org/drawingml/2006/main" xmlns:r="http://schemas.openxmlformats.org/officeDocument/2006/relationships" xmlns:p="http://schemas.openxmlformats.org/presentationml/2006/main">
   <p:cSld>
     <p:spTree>
@@ -5379,7 +6380,7 @@
 </p:sld>
 </file>
 
-<file path=ppt/slides/slide6.xml><?xml version="1.0" encoding="utf-8"?>
+<file path=ppt/slides/slide7.xml><?xml version="1.0" encoding="utf-8"?>
 <p:sld xmlns:a="http://schemas.openxmlformats.org/drawingml/2006/main" xmlns:r="http://schemas.openxmlformats.org/officeDocument/2006/relationships" xmlns:p="http://schemas.openxmlformats.org/presentationml/2006/main">
   <p:cSld>
     <p:spTree>
@@ -5652,31 +6653,8 @@
                 <a:latin typeface="Noto Sans KR Medium" pitchFamily="34" charset="-127"/>
                 <a:ea typeface="Noto Sans KR Medium" pitchFamily="34" charset="-127"/>
               </a:rPr>
-              <a:t>스테이지 </a:t>
-            </a:r>
-            <a:r>
-              <a:rPr lang="ko-KR" altLang="en-US" dirty="0" err="1" smtClean="0">
-                <a:latin typeface="Noto Sans KR Medium" pitchFamily="34" charset="-127"/>
-                <a:ea typeface="Noto Sans KR Medium" pitchFamily="34" charset="-127"/>
-              </a:rPr>
-              <a:t>클리어</a:t>
-            </a:r>
-            <a:r>
-              <a:rPr lang="ko-KR" altLang="en-US" dirty="0" smtClean="0">
-                <a:latin typeface="Noto Sans KR Medium" pitchFamily="34" charset="-127"/>
-                <a:ea typeface="Noto Sans KR Medium" pitchFamily="34" charset="-127"/>
-              </a:rPr>
-              <a:t> 획득</a:t>
-            </a:r>
-            <a:endParaRPr lang="en-US" altLang="ko-KR" dirty="0" smtClean="0">
-              <a:latin typeface="Noto Sans KR Medium" pitchFamily="34" charset="-127"/>
-              <a:ea typeface="Noto Sans KR Medium" pitchFamily="34" charset="-127"/>
-            </a:endParaRPr>
-          </a:p>
-          <a:p>
-            <a:pPr marL="0" indent="0">
-              <a:buNone/>
-            </a:pPr>
+              <a:t>스토리 진행</a:t>
+            </a:r>
             <a:endParaRPr lang="ko-KR" altLang="en-US" dirty="0">
               <a:latin typeface="Noto Sans KR Medium" pitchFamily="34" charset="-127"/>
               <a:ea typeface="Noto Sans KR Medium" pitchFamily="34" charset="-127"/>
@@ -5768,7 +6746,7 @@
 </p:sld>
 </file>
 
-<file path=ppt/slides/slide7.xml><?xml version="1.0" encoding="utf-8"?>
+<file path=ppt/slides/slide8.xml><?xml version="1.0" encoding="utf-8"?>
 <p:sld xmlns:a="http://schemas.openxmlformats.org/drawingml/2006/main" xmlns:r="http://schemas.openxmlformats.org/officeDocument/2006/relationships" xmlns:p="http://schemas.openxmlformats.org/presentationml/2006/main">
   <p:cSld>
     <p:spTree>
@@ -5844,33 +6822,14 @@
                 <a:latin typeface="Noto Sans KR Medium" pitchFamily="34" charset="-127"/>
                 <a:ea typeface="Noto Sans KR Medium" pitchFamily="34" charset="-127"/>
               </a:rPr>
-              <a:t>:</a:t>
-            </a:r>
-          </a:p>
-          <a:p>
-            <a:pPr marL="0" indent="0">
-              <a:buNone/>
-            </a:pPr>
-            <a:r>
-              <a:rPr lang="ko-KR" altLang="en-US" dirty="0" smtClean="0">
-                <a:latin typeface="Noto Sans KR Medium" pitchFamily="34" charset="-127"/>
-                <a:ea typeface="Noto Sans KR Medium" pitchFamily="34" charset="-127"/>
-              </a:rPr>
-              <a:t>속성 </a:t>
-            </a:r>
-            <a:r>
-              <a:rPr lang="en-US" altLang="ko-KR" dirty="0" smtClean="0">
-                <a:latin typeface="Noto Sans KR Medium" pitchFamily="34" charset="-127"/>
-                <a:ea typeface="Noto Sans KR Medium" pitchFamily="34" charset="-127"/>
-              </a:rPr>
               <a:t>: </a:t>
             </a:r>
             <a:r>
-              <a:rPr lang="ko-KR" altLang="en-US" dirty="0" smtClean="0">
-                <a:latin typeface="Noto Sans KR Medium" pitchFamily="34" charset="-127"/>
-                <a:ea typeface="Noto Sans KR Medium" pitchFamily="34" charset="-127"/>
-              </a:rPr>
-              <a:t>불</a:t>
+              <a:rPr lang="ko-KR" altLang="en-US" dirty="0" err="1" smtClean="0">
+                <a:latin typeface="Noto Sans KR Medium" pitchFamily="34" charset="-127"/>
+                <a:ea typeface="Noto Sans KR Medium" pitchFamily="34" charset="-127"/>
+              </a:rPr>
+              <a:t>서라현</a:t>
             </a:r>
             <a:endParaRPr lang="en-US" altLang="ko-KR" dirty="0" smtClean="0">
               <a:latin typeface="Noto Sans KR Medium" pitchFamily="34" charset="-127"/>
@@ -5886,14 +6845,7 @@
                 <a:latin typeface="Noto Sans KR Medium" pitchFamily="34" charset="-127"/>
                 <a:ea typeface="Noto Sans KR Medium" pitchFamily="34" charset="-127"/>
               </a:rPr>
-              <a:t>일반 공격</a:t>
-            </a:r>
-            <a:r>
-              <a:rPr lang="en-US" altLang="ko-KR" dirty="0">
-                <a:latin typeface="Noto Sans KR Medium" pitchFamily="34" charset="-127"/>
-                <a:ea typeface="Noto Sans KR Medium" pitchFamily="34" charset="-127"/>
-              </a:rPr>
-              <a:t> </a:t>
+              <a:t>속성 </a:t>
             </a:r>
             <a:r>
               <a:rPr lang="en-US" altLang="ko-KR" dirty="0" smtClean="0">
@@ -5907,7 +6859,7 @@
                 <a:latin typeface="Noto Sans KR Medium" pitchFamily="34" charset="-127"/>
                 <a:ea typeface="Noto Sans KR Medium" pitchFamily="34" charset="-127"/>
               </a:rPr>
-              <a:t>캐릭터 전방 범위 베기</a:t>
+              <a:t>불</a:t>
             </a:r>
             <a:endParaRPr lang="en-US" altLang="ko-KR" dirty="0" smtClean="0">
               <a:latin typeface="Noto Sans KR Medium" pitchFamily="34" charset="-127"/>
@@ -5923,6 +6875,43 @@
                 <a:latin typeface="Noto Sans KR Medium" pitchFamily="34" charset="-127"/>
                 <a:ea typeface="Noto Sans KR Medium" pitchFamily="34" charset="-127"/>
               </a:rPr>
+              <a:t>일반 공격</a:t>
+            </a:r>
+            <a:r>
+              <a:rPr lang="en-US" altLang="ko-KR" dirty="0">
+                <a:latin typeface="Noto Sans KR Medium" pitchFamily="34" charset="-127"/>
+                <a:ea typeface="Noto Sans KR Medium" pitchFamily="34" charset="-127"/>
+              </a:rPr>
+              <a:t> </a:t>
+            </a:r>
+            <a:r>
+              <a:rPr lang="en-US" altLang="ko-KR" dirty="0" smtClean="0">
+                <a:latin typeface="Noto Sans KR Medium" pitchFamily="34" charset="-127"/>
+                <a:ea typeface="Noto Sans KR Medium" pitchFamily="34" charset="-127"/>
+              </a:rPr>
+              <a:t>: </a:t>
+            </a:r>
+            <a:r>
+              <a:rPr lang="ko-KR" altLang="en-US" dirty="0" smtClean="0">
+                <a:latin typeface="Noto Sans KR Medium" pitchFamily="34" charset="-127"/>
+                <a:ea typeface="Noto Sans KR Medium" pitchFamily="34" charset="-127"/>
+              </a:rPr>
+              <a:t>캐릭터 전방 범위 베기</a:t>
+            </a:r>
+            <a:endParaRPr lang="en-US" altLang="ko-KR" dirty="0" smtClean="0">
+              <a:latin typeface="Noto Sans KR Medium" pitchFamily="34" charset="-127"/>
+              <a:ea typeface="Noto Sans KR Medium" pitchFamily="34" charset="-127"/>
+            </a:endParaRPr>
+          </a:p>
+          <a:p>
+            <a:pPr marL="0" indent="0">
+              <a:buNone/>
+            </a:pPr>
+            <a:r>
+              <a:rPr lang="ko-KR" altLang="en-US" dirty="0" smtClean="0">
+                <a:latin typeface="Noto Sans KR Medium" pitchFamily="34" charset="-127"/>
+                <a:ea typeface="Noto Sans KR Medium" pitchFamily="34" charset="-127"/>
+              </a:rPr>
               <a:t>사용 스킬 </a:t>
             </a:r>
             <a:r>
@@ -6061,30 +7050,12 @@
               <a:t>: </a:t>
             </a:r>
             <a:r>
-              <a:rPr lang="ko-KR" altLang="en-US" dirty="0" smtClean="0">
-                <a:latin typeface="Noto Sans KR Medium" pitchFamily="34" charset="-127"/>
-                <a:ea typeface="Noto Sans KR Medium" pitchFamily="34" charset="-127"/>
-              </a:rPr>
-              <a:t>스테이지 </a:t>
-            </a:r>
-            <a:r>
-              <a:rPr lang="ko-KR" altLang="en-US" dirty="0" err="1" smtClean="0">
-                <a:latin typeface="Noto Sans KR Medium" pitchFamily="34" charset="-127"/>
-                <a:ea typeface="Noto Sans KR Medium" pitchFamily="34" charset="-127"/>
-              </a:rPr>
-              <a:t>클리어</a:t>
-            </a:r>
-            <a:r>
-              <a:rPr lang="ko-KR" altLang="en-US" dirty="0" smtClean="0">
-                <a:latin typeface="Noto Sans KR Medium" pitchFamily="34" charset="-127"/>
-                <a:ea typeface="Noto Sans KR Medium" pitchFamily="34" charset="-127"/>
-              </a:rPr>
-              <a:t> 획득</a:t>
-            </a:r>
-            <a:endParaRPr lang="en-US" altLang="ko-KR" dirty="0" smtClean="0">
-              <a:latin typeface="Noto Sans KR Medium" pitchFamily="34" charset="-127"/>
-              <a:ea typeface="Noto Sans KR Medium" pitchFamily="34" charset="-127"/>
-            </a:endParaRPr>
+              <a:rPr lang="ko-KR" altLang="en-US" dirty="0">
+                <a:latin typeface="Noto Sans KR Medium" pitchFamily="34" charset="-127"/>
+                <a:ea typeface="Noto Sans KR Medium" pitchFamily="34" charset="-127"/>
+              </a:rPr>
+              <a:t>스토리 진행</a:t>
+            </a:r>
           </a:p>
           <a:p>
             <a:pPr marL="0" indent="0">
@@ -6181,7 +7152,7 @@
 </p:sld>
 </file>
 
-<file path=ppt/slides/slide8.xml><?xml version="1.0" encoding="utf-8"?>
+<file path=ppt/slides/slide9.xml><?xml version="1.0" encoding="utf-8"?>
 <p:sld xmlns:a="http://schemas.openxmlformats.org/drawingml/2006/main" xmlns:r="http://schemas.openxmlformats.org/officeDocument/2006/relationships" xmlns:p="http://schemas.openxmlformats.org/presentationml/2006/main">
   <p:cSld>
     <p:spTree>
@@ -6457,30 +7428,12 @@
               <a:t>: </a:t>
             </a:r>
             <a:r>
-              <a:rPr lang="ko-KR" altLang="en-US" dirty="0" smtClean="0">
-                <a:latin typeface="Noto Sans KR Medium" pitchFamily="34" charset="-127"/>
-                <a:ea typeface="Noto Sans KR Medium" pitchFamily="34" charset="-127"/>
-              </a:rPr>
-              <a:t>스테이지 </a:t>
-            </a:r>
-            <a:r>
-              <a:rPr lang="ko-KR" altLang="en-US" dirty="0" err="1" smtClean="0">
-                <a:latin typeface="Noto Sans KR Medium" pitchFamily="34" charset="-127"/>
-                <a:ea typeface="Noto Sans KR Medium" pitchFamily="34" charset="-127"/>
-              </a:rPr>
-              <a:t>클리어</a:t>
-            </a:r>
-            <a:r>
-              <a:rPr lang="ko-KR" altLang="en-US" dirty="0" smtClean="0">
-                <a:latin typeface="Noto Sans KR Medium" pitchFamily="34" charset="-127"/>
-                <a:ea typeface="Noto Sans KR Medium" pitchFamily="34" charset="-127"/>
-              </a:rPr>
-              <a:t> 획득</a:t>
-            </a:r>
-            <a:endParaRPr lang="en-US" altLang="ko-KR" dirty="0" smtClean="0">
-              <a:latin typeface="Noto Sans KR Medium" pitchFamily="34" charset="-127"/>
-              <a:ea typeface="Noto Sans KR Medium" pitchFamily="34" charset="-127"/>
-            </a:endParaRPr>
+              <a:rPr lang="ko-KR" altLang="en-US" dirty="0">
+                <a:latin typeface="Noto Sans KR Medium" pitchFamily="34" charset="-127"/>
+                <a:ea typeface="Noto Sans KR Medium" pitchFamily="34" charset="-127"/>
+              </a:rPr>
+              <a:t>스토리 진행</a:t>
+            </a:r>
           </a:p>
           <a:p>
             <a:pPr marL="0" indent="0">
@@ -6561,386 +7514,6 @@
     <p:extLst>
       <p:ext uri="{BB962C8B-B14F-4D97-AF65-F5344CB8AC3E}">
         <p14:creationId xmlns:p14="http://schemas.microsoft.com/office/powerpoint/2010/main" val="2054793296"/>
-      </p:ext>
-    </p:extLst>
-  </p:cSld>
-  <p:clrMapOvr>
-    <a:masterClrMapping/>
-  </p:clrMapOvr>
-  <p:timing>
-    <p:tnLst>
-      <p:par>
-        <p:cTn id="1" dur="indefinite" restart="never" nodeType="tmRoot"/>
-      </p:par>
-    </p:tnLst>
-  </p:timing>
-</p:sld>
-</file>
-
-<file path=ppt/slides/slide9.xml><?xml version="1.0" encoding="utf-8"?>
-<p:sld xmlns:a="http://schemas.openxmlformats.org/drawingml/2006/main" xmlns:r="http://schemas.openxmlformats.org/officeDocument/2006/relationships" xmlns:p="http://schemas.openxmlformats.org/presentationml/2006/main">
-  <p:cSld>
-    <p:spTree>
-      <p:nvGrpSpPr>
-        <p:cNvPr id="1" name=""/>
-        <p:cNvGrpSpPr/>
-        <p:nvPr/>
-      </p:nvGrpSpPr>
-      <p:grpSpPr>
-        <a:xfrm>
-          <a:off x="0" y="0"/>
-          <a:ext cx="0" cy="0"/>
-          <a:chOff x="0" y="0"/>
-          <a:chExt cx="0" cy="0"/>
-        </a:xfrm>
-      </p:grpSpPr>
-      <p:sp>
-        <p:nvSpPr>
-          <p:cNvPr id="2" name="제목 1"/>
-          <p:cNvSpPr>
-            <a:spLocks noGrp="1"/>
-          </p:cNvSpPr>
-          <p:nvPr>
-            <p:ph type="title"/>
-          </p:nvPr>
-        </p:nvSpPr>
-        <p:spPr/>
-        <p:txBody>
-          <a:bodyPr/>
-          <a:lstStyle/>
-          <a:p>
-            <a:r>
-              <a:rPr lang="ko-KR" altLang="en-US" dirty="0" smtClean="0">
-                <a:latin typeface="Noto Sans KR Medium" pitchFamily="34" charset="-127"/>
-                <a:ea typeface="Noto Sans KR Medium" pitchFamily="34" charset="-127"/>
-              </a:rPr>
-              <a:t>원소 구슬</a:t>
-            </a:r>
-            <a:endParaRPr lang="ko-KR" altLang="en-US" dirty="0">
-              <a:latin typeface="Noto Sans KR Medium" pitchFamily="34" charset="-127"/>
-              <a:ea typeface="Noto Sans KR Medium" pitchFamily="34" charset="-127"/>
-            </a:endParaRPr>
-          </a:p>
-        </p:txBody>
-      </p:sp>
-      <p:sp>
-        <p:nvSpPr>
-          <p:cNvPr id="3" name="내용 개체 틀 2"/>
-          <p:cNvSpPr>
-            <a:spLocks noGrp="1"/>
-          </p:cNvSpPr>
-          <p:nvPr>
-            <p:ph idx="1"/>
-          </p:nvPr>
-        </p:nvSpPr>
-        <p:spPr/>
-        <p:txBody>
-          <a:bodyPr/>
-          <a:lstStyle/>
-          <a:p>
-            <a:pPr marL="0" indent="0">
-              <a:buNone/>
-            </a:pPr>
-            <a:r>
-              <a:rPr lang="ko-KR" altLang="en-US" dirty="0" smtClean="0">
-                <a:latin typeface="Noto Sans KR Medium" pitchFamily="34" charset="-127"/>
-                <a:ea typeface="Noto Sans KR Medium" pitchFamily="34" charset="-127"/>
-              </a:rPr>
-              <a:t>사용 방법 </a:t>
-            </a:r>
-            <a:r>
-              <a:rPr lang="en-US" altLang="ko-KR" dirty="0" smtClean="0">
-                <a:latin typeface="Noto Sans KR Medium" pitchFamily="34" charset="-127"/>
-                <a:ea typeface="Noto Sans KR Medium" pitchFamily="34" charset="-127"/>
-              </a:rPr>
-              <a:t>: </a:t>
-            </a:r>
-            <a:r>
-              <a:rPr lang="ko-KR" altLang="en-US" dirty="0" smtClean="0">
-                <a:latin typeface="Noto Sans KR Medium" pitchFamily="34" charset="-127"/>
-                <a:ea typeface="Noto Sans KR Medium" pitchFamily="34" charset="-127"/>
-              </a:rPr>
-              <a:t>클릭 후 원소가 태그인 오브젝트 클릭 시 해당 원소 </a:t>
-            </a:r>
-            <a:endParaRPr lang="en-US" altLang="ko-KR" dirty="0" smtClean="0">
-              <a:latin typeface="Noto Sans KR Medium" pitchFamily="34" charset="-127"/>
-              <a:ea typeface="Noto Sans KR Medium" pitchFamily="34" charset="-127"/>
-            </a:endParaRPr>
-          </a:p>
-          <a:p>
-            <a:pPr marL="0" indent="0">
-              <a:buNone/>
-            </a:pPr>
-            <a:r>
-              <a:rPr lang="ko-KR" altLang="en-US" dirty="0" smtClean="0">
-                <a:latin typeface="Noto Sans KR Medium" pitchFamily="34" charset="-127"/>
-                <a:ea typeface="Noto Sans KR Medium" pitchFamily="34" charset="-127"/>
-              </a:rPr>
-              <a:t>구슬로 변경</a:t>
-            </a:r>
-            <a:endParaRPr lang="en-US" altLang="ko-KR" dirty="0" smtClean="0">
-              <a:latin typeface="Noto Sans KR Medium" pitchFamily="34" charset="-127"/>
-              <a:ea typeface="Noto Sans KR Medium" pitchFamily="34" charset="-127"/>
-            </a:endParaRPr>
-          </a:p>
-          <a:p>
-            <a:pPr marL="0" indent="0">
-              <a:buNone/>
-            </a:pPr>
-            <a:endParaRPr lang="en-US" altLang="ko-KR" dirty="0" smtClean="0">
-              <a:latin typeface="Noto Sans KR Medium" pitchFamily="34" charset="-127"/>
-              <a:ea typeface="Noto Sans KR Medium" pitchFamily="34" charset="-127"/>
-            </a:endParaRPr>
-          </a:p>
-          <a:p>
-            <a:pPr marL="0" indent="0">
-              <a:buNone/>
-            </a:pPr>
-            <a:r>
-              <a:rPr lang="ko-KR" altLang="en-US" dirty="0" smtClean="0">
-                <a:latin typeface="Noto Sans KR Medium" pitchFamily="34" charset="-127"/>
-                <a:ea typeface="Noto Sans KR Medium" pitchFamily="34" charset="-127"/>
-              </a:rPr>
-              <a:t>땅 </a:t>
-            </a:r>
-            <a:r>
-              <a:rPr lang="en-US" altLang="ko-KR" dirty="0" smtClean="0">
-                <a:latin typeface="Noto Sans KR Medium" pitchFamily="34" charset="-127"/>
-                <a:ea typeface="Noto Sans KR Medium" pitchFamily="34" charset="-127"/>
-              </a:rPr>
-              <a:t>: </a:t>
-            </a:r>
-            <a:r>
-              <a:rPr lang="ko-KR" altLang="en-US" dirty="0" smtClean="0">
-                <a:latin typeface="Noto Sans KR Medium" pitchFamily="34" charset="-127"/>
-                <a:ea typeface="Noto Sans KR Medium" pitchFamily="34" charset="-127"/>
-              </a:rPr>
-              <a:t>플레이어 발 밑에서 서서히 올라오는 바위 오브젝트 생성</a:t>
-            </a:r>
-            <a:endParaRPr lang="en-US" altLang="ko-KR" dirty="0" smtClean="0">
-              <a:latin typeface="Noto Sans KR Medium" pitchFamily="34" charset="-127"/>
-              <a:ea typeface="Noto Sans KR Medium" pitchFamily="34" charset="-127"/>
-            </a:endParaRPr>
-          </a:p>
-          <a:p>
-            <a:pPr marL="0" indent="0">
-              <a:buNone/>
-            </a:pPr>
-            <a:r>
-              <a:rPr lang="ko-KR" altLang="en-US" dirty="0" smtClean="0">
-                <a:latin typeface="Noto Sans KR Medium" pitchFamily="34" charset="-127"/>
-                <a:ea typeface="Noto Sans KR Medium" pitchFamily="34" charset="-127"/>
-              </a:rPr>
-              <a:t>바람 </a:t>
-            </a:r>
-            <a:r>
-              <a:rPr lang="en-US" altLang="ko-KR" dirty="0" smtClean="0">
-                <a:latin typeface="Noto Sans KR Medium" pitchFamily="34" charset="-127"/>
-                <a:ea typeface="Noto Sans KR Medium" pitchFamily="34" charset="-127"/>
-              </a:rPr>
-              <a:t>: </a:t>
-            </a:r>
-            <a:r>
-              <a:rPr lang="ko-KR" altLang="en-US" dirty="0" smtClean="0">
-                <a:latin typeface="Noto Sans KR Medium" pitchFamily="34" charset="-127"/>
-                <a:ea typeface="Noto Sans KR Medium" pitchFamily="34" charset="-127"/>
-              </a:rPr>
-              <a:t>마우스 커서에 바람속성 오브젝트 생성</a:t>
-            </a:r>
-            <a:endParaRPr lang="en-US" altLang="ko-KR" dirty="0" smtClean="0">
-              <a:latin typeface="Noto Sans KR Medium" pitchFamily="34" charset="-127"/>
-              <a:ea typeface="Noto Sans KR Medium" pitchFamily="34" charset="-127"/>
-            </a:endParaRPr>
-          </a:p>
-          <a:p>
-            <a:pPr marL="0" indent="0">
-              <a:buNone/>
-            </a:pPr>
-            <a:r>
-              <a:rPr lang="ko-KR" altLang="en-US" dirty="0" smtClean="0">
-                <a:latin typeface="Noto Sans KR Medium" pitchFamily="34" charset="-127"/>
-                <a:ea typeface="Noto Sans KR Medium" pitchFamily="34" charset="-127"/>
-              </a:rPr>
-              <a:t>물 </a:t>
-            </a:r>
-            <a:r>
-              <a:rPr lang="en-US" altLang="ko-KR" dirty="0" smtClean="0">
-                <a:latin typeface="Noto Sans KR Medium" pitchFamily="34" charset="-127"/>
-                <a:ea typeface="Noto Sans KR Medium" pitchFamily="34" charset="-127"/>
-              </a:rPr>
-              <a:t>: </a:t>
-            </a:r>
-            <a:r>
-              <a:rPr lang="ko-KR" altLang="en-US" dirty="0" smtClean="0">
-                <a:latin typeface="Noto Sans KR Medium" pitchFamily="34" charset="-127"/>
-                <a:ea typeface="Noto Sans KR Medium" pitchFamily="34" charset="-127"/>
-              </a:rPr>
-              <a:t>플레이어가 물의 형상으로 변함 </a:t>
-            </a:r>
-            <a:r>
-              <a:rPr lang="en-US" altLang="ko-KR" dirty="0" smtClean="0">
-                <a:latin typeface="Noto Sans KR Medium" pitchFamily="34" charset="-127"/>
-                <a:ea typeface="Noto Sans KR Medium" pitchFamily="34" charset="-127"/>
-              </a:rPr>
-              <a:t>(</a:t>
-            </a:r>
-            <a:r>
-              <a:rPr lang="ko-KR" altLang="en-US" dirty="0" smtClean="0">
-                <a:latin typeface="Noto Sans KR Medium" pitchFamily="34" charset="-127"/>
-                <a:ea typeface="Noto Sans KR Medium" pitchFamily="34" charset="-127"/>
-              </a:rPr>
-              <a:t>크기 작음</a:t>
-            </a:r>
-            <a:r>
-              <a:rPr lang="en-US" altLang="ko-KR" dirty="0" smtClean="0">
-                <a:latin typeface="Noto Sans KR Medium" pitchFamily="34" charset="-127"/>
-                <a:ea typeface="Noto Sans KR Medium" pitchFamily="34" charset="-127"/>
-              </a:rPr>
-              <a:t>)</a:t>
-            </a:r>
-          </a:p>
-          <a:p>
-            <a:pPr marL="0" indent="0">
-              <a:buNone/>
-            </a:pPr>
-            <a:r>
-              <a:rPr lang="ko-KR" altLang="en-US" dirty="0" smtClean="0">
-                <a:latin typeface="Noto Sans KR Medium" pitchFamily="34" charset="-127"/>
-                <a:ea typeface="Noto Sans KR Medium" pitchFamily="34" charset="-127"/>
-              </a:rPr>
-              <a:t>불 </a:t>
-            </a:r>
-            <a:r>
-              <a:rPr lang="en-US" altLang="ko-KR" dirty="0" smtClean="0">
-                <a:latin typeface="Noto Sans KR Medium" pitchFamily="34" charset="-127"/>
-                <a:ea typeface="Noto Sans KR Medium" pitchFamily="34" charset="-127"/>
-              </a:rPr>
-              <a:t>: </a:t>
-            </a:r>
-            <a:r>
-              <a:rPr lang="ko-KR" altLang="en-US" dirty="0" smtClean="0">
-                <a:latin typeface="Noto Sans KR Medium" pitchFamily="34" charset="-127"/>
-                <a:ea typeface="Noto Sans KR Medium" pitchFamily="34" charset="-127"/>
-              </a:rPr>
-              <a:t>플레이어가 마우스 클릭 시 마우스 클릭 위치를 향해 포물선으로 </a:t>
-            </a:r>
-            <a:r>
-              <a:rPr lang="ko-KR" altLang="en-US" dirty="0" err="1" smtClean="0">
-                <a:latin typeface="Noto Sans KR Medium" pitchFamily="34" charset="-127"/>
-                <a:ea typeface="Noto Sans KR Medium" pitchFamily="34" charset="-127"/>
-              </a:rPr>
-              <a:t>화염구</a:t>
-            </a:r>
-            <a:r>
-              <a:rPr lang="ko-KR" altLang="en-US" dirty="0" smtClean="0">
-                <a:latin typeface="Noto Sans KR Medium" pitchFamily="34" charset="-127"/>
-                <a:ea typeface="Noto Sans KR Medium" pitchFamily="34" charset="-127"/>
-              </a:rPr>
-              <a:t> 사출 </a:t>
-            </a:r>
-            <a:r>
-              <a:rPr lang="en-US" altLang="ko-KR" dirty="0" smtClean="0">
-                <a:latin typeface="Noto Sans KR Medium" pitchFamily="34" charset="-127"/>
-                <a:ea typeface="Noto Sans KR Medium" pitchFamily="34" charset="-127"/>
-              </a:rPr>
-              <a:t>(1</a:t>
-            </a:r>
-            <a:r>
-              <a:rPr lang="ko-KR" altLang="en-US" dirty="0" smtClean="0">
-                <a:latin typeface="Noto Sans KR Medium" pitchFamily="34" charset="-127"/>
-                <a:ea typeface="Noto Sans KR Medium" pitchFamily="34" charset="-127"/>
-              </a:rPr>
-              <a:t>회</a:t>
-            </a:r>
-            <a:r>
-              <a:rPr lang="en-US" altLang="ko-KR" dirty="0" smtClean="0">
-                <a:latin typeface="Noto Sans KR Medium" pitchFamily="34" charset="-127"/>
-                <a:ea typeface="Noto Sans KR Medium" pitchFamily="34" charset="-127"/>
-              </a:rPr>
-              <a:t>) </a:t>
-            </a:r>
-            <a:r>
-              <a:rPr lang="ko-KR" altLang="en-US" smtClean="0">
-                <a:latin typeface="Noto Sans KR Medium" pitchFamily="34" charset="-127"/>
-                <a:ea typeface="Noto Sans KR Medium" pitchFamily="34" charset="-127"/>
-              </a:rPr>
-              <a:t>화염구가 바닥에 닿을 시 불꽃 오브젝트 생성 </a:t>
-            </a:r>
-            <a:endParaRPr lang="en-US" altLang="ko-KR" dirty="0" smtClean="0">
-              <a:latin typeface="Noto Sans KR Medium" pitchFamily="34" charset="-127"/>
-              <a:ea typeface="Noto Sans KR Medium" pitchFamily="34" charset="-127"/>
-            </a:endParaRPr>
-          </a:p>
-          <a:p>
-            <a:pPr marL="0" indent="0">
-              <a:buNone/>
-            </a:pPr>
-            <a:endParaRPr lang="en-US" altLang="ko-KR" dirty="0">
-              <a:latin typeface="Noto Sans KR Medium" pitchFamily="34" charset="-127"/>
-              <a:ea typeface="Noto Sans KR Medium" pitchFamily="34" charset="-127"/>
-            </a:endParaRPr>
-          </a:p>
-          <a:p>
-            <a:pPr marL="0" indent="0">
-              <a:buNone/>
-            </a:pPr>
-            <a:r>
-              <a:rPr lang="ko-KR" altLang="en-US" dirty="0" err="1" smtClean="0">
-                <a:latin typeface="Noto Sans KR Medium" pitchFamily="34" charset="-127"/>
-                <a:ea typeface="Noto Sans KR Medium" pitchFamily="34" charset="-127"/>
-              </a:rPr>
-              <a:t>쿨타임</a:t>
-            </a:r>
-            <a:r>
-              <a:rPr lang="ko-KR" altLang="en-US" dirty="0" smtClean="0">
-                <a:latin typeface="Noto Sans KR Medium" pitchFamily="34" charset="-127"/>
-                <a:ea typeface="Noto Sans KR Medium" pitchFamily="34" charset="-127"/>
-              </a:rPr>
-              <a:t> </a:t>
-            </a:r>
-            <a:r>
-              <a:rPr lang="en-US" altLang="ko-KR" dirty="0" smtClean="0">
-                <a:latin typeface="Noto Sans KR Medium" pitchFamily="34" charset="-127"/>
-                <a:ea typeface="Noto Sans KR Medium" pitchFamily="34" charset="-127"/>
-              </a:rPr>
-              <a:t>: 15</a:t>
-            </a:r>
-            <a:r>
-              <a:rPr lang="ko-KR" altLang="en-US" dirty="0" smtClean="0">
-                <a:latin typeface="Noto Sans KR Medium" pitchFamily="34" charset="-127"/>
-                <a:ea typeface="Noto Sans KR Medium" pitchFamily="34" charset="-127"/>
-              </a:rPr>
-              <a:t>초</a:t>
-            </a:r>
-            <a:endParaRPr lang="en-US" altLang="ko-KR" dirty="0" smtClean="0">
-              <a:latin typeface="Noto Sans KR Medium" pitchFamily="34" charset="-127"/>
-              <a:ea typeface="Noto Sans KR Medium" pitchFamily="34" charset="-127"/>
-            </a:endParaRPr>
-          </a:p>
-          <a:p>
-            <a:pPr marL="0" indent="0">
-              <a:buNone/>
-            </a:pPr>
-            <a:endParaRPr lang="en-US" altLang="ko-KR" dirty="0">
-              <a:latin typeface="Noto Sans KR Medium" pitchFamily="34" charset="-127"/>
-              <a:ea typeface="Noto Sans KR Medium" pitchFamily="34" charset="-127"/>
-            </a:endParaRPr>
-          </a:p>
-          <a:p>
-            <a:pPr marL="0" indent="0">
-              <a:buNone/>
-            </a:pPr>
-            <a:endParaRPr lang="ko-KR" altLang="en-US" dirty="0">
-              <a:latin typeface="Noto Sans KR Medium" pitchFamily="34" charset="-127"/>
-              <a:ea typeface="Noto Sans KR Medium" pitchFamily="34" charset="-127"/>
-            </a:endParaRPr>
-          </a:p>
-        </p:txBody>
-      </p:sp>
-    </p:spTree>
-    <p:extLst>
-      <p:ext uri="{BB962C8B-B14F-4D97-AF65-F5344CB8AC3E}">
-        <p14:creationId xmlns:p14="http://schemas.microsoft.com/office/powerpoint/2010/main" val="213043796"/>
       </p:ext>
     </p:extLst>
   </p:cSld>

--- a/2D Personal Game Project/새 Microsoft PowerPoint 프레젠테이션.pptx
+++ b/2D Personal Game Project/새 Microsoft PowerPoint 프레젠테이션.pptx
@@ -305,7 +305,7 @@
           <a:p>
             <a:fld id="{FB30EDBD-1C2D-4C1E-B459-B60219FAB484}" type="datetimeFigureOut">
               <a:rPr lang="ko-KR" altLang="en-US" smtClean="0"/>
-              <a:t>2020-11-09</a:t>
+              <a:t>2020-11-10</a:t>
             </a:fld>
             <a:endParaRPr lang="ko-KR" altLang="en-US"/>
           </a:p>
@@ -505,7 +505,7 @@
           <a:p>
             <a:fld id="{FB30EDBD-1C2D-4C1E-B459-B60219FAB484}" type="datetimeFigureOut">
               <a:rPr lang="ko-KR" altLang="en-US" smtClean="0"/>
-              <a:t>2020-11-09</a:t>
+              <a:t>2020-11-10</a:t>
             </a:fld>
             <a:endParaRPr lang="ko-KR" altLang="en-US"/>
           </a:p>
@@ -680,7 +680,7 @@
           <a:p>
             <a:fld id="{FB30EDBD-1C2D-4C1E-B459-B60219FAB484}" type="datetimeFigureOut">
               <a:rPr lang="ko-KR" altLang="en-US" smtClean="0"/>
-              <a:t>2020-11-09</a:t>
+              <a:t>2020-11-10</a:t>
             </a:fld>
             <a:endParaRPr lang="ko-KR" altLang="en-US"/>
           </a:p>
@@ -845,7 +845,7 @@
           <a:p>
             <a:fld id="{FB30EDBD-1C2D-4C1E-B459-B60219FAB484}" type="datetimeFigureOut">
               <a:rPr lang="ko-KR" altLang="en-US" smtClean="0"/>
-              <a:t>2020-11-09</a:t>
+              <a:t>2020-11-10</a:t>
             </a:fld>
             <a:endParaRPr lang="ko-KR" altLang="en-US"/>
           </a:p>
@@ -1093,7 +1093,7 @@
           <a:p>
             <a:fld id="{FB30EDBD-1C2D-4C1E-B459-B60219FAB484}" type="datetimeFigureOut">
               <a:rPr lang="ko-KR" altLang="en-US" smtClean="0"/>
-              <a:t>2020-11-09</a:t>
+              <a:t>2020-11-10</a:t>
             </a:fld>
             <a:endParaRPr lang="ko-KR" altLang="en-US"/>
           </a:p>
@@ -1411,7 +1411,7 @@
           <a:p>
             <a:fld id="{FB30EDBD-1C2D-4C1E-B459-B60219FAB484}" type="datetimeFigureOut">
               <a:rPr lang="ko-KR" altLang="en-US" smtClean="0"/>
-              <a:t>2020-11-09</a:t>
+              <a:t>2020-11-10</a:t>
             </a:fld>
             <a:endParaRPr lang="ko-KR" altLang="en-US"/>
           </a:p>
@@ -1877,7 +1877,7 @@
           <a:p>
             <a:fld id="{FB30EDBD-1C2D-4C1E-B459-B60219FAB484}" type="datetimeFigureOut">
               <a:rPr lang="ko-KR" altLang="en-US" smtClean="0"/>
-              <a:t>2020-11-09</a:t>
+              <a:t>2020-11-10</a:t>
             </a:fld>
             <a:endParaRPr lang="ko-KR" altLang="en-US"/>
           </a:p>
@@ -2025,7 +2025,7 @@
           <a:p>
             <a:fld id="{FB30EDBD-1C2D-4C1E-B459-B60219FAB484}" type="datetimeFigureOut">
               <a:rPr lang="ko-KR" altLang="en-US" smtClean="0"/>
-              <a:t>2020-11-09</a:t>
+              <a:t>2020-11-10</a:t>
             </a:fld>
             <a:endParaRPr lang="ko-KR" altLang="en-US"/>
           </a:p>
@@ -2115,7 +2115,7 @@
           <a:p>
             <a:fld id="{FB30EDBD-1C2D-4C1E-B459-B60219FAB484}" type="datetimeFigureOut">
               <a:rPr lang="ko-KR" altLang="en-US" smtClean="0"/>
-              <a:t>2020-11-09</a:t>
+              <a:t>2020-11-10</a:t>
             </a:fld>
             <a:endParaRPr lang="ko-KR" altLang="en-US"/>
           </a:p>
@@ -2389,7 +2389,7 @@
           <a:p>
             <a:fld id="{FB30EDBD-1C2D-4C1E-B459-B60219FAB484}" type="datetimeFigureOut">
               <a:rPr lang="ko-KR" altLang="en-US" smtClean="0"/>
-              <a:t>2020-11-09</a:t>
+              <a:t>2020-11-10</a:t>
             </a:fld>
             <a:endParaRPr lang="ko-KR" altLang="en-US"/>
           </a:p>
@@ -2694,7 +2694,7 @@
           <a:p>
             <a:fld id="{FB30EDBD-1C2D-4C1E-B459-B60219FAB484}" type="datetimeFigureOut">
               <a:rPr lang="ko-KR" altLang="en-US" smtClean="0"/>
-              <a:t>2020-11-09</a:t>
+              <a:t>2020-11-10</a:t>
             </a:fld>
             <a:endParaRPr lang="ko-KR" altLang="en-US"/>
           </a:p>
@@ -2992,7 +2992,7 @@
           <a:p>
             <a:fld id="{FB30EDBD-1C2D-4C1E-B459-B60219FAB484}" type="datetimeFigureOut">
               <a:rPr lang="ko-KR" altLang="en-US" smtClean="0"/>
-              <a:t>2020-11-09</a:t>
+              <a:t>2020-11-10</a:t>
             </a:fld>
             <a:endParaRPr lang="ko-KR" altLang="en-US"/>
           </a:p>
@@ -4447,7 +4447,7 @@
           <p:nvPr>
             <p:extLst>
               <p:ext uri="{D42A27DB-BD31-4B8C-83A1-F6EECF244321}">
-                <p14:modId xmlns:p14="http://schemas.microsoft.com/office/powerpoint/2010/main" val="2178175181"/>
+                <p14:modId xmlns:p14="http://schemas.microsoft.com/office/powerpoint/2010/main" val="1988635428"/>
               </p:ext>
             </p:extLst>
           </p:nvPr>
@@ -4639,6 +4639,61 @@
                     <a:lstStyle/>
                     <a:p>
                       <a:pPr algn="ctr" latinLnBrk="1"/>
+                      <a:r>
+                        <a:rPr lang="ko-KR" altLang="en-US" sz="1400" baseline="0" dirty="0" smtClean="0">
+                          <a:latin typeface="Noto Sans KR Medium" pitchFamily="34" charset="-127"/>
+                          <a:ea typeface="Noto Sans KR Medium" pitchFamily="34" charset="-127"/>
+                        </a:rPr>
+                        <a:t>스테이지</a:t>
+                      </a:r>
+                      <a:r>
+                        <a:rPr lang="en-US" altLang="ko-KR" sz="1400" baseline="0" dirty="0" smtClean="0">
+                          <a:latin typeface="Noto Sans KR Medium" pitchFamily="34" charset="-127"/>
+                          <a:ea typeface="Noto Sans KR Medium" pitchFamily="34" charset="-127"/>
+                        </a:rPr>
+                        <a:t>1-1</a:t>
+                      </a:r>
+                    </a:p>
+                    <a:p>
+                      <a:pPr algn="ctr" latinLnBrk="1"/>
+                      <a:r>
+                        <a:rPr lang="ko-KR" altLang="en-US" sz="1400" baseline="0" dirty="0" smtClean="0">
+                          <a:latin typeface="Noto Sans KR Medium" pitchFamily="34" charset="-127"/>
+                          <a:ea typeface="Noto Sans KR Medium" pitchFamily="34" charset="-127"/>
+                        </a:rPr>
+                        <a:t>스테이지</a:t>
+                      </a:r>
+                      <a:r>
+                        <a:rPr lang="en-US" altLang="ko-KR" sz="1400" baseline="0" dirty="0" smtClean="0">
+                          <a:latin typeface="Noto Sans KR Medium" pitchFamily="34" charset="-127"/>
+                          <a:ea typeface="Noto Sans KR Medium" pitchFamily="34" charset="-127"/>
+                        </a:rPr>
+                        <a:t>1-3</a:t>
+                      </a:r>
+                    </a:p>
+                    <a:p>
+                      <a:pPr algn="ctr" latinLnBrk="1"/>
+                      <a:r>
+                        <a:rPr lang="ko-KR" altLang="en-US" sz="1400" baseline="0" dirty="0" smtClean="0">
+                          <a:latin typeface="Noto Sans KR Medium" pitchFamily="34" charset="-127"/>
+                          <a:ea typeface="Noto Sans KR Medium" pitchFamily="34" charset="-127"/>
+                        </a:rPr>
+                        <a:t>스테이지</a:t>
+                      </a:r>
+                      <a:r>
+                        <a:rPr lang="en-US" altLang="ko-KR" sz="1400" baseline="0" dirty="0" smtClean="0">
+                          <a:latin typeface="Noto Sans KR Medium" pitchFamily="34" charset="-127"/>
+                          <a:ea typeface="Noto Sans KR Medium" pitchFamily="34" charset="-127"/>
+                        </a:rPr>
+                        <a:t>1-2</a:t>
+                      </a:r>
+                      <a:r>
+                        <a:rPr lang="ko-KR" altLang="en-US" sz="1400" baseline="0" dirty="0" smtClean="0">
+                          <a:latin typeface="Noto Sans KR Medium" pitchFamily="34" charset="-127"/>
+                          <a:ea typeface="Noto Sans KR Medium" pitchFamily="34" charset="-127"/>
+                        </a:rPr>
+                        <a:t>배치</a:t>
+                      </a:r>
                       <a:endParaRPr lang="en-US" altLang="ko-KR" sz="1400" baseline="0" dirty="0" smtClean="0">
                         <a:latin typeface="Noto Sans KR Medium" pitchFamily="34" charset="-127"/>
                         <a:ea typeface="Noto Sans KR Medium" pitchFamily="34" charset="-127"/>
@@ -4653,7 +4708,42 @@
                     <a:lstStyle/>
                     <a:p>
                       <a:pPr algn="ctr" latinLnBrk="1"/>
-                      <a:endParaRPr lang="ko-KR" altLang="en-US" sz="1400">
+                      <a:r>
+                        <a:rPr lang="ko-KR" altLang="en-US" sz="1400" dirty="0" err="1" smtClean="0">
+                          <a:latin typeface="Noto Sans KR Medium" pitchFamily="34" charset="-127"/>
+                          <a:ea typeface="Noto Sans KR Medium" pitchFamily="34" charset="-127"/>
+                        </a:rPr>
+                        <a:t>모아이</a:t>
+                      </a:r>
+                      <a:r>
+                        <a:rPr lang="ko-KR" altLang="en-US" sz="1400" baseline="0" dirty="0" smtClean="0">
+                          <a:latin typeface="Noto Sans KR Medium" pitchFamily="34" charset="-127"/>
+                          <a:ea typeface="Noto Sans KR Medium" pitchFamily="34" charset="-127"/>
+                        </a:rPr>
+                        <a:t> 타임라인</a:t>
+                      </a:r>
+                      <a:endParaRPr lang="en-US" altLang="ko-KR" sz="1400" baseline="0" dirty="0" smtClean="0">
+                        <a:latin typeface="Noto Sans KR Medium" pitchFamily="34" charset="-127"/>
+                        <a:ea typeface="Noto Sans KR Medium" pitchFamily="34" charset="-127"/>
+                      </a:endParaRPr>
+                    </a:p>
+                    <a:p>
+                      <a:pPr algn="ctr" latinLnBrk="1"/>
+                      <a:r>
+                        <a:rPr lang="en-US" altLang="ko-KR" sz="1400" baseline="0" dirty="0" smtClean="0">
+                          <a:latin typeface="Noto Sans KR Medium" pitchFamily="34" charset="-127"/>
+                          <a:ea typeface="Noto Sans KR Medium" pitchFamily="34" charset="-127"/>
+                        </a:rPr>
+                        <a:t>1-2 </a:t>
+                      </a:r>
+                      <a:r>
+                        <a:rPr lang="ko-KR" altLang="en-US" sz="1400" baseline="0" smtClean="0">
+                          <a:latin typeface="Noto Sans KR Medium" pitchFamily="34" charset="-127"/>
+                          <a:ea typeface="Noto Sans KR Medium" pitchFamily="34" charset="-127"/>
+                        </a:rPr>
+                        <a:t>덜 함</a:t>
+                      </a:r>
+                      <a:endParaRPr lang="ko-KR" altLang="en-US" sz="1400" dirty="0">
                         <a:latin typeface="Noto Sans KR Medium" pitchFamily="34" charset="-127"/>
                         <a:ea typeface="Noto Sans KR Medium" pitchFamily="34" charset="-127"/>
                       </a:endParaRPr>
@@ -5503,21 +5593,7 @@
                 <a:latin typeface="Noto Sans KR Medium" pitchFamily="34" charset="-127"/>
                 <a:ea typeface="Noto Sans KR Medium" pitchFamily="34" charset="-127"/>
               </a:rPr>
-              <a:t>플레이어 캐릭터의 </a:t>
-            </a:r>
-            <a:r>
-              <a:rPr lang="ko-KR" altLang="en-US" dirty="0" smtClean="0">
-                <a:latin typeface="Noto Sans KR Medium" pitchFamily="34" charset="-127"/>
-                <a:ea typeface="Noto Sans KR Medium" pitchFamily="34" charset="-127"/>
-              </a:rPr>
-              <a:t>스킬 혹은 원소 구슬을 </a:t>
-            </a:r>
-            <a:r>
-              <a:rPr lang="ko-KR" altLang="en-US" dirty="0" smtClean="0">
-                <a:latin typeface="Noto Sans KR Medium" pitchFamily="34" charset="-127"/>
-                <a:ea typeface="Noto Sans KR Medium" pitchFamily="34" charset="-127"/>
-              </a:rPr>
-              <a:t>활용하여 작동시킴</a:t>
+              <a:t>플레이어 캐릭터의 스킬 혹은 원소 구슬을 활용하여 작동시킴</a:t>
             </a:r>
             <a:endParaRPr lang="en-US" altLang="ko-KR" dirty="0" smtClean="0">
               <a:latin typeface="Noto Sans KR Medium" pitchFamily="34" charset="-127"/>
@@ -5657,14 +5733,7 @@
                 <a:latin typeface="Noto Sans KR Medium" pitchFamily="34" charset="-127"/>
                 <a:ea typeface="Noto Sans KR Medium" pitchFamily="34" charset="-127"/>
               </a:rPr>
-              <a:t>구슬로 </a:t>
-            </a:r>
-            <a:r>
-              <a:rPr lang="ko-KR" altLang="en-US" dirty="0" smtClean="0">
-                <a:latin typeface="Noto Sans KR Medium" pitchFamily="34" charset="-127"/>
-                <a:ea typeface="Noto Sans KR Medium" pitchFamily="34" charset="-127"/>
-              </a:rPr>
-              <a:t>변경 </a:t>
+              <a:t>구슬로 변경 </a:t>
             </a:r>
             <a:r>
               <a:rPr lang="en-US" altLang="ko-KR" dirty="0" smtClean="0">
@@ -5715,10 +5784,6 @@
               </a:rPr>
               <a:t>)</a:t>
             </a:r>
-            <a:endParaRPr lang="en-US" altLang="ko-KR" dirty="0" smtClean="0">
-              <a:latin typeface="Noto Sans KR Medium" pitchFamily="34" charset="-127"/>
-              <a:ea typeface="Noto Sans KR Medium" pitchFamily="34" charset="-127"/>
-            </a:endParaRPr>
           </a:p>
           <a:p>
             <a:pPr marL="0" indent="0">
@@ -5752,14 +5817,7 @@
                 <a:latin typeface="Noto Sans KR Medium" pitchFamily="34" charset="-127"/>
                 <a:ea typeface="Noto Sans KR Medium" pitchFamily="34" charset="-127"/>
               </a:rPr>
-              <a:t>플레이어 발 밑에서 서서히 올라오는 바위 오브젝트 </a:t>
-            </a:r>
-            <a:r>
-              <a:rPr lang="ko-KR" altLang="en-US" dirty="0" smtClean="0">
-                <a:latin typeface="Noto Sans KR Medium" pitchFamily="34" charset="-127"/>
-                <a:ea typeface="Noto Sans KR Medium" pitchFamily="34" charset="-127"/>
-              </a:rPr>
-              <a:t>생성</a:t>
+              <a:t>플레이어 발 밑에서 서서히 올라오는 바위 오브젝트 생성</a:t>
             </a:r>
             <a:endParaRPr lang="en-US" altLang="ko-KR" dirty="0" smtClean="0">
               <a:latin typeface="Noto Sans KR Medium" pitchFamily="34" charset="-127"/>
@@ -5798,14 +5856,7 @@
                 <a:latin typeface="Noto Sans KR Medium" pitchFamily="34" charset="-127"/>
                 <a:ea typeface="Noto Sans KR Medium" pitchFamily="34" charset="-127"/>
               </a:rPr>
-              <a:t>마우스 커서에 바람속성 오브젝트 </a:t>
-            </a:r>
-            <a:r>
-              <a:rPr lang="ko-KR" altLang="en-US" dirty="0" smtClean="0">
-                <a:latin typeface="Noto Sans KR Medium" pitchFamily="34" charset="-127"/>
-                <a:ea typeface="Noto Sans KR Medium" pitchFamily="34" charset="-127"/>
-              </a:rPr>
-              <a:t>생성</a:t>
+              <a:t>마우스 커서에 바람속성 오브젝트 생성</a:t>
             </a:r>
             <a:endParaRPr lang="en-US" altLang="ko-KR" dirty="0" smtClean="0">
               <a:latin typeface="Noto Sans KR Medium" pitchFamily="34" charset="-127"/>

--- a/2D Personal Game Project/새 Microsoft PowerPoint 프레젠테이션.pptx
+++ b/2D Personal Game Project/새 Microsoft PowerPoint 프레젠테이션.pptx
@@ -305,7 +305,7 @@
           <a:p>
             <a:fld id="{FB30EDBD-1C2D-4C1E-B459-B60219FAB484}" type="datetimeFigureOut">
               <a:rPr lang="ko-KR" altLang="en-US" smtClean="0"/>
-              <a:t>2020-11-10</a:t>
+              <a:t>2020-11-11</a:t>
             </a:fld>
             <a:endParaRPr lang="ko-KR" altLang="en-US"/>
           </a:p>
@@ -505,7 +505,7 @@
           <a:p>
             <a:fld id="{FB30EDBD-1C2D-4C1E-B459-B60219FAB484}" type="datetimeFigureOut">
               <a:rPr lang="ko-KR" altLang="en-US" smtClean="0"/>
-              <a:t>2020-11-10</a:t>
+              <a:t>2020-11-11</a:t>
             </a:fld>
             <a:endParaRPr lang="ko-KR" altLang="en-US"/>
           </a:p>
@@ -680,7 +680,7 @@
           <a:p>
             <a:fld id="{FB30EDBD-1C2D-4C1E-B459-B60219FAB484}" type="datetimeFigureOut">
               <a:rPr lang="ko-KR" altLang="en-US" smtClean="0"/>
-              <a:t>2020-11-10</a:t>
+              <a:t>2020-11-11</a:t>
             </a:fld>
             <a:endParaRPr lang="ko-KR" altLang="en-US"/>
           </a:p>
@@ -845,7 +845,7 @@
           <a:p>
             <a:fld id="{FB30EDBD-1C2D-4C1E-B459-B60219FAB484}" type="datetimeFigureOut">
               <a:rPr lang="ko-KR" altLang="en-US" smtClean="0"/>
-              <a:t>2020-11-10</a:t>
+              <a:t>2020-11-11</a:t>
             </a:fld>
             <a:endParaRPr lang="ko-KR" altLang="en-US"/>
           </a:p>
@@ -1093,7 +1093,7 @@
           <a:p>
             <a:fld id="{FB30EDBD-1C2D-4C1E-B459-B60219FAB484}" type="datetimeFigureOut">
               <a:rPr lang="ko-KR" altLang="en-US" smtClean="0"/>
-              <a:t>2020-11-10</a:t>
+              <a:t>2020-11-11</a:t>
             </a:fld>
             <a:endParaRPr lang="ko-KR" altLang="en-US"/>
           </a:p>
@@ -1411,7 +1411,7 @@
           <a:p>
             <a:fld id="{FB30EDBD-1C2D-4C1E-B459-B60219FAB484}" type="datetimeFigureOut">
               <a:rPr lang="ko-KR" altLang="en-US" smtClean="0"/>
-              <a:t>2020-11-10</a:t>
+              <a:t>2020-11-11</a:t>
             </a:fld>
             <a:endParaRPr lang="ko-KR" altLang="en-US"/>
           </a:p>
@@ -1877,7 +1877,7 @@
           <a:p>
             <a:fld id="{FB30EDBD-1C2D-4C1E-B459-B60219FAB484}" type="datetimeFigureOut">
               <a:rPr lang="ko-KR" altLang="en-US" smtClean="0"/>
-              <a:t>2020-11-10</a:t>
+              <a:t>2020-11-11</a:t>
             </a:fld>
             <a:endParaRPr lang="ko-KR" altLang="en-US"/>
           </a:p>
@@ -2025,7 +2025,7 @@
           <a:p>
             <a:fld id="{FB30EDBD-1C2D-4C1E-B459-B60219FAB484}" type="datetimeFigureOut">
               <a:rPr lang="ko-KR" altLang="en-US" smtClean="0"/>
-              <a:t>2020-11-10</a:t>
+              <a:t>2020-11-11</a:t>
             </a:fld>
             <a:endParaRPr lang="ko-KR" altLang="en-US"/>
           </a:p>
@@ -2115,7 +2115,7 @@
           <a:p>
             <a:fld id="{FB30EDBD-1C2D-4C1E-B459-B60219FAB484}" type="datetimeFigureOut">
               <a:rPr lang="ko-KR" altLang="en-US" smtClean="0"/>
-              <a:t>2020-11-10</a:t>
+              <a:t>2020-11-11</a:t>
             </a:fld>
             <a:endParaRPr lang="ko-KR" altLang="en-US"/>
           </a:p>
@@ -2389,7 +2389,7 @@
           <a:p>
             <a:fld id="{FB30EDBD-1C2D-4C1E-B459-B60219FAB484}" type="datetimeFigureOut">
               <a:rPr lang="ko-KR" altLang="en-US" smtClean="0"/>
-              <a:t>2020-11-10</a:t>
+              <a:t>2020-11-11</a:t>
             </a:fld>
             <a:endParaRPr lang="ko-KR" altLang="en-US"/>
           </a:p>
@@ -2694,7 +2694,7 @@
           <a:p>
             <a:fld id="{FB30EDBD-1C2D-4C1E-B459-B60219FAB484}" type="datetimeFigureOut">
               <a:rPr lang="ko-KR" altLang="en-US" smtClean="0"/>
-              <a:t>2020-11-10</a:t>
+              <a:t>2020-11-11</a:t>
             </a:fld>
             <a:endParaRPr lang="ko-KR" altLang="en-US"/>
           </a:p>
@@ -2992,7 +2992,7 @@
           <a:p>
             <a:fld id="{FB30EDBD-1C2D-4C1E-B459-B60219FAB484}" type="datetimeFigureOut">
               <a:rPr lang="ko-KR" altLang="en-US" smtClean="0"/>
-              <a:t>2020-11-10</a:t>
+              <a:t>2020-11-11</a:t>
             </a:fld>
             <a:endParaRPr lang="ko-KR" altLang="en-US"/>
           </a:p>
@@ -4447,7 +4447,7 @@
           <p:nvPr>
             <p:extLst>
               <p:ext uri="{D42A27DB-BD31-4B8C-83A1-F6EECF244321}">
-                <p14:modId xmlns:p14="http://schemas.microsoft.com/office/powerpoint/2010/main" val="1988635428"/>
+                <p14:modId xmlns:p14="http://schemas.microsoft.com/office/powerpoint/2010/main" val="3551861952"/>
               </p:ext>
             </p:extLst>
           </p:nvPr>
@@ -4780,6 +4780,55 @@
                     <a:lstStyle/>
                     <a:p>
                       <a:pPr algn="ctr" latinLnBrk="1"/>
+                      <a:r>
+                        <a:rPr lang="ko-KR" altLang="en-US" sz="1400" dirty="0" smtClean="0">
+                          <a:latin typeface="Noto Sans KR Medium" pitchFamily="34" charset="-127"/>
+                          <a:ea typeface="Noto Sans KR Medium" pitchFamily="34" charset="-127"/>
+                        </a:rPr>
+                        <a:t>스테이지</a:t>
+                      </a:r>
+                      <a:r>
+                        <a:rPr lang="en-US" altLang="ko-KR" sz="1400" dirty="0" smtClean="0">
+                          <a:latin typeface="Noto Sans KR Medium" pitchFamily="34" charset="-127"/>
+                          <a:ea typeface="Noto Sans KR Medium" pitchFamily="34" charset="-127"/>
+                        </a:rPr>
+                        <a:t>1-2</a:t>
+                      </a:r>
+                      <a:r>
+                        <a:rPr lang="ko-KR" altLang="en-US" sz="1400" dirty="0" smtClean="0">
+                          <a:latin typeface="Noto Sans KR Medium" pitchFamily="34" charset="-127"/>
+                          <a:ea typeface="Noto Sans KR Medium" pitchFamily="34" charset="-127"/>
+                        </a:rPr>
+                        <a:t>동굴</a:t>
+                      </a:r>
+                      <a:endParaRPr lang="en-US" altLang="ko-KR" sz="1400" dirty="0" smtClean="0">
+                        <a:latin typeface="Noto Sans KR Medium" pitchFamily="34" charset="-127"/>
+                        <a:ea typeface="Noto Sans KR Medium" pitchFamily="34" charset="-127"/>
+                      </a:endParaRPr>
+                    </a:p>
+                    <a:p>
+                      <a:pPr algn="ctr" latinLnBrk="1"/>
+                      <a:r>
+                        <a:rPr lang="ko-KR" altLang="en-US" sz="1400" dirty="0" smtClean="0">
+                          <a:latin typeface="Noto Sans KR Medium" pitchFamily="34" charset="-127"/>
+                          <a:ea typeface="Noto Sans KR Medium" pitchFamily="34" charset="-127"/>
+                        </a:rPr>
+                        <a:t>스테이지</a:t>
+                      </a:r>
+                      <a:r>
+                        <a:rPr lang="en-US" altLang="ko-KR" sz="1400" dirty="0" smtClean="0">
+                          <a:latin typeface="Noto Sans KR Medium" pitchFamily="34" charset="-127"/>
+                          <a:ea typeface="Noto Sans KR Medium" pitchFamily="34" charset="-127"/>
+                        </a:rPr>
+                        <a:t>1-2</a:t>
+                      </a:r>
+                      <a:r>
+                        <a:rPr lang="ko-KR" altLang="en-US" sz="1400" dirty="0" smtClean="0">
+                          <a:latin typeface="Noto Sans KR Medium" pitchFamily="34" charset="-127"/>
+                          <a:ea typeface="Noto Sans KR Medium" pitchFamily="34" charset="-127"/>
+                        </a:rPr>
+                        <a:t>석판</a:t>
+                      </a:r>
                       <a:endParaRPr lang="ko-KR" altLang="en-US" sz="1400" dirty="0">
                         <a:latin typeface="Noto Sans KR Medium" pitchFamily="34" charset="-127"/>
                         <a:ea typeface="Noto Sans KR Medium" pitchFamily="34" charset="-127"/>

--- a/2D Personal Game Project/새 Microsoft PowerPoint 프레젠테이션.pptx
+++ b/2D Personal Game Project/새 Microsoft PowerPoint 프레젠테이션.pptx
@@ -305,7 +305,7 @@
           <a:p>
             <a:fld id="{FB30EDBD-1C2D-4C1E-B459-B60219FAB484}" type="datetimeFigureOut">
               <a:rPr lang="ko-KR" altLang="en-US" smtClean="0"/>
-              <a:t>2020-11-11</a:t>
+              <a:t>2020-11-12</a:t>
             </a:fld>
             <a:endParaRPr lang="ko-KR" altLang="en-US"/>
           </a:p>
@@ -505,7 +505,7 @@
           <a:p>
             <a:fld id="{FB30EDBD-1C2D-4C1E-B459-B60219FAB484}" type="datetimeFigureOut">
               <a:rPr lang="ko-KR" altLang="en-US" smtClean="0"/>
-              <a:t>2020-11-11</a:t>
+              <a:t>2020-11-12</a:t>
             </a:fld>
             <a:endParaRPr lang="ko-KR" altLang="en-US"/>
           </a:p>
@@ -680,7 +680,7 @@
           <a:p>
             <a:fld id="{FB30EDBD-1C2D-4C1E-B459-B60219FAB484}" type="datetimeFigureOut">
               <a:rPr lang="ko-KR" altLang="en-US" smtClean="0"/>
-              <a:t>2020-11-11</a:t>
+              <a:t>2020-11-12</a:t>
             </a:fld>
             <a:endParaRPr lang="ko-KR" altLang="en-US"/>
           </a:p>
@@ -845,7 +845,7 @@
           <a:p>
             <a:fld id="{FB30EDBD-1C2D-4C1E-B459-B60219FAB484}" type="datetimeFigureOut">
               <a:rPr lang="ko-KR" altLang="en-US" smtClean="0"/>
-              <a:t>2020-11-11</a:t>
+              <a:t>2020-11-12</a:t>
             </a:fld>
             <a:endParaRPr lang="ko-KR" altLang="en-US"/>
           </a:p>
@@ -1093,7 +1093,7 @@
           <a:p>
             <a:fld id="{FB30EDBD-1C2D-4C1E-B459-B60219FAB484}" type="datetimeFigureOut">
               <a:rPr lang="ko-KR" altLang="en-US" smtClean="0"/>
-              <a:t>2020-11-11</a:t>
+              <a:t>2020-11-12</a:t>
             </a:fld>
             <a:endParaRPr lang="ko-KR" altLang="en-US"/>
           </a:p>
@@ -1411,7 +1411,7 @@
           <a:p>
             <a:fld id="{FB30EDBD-1C2D-4C1E-B459-B60219FAB484}" type="datetimeFigureOut">
               <a:rPr lang="ko-KR" altLang="en-US" smtClean="0"/>
-              <a:t>2020-11-11</a:t>
+              <a:t>2020-11-12</a:t>
             </a:fld>
             <a:endParaRPr lang="ko-KR" altLang="en-US"/>
           </a:p>
@@ -1877,7 +1877,7 @@
           <a:p>
             <a:fld id="{FB30EDBD-1C2D-4C1E-B459-B60219FAB484}" type="datetimeFigureOut">
               <a:rPr lang="ko-KR" altLang="en-US" smtClean="0"/>
-              <a:t>2020-11-11</a:t>
+              <a:t>2020-11-12</a:t>
             </a:fld>
             <a:endParaRPr lang="ko-KR" altLang="en-US"/>
           </a:p>
@@ -2025,7 +2025,7 @@
           <a:p>
             <a:fld id="{FB30EDBD-1C2D-4C1E-B459-B60219FAB484}" type="datetimeFigureOut">
               <a:rPr lang="ko-KR" altLang="en-US" smtClean="0"/>
-              <a:t>2020-11-11</a:t>
+              <a:t>2020-11-12</a:t>
             </a:fld>
             <a:endParaRPr lang="ko-KR" altLang="en-US"/>
           </a:p>
@@ -2115,7 +2115,7 @@
           <a:p>
             <a:fld id="{FB30EDBD-1C2D-4C1E-B459-B60219FAB484}" type="datetimeFigureOut">
               <a:rPr lang="ko-KR" altLang="en-US" smtClean="0"/>
-              <a:t>2020-11-11</a:t>
+              <a:t>2020-11-12</a:t>
             </a:fld>
             <a:endParaRPr lang="ko-KR" altLang="en-US"/>
           </a:p>
@@ -2389,7 +2389,7 @@
           <a:p>
             <a:fld id="{FB30EDBD-1C2D-4C1E-B459-B60219FAB484}" type="datetimeFigureOut">
               <a:rPr lang="ko-KR" altLang="en-US" smtClean="0"/>
-              <a:t>2020-11-11</a:t>
+              <a:t>2020-11-12</a:t>
             </a:fld>
             <a:endParaRPr lang="ko-KR" altLang="en-US"/>
           </a:p>
@@ -2694,7 +2694,7 @@
           <a:p>
             <a:fld id="{FB30EDBD-1C2D-4C1E-B459-B60219FAB484}" type="datetimeFigureOut">
               <a:rPr lang="ko-KR" altLang="en-US" smtClean="0"/>
-              <a:t>2020-11-11</a:t>
+              <a:t>2020-11-12</a:t>
             </a:fld>
             <a:endParaRPr lang="ko-KR" altLang="en-US"/>
           </a:p>
@@ -2992,7 +2992,7 @@
           <a:p>
             <a:fld id="{FB30EDBD-1C2D-4C1E-B459-B60219FAB484}" type="datetimeFigureOut">
               <a:rPr lang="ko-KR" altLang="en-US" smtClean="0"/>
-              <a:t>2020-11-11</a:t>
+              <a:t>2020-11-12</a:t>
             </a:fld>
             <a:endParaRPr lang="ko-KR" altLang="en-US"/>
           </a:p>
@@ -3580,7 +3580,7 @@
           <p:nvPr>
             <p:extLst>
               <p:ext uri="{D42A27DB-BD31-4B8C-83A1-F6EECF244321}">
-                <p14:modId xmlns:p14="http://schemas.microsoft.com/office/powerpoint/2010/main" val="1923435042"/>
+                <p14:modId xmlns:p14="http://schemas.microsoft.com/office/powerpoint/2010/main" val="523879812"/>
               </p:ext>
             </p:extLst>
           </p:nvPr>
@@ -4071,35 +4071,21 @@
                           <a:latin typeface="Noto Sans KR Medium" pitchFamily="34" charset="-127"/>
                           <a:ea typeface="Noto Sans KR Medium" pitchFamily="34" charset="-127"/>
                         </a:rPr>
-                        <a:t>횃불에 </a:t>
-                      </a:r>
-                      <a:r>
-                        <a:rPr lang="ko-KR" altLang="en-US" sz="1400" dirty="0" err="1" smtClean="0">
-                          <a:latin typeface="Noto Sans KR Medium" pitchFamily="34" charset="-127"/>
-                          <a:ea typeface="Noto Sans KR Medium" pitchFamily="34" charset="-127"/>
-                        </a:rPr>
-                        <a:t>라이트</a:t>
-                      </a:r>
-                      <a:r>
-                        <a:rPr lang="ko-KR" altLang="en-US" sz="1400" dirty="0" smtClean="0">
-                          <a:latin typeface="Noto Sans KR Medium" pitchFamily="34" charset="-127"/>
-                          <a:ea typeface="Noto Sans KR Medium" pitchFamily="34" charset="-127"/>
-                        </a:rPr>
-                        <a:t> </a:t>
-                      </a:r>
-                      <a:r>
-                        <a:rPr lang="ko-KR" altLang="en-US" sz="1400" dirty="0" err="1" smtClean="0">
-                          <a:latin typeface="Noto Sans KR Medium" pitchFamily="34" charset="-127"/>
-                          <a:ea typeface="Noto Sans KR Medium" pitchFamily="34" charset="-127"/>
-                        </a:rPr>
-                        <a:t>에셋</a:t>
-                      </a:r>
-                      <a:r>
-                        <a:rPr lang="ko-KR" altLang="en-US" sz="1400" dirty="0" smtClean="0">
-                          <a:latin typeface="Noto Sans KR Medium" pitchFamily="34" charset="-127"/>
-                          <a:ea typeface="Noto Sans KR Medium" pitchFamily="34" charset="-127"/>
-                        </a:rPr>
-                        <a:t> 입힘</a:t>
+                        <a:t>횃불 </a:t>
+                      </a:r>
+                      <a:r>
+                        <a:rPr lang="en-US" altLang="ko-KR" sz="1400" smtClean="0">
+                          <a:latin typeface="Noto Sans KR Medium" pitchFamily="34" charset="-127"/>
+                          <a:ea typeface="Noto Sans KR Medium" pitchFamily="34" charset="-127"/>
+                        </a:rPr>
+                        <a:t>2D</a:t>
+                      </a:r>
+                      <a:r>
+                        <a:rPr lang="en-US" altLang="ko-KR" sz="1400" baseline="0" smtClean="0">
+                          <a:latin typeface="Noto Sans KR Medium" pitchFamily="34" charset="-127"/>
+                          <a:ea typeface="Noto Sans KR Medium" pitchFamily="34" charset="-127"/>
+                        </a:rPr>
+                        <a:t> Light</a:t>
                       </a:r>
                       <a:endParaRPr lang="ko-KR" altLang="en-US" sz="1400" dirty="0">
                         <a:latin typeface="Noto Sans KR Medium" pitchFamily="34" charset="-127"/>
@@ -4447,7 +4433,7 @@
           <p:nvPr>
             <p:extLst>
               <p:ext uri="{D42A27DB-BD31-4B8C-83A1-F6EECF244321}">
-                <p14:modId xmlns:p14="http://schemas.microsoft.com/office/powerpoint/2010/main" val="3551861952"/>
+                <p14:modId xmlns:p14="http://schemas.microsoft.com/office/powerpoint/2010/main" val="885697961"/>
               </p:ext>
             </p:extLst>
           </p:nvPr>
@@ -4843,6 +4829,41 @@
                     <a:lstStyle/>
                     <a:p>
                       <a:pPr algn="ctr" latinLnBrk="1"/>
+                      <a:r>
+                        <a:rPr lang="ko-KR" altLang="en-US" sz="1400" dirty="0" smtClean="0">
+                          <a:latin typeface="Noto Sans KR Medium" pitchFamily="34" charset="-127"/>
+                          <a:ea typeface="Noto Sans KR Medium" pitchFamily="34" charset="-127"/>
+                        </a:rPr>
+                        <a:t>석판 드래그 앤 </a:t>
+                      </a:r>
+                      <a:r>
+                        <a:rPr lang="ko-KR" altLang="en-US" sz="1400" dirty="0" err="1" smtClean="0">
+                          <a:latin typeface="Noto Sans KR Medium" pitchFamily="34" charset="-127"/>
+                          <a:ea typeface="Noto Sans KR Medium" pitchFamily="34" charset="-127"/>
+                        </a:rPr>
+                        <a:t>드랍</a:t>
+                      </a:r>
+                      <a:endParaRPr lang="en-US" altLang="ko-KR" sz="1400" dirty="0" smtClean="0">
+                        <a:latin typeface="Noto Sans KR Medium" pitchFamily="34" charset="-127"/>
+                        <a:ea typeface="Noto Sans KR Medium" pitchFamily="34" charset="-127"/>
+                      </a:endParaRPr>
+                    </a:p>
+                    <a:p>
+                      <a:pPr algn="ctr" latinLnBrk="1"/>
+                      <a:r>
+                        <a:rPr lang="ko-KR" altLang="en-US" sz="1400" dirty="0" err="1" smtClean="0">
+                          <a:latin typeface="Noto Sans KR Medium" pitchFamily="34" charset="-127"/>
+                          <a:ea typeface="Noto Sans KR Medium" pitchFamily="34" charset="-127"/>
+                        </a:rPr>
+                        <a:t>텔레포트</a:t>
+                      </a:r>
+                      <a:r>
+                        <a:rPr lang="ko-KR" altLang="en-US" sz="1400" dirty="0" smtClean="0">
+                          <a:latin typeface="Noto Sans KR Medium" pitchFamily="34" charset="-127"/>
+                          <a:ea typeface="Noto Sans KR Medium" pitchFamily="34" charset="-127"/>
+                        </a:rPr>
+                        <a:t> 포탈</a:t>
+                      </a:r>
                       <a:endParaRPr lang="ko-KR" altLang="en-US" sz="1400" dirty="0">
                         <a:latin typeface="Noto Sans KR Medium" pitchFamily="34" charset="-127"/>
                         <a:ea typeface="Noto Sans KR Medium" pitchFamily="34" charset="-127"/>
@@ -4880,6 +4901,41 @@
                     <a:lstStyle/>
                     <a:p>
                       <a:pPr algn="ctr" latinLnBrk="1"/>
+                      <a:r>
+                        <a:rPr lang="en-US" altLang="ko-KR" sz="1400" baseline="0" dirty="0" smtClean="0">
+                          <a:latin typeface="Noto Sans KR Medium" pitchFamily="34" charset="-127"/>
+                          <a:ea typeface="Noto Sans KR Medium" pitchFamily="34" charset="-127"/>
+                        </a:rPr>
+                        <a:t>1-2</a:t>
+                      </a:r>
+                      <a:r>
+                        <a:rPr lang="ko-KR" altLang="en-US" sz="1400" baseline="0" dirty="0" smtClean="0">
+                          <a:latin typeface="Noto Sans KR Medium" pitchFamily="34" charset="-127"/>
+                          <a:ea typeface="Noto Sans KR Medium" pitchFamily="34" charset="-127"/>
+                        </a:rPr>
+                        <a:t>완성</a:t>
+                      </a:r>
+                      <a:endParaRPr lang="en-US" altLang="ko-KR" sz="1400" baseline="0" dirty="0" smtClean="0">
+                        <a:latin typeface="Noto Sans KR Medium" pitchFamily="34" charset="-127"/>
+                        <a:ea typeface="Noto Sans KR Medium" pitchFamily="34" charset="-127"/>
+                      </a:endParaRPr>
+                    </a:p>
+                    <a:p>
+                      <a:pPr algn="ctr" latinLnBrk="1"/>
+                      <a:r>
+                        <a:rPr lang="en-US" altLang="ko-KR" sz="1400" baseline="0" dirty="0" smtClean="0">
+                          <a:latin typeface="Noto Sans KR Medium" pitchFamily="34" charset="-127"/>
+                          <a:ea typeface="Noto Sans KR Medium" pitchFamily="34" charset="-127"/>
+                        </a:rPr>
+                        <a:t>2-1</a:t>
+                      </a:r>
+                      <a:r>
+                        <a:rPr lang="ko-KR" altLang="en-US" sz="1400" baseline="0" dirty="0" smtClean="0">
+                          <a:latin typeface="Noto Sans KR Medium" pitchFamily="34" charset="-127"/>
+                          <a:ea typeface="Noto Sans KR Medium" pitchFamily="34" charset="-127"/>
+                        </a:rPr>
+                        <a:t>완성</a:t>
+                      </a:r>
                       <a:endParaRPr lang="en-US" altLang="ko-KR" sz="1400" baseline="0" dirty="0" smtClean="0">
                         <a:latin typeface="Noto Sans KR Medium" pitchFamily="34" charset="-127"/>
                         <a:ea typeface="Noto Sans KR Medium" pitchFamily="34" charset="-127"/>
@@ -4894,6 +4950,41 @@
                     <a:lstStyle/>
                     <a:p>
                       <a:pPr algn="ctr" latinLnBrk="1"/>
+                      <a:r>
+                        <a:rPr lang="en-US" altLang="ko-KR" sz="1400" dirty="0" smtClean="0">
+                          <a:latin typeface="Noto Sans KR Medium" pitchFamily="34" charset="-127"/>
+                          <a:ea typeface="Noto Sans KR Medium" pitchFamily="34" charset="-127"/>
+                        </a:rPr>
+                        <a:t>2-1 </a:t>
+                      </a:r>
+                      <a:r>
+                        <a:rPr lang="ko-KR" altLang="en-US" sz="1400" dirty="0" smtClean="0">
+                          <a:latin typeface="Noto Sans KR Medium" pitchFamily="34" charset="-127"/>
+                          <a:ea typeface="Noto Sans KR Medium" pitchFamily="34" charset="-127"/>
+                        </a:rPr>
+                        <a:t>타임라인 </a:t>
+                      </a:r>
+                      <a:r>
+                        <a:rPr lang="ko-KR" altLang="en-US" sz="1400" dirty="0" err="1" smtClean="0">
+                          <a:latin typeface="Noto Sans KR Medium" pitchFamily="34" charset="-127"/>
+                          <a:ea typeface="Noto Sans KR Medium" pitchFamily="34" charset="-127"/>
+                        </a:rPr>
+                        <a:t>두개</a:t>
+                      </a:r>
+                      <a:endParaRPr lang="en-US" altLang="ko-KR" sz="1400" dirty="0" smtClean="0">
+                        <a:latin typeface="Noto Sans KR Medium" pitchFamily="34" charset="-127"/>
+                        <a:ea typeface="Noto Sans KR Medium" pitchFamily="34" charset="-127"/>
+                      </a:endParaRPr>
+                    </a:p>
+                    <a:p>
+                      <a:pPr algn="ctr" latinLnBrk="1"/>
+                      <a:r>
+                        <a:rPr lang="ko-KR" altLang="en-US" sz="1400" dirty="0" err="1" smtClean="0">
+                          <a:latin typeface="Noto Sans KR Medium" pitchFamily="34" charset="-127"/>
+                          <a:ea typeface="Noto Sans KR Medium" pitchFamily="34" charset="-127"/>
+                        </a:rPr>
+                        <a:t>트램펄린</a:t>
+                      </a:r>
                       <a:endParaRPr lang="ko-KR" altLang="en-US" sz="1400" dirty="0">
                         <a:latin typeface="Noto Sans KR Medium" pitchFamily="34" charset="-127"/>
                         <a:ea typeface="Noto Sans KR Medium" pitchFamily="34" charset="-127"/>

--- a/2D Personal Game Project/새 Microsoft PowerPoint 프레젠테이션.pptx
+++ b/2D Personal Game Project/새 Microsoft PowerPoint 프레젠테이션.pptx
@@ -305,7 +305,7 @@
           <a:p>
             <a:fld id="{FB30EDBD-1C2D-4C1E-B459-B60219FAB484}" type="datetimeFigureOut">
               <a:rPr lang="ko-KR" altLang="en-US" smtClean="0"/>
-              <a:t>2020-11-12</a:t>
+              <a:t>2020-11-13</a:t>
             </a:fld>
             <a:endParaRPr lang="ko-KR" altLang="en-US"/>
           </a:p>
@@ -505,7 +505,7 @@
           <a:p>
             <a:fld id="{FB30EDBD-1C2D-4C1E-B459-B60219FAB484}" type="datetimeFigureOut">
               <a:rPr lang="ko-KR" altLang="en-US" smtClean="0"/>
-              <a:t>2020-11-12</a:t>
+              <a:t>2020-11-13</a:t>
             </a:fld>
             <a:endParaRPr lang="ko-KR" altLang="en-US"/>
           </a:p>
@@ -680,7 +680,7 @@
           <a:p>
             <a:fld id="{FB30EDBD-1C2D-4C1E-B459-B60219FAB484}" type="datetimeFigureOut">
               <a:rPr lang="ko-KR" altLang="en-US" smtClean="0"/>
-              <a:t>2020-11-12</a:t>
+              <a:t>2020-11-13</a:t>
             </a:fld>
             <a:endParaRPr lang="ko-KR" altLang="en-US"/>
           </a:p>
@@ -845,7 +845,7 @@
           <a:p>
             <a:fld id="{FB30EDBD-1C2D-4C1E-B459-B60219FAB484}" type="datetimeFigureOut">
               <a:rPr lang="ko-KR" altLang="en-US" smtClean="0"/>
-              <a:t>2020-11-12</a:t>
+              <a:t>2020-11-13</a:t>
             </a:fld>
             <a:endParaRPr lang="ko-KR" altLang="en-US"/>
           </a:p>
@@ -1093,7 +1093,7 @@
           <a:p>
             <a:fld id="{FB30EDBD-1C2D-4C1E-B459-B60219FAB484}" type="datetimeFigureOut">
               <a:rPr lang="ko-KR" altLang="en-US" smtClean="0"/>
-              <a:t>2020-11-12</a:t>
+              <a:t>2020-11-13</a:t>
             </a:fld>
             <a:endParaRPr lang="ko-KR" altLang="en-US"/>
           </a:p>
@@ -1411,7 +1411,7 @@
           <a:p>
             <a:fld id="{FB30EDBD-1C2D-4C1E-B459-B60219FAB484}" type="datetimeFigureOut">
               <a:rPr lang="ko-KR" altLang="en-US" smtClean="0"/>
-              <a:t>2020-11-12</a:t>
+              <a:t>2020-11-13</a:t>
             </a:fld>
             <a:endParaRPr lang="ko-KR" altLang="en-US"/>
           </a:p>
@@ -1877,7 +1877,7 @@
           <a:p>
             <a:fld id="{FB30EDBD-1C2D-4C1E-B459-B60219FAB484}" type="datetimeFigureOut">
               <a:rPr lang="ko-KR" altLang="en-US" smtClean="0"/>
-              <a:t>2020-11-12</a:t>
+              <a:t>2020-11-13</a:t>
             </a:fld>
             <a:endParaRPr lang="ko-KR" altLang="en-US"/>
           </a:p>
@@ -2025,7 +2025,7 @@
           <a:p>
             <a:fld id="{FB30EDBD-1C2D-4C1E-B459-B60219FAB484}" type="datetimeFigureOut">
               <a:rPr lang="ko-KR" altLang="en-US" smtClean="0"/>
-              <a:t>2020-11-12</a:t>
+              <a:t>2020-11-13</a:t>
             </a:fld>
             <a:endParaRPr lang="ko-KR" altLang="en-US"/>
           </a:p>
@@ -2115,7 +2115,7 @@
           <a:p>
             <a:fld id="{FB30EDBD-1C2D-4C1E-B459-B60219FAB484}" type="datetimeFigureOut">
               <a:rPr lang="ko-KR" altLang="en-US" smtClean="0"/>
-              <a:t>2020-11-12</a:t>
+              <a:t>2020-11-13</a:t>
             </a:fld>
             <a:endParaRPr lang="ko-KR" altLang="en-US"/>
           </a:p>
@@ -2389,7 +2389,7 @@
           <a:p>
             <a:fld id="{FB30EDBD-1C2D-4C1E-B459-B60219FAB484}" type="datetimeFigureOut">
               <a:rPr lang="ko-KR" altLang="en-US" smtClean="0"/>
-              <a:t>2020-11-12</a:t>
+              <a:t>2020-11-13</a:t>
             </a:fld>
             <a:endParaRPr lang="ko-KR" altLang="en-US"/>
           </a:p>
@@ -2694,7 +2694,7 @@
           <a:p>
             <a:fld id="{FB30EDBD-1C2D-4C1E-B459-B60219FAB484}" type="datetimeFigureOut">
               <a:rPr lang="ko-KR" altLang="en-US" smtClean="0"/>
-              <a:t>2020-11-12</a:t>
+              <a:t>2020-11-13</a:t>
             </a:fld>
             <a:endParaRPr lang="ko-KR" altLang="en-US"/>
           </a:p>
@@ -2992,7 +2992,7 @@
           <a:p>
             <a:fld id="{FB30EDBD-1C2D-4C1E-B459-B60219FAB484}" type="datetimeFigureOut">
               <a:rPr lang="ko-KR" altLang="en-US" smtClean="0"/>
-              <a:t>2020-11-12</a:t>
+              <a:t>2020-11-13</a:t>
             </a:fld>
             <a:endParaRPr lang="ko-KR" altLang="en-US"/>
           </a:p>
@@ -4433,7 +4433,7 @@
           <p:nvPr>
             <p:extLst>
               <p:ext uri="{D42A27DB-BD31-4B8C-83A1-F6EECF244321}">
-                <p14:modId xmlns:p14="http://schemas.microsoft.com/office/powerpoint/2010/main" val="885697961"/>
+                <p14:modId xmlns:p14="http://schemas.microsoft.com/office/powerpoint/2010/main" val="4014837706"/>
               </p:ext>
             </p:extLst>
           </p:nvPr>
@@ -5022,6 +5022,34 @@
                     <a:lstStyle/>
                     <a:p>
                       <a:pPr algn="ctr" latinLnBrk="1"/>
+                      <a:r>
+                        <a:rPr lang="en-US" altLang="ko-KR" sz="1400" dirty="0" smtClean="0">
+                          <a:latin typeface="Noto Sans KR Medium" pitchFamily="34" charset="-127"/>
+                          <a:ea typeface="Noto Sans KR Medium" pitchFamily="34" charset="-127"/>
+                        </a:rPr>
+                        <a:t>2-2</a:t>
+                      </a:r>
+                      <a:r>
+                        <a:rPr lang="ko-KR" altLang="en-US" sz="1400" dirty="0" smtClean="0">
+                          <a:latin typeface="Noto Sans KR Medium" pitchFamily="34" charset="-127"/>
+                          <a:ea typeface="Noto Sans KR Medium" pitchFamily="34" charset="-127"/>
+                        </a:rPr>
+                        <a:t>완성</a:t>
+                      </a:r>
+                      <a:endParaRPr lang="en-US" altLang="ko-KR" sz="1400" dirty="0" smtClean="0">
+                        <a:latin typeface="Noto Sans KR Medium" pitchFamily="34" charset="-127"/>
+                        <a:ea typeface="Noto Sans KR Medium" pitchFamily="34" charset="-127"/>
+                      </a:endParaRPr>
+                    </a:p>
+                    <a:p>
+                      <a:pPr algn="ctr" latinLnBrk="1"/>
+                      <a:r>
+                        <a:rPr lang="en-US" altLang="ko-KR" sz="1400" dirty="0" smtClean="0">
+                          <a:latin typeface="Noto Sans KR Medium" pitchFamily="34" charset="-127"/>
+                          <a:ea typeface="Noto Sans KR Medium" pitchFamily="34" charset="-127"/>
+                        </a:rPr>
+                        <a:t>2-3</a:t>
+                      </a:r>
                       <a:endParaRPr lang="ko-KR" altLang="en-US" sz="1400" dirty="0">
                         <a:latin typeface="Noto Sans KR Medium" pitchFamily="34" charset="-127"/>
                         <a:ea typeface="Noto Sans KR Medium" pitchFamily="34" charset="-127"/>
@@ -5036,7 +5064,35 @@
                     <a:lstStyle/>
                     <a:p>
                       <a:pPr algn="ctr" latinLnBrk="1"/>
-                      <a:endParaRPr lang="ko-KR" altLang="en-US" sz="1400" dirty="0">
+                      <a:r>
+                        <a:rPr lang="ko-KR" altLang="en-US" sz="1400" dirty="0" smtClean="0">
+                          <a:latin typeface="Noto Sans KR Medium" pitchFamily="34" charset="-127"/>
+                          <a:ea typeface="Noto Sans KR Medium" pitchFamily="34" charset="-127"/>
+                        </a:rPr>
+                        <a:t>스프링점프</a:t>
+                      </a:r>
+                      <a:endParaRPr lang="en-US" altLang="ko-KR" sz="1400" dirty="0" smtClean="0">
+                        <a:latin typeface="Noto Sans KR Medium" pitchFamily="34" charset="-127"/>
+                        <a:ea typeface="Noto Sans KR Medium" pitchFamily="34" charset="-127"/>
+                      </a:endParaRPr>
+                    </a:p>
+                    <a:p>
+                      <a:pPr algn="ctr" latinLnBrk="1"/>
+                      <a:r>
+                        <a:rPr lang="ko-KR" altLang="en-US" sz="1400" err="1" smtClean="0">
+                          <a:latin typeface="Noto Sans KR Medium" pitchFamily="34" charset="-127"/>
+                          <a:ea typeface="Noto Sans KR Medium" pitchFamily="34" charset="-127"/>
+                        </a:rPr>
+                        <a:t>시네머신</a:t>
+                      </a:r>
+                      <a:r>
+                        <a:rPr lang="ko-KR" altLang="en-US" sz="1400" smtClean="0">
+                          <a:latin typeface="Noto Sans KR Medium" pitchFamily="34" charset="-127"/>
+                          <a:ea typeface="Noto Sans KR Medium" pitchFamily="34" charset="-127"/>
+                        </a:rPr>
+                        <a:t> 버그있음</a:t>
+                      </a:r>
+                      <a:endParaRPr lang="en-US" altLang="ko-KR" sz="1400" smtClean="0">
                         <a:latin typeface="Noto Sans KR Medium" pitchFamily="34" charset="-127"/>
                         <a:ea typeface="Noto Sans KR Medium" pitchFamily="34" charset="-127"/>
                       </a:endParaRPr>

--- a/2D Personal Game Project/새 Microsoft PowerPoint 프레젠테이션.pptx
+++ b/2D Personal Game Project/새 Microsoft PowerPoint 프레젠테이션.pptx
@@ -114,6 +114,22 @@
       </a:defRPr>
     </a:lvl9pPr>
   </p:defaultTextStyle>
+  <p:extLst>
+    <p:ext uri="{EFAFB233-063F-42B5-8137-9DF3F51BA10A}">
+      <p15:sldGuideLst xmlns:p15="http://schemas.microsoft.com/office/powerpoint/2012/main">
+        <p15:guide id="1" orient="horz" pos="2160">
+          <p15:clr>
+            <a:srgbClr val="A4A3A4"/>
+          </p15:clr>
+        </p15:guide>
+        <p15:guide id="2" pos="2880">
+          <p15:clr>
+            <a:srgbClr val="A4A3A4"/>
+          </p15:clr>
+        </p15:guide>
+      </p15:sldGuideLst>
+    </p:ext>
+  </p:extLst>
 </p:presentation>
 </file>
 
@@ -161,7 +177,7 @@
           </a:lstStyle>
           <a:p>
             <a:r>
-              <a:rPr lang="ko-KR" altLang="en-US" smtClean="0"/>
+              <a:rPr lang="ko-KR" altLang="en-US"/>
               <a:t>마스터 제목 스타일 편집</a:t>
             </a:r>
             <a:endParaRPr lang="en-US" dirty="0"/>
@@ -281,7 +297,7 @@
           </a:lstStyle>
           <a:p>
             <a:r>
-              <a:rPr lang="ko-KR" altLang="en-US" smtClean="0"/>
+              <a:rPr lang="ko-KR" altLang="en-US"/>
               <a:t>마스터 부제목 스타일 편집</a:t>
             </a:r>
             <a:endParaRPr lang="en-US" dirty="0"/>
@@ -305,7 +321,7 @@
           <a:p>
             <a:fld id="{FB30EDBD-1C2D-4C1E-B459-B60219FAB484}" type="datetimeFigureOut">
               <a:rPr lang="ko-KR" altLang="en-US" smtClean="0"/>
-              <a:t>2020-11-13</a:t>
+              <a:t>2020-11-15</a:t>
             </a:fld>
             <a:endParaRPr lang="ko-KR" altLang="en-US"/>
           </a:p>
@@ -429,7 +445,7 @@
           <a:lstStyle/>
           <a:p>
             <a:r>
-              <a:rPr lang="ko-KR" altLang="en-US" smtClean="0"/>
+              <a:rPr lang="ko-KR" altLang="en-US"/>
               <a:t>마스터 제목 스타일 편집</a:t>
             </a:r>
             <a:endParaRPr lang="en-US"/>
@@ -453,35 +469,35 @@
           <a:p>
             <a:pPr lvl="0"/>
             <a:r>
-              <a:rPr lang="ko-KR" altLang="en-US" smtClean="0"/>
+              <a:rPr lang="ko-KR" altLang="en-US"/>
               <a:t>마스터 텍스트 스타일을 편집합니다</a:t>
             </a:r>
           </a:p>
           <a:p>
             <a:pPr lvl="1"/>
             <a:r>
-              <a:rPr lang="ko-KR" altLang="en-US" smtClean="0"/>
+              <a:rPr lang="ko-KR" altLang="en-US"/>
               <a:t>둘째 수준</a:t>
             </a:r>
           </a:p>
           <a:p>
             <a:pPr lvl="2"/>
             <a:r>
-              <a:rPr lang="ko-KR" altLang="en-US" smtClean="0"/>
+              <a:rPr lang="ko-KR" altLang="en-US"/>
               <a:t>셋째 수준</a:t>
             </a:r>
           </a:p>
           <a:p>
             <a:pPr lvl="3"/>
             <a:r>
-              <a:rPr lang="ko-KR" altLang="en-US" smtClean="0"/>
+              <a:rPr lang="ko-KR" altLang="en-US"/>
               <a:t>넷째 수준</a:t>
             </a:r>
           </a:p>
           <a:p>
             <a:pPr lvl="4"/>
             <a:r>
-              <a:rPr lang="ko-KR" altLang="en-US" smtClean="0"/>
+              <a:rPr lang="ko-KR" altLang="en-US"/>
               <a:t>다섯째 수준</a:t>
             </a:r>
             <a:endParaRPr lang="en-US"/>
@@ -505,7 +521,7 @@
           <a:p>
             <a:fld id="{FB30EDBD-1C2D-4C1E-B459-B60219FAB484}" type="datetimeFigureOut">
               <a:rPr lang="ko-KR" altLang="en-US" smtClean="0"/>
-              <a:t>2020-11-13</a:t>
+              <a:t>2020-11-15</a:t>
             </a:fld>
             <a:endParaRPr lang="ko-KR" altLang="en-US"/>
           </a:p>
@@ -599,7 +615,7 @@
           <a:lstStyle/>
           <a:p>
             <a:r>
-              <a:rPr lang="ko-KR" altLang="en-US" smtClean="0"/>
+              <a:rPr lang="ko-KR" altLang="en-US"/>
               <a:t>마스터 제목 스타일 편집</a:t>
             </a:r>
             <a:endParaRPr lang="en-US" dirty="0"/>
@@ -628,35 +644,35 @@
           <a:p>
             <a:pPr lvl="0"/>
             <a:r>
-              <a:rPr lang="ko-KR" altLang="en-US" smtClean="0"/>
+              <a:rPr lang="ko-KR" altLang="en-US"/>
               <a:t>마스터 텍스트 스타일을 편집합니다</a:t>
             </a:r>
           </a:p>
           <a:p>
             <a:pPr lvl="1"/>
             <a:r>
-              <a:rPr lang="ko-KR" altLang="en-US" smtClean="0"/>
+              <a:rPr lang="ko-KR" altLang="en-US"/>
               <a:t>둘째 수준</a:t>
             </a:r>
           </a:p>
           <a:p>
             <a:pPr lvl="2"/>
             <a:r>
-              <a:rPr lang="ko-KR" altLang="en-US" smtClean="0"/>
+              <a:rPr lang="ko-KR" altLang="en-US"/>
               <a:t>셋째 수준</a:t>
             </a:r>
           </a:p>
           <a:p>
             <a:pPr lvl="3"/>
             <a:r>
-              <a:rPr lang="ko-KR" altLang="en-US" smtClean="0"/>
+              <a:rPr lang="ko-KR" altLang="en-US"/>
               <a:t>넷째 수준</a:t>
             </a:r>
           </a:p>
           <a:p>
             <a:pPr lvl="4"/>
             <a:r>
-              <a:rPr lang="ko-KR" altLang="en-US" smtClean="0"/>
+              <a:rPr lang="ko-KR" altLang="en-US"/>
               <a:t>다섯째 수준</a:t>
             </a:r>
             <a:endParaRPr lang="en-US" dirty="0"/>
@@ -680,7 +696,7 @@
           <a:p>
             <a:fld id="{FB30EDBD-1C2D-4C1E-B459-B60219FAB484}" type="datetimeFigureOut">
               <a:rPr lang="ko-KR" altLang="en-US" smtClean="0"/>
-              <a:t>2020-11-13</a:t>
+              <a:t>2020-11-15</a:t>
             </a:fld>
             <a:endParaRPr lang="ko-KR" altLang="en-US"/>
           </a:p>
@@ -769,7 +785,7 @@
           <a:lstStyle/>
           <a:p>
             <a:r>
-              <a:rPr lang="ko-KR" altLang="en-US" smtClean="0"/>
+              <a:rPr lang="ko-KR" altLang="en-US"/>
               <a:t>마스터 제목 스타일 편집</a:t>
             </a:r>
             <a:endParaRPr lang="en-US"/>
@@ -793,35 +809,35 @@
           <a:p>
             <a:pPr lvl="0"/>
             <a:r>
-              <a:rPr lang="ko-KR" altLang="en-US" smtClean="0"/>
+              <a:rPr lang="ko-KR" altLang="en-US"/>
               <a:t>마스터 텍스트 스타일을 편집합니다</a:t>
             </a:r>
           </a:p>
           <a:p>
             <a:pPr lvl="1"/>
             <a:r>
-              <a:rPr lang="ko-KR" altLang="en-US" smtClean="0"/>
+              <a:rPr lang="ko-KR" altLang="en-US"/>
               <a:t>둘째 수준</a:t>
             </a:r>
           </a:p>
           <a:p>
             <a:pPr lvl="2"/>
             <a:r>
-              <a:rPr lang="ko-KR" altLang="en-US" smtClean="0"/>
+              <a:rPr lang="ko-KR" altLang="en-US"/>
               <a:t>셋째 수준</a:t>
             </a:r>
           </a:p>
           <a:p>
             <a:pPr lvl="3"/>
             <a:r>
-              <a:rPr lang="ko-KR" altLang="en-US" smtClean="0"/>
+              <a:rPr lang="ko-KR" altLang="en-US"/>
               <a:t>넷째 수준</a:t>
             </a:r>
           </a:p>
           <a:p>
             <a:pPr lvl="4"/>
             <a:r>
-              <a:rPr lang="ko-KR" altLang="en-US" smtClean="0"/>
+              <a:rPr lang="ko-KR" altLang="en-US"/>
               <a:t>다섯째 수준</a:t>
             </a:r>
             <a:endParaRPr lang="en-US"/>
@@ -845,7 +861,7 @@
           <a:p>
             <a:fld id="{FB30EDBD-1C2D-4C1E-B459-B60219FAB484}" type="datetimeFigureOut">
               <a:rPr lang="ko-KR" altLang="en-US" smtClean="0"/>
-              <a:t>2020-11-13</a:t>
+              <a:t>2020-11-15</a:t>
             </a:fld>
             <a:endParaRPr lang="ko-KR" altLang="en-US"/>
           </a:p>
@@ -950,7 +966,7 @@
           </a:lstStyle>
           <a:p>
             <a:r>
-              <a:rPr lang="ko-KR" altLang="en-US" smtClean="0"/>
+              <a:rPr lang="ko-KR" altLang="en-US"/>
               <a:t>마스터 제목 스타일 편집</a:t>
             </a:r>
             <a:endParaRPr lang="en-US" dirty="0"/>
@@ -1070,7 +1086,7 @@
           <a:p>
             <a:pPr lvl="0"/>
             <a:r>
-              <a:rPr lang="ko-KR" altLang="en-US" smtClean="0"/>
+              <a:rPr lang="ko-KR" altLang="en-US"/>
               <a:t>마스터 텍스트 스타일을 편집합니다</a:t>
             </a:r>
           </a:p>
@@ -1093,7 +1109,7 @@
           <a:p>
             <a:fld id="{FB30EDBD-1C2D-4C1E-B459-B60219FAB484}" type="datetimeFigureOut">
               <a:rPr lang="ko-KR" altLang="en-US" smtClean="0"/>
-              <a:t>2020-11-13</a:t>
+              <a:t>2020-11-15</a:t>
             </a:fld>
             <a:endParaRPr lang="ko-KR" altLang="en-US"/>
           </a:p>
@@ -1217,7 +1233,7 @@
           <a:lstStyle/>
           <a:p>
             <a:r>
-              <a:rPr lang="ko-KR" altLang="en-US" smtClean="0"/>
+              <a:rPr lang="ko-KR" altLang="en-US"/>
               <a:t>마스터 제목 스타일 편집</a:t>
             </a:r>
             <a:endParaRPr lang="en-US"/>
@@ -1274,35 +1290,35 @@
           <a:p>
             <a:pPr lvl="0"/>
             <a:r>
-              <a:rPr lang="ko-KR" altLang="en-US" smtClean="0"/>
+              <a:rPr lang="ko-KR" altLang="en-US"/>
               <a:t>마스터 텍스트 스타일을 편집합니다</a:t>
             </a:r>
           </a:p>
           <a:p>
             <a:pPr lvl="1"/>
             <a:r>
-              <a:rPr lang="ko-KR" altLang="en-US" smtClean="0"/>
+              <a:rPr lang="ko-KR" altLang="en-US"/>
               <a:t>둘째 수준</a:t>
             </a:r>
           </a:p>
           <a:p>
             <a:pPr lvl="2"/>
             <a:r>
-              <a:rPr lang="ko-KR" altLang="en-US" smtClean="0"/>
+              <a:rPr lang="ko-KR" altLang="en-US"/>
               <a:t>셋째 수준</a:t>
             </a:r>
           </a:p>
           <a:p>
             <a:pPr lvl="3"/>
             <a:r>
-              <a:rPr lang="ko-KR" altLang="en-US" smtClean="0"/>
+              <a:rPr lang="ko-KR" altLang="en-US"/>
               <a:t>넷째 수준</a:t>
             </a:r>
           </a:p>
           <a:p>
             <a:pPr lvl="4"/>
             <a:r>
-              <a:rPr lang="ko-KR" altLang="en-US" smtClean="0"/>
+              <a:rPr lang="ko-KR" altLang="en-US"/>
               <a:t>다섯째 수준</a:t>
             </a:r>
             <a:endParaRPr lang="en-US" dirty="0"/>
@@ -1359,35 +1375,35 @@
           <a:p>
             <a:pPr lvl="0"/>
             <a:r>
-              <a:rPr lang="ko-KR" altLang="en-US" smtClean="0"/>
+              <a:rPr lang="ko-KR" altLang="en-US"/>
               <a:t>마스터 텍스트 스타일을 편집합니다</a:t>
             </a:r>
           </a:p>
           <a:p>
             <a:pPr lvl="1"/>
             <a:r>
-              <a:rPr lang="ko-KR" altLang="en-US" smtClean="0"/>
+              <a:rPr lang="ko-KR" altLang="en-US"/>
               <a:t>둘째 수준</a:t>
             </a:r>
           </a:p>
           <a:p>
             <a:pPr lvl="2"/>
             <a:r>
-              <a:rPr lang="ko-KR" altLang="en-US" smtClean="0"/>
+              <a:rPr lang="ko-KR" altLang="en-US"/>
               <a:t>셋째 수준</a:t>
             </a:r>
           </a:p>
           <a:p>
             <a:pPr lvl="3"/>
             <a:r>
-              <a:rPr lang="ko-KR" altLang="en-US" smtClean="0"/>
+              <a:rPr lang="ko-KR" altLang="en-US"/>
               <a:t>넷째 수준</a:t>
             </a:r>
           </a:p>
           <a:p>
             <a:pPr lvl="4"/>
             <a:r>
-              <a:rPr lang="ko-KR" altLang="en-US" smtClean="0"/>
+              <a:rPr lang="ko-KR" altLang="en-US"/>
               <a:t>다섯째 수준</a:t>
             </a:r>
             <a:endParaRPr lang="en-US" dirty="0"/>
@@ -1411,7 +1427,7 @@
           <a:p>
             <a:fld id="{FB30EDBD-1C2D-4C1E-B459-B60219FAB484}" type="datetimeFigureOut">
               <a:rPr lang="ko-KR" altLang="en-US" smtClean="0"/>
-              <a:t>2020-11-13</a:t>
+              <a:t>2020-11-15</a:t>
             </a:fld>
             <a:endParaRPr lang="ko-KR" altLang="en-US"/>
           </a:p>
@@ -1504,7 +1520,7 @@
           </a:lstStyle>
           <a:p>
             <a:r>
-              <a:rPr lang="ko-KR" altLang="en-US" smtClean="0"/>
+              <a:rPr lang="ko-KR" altLang="en-US"/>
               <a:t>마스터 제목 스타일 편집</a:t>
             </a:r>
             <a:endParaRPr lang="en-US" dirty="0"/>
@@ -1593,7 +1609,7 @@
           <a:p>
             <a:pPr lvl="0"/>
             <a:r>
-              <a:rPr lang="ko-KR" altLang="en-US" smtClean="0"/>
+              <a:rPr lang="ko-KR" altLang="en-US"/>
               <a:t>마스터 텍스트 스타일을 편집합니다</a:t>
             </a:r>
           </a:p>
@@ -1649,35 +1665,35 @@
           <a:p>
             <a:pPr lvl="0"/>
             <a:r>
-              <a:rPr lang="ko-KR" altLang="en-US" smtClean="0"/>
+              <a:rPr lang="ko-KR" altLang="en-US"/>
               <a:t>마스터 텍스트 스타일을 편집합니다</a:t>
             </a:r>
           </a:p>
           <a:p>
             <a:pPr lvl="1"/>
             <a:r>
-              <a:rPr lang="ko-KR" altLang="en-US" smtClean="0"/>
+              <a:rPr lang="ko-KR" altLang="en-US"/>
               <a:t>둘째 수준</a:t>
             </a:r>
           </a:p>
           <a:p>
             <a:pPr lvl="2"/>
             <a:r>
-              <a:rPr lang="ko-KR" altLang="en-US" smtClean="0"/>
+              <a:rPr lang="ko-KR" altLang="en-US"/>
               <a:t>셋째 수준</a:t>
             </a:r>
           </a:p>
           <a:p>
             <a:pPr lvl="3"/>
             <a:r>
-              <a:rPr lang="ko-KR" altLang="en-US" smtClean="0"/>
+              <a:rPr lang="ko-KR" altLang="en-US"/>
               <a:t>넷째 수준</a:t>
             </a:r>
           </a:p>
           <a:p>
             <a:pPr lvl="4"/>
             <a:r>
-              <a:rPr lang="ko-KR" altLang="en-US" smtClean="0"/>
+              <a:rPr lang="ko-KR" altLang="en-US"/>
               <a:t>다섯째 수준</a:t>
             </a:r>
             <a:endParaRPr lang="en-US" dirty="0"/>
@@ -1769,7 +1785,7 @@
           <a:p>
             <a:pPr lvl="0"/>
             <a:r>
-              <a:rPr lang="ko-KR" altLang="en-US" smtClean="0"/>
+              <a:rPr lang="ko-KR" altLang="en-US"/>
               <a:t>마스터 텍스트 스타일을 편집합니다</a:t>
             </a:r>
           </a:p>
@@ -1825,35 +1841,35 @@
           <a:p>
             <a:pPr lvl="0"/>
             <a:r>
-              <a:rPr lang="ko-KR" altLang="en-US" smtClean="0"/>
+              <a:rPr lang="ko-KR" altLang="en-US"/>
               <a:t>마스터 텍스트 스타일을 편집합니다</a:t>
             </a:r>
           </a:p>
           <a:p>
             <a:pPr lvl="1"/>
             <a:r>
-              <a:rPr lang="ko-KR" altLang="en-US" smtClean="0"/>
+              <a:rPr lang="ko-KR" altLang="en-US"/>
               <a:t>둘째 수준</a:t>
             </a:r>
           </a:p>
           <a:p>
             <a:pPr lvl="2"/>
             <a:r>
-              <a:rPr lang="ko-KR" altLang="en-US" smtClean="0"/>
+              <a:rPr lang="ko-KR" altLang="en-US"/>
               <a:t>셋째 수준</a:t>
             </a:r>
           </a:p>
           <a:p>
             <a:pPr lvl="3"/>
             <a:r>
-              <a:rPr lang="ko-KR" altLang="en-US" smtClean="0"/>
+              <a:rPr lang="ko-KR" altLang="en-US"/>
               <a:t>넷째 수준</a:t>
             </a:r>
           </a:p>
           <a:p>
             <a:pPr lvl="4"/>
             <a:r>
-              <a:rPr lang="ko-KR" altLang="en-US" smtClean="0"/>
+              <a:rPr lang="ko-KR" altLang="en-US"/>
               <a:t>다섯째 수준</a:t>
             </a:r>
             <a:endParaRPr lang="en-US" dirty="0"/>
@@ -1877,7 +1893,7 @@
           <a:p>
             <a:fld id="{FB30EDBD-1C2D-4C1E-B459-B60219FAB484}" type="datetimeFigureOut">
               <a:rPr lang="ko-KR" altLang="en-US" smtClean="0"/>
-              <a:t>2020-11-13</a:t>
+              <a:t>2020-11-15</a:t>
             </a:fld>
             <a:endParaRPr lang="ko-KR" altLang="en-US"/>
           </a:p>
@@ -2001,7 +2017,7 @@
           <a:lstStyle/>
           <a:p>
             <a:r>
-              <a:rPr lang="ko-KR" altLang="en-US" smtClean="0"/>
+              <a:rPr lang="ko-KR" altLang="en-US"/>
               <a:t>마스터 제목 스타일 편집</a:t>
             </a:r>
             <a:endParaRPr lang="en-US"/>
@@ -2025,7 +2041,7 @@
           <a:p>
             <a:fld id="{FB30EDBD-1C2D-4C1E-B459-B60219FAB484}" type="datetimeFigureOut">
               <a:rPr lang="ko-KR" altLang="en-US" smtClean="0"/>
-              <a:t>2020-11-13</a:t>
+              <a:t>2020-11-15</a:t>
             </a:fld>
             <a:endParaRPr lang="ko-KR" altLang="en-US"/>
           </a:p>
@@ -2115,7 +2131,7 @@
           <a:p>
             <a:fld id="{FB30EDBD-1C2D-4C1E-B459-B60219FAB484}" type="datetimeFigureOut">
               <a:rPr lang="ko-KR" altLang="en-US" smtClean="0"/>
-              <a:t>2020-11-13</a:t>
+              <a:t>2020-11-15</a:t>
             </a:fld>
             <a:endParaRPr lang="ko-KR" altLang="en-US"/>
           </a:p>
@@ -2215,7 +2231,7 @@
           </a:lstStyle>
           <a:p>
             <a:r>
-              <a:rPr lang="ko-KR" altLang="en-US" smtClean="0"/>
+              <a:rPr lang="ko-KR" altLang="en-US"/>
               <a:t>마스터 제목 스타일 편집</a:t>
             </a:r>
             <a:endParaRPr lang="en-US" dirty="0"/>
@@ -2272,35 +2288,35 @@
           <a:p>
             <a:pPr lvl="0"/>
             <a:r>
-              <a:rPr lang="ko-KR" altLang="en-US" smtClean="0"/>
+              <a:rPr lang="ko-KR" altLang="en-US"/>
               <a:t>마스터 텍스트 스타일을 편집합니다</a:t>
             </a:r>
           </a:p>
           <a:p>
             <a:pPr lvl="1"/>
             <a:r>
-              <a:rPr lang="ko-KR" altLang="en-US" smtClean="0"/>
+              <a:rPr lang="ko-KR" altLang="en-US"/>
               <a:t>둘째 수준</a:t>
             </a:r>
           </a:p>
           <a:p>
             <a:pPr lvl="2"/>
             <a:r>
-              <a:rPr lang="ko-KR" altLang="en-US" smtClean="0"/>
+              <a:rPr lang="ko-KR" altLang="en-US"/>
               <a:t>셋째 수준</a:t>
             </a:r>
           </a:p>
           <a:p>
             <a:pPr lvl="3"/>
             <a:r>
-              <a:rPr lang="ko-KR" altLang="en-US" smtClean="0"/>
+              <a:rPr lang="ko-KR" altLang="en-US"/>
               <a:t>넷째 수준</a:t>
             </a:r>
           </a:p>
           <a:p>
             <a:pPr lvl="4"/>
             <a:r>
-              <a:rPr lang="ko-KR" altLang="en-US" smtClean="0"/>
+              <a:rPr lang="ko-KR" altLang="en-US"/>
               <a:t>다섯째 수준</a:t>
             </a:r>
             <a:endParaRPr lang="en-US" dirty="0"/>
@@ -2366,7 +2382,7 @@
           <a:p>
             <a:pPr lvl="0"/>
             <a:r>
-              <a:rPr lang="ko-KR" altLang="en-US" smtClean="0"/>
+              <a:rPr lang="ko-KR" altLang="en-US"/>
               <a:t>마스터 텍스트 스타일을 편집합니다</a:t>
             </a:r>
           </a:p>
@@ -2389,7 +2405,7 @@
           <a:p>
             <a:fld id="{FB30EDBD-1C2D-4C1E-B459-B60219FAB484}" type="datetimeFigureOut">
               <a:rPr lang="ko-KR" altLang="en-US" smtClean="0"/>
-              <a:t>2020-11-13</a:t>
+              <a:t>2020-11-15</a:t>
             </a:fld>
             <a:endParaRPr lang="ko-KR" altLang="en-US"/>
           </a:p>
@@ -2524,7 +2540,7 @@
           </a:lstStyle>
           <a:p>
             <a:r>
-              <a:rPr lang="ko-KR" altLang="en-US" smtClean="0"/>
+              <a:rPr lang="ko-KR" altLang="en-US"/>
               <a:t>마스터 제목 스타일 편집</a:t>
             </a:r>
             <a:endParaRPr lang="en-US" dirty="0"/>
@@ -2605,7 +2621,7 @@
           </a:lstStyle>
           <a:p>
             <a:r>
-              <a:rPr lang="ko-KR" altLang="en-US" smtClean="0"/>
+              <a:rPr lang="ko-KR" altLang="en-US"/>
               <a:t>그림을 추가하려면 아이콘을 클릭하십시오</a:t>
             </a:r>
             <a:endParaRPr lang="en-US" dirty="0"/>
@@ -2671,7 +2687,7 @@
           <a:p>
             <a:pPr lvl="0"/>
             <a:r>
-              <a:rPr lang="ko-KR" altLang="en-US" smtClean="0"/>
+              <a:rPr lang="ko-KR" altLang="en-US"/>
               <a:t>마스터 텍스트 스타일을 편집합니다</a:t>
             </a:r>
           </a:p>
@@ -2694,7 +2710,7 @@
           <a:p>
             <a:fld id="{FB30EDBD-1C2D-4C1E-B459-B60219FAB484}" type="datetimeFigureOut">
               <a:rPr lang="ko-KR" altLang="en-US" smtClean="0"/>
-              <a:t>2020-11-13</a:t>
+              <a:t>2020-11-15</a:t>
             </a:fld>
             <a:endParaRPr lang="ko-KR" altLang="en-US"/>
           </a:p>
@@ -2844,7 +2860,7 @@
           <a:lstStyle/>
           <a:p>
             <a:r>
-              <a:rPr lang="ko-KR" altLang="en-US" smtClean="0"/>
+              <a:rPr lang="ko-KR" altLang="en-US"/>
               <a:t>마스터 제목 스타일 편집</a:t>
             </a:r>
             <a:endParaRPr lang="en-US" dirty="0"/>
@@ -2878,35 +2894,35 @@
           <a:p>
             <a:pPr lvl="0"/>
             <a:r>
-              <a:rPr lang="ko-KR" altLang="en-US" smtClean="0"/>
+              <a:rPr lang="ko-KR" altLang="en-US"/>
               <a:t>마스터 텍스트 스타일을 편집합니다</a:t>
             </a:r>
           </a:p>
           <a:p>
             <a:pPr lvl="1"/>
             <a:r>
-              <a:rPr lang="ko-KR" altLang="en-US" smtClean="0"/>
+              <a:rPr lang="ko-KR" altLang="en-US"/>
               <a:t>둘째 수준</a:t>
             </a:r>
           </a:p>
           <a:p>
             <a:pPr lvl="2"/>
             <a:r>
-              <a:rPr lang="ko-KR" altLang="en-US" smtClean="0"/>
+              <a:rPr lang="ko-KR" altLang="en-US"/>
               <a:t>셋째 수준</a:t>
             </a:r>
           </a:p>
           <a:p>
             <a:pPr lvl="3"/>
             <a:r>
-              <a:rPr lang="ko-KR" altLang="en-US" smtClean="0"/>
+              <a:rPr lang="ko-KR" altLang="en-US"/>
               <a:t>넷째 수준</a:t>
             </a:r>
           </a:p>
           <a:p>
             <a:pPr lvl="4"/>
             <a:r>
-              <a:rPr lang="ko-KR" altLang="en-US" smtClean="0"/>
+              <a:rPr lang="ko-KR" altLang="en-US"/>
               <a:t>다섯째 수준</a:t>
             </a:r>
             <a:endParaRPr lang="en-US" dirty="0"/>
@@ -2992,7 +3008,7 @@
           <a:p>
             <a:fld id="{FB30EDBD-1C2D-4C1E-B459-B60219FAB484}" type="datetimeFigureOut">
               <a:rPr lang="ko-KR" altLang="en-US" smtClean="0"/>
-              <a:t>2020-11-13</a:t>
+              <a:t>2020-11-15</a:t>
             </a:fld>
             <a:endParaRPr lang="ko-KR" altLang="en-US"/>
           </a:p>
@@ -3405,16 +3421,12 @@
           <a:lstStyle/>
           <a:p>
             <a:r>
-              <a:rPr lang="ko-KR" altLang="en-US" dirty="0" smtClean="0">
+              <a:rPr lang="ko-KR" altLang="en-US" dirty="0">
                 <a:latin typeface="Noto Sans KR Medium" pitchFamily="34" charset="-127"/>
                 <a:ea typeface="Noto Sans KR Medium" pitchFamily="34" charset="-127"/>
               </a:rPr>
               <a:t>퍼즐 어드벤처 게임 기획서</a:t>
             </a:r>
-            <a:endParaRPr lang="ko-KR" altLang="en-US" dirty="0">
-              <a:latin typeface="Noto Sans KR Medium" pitchFamily="34" charset="-127"/>
-              <a:ea typeface="Noto Sans KR Medium" pitchFamily="34" charset="-127"/>
-            </a:endParaRPr>
           </a:p>
         </p:txBody>
       </p:sp>
@@ -3434,13 +3446,13 @@
           <a:lstStyle/>
           <a:p>
             <a:r>
-              <a:rPr lang="ko-KR" altLang="en-US" dirty="0" smtClean="0">
+              <a:rPr lang="ko-KR" altLang="en-US" dirty="0">
                 <a:latin typeface="Noto Sans KR Medium" pitchFamily="34" charset="-127"/>
                 <a:ea typeface="Noto Sans KR Medium" pitchFamily="34" charset="-127"/>
               </a:rPr>
               <a:t>이동준</a:t>
             </a:r>
-            <a:endParaRPr lang="en-US" altLang="ko-KR" dirty="0" smtClean="0">
+            <a:endParaRPr lang="en-US" altLang="ko-KR" dirty="0">
               <a:latin typeface="Noto Sans KR Medium" pitchFamily="34" charset="-127"/>
               <a:ea typeface="Noto Sans KR Medium" pitchFamily="34" charset="-127"/>
             </a:endParaRPr>
@@ -3460,13 +3472,6 @@
   <p:clrMapOvr>
     <a:masterClrMapping/>
   </p:clrMapOvr>
-  <p:timing>
-    <p:tnLst>
-      <p:par>
-        <p:cTn id="1" dur="indefinite" restart="never" nodeType="tmRoot"/>
-      </p:par>
-    </p:tnLst>
-  </p:timing>
 </p:sld>
 </file>
 
@@ -3503,28 +3508,28 @@
           <a:lstStyle/>
           <a:p>
             <a:r>
-              <a:rPr lang="ko-KR" altLang="en-US" dirty="0" smtClean="0">
+              <a:rPr lang="ko-KR" altLang="en-US" dirty="0">
                 <a:latin typeface="Noto Sans KR Medium" pitchFamily="34" charset="-127"/>
                 <a:ea typeface="Noto Sans KR Medium" pitchFamily="34" charset="-127"/>
               </a:rPr>
               <a:t>개발 단계 </a:t>
             </a:r>
             <a:r>
-              <a:rPr lang="en-US" altLang="ko-KR" dirty="0" smtClean="0">
+              <a:rPr lang="en-US" altLang="ko-KR" dirty="0">
                 <a:latin typeface="Noto Sans KR Medium" pitchFamily="34" charset="-127"/>
                 <a:ea typeface="Noto Sans KR Medium" pitchFamily="34" charset="-127"/>
               </a:rPr>
               <a:t>(1</a:t>
             </a:r>
             <a:r>
-              <a:rPr lang="ko-KR" altLang="en-US" dirty="0" smtClean="0">
+              <a:rPr lang="ko-KR" altLang="en-US" dirty="0">
                 <a:latin typeface="Noto Sans KR Medium" pitchFamily="34" charset="-127"/>
                 <a:ea typeface="Noto Sans KR Medium" pitchFamily="34" charset="-127"/>
               </a:rPr>
               <a:t>주차</a:t>
             </a:r>
             <a:r>
-              <a:rPr lang="en-US" altLang="ko-KR" dirty="0" smtClean="0">
+              <a:rPr lang="en-US" altLang="ko-KR" dirty="0">
                 <a:latin typeface="Noto Sans KR Medium" pitchFamily="34" charset="-127"/>
                 <a:ea typeface="Noto Sans KR Medium" pitchFamily="34" charset="-127"/>
               </a:rPr>
@@ -3596,9 +3601,27 @@
                 <a:tableStyleId>{5C22544A-7EE6-4342-B048-85BDC9FD1C3A}</a:tableStyleId>
               </a:tblPr>
               <a:tblGrid>
-                <a:gridCol w="2384152"/>
-                <a:gridCol w="2384152"/>
-                <a:gridCol w="2384152"/>
+                <a:gridCol w="2384152">
+                  <a:extLst>
+                    <a:ext uri="{9D8B030D-6E8A-4147-A177-3AD203B41FA5}">
+                      <a16:colId xmlns:a16="http://schemas.microsoft.com/office/drawing/2014/main" val="20000"/>
+                    </a:ext>
+                  </a:extLst>
+                </a:gridCol>
+                <a:gridCol w="2384152">
+                  <a:extLst>
+                    <a:ext uri="{9D8B030D-6E8A-4147-A177-3AD203B41FA5}">
+                      <a16:colId xmlns:a16="http://schemas.microsoft.com/office/drawing/2014/main" val="20001"/>
+                    </a:ext>
+                  </a:extLst>
+                </a:gridCol>
+                <a:gridCol w="2384152">
+                  <a:extLst>
+                    <a:ext uri="{9D8B030D-6E8A-4147-A177-3AD203B41FA5}">
+                      <a16:colId xmlns:a16="http://schemas.microsoft.com/office/drawing/2014/main" val="20002"/>
+                    </a:ext>
+                  </a:extLst>
+                </a:gridCol>
               </a:tblGrid>
               <a:tr h="678068">
                 <a:tc>
@@ -3608,16 +3631,12 @@
                     <a:p>
                       <a:pPr algn="ctr" latinLnBrk="1"/>
                       <a:r>
-                        <a:rPr lang="ko-KR" altLang="en-US" sz="2800" dirty="0" smtClean="0">
+                        <a:rPr lang="ko-KR" altLang="en-US" sz="2800" dirty="0">
                           <a:latin typeface="Noto Sans KR Bold" pitchFamily="34" charset="-127"/>
                           <a:ea typeface="Noto Sans KR Bold" pitchFamily="34" charset="-127"/>
                         </a:rPr>
                         <a:t>날짜</a:t>
                       </a:r>
-                      <a:endParaRPr lang="ko-KR" altLang="en-US" sz="2800" dirty="0">
-                        <a:latin typeface="Noto Sans KR Bold" pitchFamily="34" charset="-127"/>
-                        <a:ea typeface="Noto Sans KR Bold" pitchFamily="34" charset="-127"/>
-                      </a:endParaRPr>
                     </a:p>
                   </a:txBody>
                   <a:tcPr/>
@@ -3629,16 +3648,12 @@
                     <a:p>
                       <a:pPr algn="ctr" latinLnBrk="1"/>
                       <a:r>
-                        <a:rPr lang="ko-KR" altLang="en-US" sz="2800" dirty="0" smtClean="0">
+                        <a:rPr lang="ko-KR" altLang="en-US" sz="2800" dirty="0">
                           <a:latin typeface="Noto Sans KR Bold" pitchFamily="34" charset="-127"/>
                           <a:ea typeface="Noto Sans KR Bold" pitchFamily="34" charset="-127"/>
                         </a:rPr>
                         <a:t>진행 내용</a:t>
                       </a:r>
-                      <a:endParaRPr lang="ko-KR" altLang="en-US" sz="2800" dirty="0">
-                        <a:latin typeface="Noto Sans KR Bold" pitchFamily="34" charset="-127"/>
-                        <a:ea typeface="Noto Sans KR Bold" pitchFamily="34" charset="-127"/>
-                      </a:endParaRPr>
                     </a:p>
                   </a:txBody>
                   <a:tcPr/>
@@ -3650,20 +3665,21 @@
                     <a:p>
                       <a:pPr algn="ctr" latinLnBrk="1"/>
                       <a:r>
-                        <a:rPr lang="ko-KR" altLang="en-US" sz="2800" dirty="0" smtClean="0">
+                        <a:rPr lang="ko-KR" altLang="en-US" sz="2800" dirty="0">
                           <a:latin typeface="Noto Sans KR Bold" pitchFamily="34" charset="-127"/>
                           <a:ea typeface="Noto Sans KR Bold" pitchFamily="34" charset="-127"/>
                         </a:rPr>
                         <a:t>비고</a:t>
                       </a:r>
-                      <a:endParaRPr lang="ko-KR" altLang="en-US" sz="2800" dirty="0">
-                        <a:latin typeface="Noto Sans KR Bold" pitchFamily="34" charset="-127"/>
-                        <a:ea typeface="Noto Sans KR Bold" pitchFamily="34" charset="-127"/>
-                      </a:endParaRPr>
                     </a:p>
                   </a:txBody>
                   <a:tcPr/>
                 </a:tc>
+                <a:extLst>
+                  <a:ext uri="{0D108BD9-81ED-4DB2-BD59-A6C34878D82A}">
+                    <a16:rowId xmlns:a16="http://schemas.microsoft.com/office/drawing/2014/main" val="10000"/>
+                  </a:ext>
+                </a:extLst>
               </a:tr>
               <a:tr h="712819">
                 <a:tc>
@@ -3673,7 +3689,7 @@
                     <a:p>
                       <a:pPr algn="ctr" latinLnBrk="1"/>
                       <a:r>
-                        <a:rPr lang="en-US" altLang="ko-KR" sz="1400" dirty="0" smtClean="0">
+                        <a:rPr lang="en-US" altLang="ko-KR" sz="1400" dirty="0">
                           <a:latin typeface="Noto Sans KR Medium" pitchFamily="34" charset="-127"/>
                           <a:ea typeface="Noto Sans KR Medium" pitchFamily="34" charset="-127"/>
                         </a:rPr>
@@ -3694,25 +3710,907 @@
                     <a:p>
                       <a:pPr algn="ctr" latinLnBrk="1"/>
                       <a:r>
-                        <a:rPr lang="ko-KR" altLang="en-US" sz="1400" dirty="0" smtClean="0">
+                        <a:rPr lang="ko-KR" altLang="en-US" sz="1400" dirty="0">
                           <a:latin typeface="Noto Sans KR Medium" pitchFamily="34" charset="-127"/>
                           <a:ea typeface="Noto Sans KR Medium" pitchFamily="34" charset="-127"/>
                         </a:rPr>
                         <a:t>게임 구상</a:t>
                       </a:r>
                       <a:r>
-                        <a:rPr lang="en-US" altLang="ko-KR" sz="1400" dirty="0" smtClean="0">
+                        <a:rPr lang="en-US" altLang="ko-KR" sz="1400" dirty="0">
                           <a:latin typeface="Noto Sans KR Medium" pitchFamily="34" charset="-127"/>
                           <a:ea typeface="Noto Sans KR Medium" pitchFamily="34" charset="-127"/>
                         </a:rPr>
                         <a:t>, </a:t>
                       </a:r>
                       <a:r>
-                        <a:rPr lang="ko-KR" altLang="en-US" sz="1400" dirty="0" smtClean="0">
+                        <a:rPr lang="ko-KR" altLang="en-US" sz="1400" dirty="0">
                           <a:latin typeface="Noto Sans KR Medium" pitchFamily="34" charset="-127"/>
                           <a:ea typeface="Noto Sans KR Medium" pitchFamily="34" charset="-127"/>
                         </a:rPr>
                         <a:t>기획</a:t>
+                      </a:r>
+                    </a:p>
+                  </a:txBody>
+                  <a:tcPr/>
+                </a:tc>
+                <a:tc>
+                  <a:txBody>
+                    <a:bodyPr/>
+                    <a:lstStyle/>
+                    <a:p>
+                      <a:pPr algn="ctr" latinLnBrk="1"/>
+                      <a:endParaRPr lang="ko-KR" altLang="en-US" sz="1400" dirty="0">
+                        <a:latin typeface="Noto Sans KR Medium" pitchFamily="34" charset="-127"/>
+                        <a:ea typeface="Noto Sans KR Medium" pitchFamily="34" charset="-127"/>
+                      </a:endParaRPr>
+                    </a:p>
+                  </a:txBody>
+                  <a:tcPr/>
+                </a:tc>
+                <a:extLst>
+                  <a:ext uri="{0D108BD9-81ED-4DB2-BD59-A6C34878D82A}">
+                    <a16:rowId xmlns:a16="http://schemas.microsoft.com/office/drawing/2014/main" val="10001"/>
+                  </a:ext>
+                </a:extLst>
+              </a:tr>
+              <a:tr h="1018313">
+                <a:tc>
+                  <a:txBody>
+                    <a:bodyPr/>
+                    <a:lstStyle/>
+                    <a:p>
+                      <a:pPr algn="ctr" latinLnBrk="1"/>
+                      <a:r>
+                        <a:rPr lang="en-US" altLang="ko-KR" sz="1400" dirty="0">
+                          <a:latin typeface="Noto Sans KR Medium" pitchFamily="34" charset="-127"/>
+                          <a:ea typeface="Noto Sans KR Medium" pitchFamily="34" charset="-127"/>
+                        </a:rPr>
+                        <a:t>11-03</a:t>
+                      </a:r>
+                      <a:endParaRPr lang="ko-KR" altLang="en-US" sz="1400" dirty="0">
+                        <a:latin typeface="Noto Sans KR Medium" pitchFamily="34" charset="-127"/>
+                        <a:ea typeface="Noto Sans KR Medium" pitchFamily="34" charset="-127"/>
+                      </a:endParaRPr>
+                    </a:p>
+                  </a:txBody>
+                  <a:tcPr/>
+                </a:tc>
+                <a:tc>
+                  <a:txBody>
+                    <a:bodyPr/>
+                    <a:lstStyle/>
+                    <a:p>
+                      <a:pPr algn="ctr" latinLnBrk="1"/>
+                      <a:r>
+                        <a:rPr lang="ko-KR" altLang="en-US" sz="1400" dirty="0">
+                          <a:latin typeface="Noto Sans KR Medium" pitchFamily="34" charset="-127"/>
+                          <a:ea typeface="Noto Sans KR Medium" pitchFamily="34" charset="-127"/>
+                        </a:rPr>
+                        <a:t>퍼즐 </a:t>
+                      </a:r>
+                      <a:r>
+                        <a:rPr lang="ko-KR" altLang="en-US" sz="1400" dirty="0" err="1">
+                          <a:latin typeface="Noto Sans KR Medium" pitchFamily="34" charset="-127"/>
+                          <a:ea typeface="Noto Sans KR Medium" pitchFamily="34" charset="-127"/>
+                        </a:rPr>
+                        <a:t>로직</a:t>
+                      </a:r>
+                      <a:r>
+                        <a:rPr lang="ko-KR" altLang="en-US" sz="1400" dirty="0">
+                          <a:latin typeface="Noto Sans KR Medium" pitchFamily="34" charset="-127"/>
+                          <a:ea typeface="Noto Sans KR Medium" pitchFamily="34" charset="-127"/>
+                        </a:rPr>
+                        <a:t> 구상</a:t>
+                      </a:r>
+                      <a:r>
+                        <a:rPr lang="ko-KR" altLang="en-US" sz="1400" baseline="0" dirty="0">
+                          <a:latin typeface="Noto Sans KR Medium" pitchFamily="34" charset="-127"/>
+                          <a:ea typeface="Noto Sans KR Medium" pitchFamily="34" charset="-127"/>
+                        </a:rPr>
+                        <a:t>플레이어 이동</a:t>
+                      </a:r>
+                      <a:r>
+                        <a:rPr lang="en-US" altLang="ko-KR" sz="1400" baseline="0" dirty="0">
+                          <a:latin typeface="Noto Sans KR Medium" pitchFamily="34" charset="-127"/>
+                          <a:ea typeface="Noto Sans KR Medium" pitchFamily="34" charset="-127"/>
+                        </a:rPr>
+                        <a:t>, </a:t>
+                      </a:r>
+                    </a:p>
+                    <a:p>
+                      <a:pPr algn="ctr" latinLnBrk="1"/>
+                      <a:r>
+                        <a:rPr lang="ko-KR" altLang="en-US" sz="1400" baseline="0" dirty="0">
+                          <a:latin typeface="Noto Sans KR Medium" pitchFamily="34" charset="-127"/>
+                          <a:ea typeface="Noto Sans KR Medium" pitchFamily="34" charset="-127"/>
+                        </a:rPr>
+                        <a:t>공격 애니메이션</a:t>
+                      </a:r>
+                      <a:endParaRPr lang="en-US" altLang="ko-KR" sz="1400" baseline="0" dirty="0">
+                        <a:latin typeface="Noto Sans KR Medium" pitchFamily="34" charset="-127"/>
+                        <a:ea typeface="Noto Sans KR Medium" pitchFamily="34" charset="-127"/>
+                      </a:endParaRPr>
+                    </a:p>
+                  </a:txBody>
+                  <a:tcPr/>
+                </a:tc>
+                <a:tc>
+                  <a:txBody>
+                    <a:bodyPr/>
+                    <a:lstStyle/>
+                    <a:p>
+                      <a:pPr algn="ctr" latinLnBrk="1"/>
+                      <a:endParaRPr lang="ko-KR" altLang="en-US" sz="1400">
+                        <a:latin typeface="Noto Sans KR Medium" pitchFamily="34" charset="-127"/>
+                        <a:ea typeface="Noto Sans KR Medium" pitchFamily="34" charset="-127"/>
+                      </a:endParaRPr>
+                    </a:p>
+                  </a:txBody>
+                  <a:tcPr/>
+                </a:tc>
+                <a:extLst>
+                  <a:ext uri="{0D108BD9-81ED-4DB2-BD59-A6C34878D82A}">
+                    <a16:rowId xmlns:a16="http://schemas.microsoft.com/office/drawing/2014/main" val="10002"/>
+                  </a:ext>
+                </a:extLst>
+              </a:tr>
+              <a:tr h="693844">
+                <a:tc>
+                  <a:txBody>
+                    <a:bodyPr/>
+                    <a:lstStyle/>
+                    <a:p>
+                      <a:pPr algn="ctr" latinLnBrk="1"/>
+                      <a:r>
+                        <a:rPr lang="en-US" altLang="ko-KR" sz="1400" dirty="0">
+                          <a:latin typeface="Noto Sans KR Medium" pitchFamily="34" charset="-127"/>
+                          <a:ea typeface="Noto Sans KR Medium" pitchFamily="34" charset="-127"/>
+                        </a:rPr>
+                        <a:t>11-04</a:t>
+                      </a:r>
+                      <a:endParaRPr lang="ko-KR" altLang="en-US" sz="1400" dirty="0">
+                        <a:latin typeface="Noto Sans KR Medium" pitchFamily="34" charset="-127"/>
+                        <a:ea typeface="Noto Sans KR Medium" pitchFamily="34" charset="-127"/>
+                      </a:endParaRPr>
+                    </a:p>
+                  </a:txBody>
+                  <a:tcPr/>
+                </a:tc>
+                <a:tc>
+                  <a:txBody>
+                    <a:bodyPr/>
+                    <a:lstStyle/>
+                    <a:p>
+                      <a:pPr algn="ctr" latinLnBrk="1"/>
+                      <a:r>
+                        <a:rPr lang="ko-KR" altLang="en-US" sz="1400" dirty="0">
+                          <a:latin typeface="Noto Sans KR Medium" pitchFamily="34" charset="-127"/>
+                          <a:ea typeface="Noto Sans KR Medium" pitchFamily="34" charset="-127"/>
+                        </a:rPr>
+                        <a:t>플레이어 공격</a:t>
+                      </a:r>
+                      <a:r>
+                        <a:rPr lang="en-US" altLang="ko-KR" sz="1400" baseline="0" dirty="0">
+                          <a:latin typeface="Noto Sans KR Medium" pitchFamily="34" charset="-127"/>
+                          <a:ea typeface="Noto Sans KR Medium" pitchFamily="34" charset="-127"/>
+                        </a:rPr>
+                        <a:t>,</a:t>
+                      </a:r>
+                      <a:r>
+                        <a:rPr lang="ko-KR" altLang="en-US" sz="1400" baseline="0" dirty="0">
+                          <a:latin typeface="Noto Sans KR Medium" pitchFamily="34" charset="-127"/>
+                          <a:ea typeface="Noto Sans KR Medium" pitchFamily="34" charset="-127"/>
+                        </a:rPr>
+                        <a:t>스킬 </a:t>
+                      </a:r>
+                      <a:endParaRPr lang="en-US" altLang="ko-KR" sz="1400" baseline="0" dirty="0">
+                        <a:latin typeface="Noto Sans KR Medium" pitchFamily="34" charset="-127"/>
+                        <a:ea typeface="Noto Sans KR Medium" pitchFamily="34" charset="-127"/>
+                      </a:endParaRPr>
+                    </a:p>
+                    <a:p>
+                      <a:pPr algn="ctr" latinLnBrk="1"/>
+                      <a:r>
+                        <a:rPr lang="ko-KR" altLang="en-US" sz="1400" baseline="0" dirty="0">
+                          <a:latin typeface="Noto Sans KR Medium" pitchFamily="34" charset="-127"/>
+                          <a:ea typeface="Noto Sans KR Medium" pitchFamily="34" charset="-127"/>
+                        </a:rPr>
+                        <a:t>무게 발판 </a:t>
+                      </a:r>
+                      <a:endParaRPr lang="en-US" altLang="ko-KR" sz="1400" baseline="0" dirty="0">
+                        <a:latin typeface="Noto Sans KR Medium" pitchFamily="34" charset="-127"/>
+                        <a:ea typeface="Noto Sans KR Medium" pitchFamily="34" charset="-127"/>
+                      </a:endParaRPr>
+                    </a:p>
+                    <a:p>
+                      <a:pPr algn="ctr" latinLnBrk="1"/>
+                      <a:r>
+                        <a:rPr lang="ko-KR" altLang="en-US" sz="1400" dirty="0">
+                          <a:latin typeface="Noto Sans KR Medium" pitchFamily="34" charset="-127"/>
+                          <a:ea typeface="Noto Sans KR Medium" pitchFamily="34" charset="-127"/>
+                        </a:rPr>
+                        <a:t>속성 구슬 </a:t>
+                      </a:r>
+                    </a:p>
+                  </a:txBody>
+                  <a:tcPr/>
+                </a:tc>
+                <a:tc>
+                  <a:txBody>
+                    <a:bodyPr/>
+                    <a:lstStyle/>
+                    <a:p>
+                      <a:pPr algn="ctr" latinLnBrk="1"/>
+                      <a:r>
+                        <a:rPr lang="ko-KR" altLang="en-US" sz="1400" dirty="0">
+                          <a:latin typeface="Noto Sans KR Medium" pitchFamily="34" charset="-127"/>
+                          <a:ea typeface="Noto Sans KR Medium" pitchFamily="34" charset="-127"/>
+                        </a:rPr>
+                        <a:t>무게가 필요한 오브젝트에 </a:t>
+                      </a:r>
+                      <a:endParaRPr lang="en-US" altLang="ko-KR" sz="1400" dirty="0">
+                        <a:latin typeface="Noto Sans KR Medium" pitchFamily="34" charset="-127"/>
+                        <a:ea typeface="Noto Sans KR Medium" pitchFamily="34" charset="-127"/>
+                      </a:endParaRPr>
+                    </a:p>
+                    <a:p>
+                      <a:pPr algn="ctr" latinLnBrk="1"/>
+                      <a:r>
+                        <a:rPr lang="ko-KR" altLang="en-US" sz="1400" dirty="0">
+                          <a:latin typeface="Noto Sans KR Medium" pitchFamily="34" charset="-127"/>
+                          <a:ea typeface="Noto Sans KR Medium" pitchFamily="34" charset="-127"/>
+                        </a:rPr>
+                        <a:t>무게 </a:t>
+                      </a:r>
+                      <a:r>
+                        <a:rPr lang="ko-KR" altLang="en-US" sz="1400" dirty="0" err="1">
+                          <a:latin typeface="Noto Sans KR Medium" pitchFamily="34" charset="-127"/>
+                          <a:ea typeface="Noto Sans KR Medium" pitchFamily="34" charset="-127"/>
+                        </a:rPr>
+                        <a:t>스크립터블오브젝트</a:t>
+                      </a:r>
+                      <a:r>
+                        <a:rPr lang="ko-KR" altLang="en-US" sz="1400" dirty="0">
+                          <a:latin typeface="Noto Sans KR Medium" pitchFamily="34" charset="-127"/>
+                          <a:ea typeface="Noto Sans KR Medium" pitchFamily="34" charset="-127"/>
+                        </a:rPr>
+                        <a:t> </a:t>
+                      </a:r>
+                      <a:endParaRPr lang="en-US" altLang="ko-KR" sz="1400" dirty="0">
+                        <a:latin typeface="Noto Sans KR Medium" pitchFamily="34" charset="-127"/>
+                        <a:ea typeface="Noto Sans KR Medium" pitchFamily="34" charset="-127"/>
+                      </a:endParaRPr>
+                    </a:p>
+                    <a:p>
+                      <a:pPr algn="ctr" latinLnBrk="1"/>
+                      <a:r>
+                        <a:rPr lang="ko-KR" altLang="en-US" sz="1400" dirty="0">
+                          <a:latin typeface="Noto Sans KR Medium" pitchFamily="34" charset="-127"/>
+                          <a:ea typeface="Noto Sans KR Medium" pitchFamily="34" charset="-127"/>
+                        </a:rPr>
+                        <a:t>추가</a:t>
+                      </a:r>
+                    </a:p>
+                  </a:txBody>
+                  <a:tcPr/>
+                </a:tc>
+                <a:extLst>
+                  <a:ext uri="{0D108BD9-81ED-4DB2-BD59-A6C34878D82A}">
+                    <a16:rowId xmlns:a16="http://schemas.microsoft.com/office/drawing/2014/main" val="10003"/>
+                  </a:ext>
+                </a:extLst>
+              </a:tr>
+              <a:tr h="693844">
+                <a:tc>
+                  <a:txBody>
+                    <a:bodyPr/>
+                    <a:lstStyle/>
+                    <a:p>
+                      <a:pPr algn="ctr" latinLnBrk="1"/>
+                      <a:r>
+                        <a:rPr lang="en-US" altLang="ko-KR" sz="1400" dirty="0">
+                          <a:latin typeface="Noto Sans KR Medium" pitchFamily="34" charset="-127"/>
+                          <a:ea typeface="Noto Sans KR Medium" pitchFamily="34" charset="-127"/>
+                        </a:rPr>
+                        <a:t>11-05</a:t>
+                      </a:r>
+                      <a:endParaRPr lang="ko-KR" altLang="en-US" sz="1400" dirty="0">
+                        <a:latin typeface="Noto Sans KR Medium" pitchFamily="34" charset="-127"/>
+                        <a:ea typeface="Noto Sans KR Medium" pitchFamily="34" charset="-127"/>
+                      </a:endParaRPr>
+                    </a:p>
+                  </a:txBody>
+                  <a:tcPr/>
+                </a:tc>
+                <a:tc>
+                  <a:txBody>
+                    <a:bodyPr/>
+                    <a:lstStyle/>
+                    <a:p>
+                      <a:pPr algn="ctr" latinLnBrk="1"/>
+                      <a:r>
+                        <a:rPr lang="ko-KR" altLang="en-US" sz="1400" dirty="0">
+                          <a:latin typeface="Noto Sans KR Medium" pitchFamily="34" charset="-127"/>
+                          <a:ea typeface="Noto Sans KR Medium" pitchFamily="34" charset="-127"/>
+                        </a:rPr>
+                        <a:t>횃불</a:t>
+                      </a:r>
+                      <a:endParaRPr lang="en-US" altLang="ko-KR" sz="1400" baseline="0" dirty="0">
+                        <a:latin typeface="Noto Sans KR Medium" pitchFamily="34" charset="-127"/>
+                        <a:ea typeface="Noto Sans KR Medium" pitchFamily="34" charset="-127"/>
+                      </a:endParaRPr>
+                    </a:p>
+                    <a:p>
+                      <a:pPr algn="ctr" latinLnBrk="1"/>
+                      <a:r>
+                        <a:rPr lang="ko-KR" altLang="en-US" sz="1400" baseline="0" dirty="0">
+                          <a:latin typeface="Noto Sans KR Medium" pitchFamily="34" charset="-127"/>
+                          <a:ea typeface="Noto Sans KR Medium" pitchFamily="34" charset="-127"/>
+                        </a:rPr>
+                        <a:t>레버 제작</a:t>
+                      </a:r>
+                      <a:endParaRPr lang="en-US" altLang="ko-KR" sz="1400" baseline="0" dirty="0">
+                        <a:latin typeface="Noto Sans KR Medium" pitchFamily="34" charset="-127"/>
+                        <a:ea typeface="Noto Sans KR Medium" pitchFamily="34" charset="-127"/>
+                      </a:endParaRPr>
+                    </a:p>
+                    <a:p>
+                      <a:pPr algn="ctr" latinLnBrk="1"/>
+                      <a:r>
+                        <a:rPr lang="ko-KR" altLang="en-US" sz="1400" baseline="0" dirty="0" err="1">
+                          <a:latin typeface="Noto Sans KR Medium" pitchFamily="34" charset="-127"/>
+                          <a:ea typeface="Noto Sans KR Medium" pitchFamily="34" charset="-127"/>
+                        </a:rPr>
+                        <a:t>윈드스톤</a:t>
+                      </a:r>
+                      <a:r>
+                        <a:rPr lang="ko-KR" altLang="en-US" sz="1400" baseline="0" dirty="0">
+                          <a:latin typeface="Noto Sans KR Medium" pitchFamily="34" charset="-127"/>
+                          <a:ea typeface="Noto Sans KR Medium" pitchFamily="34" charset="-127"/>
+                        </a:rPr>
+                        <a:t> </a:t>
+                      </a:r>
+                      <a:endParaRPr lang="en-US" altLang="ko-KR" sz="1400" baseline="0" dirty="0">
+                        <a:latin typeface="Noto Sans KR Medium" pitchFamily="34" charset="-127"/>
+                        <a:ea typeface="Noto Sans KR Medium" pitchFamily="34" charset="-127"/>
+                      </a:endParaRPr>
+                    </a:p>
+                  </a:txBody>
+                  <a:tcPr/>
+                </a:tc>
+                <a:tc>
+                  <a:txBody>
+                    <a:bodyPr/>
+                    <a:lstStyle/>
+                    <a:p>
+                      <a:pPr algn="ctr" latinLnBrk="1"/>
+                      <a:r>
+                        <a:rPr lang="ko-KR" altLang="en-US" sz="1400" dirty="0">
+                          <a:latin typeface="Noto Sans KR Medium" pitchFamily="34" charset="-127"/>
+                          <a:ea typeface="Noto Sans KR Medium" pitchFamily="34" charset="-127"/>
+                        </a:rPr>
+                        <a:t>횃불 </a:t>
+                      </a:r>
+                      <a:r>
+                        <a:rPr lang="en-US" altLang="ko-KR" sz="1400">
+                          <a:latin typeface="Noto Sans KR Medium" pitchFamily="34" charset="-127"/>
+                          <a:ea typeface="Noto Sans KR Medium" pitchFamily="34" charset="-127"/>
+                        </a:rPr>
+                        <a:t>2D</a:t>
+                      </a:r>
+                      <a:r>
+                        <a:rPr lang="en-US" altLang="ko-KR" sz="1400" baseline="0">
+                          <a:latin typeface="Noto Sans KR Medium" pitchFamily="34" charset="-127"/>
+                          <a:ea typeface="Noto Sans KR Medium" pitchFamily="34" charset="-127"/>
+                        </a:rPr>
+                        <a:t> Light</a:t>
+                      </a:r>
+                      <a:endParaRPr lang="ko-KR" altLang="en-US" sz="1400" dirty="0">
+                        <a:latin typeface="Noto Sans KR Medium" pitchFamily="34" charset="-127"/>
+                        <a:ea typeface="Noto Sans KR Medium" pitchFamily="34" charset="-127"/>
+                      </a:endParaRPr>
+                    </a:p>
+                  </a:txBody>
+                  <a:tcPr/>
+                </a:tc>
+                <a:extLst>
+                  <a:ext uri="{0D108BD9-81ED-4DB2-BD59-A6C34878D82A}">
+                    <a16:rowId xmlns:a16="http://schemas.microsoft.com/office/drawing/2014/main" val="10004"/>
+                  </a:ext>
+                </a:extLst>
+              </a:tr>
+              <a:tr h="693844">
+                <a:tc>
+                  <a:txBody>
+                    <a:bodyPr/>
+                    <a:lstStyle/>
+                    <a:p>
+                      <a:pPr algn="ctr" latinLnBrk="1"/>
+                      <a:r>
+                        <a:rPr lang="en-US" altLang="ko-KR" sz="1400" dirty="0">
+                          <a:latin typeface="Noto Sans KR Medium" pitchFamily="34" charset="-127"/>
+                          <a:ea typeface="Noto Sans KR Medium" pitchFamily="34" charset="-127"/>
+                        </a:rPr>
+                        <a:t>11-06</a:t>
+                      </a:r>
+                      <a:endParaRPr lang="ko-KR" altLang="en-US" sz="1400" dirty="0">
+                        <a:latin typeface="Noto Sans KR Medium" pitchFamily="34" charset="-127"/>
+                        <a:ea typeface="Noto Sans KR Medium" pitchFamily="34" charset="-127"/>
+                      </a:endParaRPr>
+                    </a:p>
+                  </a:txBody>
+                  <a:tcPr/>
+                </a:tc>
+                <a:tc>
+                  <a:txBody>
+                    <a:bodyPr/>
+                    <a:lstStyle/>
+                    <a:p>
+                      <a:pPr algn="ctr" latinLnBrk="1"/>
+                      <a:r>
+                        <a:rPr lang="ko-KR" altLang="en-US" sz="1400" dirty="0">
+                          <a:latin typeface="Noto Sans KR Medium" pitchFamily="34" charset="-127"/>
+                          <a:ea typeface="Noto Sans KR Medium" pitchFamily="34" charset="-127"/>
+                        </a:rPr>
+                        <a:t>스테이지</a:t>
+                      </a:r>
+                      <a:r>
+                        <a:rPr lang="en-US" altLang="ko-KR" sz="1400" dirty="0">
+                          <a:latin typeface="Noto Sans KR Medium" pitchFamily="34" charset="-127"/>
+                          <a:ea typeface="Noto Sans KR Medium" pitchFamily="34" charset="-127"/>
+                        </a:rPr>
+                        <a:t>1</a:t>
+                      </a:r>
+                      <a:r>
+                        <a:rPr lang="en-US" altLang="ko-KR" sz="1400" baseline="0" dirty="0">
+                          <a:latin typeface="Noto Sans KR Medium" pitchFamily="34" charset="-127"/>
+                          <a:ea typeface="Noto Sans KR Medium" pitchFamily="34" charset="-127"/>
+                        </a:rPr>
+                        <a:t> </a:t>
+                      </a:r>
+                      <a:r>
+                        <a:rPr lang="ko-KR" altLang="en-US" sz="1400" baseline="0" dirty="0">
+                          <a:latin typeface="Noto Sans KR Medium" pitchFamily="34" charset="-127"/>
+                          <a:ea typeface="Noto Sans KR Medium" pitchFamily="34" charset="-127"/>
+                        </a:rPr>
+                        <a:t>구현</a:t>
+                      </a:r>
+                      <a:endParaRPr lang="en-US" altLang="ko-KR" sz="1400" baseline="0" dirty="0">
+                        <a:latin typeface="Noto Sans KR Medium" pitchFamily="34" charset="-127"/>
+                        <a:ea typeface="Noto Sans KR Medium" pitchFamily="34" charset="-127"/>
+                      </a:endParaRPr>
+                    </a:p>
+                    <a:p>
+                      <a:pPr algn="ctr" latinLnBrk="1"/>
+                      <a:r>
+                        <a:rPr lang="ko-KR" altLang="en-US" sz="1400" baseline="0" dirty="0">
+                          <a:latin typeface="Noto Sans KR Medium" pitchFamily="34" charset="-127"/>
+                          <a:ea typeface="Noto Sans KR Medium" pitchFamily="34" charset="-127"/>
+                        </a:rPr>
+                        <a:t>스테이지</a:t>
+                      </a:r>
+                      <a:r>
+                        <a:rPr lang="en-US" altLang="ko-KR" sz="1400" baseline="0" dirty="0">
+                          <a:latin typeface="Noto Sans KR Medium" pitchFamily="34" charset="-127"/>
+                          <a:ea typeface="Noto Sans KR Medium" pitchFamily="34" charset="-127"/>
+                        </a:rPr>
+                        <a:t>2 </a:t>
+                      </a:r>
+                    </a:p>
+                    <a:p>
+                      <a:pPr algn="ctr" latinLnBrk="1"/>
+                      <a:endParaRPr lang="ko-KR" altLang="en-US" sz="1400" dirty="0">
+                        <a:latin typeface="Noto Sans KR Medium" pitchFamily="34" charset="-127"/>
+                        <a:ea typeface="Noto Sans KR Medium" pitchFamily="34" charset="-127"/>
+                      </a:endParaRPr>
+                    </a:p>
+                  </a:txBody>
+                  <a:tcPr/>
+                </a:tc>
+                <a:tc>
+                  <a:txBody>
+                    <a:bodyPr/>
+                    <a:lstStyle/>
+                    <a:p>
+                      <a:pPr algn="ctr" latinLnBrk="1"/>
+                      <a:r>
+                        <a:rPr lang="ko-KR" altLang="en-US" sz="1400" dirty="0">
+                          <a:latin typeface="Noto Sans KR Medium" pitchFamily="34" charset="-127"/>
+                          <a:ea typeface="Noto Sans KR Medium" pitchFamily="34" charset="-127"/>
+                        </a:rPr>
+                        <a:t>타임라인</a:t>
+                      </a:r>
+                      <a:r>
+                        <a:rPr lang="ko-KR" altLang="en-US" sz="1400" baseline="0" dirty="0">
+                          <a:latin typeface="Noto Sans KR Medium" pitchFamily="34" charset="-127"/>
+                          <a:ea typeface="Noto Sans KR Medium" pitchFamily="34" charset="-127"/>
+                        </a:rPr>
+                        <a:t> 스테이지</a:t>
+                      </a:r>
+                      <a:r>
+                        <a:rPr lang="en-US" altLang="ko-KR" sz="1400" baseline="0" dirty="0">
+                          <a:latin typeface="Noto Sans KR Medium" pitchFamily="34" charset="-127"/>
+                          <a:ea typeface="Noto Sans KR Medium" pitchFamily="34" charset="-127"/>
+                        </a:rPr>
+                        <a:t>2 </a:t>
+                      </a:r>
+                      <a:r>
+                        <a:rPr lang="ko-KR" altLang="en-US" sz="1400" baseline="0" err="1">
+                          <a:latin typeface="Noto Sans KR Medium" pitchFamily="34" charset="-127"/>
+                          <a:ea typeface="Noto Sans KR Medium" pitchFamily="34" charset="-127"/>
+                        </a:rPr>
+                        <a:t>컷씬</a:t>
+                      </a:r>
+                      <a:r>
+                        <a:rPr lang="ko-KR" altLang="en-US" sz="1400" baseline="0">
+                          <a:latin typeface="Noto Sans KR Medium" pitchFamily="34" charset="-127"/>
+                          <a:ea typeface="Noto Sans KR Medium" pitchFamily="34" charset="-127"/>
+                        </a:rPr>
+                        <a:t> 작업</a:t>
+                      </a:r>
+                      <a:endParaRPr lang="ko-KR" altLang="en-US" sz="1400" dirty="0">
+                        <a:latin typeface="Noto Sans KR Medium" pitchFamily="34" charset="-127"/>
+                        <a:ea typeface="Noto Sans KR Medium" pitchFamily="34" charset="-127"/>
+                      </a:endParaRPr>
+                    </a:p>
+                  </a:txBody>
+                  <a:tcPr/>
+                </a:tc>
+                <a:extLst>
+                  <a:ext uri="{0D108BD9-81ED-4DB2-BD59-A6C34878D82A}">
+                    <a16:rowId xmlns:a16="http://schemas.microsoft.com/office/drawing/2014/main" val="10005"/>
+                  </a:ext>
+                </a:extLst>
+              </a:tr>
+              <a:tr h="693844">
+                <a:tc>
+                  <a:txBody>
+                    <a:bodyPr/>
+                    <a:lstStyle/>
+                    <a:p>
+                      <a:pPr algn="ctr" latinLnBrk="1"/>
+                      <a:r>
+                        <a:rPr lang="en-US" altLang="ko-KR" sz="1400" dirty="0">
+                          <a:latin typeface="Noto Sans KR Medium" pitchFamily="34" charset="-127"/>
+                          <a:ea typeface="Noto Sans KR Medium" pitchFamily="34" charset="-127"/>
+                        </a:rPr>
+                        <a:t>11-07</a:t>
+                      </a:r>
+                      <a:endParaRPr lang="ko-KR" altLang="en-US" sz="1400" dirty="0">
+                        <a:latin typeface="Noto Sans KR Medium" pitchFamily="34" charset="-127"/>
+                        <a:ea typeface="Noto Sans KR Medium" pitchFamily="34" charset="-127"/>
+                      </a:endParaRPr>
+                    </a:p>
+                  </a:txBody>
+                  <a:tcPr/>
+                </a:tc>
+                <a:tc>
+                  <a:txBody>
+                    <a:bodyPr/>
+                    <a:lstStyle/>
+                    <a:p>
+                      <a:pPr algn="ctr" latinLnBrk="1"/>
+                      <a:r>
+                        <a:rPr lang="en-US" altLang="ko-KR" sz="1400" dirty="0">
+                          <a:latin typeface="Noto Sans KR Medium" pitchFamily="34" charset="-127"/>
+                          <a:ea typeface="Noto Sans KR Medium" pitchFamily="34" charset="-127"/>
+                        </a:rPr>
+                        <a:t>X</a:t>
+                      </a:r>
+                      <a:endParaRPr lang="ko-KR" altLang="en-US" sz="1400" dirty="0">
+                        <a:latin typeface="Noto Sans KR Medium" pitchFamily="34" charset="-127"/>
+                        <a:ea typeface="Noto Sans KR Medium" pitchFamily="34" charset="-127"/>
+                      </a:endParaRPr>
+                    </a:p>
+                  </a:txBody>
+                  <a:tcPr/>
+                </a:tc>
+                <a:tc>
+                  <a:txBody>
+                    <a:bodyPr/>
+                    <a:lstStyle/>
+                    <a:p>
+                      <a:pPr algn="ctr" latinLnBrk="1"/>
+                      <a:r>
+                        <a:rPr lang="en-US" altLang="ko-KR" sz="1400" dirty="0">
+                          <a:latin typeface="Noto Sans KR Medium" pitchFamily="34" charset="-127"/>
+                          <a:ea typeface="Noto Sans KR Medium" pitchFamily="34" charset="-127"/>
+                        </a:rPr>
+                        <a:t>X</a:t>
+                      </a:r>
+                      <a:endParaRPr lang="ko-KR" altLang="en-US" sz="1400" dirty="0">
+                        <a:latin typeface="Noto Sans KR Medium" pitchFamily="34" charset="-127"/>
+                        <a:ea typeface="Noto Sans KR Medium" pitchFamily="34" charset="-127"/>
+                      </a:endParaRPr>
+                    </a:p>
+                  </a:txBody>
+                  <a:tcPr/>
+                </a:tc>
+                <a:extLst>
+                  <a:ext uri="{0D108BD9-81ED-4DB2-BD59-A6C34878D82A}">
+                    <a16:rowId xmlns:a16="http://schemas.microsoft.com/office/drawing/2014/main" val="10006"/>
+                  </a:ext>
+                </a:extLst>
+              </a:tr>
+            </a:tbl>
+          </a:graphicData>
+        </a:graphic>
+      </p:graphicFrame>
+    </p:spTree>
+    <p:extLst>
+      <p:ext uri="{BB962C8B-B14F-4D97-AF65-F5344CB8AC3E}">
+        <p14:creationId xmlns:p14="http://schemas.microsoft.com/office/powerpoint/2010/main" val="1783695213"/>
+      </p:ext>
+    </p:extLst>
+  </p:cSld>
+  <p:clrMapOvr>
+    <a:masterClrMapping/>
+  </p:clrMapOvr>
+</p:sld>
+</file>
+
+<file path=ppt/slides/slide11.xml><?xml version="1.0" encoding="utf-8"?>
+<p:sld xmlns:a="http://schemas.openxmlformats.org/drawingml/2006/main" xmlns:r="http://schemas.openxmlformats.org/officeDocument/2006/relationships" xmlns:p="http://schemas.openxmlformats.org/presentationml/2006/main">
+  <p:cSld>
+    <p:spTree>
+      <p:nvGrpSpPr>
+        <p:cNvPr id="1" name=""/>
+        <p:cNvGrpSpPr/>
+        <p:nvPr/>
+      </p:nvGrpSpPr>
+      <p:grpSpPr>
+        <a:xfrm>
+          <a:off x="0" y="0"/>
+          <a:ext cx="0" cy="0"/>
+          <a:chOff x="0" y="0"/>
+          <a:chExt cx="0" cy="0"/>
+        </a:xfrm>
+      </p:grpSpPr>
+      <p:sp>
+        <p:nvSpPr>
+          <p:cNvPr id="2" name="제목 1"/>
+          <p:cNvSpPr>
+            <a:spLocks noGrp="1"/>
+          </p:cNvSpPr>
+          <p:nvPr>
+            <p:ph type="title"/>
+          </p:nvPr>
+        </p:nvSpPr>
+        <p:spPr/>
+        <p:txBody>
+          <a:bodyPr/>
+          <a:lstStyle/>
+          <a:p>
+            <a:r>
+              <a:rPr lang="ko-KR" altLang="en-US" dirty="0">
+                <a:latin typeface="Noto Sans KR Medium" pitchFamily="34" charset="-127"/>
+                <a:ea typeface="Noto Sans KR Medium" pitchFamily="34" charset="-127"/>
+              </a:rPr>
+              <a:t>개발 단계 </a:t>
+            </a:r>
+            <a:r>
+              <a:rPr lang="en-US" altLang="ko-KR" dirty="0">
+                <a:latin typeface="Noto Sans KR Medium" pitchFamily="34" charset="-127"/>
+                <a:ea typeface="Noto Sans KR Medium" pitchFamily="34" charset="-127"/>
+              </a:rPr>
+              <a:t>(2</a:t>
+            </a:r>
+            <a:r>
+              <a:rPr lang="ko-KR" altLang="en-US" dirty="0">
+                <a:latin typeface="Noto Sans KR Medium" pitchFamily="34" charset="-127"/>
+                <a:ea typeface="Noto Sans KR Medium" pitchFamily="34" charset="-127"/>
+              </a:rPr>
+              <a:t>주차</a:t>
+            </a:r>
+            <a:r>
+              <a:rPr lang="en-US" altLang="ko-KR" dirty="0">
+                <a:latin typeface="Noto Sans KR Medium" pitchFamily="34" charset="-127"/>
+                <a:ea typeface="Noto Sans KR Medium" pitchFamily="34" charset="-127"/>
+              </a:rPr>
+              <a:t>)</a:t>
+            </a:r>
+            <a:endParaRPr lang="ko-KR" altLang="en-US" dirty="0">
+              <a:latin typeface="Noto Sans KR Medium" pitchFamily="34" charset="-127"/>
+              <a:ea typeface="Noto Sans KR Medium" pitchFamily="34" charset="-127"/>
+            </a:endParaRPr>
+          </a:p>
+        </p:txBody>
+      </p:sp>
+      <p:sp>
+        <p:nvSpPr>
+          <p:cNvPr id="3" name="내용 개체 틀 2"/>
+          <p:cNvSpPr>
+            <a:spLocks noGrp="1"/>
+          </p:cNvSpPr>
+          <p:nvPr>
+            <p:ph idx="1"/>
+          </p:nvPr>
+        </p:nvSpPr>
+        <p:spPr/>
+        <p:txBody>
+          <a:bodyPr/>
+          <a:lstStyle/>
+          <a:p>
+            <a:pPr marL="0" indent="0">
+              <a:buNone/>
+            </a:pPr>
+            <a:endParaRPr lang="en-US" altLang="ko-KR" dirty="0">
+              <a:latin typeface="Noto Sans KR Medium" pitchFamily="34" charset="-127"/>
+              <a:ea typeface="Noto Sans KR Medium" pitchFamily="34" charset="-127"/>
+            </a:endParaRPr>
+          </a:p>
+          <a:p>
+            <a:pPr marL="0" indent="0">
+              <a:buNone/>
+            </a:pPr>
+            <a:endParaRPr lang="ko-KR" altLang="en-US" dirty="0">
+              <a:latin typeface="Noto Sans KR Medium" pitchFamily="34" charset="-127"/>
+              <a:ea typeface="Noto Sans KR Medium" pitchFamily="34" charset="-127"/>
+            </a:endParaRPr>
+          </a:p>
+        </p:txBody>
+      </p:sp>
+      <p:graphicFrame>
+        <p:nvGraphicFramePr>
+          <p:cNvPr id="4" name="표 3"/>
+          <p:cNvGraphicFramePr>
+            <a:graphicFrameLocks noGrp="1"/>
+          </p:cNvGraphicFramePr>
+          <p:nvPr>
+            <p:extLst>
+              <p:ext uri="{D42A27DB-BD31-4B8C-83A1-F6EECF244321}">
+                <p14:modId xmlns:p14="http://schemas.microsoft.com/office/powerpoint/2010/main" val="505331815"/>
+              </p:ext>
+            </p:extLst>
+          </p:nvPr>
+        </p:nvGraphicFramePr>
+        <p:xfrm>
+          <a:off x="971600" y="1412776"/>
+          <a:ext cx="7152456" cy="5184576"/>
+        </p:xfrm>
+        <a:graphic>
+          <a:graphicData uri="http://schemas.openxmlformats.org/drawingml/2006/table">
+            <a:tbl>
+              <a:tblPr firstRow="1" bandRow="1">
+                <a:tableStyleId>{5C22544A-7EE6-4342-B048-85BDC9FD1C3A}</a:tableStyleId>
+              </a:tblPr>
+              <a:tblGrid>
+                <a:gridCol w="2384152">
+                  <a:extLst>
+                    <a:ext uri="{9D8B030D-6E8A-4147-A177-3AD203B41FA5}">
+                      <a16:colId xmlns:a16="http://schemas.microsoft.com/office/drawing/2014/main" val="20000"/>
+                    </a:ext>
+                  </a:extLst>
+                </a:gridCol>
+                <a:gridCol w="2384152">
+                  <a:extLst>
+                    <a:ext uri="{9D8B030D-6E8A-4147-A177-3AD203B41FA5}">
+                      <a16:colId xmlns:a16="http://schemas.microsoft.com/office/drawing/2014/main" val="20001"/>
+                    </a:ext>
+                  </a:extLst>
+                </a:gridCol>
+                <a:gridCol w="2384152">
+                  <a:extLst>
+                    <a:ext uri="{9D8B030D-6E8A-4147-A177-3AD203B41FA5}">
+                      <a16:colId xmlns:a16="http://schemas.microsoft.com/office/drawing/2014/main" val="20002"/>
+                    </a:ext>
+                  </a:extLst>
+                </a:gridCol>
+              </a:tblGrid>
+              <a:tr h="678068">
+                <a:tc>
+                  <a:txBody>
+                    <a:bodyPr/>
+                    <a:lstStyle/>
+                    <a:p>
+                      <a:pPr algn="ctr" latinLnBrk="1"/>
+                      <a:r>
+                        <a:rPr lang="ko-KR" altLang="en-US" sz="2800" dirty="0">
+                          <a:latin typeface="Noto Sans KR Bold" pitchFamily="34" charset="-127"/>
+                          <a:ea typeface="Noto Sans KR Bold" pitchFamily="34" charset="-127"/>
+                        </a:rPr>
+                        <a:t>날짜</a:t>
+                      </a:r>
+                    </a:p>
+                  </a:txBody>
+                  <a:tcPr/>
+                </a:tc>
+                <a:tc>
+                  <a:txBody>
+                    <a:bodyPr/>
+                    <a:lstStyle/>
+                    <a:p>
+                      <a:pPr algn="ctr" latinLnBrk="1"/>
+                      <a:r>
+                        <a:rPr lang="ko-KR" altLang="en-US" sz="2800" dirty="0">
+                          <a:latin typeface="Noto Sans KR Bold" pitchFamily="34" charset="-127"/>
+                          <a:ea typeface="Noto Sans KR Bold" pitchFamily="34" charset="-127"/>
+                        </a:rPr>
+                        <a:t>진행 내용</a:t>
+                      </a:r>
+                    </a:p>
+                  </a:txBody>
+                  <a:tcPr/>
+                </a:tc>
+                <a:tc>
+                  <a:txBody>
+                    <a:bodyPr/>
+                    <a:lstStyle/>
+                    <a:p>
+                      <a:pPr algn="ctr" latinLnBrk="1"/>
+                      <a:r>
+                        <a:rPr lang="ko-KR" altLang="en-US" sz="2800" dirty="0">
+                          <a:latin typeface="Noto Sans KR Bold" pitchFamily="34" charset="-127"/>
+                          <a:ea typeface="Noto Sans KR Bold" pitchFamily="34" charset="-127"/>
+                        </a:rPr>
+                        <a:t>비고</a:t>
+                      </a:r>
+                    </a:p>
+                  </a:txBody>
+                  <a:tcPr/>
+                </a:tc>
+                <a:extLst>
+                  <a:ext uri="{0D108BD9-81ED-4DB2-BD59-A6C34878D82A}">
+                    <a16:rowId xmlns:a16="http://schemas.microsoft.com/office/drawing/2014/main" val="10000"/>
+                  </a:ext>
+                </a:extLst>
+              </a:tr>
+              <a:tr h="712819">
+                <a:tc>
+                  <a:txBody>
+                    <a:bodyPr/>
+                    <a:lstStyle/>
+                    <a:p>
+                      <a:pPr algn="ctr" latinLnBrk="1"/>
+                      <a:r>
+                        <a:rPr lang="en-US" altLang="ko-KR" sz="1400" dirty="0">
+                          <a:latin typeface="Noto Sans KR Medium" pitchFamily="34" charset="-127"/>
+                          <a:ea typeface="Noto Sans KR Medium" pitchFamily="34" charset="-127"/>
+                        </a:rPr>
+                        <a:t>11-09</a:t>
+                      </a:r>
+                      <a:endParaRPr lang="ko-KR" altLang="en-US" sz="1400" dirty="0">
+                        <a:latin typeface="Noto Sans KR Medium" pitchFamily="34" charset="-127"/>
+                        <a:ea typeface="Noto Sans KR Medium" pitchFamily="34" charset="-127"/>
+                      </a:endParaRPr>
+                    </a:p>
+                  </a:txBody>
+                  <a:tcPr/>
+                </a:tc>
+                <a:tc>
+                  <a:txBody>
+                    <a:bodyPr/>
+                    <a:lstStyle/>
+                    <a:p>
+                      <a:pPr algn="ctr" latinLnBrk="1"/>
+                      <a:r>
+                        <a:rPr lang="ko-KR" altLang="en-US" sz="1400" dirty="0" err="1">
+                          <a:latin typeface="Noto Sans KR Medium" pitchFamily="34" charset="-127"/>
+                          <a:ea typeface="Noto Sans KR Medium" pitchFamily="34" charset="-127"/>
+                        </a:rPr>
+                        <a:t>튜토리얼</a:t>
+                      </a:r>
+                      <a:endParaRPr lang="en-US" altLang="ko-KR" sz="1400" dirty="0">
+                        <a:latin typeface="Noto Sans KR Medium" pitchFamily="34" charset="-127"/>
+                        <a:ea typeface="Noto Sans KR Medium" pitchFamily="34" charset="-127"/>
+                      </a:endParaRPr>
+                    </a:p>
+                    <a:p>
+                      <a:pPr algn="ctr" latinLnBrk="1"/>
+                      <a:r>
+                        <a:rPr lang="ko-KR" altLang="en-US" sz="1400" dirty="0">
+                          <a:latin typeface="Noto Sans KR Medium" pitchFamily="34" charset="-127"/>
+                          <a:ea typeface="Noto Sans KR Medium" pitchFamily="34" charset="-127"/>
+                        </a:rPr>
+                        <a:t>스토리</a:t>
+                      </a:r>
+                      <a:r>
+                        <a:rPr lang="en-US" altLang="ko-KR" sz="1400" dirty="0">
+                          <a:latin typeface="Noto Sans KR Medium" pitchFamily="34" charset="-127"/>
+                          <a:ea typeface="Noto Sans KR Medium" pitchFamily="34" charset="-127"/>
+                        </a:rPr>
+                        <a:t>1</a:t>
                       </a:r>
                       <a:endParaRPr lang="ko-KR" altLang="en-US" sz="1400" dirty="0">
                         <a:latin typeface="Noto Sans KR Medium" pitchFamily="34" charset="-127"/>
@@ -3736,6 +4634,11 @@
                   </a:txBody>
                   <a:tcPr/>
                 </a:tc>
+                <a:extLst>
+                  <a:ext uri="{0D108BD9-81ED-4DB2-BD59-A6C34878D82A}">
+                    <a16:rowId xmlns:a16="http://schemas.microsoft.com/office/drawing/2014/main" val="10001"/>
+                  </a:ext>
+                </a:extLst>
               </a:tr>
               <a:tr h="1018313">
                 <a:tc>
@@ -3745,11 +4648,11 @@
                     <a:p>
                       <a:pPr algn="ctr" latinLnBrk="1"/>
                       <a:r>
-                        <a:rPr lang="en-US" altLang="ko-KR" sz="1400" dirty="0" smtClean="0">
-                          <a:latin typeface="Noto Sans KR Medium" pitchFamily="34" charset="-127"/>
-                          <a:ea typeface="Noto Sans KR Medium" pitchFamily="34" charset="-127"/>
-                        </a:rPr>
-                        <a:t>11-03</a:t>
+                        <a:rPr lang="en-US" altLang="ko-KR" sz="1400" dirty="0">
+                          <a:latin typeface="Noto Sans KR Medium" pitchFamily="34" charset="-127"/>
+                          <a:ea typeface="Noto Sans KR Medium" pitchFamily="34" charset="-127"/>
+                        </a:rPr>
+                        <a:t>11-10</a:t>
                       </a:r>
                       <a:endParaRPr lang="ko-KR" altLang="en-US" sz="1400" dirty="0">
                         <a:latin typeface="Noto Sans KR Medium" pitchFamily="34" charset="-127"/>
@@ -3766,51 +4669,61 @@
                     <a:p>
                       <a:pPr algn="ctr" latinLnBrk="1"/>
                       <a:r>
-                        <a:rPr lang="ko-KR" altLang="en-US" sz="1400" dirty="0" smtClean="0">
-                          <a:latin typeface="Noto Sans KR Medium" pitchFamily="34" charset="-127"/>
-                          <a:ea typeface="Noto Sans KR Medium" pitchFamily="34" charset="-127"/>
-                        </a:rPr>
-                        <a:t>퍼즐 </a:t>
-                      </a:r>
-                      <a:r>
-                        <a:rPr lang="ko-KR" altLang="en-US" sz="1400" dirty="0" err="1" smtClean="0">
-                          <a:latin typeface="Noto Sans KR Medium" pitchFamily="34" charset="-127"/>
-                          <a:ea typeface="Noto Sans KR Medium" pitchFamily="34" charset="-127"/>
-                        </a:rPr>
-                        <a:t>로직</a:t>
-                      </a:r>
-                      <a:r>
-                        <a:rPr lang="ko-KR" altLang="en-US" sz="1400" dirty="0" smtClean="0">
-                          <a:latin typeface="Noto Sans KR Medium" pitchFamily="34" charset="-127"/>
-                          <a:ea typeface="Noto Sans KR Medium" pitchFamily="34" charset="-127"/>
-                        </a:rPr>
-                        <a:t> 구상</a:t>
-                      </a:r>
-                      <a:r>
-                        <a:rPr lang="ko-KR" altLang="en-US" sz="1400" baseline="0" dirty="0" smtClean="0">
-                          <a:latin typeface="Noto Sans KR Medium" pitchFamily="34" charset="-127"/>
-                          <a:ea typeface="Noto Sans KR Medium" pitchFamily="34" charset="-127"/>
-                        </a:rPr>
-                        <a:t>플레이어 이동</a:t>
-                      </a:r>
-                      <a:r>
-                        <a:rPr lang="en-US" altLang="ko-KR" sz="1400" baseline="0" dirty="0" smtClean="0">
-                          <a:latin typeface="Noto Sans KR Medium" pitchFamily="34" charset="-127"/>
-                          <a:ea typeface="Noto Sans KR Medium" pitchFamily="34" charset="-127"/>
-                        </a:rPr>
-                        <a:t>, </a:t>
+                        <a:rPr lang="ko-KR" altLang="en-US" sz="1400" baseline="0" dirty="0">
+                          <a:latin typeface="Noto Sans KR Medium" pitchFamily="34" charset="-127"/>
+                          <a:ea typeface="Noto Sans KR Medium" pitchFamily="34" charset="-127"/>
+                        </a:rPr>
+                        <a:t>스테이지</a:t>
+                      </a:r>
+                      <a:r>
+                        <a:rPr lang="en-US" altLang="ko-KR" sz="1400" baseline="0" dirty="0">
+                          <a:latin typeface="Noto Sans KR Medium" pitchFamily="34" charset="-127"/>
+                          <a:ea typeface="Noto Sans KR Medium" pitchFamily="34" charset="-127"/>
+                        </a:rPr>
+                        <a:t>1-1</a:t>
                       </a:r>
                     </a:p>
                     <a:p>
                       <a:pPr algn="ctr" latinLnBrk="1"/>
                       <a:r>
-                        <a:rPr lang="ko-KR" altLang="en-US" sz="1400" baseline="0" dirty="0" smtClean="0">
-                          <a:latin typeface="Noto Sans KR Medium" pitchFamily="34" charset="-127"/>
-                          <a:ea typeface="Noto Sans KR Medium" pitchFamily="34" charset="-127"/>
-                        </a:rPr>
-                        <a:t>공격 애니메이션</a:t>
-                      </a:r>
-                      <a:endParaRPr lang="en-US" altLang="ko-KR" sz="1400" baseline="0" dirty="0" smtClean="0">
+                        <a:rPr lang="ko-KR" altLang="en-US" sz="1400" baseline="0" dirty="0">
+                          <a:latin typeface="Noto Sans KR Medium" pitchFamily="34" charset="-127"/>
+                          <a:ea typeface="Noto Sans KR Medium" pitchFamily="34" charset="-127"/>
+                        </a:rPr>
+                        <a:t>스테이지</a:t>
+                      </a:r>
+                      <a:r>
+                        <a:rPr lang="en-US" altLang="ko-KR" sz="1400" baseline="0" dirty="0">
+                          <a:latin typeface="Noto Sans KR Medium" pitchFamily="34" charset="-127"/>
+                          <a:ea typeface="Noto Sans KR Medium" pitchFamily="34" charset="-127"/>
+                        </a:rPr>
+                        <a:t>1-3</a:t>
+                      </a:r>
+                    </a:p>
+                    <a:p>
+                      <a:pPr algn="ctr" latinLnBrk="1"/>
+                      <a:r>
+                        <a:rPr lang="ko-KR" altLang="en-US" sz="1400" baseline="0" dirty="0">
+                          <a:latin typeface="Noto Sans KR Medium" pitchFamily="34" charset="-127"/>
+                          <a:ea typeface="Noto Sans KR Medium" pitchFamily="34" charset="-127"/>
+                        </a:rPr>
+                        <a:t>스테이지</a:t>
+                      </a:r>
+                      <a:r>
+                        <a:rPr lang="en-US" altLang="ko-KR" sz="1400" baseline="0" dirty="0">
+                          <a:latin typeface="Noto Sans KR Medium" pitchFamily="34" charset="-127"/>
+                          <a:ea typeface="Noto Sans KR Medium" pitchFamily="34" charset="-127"/>
+                        </a:rPr>
+                        <a:t>1-2</a:t>
+                      </a:r>
+                      <a:r>
+                        <a:rPr lang="ko-KR" altLang="en-US" sz="1400" baseline="0" dirty="0">
+                          <a:latin typeface="Noto Sans KR Medium" pitchFamily="34" charset="-127"/>
+                          <a:ea typeface="Noto Sans KR Medium" pitchFamily="34" charset="-127"/>
+                        </a:rPr>
+                        <a:t>배치</a:t>
+                      </a:r>
+                      <a:endParaRPr lang="en-US" altLang="ko-KR" sz="1400" baseline="0" dirty="0">
                         <a:latin typeface="Noto Sans KR Medium" pitchFamily="34" charset="-127"/>
                         <a:ea typeface="Noto Sans KR Medium" pitchFamily="34" charset="-127"/>
                       </a:endParaRPr>
@@ -3824,7 +4737,42 @@
                     <a:lstStyle/>
                     <a:p>
                       <a:pPr algn="ctr" latinLnBrk="1"/>
-                      <a:endParaRPr lang="ko-KR" altLang="en-US" sz="1400">
+                      <a:r>
+                        <a:rPr lang="ko-KR" altLang="en-US" sz="1400" dirty="0" err="1">
+                          <a:latin typeface="Noto Sans KR Medium" pitchFamily="34" charset="-127"/>
+                          <a:ea typeface="Noto Sans KR Medium" pitchFamily="34" charset="-127"/>
+                        </a:rPr>
+                        <a:t>모아이</a:t>
+                      </a:r>
+                      <a:r>
+                        <a:rPr lang="ko-KR" altLang="en-US" sz="1400" baseline="0" dirty="0">
+                          <a:latin typeface="Noto Sans KR Medium" pitchFamily="34" charset="-127"/>
+                          <a:ea typeface="Noto Sans KR Medium" pitchFamily="34" charset="-127"/>
+                        </a:rPr>
+                        <a:t> 타임라인</a:t>
+                      </a:r>
+                      <a:endParaRPr lang="en-US" altLang="ko-KR" sz="1400" baseline="0" dirty="0">
+                        <a:latin typeface="Noto Sans KR Medium" pitchFamily="34" charset="-127"/>
+                        <a:ea typeface="Noto Sans KR Medium" pitchFamily="34" charset="-127"/>
+                      </a:endParaRPr>
+                    </a:p>
+                    <a:p>
+                      <a:pPr algn="ctr" latinLnBrk="1"/>
+                      <a:r>
+                        <a:rPr lang="en-US" altLang="ko-KR" sz="1400" baseline="0" dirty="0">
+                          <a:latin typeface="Noto Sans KR Medium" pitchFamily="34" charset="-127"/>
+                          <a:ea typeface="Noto Sans KR Medium" pitchFamily="34" charset="-127"/>
+                        </a:rPr>
+                        <a:t>1-2 </a:t>
+                      </a:r>
+                      <a:r>
+                        <a:rPr lang="ko-KR" altLang="en-US" sz="1400" baseline="0">
+                          <a:latin typeface="Noto Sans KR Medium" pitchFamily="34" charset="-127"/>
+                          <a:ea typeface="Noto Sans KR Medium" pitchFamily="34" charset="-127"/>
+                        </a:rPr>
+                        <a:t>덜 함</a:t>
+                      </a:r>
+                      <a:endParaRPr lang="ko-KR" altLang="en-US" sz="1400" dirty="0">
                         <a:latin typeface="Noto Sans KR Medium" pitchFamily="34" charset="-127"/>
                         <a:ea typeface="Noto Sans KR Medium" pitchFamily="34" charset="-127"/>
                       </a:endParaRPr>
@@ -3832,6 +4780,11 @@
                   </a:txBody>
                   <a:tcPr/>
                 </a:tc>
+                <a:extLst>
+                  <a:ext uri="{0D108BD9-81ED-4DB2-BD59-A6C34878D82A}">
+                    <a16:rowId xmlns:a16="http://schemas.microsoft.com/office/drawing/2014/main" val="10002"/>
+                  </a:ext>
+                </a:extLst>
               </a:tr>
               <a:tr h="693844">
                 <a:tc>
@@ -3841,11 +4794,11 @@
                     <a:p>
                       <a:pPr algn="ctr" latinLnBrk="1"/>
                       <a:r>
-                        <a:rPr lang="en-US" altLang="ko-KR" sz="1400" dirty="0" smtClean="0">
-                          <a:latin typeface="Noto Sans KR Medium" pitchFamily="34" charset="-127"/>
-                          <a:ea typeface="Noto Sans KR Medium" pitchFamily="34" charset="-127"/>
-                        </a:rPr>
-                        <a:t>11-04</a:t>
+                        <a:rPr lang="en-US" altLang="ko-KR" sz="1400" dirty="0">
+                          <a:latin typeface="Noto Sans KR Medium" pitchFamily="34" charset="-127"/>
+                          <a:ea typeface="Noto Sans KR Medium" pitchFamily="34" charset="-127"/>
+                        </a:rPr>
+                        <a:t>11-11</a:t>
                       </a:r>
                       <a:endParaRPr lang="ko-KR" altLang="en-US" sz="1400" dirty="0">
                         <a:latin typeface="Noto Sans KR Medium" pitchFamily="34" charset="-127"/>
@@ -3862,27 +4815,27 @@
                     <a:p>
                       <a:pPr algn="ctr" latinLnBrk="1"/>
                       <a:r>
-                        <a:rPr lang="ko-KR" altLang="en-US" sz="1400" dirty="0" smtClean="0">
-                          <a:latin typeface="Noto Sans KR Medium" pitchFamily="34" charset="-127"/>
-                          <a:ea typeface="Noto Sans KR Medium" pitchFamily="34" charset="-127"/>
-                        </a:rPr>
-                        <a:t>플레이어 공격</a:t>
-                      </a:r>
-                      <a:r>
-                        <a:rPr lang="en-US" altLang="ko-KR" sz="1400" baseline="0" dirty="0" smtClean="0">
-                          <a:latin typeface="Noto Sans KR Medium" pitchFamily="34" charset="-127"/>
-                          <a:ea typeface="Noto Sans KR Medium" pitchFamily="34" charset="-127"/>
-                        </a:rPr>
-                        <a:t>,</a:t>
-                      </a:r>
-                      <a:r>
-                        <a:rPr lang="ko-KR" altLang="en-US" sz="1400" baseline="0" dirty="0" smtClean="0">
-                          <a:latin typeface="Noto Sans KR Medium" pitchFamily="34" charset="-127"/>
-                          <a:ea typeface="Noto Sans KR Medium" pitchFamily="34" charset="-127"/>
-                        </a:rPr>
-                        <a:t>스킬 </a:t>
-                      </a:r>
-                      <a:endParaRPr lang="en-US" altLang="ko-KR" sz="1400" baseline="0" dirty="0" smtClean="0">
+                        <a:rPr lang="ko-KR" altLang="en-US" sz="1400" dirty="0">
+                          <a:latin typeface="Noto Sans KR Medium" pitchFamily="34" charset="-127"/>
+                          <a:ea typeface="Noto Sans KR Medium" pitchFamily="34" charset="-127"/>
+                        </a:rPr>
+                        <a:t>스테이지</a:t>
+                      </a:r>
+                      <a:r>
+                        <a:rPr lang="en-US" altLang="ko-KR" sz="1400" dirty="0">
+                          <a:latin typeface="Noto Sans KR Medium" pitchFamily="34" charset="-127"/>
+                          <a:ea typeface="Noto Sans KR Medium" pitchFamily="34" charset="-127"/>
+                        </a:rPr>
+                        <a:t>1-2</a:t>
+                      </a:r>
+                      <a:r>
+                        <a:rPr lang="ko-KR" altLang="en-US" sz="1400" dirty="0">
+                          <a:latin typeface="Noto Sans KR Medium" pitchFamily="34" charset="-127"/>
+                          <a:ea typeface="Noto Sans KR Medium" pitchFamily="34" charset="-127"/>
+                        </a:rPr>
+                        <a:t>동굴</a:t>
+                      </a:r>
+                      <a:endParaRPr lang="en-US" altLang="ko-KR" sz="1400" dirty="0">
                         <a:latin typeface="Noto Sans KR Medium" pitchFamily="34" charset="-127"/>
                         <a:ea typeface="Noto Sans KR Medium" pitchFamily="34" charset="-127"/>
                       </a:endParaRPr>
@@ -3890,13 +4843,51 @@
                     <a:p>
                       <a:pPr algn="ctr" latinLnBrk="1"/>
                       <a:r>
-                        <a:rPr lang="ko-KR" altLang="en-US" sz="1400" baseline="0" dirty="0" smtClean="0">
-                          <a:latin typeface="Noto Sans KR Medium" pitchFamily="34" charset="-127"/>
-                          <a:ea typeface="Noto Sans KR Medium" pitchFamily="34" charset="-127"/>
-                        </a:rPr>
-                        <a:t>무게 발판 </a:t>
-                      </a:r>
-                      <a:endParaRPr lang="en-US" altLang="ko-KR" sz="1400" baseline="0" dirty="0" smtClean="0">
+                        <a:rPr lang="ko-KR" altLang="en-US" sz="1400" dirty="0">
+                          <a:latin typeface="Noto Sans KR Medium" pitchFamily="34" charset="-127"/>
+                          <a:ea typeface="Noto Sans KR Medium" pitchFamily="34" charset="-127"/>
+                        </a:rPr>
+                        <a:t>스테이지</a:t>
+                      </a:r>
+                      <a:r>
+                        <a:rPr lang="en-US" altLang="ko-KR" sz="1400" dirty="0">
+                          <a:latin typeface="Noto Sans KR Medium" pitchFamily="34" charset="-127"/>
+                          <a:ea typeface="Noto Sans KR Medium" pitchFamily="34" charset="-127"/>
+                        </a:rPr>
+                        <a:t>1-2</a:t>
+                      </a:r>
+                      <a:r>
+                        <a:rPr lang="ko-KR" altLang="en-US" sz="1400" dirty="0">
+                          <a:latin typeface="Noto Sans KR Medium" pitchFamily="34" charset="-127"/>
+                          <a:ea typeface="Noto Sans KR Medium" pitchFamily="34" charset="-127"/>
+                        </a:rPr>
+                        <a:t>석판</a:t>
+                      </a:r>
+                    </a:p>
+                  </a:txBody>
+                  <a:tcPr/>
+                </a:tc>
+                <a:tc>
+                  <a:txBody>
+                    <a:bodyPr/>
+                    <a:lstStyle/>
+                    <a:p>
+                      <a:pPr algn="ctr" latinLnBrk="1"/>
+                      <a:r>
+                        <a:rPr lang="ko-KR" altLang="en-US" sz="1400" dirty="0">
+                          <a:latin typeface="Noto Sans KR Medium" pitchFamily="34" charset="-127"/>
+                          <a:ea typeface="Noto Sans KR Medium" pitchFamily="34" charset="-127"/>
+                        </a:rPr>
+                        <a:t>석판 드래그 앤 </a:t>
+                      </a:r>
+                      <a:r>
+                        <a:rPr lang="ko-KR" altLang="en-US" sz="1400" dirty="0" err="1">
+                          <a:latin typeface="Noto Sans KR Medium" pitchFamily="34" charset="-127"/>
+                          <a:ea typeface="Noto Sans KR Medium" pitchFamily="34" charset="-127"/>
+                        </a:rPr>
+                        <a:t>드랍</a:t>
+                      </a:r>
+                      <a:endParaRPr lang="en-US" altLang="ko-KR" sz="1400" dirty="0">
                         <a:latin typeface="Noto Sans KR Medium" pitchFamily="34" charset="-127"/>
                         <a:ea typeface="Noto Sans KR Medium" pitchFamily="34" charset="-127"/>
                       </a:endParaRPr>
@@ -3904,11 +4895,42 @@
                     <a:p>
                       <a:pPr algn="ctr" latinLnBrk="1"/>
                       <a:r>
-                        <a:rPr lang="ko-KR" altLang="en-US" sz="1400" dirty="0" smtClean="0">
-                          <a:latin typeface="Noto Sans KR Medium" pitchFamily="34" charset="-127"/>
-                          <a:ea typeface="Noto Sans KR Medium" pitchFamily="34" charset="-127"/>
-                        </a:rPr>
-                        <a:t>속성 구슬 </a:t>
+                        <a:rPr lang="ko-KR" altLang="en-US" sz="1400" dirty="0" err="1">
+                          <a:latin typeface="Noto Sans KR Medium" pitchFamily="34" charset="-127"/>
+                          <a:ea typeface="Noto Sans KR Medium" pitchFamily="34" charset="-127"/>
+                        </a:rPr>
+                        <a:t>텔레포트</a:t>
+                      </a:r>
+                      <a:r>
+                        <a:rPr lang="ko-KR" altLang="en-US" sz="1400" dirty="0">
+                          <a:latin typeface="Noto Sans KR Medium" pitchFamily="34" charset="-127"/>
+                          <a:ea typeface="Noto Sans KR Medium" pitchFamily="34" charset="-127"/>
+                        </a:rPr>
+                        <a:t> 포탈</a:t>
+                      </a:r>
+                    </a:p>
+                  </a:txBody>
+                  <a:tcPr/>
+                </a:tc>
+                <a:extLst>
+                  <a:ext uri="{0D108BD9-81ED-4DB2-BD59-A6C34878D82A}">
+                    <a16:rowId xmlns:a16="http://schemas.microsoft.com/office/drawing/2014/main" val="10003"/>
+                  </a:ext>
+                </a:extLst>
+              </a:tr>
+              <a:tr h="693844">
+                <a:tc>
+                  <a:txBody>
+                    <a:bodyPr/>
+                    <a:lstStyle/>
+                    <a:p>
+                      <a:pPr algn="ctr" latinLnBrk="1"/>
+                      <a:r>
+                        <a:rPr lang="en-US" altLang="ko-KR" sz="1400" dirty="0">
+                          <a:latin typeface="Noto Sans KR Medium" pitchFamily="34" charset="-127"/>
+                          <a:ea typeface="Noto Sans KR Medium" pitchFamily="34" charset="-127"/>
+                        </a:rPr>
+                        <a:t>11-12</a:t>
                       </a:r>
                       <a:endParaRPr lang="ko-KR" altLang="en-US" sz="1400" dirty="0">
                         <a:latin typeface="Noto Sans KR Medium" pitchFamily="34" charset="-127"/>
@@ -3925,13 +4947,20 @@
                     <a:p>
                       <a:pPr algn="ctr" latinLnBrk="1"/>
                       <a:r>
-                        <a:rPr lang="ko-KR" altLang="en-US" sz="1400" dirty="0" smtClean="0">
-                          <a:latin typeface="Noto Sans KR Medium" pitchFamily="34" charset="-127"/>
-                          <a:ea typeface="Noto Sans KR Medium" pitchFamily="34" charset="-127"/>
-                        </a:rPr>
-                        <a:t>무게가 필요한 오브젝트에 </a:t>
-                      </a:r>
-                      <a:endParaRPr lang="en-US" altLang="ko-KR" sz="1400" dirty="0" smtClean="0">
+                        <a:rPr lang="en-US" altLang="ko-KR" sz="1400" baseline="0" dirty="0">
+                          <a:latin typeface="Noto Sans KR Medium" pitchFamily="34" charset="-127"/>
+                          <a:ea typeface="Noto Sans KR Medium" pitchFamily="34" charset="-127"/>
+                        </a:rPr>
+                        <a:t>1-2</a:t>
+                      </a:r>
+                      <a:r>
+                        <a:rPr lang="ko-KR" altLang="en-US" sz="1400" baseline="0" dirty="0">
+                          <a:latin typeface="Noto Sans KR Medium" pitchFamily="34" charset="-127"/>
+                          <a:ea typeface="Noto Sans KR Medium" pitchFamily="34" charset="-127"/>
+                        </a:rPr>
+                        <a:t>완성</a:t>
+                      </a:r>
+                      <a:endParaRPr lang="en-US" altLang="ko-KR" sz="1400" baseline="0" dirty="0">
                         <a:latin typeface="Noto Sans KR Medium" pitchFamily="34" charset="-127"/>
                         <a:ea typeface="Noto Sans KR Medium" pitchFamily="34" charset="-127"/>
                       </a:endParaRPr>
@@ -3939,27 +4968,55 @@
                     <a:p>
                       <a:pPr algn="ctr" latinLnBrk="1"/>
                       <a:r>
-                        <a:rPr lang="ko-KR" altLang="en-US" sz="1400" dirty="0" smtClean="0">
-                          <a:latin typeface="Noto Sans KR Medium" pitchFamily="34" charset="-127"/>
-                          <a:ea typeface="Noto Sans KR Medium" pitchFamily="34" charset="-127"/>
-                        </a:rPr>
-                        <a:t>무게 </a:t>
-                      </a:r>
-                      <a:r>
-                        <a:rPr lang="ko-KR" altLang="en-US" sz="1400" dirty="0" err="1" smtClean="0">
-                          <a:latin typeface="Noto Sans KR Medium" pitchFamily="34" charset="-127"/>
-                          <a:ea typeface="Noto Sans KR Medium" pitchFamily="34" charset="-127"/>
-                        </a:rPr>
-                        <a:t>스크립터블오브젝트</a:t>
-                      </a:r>
-                      <a:r>
-                        <a:rPr lang="ko-KR" altLang="en-US" sz="1400" dirty="0" smtClean="0">
-                          <a:latin typeface="Noto Sans KR Medium" pitchFamily="34" charset="-127"/>
-                          <a:ea typeface="Noto Sans KR Medium" pitchFamily="34" charset="-127"/>
-                        </a:rPr>
-                        <a:t> </a:t>
-                      </a:r>
-                      <a:endParaRPr lang="en-US" altLang="ko-KR" sz="1400" dirty="0" smtClean="0">
+                        <a:rPr lang="en-US" altLang="ko-KR" sz="1400" baseline="0" dirty="0">
+                          <a:latin typeface="Noto Sans KR Medium" pitchFamily="34" charset="-127"/>
+                          <a:ea typeface="Noto Sans KR Medium" pitchFamily="34" charset="-127"/>
+                        </a:rPr>
+                        <a:t>2-1</a:t>
+                      </a:r>
+                      <a:r>
+                        <a:rPr lang="ko-KR" altLang="en-US" sz="1400" baseline="0" dirty="0">
+                          <a:latin typeface="Noto Sans KR Medium" pitchFamily="34" charset="-127"/>
+                          <a:ea typeface="Noto Sans KR Medium" pitchFamily="34" charset="-127"/>
+                        </a:rPr>
+                        <a:t>완성</a:t>
+                      </a:r>
+                      <a:endParaRPr lang="en-US" altLang="ko-KR" sz="1400" baseline="0" dirty="0">
+                        <a:latin typeface="Noto Sans KR Medium" pitchFamily="34" charset="-127"/>
+                        <a:ea typeface="Noto Sans KR Medium" pitchFamily="34" charset="-127"/>
+                      </a:endParaRPr>
+                    </a:p>
+                  </a:txBody>
+                  <a:tcPr/>
+                </a:tc>
+                <a:tc>
+                  <a:txBody>
+                    <a:bodyPr/>
+                    <a:lstStyle/>
+                    <a:p>
+                      <a:pPr algn="ctr" latinLnBrk="1"/>
+                      <a:r>
+                        <a:rPr lang="en-US" altLang="ko-KR" sz="1400" dirty="0">
+                          <a:latin typeface="Noto Sans KR Medium" pitchFamily="34" charset="-127"/>
+                          <a:ea typeface="Noto Sans KR Medium" pitchFamily="34" charset="-127"/>
+                        </a:rPr>
+                        <a:t>2-1 </a:t>
+                      </a:r>
+                      <a:r>
+                        <a:rPr lang="ko-KR" altLang="en-US" sz="1400" dirty="0">
+                          <a:latin typeface="Noto Sans KR Medium" pitchFamily="34" charset="-127"/>
+                          <a:ea typeface="Noto Sans KR Medium" pitchFamily="34" charset="-127"/>
+                        </a:rPr>
+                        <a:t>타임라인 </a:t>
+                      </a:r>
+                      <a:r>
+                        <a:rPr lang="ko-KR" altLang="en-US" sz="1400" dirty="0" err="1">
+                          <a:latin typeface="Noto Sans KR Medium" pitchFamily="34" charset="-127"/>
+                          <a:ea typeface="Noto Sans KR Medium" pitchFamily="34" charset="-127"/>
+                        </a:rPr>
+                        <a:t>두개</a:t>
+                      </a:r>
+                      <a:endParaRPr lang="en-US" altLang="ko-KR" sz="1400" dirty="0">
                         <a:latin typeface="Noto Sans KR Medium" pitchFamily="34" charset="-127"/>
                         <a:ea typeface="Noto Sans KR Medium" pitchFamily="34" charset="-127"/>
                       </a:endParaRPr>
@@ -3967,11 +5024,11 @@
                     <a:p>
                       <a:pPr algn="ctr" latinLnBrk="1"/>
                       <a:r>
-                        <a:rPr lang="ko-KR" altLang="en-US" sz="1400" dirty="0" smtClean="0">
-                          <a:latin typeface="Noto Sans KR Medium" pitchFamily="34" charset="-127"/>
-                          <a:ea typeface="Noto Sans KR Medium" pitchFamily="34" charset="-127"/>
-                        </a:rPr>
-                        <a:t>추가</a:t>
+                        <a:rPr lang="ko-KR" altLang="en-US" sz="1400" dirty="0" err="1">
+                          <a:latin typeface="Noto Sans KR Medium" pitchFamily="34" charset="-127"/>
+                          <a:ea typeface="Noto Sans KR Medium" pitchFamily="34" charset="-127"/>
+                        </a:rPr>
+                        <a:t>트램펄린</a:t>
                       </a:r>
                       <a:endParaRPr lang="ko-KR" altLang="en-US" sz="1400" dirty="0">
                         <a:latin typeface="Noto Sans KR Medium" pitchFamily="34" charset="-127"/>
@@ -3981,6 +5038,11 @@
                   </a:txBody>
                   <a:tcPr/>
                 </a:tc>
+                <a:extLst>
+                  <a:ext uri="{0D108BD9-81ED-4DB2-BD59-A6C34878D82A}">
+                    <a16:rowId xmlns:a16="http://schemas.microsoft.com/office/drawing/2014/main" val="10004"/>
+                  </a:ext>
+                </a:extLst>
               </a:tr>
               <a:tr h="693844">
                 <a:tc>
@@ -3990,11 +5052,11 @@
                     <a:p>
                       <a:pPr algn="ctr" latinLnBrk="1"/>
                       <a:r>
-                        <a:rPr lang="en-US" altLang="ko-KR" sz="1400" dirty="0" smtClean="0">
-                          <a:latin typeface="Noto Sans KR Medium" pitchFamily="34" charset="-127"/>
-                          <a:ea typeface="Noto Sans KR Medium" pitchFamily="34" charset="-127"/>
-                        </a:rPr>
-                        <a:t>11-05</a:t>
+                        <a:rPr lang="en-US" altLang="ko-KR" sz="1400" dirty="0">
+                          <a:latin typeface="Noto Sans KR Medium" pitchFamily="34" charset="-127"/>
+                          <a:ea typeface="Noto Sans KR Medium" pitchFamily="34" charset="-127"/>
+                        </a:rPr>
+                        <a:t>11-13</a:t>
                       </a:r>
                       <a:endParaRPr lang="ko-KR" altLang="en-US" sz="1400" dirty="0">
                         <a:latin typeface="Noto Sans KR Medium" pitchFamily="34" charset="-127"/>
@@ -4011,13 +5073,20 @@
                     <a:p>
                       <a:pPr algn="ctr" latinLnBrk="1"/>
                       <a:r>
-                        <a:rPr lang="ko-KR" altLang="en-US" sz="1400" dirty="0" smtClean="0">
-                          <a:latin typeface="Noto Sans KR Medium" pitchFamily="34" charset="-127"/>
-                          <a:ea typeface="Noto Sans KR Medium" pitchFamily="34" charset="-127"/>
-                        </a:rPr>
-                        <a:t>횃불</a:t>
-                      </a:r>
-                      <a:endParaRPr lang="en-US" altLang="ko-KR" sz="1400" baseline="0" dirty="0" smtClean="0">
+                        <a:rPr lang="en-US" altLang="ko-KR" sz="1400" dirty="0">
+                          <a:latin typeface="Noto Sans KR Medium" pitchFamily="34" charset="-127"/>
+                          <a:ea typeface="Noto Sans KR Medium" pitchFamily="34" charset="-127"/>
+                        </a:rPr>
+                        <a:t>2-2</a:t>
+                      </a:r>
+                      <a:r>
+                        <a:rPr lang="ko-KR" altLang="en-US" sz="1400" dirty="0">
+                          <a:latin typeface="Noto Sans KR Medium" pitchFamily="34" charset="-127"/>
+                          <a:ea typeface="Noto Sans KR Medium" pitchFamily="34" charset="-127"/>
+                        </a:rPr>
+                        <a:t>완성</a:t>
+                      </a:r>
+                      <a:endParaRPr lang="en-US" altLang="ko-KR" sz="1400" dirty="0">
                         <a:latin typeface="Noto Sans KR Medium" pitchFamily="34" charset="-127"/>
                         <a:ea typeface="Noto Sans KR Medium" pitchFamily="34" charset="-127"/>
                       </a:endParaRPr>
@@ -4025,90 +5094,11 @@
                     <a:p>
                       <a:pPr algn="ctr" latinLnBrk="1"/>
                       <a:r>
-                        <a:rPr lang="ko-KR" altLang="en-US" sz="1400" baseline="0" dirty="0" smtClean="0">
-                          <a:latin typeface="Noto Sans KR Medium" pitchFamily="34" charset="-127"/>
-                          <a:ea typeface="Noto Sans KR Medium" pitchFamily="34" charset="-127"/>
-                        </a:rPr>
-                        <a:t>레버 제작</a:t>
-                      </a:r>
-                      <a:endParaRPr lang="en-US" altLang="ko-KR" sz="1400" baseline="0" dirty="0" smtClean="0">
-                        <a:latin typeface="Noto Sans KR Medium" pitchFamily="34" charset="-127"/>
-                        <a:ea typeface="Noto Sans KR Medium" pitchFamily="34" charset="-127"/>
-                      </a:endParaRPr>
-                    </a:p>
-                    <a:p>
-                      <a:pPr algn="ctr" latinLnBrk="1"/>
-                      <a:r>
-                        <a:rPr lang="ko-KR" altLang="en-US" sz="1400" baseline="0" dirty="0" err="1" smtClean="0">
-                          <a:latin typeface="Noto Sans KR Medium" pitchFamily="34" charset="-127"/>
-                          <a:ea typeface="Noto Sans KR Medium" pitchFamily="34" charset="-127"/>
-                        </a:rPr>
-                        <a:t>윈드스톤</a:t>
-                      </a:r>
-                      <a:r>
-                        <a:rPr lang="ko-KR" altLang="en-US" sz="1400" baseline="0" dirty="0" smtClean="0">
-                          <a:latin typeface="Noto Sans KR Medium" pitchFamily="34" charset="-127"/>
-                          <a:ea typeface="Noto Sans KR Medium" pitchFamily="34" charset="-127"/>
-                        </a:rPr>
-                        <a:t> </a:t>
-                      </a:r>
-                      <a:endParaRPr lang="en-US" altLang="ko-KR" sz="1400" baseline="0" dirty="0" smtClean="0">
-                        <a:latin typeface="Noto Sans KR Medium" pitchFamily="34" charset="-127"/>
-                        <a:ea typeface="Noto Sans KR Medium" pitchFamily="34" charset="-127"/>
-                      </a:endParaRPr>
-                    </a:p>
-                  </a:txBody>
-                  <a:tcPr/>
-                </a:tc>
-                <a:tc>
-                  <a:txBody>
-                    <a:bodyPr/>
-                    <a:lstStyle/>
-                    <a:p>
-                      <a:pPr algn="ctr" latinLnBrk="1"/>
-                      <a:r>
-                        <a:rPr lang="ko-KR" altLang="en-US" sz="1400" dirty="0" smtClean="0">
-                          <a:latin typeface="Noto Sans KR Medium" pitchFamily="34" charset="-127"/>
-                          <a:ea typeface="Noto Sans KR Medium" pitchFamily="34" charset="-127"/>
-                        </a:rPr>
-                        <a:t>횃불 </a:t>
-                      </a:r>
-                      <a:r>
-                        <a:rPr lang="en-US" altLang="ko-KR" sz="1400" smtClean="0">
-                          <a:latin typeface="Noto Sans KR Medium" pitchFamily="34" charset="-127"/>
-                          <a:ea typeface="Noto Sans KR Medium" pitchFamily="34" charset="-127"/>
-                        </a:rPr>
-                        <a:t>2D</a:t>
-                      </a:r>
-                      <a:r>
-                        <a:rPr lang="en-US" altLang="ko-KR" sz="1400" baseline="0" smtClean="0">
-                          <a:latin typeface="Noto Sans KR Medium" pitchFamily="34" charset="-127"/>
-                          <a:ea typeface="Noto Sans KR Medium" pitchFamily="34" charset="-127"/>
-                        </a:rPr>
-                        <a:t> Light</a:t>
-                      </a:r>
-                      <a:endParaRPr lang="ko-KR" altLang="en-US" sz="1400" dirty="0">
-                        <a:latin typeface="Noto Sans KR Medium" pitchFamily="34" charset="-127"/>
-                        <a:ea typeface="Noto Sans KR Medium" pitchFamily="34" charset="-127"/>
-                      </a:endParaRPr>
-                    </a:p>
-                  </a:txBody>
-                  <a:tcPr/>
-                </a:tc>
-              </a:tr>
-              <a:tr h="693844">
-                <a:tc>
-                  <a:txBody>
-                    <a:bodyPr/>
-                    <a:lstStyle/>
-                    <a:p>
-                      <a:pPr algn="ctr" latinLnBrk="1"/>
-                      <a:r>
-                        <a:rPr lang="en-US" altLang="ko-KR" sz="1400" dirty="0" smtClean="0">
-                          <a:latin typeface="Noto Sans KR Medium" pitchFamily="34" charset="-127"/>
-                          <a:ea typeface="Noto Sans KR Medium" pitchFamily="34" charset="-127"/>
-                        </a:rPr>
-                        <a:t>11-06</a:t>
+                        <a:rPr lang="en-US" altLang="ko-KR" sz="1400" dirty="0">
+                          <a:latin typeface="Noto Sans KR Medium" pitchFamily="34" charset="-127"/>
+                          <a:ea typeface="Noto Sans KR Medium" pitchFamily="34" charset="-127"/>
+                        </a:rPr>
+                        <a:t>2-3</a:t>
                       </a:r>
                       <a:endParaRPr lang="ko-KR" altLang="en-US" sz="1400" dirty="0">
                         <a:latin typeface="Noto Sans KR Medium" pitchFamily="34" charset="-127"/>
@@ -4125,34 +5115,13 @@
                     <a:p>
                       <a:pPr algn="ctr" latinLnBrk="1"/>
                       <a:r>
-                        <a:rPr lang="ko-KR" altLang="en-US" sz="1400" dirty="0" smtClean="0">
-                          <a:latin typeface="Noto Sans KR Medium" pitchFamily="34" charset="-127"/>
-                          <a:ea typeface="Noto Sans KR Medium" pitchFamily="34" charset="-127"/>
-                        </a:rPr>
-                        <a:t>스테이지</a:t>
-                      </a:r>
-                      <a:r>
-                        <a:rPr lang="en-US" altLang="ko-KR" sz="1400" dirty="0" smtClean="0">
-                          <a:latin typeface="Noto Sans KR Medium" pitchFamily="34" charset="-127"/>
-                          <a:ea typeface="Noto Sans KR Medium" pitchFamily="34" charset="-127"/>
-                        </a:rPr>
-                        <a:t>1</a:t>
-                      </a:r>
-                      <a:r>
-                        <a:rPr lang="en-US" altLang="ko-KR" sz="1400" baseline="0" dirty="0" smtClean="0">
-                          <a:latin typeface="Noto Sans KR Medium" pitchFamily="34" charset="-127"/>
-                          <a:ea typeface="Noto Sans KR Medium" pitchFamily="34" charset="-127"/>
-                        </a:rPr>
-                        <a:t> </a:t>
-                      </a:r>
-                      <a:r>
-                        <a:rPr lang="ko-KR" altLang="en-US" sz="1400" baseline="0" dirty="0" smtClean="0">
-                          <a:latin typeface="Noto Sans KR Medium" pitchFamily="34" charset="-127"/>
-                          <a:ea typeface="Noto Sans KR Medium" pitchFamily="34" charset="-127"/>
-                        </a:rPr>
-                        <a:t>구현</a:t>
-                      </a:r>
-                      <a:endParaRPr lang="en-US" altLang="ko-KR" sz="1400" baseline="0" dirty="0" smtClean="0">
+                        <a:rPr lang="ko-KR" altLang="en-US" sz="1400" dirty="0">
+                          <a:latin typeface="Noto Sans KR Medium" pitchFamily="34" charset="-127"/>
+                          <a:ea typeface="Noto Sans KR Medium" pitchFamily="34" charset="-127"/>
+                        </a:rPr>
+                        <a:t>스프링점프</a:t>
+                      </a:r>
+                      <a:endParaRPr lang="en-US" altLang="ko-KR" sz="1400" dirty="0">
                         <a:latin typeface="Noto Sans KR Medium" pitchFamily="34" charset="-127"/>
                         <a:ea typeface="Noto Sans KR Medium" pitchFamily="34" charset="-127"/>
                       </a:endParaRPr>
@@ -4160,22 +5129,54 @@
                     <a:p>
                       <a:pPr algn="ctr" latinLnBrk="1"/>
                       <a:r>
-                        <a:rPr lang="ko-KR" altLang="en-US" sz="1400" baseline="0" dirty="0" smtClean="0">
-                          <a:latin typeface="Noto Sans KR Medium" pitchFamily="34" charset="-127"/>
-                          <a:ea typeface="Noto Sans KR Medium" pitchFamily="34" charset="-127"/>
-                        </a:rPr>
-                        <a:t>스테이지</a:t>
-                      </a:r>
-                      <a:r>
-                        <a:rPr lang="en-US" altLang="ko-KR" sz="1400" baseline="0" dirty="0" smtClean="0">
-                          <a:latin typeface="Noto Sans KR Medium" pitchFamily="34" charset="-127"/>
-                          <a:ea typeface="Noto Sans KR Medium" pitchFamily="34" charset="-127"/>
-                        </a:rPr>
-                        <a:t>2 </a:t>
-                      </a:r>
+                        <a:rPr lang="ko-KR" altLang="en-US" sz="1400" dirty="0" err="1">
+                          <a:latin typeface="Noto Sans KR Medium" pitchFamily="34" charset="-127"/>
+                          <a:ea typeface="Noto Sans KR Medium" pitchFamily="34" charset="-127"/>
+                        </a:rPr>
+                        <a:t>시네머신</a:t>
+                      </a:r>
+                      <a:r>
+                        <a:rPr lang="ko-KR" altLang="en-US" sz="1400" dirty="0">
+                          <a:latin typeface="Noto Sans KR Medium" pitchFamily="34" charset="-127"/>
+                          <a:ea typeface="Noto Sans KR Medium" pitchFamily="34" charset="-127"/>
+                        </a:rPr>
+                        <a:t> </a:t>
+                      </a:r>
+                      <a:r>
+                        <a:rPr lang="ko-KR" altLang="en-US" sz="1400" dirty="0" err="1">
+                          <a:latin typeface="Noto Sans KR Medium" pitchFamily="34" charset="-127"/>
+                          <a:ea typeface="Noto Sans KR Medium" pitchFamily="34" charset="-127"/>
+                        </a:rPr>
+                        <a:t>버그있음</a:t>
+                      </a:r>
+                      <a:endParaRPr lang="en-US" altLang="ko-KR" sz="1400" dirty="0">
+                        <a:latin typeface="Noto Sans KR Medium" pitchFamily="34" charset="-127"/>
+                        <a:ea typeface="Noto Sans KR Medium" pitchFamily="34" charset="-127"/>
+                      </a:endParaRPr>
                     </a:p>
+                  </a:txBody>
+                  <a:tcPr/>
+                </a:tc>
+                <a:extLst>
+                  <a:ext uri="{0D108BD9-81ED-4DB2-BD59-A6C34878D82A}">
+                    <a16:rowId xmlns:a16="http://schemas.microsoft.com/office/drawing/2014/main" val="10005"/>
+                  </a:ext>
+                </a:extLst>
+              </a:tr>
+              <a:tr h="693844">
+                <a:tc>
+                  <a:txBody>
+                    <a:bodyPr/>
+                    <a:lstStyle/>
                     <a:p>
                       <a:pPr algn="ctr" latinLnBrk="1"/>
+                      <a:r>
+                        <a:rPr lang="en-US" altLang="ko-KR" sz="1400" dirty="0">
+                          <a:latin typeface="Noto Sans KR Medium" pitchFamily="34" charset="-127"/>
+                          <a:ea typeface="Noto Sans KR Medium" pitchFamily="34" charset="-127"/>
+                        </a:rPr>
+                        <a:t>11-14</a:t>
+                      </a:r>
                       <a:endParaRPr lang="ko-KR" altLang="en-US" sz="1400" dirty="0">
                         <a:latin typeface="Noto Sans KR Medium" pitchFamily="34" charset="-127"/>
                         <a:ea typeface="Noto Sans KR Medium" pitchFamily="34" charset="-127"/>
@@ -4191,393 +5192,19 @@
                     <a:p>
                       <a:pPr algn="ctr" latinLnBrk="1"/>
                       <a:r>
-                        <a:rPr lang="ko-KR" altLang="en-US" sz="1400" dirty="0" smtClean="0">
-                          <a:latin typeface="Noto Sans KR Medium" pitchFamily="34" charset="-127"/>
-                          <a:ea typeface="Noto Sans KR Medium" pitchFamily="34" charset="-127"/>
-                        </a:rPr>
-                        <a:t>타임라인</a:t>
-                      </a:r>
-                      <a:r>
-                        <a:rPr lang="ko-KR" altLang="en-US" sz="1400" baseline="0" dirty="0" smtClean="0">
-                          <a:latin typeface="Noto Sans KR Medium" pitchFamily="34" charset="-127"/>
-                          <a:ea typeface="Noto Sans KR Medium" pitchFamily="34" charset="-127"/>
-                        </a:rPr>
-                        <a:t> 스테이지</a:t>
-                      </a:r>
-                      <a:r>
-                        <a:rPr lang="en-US" altLang="ko-KR" sz="1400" baseline="0" dirty="0" smtClean="0">
-                          <a:latin typeface="Noto Sans KR Medium" pitchFamily="34" charset="-127"/>
-                          <a:ea typeface="Noto Sans KR Medium" pitchFamily="34" charset="-127"/>
-                        </a:rPr>
-                        <a:t>2 </a:t>
-                      </a:r>
-                      <a:r>
-                        <a:rPr lang="ko-KR" altLang="en-US" sz="1400" baseline="0" err="1" smtClean="0">
-                          <a:latin typeface="Noto Sans KR Medium" pitchFamily="34" charset="-127"/>
-                          <a:ea typeface="Noto Sans KR Medium" pitchFamily="34" charset="-127"/>
-                        </a:rPr>
-                        <a:t>컷씬</a:t>
-                      </a:r>
-                      <a:r>
-                        <a:rPr lang="ko-KR" altLang="en-US" sz="1400" baseline="0" smtClean="0">
-                          <a:latin typeface="Noto Sans KR Medium" pitchFamily="34" charset="-127"/>
-                          <a:ea typeface="Noto Sans KR Medium" pitchFamily="34" charset="-127"/>
-                        </a:rPr>
-                        <a:t> 작업</a:t>
-                      </a:r>
-                      <a:endParaRPr lang="ko-KR" altLang="en-US" sz="1400" dirty="0">
-                        <a:latin typeface="Noto Sans KR Medium" pitchFamily="34" charset="-127"/>
-                        <a:ea typeface="Noto Sans KR Medium" pitchFamily="34" charset="-127"/>
-                      </a:endParaRPr>
-                    </a:p>
-                  </a:txBody>
-                  <a:tcPr/>
-                </a:tc>
-              </a:tr>
-              <a:tr h="693844">
-                <a:tc>
-                  <a:txBody>
-                    <a:bodyPr/>
-                    <a:lstStyle/>
-                    <a:p>
-                      <a:pPr algn="ctr" latinLnBrk="1"/>
-                      <a:r>
-                        <a:rPr lang="en-US" altLang="ko-KR" sz="1400" dirty="0" smtClean="0">
-                          <a:latin typeface="Noto Sans KR Medium" pitchFamily="34" charset="-127"/>
-                          <a:ea typeface="Noto Sans KR Medium" pitchFamily="34" charset="-127"/>
-                        </a:rPr>
-                        <a:t>11-07</a:t>
-                      </a:r>
-                      <a:endParaRPr lang="ko-KR" altLang="en-US" sz="1400" dirty="0">
-                        <a:latin typeface="Noto Sans KR Medium" pitchFamily="34" charset="-127"/>
-                        <a:ea typeface="Noto Sans KR Medium" pitchFamily="34" charset="-127"/>
-                      </a:endParaRPr>
-                    </a:p>
-                  </a:txBody>
-                  <a:tcPr/>
-                </a:tc>
-                <a:tc>
-                  <a:txBody>
-                    <a:bodyPr/>
-                    <a:lstStyle/>
-                    <a:p>
-                      <a:pPr algn="ctr" latinLnBrk="1"/>
-                      <a:r>
-                        <a:rPr lang="en-US" altLang="ko-KR" sz="1400" dirty="0" smtClean="0">
-                          <a:latin typeface="Noto Sans KR Medium" pitchFamily="34" charset="-127"/>
-                          <a:ea typeface="Noto Sans KR Medium" pitchFamily="34" charset="-127"/>
-                        </a:rPr>
-                        <a:t>X</a:t>
-                      </a:r>
-                      <a:endParaRPr lang="ko-KR" altLang="en-US" sz="1400" dirty="0">
-                        <a:latin typeface="Noto Sans KR Medium" pitchFamily="34" charset="-127"/>
-                        <a:ea typeface="Noto Sans KR Medium" pitchFamily="34" charset="-127"/>
-                      </a:endParaRPr>
-                    </a:p>
-                  </a:txBody>
-                  <a:tcPr/>
-                </a:tc>
-                <a:tc>
-                  <a:txBody>
-                    <a:bodyPr/>
-                    <a:lstStyle/>
-                    <a:p>
-                      <a:pPr algn="ctr" latinLnBrk="1"/>
-                      <a:r>
-                        <a:rPr lang="en-US" altLang="ko-KR" sz="1400" dirty="0" smtClean="0">
-                          <a:latin typeface="Noto Sans KR Medium" pitchFamily="34" charset="-127"/>
-                          <a:ea typeface="Noto Sans KR Medium" pitchFamily="34" charset="-127"/>
-                        </a:rPr>
-                        <a:t>X</a:t>
-                      </a:r>
-                      <a:endParaRPr lang="ko-KR" altLang="en-US" sz="1400" dirty="0">
-                        <a:latin typeface="Noto Sans KR Medium" pitchFamily="34" charset="-127"/>
-                        <a:ea typeface="Noto Sans KR Medium" pitchFamily="34" charset="-127"/>
-                      </a:endParaRPr>
-                    </a:p>
-                  </a:txBody>
-                  <a:tcPr/>
-                </a:tc>
-              </a:tr>
-            </a:tbl>
-          </a:graphicData>
-        </a:graphic>
-      </p:graphicFrame>
-    </p:spTree>
-    <p:extLst>
-      <p:ext uri="{BB962C8B-B14F-4D97-AF65-F5344CB8AC3E}">
-        <p14:creationId xmlns:p14="http://schemas.microsoft.com/office/powerpoint/2010/main" val="1783695213"/>
-      </p:ext>
-    </p:extLst>
-  </p:cSld>
-  <p:clrMapOvr>
-    <a:masterClrMapping/>
-  </p:clrMapOvr>
-  <p:timing>
-    <p:tnLst>
-      <p:par>
-        <p:cTn id="1" dur="indefinite" restart="never" nodeType="tmRoot"/>
-      </p:par>
-    </p:tnLst>
-  </p:timing>
-</p:sld>
-</file>
-
-<file path=ppt/slides/slide11.xml><?xml version="1.0" encoding="utf-8"?>
-<p:sld xmlns:a="http://schemas.openxmlformats.org/drawingml/2006/main" xmlns:r="http://schemas.openxmlformats.org/officeDocument/2006/relationships" xmlns:p="http://schemas.openxmlformats.org/presentationml/2006/main">
-  <p:cSld>
-    <p:spTree>
-      <p:nvGrpSpPr>
-        <p:cNvPr id="1" name=""/>
-        <p:cNvGrpSpPr/>
-        <p:nvPr/>
-      </p:nvGrpSpPr>
-      <p:grpSpPr>
-        <a:xfrm>
-          <a:off x="0" y="0"/>
-          <a:ext cx="0" cy="0"/>
-          <a:chOff x="0" y="0"/>
-          <a:chExt cx="0" cy="0"/>
-        </a:xfrm>
-      </p:grpSpPr>
-      <p:sp>
-        <p:nvSpPr>
-          <p:cNvPr id="2" name="제목 1"/>
-          <p:cNvSpPr>
-            <a:spLocks noGrp="1"/>
-          </p:cNvSpPr>
-          <p:nvPr>
-            <p:ph type="title"/>
-          </p:nvPr>
-        </p:nvSpPr>
-        <p:spPr/>
-        <p:txBody>
-          <a:bodyPr/>
-          <a:lstStyle/>
-          <a:p>
-            <a:r>
-              <a:rPr lang="ko-KR" altLang="en-US" dirty="0" smtClean="0">
-                <a:latin typeface="Noto Sans KR Medium" pitchFamily="34" charset="-127"/>
-                <a:ea typeface="Noto Sans KR Medium" pitchFamily="34" charset="-127"/>
-              </a:rPr>
-              <a:t>개발 단계 </a:t>
-            </a:r>
-            <a:r>
-              <a:rPr lang="en-US" altLang="ko-KR" dirty="0" smtClean="0">
-                <a:latin typeface="Noto Sans KR Medium" pitchFamily="34" charset="-127"/>
-                <a:ea typeface="Noto Sans KR Medium" pitchFamily="34" charset="-127"/>
-              </a:rPr>
-              <a:t>(2</a:t>
-            </a:r>
-            <a:r>
-              <a:rPr lang="ko-KR" altLang="en-US" dirty="0" smtClean="0">
-                <a:latin typeface="Noto Sans KR Medium" pitchFamily="34" charset="-127"/>
-                <a:ea typeface="Noto Sans KR Medium" pitchFamily="34" charset="-127"/>
-              </a:rPr>
-              <a:t>주차</a:t>
-            </a:r>
-            <a:r>
-              <a:rPr lang="en-US" altLang="ko-KR" dirty="0" smtClean="0">
-                <a:latin typeface="Noto Sans KR Medium" pitchFamily="34" charset="-127"/>
-                <a:ea typeface="Noto Sans KR Medium" pitchFamily="34" charset="-127"/>
-              </a:rPr>
-              <a:t>)</a:t>
-            </a:r>
-            <a:endParaRPr lang="ko-KR" altLang="en-US" dirty="0">
-              <a:latin typeface="Noto Sans KR Medium" pitchFamily="34" charset="-127"/>
-              <a:ea typeface="Noto Sans KR Medium" pitchFamily="34" charset="-127"/>
-            </a:endParaRPr>
-          </a:p>
-        </p:txBody>
-      </p:sp>
-      <p:sp>
-        <p:nvSpPr>
-          <p:cNvPr id="3" name="내용 개체 틀 2"/>
-          <p:cNvSpPr>
-            <a:spLocks noGrp="1"/>
-          </p:cNvSpPr>
-          <p:nvPr>
-            <p:ph idx="1"/>
-          </p:nvPr>
-        </p:nvSpPr>
-        <p:spPr/>
-        <p:txBody>
-          <a:bodyPr/>
-          <a:lstStyle/>
-          <a:p>
-            <a:pPr marL="0" indent="0">
-              <a:buNone/>
-            </a:pPr>
-            <a:endParaRPr lang="en-US" altLang="ko-KR" dirty="0">
-              <a:latin typeface="Noto Sans KR Medium" pitchFamily="34" charset="-127"/>
-              <a:ea typeface="Noto Sans KR Medium" pitchFamily="34" charset="-127"/>
-            </a:endParaRPr>
-          </a:p>
-          <a:p>
-            <a:pPr marL="0" indent="0">
-              <a:buNone/>
-            </a:pPr>
-            <a:endParaRPr lang="ko-KR" altLang="en-US" dirty="0">
-              <a:latin typeface="Noto Sans KR Medium" pitchFamily="34" charset="-127"/>
-              <a:ea typeface="Noto Sans KR Medium" pitchFamily="34" charset="-127"/>
-            </a:endParaRPr>
-          </a:p>
-        </p:txBody>
-      </p:sp>
-      <p:graphicFrame>
-        <p:nvGraphicFramePr>
-          <p:cNvPr id="4" name="표 3"/>
-          <p:cNvGraphicFramePr>
-            <a:graphicFrameLocks noGrp="1"/>
-          </p:cNvGraphicFramePr>
-          <p:nvPr>
-            <p:extLst>
-              <p:ext uri="{D42A27DB-BD31-4B8C-83A1-F6EECF244321}">
-                <p14:modId xmlns:p14="http://schemas.microsoft.com/office/powerpoint/2010/main" val="4014837706"/>
-              </p:ext>
-            </p:extLst>
-          </p:nvPr>
-        </p:nvGraphicFramePr>
-        <p:xfrm>
-          <a:off x="971600" y="1412776"/>
-          <a:ext cx="7152456" cy="5184576"/>
-        </p:xfrm>
-        <a:graphic>
-          <a:graphicData uri="http://schemas.openxmlformats.org/drawingml/2006/table">
-            <a:tbl>
-              <a:tblPr firstRow="1" bandRow="1">
-                <a:tableStyleId>{5C22544A-7EE6-4342-B048-85BDC9FD1C3A}</a:tableStyleId>
-              </a:tblPr>
-              <a:tblGrid>
-                <a:gridCol w="2384152"/>
-                <a:gridCol w="2384152"/>
-                <a:gridCol w="2384152"/>
-              </a:tblGrid>
-              <a:tr h="678068">
-                <a:tc>
-                  <a:txBody>
-                    <a:bodyPr/>
-                    <a:lstStyle/>
-                    <a:p>
-                      <a:pPr algn="ctr" latinLnBrk="1"/>
-                      <a:r>
-                        <a:rPr lang="ko-KR" altLang="en-US" sz="2800" dirty="0" smtClean="0">
-                          <a:latin typeface="Noto Sans KR Bold" pitchFamily="34" charset="-127"/>
-                          <a:ea typeface="Noto Sans KR Bold" pitchFamily="34" charset="-127"/>
-                        </a:rPr>
-                        <a:t>날짜</a:t>
-                      </a:r>
-                      <a:endParaRPr lang="ko-KR" altLang="en-US" sz="2800" dirty="0">
-                        <a:latin typeface="Noto Sans KR Bold" pitchFamily="34" charset="-127"/>
-                        <a:ea typeface="Noto Sans KR Bold" pitchFamily="34" charset="-127"/>
-                      </a:endParaRPr>
-                    </a:p>
-                  </a:txBody>
-                  <a:tcPr/>
-                </a:tc>
-                <a:tc>
-                  <a:txBody>
-                    <a:bodyPr/>
-                    <a:lstStyle/>
-                    <a:p>
-                      <a:pPr algn="ctr" latinLnBrk="1"/>
-                      <a:r>
-                        <a:rPr lang="ko-KR" altLang="en-US" sz="2800" dirty="0" smtClean="0">
-                          <a:latin typeface="Noto Sans KR Bold" pitchFamily="34" charset="-127"/>
-                          <a:ea typeface="Noto Sans KR Bold" pitchFamily="34" charset="-127"/>
-                        </a:rPr>
-                        <a:t>진행 내용</a:t>
-                      </a:r>
-                      <a:endParaRPr lang="ko-KR" altLang="en-US" sz="2800" dirty="0">
-                        <a:latin typeface="Noto Sans KR Bold" pitchFamily="34" charset="-127"/>
-                        <a:ea typeface="Noto Sans KR Bold" pitchFamily="34" charset="-127"/>
-                      </a:endParaRPr>
-                    </a:p>
-                  </a:txBody>
-                  <a:tcPr/>
-                </a:tc>
-                <a:tc>
-                  <a:txBody>
-                    <a:bodyPr/>
-                    <a:lstStyle/>
-                    <a:p>
-                      <a:pPr algn="ctr" latinLnBrk="1"/>
-                      <a:r>
-                        <a:rPr lang="ko-KR" altLang="en-US" sz="2800" dirty="0" smtClean="0">
-                          <a:latin typeface="Noto Sans KR Bold" pitchFamily="34" charset="-127"/>
-                          <a:ea typeface="Noto Sans KR Bold" pitchFamily="34" charset="-127"/>
-                        </a:rPr>
-                        <a:t>비고</a:t>
-                      </a:r>
-                      <a:endParaRPr lang="ko-KR" altLang="en-US" sz="2800" dirty="0">
-                        <a:latin typeface="Noto Sans KR Bold" pitchFamily="34" charset="-127"/>
-                        <a:ea typeface="Noto Sans KR Bold" pitchFamily="34" charset="-127"/>
-                      </a:endParaRPr>
-                    </a:p>
-                  </a:txBody>
-                  <a:tcPr/>
-                </a:tc>
-              </a:tr>
-              <a:tr h="712819">
-                <a:tc>
-                  <a:txBody>
-                    <a:bodyPr/>
-                    <a:lstStyle/>
-                    <a:p>
-                      <a:pPr algn="ctr" latinLnBrk="1"/>
-                      <a:r>
-                        <a:rPr lang="en-US" altLang="ko-KR" sz="1400" dirty="0" smtClean="0">
-                          <a:latin typeface="Noto Sans KR Medium" pitchFamily="34" charset="-127"/>
-                          <a:ea typeface="Noto Sans KR Medium" pitchFamily="34" charset="-127"/>
-                        </a:rPr>
-                        <a:t>11-09</a:t>
-                      </a:r>
-                      <a:endParaRPr lang="ko-KR" altLang="en-US" sz="1400" dirty="0">
-                        <a:latin typeface="Noto Sans KR Medium" pitchFamily="34" charset="-127"/>
-                        <a:ea typeface="Noto Sans KR Medium" pitchFamily="34" charset="-127"/>
-                      </a:endParaRPr>
-                    </a:p>
-                  </a:txBody>
-                  <a:tcPr/>
-                </a:tc>
-                <a:tc>
-                  <a:txBody>
-                    <a:bodyPr/>
-                    <a:lstStyle/>
-                    <a:p>
-                      <a:pPr algn="ctr" latinLnBrk="1"/>
-                      <a:r>
-                        <a:rPr lang="ko-KR" altLang="en-US" sz="1400" dirty="0" err="1" smtClean="0">
-                          <a:latin typeface="Noto Sans KR Medium" pitchFamily="34" charset="-127"/>
-                          <a:ea typeface="Noto Sans KR Medium" pitchFamily="34" charset="-127"/>
-                        </a:rPr>
-                        <a:t>튜토리얼</a:t>
-                      </a:r>
-                      <a:endParaRPr lang="en-US" altLang="ko-KR" sz="1400" dirty="0" smtClean="0">
-                        <a:latin typeface="Noto Sans KR Medium" pitchFamily="34" charset="-127"/>
-                        <a:ea typeface="Noto Sans KR Medium" pitchFamily="34" charset="-127"/>
-                      </a:endParaRPr>
-                    </a:p>
-                    <a:p>
-                      <a:pPr algn="ctr" latinLnBrk="1"/>
-                      <a:r>
-                        <a:rPr lang="ko-KR" altLang="en-US" sz="1400" dirty="0" smtClean="0">
-                          <a:latin typeface="Noto Sans KR Medium" pitchFamily="34" charset="-127"/>
-                          <a:ea typeface="Noto Sans KR Medium" pitchFamily="34" charset="-127"/>
-                        </a:rPr>
-                        <a:t>스토리</a:t>
-                      </a:r>
-                      <a:r>
-                        <a:rPr lang="en-US" altLang="ko-KR" sz="1400" dirty="0" smtClean="0">
-                          <a:latin typeface="Noto Sans KR Medium" pitchFamily="34" charset="-127"/>
-                          <a:ea typeface="Noto Sans KR Medium" pitchFamily="34" charset="-127"/>
-                        </a:rPr>
-                        <a:t>1</a:t>
-                      </a:r>
-                      <a:endParaRPr lang="ko-KR" altLang="en-US" sz="1400" dirty="0">
-                        <a:latin typeface="Noto Sans KR Medium" pitchFamily="34" charset="-127"/>
-                        <a:ea typeface="Noto Sans KR Medium" pitchFamily="34" charset="-127"/>
-                      </a:endParaRPr>
+                        <a:rPr lang="ko-KR" altLang="en-US" sz="1400" dirty="0" err="1">
+                          <a:latin typeface="Noto Sans KR Medium" pitchFamily="34" charset="-127"/>
+                          <a:ea typeface="Noto Sans KR Medium" pitchFamily="34" charset="-127"/>
+                        </a:rPr>
+                        <a:t>시네머신</a:t>
+                      </a:r>
+                      <a:r>
+                        <a:rPr lang="ko-KR" altLang="en-US" sz="1400" dirty="0">
+                          <a:latin typeface="Noto Sans KR Medium" pitchFamily="34" charset="-127"/>
+                          <a:ea typeface="Noto Sans KR Medium" pitchFamily="34" charset="-127"/>
+                        </a:rPr>
+                        <a:t> 버그해결</a:t>
+                      </a:r>
                     </a:p>
                   </a:txBody>
                   <a:tcPr/>
@@ -4596,561 +5223,11 @@
                   </a:txBody>
                   <a:tcPr/>
                 </a:tc>
-              </a:tr>
-              <a:tr h="1018313">
-                <a:tc>
-                  <a:txBody>
-                    <a:bodyPr/>
-                    <a:lstStyle/>
-                    <a:p>
-                      <a:pPr algn="ctr" latinLnBrk="1"/>
-                      <a:r>
-                        <a:rPr lang="en-US" altLang="ko-KR" sz="1400" dirty="0" smtClean="0">
-                          <a:latin typeface="Noto Sans KR Medium" pitchFamily="34" charset="-127"/>
-                          <a:ea typeface="Noto Sans KR Medium" pitchFamily="34" charset="-127"/>
-                        </a:rPr>
-                        <a:t>11-10</a:t>
-                      </a:r>
-                      <a:endParaRPr lang="ko-KR" altLang="en-US" sz="1400" dirty="0">
-                        <a:latin typeface="Noto Sans KR Medium" pitchFamily="34" charset="-127"/>
-                        <a:ea typeface="Noto Sans KR Medium" pitchFamily="34" charset="-127"/>
-                      </a:endParaRPr>
-                    </a:p>
-                  </a:txBody>
-                  <a:tcPr/>
-                </a:tc>
-                <a:tc>
-                  <a:txBody>
-                    <a:bodyPr/>
-                    <a:lstStyle/>
-                    <a:p>
-                      <a:pPr algn="ctr" latinLnBrk="1"/>
-                      <a:r>
-                        <a:rPr lang="ko-KR" altLang="en-US" sz="1400" baseline="0" dirty="0" smtClean="0">
-                          <a:latin typeface="Noto Sans KR Medium" pitchFamily="34" charset="-127"/>
-                          <a:ea typeface="Noto Sans KR Medium" pitchFamily="34" charset="-127"/>
-                        </a:rPr>
-                        <a:t>스테이지</a:t>
-                      </a:r>
-                      <a:r>
-                        <a:rPr lang="en-US" altLang="ko-KR" sz="1400" baseline="0" dirty="0" smtClean="0">
-                          <a:latin typeface="Noto Sans KR Medium" pitchFamily="34" charset="-127"/>
-                          <a:ea typeface="Noto Sans KR Medium" pitchFamily="34" charset="-127"/>
-                        </a:rPr>
-                        <a:t>1-1</a:t>
-                      </a:r>
-                    </a:p>
-                    <a:p>
-                      <a:pPr algn="ctr" latinLnBrk="1"/>
-                      <a:r>
-                        <a:rPr lang="ko-KR" altLang="en-US" sz="1400" baseline="0" dirty="0" smtClean="0">
-                          <a:latin typeface="Noto Sans KR Medium" pitchFamily="34" charset="-127"/>
-                          <a:ea typeface="Noto Sans KR Medium" pitchFamily="34" charset="-127"/>
-                        </a:rPr>
-                        <a:t>스테이지</a:t>
-                      </a:r>
-                      <a:r>
-                        <a:rPr lang="en-US" altLang="ko-KR" sz="1400" baseline="0" dirty="0" smtClean="0">
-                          <a:latin typeface="Noto Sans KR Medium" pitchFamily="34" charset="-127"/>
-                          <a:ea typeface="Noto Sans KR Medium" pitchFamily="34" charset="-127"/>
-                        </a:rPr>
-                        <a:t>1-3</a:t>
-                      </a:r>
-                    </a:p>
-                    <a:p>
-                      <a:pPr algn="ctr" latinLnBrk="1"/>
-                      <a:r>
-                        <a:rPr lang="ko-KR" altLang="en-US" sz="1400" baseline="0" dirty="0" smtClean="0">
-                          <a:latin typeface="Noto Sans KR Medium" pitchFamily="34" charset="-127"/>
-                          <a:ea typeface="Noto Sans KR Medium" pitchFamily="34" charset="-127"/>
-                        </a:rPr>
-                        <a:t>스테이지</a:t>
-                      </a:r>
-                      <a:r>
-                        <a:rPr lang="en-US" altLang="ko-KR" sz="1400" baseline="0" dirty="0" smtClean="0">
-                          <a:latin typeface="Noto Sans KR Medium" pitchFamily="34" charset="-127"/>
-                          <a:ea typeface="Noto Sans KR Medium" pitchFamily="34" charset="-127"/>
-                        </a:rPr>
-                        <a:t>1-2</a:t>
-                      </a:r>
-                      <a:r>
-                        <a:rPr lang="ko-KR" altLang="en-US" sz="1400" baseline="0" dirty="0" smtClean="0">
-                          <a:latin typeface="Noto Sans KR Medium" pitchFamily="34" charset="-127"/>
-                          <a:ea typeface="Noto Sans KR Medium" pitchFamily="34" charset="-127"/>
-                        </a:rPr>
-                        <a:t>배치</a:t>
-                      </a:r>
-                      <a:endParaRPr lang="en-US" altLang="ko-KR" sz="1400" baseline="0" dirty="0" smtClean="0">
-                        <a:latin typeface="Noto Sans KR Medium" pitchFamily="34" charset="-127"/>
-                        <a:ea typeface="Noto Sans KR Medium" pitchFamily="34" charset="-127"/>
-                      </a:endParaRPr>
-                    </a:p>
-                  </a:txBody>
-                  <a:tcPr/>
-                </a:tc>
-                <a:tc>
-                  <a:txBody>
-                    <a:bodyPr/>
-                    <a:lstStyle/>
-                    <a:p>
-                      <a:pPr algn="ctr" latinLnBrk="1"/>
-                      <a:r>
-                        <a:rPr lang="ko-KR" altLang="en-US" sz="1400" dirty="0" err="1" smtClean="0">
-                          <a:latin typeface="Noto Sans KR Medium" pitchFamily="34" charset="-127"/>
-                          <a:ea typeface="Noto Sans KR Medium" pitchFamily="34" charset="-127"/>
-                        </a:rPr>
-                        <a:t>모아이</a:t>
-                      </a:r>
-                      <a:r>
-                        <a:rPr lang="ko-KR" altLang="en-US" sz="1400" baseline="0" dirty="0" smtClean="0">
-                          <a:latin typeface="Noto Sans KR Medium" pitchFamily="34" charset="-127"/>
-                          <a:ea typeface="Noto Sans KR Medium" pitchFamily="34" charset="-127"/>
-                        </a:rPr>
-                        <a:t> 타임라인</a:t>
-                      </a:r>
-                      <a:endParaRPr lang="en-US" altLang="ko-KR" sz="1400" baseline="0" dirty="0" smtClean="0">
-                        <a:latin typeface="Noto Sans KR Medium" pitchFamily="34" charset="-127"/>
-                        <a:ea typeface="Noto Sans KR Medium" pitchFamily="34" charset="-127"/>
-                      </a:endParaRPr>
-                    </a:p>
-                    <a:p>
-                      <a:pPr algn="ctr" latinLnBrk="1"/>
-                      <a:r>
-                        <a:rPr lang="en-US" altLang="ko-KR" sz="1400" baseline="0" dirty="0" smtClean="0">
-                          <a:latin typeface="Noto Sans KR Medium" pitchFamily="34" charset="-127"/>
-                          <a:ea typeface="Noto Sans KR Medium" pitchFamily="34" charset="-127"/>
-                        </a:rPr>
-                        <a:t>1-2 </a:t>
-                      </a:r>
-                      <a:r>
-                        <a:rPr lang="ko-KR" altLang="en-US" sz="1400" baseline="0" smtClean="0">
-                          <a:latin typeface="Noto Sans KR Medium" pitchFamily="34" charset="-127"/>
-                          <a:ea typeface="Noto Sans KR Medium" pitchFamily="34" charset="-127"/>
-                        </a:rPr>
-                        <a:t>덜 함</a:t>
-                      </a:r>
-                      <a:endParaRPr lang="ko-KR" altLang="en-US" sz="1400" dirty="0">
-                        <a:latin typeface="Noto Sans KR Medium" pitchFamily="34" charset="-127"/>
-                        <a:ea typeface="Noto Sans KR Medium" pitchFamily="34" charset="-127"/>
-                      </a:endParaRPr>
-                    </a:p>
-                  </a:txBody>
-                  <a:tcPr/>
-                </a:tc>
-              </a:tr>
-              <a:tr h="693844">
-                <a:tc>
-                  <a:txBody>
-                    <a:bodyPr/>
-                    <a:lstStyle/>
-                    <a:p>
-                      <a:pPr algn="ctr" latinLnBrk="1"/>
-                      <a:r>
-                        <a:rPr lang="en-US" altLang="ko-KR" sz="1400" dirty="0" smtClean="0">
-                          <a:latin typeface="Noto Sans KR Medium" pitchFamily="34" charset="-127"/>
-                          <a:ea typeface="Noto Sans KR Medium" pitchFamily="34" charset="-127"/>
-                        </a:rPr>
-                        <a:t>11-11</a:t>
-                      </a:r>
-                      <a:endParaRPr lang="ko-KR" altLang="en-US" sz="1400" dirty="0">
-                        <a:latin typeface="Noto Sans KR Medium" pitchFamily="34" charset="-127"/>
-                        <a:ea typeface="Noto Sans KR Medium" pitchFamily="34" charset="-127"/>
-                      </a:endParaRPr>
-                    </a:p>
-                  </a:txBody>
-                  <a:tcPr/>
-                </a:tc>
-                <a:tc>
-                  <a:txBody>
-                    <a:bodyPr/>
-                    <a:lstStyle/>
-                    <a:p>
-                      <a:pPr algn="ctr" latinLnBrk="1"/>
-                      <a:r>
-                        <a:rPr lang="ko-KR" altLang="en-US" sz="1400" dirty="0" smtClean="0">
-                          <a:latin typeface="Noto Sans KR Medium" pitchFamily="34" charset="-127"/>
-                          <a:ea typeface="Noto Sans KR Medium" pitchFamily="34" charset="-127"/>
-                        </a:rPr>
-                        <a:t>스테이지</a:t>
-                      </a:r>
-                      <a:r>
-                        <a:rPr lang="en-US" altLang="ko-KR" sz="1400" dirty="0" smtClean="0">
-                          <a:latin typeface="Noto Sans KR Medium" pitchFamily="34" charset="-127"/>
-                          <a:ea typeface="Noto Sans KR Medium" pitchFamily="34" charset="-127"/>
-                        </a:rPr>
-                        <a:t>1-2</a:t>
-                      </a:r>
-                      <a:r>
-                        <a:rPr lang="ko-KR" altLang="en-US" sz="1400" dirty="0" smtClean="0">
-                          <a:latin typeface="Noto Sans KR Medium" pitchFamily="34" charset="-127"/>
-                          <a:ea typeface="Noto Sans KR Medium" pitchFamily="34" charset="-127"/>
-                        </a:rPr>
-                        <a:t>동굴</a:t>
-                      </a:r>
-                      <a:endParaRPr lang="en-US" altLang="ko-KR" sz="1400" dirty="0" smtClean="0">
-                        <a:latin typeface="Noto Sans KR Medium" pitchFamily="34" charset="-127"/>
-                        <a:ea typeface="Noto Sans KR Medium" pitchFamily="34" charset="-127"/>
-                      </a:endParaRPr>
-                    </a:p>
-                    <a:p>
-                      <a:pPr algn="ctr" latinLnBrk="1"/>
-                      <a:r>
-                        <a:rPr lang="ko-KR" altLang="en-US" sz="1400" dirty="0" smtClean="0">
-                          <a:latin typeface="Noto Sans KR Medium" pitchFamily="34" charset="-127"/>
-                          <a:ea typeface="Noto Sans KR Medium" pitchFamily="34" charset="-127"/>
-                        </a:rPr>
-                        <a:t>스테이지</a:t>
-                      </a:r>
-                      <a:r>
-                        <a:rPr lang="en-US" altLang="ko-KR" sz="1400" dirty="0" smtClean="0">
-                          <a:latin typeface="Noto Sans KR Medium" pitchFamily="34" charset="-127"/>
-                          <a:ea typeface="Noto Sans KR Medium" pitchFamily="34" charset="-127"/>
-                        </a:rPr>
-                        <a:t>1-2</a:t>
-                      </a:r>
-                      <a:r>
-                        <a:rPr lang="ko-KR" altLang="en-US" sz="1400" dirty="0" smtClean="0">
-                          <a:latin typeface="Noto Sans KR Medium" pitchFamily="34" charset="-127"/>
-                          <a:ea typeface="Noto Sans KR Medium" pitchFamily="34" charset="-127"/>
-                        </a:rPr>
-                        <a:t>석판</a:t>
-                      </a:r>
-                      <a:endParaRPr lang="ko-KR" altLang="en-US" sz="1400" dirty="0">
-                        <a:latin typeface="Noto Sans KR Medium" pitchFamily="34" charset="-127"/>
-                        <a:ea typeface="Noto Sans KR Medium" pitchFamily="34" charset="-127"/>
-                      </a:endParaRPr>
-                    </a:p>
-                  </a:txBody>
-                  <a:tcPr/>
-                </a:tc>
-                <a:tc>
-                  <a:txBody>
-                    <a:bodyPr/>
-                    <a:lstStyle/>
-                    <a:p>
-                      <a:pPr algn="ctr" latinLnBrk="1"/>
-                      <a:r>
-                        <a:rPr lang="ko-KR" altLang="en-US" sz="1400" dirty="0" smtClean="0">
-                          <a:latin typeface="Noto Sans KR Medium" pitchFamily="34" charset="-127"/>
-                          <a:ea typeface="Noto Sans KR Medium" pitchFamily="34" charset="-127"/>
-                        </a:rPr>
-                        <a:t>석판 드래그 앤 </a:t>
-                      </a:r>
-                      <a:r>
-                        <a:rPr lang="ko-KR" altLang="en-US" sz="1400" dirty="0" err="1" smtClean="0">
-                          <a:latin typeface="Noto Sans KR Medium" pitchFamily="34" charset="-127"/>
-                          <a:ea typeface="Noto Sans KR Medium" pitchFamily="34" charset="-127"/>
-                        </a:rPr>
-                        <a:t>드랍</a:t>
-                      </a:r>
-                      <a:endParaRPr lang="en-US" altLang="ko-KR" sz="1400" dirty="0" smtClean="0">
-                        <a:latin typeface="Noto Sans KR Medium" pitchFamily="34" charset="-127"/>
-                        <a:ea typeface="Noto Sans KR Medium" pitchFamily="34" charset="-127"/>
-                      </a:endParaRPr>
-                    </a:p>
-                    <a:p>
-                      <a:pPr algn="ctr" latinLnBrk="1"/>
-                      <a:r>
-                        <a:rPr lang="ko-KR" altLang="en-US" sz="1400" dirty="0" err="1" smtClean="0">
-                          <a:latin typeface="Noto Sans KR Medium" pitchFamily="34" charset="-127"/>
-                          <a:ea typeface="Noto Sans KR Medium" pitchFamily="34" charset="-127"/>
-                        </a:rPr>
-                        <a:t>텔레포트</a:t>
-                      </a:r>
-                      <a:r>
-                        <a:rPr lang="ko-KR" altLang="en-US" sz="1400" dirty="0" smtClean="0">
-                          <a:latin typeface="Noto Sans KR Medium" pitchFamily="34" charset="-127"/>
-                          <a:ea typeface="Noto Sans KR Medium" pitchFamily="34" charset="-127"/>
-                        </a:rPr>
-                        <a:t> 포탈</a:t>
-                      </a:r>
-                      <a:endParaRPr lang="ko-KR" altLang="en-US" sz="1400" dirty="0">
-                        <a:latin typeface="Noto Sans KR Medium" pitchFamily="34" charset="-127"/>
-                        <a:ea typeface="Noto Sans KR Medium" pitchFamily="34" charset="-127"/>
-                      </a:endParaRPr>
-                    </a:p>
-                  </a:txBody>
-                  <a:tcPr/>
-                </a:tc>
-              </a:tr>
-              <a:tr h="693844">
-                <a:tc>
-                  <a:txBody>
-                    <a:bodyPr/>
-                    <a:lstStyle/>
-                    <a:p>
-                      <a:pPr algn="ctr" latinLnBrk="1"/>
-                      <a:r>
-                        <a:rPr lang="en-US" altLang="ko-KR" sz="1400" dirty="0" smtClean="0">
-                          <a:latin typeface="Noto Sans KR Medium" pitchFamily="34" charset="-127"/>
-                          <a:ea typeface="Noto Sans KR Medium" pitchFamily="34" charset="-127"/>
-                        </a:rPr>
-                        <a:t>11-12</a:t>
-                      </a:r>
-                      <a:endParaRPr lang="ko-KR" altLang="en-US" sz="1400" dirty="0">
-                        <a:latin typeface="Noto Sans KR Medium" pitchFamily="34" charset="-127"/>
-                        <a:ea typeface="Noto Sans KR Medium" pitchFamily="34" charset="-127"/>
-                      </a:endParaRPr>
-                    </a:p>
-                  </a:txBody>
-                  <a:tcPr/>
-                </a:tc>
-                <a:tc>
-                  <a:txBody>
-                    <a:bodyPr/>
-                    <a:lstStyle/>
-                    <a:p>
-                      <a:pPr algn="ctr" latinLnBrk="1"/>
-                      <a:r>
-                        <a:rPr lang="en-US" altLang="ko-KR" sz="1400" baseline="0" dirty="0" smtClean="0">
-                          <a:latin typeface="Noto Sans KR Medium" pitchFamily="34" charset="-127"/>
-                          <a:ea typeface="Noto Sans KR Medium" pitchFamily="34" charset="-127"/>
-                        </a:rPr>
-                        <a:t>1-2</a:t>
-                      </a:r>
-                      <a:r>
-                        <a:rPr lang="ko-KR" altLang="en-US" sz="1400" baseline="0" dirty="0" smtClean="0">
-                          <a:latin typeface="Noto Sans KR Medium" pitchFamily="34" charset="-127"/>
-                          <a:ea typeface="Noto Sans KR Medium" pitchFamily="34" charset="-127"/>
-                        </a:rPr>
-                        <a:t>완성</a:t>
-                      </a:r>
-                      <a:endParaRPr lang="en-US" altLang="ko-KR" sz="1400" baseline="0" dirty="0" smtClean="0">
-                        <a:latin typeface="Noto Sans KR Medium" pitchFamily="34" charset="-127"/>
-                        <a:ea typeface="Noto Sans KR Medium" pitchFamily="34" charset="-127"/>
-                      </a:endParaRPr>
-                    </a:p>
-                    <a:p>
-                      <a:pPr algn="ctr" latinLnBrk="1"/>
-                      <a:r>
-                        <a:rPr lang="en-US" altLang="ko-KR" sz="1400" baseline="0" dirty="0" smtClean="0">
-                          <a:latin typeface="Noto Sans KR Medium" pitchFamily="34" charset="-127"/>
-                          <a:ea typeface="Noto Sans KR Medium" pitchFamily="34" charset="-127"/>
-                        </a:rPr>
-                        <a:t>2-1</a:t>
-                      </a:r>
-                      <a:r>
-                        <a:rPr lang="ko-KR" altLang="en-US" sz="1400" baseline="0" dirty="0" smtClean="0">
-                          <a:latin typeface="Noto Sans KR Medium" pitchFamily="34" charset="-127"/>
-                          <a:ea typeface="Noto Sans KR Medium" pitchFamily="34" charset="-127"/>
-                        </a:rPr>
-                        <a:t>완성</a:t>
-                      </a:r>
-                      <a:endParaRPr lang="en-US" altLang="ko-KR" sz="1400" baseline="0" dirty="0" smtClean="0">
-                        <a:latin typeface="Noto Sans KR Medium" pitchFamily="34" charset="-127"/>
-                        <a:ea typeface="Noto Sans KR Medium" pitchFamily="34" charset="-127"/>
-                      </a:endParaRPr>
-                    </a:p>
-                  </a:txBody>
-                  <a:tcPr/>
-                </a:tc>
-                <a:tc>
-                  <a:txBody>
-                    <a:bodyPr/>
-                    <a:lstStyle/>
-                    <a:p>
-                      <a:pPr algn="ctr" latinLnBrk="1"/>
-                      <a:r>
-                        <a:rPr lang="en-US" altLang="ko-KR" sz="1400" dirty="0" smtClean="0">
-                          <a:latin typeface="Noto Sans KR Medium" pitchFamily="34" charset="-127"/>
-                          <a:ea typeface="Noto Sans KR Medium" pitchFamily="34" charset="-127"/>
-                        </a:rPr>
-                        <a:t>2-1 </a:t>
-                      </a:r>
-                      <a:r>
-                        <a:rPr lang="ko-KR" altLang="en-US" sz="1400" dirty="0" smtClean="0">
-                          <a:latin typeface="Noto Sans KR Medium" pitchFamily="34" charset="-127"/>
-                          <a:ea typeface="Noto Sans KR Medium" pitchFamily="34" charset="-127"/>
-                        </a:rPr>
-                        <a:t>타임라인 </a:t>
-                      </a:r>
-                      <a:r>
-                        <a:rPr lang="ko-KR" altLang="en-US" sz="1400" dirty="0" err="1" smtClean="0">
-                          <a:latin typeface="Noto Sans KR Medium" pitchFamily="34" charset="-127"/>
-                          <a:ea typeface="Noto Sans KR Medium" pitchFamily="34" charset="-127"/>
-                        </a:rPr>
-                        <a:t>두개</a:t>
-                      </a:r>
-                      <a:endParaRPr lang="en-US" altLang="ko-KR" sz="1400" dirty="0" smtClean="0">
-                        <a:latin typeface="Noto Sans KR Medium" pitchFamily="34" charset="-127"/>
-                        <a:ea typeface="Noto Sans KR Medium" pitchFamily="34" charset="-127"/>
-                      </a:endParaRPr>
-                    </a:p>
-                    <a:p>
-                      <a:pPr algn="ctr" latinLnBrk="1"/>
-                      <a:r>
-                        <a:rPr lang="ko-KR" altLang="en-US" sz="1400" dirty="0" err="1" smtClean="0">
-                          <a:latin typeface="Noto Sans KR Medium" pitchFamily="34" charset="-127"/>
-                          <a:ea typeface="Noto Sans KR Medium" pitchFamily="34" charset="-127"/>
-                        </a:rPr>
-                        <a:t>트램펄린</a:t>
-                      </a:r>
-                      <a:endParaRPr lang="ko-KR" altLang="en-US" sz="1400" dirty="0">
-                        <a:latin typeface="Noto Sans KR Medium" pitchFamily="34" charset="-127"/>
-                        <a:ea typeface="Noto Sans KR Medium" pitchFamily="34" charset="-127"/>
-                      </a:endParaRPr>
-                    </a:p>
-                  </a:txBody>
-                  <a:tcPr/>
-                </a:tc>
-              </a:tr>
-              <a:tr h="693844">
-                <a:tc>
-                  <a:txBody>
-                    <a:bodyPr/>
-                    <a:lstStyle/>
-                    <a:p>
-                      <a:pPr algn="ctr" latinLnBrk="1"/>
-                      <a:r>
-                        <a:rPr lang="en-US" altLang="ko-KR" sz="1400" dirty="0" smtClean="0">
-                          <a:latin typeface="Noto Sans KR Medium" pitchFamily="34" charset="-127"/>
-                          <a:ea typeface="Noto Sans KR Medium" pitchFamily="34" charset="-127"/>
-                        </a:rPr>
-                        <a:t>11-13</a:t>
-                      </a:r>
-                      <a:endParaRPr lang="ko-KR" altLang="en-US" sz="1400" dirty="0">
-                        <a:latin typeface="Noto Sans KR Medium" pitchFamily="34" charset="-127"/>
-                        <a:ea typeface="Noto Sans KR Medium" pitchFamily="34" charset="-127"/>
-                      </a:endParaRPr>
-                    </a:p>
-                  </a:txBody>
-                  <a:tcPr/>
-                </a:tc>
-                <a:tc>
-                  <a:txBody>
-                    <a:bodyPr/>
-                    <a:lstStyle/>
-                    <a:p>
-                      <a:pPr algn="ctr" latinLnBrk="1"/>
-                      <a:r>
-                        <a:rPr lang="en-US" altLang="ko-KR" sz="1400" dirty="0" smtClean="0">
-                          <a:latin typeface="Noto Sans KR Medium" pitchFamily="34" charset="-127"/>
-                          <a:ea typeface="Noto Sans KR Medium" pitchFamily="34" charset="-127"/>
-                        </a:rPr>
-                        <a:t>2-2</a:t>
-                      </a:r>
-                      <a:r>
-                        <a:rPr lang="ko-KR" altLang="en-US" sz="1400" dirty="0" smtClean="0">
-                          <a:latin typeface="Noto Sans KR Medium" pitchFamily="34" charset="-127"/>
-                          <a:ea typeface="Noto Sans KR Medium" pitchFamily="34" charset="-127"/>
-                        </a:rPr>
-                        <a:t>완성</a:t>
-                      </a:r>
-                      <a:endParaRPr lang="en-US" altLang="ko-KR" sz="1400" dirty="0" smtClean="0">
-                        <a:latin typeface="Noto Sans KR Medium" pitchFamily="34" charset="-127"/>
-                        <a:ea typeface="Noto Sans KR Medium" pitchFamily="34" charset="-127"/>
-                      </a:endParaRPr>
-                    </a:p>
-                    <a:p>
-                      <a:pPr algn="ctr" latinLnBrk="1"/>
-                      <a:r>
-                        <a:rPr lang="en-US" altLang="ko-KR" sz="1400" dirty="0" smtClean="0">
-                          <a:latin typeface="Noto Sans KR Medium" pitchFamily="34" charset="-127"/>
-                          <a:ea typeface="Noto Sans KR Medium" pitchFamily="34" charset="-127"/>
-                        </a:rPr>
-                        <a:t>2-3</a:t>
-                      </a:r>
-                      <a:endParaRPr lang="ko-KR" altLang="en-US" sz="1400" dirty="0">
-                        <a:latin typeface="Noto Sans KR Medium" pitchFamily="34" charset="-127"/>
-                        <a:ea typeface="Noto Sans KR Medium" pitchFamily="34" charset="-127"/>
-                      </a:endParaRPr>
-                    </a:p>
-                  </a:txBody>
-                  <a:tcPr/>
-                </a:tc>
-                <a:tc>
-                  <a:txBody>
-                    <a:bodyPr/>
-                    <a:lstStyle/>
-                    <a:p>
-                      <a:pPr algn="ctr" latinLnBrk="1"/>
-                      <a:r>
-                        <a:rPr lang="ko-KR" altLang="en-US" sz="1400" dirty="0" smtClean="0">
-                          <a:latin typeface="Noto Sans KR Medium" pitchFamily="34" charset="-127"/>
-                          <a:ea typeface="Noto Sans KR Medium" pitchFamily="34" charset="-127"/>
-                        </a:rPr>
-                        <a:t>스프링점프</a:t>
-                      </a:r>
-                      <a:endParaRPr lang="en-US" altLang="ko-KR" sz="1400" dirty="0" smtClean="0">
-                        <a:latin typeface="Noto Sans KR Medium" pitchFamily="34" charset="-127"/>
-                        <a:ea typeface="Noto Sans KR Medium" pitchFamily="34" charset="-127"/>
-                      </a:endParaRPr>
-                    </a:p>
-                    <a:p>
-                      <a:pPr algn="ctr" latinLnBrk="1"/>
-                      <a:r>
-                        <a:rPr lang="ko-KR" altLang="en-US" sz="1400" err="1" smtClean="0">
-                          <a:latin typeface="Noto Sans KR Medium" pitchFamily="34" charset="-127"/>
-                          <a:ea typeface="Noto Sans KR Medium" pitchFamily="34" charset="-127"/>
-                        </a:rPr>
-                        <a:t>시네머신</a:t>
-                      </a:r>
-                      <a:r>
-                        <a:rPr lang="ko-KR" altLang="en-US" sz="1400" smtClean="0">
-                          <a:latin typeface="Noto Sans KR Medium" pitchFamily="34" charset="-127"/>
-                          <a:ea typeface="Noto Sans KR Medium" pitchFamily="34" charset="-127"/>
-                        </a:rPr>
-                        <a:t> 버그있음</a:t>
-                      </a:r>
-                      <a:endParaRPr lang="en-US" altLang="ko-KR" sz="1400" smtClean="0">
-                        <a:latin typeface="Noto Sans KR Medium" pitchFamily="34" charset="-127"/>
-                        <a:ea typeface="Noto Sans KR Medium" pitchFamily="34" charset="-127"/>
-                      </a:endParaRPr>
-                    </a:p>
-                  </a:txBody>
-                  <a:tcPr/>
-                </a:tc>
-              </a:tr>
-              <a:tr h="693844">
-                <a:tc>
-                  <a:txBody>
-                    <a:bodyPr/>
-                    <a:lstStyle/>
-                    <a:p>
-                      <a:pPr algn="ctr" latinLnBrk="1"/>
-                      <a:r>
-                        <a:rPr lang="en-US" altLang="ko-KR" sz="1400" dirty="0" smtClean="0">
-                          <a:latin typeface="Noto Sans KR Medium" pitchFamily="34" charset="-127"/>
-                          <a:ea typeface="Noto Sans KR Medium" pitchFamily="34" charset="-127"/>
-                        </a:rPr>
-                        <a:t>11-14</a:t>
-                      </a:r>
-                      <a:endParaRPr lang="ko-KR" altLang="en-US" sz="1400" dirty="0">
-                        <a:latin typeface="Noto Sans KR Medium" pitchFamily="34" charset="-127"/>
-                        <a:ea typeface="Noto Sans KR Medium" pitchFamily="34" charset="-127"/>
-                      </a:endParaRPr>
-                    </a:p>
-                  </a:txBody>
-                  <a:tcPr/>
-                </a:tc>
-                <a:tc>
-                  <a:txBody>
-                    <a:bodyPr/>
-                    <a:lstStyle/>
-                    <a:p>
-                      <a:pPr algn="ctr" latinLnBrk="1"/>
-                      <a:endParaRPr lang="ko-KR" altLang="en-US" sz="1400" dirty="0">
-                        <a:latin typeface="Noto Sans KR Medium" pitchFamily="34" charset="-127"/>
-                        <a:ea typeface="Noto Sans KR Medium" pitchFamily="34" charset="-127"/>
-                      </a:endParaRPr>
-                    </a:p>
-                  </a:txBody>
-                  <a:tcPr/>
-                </a:tc>
-                <a:tc>
-                  <a:txBody>
-                    <a:bodyPr/>
-                    <a:lstStyle/>
-                    <a:p>
-                      <a:pPr algn="ctr" latinLnBrk="1"/>
-                      <a:endParaRPr lang="ko-KR" altLang="en-US" sz="1400" dirty="0">
-                        <a:latin typeface="Noto Sans KR Medium" pitchFamily="34" charset="-127"/>
-                        <a:ea typeface="Noto Sans KR Medium" pitchFamily="34" charset="-127"/>
-                      </a:endParaRPr>
-                    </a:p>
-                  </a:txBody>
-                  <a:tcPr/>
-                </a:tc>
+                <a:extLst>
+                  <a:ext uri="{0D108BD9-81ED-4DB2-BD59-A6C34878D82A}">
+                    <a16:rowId xmlns:a16="http://schemas.microsoft.com/office/drawing/2014/main" val="10006"/>
+                  </a:ext>
+                </a:extLst>
               </a:tr>
             </a:tbl>
           </a:graphicData>
@@ -5166,13 +5243,6 @@
   <p:clrMapOvr>
     <a:masterClrMapping/>
   </p:clrMapOvr>
-  <p:timing>
-    <p:tnLst>
-      <p:par>
-        <p:cTn id="1" dur="indefinite" restart="never" nodeType="tmRoot"/>
-      </p:par>
-    </p:tnLst>
-  </p:timing>
 </p:sld>
 </file>
 
@@ -5209,16 +5279,12 @@
           <a:lstStyle/>
           <a:p>
             <a:r>
-              <a:rPr lang="ko-KR" altLang="en-US" dirty="0" smtClean="0">
+              <a:rPr lang="ko-KR" altLang="en-US" dirty="0">
                 <a:latin typeface="Noto Sans KR Medium" pitchFamily="34" charset="-127"/>
                 <a:ea typeface="Noto Sans KR Medium" pitchFamily="34" charset="-127"/>
               </a:rPr>
               <a:t>개요</a:t>
             </a:r>
-            <a:endParaRPr lang="ko-KR" altLang="en-US" dirty="0">
-              <a:latin typeface="Noto Sans KR Medium" pitchFamily="34" charset="-127"/>
-              <a:ea typeface="Noto Sans KR Medium" pitchFamily="34" charset="-127"/>
-            </a:endParaRPr>
           </a:p>
         </p:txBody>
       </p:sp>
@@ -5238,35 +5304,35 @@
           <a:lstStyle/>
           <a:p>
             <a:r>
-              <a:rPr lang="ko-KR" altLang="en-US" dirty="0" err="1" smtClean="0">
+              <a:rPr lang="ko-KR" altLang="en-US" dirty="0" err="1">
                 <a:latin typeface="Noto Sans KR Medium" pitchFamily="34" charset="-127"/>
                 <a:ea typeface="Noto Sans KR Medium" pitchFamily="34" charset="-127"/>
               </a:rPr>
               <a:t>횡스크롤</a:t>
             </a:r>
             <a:r>
-              <a:rPr lang="ko-KR" altLang="en-US" dirty="0" smtClean="0">
+              <a:rPr lang="ko-KR" altLang="en-US" dirty="0">
                 <a:latin typeface="Noto Sans KR Medium" pitchFamily="34" charset="-127"/>
                 <a:ea typeface="Noto Sans KR Medium" pitchFamily="34" charset="-127"/>
               </a:rPr>
               <a:t> </a:t>
             </a:r>
             <a:r>
-              <a:rPr lang="en-US" altLang="ko-KR" dirty="0" smtClean="0">
+              <a:rPr lang="en-US" altLang="ko-KR" dirty="0">
                 <a:latin typeface="Noto Sans KR Medium" pitchFamily="34" charset="-127"/>
                 <a:ea typeface="Noto Sans KR Medium" pitchFamily="34" charset="-127"/>
               </a:rPr>
               <a:t>2d </a:t>
             </a:r>
             <a:r>
-              <a:rPr lang="ko-KR" altLang="en-US" dirty="0" smtClean="0">
+              <a:rPr lang="ko-KR" altLang="en-US" dirty="0">
                 <a:latin typeface="Noto Sans KR Medium" pitchFamily="34" charset="-127"/>
                 <a:ea typeface="Noto Sans KR Medium" pitchFamily="34" charset="-127"/>
               </a:rPr>
               <a:t>게임이다</a:t>
             </a:r>
             <a:r>
-              <a:rPr lang="en-US" altLang="ko-KR" dirty="0" smtClean="0">
+              <a:rPr lang="en-US" altLang="ko-KR" dirty="0">
                 <a:latin typeface="Noto Sans KR Medium" pitchFamily="34" charset="-127"/>
                 <a:ea typeface="Noto Sans KR Medium" pitchFamily="34" charset="-127"/>
               </a:rPr>
@@ -5275,21 +5341,21 @@
           </a:p>
           <a:p>
             <a:r>
-              <a:rPr lang="ko-KR" altLang="en-US" dirty="0" smtClean="0">
+              <a:rPr lang="ko-KR" altLang="en-US" dirty="0">
                 <a:latin typeface="Noto Sans KR Medium" pitchFamily="34" charset="-127"/>
                 <a:ea typeface="Noto Sans KR Medium" pitchFamily="34" charset="-127"/>
               </a:rPr>
               <a:t>스테이지 별로 퍼즐을 배치해 두고 플레이어가 퍼즐을 풀어 스테이지를 </a:t>
             </a:r>
             <a:r>
-              <a:rPr lang="ko-KR" altLang="en-US" dirty="0" err="1" smtClean="0">
+              <a:rPr lang="ko-KR" altLang="en-US" dirty="0" err="1">
                 <a:latin typeface="Noto Sans KR Medium" pitchFamily="34" charset="-127"/>
                 <a:ea typeface="Noto Sans KR Medium" pitchFamily="34" charset="-127"/>
               </a:rPr>
               <a:t>클리어한다</a:t>
             </a:r>
             <a:r>
-              <a:rPr lang="en-US" altLang="ko-KR" dirty="0" smtClean="0">
+              <a:rPr lang="en-US" altLang="ko-KR" dirty="0">
                 <a:latin typeface="Noto Sans KR Medium" pitchFamily="34" charset="-127"/>
                 <a:ea typeface="Noto Sans KR Medium" pitchFamily="34" charset="-127"/>
               </a:rPr>
@@ -5298,14 +5364,14 @@
           </a:p>
           <a:p>
             <a:r>
-              <a:rPr lang="ko-KR" altLang="en-US" dirty="0" smtClean="0">
+              <a:rPr lang="ko-KR" altLang="en-US" dirty="0">
                 <a:latin typeface="Noto Sans KR Medium" pitchFamily="34" charset="-127"/>
                 <a:ea typeface="Noto Sans KR Medium" pitchFamily="34" charset="-127"/>
               </a:rPr>
               <a:t>스토리를 진행하여 플레이 동기부여를 한다</a:t>
             </a:r>
             <a:r>
-              <a:rPr lang="en-US" altLang="ko-KR" dirty="0" smtClean="0">
+              <a:rPr lang="en-US" altLang="ko-KR" dirty="0">
                 <a:latin typeface="Noto Sans KR Medium" pitchFamily="34" charset="-127"/>
                 <a:ea typeface="Noto Sans KR Medium" pitchFamily="34" charset="-127"/>
               </a:rPr>
@@ -5330,13 +5396,6 @@
   <p:clrMapOvr>
     <a:masterClrMapping/>
   </p:clrMapOvr>
-  <p:timing>
-    <p:tnLst>
-      <p:par>
-        <p:cTn id="1" dur="indefinite" restart="never" nodeType="tmRoot"/>
-      </p:par>
-    </p:tnLst>
-  </p:timing>
 </p:sld>
 </file>
 
@@ -5373,16 +5432,12 @@
           <a:lstStyle/>
           <a:p>
             <a:r>
-              <a:rPr lang="ko-KR" altLang="en-US" dirty="0" smtClean="0">
+              <a:rPr lang="ko-KR" altLang="en-US" dirty="0">
                 <a:latin typeface="Noto Sans KR Medium" pitchFamily="34" charset="-127"/>
                 <a:ea typeface="Noto Sans KR Medium" pitchFamily="34" charset="-127"/>
               </a:rPr>
               <a:t>게임 특징</a:t>
             </a:r>
-            <a:endParaRPr lang="ko-KR" altLang="en-US" dirty="0">
-              <a:latin typeface="Noto Sans KR Medium" pitchFamily="34" charset="-127"/>
-              <a:ea typeface="Noto Sans KR Medium" pitchFamily="34" charset="-127"/>
-            </a:endParaRPr>
           </a:p>
         </p:txBody>
       </p:sp>
@@ -5402,14 +5457,14 @@
           <a:lstStyle/>
           <a:p>
             <a:r>
-              <a:rPr lang="ko-KR" altLang="en-US" dirty="0" smtClean="0">
+              <a:rPr lang="ko-KR" altLang="en-US" dirty="0">
                 <a:latin typeface="Noto Sans KR Medium" pitchFamily="34" charset="-127"/>
                 <a:ea typeface="Noto Sans KR Medium" pitchFamily="34" charset="-127"/>
               </a:rPr>
               <a:t>캐릭터 마다 정해진 속성이 있다</a:t>
             </a:r>
             <a:r>
-              <a:rPr lang="en-US" altLang="ko-KR" dirty="0" smtClean="0">
+              <a:rPr lang="en-US" altLang="ko-KR" dirty="0">
                 <a:latin typeface="Noto Sans KR Medium" pitchFamily="34" charset="-127"/>
                 <a:ea typeface="Noto Sans KR Medium" pitchFamily="34" charset="-127"/>
               </a:rPr>
@@ -5418,14 +5473,14 @@
           </a:p>
           <a:p>
             <a:r>
-              <a:rPr lang="ko-KR" altLang="en-US" dirty="0" smtClean="0">
+              <a:rPr lang="ko-KR" altLang="en-US" dirty="0">
                 <a:latin typeface="Noto Sans KR Medium" pitchFamily="34" charset="-127"/>
                 <a:ea typeface="Noto Sans KR Medium" pitchFamily="34" charset="-127"/>
               </a:rPr>
               <a:t>속성은 불</a:t>
             </a:r>
             <a:r>
-              <a:rPr lang="en-US" altLang="ko-KR" dirty="0" smtClean="0">
+              <a:rPr lang="en-US" altLang="ko-KR" dirty="0">
                 <a:latin typeface="Noto Sans KR Medium" pitchFamily="34" charset="-127"/>
                 <a:ea typeface="Noto Sans KR Medium" pitchFamily="34" charset="-127"/>
               </a:rPr>
@@ -5436,45 +5491,38 @@
                 <a:latin typeface="Noto Sans KR Medium" pitchFamily="34" charset="-127"/>
                 <a:ea typeface="Noto Sans KR Medium" pitchFamily="34" charset="-127"/>
               </a:rPr>
-              <a:t> </a:t>
-            </a:r>
-            <a:r>
-              <a:rPr lang="ko-KR" altLang="en-US" dirty="0" smtClean="0">
-                <a:latin typeface="Noto Sans KR Medium" pitchFamily="34" charset="-127"/>
-                <a:ea typeface="Noto Sans KR Medium" pitchFamily="34" charset="-127"/>
-              </a:rPr>
-              <a:t>물</a:t>
-            </a:r>
-            <a:r>
-              <a:rPr lang="en-US" altLang="ko-KR" dirty="0" smtClean="0">
+              <a:t> 물</a:t>
+            </a:r>
+            <a:r>
+              <a:rPr lang="en-US" altLang="ko-KR" dirty="0">
                 <a:latin typeface="Noto Sans KR Medium" pitchFamily="34" charset="-127"/>
                 <a:ea typeface="Noto Sans KR Medium" pitchFamily="34" charset="-127"/>
               </a:rPr>
               <a:t>, </a:t>
             </a:r>
             <a:r>
-              <a:rPr lang="ko-KR" altLang="en-US" dirty="0" smtClean="0">
+              <a:rPr lang="ko-KR" altLang="en-US" dirty="0">
                 <a:latin typeface="Noto Sans KR Medium" pitchFamily="34" charset="-127"/>
                 <a:ea typeface="Noto Sans KR Medium" pitchFamily="34" charset="-127"/>
               </a:rPr>
               <a:t>땅</a:t>
             </a:r>
             <a:r>
-              <a:rPr lang="en-US" altLang="ko-KR" dirty="0" smtClean="0">
+              <a:rPr lang="en-US" altLang="ko-KR" dirty="0">
                 <a:latin typeface="Noto Sans KR Medium" pitchFamily="34" charset="-127"/>
                 <a:ea typeface="Noto Sans KR Medium" pitchFamily="34" charset="-127"/>
               </a:rPr>
               <a:t>, </a:t>
             </a:r>
             <a:r>
-              <a:rPr lang="ko-KR" altLang="en-US" dirty="0" smtClean="0">
+              <a:rPr lang="ko-KR" altLang="en-US" dirty="0">
                 <a:latin typeface="Noto Sans KR Medium" pitchFamily="34" charset="-127"/>
                 <a:ea typeface="Noto Sans KR Medium" pitchFamily="34" charset="-127"/>
               </a:rPr>
               <a:t>바람 으로 이루어져있다</a:t>
             </a:r>
             <a:r>
-              <a:rPr lang="en-US" altLang="ko-KR" dirty="0" smtClean="0">
+              <a:rPr lang="en-US" altLang="ko-KR" dirty="0">
                 <a:latin typeface="Noto Sans KR Medium" pitchFamily="34" charset="-127"/>
                 <a:ea typeface="Noto Sans KR Medium" pitchFamily="34" charset="-127"/>
               </a:rPr>
@@ -5483,28 +5531,28 @@
           </a:p>
           <a:p>
             <a:r>
-              <a:rPr lang="ko-KR" altLang="en-US" dirty="0" smtClean="0">
+              <a:rPr lang="ko-KR" altLang="en-US" dirty="0">
                 <a:latin typeface="Noto Sans KR Medium" pitchFamily="34" charset="-127"/>
                 <a:ea typeface="Noto Sans KR Medium" pitchFamily="34" charset="-127"/>
               </a:rPr>
               <a:t>플레이어는 캐릭터를 </a:t>
             </a:r>
             <a:r>
-              <a:rPr lang="en-US" altLang="ko-KR" dirty="0" smtClean="0">
+              <a:rPr lang="en-US" altLang="ko-KR" dirty="0">
                 <a:latin typeface="Noto Sans KR Medium" pitchFamily="34" charset="-127"/>
                 <a:ea typeface="Noto Sans KR Medium" pitchFamily="34" charset="-127"/>
               </a:rPr>
               <a:t>4</a:t>
             </a:r>
             <a:r>
-              <a:rPr lang="ko-KR" altLang="en-US" dirty="0" smtClean="0">
+              <a:rPr lang="ko-KR" altLang="en-US" dirty="0">
                 <a:latin typeface="Noto Sans KR Medium" pitchFamily="34" charset="-127"/>
                 <a:ea typeface="Noto Sans KR Medium" pitchFamily="34" charset="-127"/>
               </a:rPr>
               <a:t>명 소지하며 각각의 속성을 이용하여 퍼즐을 풀어 나갈 수 있다</a:t>
             </a:r>
             <a:r>
-              <a:rPr lang="en-US" altLang="ko-KR" dirty="0" smtClean="0">
+              <a:rPr lang="en-US" altLang="ko-KR" dirty="0">
                 <a:latin typeface="Noto Sans KR Medium" pitchFamily="34" charset="-127"/>
                 <a:ea typeface="Noto Sans KR Medium" pitchFamily="34" charset="-127"/>
               </a:rPr>
@@ -5513,28 +5561,28 @@
           </a:p>
           <a:p>
             <a:r>
-              <a:rPr lang="ko-KR" altLang="en-US" dirty="0" smtClean="0">
+              <a:rPr lang="ko-KR" altLang="en-US" dirty="0">
                 <a:latin typeface="Noto Sans KR Medium" pitchFamily="34" charset="-127"/>
                 <a:ea typeface="Noto Sans KR Medium" pitchFamily="34" charset="-127"/>
               </a:rPr>
               <a:t>플레이어는 원소 구슬에 원소를 저장할 수 있으며 저장된 원소 구슬을 사용하여 새로운 원소 </a:t>
             </a:r>
             <a:r>
-              <a:rPr lang="ko-KR" altLang="en-US" dirty="0" err="1" smtClean="0">
+              <a:rPr lang="ko-KR" altLang="en-US" dirty="0" err="1">
                 <a:latin typeface="Noto Sans KR Medium" pitchFamily="34" charset="-127"/>
                 <a:ea typeface="Noto Sans KR Medium" pitchFamily="34" charset="-127"/>
               </a:rPr>
               <a:t>스킬을</a:t>
             </a:r>
             <a:r>
-              <a:rPr lang="ko-KR" altLang="en-US" dirty="0" smtClean="0">
+              <a:rPr lang="ko-KR" altLang="en-US" dirty="0">
                 <a:latin typeface="Noto Sans KR Medium" pitchFamily="34" charset="-127"/>
                 <a:ea typeface="Noto Sans KR Medium" pitchFamily="34" charset="-127"/>
               </a:rPr>
               <a:t> 발동시킬 수 있다</a:t>
             </a:r>
             <a:r>
-              <a:rPr lang="en-US" altLang="ko-KR" dirty="0" smtClean="0">
+              <a:rPr lang="en-US" altLang="ko-KR" dirty="0">
                 <a:latin typeface="Noto Sans KR Medium" pitchFamily="34" charset="-127"/>
                 <a:ea typeface="Noto Sans KR Medium" pitchFamily="34" charset="-127"/>
               </a:rPr>
@@ -5543,14 +5591,14 @@
           </a:p>
           <a:p>
             <a:r>
-              <a:rPr lang="ko-KR" altLang="en-US" dirty="0" smtClean="0">
+              <a:rPr lang="ko-KR" altLang="en-US" dirty="0">
                 <a:latin typeface="Noto Sans KR Medium" pitchFamily="34" charset="-127"/>
                 <a:ea typeface="Noto Sans KR Medium" pitchFamily="34" charset="-127"/>
               </a:rPr>
               <a:t>스토리를 진행하면서 캐릭터를 동료로 영입한다</a:t>
             </a:r>
             <a:r>
-              <a:rPr lang="en-US" altLang="ko-KR" dirty="0" smtClean="0">
+              <a:rPr lang="en-US" altLang="ko-KR" dirty="0">
                 <a:latin typeface="Noto Sans KR Medium" pitchFamily="34" charset="-127"/>
                 <a:ea typeface="Noto Sans KR Medium" pitchFamily="34" charset="-127"/>
               </a:rPr>
@@ -5559,14 +5607,14 @@
           </a:p>
           <a:p>
             <a:r>
-              <a:rPr lang="ko-KR" altLang="en-US" dirty="0" smtClean="0">
+              <a:rPr lang="ko-KR" altLang="en-US" dirty="0">
                 <a:latin typeface="Noto Sans KR Medium" pitchFamily="34" charset="-127"/>
                 <a:ea typeface="Noto Sans KR Medium" pitchFamily="34" charset="-127"/>
               </a:rPr>
               <a:t>유저는 상황에 따라서 플레이어를 변경하여 퍼즐을 풀어 나간다</a:t>
             </a:r>
             <a:r>
-              <a:rPr lang="en-US" altLang="ko-KR" dirty="0" smtClean="0">
+              <a:rPr lang="en-US" altLang="ko-KR" dirty="0">
                 <a:latin typeface="Noto Sans KR Medium" pitchFamily="34" charset="-127"/>
                 <a:ea typeface="Noto Sans KR Medium" pitchFamily="34" charset="-127"/>
               </a:rPr>
@@ -5589,13 +5637,6 @@
   <p:clrMapOvr>
     <a:masterClrMapping/>
   </p:clrMapOvr>
-  <p:timing>
-    <p:tnLst>
-      <p:par>
-        <p:cTn id="1" dur="indefinite" restart="never" nodeType="tmRoot"/>
-      </p:par>
-    </p:tnLst>
-  </p:timing>
 </p:sld>
 </file>
 
@@ -5632,14 +5673,14 @@
           <a:lstStyle/>
           <a:p>
             <a:r>
-              <a:rPr lang="ko-KR" altLang="en-US" dirty="0" smtClean="0">
+              <a:rPr lang="ko-KR" altLang="en-US" dirty="0">
                 <a:latin typeface="Noto Sans KR Medium" pitchFamily="34" charset="-127"/>
                 <a:ea typeface="Noto Sans KR Medium" pitchFamily="34" charset="-127"/>
               </a:rPr>
               <a:t>퍼즐 </a:t>
             </a:r>
             <a:r>
-              <a:rPr lang="ko-KR" altLang="en-US" dirty="0" err="1" smtClean="0">
+              <a:rPr lang="ko-KR" altLang="en-US" dirty="0" err="1">
                 <a:latin typeface="Noto Sans KR Medium" pitchFamily="34" charset="-127"/>
                 <a:ea typeface="Noto Sans KR Medium" pitchFamily="34" charset="-127"/>
               </a:rPr>
@@ -5672,13 +5713,13 @@
               <a:buChar char="l"/>
             </a:pPr>
             <a:r>
-              <a:rPr lang="ko-KR" altLang="en-US" dirty="0" smtClean="0">
+              <a:rPr lang="ko-KR" altLang="en-US" dirty="0">
                 <a:latin typeface="Noto Sans KR Medium" pitchFamily="34" charset="-127"/>
                 <a:ea typeface="Noto Sans KR Medium" pitchFamily="34" charset="-127"/>
               </a:rPr>
               <a:t>무게</a:t>
             </a:r>
-            <a:endParaRPr lang="en-US" altLang="ko-KR" dirty="0" smtClean="0">
+            <a:endParaRPr lang="en-US" altLang="ko-KR" dirty="0">
               <a:latin typeface="Noto Sans KR Medium" pitchFamily="34" charset="-127"/>
               <a:ea typeface="Noto Sans KR Medium" pitchFamily="34" charset="-127"/>
             </a:endParaRPr>
@@ -5689,14 +5730,14 @@
               <a:buAutoNum type="arabicPeriod"/>
             </a:pPr>
             <a:r>
-              <a:rPr lang="ko-KR" altLang="en-US" dirty="0" smtClean="0">
+              <a:rPr lang="ko-KR" altLang="en-US" dirty="0">
                 <a:latin typeface="Noto Sans KR Medium" pitchFamily="34" charset="-127"/>
                 <a:ea typeface="Noto Sans KR Medium" pitchFamily="34" charset="-127"/>
               </a:rPr>
               <a:t>일정 무게가 올라오면 작동하는 </a:t>
             </a:r>
             <a:r>
-              <a:rPr lang="ko-KR" altLang="en-US" dirty="0" err="1" smtClean="0">
+              <a:rPr lang="ko-KR" altLang="en-US" dirty="0" err="1">
                 <a:latin typeface="Noto Sans KR Medium" pitchFamily="34" charset="-127"/>
                 <a:ea typeface="Noto Sans KR Medium" pitchFamily="34" charset="-127"/>
               </a:rPr>
@@ -5713,27 +5754,27 @@
               <a:buAutoNum type="arabicPeriod"/>
             </a:pPr>
             <a:r>
-              <a:rPr lang="ko-KR" altLang="en-US" dirty="0" smtClean="0">
+              <a:rPr lang="ko-KR" altLang="en-US" dirty="0">
                 <a:latin typeface="Noto Sans KR Medium" pitchFamily="34" charset="-127"/>
                 <a:ea typeface="Noto Sans KR Medium" pitchFamily="34" charset="-127"/>
               </a:rPr>
               <a:t>캐릭터가 직접 올라가거나 스킬</a:t>
             </a:r>
             <a:r>
-              <a:rPr lang="en-US" altLang="ko-KR" dirty="0" smtClean="0">
+              <a:rPr lang="en-US" altLang="ko-KR" dirty="0">
                 <a:latin typeface="Noto Sans KR Medium" pitchFamily="34" charset="-127"/>
                 <a:ea typeface="Noto Sans KR Medium" pitchFamily="34" charset="-127"/>
               </a:rPr>
               <a:t>, </a:t>
             </a:r>
             <a:r>
-              <a:rPr lang="ko-KR" altLang="en-US" dirty="0" smtClean="0">
+              <a:rPr lang="ko-KR" altLang="en-US" dirty="0">
                 <a:latin typeface="Noto Sans KR Medium" pitchFamily="34" charset="-127"/>
                 <a:ea typeface="Noto Sans KR Medium" pitchFamily="34" charset="-127"/>
               </a:rPr>
               <a:t>오브젝트를 이용하여 작동 가능</a:t>
             </a:r>
-            <a:endParaRPr lang="en-US" altLang="ko-KR" dirty="0" smtClean="0">
+            <a:endParaRPr lang="en-US" altLang="ko-KR" dirty="0">
               <a:latin typeface="Noto Sans KR Medium" pitchFamily="34" charset="-127"/>
               <a:ea typeface="Noto Sans KR Medium" pitchFamily="34" charset="-127"/>
             </a:endParaRPr>
@@ -5744,13 +5785,13 @@
               <a:buChar char="l"/>
             </a:pPr>
             <a:r>
-              <a:rPr lang="ko-KR" altLang="en-US" dirty="0" smtClean="0">
+              <a:rPr lang="ko-KR" altLang="en-US" dirty="0">
                 <a:latin typeface="Noto Sans KR Medium" pitchFamily="34" charset="-127"/>
                 <a:ea typeface="Noto Sans KR Medium" pitchFamily="34" charset="-127"/>
               </a:rPr>
               <a:t>속성 반응 </a:t>
             </a:r>
-            <a:endParaRPr lang="en-US" altLang="ko-KR" dirty="0" smtClean="0">
+            <a:endParaRPr lang="en-US" altLang="ko-KR" dirty="0">
               <a:latin typeface="Noto Sans KR Medium" pitchFamily="34" charset="-127"/>
               <a:ea typeface="Noto Sans KR Medium" pitchFamily="34" charset="-127"/>
             </a:endParaRPr>
@@ -5761,20 +5802,20 @@
               <a:buAutoNum type="arabicPeriod"/>
             </a:pPr>
             <a:r>
-              <a:rPr lang="ko-KR" altLang="en-US" dirty="0" smtClean="0">
+              <a:rPr lang="ko-KR" altLang="en-US" dirty="0">
                 <a:latin typeface="Noto Sans KR Medium" pitchFamily="34" charset="-127"/>
                 <a:ea typeface="Noto Sans KR Medium" pitchFamily="34" charset="-127"/>
               </a:rPr>
               <a:t>특정 속성이 닿으면 작동하는 </a:t>
             </a:r>
             <a:r>
-              <a:rPr lang="ko-KR" altLang="en-US" dirty="0" err="1" smtClean="0">
+              <a:rPr lang="ko-KR" altLang="en-US" dirty="0" err="1">
                 <a:latin typeface="Noto Sans KR Medium" pitchFamily="34" charset="-127"/>
                 <a:ea typeface="Noto Sans KR Medium" pitchFamily="34" charset="-127"/>
               </a:rPr>
               <a:t>기믹</a:t>
             </a:r>
-            <a:endParaRPr lang="en-US" altLang="ko-KR" dirty="0" smtClean="0">
+            <a:endParaRPr lang="en-US" altLang="ko-KR" dirty="0">
               <a:latin typeface="Noto Sans KR Medium" pitchFamily="34" charset="-127"/>
               <a:ea typeface="Noto Sans KR Medium" pitchFamily="34" charset="-127"/>
             </a:endParaRPr>
@@ -5785,13 +5826,13 @@
               <a:buAutoNum type="arabicPeriod"/>
             </a:pPr>
             <a:r>
-              <a:rPr lang="ko-KR" altLang="en-US" dirty="0" smtClean="0">
+              <a:rPr lang="ko-KR" altLang="en-US" dirty="0">
                 <a:latin typeface="Noto Sans KR Medium" pitchFamily="34" charset="-127"/>
                 <a:ea typeface="Noto Sans KR Medium" pitchFamily="34" charset="-127"/>
               </a:rPr>
               <a:t>플레이어 캐릭터의 스킬 혹은 원소 구슬을 활용하여 작동시킴</a:t>
             </a:r>
-            <a:endParaRPr lang="en-US" altLang="ko-KR" dirty="0" smtClean="0">
+            <a:endParaRPr lang="en-US" altLang="ko-KR" dirty="0">
               <a:latin typeface="Noto Sans KR Medium" pitchFamily="34" charset="-127"/>
               <a:ea typeface="Noto Sans KR Medium" pitchFamily="34" charset="-127"/>
             </a:endParaRPr>
@@ -5818,13 +5859,6 @@
   <p:clrMapOvr>
     <a:masterClrMapping/>
   </p:clrMapOvr>
-  <p:timing>
-    <p:tnLst>
-      <p:par>
-        <p:cTn id="1" dur="indefinite" restart="never" nodeType="tmRoot"/>
-      </p:par>
-    </p:tnLst>
-  </p:timing>
 </p:sld>
 </file>
 
@@ -5861,61 +5895,127 @@
           <a:lstStyle/>
           <a:p>
             <a:r>
-              <a:rPr lang="ko-KR" altLang="en-US" dirty="0" smtClean="0">
+              <a:rPr lang="ko-KR" altLang="en-US" dirty="0">
                 <a:latin typeface="Noto Sans KR Medium" pitchFamily="34" charset="-127"/>
                 <a:ea typeface="Noto Sans KR Medium" pitchFamily="34" charset="-127"/>
               </a:rPr>
               <a:t>원소 구슬</a:t>
             </a:r>
-            <a:endParaRPr lang="ko-KR" altLang="en-US" dirty="0">
+          </a:p>
+        </p:txBody>
+      </p:sp>
+      <p:sp>
+        <p:nvSpPr>
+          <p:cNvPr id="3" name="내용 개체 틀 2"/>
+          <p:cNvSpPr>
+            <a:spLocks noGrp="1"/>
+          </p:cNvSpPr>
+          <p:nvPr>
+            <p:ph idx="1"/>
+          </p:nvPr>
+        </p:nvSpPr>
+        <p:spPr/>
+        <p:txBody>
+          <a:bodyPr>
+            <a:normAutofit fontScale="92500"/>
+          </a:bodyPr>
+          <a:lstStyle/>
+          <a:p>
+            <a:pPr marL="0" indent="0">
+              <a:buNone/>
+            </a:pPr>
+            <a:r>
+              <a:rPr lang="ko-KR" altLang="en-US" dirty="0">
+                <a:latin typeface="Noto Sans KR Medium" pitchFamily="34" charset="-127"/>
+                <a:ea typeface="Noto Sans KR Medium" pitchFamily="34" charset="-127"/>
+              </a:rPr>
+              <a:t>사용 방법 </a:t>
+            </a:r>
+            <a:r>
+              <a:rPr lang="en-US" altLang="ko-KR" dirty="0">
+                <a:latin typeface="Noto Sans KR Medium" pitchFamily="34" charset="-127"/>
+                <a:ea typeface="Noto Sans KR Medium" pitchFamily="34" charset="-127"/>
+              </a:rPr>
+              <a:t>: </a:t>
+            </a:r>
+            <a:r>
+              <a:rPr lang="ko-KR" altLang="en-US" dirty="0">
+                <a:latin typeface="Noto Sans KR Medium" pitchFamily="34" charset="-127"/>
+                <a:ea typeface="Noto Sans KR Medium" pitchFamily="34" charset="-127"/>
+              </a:rPr>
+              <a:t>클릭 후 원소가 태그인 오브젝트 클릭 시 해당 원소 </a:t>
+            </a:r>
+            <a:endParaRPr lang="en-US" altLang="ko-KR" dirty="0">
               <a:latin typeface="Noto Sans KR Medium" pitchFamily="34" charset="-127"/>
               <a:ea typeface="Noto Sans KR Medium" pitchFamily="34" charset="-127"/>
             </a:endParaRPr>
           </a:p>
-        </p:txBody>
-      </p:sp>
-      <p:sp>
-        <p:nvSpPr>
-          <p:cNvPr id="3" name="내용 개체 틀 2"/>
-          <p:cNvSpPr>
-            <a:spLocks noGrp="1"/>
-          </p:cNvSpPr>
-          <p:nvPr>
-            <p:ph idx="1"/>
-          </p:nvPr>
-        </p:nvSpPr>
-        <p:spPr/>
-        <p:txBody>
-          <a:bodyPr>
-            <a:normAutofit lnSpcReduction="10000"/>
-          </a:bodyPr>
-          <a:lstStyle/>
           <a:p>
             <a:pPr marL="0" indent="0">
               <a:buNone/>
             </a:pPr>
             <a:r>
-              <a:rPr lang="ko-KR" altLang="en-US" dirty="0" smtClean="0">
-                <a:latin typeface="Noto Sans KR Medium" pitchFamily="34" charset="-127"/>
-                <a:ea typeface="Noto Sans KR Medium" pitchFamily="34" charset="-127"/>
-              </a:rPr>
-              <a:t>사용 방법 </a:t>
-            </a:r>
-            <a:r>
-              <a:rPr lang="en-US" altLang="ko-KR" dirty="0" smtClean="0">
-                <a:latin typeface="Noto Sans KR Medium" pitchFamily="34" charset="-127"/>
-                <a:ea typeface="Noto Sans KR Medium" pitchFamily="34" charset="-127"/>
-              </a:rPr>
-              <a:t>: </a:t>
-            </a:r>
-            <a:r>
-              <a:rPr lang="ko-KR" altLang="en-US" dirty="0" smtClean="0">
-                <a:latin typeface="Noto Sans KR Medium" pitchFamily="34" charset="-127"/>
-                <a:ea typeface="Noto Sans KR Medium" pitchFamily="34" charset="-127"/>
-              </a:rPr>
-              <a:t>클릭 후 원소가 태그인 오브젝트 클릭 시 해당 원소 </a:t>
-            </a:r>
-            <a:endParaRPr lang="en-US" altLang="ko-KR" dirty="0" smtClean="0">
+              <a:rPr lang="ko-KR" altLang="en-US" dirty="0">
+                <a:latin typeface="Noto Sans KR Medium" pitchFamily="34" charset="-127"/>
+                <a:ea typeface="Noto Sans KR Medium" pitchFamily="34" charset="-127"/>
+              </a:rPr>
+              <a:t>구슬로 변경 </a:t>
+            </a:r>
+            <a:r>
+              <a:rPr lang="en-US" altLang="ko-KR" dirty="0">
+                <a:latin typeface="Noto Sans KR Medium" pitchFamily="34" charset="-127"/>
+                <a:ea typeface="Noto Sans KR Medium" pitchFamily="34" charset="-127"/>
+              </a:rPr>
+              <a:t>(</a:t>
+            </a:r>
+            <a:r>
+              <a:rPr lang="ko-KR" altLang="en-US" dirty="0">
+                <a:latin typeface="Noto Sans KR Medium" pitchFamily="34" charset="-127"/>
+                <a:ea typeface="Noto Sans KR Medium" pitchFamily="34" charset="-127"/>
+              </a:rPr>
+              <a:t>사용 후 </a:t>
+            </a:r>
+            <a:r>
+              <a:rPr lang="ko-KR" altLang="en-US" dirty="0" err="1">
+                <a:latin typeface="Noto Sans KR Medium" pitchFamily="34" charset="-127"/>
+                <a:ea typeface="Noto Sans KR Medium" pitchFamily="34" charset="-127"/>
+              </a:rPr>
+              <a:t>쿨타임</a:t>
+            </a:r>
+            <a:r>
+              <a:rPr lang="ko-KR" altLang="en-US" dirty="0">
+                <a:latin typeface="Noto Sans KR Medium" pitchFamily="34" charset="-127"/>
+                <a:ea typeface="Noto Sans KR Medium" pitchFamily="34" charset="-127"/>
+              </a:rPr>
+              <a:t> </a:t>
+            </a:r>
+            <a:r>
+              <a:rPr lang="en-US" altLang="ko-KR" dirty="0">
+                <a:latin typeface="Noto Sans KR Medium" pitchFamily="34" charset="-127"/>
+                <a:ea typeface="Noto Sans KR Medium" pitchFamily="34" charset="-127"/>
+              </a:rPr>
+              <a:t>15</a:t>
+            </a:r>
+            <a:r>
+              <a:rPr lang="ko-KR" altLang="en-US" dirty="0">
+                <a:latin typeface="Noto Sans KR Medium" pitchFamily="34" charset="-127"/>
+                <a:ea typeface="Noto Sans KR Medium" pitchFamily="34" charset="-127"/>
+              </a:rPr>
+              <a:t>초</a:t>
+            </a:r>
+            <a:r>
+              <a:rPr lang="en-US" altLang="ko-KR" dirty="0">
+                <a:latin typeface="Noto Sans KR Medium" pitchFamily="34" charset="-127"/>
+                <a:ea typeface="Noto Sans KR Medium" pitchFamily="34" charset="-127"/>
+              </a:rPr>
+              <a:t>)</a:t>
+            </a:r>
+          </a:p>
+          <a:p>
+            <a:pPr marL="0" indent="0">
+              <a:buNone/>
+            </a:pPr>
+            <a:endParaRPr lang="en-US" altLang="ko-KR" dirty="0">
               <a:latin typeface="Noto Sans KR Medium" pitchFamily="34" charset="-127"/>
               <a:ea typeface="Noto Sans KR Medium" pitchFamily="34" charset="-127"/>
             </a:endParaRPr>
@@ -5925,67 +6025,27 @@
               <a:buNone/>
             </a:pPr>
             <a:r>
-              <a:rPr lang="ko-KR" altLang="en-US" dirty="0" smtClean="0">
-                <a:latin typeface="Noto Sans KR Medium" pitchFamily="34" charset="-127"/>
-                <a:ea typeface="Noto Sans KR Medium" pitchFamily="34" charset="-127"/>
-              </a:rPr>
-              <a:t>구슬로 변경 </a:t>
-            </a:r>
-            <a:r>
-              <a:rPr lang="en-US" altLang="ko-KR" dirty="0" smtClean="0">
-                <a:latin typeface="Noto Sans KR Medium" pitchFamily="34" charset="-127"/>
-                <a:ea typeface="Noto Sans KR Medium" pitchFamily="34" charset="-127"/>
-              </a:rPr>
-              <a:t>(</a:t>
-            </a:r>
-            <a:r>
-              <a:rPr lang="ko-KR" altLang="en-US" dirty="0" smtClean="0">
-                <a:latin typeface="Noto Sans KR Medium" pitchFamily="34" charset="-127"/>
-                <a:ea typeface="Noto Sans KR Medium" pitchFamily="34" charset="-127"/>
-              </a:rPr>
-              <a:t>사용 후 </a:t>
-            </a:r>
-            <a:r>
-              <a:rPr lang="ko-KR" altLang="en-US" dirty="0" err="1" smtClean="0">
-                <a:latin typeface="Noto Sans KR Medium" pitchFamily="34" charset="-127"/>
-                <a:ea typeface="Noto Sans KR Medium" pitchFamily="34" charset="-127"/>
-              </a:rPr>
-              <a:t>쿨타임</a:t>
-            </a:r>
-            <a:r>
-              <a:rPr lang="ko-KR" altLang="en-US" dirty="0" smtClean="0">
-                <a:latin typeface="Noto Sans KR Medium" pitchFamily="34" charset="-127"/>
-                <a:ea typeface="Noto Sans KR Medium" pitchFamily="34" charset="-127"/>
-              </a:rPr>
-              <a:t> </a:t>
-            </a:r>
-            <a:r>
-              <a:rPr lang="en-US" altLang="ko-KR" dirty="0" smtClean="0">
-                <a:latin typeface="Noto Sans KR Medium" pitchFamily="34" charset="-127"/>
-                <a:ea typeface="Noto Sans KR Medium" pitchFamily="34" charset="-127"/>
-              </a:rPr>
-              <a:t>15</a:t>
-            </a:r>
-            <a:r>
-              <a:rPr lang="ko-KR" altLang="en-US" dirty="0" smtClean="0">
-                <a:latin typeface="Noto Sans KR Medium" pitchFamily="34" charset="-127"/>
-                <a:ea typeface="Noto Sans KR Medium" pitchFamily="34" charset="-127"/>
-              </a:rPr>
-              <a:t>초</a:t>
-            </a:r>
-            <a:r>
-              <a:rPr lang="en-US" altLang="ko-KR" dirty="0" smtClean="0">
-                <a:latin typeface="Noto Sans KR Medium" pitchFamily="34" charset="-127"/>
-                <a:ea typeface="Noto Sans KR Medium" pitchFamily="34" charset="-127"/>
-              </a:rPr>
-              <a:t>)</a:t>
-            </a:r>
-          </a:p>
-          <a:p>
-            <a:pPr marL="0" indent="0">
-              <a:buNone/>
-            </a:pPr>
-            <a:endParaRPr lang="en-US" altLang="ko-KR" dirty="0" smtClean="0">
+              <a:rPr lang="ko-KR" altLang="en-US" dirty="0">
+                <a:latin typeface="Noto Sans KR Medium" pitchFamily="34" charset="-127"/>
+                <a:ea typeface="Noto Sans KR Medium" pitchFamily="34" charset="-127"/>
+              </a:rPr>
+              <a:t>땅 </a:t>
+            </a:r>
+            <a:r>
+              <a:rPr lang="en-US" altLang="ko-KR" dirty="0">
+                <a:latin typeface="Noto Sans KR Medium" pitchFamily="34" charset="-127"/>
+                <a:ea typeface="Noto Sans KR Medium" pitchFamily="34" charset="-127"/>
+              </a:rPr>
+              <a:t>: </a:t>
+            </a:r>
+            <a:r>
+              <a:rPr lang="ko-KR" altLang="en-US" dirty="0">
+                <a:latin typeface="Noto Sans KR Medium" pitchFamily="34" charset="-127"/>
+                <a:ea typeface="Noto Sans KR Medium" pitchFamily="34" charset="-127"/>
+              </a:rPr>
+              <a:t>플레이어 발 밑에서 서서히 올라오는 바위 오브젝트 생성</a:t>
+            </a:r>
+            <a:endParaRPr lang="en-US" altLang="ko-KR" dirty="0">
               <a:latin typeface="Noto Sans KR Medium" pitchFamily="34" charset="-127"/>
               <a:ea typeface="Noto Sans KR Medium" pitchFamily="34" charset="-127"/>
             </a:endParaRPr>
@@ -5994,28 +6054,7 @@
             <a:pPr marL="0" indent="0">
               <a:buNone/>
             </a:pPr>
-            <a:r>
-              <a:rPr lang="ko-KR" altLang="en-US" dirty="0" smtClean="0">
-                <a:latin typeface="Noto Sans KR Medium" pitchFamily="34" charset="-127"/>
-                <a:ea typeface="Noto Sans KR Medium" pitchFamily="34" charset="-127"/>
-              </a:rPr>
-              <a:t>땅 </a:t>
-            </a:r>
-            <a:r>
-              <a:rPr lang="en-US" altLang="ko-KR" dirty="0" smtClean="0">
-                <a:latin typeface="Noto Sans KR Medium" pitchFamily="34" charset="-127"/>
-                <a:ea typeface="Noto Sans KR Medium" pitchFamily="34" charset="-127"/>
-              </a:rPr>
-              <a:t>: </a:t>
-            </a:r>
-            <a:r>
-              <a:rPr lang="ko-KR" altLang="en-US" dirty="0" smtClean="0">
-                <a:latin typeface="Noto Sans KR Medium" pitchFamily="34" charset="-127"/>
-                <a:ea typeface="Noto Sans KR Medium" pitchFamily="34" charset="-127"/>
-              </a:rPr>
-              <a:t>플레이어 발 밑에서 서서히 올라오는 바위 오브젝트 생성</a:t>
-            </a:r>
-            <a:endParaRPr lang="en-US" altLang="ko-KR" dirty="0" smtClean="0">
+            <a:endParaRPr lang="en-US" altLang="ko-KR" dirty="0">
               <a:latin typeface="Noto Sans KR Medium" pitchFamily="34" charset="-127"/>
               <a:ea typeface="Noto Sans KR Medium" pitchFamily="34" charset="-127"/>
             </a:endParaRPr>
@@ -6024,7 +6063,28 @@
             <a:pPr marL="0" indent="0">
               <a:buNone/>
             </a:pPr>
-            <a:endParaRPr lang="en-US" altLang="ko-KR" dirty="0" smtClean="0">
+            <a:r>
+              <a:rPr lang="ko-KR" altLang="en-US" dirty="0">
+                <a:latin typeface="Noto Sans KR Medium" pitchFamily="34" charset="-127"/>
+                <a:ea typeface="Noto Sans KR Medium" pitchFamily="34" charset="-127"/>
+              </a:rPr>
+              <a:t>바람 </a:t>
+            </a:r>
+            <a:r>
+              <a:rPr lang="en-US" altLang="ko-KR" dirty="0">
+                <a:latin typeface="Noto Sans KR Medium" pitchFamily="34" charset="-127"/>
+                <a:ea typeface="Noto Sans KR Medium" pitchFamily="34" charset="-127"/>
+              </a:rPr>
+              <a:t>: </a:t>
+            </a:r>
+            <a:r>
+              <a:rPr lang="ko-KR" altLang="en-US" dirty="0">
+                <a:latin typeface="Noto Sans KR Medium" pitchFamily="34" charset="-127"/>
+                <a:ea typeface="Noto Sans KR Medium" pitchFamily="34" charset="-127"/>
+              </a:rPr>
+              <a:t>마우스 커서에 바람속성 오브젝트 생성</a:t>
+            </a:r>
+            <a:endParaRPr lang="en-US" altLang="ko-KR" dirty="0">
               <a:latin typeface="Noto Sans KR Medium" pitchFamily="34" charset="-127"/>
               <a:ea typeface="Noto Sans KR Medium" pitchFamily="34" charset="-127"/>
             </a:endParaRPr>
@@ -6033,28 +6093,7 @@
             <a:pPr marL="0" indent="0">
               <a:buNone/>
             </a:pPr>
-            <a:r>
-              <a:rPr lang="ko-KR" altLang="en-US" dirty="0" smtClean="0">
-                <a:latin typeface="Noto Sans KR Medium" pitchFamily="34" charset="-127"/>
-                <a:ea typeface="Noto Sans KR Medium" pitchFamily="34" charset="-127"/>
-              </a:rPr>
-              <a:t>바람 </a:t>
-            </a:r>
-            <a:r>
-              <a:rPr lang="en-US" altLang="ko-KR" dirty="0" smtClean="0">
-                <a:latin typeface="Noto Sans KR Medium" pitchFamily="34" charset="-127"/>
-                <a:ea typeface="Noto Sans KR Medium" pitchFamily="34" charset="-127"/>
-              </a:rPr>
-              <a:t>: </a:t>
-            </a:r>
-            <a:r>
-              <a:rPr lang="ko-KR" altLang="en-US" dirty="0" smtClean="0">
-                <a:latin typeface="Noto Sans KR Medium" pitchFamily="34" charset="-127"/>
-                <a:ea typeface="Noto Sans KR Medium" pitchFamily="34" charset="-127"/>
-              </a:rPr>
-              <a:t>마우스 커서에 바람속성 오브젝트 생성</a:t>
-            </a:r>
-            <a:endParaRPr lang="en-US" altLang="ko-KR" dirty="0" smtClean="0">
+            <a:endParaRPr lang="en-US" altLang="ko-KR" dirty="0">
               <a:latin typeface="Noto Sans KR Medium" pitchFamily="34" charset="-127"/>
               <a:ea typeface="Noto Sans KR Medium" pitchFamily="34" charset="-127"/>
             </a:endParaRPr>
@@ -6063,7 +6102,54 @@
             <a:pPr marL="0" indent="0">
               <a:buNone/>
             </a:pPr>
-            <a:endParaRPr lang="en-US" altLang="ko-KR" dirty="0" smtClean="0">
+            <a:r>
+              <a:rPr lang="ko-KR" altLang="en-US" dirty="0">
+                <a:latin typeface="Noto Sans KR Medium" pitchFamily="34" charset="-127"/>
+                <a:ea typeface="Noto Sans KR Medium" pitchFamily="34" charset="-127"/>
+              </a:rPr>
+              <a:t>물 </a:t>
+            </a:r>
+            <a:r>
+              <a:rPr lang="en-US" altLang="ko-KR" dirty="0">
+                <a:latin typeface="Noto Sans KR Medium" pitchFamily="34" charset="-127"/>
+                <a:ea typeface="Noto Sans KR Medium" pitchFamily="34" charset="-127"/>
+              </a:rPr>
+              <a:t>: </a:t>
+            </a:r>
+            <a:r>
+              <a:rPr lang="ko-KR" altLang="en-US" dirty="0">
+                <a:latin typeface="Noto Sans KR Medium" pitchFamily="34" charset="-127"/>
+                <a:ea typeface="Noto Sans KR Medium" pitchFamily="34" charset="-127"/>
+              </a:rPr>
+              <a:t>플레이어가 물의 형상으로 변함 </a:t>
+            </a:r>
+            <a:r>
+              <a:rPr lang="en-US" altLang="ko-KR" dirty="0">
+                <a:latin typeface="Noto Sans KR Medium" pitchFamily="34" charset="-127"/>
+                <a:ea typeface="Noto Sans KR Medium" pitchFamily="34" charset="-127"/>
+              </a:rPr>
+              <a:t>(</a:t>
+            </a:r>
+            <a:r>
+              <a:rPr lang="ko-KR" altLang="en-US" dirty="0">
+                <a:latin typeface="Noto Sans KR Medium" pitchFamily="34" charset="-127"/>
+                <a:ea typeface="Noto Sans KR Medium" pitchFamily="34" charset="-127"/>
+              </a:rPr>
+              <a:t>크기 작음</a:t>
+            </a:r>
+            <a:r>
+              <a:rPr lang="en-US" altLang="ko-KR" dirty="0">
+                <a:latin typeface="Noto Sans KR Medium" pitchFamily="34" charset="-127"/>
+                <a:ea typeface="Noto Sans KR Medium" pitchFamily="34" charset="-127"/>
+              </a:rPr>
+              <a:t>)</a:t>
+            </a:r>
+          </a:p>
+          <a:p>
+            <a:pPr marL="0" indent="0">
+              <a:buNone/>
+            </a:pPr>
+            <a:endParaRPr lang="en-US" altLang="ko-KR" dirty="0">
               <a:latin typeface="Noto Sans KR Medium" pitchFamily="34" charset="-127"/>
               <a:ea typeface="Noto Sans KR Medium" pitchFamily="34" charset="-127"/>
             </a:endParaRPr>
@@ -6073,125 +6159,69 @@
               <a:buNone/>
             </a:pPr>
             <a:r>
-              <a:rPr lang="ko-KR" altLang="en-US" dirty="0" smtClean="0">
-                <a:latin typeface="Noto Sans KR Medium" pitchFamily="34" charset="-127"/>
-                <a:ea typeface="Noto Sans KR Medium" pitchFamily="34" charset="-127"/>
-              </a:rPr>
-              <a:t>물 </a:t>
-            </a:r>
-            <a:r>
-              <a:rPr lang="en-US" altLang="ko-KR" dirty="0" smtClean="0">
+              <a:rPr lang="ko-KR" altLang="en-US" dirty="0">
+                <a:latin typeface="Noto Sans KR Medium" pitchFamily="34" charset="-127"/>
+                <a:ea typeface="Noto Sans KR Medium" pitchFamily="34" charset="-127"/>
+              </a:rPr>
+              <a:t>불 </a:t>
+            </a:r>
+            <a:r>
+              <a:rPr lang="en-US" altLang="ko-KR" dirty="0">
                 <a:latin typeface="Noto Sans KR Medium" pitchFamily="34" charset="-127"/>
                 <a:ea typeface="Noto Sans KR Medium" pitchFamily="34" charset="-127"/>
               </a:rPr>
               <a:t>: </a:t>
             </a:r>
             <a:r>
-              <a:rPr lang="ko-KR" altLang="en-US" dirty="0" smtClean="0">
-                <a:latin typeface="Noto Sans KR Medium" pitchFamily="34" charset="-127"/>
-                <a:ea typeface="Noto Sans KR Medium" pitchFamily="34" charset="-127"/>
-              </a:rPr>
-              <a:t>플레이어가 물의 형상으로 변함 </a:t>
-            </a:r>
-            <a:r>
-              <a:rPr lang="en-US" altLang="ko-KR" dirty="0" smtClean="0">
-                <a:latin typeface="Noto Sans KR Medium" pitchFamily="34" charset="-127"/>
-                <a:ea typeface="Noto Sans KR Medium" pitchFamily="34" charset="-127"/>
-              </a:rPr>
-              <a:t>(</a:t>
-            </a:r>
-            <a:r>
-              <a:rPr lang="ko-KR" altLang="en-US" dirty="0" smtClean="0">
-                <a:latin typeface="Noto Sans KR Medium" pitchFamily="34" charset="-127"/>
-                <a:ea typeface="Noto Sans KR Medium" pitchFamily="34" charset="-127"/>
-              </a:rPr>
-              <a:t>크기 작음</a:t>
-            </a:r>
-            <a:r>
-              <a:rPr lang="en-US" altLang="ko-KR" dirty="0" smtClean="0">
-                <a:latin typeface="Noto Sans KR Medium" pitchFamily="34" charset="-127"/>
-                <a:ea typeface="Noto Sans KR Medium" pitchFamily="34" charset="-127"/>
-              </a:rPr>
-              <a:t>)</a:t>
-            </a:r>
-          </a:p>
-          <a:p>
-            <a:pPr marL="0" indent="0">
-              <a:buNone/>
-            </a:pPr>
-            <a:endParaRPr lang="en-US" altLang="ko-KR" dirty="0" smtClean="0">
-              <a:latin typeface="Noto Sans KR Medium" pitchFamily="34" charset="-127"/>
-              <a:ea typeface="Noto Sans KR Medium" pitchFamily="34" charset="-127"/>
-            </a:endParaRPr>
-          </a:p>
-          <a:p>
-            <a:pPr marL="0" indent="0">
-              <a:buNone/>
-            </a:pPr>
-            <a:r>
-              <a:rPr lang="ko-KR" altLang="en-US" dirty="0" smtClean="0">
-                <a:latin typeface="Noto Sans KR Medium" pitchFamily="34" charset="-127"/>
-                <a:ea typeface="Noto Sans KR Medium" pitchFamily="34" charset="-127"/>
-              </a:rPr>
-              <a:t>불 </a:t>
-            </a:r>
-            <a:r>
-              <a:rPr lang="en-US" altLang="ko-KR" dirty="0" smtClean="0">
-                <a:latin typeface="Noto Sans KR Medium" pitchFamily="34" charset="-127"/>
-                <a:ea typeface="Noto Sans KR Medium" pitchFamily="34" charset="-127"/>
-              </a:rPr>
-              <a:t>: </a:t>
-            </a:r>
-            <a:r>
-              <a:rPr lang="ko-KR" altLang="en-US" dirty="0" smtClean="0">
+              <a:rPr lang="ko-KR" altLang="en-US" dirty="0">
                 <a:latin typeface="Noto Sans KR Medium" pitchFamily="34" charset="-127"/>
                 <a:ea typeface="Noto Sans KR Medium" pitchFamily="34" charset="-127"/>
               </a:rPr>
               <a:t>플레이어가 마우스 클릭 시 마우스 클릭 위치를 향해 포물선으로 </a:t>
             </a:r>
             <a:r>
-              <a:rPr lang="ko-KR" altLang="en-US" dirty="0" err="1" smtClean="0">
+              <a:rPr lang="ko-KR" altLang="en-US" dirty="0" err="1">
                 <a:latin typeface="Noto Sans KR Medium" pitchFamily="34" charset="-127"/>
                 <a:ea typeface="Noto Sans KR Medium" pitchFamily="34" charset="-127"/>
               </a:rPr>
               <a:t>화염구</a:t>
             </a:r>
             <a:r>
-              <a:rPr lang="ko-KR" altLang="en-US" dirty="0" smtClean="0">
+              <a:rPr lang="ko-KR" altLang="en-US" dirty="0">
                 <a:latin typeface="Noto Sans KR Medium" pitchFamily="34" charset="-127"/>
                 <a:ea typeface="Noto Sans KR Medium" pitchFamily="34" charset="-127"/>
               </a:rPr>
               <a:t> 사출 </a:t>
             </a:r>
             <a:r>
-              <a:rPr lang="en-US" altLang="ko-KR" dirty="0" smtClean="0">
+              <a:rPr lang="en-US" altLang="ko-KR" dirty="0">
                 <a:latin typeface="Noto Sans KR Medium" pitchFamily="34" charset="-127"/>
                 <a:ea typeface="Noto Sans KR Medium" pitchFamily="34" charset="-127"/>
               </a:rPr>
               <a:t>(1</a:t>
             </a:r>
             <a:r>
-              <a:rPr lang="ko-KR" altLang="en-US" dirty="0" smtClean="0">
+              <a:rPr lang="ko-KR" altLang="en-US" dirty="0">
                 <a:latin typeface="Noto Sans KR Medium" pitchFamily="34" charset="-127"/>
                 <a:ea typeface="Noto Sans KR Medium" pitchFamily="34" charset="-127"/>
               </a:rPr>
               <a:t>회</a:t>
             </a:r>
             <a:r>
-              <a:rPr lang="en-US" altLang="ko-KR" dirty="0" smtClean="0">
+              <a:rPr lang="en-US" altLang="ko-KR" dirty="0">
                 <a:latin typeface="Noto Sans KR Medium" pitchFamily="34" charset="-127"/>
                 <a:ea typeface="Noto Sans KR Medium" pitchFamily="34" charset="-127"/>
               </a:rPr>
               <a:t>) </a:t>
             </a:r>
             <a:r>
-              <a:rPr lang="ko-KR" altLang="en-US" dirty="0" smtClean="0">
+              <a:rPr lang="ko-KR" altLang="en-US" dirty="0">
                 <a:latin typeface="Noto Sans KR Medium" pitchFamily="34" charset="-127"/>
                 <a:ea typeface="Noto Sans KR Medium" pitchFamily="34" charset="-127"/>
               </a:rPr>
               <a:t>화염구가 바닥에 닿을 시 불꽃 오브젝트 생성 </a:t>
             </a:r>
-            <a:endParaRPr lang="en-US" altLang="ko-KR" dirty="0" smtClean="0">
+            <a:endParaRPr lang="en-US" altLang="ko-KR" dirty="0">
               <a:latin typeface="Noto Sans KR Medium" pitchFamily="34" charset="-127"/>
               <a:ea typeface="Noto Sans KR Medium" pitchFamily="34" charset="-127"/>
             </a:endParaRPr>
@@ -6226,13 +6256,6 @@
   <p:clrMapOvr>
     <a:masterClrMapping/>
   </p:clrMapOvr>
-  <p:timing>
-    <p:tnLst>
-      <p:par>
-        <p:cTn id="1" dur="indefinite" restart="never" nodeType="tmRoot"/>
-      </p:par>
-    </p:tnLst>
-  </p:timing>
 </p:sld>
 </file>
 
@@ -6269,16 +6292,12 @@
           <a:lstStyle/>
           <a:p>
             <a:r>
-              <a:rPr lang="ko-KR" altLang="en-US" dirty="0" smtClean="0">
+              <a:rPr lang="ko-KR" altLang="en-US" dirty="0">
                 <a:latin typeface="Noto Sans KR Medium" pitchFamily="34" charset="-127"/>
                 <a:ea typeface="Noto Sans KR Medium" pitchFamily="34" charset="-127"/>
               </a:rPr>
               <a:t>캐릭터</a:t>
             </a:r>
-            <a:endParaRPr lang="ko-KR" altLang="en-US" dirty="0">
-              <a:latin typeface="Noto Sans KR Medium" pitchFamily="34" charset="-127"/>
-              <a:ea typeface="Noto Sans KR Medium" pitchFamily="34" charset="-127"/>
-            </a:endParaRPr>
           </a:p>
         </p:txBody>
       </p:sp>
@@ -6301,129 +6320,25 @@
               <a:buNone/>
             </a:pPr>
             <a:r>
-              <a:rPr lang="ko-KR" altLang="en-US" dirty="0" smtClean="0">
+              <a:rPr lang="ko-KR" altLang="en-US" dirty="0">
                 <a:latin typeface="Noto Sans KR Medium" pitchFamily="34" charset="-127"/>
                 <a:ea typeface="Noto Sans KR Medium" pitchFamily="34" charset="-127"/>
               </a:rPr>
               <a:t>이름 </a:t>
             </a:r>
             <a:r>
-              <a:rPr lang="en-US" altLang="ko-KR" dirty="0" smtClean="0">
+              <a:rPr lang="en-US" altLang="ko-KR" dirty="0">
                 <a:latin typeface="Noto Sans KR Medium" pitchFamily="34" charset="-127"/>
                 <a:ea typeface="Noto Sans KR Medium" pitchFamily="34" charset="-127"/>
               </a:rPr>
               <a:t>: </a:t>
             </a:r>
             <a:r>
-              <a:rPr lang="ko-KR" altLang="en-US" dirty="0" smtClean="0">
-                <a:latin typeface="Noto Sans KR Medium" pitchFamily="34" charset="-127"/>
-                <a:ea typeface="Noto Sans KR Medium" pitchFamily="34" charset="-127"/>
-              </a:rPr>
-              <a:t>마</a:t>
-            </a:r>
-            <a:r>
-              <a:rPr lang="ko-KR" altLang="en-US" dirty="0">
-                <a:latin typeface="Noto Sans KR Medium" pitchFamily="34" charset="-127"/>
-                <a:ea typeface="Noto Sans KR Medium" pitchFamily="34" charset="-127"/>
-              </a:rPr>
-              <a:t>에</a:t>
-            </a:r>
-            <a:endParaRPr lang="en-US" altLang="ko-KR" dirty="0" smtClean="0">
-              <a:latin typeface="Noto Sans KR Medium" pitchFamily="34" charset="-127"/>
-              <a:ea typeface="Noto Sans KR Medium" pitchFamily="34" charset="-127"/>
-            </a:endParaRPr>
-          </a:p>
-          <a:p>
-            <a:pPr marL="0" indent="0">
-              <a:buNone/>
-            </a:pPr>
-            <a:r>
-              <a:rPr lang="ko-KR" altLang="en-US" dirty="0" smtClean="0">
-                <a:latin typeface="Noto Sans KR Medium" pitchFamily="34" charset="-127"/>
-                <a:ea typeface="Noto Sans KR Medium" pitchFamily="34" charset="-127"/>
-              </a:rPr>
-              <a:t>속성 </a:t>
-            </a:r>
-            <a:r>
-              <a:rPr lang="en-US" altLang="ko-KR" dirty="0" smtClean="0">
-                <a:latin typeface="Noto Sans KR Medium" pitchFamily="34" charset="-127"/>
-                <a:ea typeface="Noto Sans KR Medium" pitchFamily="34" charset="-127"/>
-              </a:rPr>
-              <a:t>: </a:t>
-            </a:r>
-            <a:r>
-              <a:rPr lang="ko-KR" altLang="en-US" dirty="0" smtClean="0">
-                <a:latin typeface="Noto Sans KR Medium" pitchFamily="34" charset="-127"/>
-                <a:ea typeface="Noto Sans KR Medium" pitchFamily="34" charset="-127"/>
-              </a:rPr>
-              <a:t>땅</a:t>
-            </a:r>
-            <a:endParaRPr lang="en-US" altLang="ko-KR" dirty="0" smtClean="0">
-              <a:latin typeface="Noto Sans KR Medium" pitchFamily="34" charset="-127"/>
-              <a:ea typeface="Noto Sans KR Medium" pitchFamily="34" charset="-127"/>
-            </a:endParaRPr>
-          </a:p>
-          <a:p>
-            <a:pPr marL="0" indent="0">
-              <a:buNone/>
-            </a:pPr>
-            <a:r>
-              <a:rPr lang="ko-KR" altLang="en-US" dirty="0" smtClean="0">
-                <a:latin typeface="Noto Sans KR Medium" pitchFamily="34" charset="-127"/>
-                <a:ea typeface="Noto Sans KR Medium" pitchFamily="34" charset="-127"/>
-              </a:rPr>
-              <a:t>일반 공격</a:t>
-            </a:r>
-            <a:r>
-              <a:rPr lang="en-US" altLang="ko-KR" dirty="0">
-                <a:latin typeface="Noto Sans KR Medium" pitchFamily="34" charset="-127"/>
-                <a:ea typeface="Noto Sans KR Medium" pitchFamily="34" charset="-127"/>
-              </a:rPr>
-              <a:t> </a:t>
-            </a:r>
-            <a:r>
-              <a:rPr lang="en-US" altLang="ko-KR" dirty="0" smtClean="0">
-                <a:latin typeface="Noto Sans KR Medium" pitchFamily="34" charset="-127"/>
-                <a:ea typeface="Noto Sans KR Medium" pitchFamily="34" charset="-127"/>
-              </a:rPr>
-              <a:t>: </a:t>
-            </a:r>
-            <a:r>
-              <a:rPr lang="ko-KR" altLang="en-US" dirty="0" smtClean="0">
-                <a:latin typeface="Noto Sans KR Medium" pitchFamily="34" charset="-127"/>
-                <a:ea typeface="Noto Sans KR Medium" pitchFamily="34" charset="-127"/>
-              </a:rPr>
-              <a:t>바위속성 물체 사출</a:t>
-            </a:r>
-            <a:endParaRPr lang="en-US" altLang="ko-KR" dirty="0" smtClean="0">
-              <a:latin typeface="Noto Sans KR Medium" pitchFamily="34" charset="-127"/>
-              <a:ea typeface="Noto Sans KR Medium" pitchFamily="34" charset="-127"/>
-            </a:endParaRPr>
-          </a:p>
-          <a:p>
-            <a:pPr marL="0" indent="0">
-              <a:buNone/>
-            </a:pPr>
-            <a:r>
-              <a:rPr lang="ko-KR" altLang="en-US" dirty="0" smtClean="0">
-                <a:latin typeface="Noto Sans KR Medium" pitchFamily="34" charset="-127"/>
-                <a:ea typeface="Noto Sans KR Medium" pitchFamily="34" charset="-127"/>
-              </a:rPr>
-              <a:t>사용 스킬 </a:t>
-            </a:r>
-            <a:r>
-              <a:rPr lang="en-US" altLang="ko-KR" dirty="0" smtClean="0">
-                <a:latin typeface="Noto Sans KR Medium" pitchFamily="34" charset="-127"/>
-                <a:ea typeface="Noto Sans KR Medium" pitchFamily="34" charset="-127"/>
-              </a:rPr>
-              <a:t>: </a:t>
-            </a:r>
-            <a:r>
-              <a:rPr lang="ko-KR" altLang="en-US" dirty="0" smtClean="0">
-                <a:latin typeface="Noto Sans KR Medium" pitchFamily="34" charset="-127"/>
-                <a:ea typeface="Noto Sans KR Medium" pitchFamily="34" charset="-127"/>
-              </a:rPr>
-              <a:t>마우스 커서 위치에 땅 속성 오브젝트 생성 </a:t>
+              <a:rPr lang="ko-KR" altLang="en-US" dirty="0">
+                <a:latin typeface="Noto Sans KR Medium" pitchFamily="34" charset="-127"/>
+                <a:ea typeface="Noto Sans KR Medium" pitchFamily="34" charset="-127"/>
+              </a:rPr>
+              <a:t>마에</a:t>
             </a:r>
             <a:endParaRPr lang="en-US" altLang="ko-KR" dirty="0">
               <a:latin typeface="Noto Sans KR Medium" pitchFamily="34" charset="-127"/>
@@ -6435,41 +6350,27 @@
               <a:buNone/>
             </a:pPr>
             <a:r>
-              <a:rPr lang="ko-KR" altLang="en-US" dirty="0" smtClean="0">
-                <a:latin typeface="Noto Sans KR Medium" pitchFamily="34" charset="-127"/>
-                <a:ea typeface="Noto Sans KR Medium" pitchFamily="34" charset="-127"/>
-              </a:rPr>
-              <a:t>스킬 </a:t>
-            </a:r>
-            <a:r>
-              <a:rPr lang="ko-KR" altLang="en-US" dirty="0" err="1" smtClean="0">
-                <a:latin typeface="Noto Sans KR Medium" pitchFamily="34" charset="-127"/>
-                <a:ea typeface="Noto Sans KR Medium" pitchFamily="34" charset="-127"/>
-              </a:rPr>
-              <a:t>쿨타임</a:t>
-            </a:r>
-            <a:r>
-              <a:rPr lang="ko-KR" altLang="en-US" dirty="0" smtClean="0">
-                <a:latin typeface="Noto Sans KR Medium" pitchFamily="34" charset="-127"/>
-                <a:ea typeface="Noto Sans KR Medium" pitchFamily="34" charset="-127"/>
-              </a:rPr>
-              <a:t> </a:t>
-            </a:r>
-            <a:r>
-              <a:rPr lang="en-US" altLang="ko-KR" dirty="0" smtClean="0">
-                <a:latin typeface="Noto Sans KR Medium" pitchFamily="34" charset="-127"/>
-                <a:ea typeface="Noto Sans KR Medium" pitchFamily="34" charset="-127"/>
-              </a:rPr>
-              <a:t>: 10</a:t>
-            </a:r>
-            <a:r>
-              <a:rPr lang="ko-KR" altLang="en-US" dirty="0" smtClean="0">
-                <a:latin typeface="Noto Sans KR Medium" pitchFamily="34" charset="-127"/>
-                <a:ea typeface="Noto Sans KR Medium" pitchFamily="34" charset="-127"/>
-              </a:rPr>
-              <a:t>초</a:t>
-            </a:r>
-            <a:endParaRPr lang="en-US" altLang="ko-KR" dirty="0" smtClean="0">
+              <a:rPr lang="ko-KR" altLang="en-US" dirty="0">
+                <a:latin typeface="Noto Sans KR Medium" pitchFamily="34" charset="-127"/>
+                <a:ea typeface="Noto Sans KR Medium" pitchFamily="34" charset="-127"/>
+              </a:rPr>
+              <a:t>속성 </a:t>
+            </a:r>
+            <a:r>
+              <a:rPr lang="en-US" altLang="ko-KR" dirty="0">
+                <a:latin typeface="Noto Sans KR Medium" pitchFamily="34" charset="-127"/>
+                <a:ea typeface="Noto Sans KR Medium" pitchFamily="34" charset="-127"/>
+              </a:rPr>
+              <a:t>: </a:t>
+            </a:r>
+            <a:r>
+              <a:rPr lang="ko-KR" altLang="en-US" dirty="0">
+                <a:latin typeface="Noto Sans KR Medium" pitchFamily="34" charset="-127"/>
+                <a:ea typeface="Noto Sans KR Medium" pitchFamily="34" charset="-127"/>
+              </a:rPr>
+              <a:t>땅</a:t>
+            </a:r>
+            <a:endParaRPr lang="en-US" altLang="ko-KR" dirty="0">
               <a:latin typeface="Noto Sans KR Medium" pitchFamily="34" charset="-127"/>
               <a:ea typeface="Noto Sans KR Medium" pitchFamily="34" charset="-127"/>
             </a:endParaRPr>
@@ -6479,46 +6380,27 @@
               <a:buNone/>
             </a:pPr>
             <a:r>
-              <a:rPr lang="ko-KR" altLang="en-US" dirty="0" smtClean="0">
-                <a:latin typeface="Noto Sans KR Medium" pitchFamily="34" charset="-127"/>
-                <a:ea typeface="Noto Sans KR Medium" pitchFamily="34" charset="-127"/>
-              </a:rPr>
-              <a:t>무게 </a:t>
-            </a:r>
-            <a:r>
-              <a:rPr lang="en-US" altLang="ko-KR" dirty="0" smtClean="0">
-                <a:latin typeface="Noto Sans KR Medium" pitchFamily="34" charset="-127"/>
-                <a:ea typeface="Noto Sans KR Medium" pitchFamily="34" charset="-127"/>
-              </a:rPr>
-              <a:t>: 1</a:t>
-            </a:r>
-          </a:p>
-          <a:p>
-            <a:pPr marL="0" indent="0">
-              <a:buNone/>
-            </a:pPr>
-            <a:r>
-              <a:rPr lang="ko-KR" altLang="en-US" dirty="0" smtClean="0">
-                <a:latin typeface="Noto Sans KR Medium" pitchFamily="34" charset="-127"/>
-                <a:ea typeface="Noto Sans KR Medium" pitchFamily="34" charset="-127"/>
-              </a:rPr>
-              <a:t>캐릭터 획득 시기  </a:t>
-            </a:r>
-            <a:r>
-              <a:rPr lang="en-US" altLang="ko-KR" dirty="0" smtClean="0">
-                <a:latin typeface="Noto Sans KR Medium" pitchFamily="34" charset="-127"/>
-                <a:ea typeface="Noto Sans KR Medium" pitchFamily="34" charset="-127"/>
-              </a:rPr>
-              <a:t>: </a:t>
-            </a:r>
-            <a:r>
-              <a:rPr lang="ko-KR" altLang="en-US" dirty="0" smtClean="0">
-                <a:latin typeface="Noto Sans KR Medium" pitchFamily="34" charset="-127"/>
-                <a:ea typeface="Noto Sans KR Medium" pitchFamily="34" charset="-127"/>
-              </a:rPr>
-              <a:t>기본 플레이어</a:t>
-            </a:r>
-            <a:endParaRPr lang="en-US" altLang="ko-KR" dirty="0" smtClean="0">
+              <a:rPr lang="ko-KR" altLang="en-US" dirty="0">
+                <a:latin typeface="Noto Sans KR Medium" pitchFamily="34" charset="-127"/>
+                <a:ea typeface="Noto Sans KR Medium" pitchFamily="34" charset="-127"/>
+              </a:rPr>
+              <a:t>일반 공격</a:t>
+            </a:r>
+            <a:r>
+              <a:rPr lang="en-US" altLang="ko-KR" dirty="0">
+                <a:latin typeface="Noto Sans KR Medium" pitchFamily="34" charset="-127"/>
+                <a:ea typeface="Noto Sans KR Medium" pitchFamily="34" charset="-127"/>
+              </a:rPr>
+              <a:t> : </a:t>
+            </a:r>
+            <a:r>
+              <a:rPr lang="ko-KR" altLang="en-US" dirty="0">
+                <a:latin typeface="Noto Sans KR Medium" pitchFamily="34" charset="-127"/>
+                <a:ea typeface="Noto Sans KR Medium" pitchFamily="34" charset="-127"/>
+              </a:rPr>
+              <a:t>바위속성 물체 사출</a:t>
+            </a:r>
+            <a:endParaRPr lang="en-US" altLang="ko-KR" dirty="0">
               <a:latin typeface="Noto Sans KR Medium" pitchFamily="34" charset="-127"/>
               <a:ea typeface="Noto Sans KR Medium" pitchFamily="34" charset="-127"/>
             </a:endParaRPr>
@@ -6527,7 +6409,130 @@
             <a:pPr marL="0" indent="0">
               <a:buNone/>
             </a:pPr>
-            <a:endParaRPr lang="en-US" altLang="ko-KR" dirty="0" smtClean="0">
+            <a:r>
+              <a:rPr lang="ko-KR" altLang="en-US" dirty="0">
+                <a:latin typeface="Noto Sans KR Medium" pitchFamily="34" charset="-127"/>
+                <a:ea typeface="Noto Sans KR Medium" pitchFamily="34" charset="-127"/>
+              </a:rPr>
+              <a:t>사용 스킬 </a:t>
+            </a:r>
+            <a:r>
+              <a:rPr lang="en-US" altLang="ko-KR" dirty="0">
+                <a:latin typeface="Noto Sans KR Medium" pitchFamily="34" charset="-127"/>
+                <a:ea typeface="Noto Sans KR Medium" pitchFamily="34" charset="-127"/>
+              </a:rPr>
+              <a:t>: </a:t>
+            </a:r>
+            <a:r>
+              <a:rPr lang="ko-KR" altLang="en-US" dirty="0">
+                <a:latin typeface="Noto Sans KR Medium" pitchFamily="34" charset="-127"/>
+                <a:ea typeface="Noto Sans KR Medium" pitchFamily="34" charset="-127"/>
+              </a:rPr>
+              <a:t>마우스 커서 위치에 땅 속성 오브젝트 생성 </a:t>
+            </a:r>
+            <a:endParaRPr lang="en-US" altLang="ko-KR" dirty="0">
+              <a:latin typeface="Noto Sans KR Medium" pitchFamily="34" charset="-127"/>
+              <a:ea typeface="Noto Sans KR Medium" pitchFamily="34" charset="-127"/>
+            </a:endParaRPr>
+          </a:p>
+          <a:p>
+            <a:pPr marL="0" indent="0">
+              <a:buNone/>
+            </a:pPr>
+            <a:r>
+              <a:rPr lang="ko-KR" altLang="en-US" dirty="0">
+                <a:latin typeface="Noto Sans KR Medium" pitchFamily="34" charset="-127"/>
+                <a:ea typeface="Noto Sans KR Medium" pitchFamily="34" charset="-127"/>
+              </a:rPr>
+              <a:t>스킬 </a:t>
+            </a:r>
+            <a:r>
+              <a:rPr lang="ko-KR" altLang="en-US" dirty="0" err="1">
+                <a:latin typeface="Noto Sans KR Medium" pitchFamily="34" charset="-127"/>
+                <a:ea typeface="Noto Sans KR Medium" pitchFamily="34" charset="-127"/>
+              </a:rPr>
+              <a:t>쿨타임</a:t>
+            </a:r>
+            <a:r>
+              <a:rPr lang="ko-KR" altLang="en-US" dirty="0">
+                <a:latin typeface="Noto Sans KR Medium" pitchFamily="34" charset="-127"/>
+                <a:ea typeface="Noto Sans KR Medium" pitchFamily="34" charset="-127"/>
+              </a:rPr>
+              <a:t> </a:t>
+            </a:r>
+            <a:r>
+              <a:rPr lang="en-US" altLang="ko-KR" dirty="0">
+                <a:latin typeface="Noto Sans KR Medium" pitchFamily="34" charset="-127"/>
+                <a:ea typeface="Noto Sans KR Medium" pitchFamily="34" charset="-127"/>
+              </a:rPr>
+              <a:t>: 10</a:t>
+            </a:r>
+            <a:r>
+              <a:rPr lang="ko-KR" altLang="en-US" dirty="0">
+                <a:latin typeface="Noto Sans KR Medium" pitchFamily="34" charset="-127"/>
+                <a:ea typeface="Noto Sans KR Medium" pitchFamily="34" charset="-127"/>
+              </a:rPr>
+              <a:t>초</a:t>
+            </a:r>
+            <a:endParaRPr lang="en-US" altLang="ko-KR" dirty="0">
+              <a:latin typeface="Noto Sans KR Medium" pitchFamily="34" charset="-127"/>
+              <a:ea typeface="Noto Sans KR Medium" pitchFamily="34" charset="-127"/>
+            </a:endParaRPr>
+          </a:p>
+          <a:p>
+            <a:pPr marL="0" indent="0">
+              <a:buNone/>
+            </a:pPr>
+            <a:r>
+              <a:rPr lang="ko-KR" altLang="en-US" dirty="0">
+                <a:latin typeface="Noto Sans KR Medium" pitchFamily="34" charset="-127"/>
+                <a:ea typeface="Noto Sans KR Medium" pitchFamily="34" charset="-127"/>
+              </a:rPr>
+              <a:t>무게 </a:t>
+            </a:r>
+            <a:r>
+              <a:rPr lang="en-US" altLang="ko-KR" dirty="0">
+                <a:latin typeface="Noto Sans KR Medium" pitchFamily="34" charset="-127"/>
+                <a:ea typeface="Noto Sans KR Medium" pitchFamily="34" charset="-127"/>
+              </a:rPr>
+              <a:t>: 1</a:t>
+            </a:r>
+          </a:p>
+          <a:p>
+            <a:pPr marL="0" indent="0">
+              <a:buNone/>
+            </a:pPr>
+            <a:r>
+              <a:rPr lang="ko-KR" altLang="en-US" dirty="0">
+                <a:latin typeface="Noto Sans KR Medium" pitchFamily="34" charset="-127"/>
+                <a:ea typeface="Noto Sans KR Medium" pitchFamily="34" charset="-127"/>
+              </a:rPr>
+              <a:t>캐릭터 획득 시기  </a:t>
+            </a:r>
+            <a:r>
+              <a:rPr lang="en-US" altLang="ko-KR" dirty="0">
+                <a:latin typeface="Noto Sans KR Medium" pitchFamily="34" charset="-127"/>
+                <a:ea typeface="Noto Sans KR Medium" pitchFamily="34" charset="-127"/>
+              </a:rPr>
+              <a:t>: </a:t>
+            </a:r>
+            <a:r>
+              <a:rPr lang="ko-KR" altLang="en-US" dirty="0">
+                <a:latin typeface="Noto Sans KR Medium" pitchFamily="34" charset="-127"/>
+                <a:ea typeface="Noto Sans KR Medium" pitchFamily="34" charset="-127"/>
+              </a:rPr>
+              <a:t>기본 플레이어</a:t>
+            </a:r>
+            <a:endParaRPr lang="en-US" altLang="ko-KR" dirty="0">
+              <a:latin typeface="Noto Sans KR Medium" pitchFamily="34" charset="-127"/>
+              <a:ea typeface="Noto Sans KR Medium" pitchFamily="34" charset="-127"/>
+            </a:endParaRPr>
+          </a:p>
+          <a:p>
+            <a:pPr marL="0" indent="0">
+              <a:buNone/>
+            </a:pPr>
+            <a:endParaRPr lang="en-US" altLang="ko-KR" dirty="0">
               <a:latin typeface="Noto Sans KR Medium" pitchFamily="34" charset="-127"/>
               <a:ea typeface="Noto Sans KR Medium" pitchFamily="34" charset="-127"/>
             </a:endParaRPr>
@@ -6617,13 +6622,6 @@
   <p:clrMapOvr>
     <a:masterClrMapping/>
   </p:clrMapOvr>
-  <p:timing>
-    <p:tnLst>
-      <p:par>
-        <p:cTn id="1" dur="indefinite" restart="never" nodeType="tmRoot"/>
-      </p:par>
-    </p:tnLst>
-  </p:timing>
 </p:sld>
 </file>
 
@@ -6660,16 +6658,12 @@
           <a:lstStyle/>
           <a:p>
             <a:r>
-              <a:rPr lang="ko-KR" altLang="en-US" dirty="0" smtClean="0">
+              <a:rPr lang="ko-KR" altLang="en-US" dirty="0">
                 <a:latin typeface="Noto Sans KR Medium" pitchFamily="34" charset="-127"/>
                 <a:ea typeface="Noto Sans KR Medium" pitchFamily="34" charset="-127"/>
               </a:rPr>
               <a:t>캐릭터</a:t>
             </a:r>
-            <a:endParaRPr lang="ko-KR" altLang="en-US" dirty="0">
-              <a:latin typeface="Noto Sans KR Medium" pitchFamily="34" charset="-127"/>
-              <a:ea typeface="Noto Sans KR Medium" pitchFamily="34" charset="-127"/>
-            </a:endParaRPr>
           </a:p>
         </p:txBody>
       </p:sp>
@@ -6692,122 +6686,25 @@
               <a:buNone/>
             </a:pPr>
             <a:r>
-              <a:rPr lang="ko-KR" altLang="en-US" dirty="0" smtClean="0">
+              <a:rPr lang="ko-KR" altLang="en-US" dirty="0">
                 <a:latin typeface="Noto Sans KR Medium" pitchFamily="34" charset="-127"/>
                 <a:ea typeface="Noto Sans KR Medium" pitchFamily="34" charset="-127"/>
               </a:rPr>
               <a:t>이름 </a:t>
             </a:r>
             <a:r>
-              <a:rPr lang="en-US" altLang="ko-KR" dirty="0" smtClean="0">
+              <a:rPr lang="en-US" altLang="ko-KR" dirty="0">
                 <a:latin typeface="Noto Sans KR Medium" pitchFamily="34" charset="-127"/>
                 <a:ea typeface="Noto Sans KR Medium" pitchFamily="34" charset="-127"/>
               </a:rPr>
               <a:t>: </a:t>
             </a:r>
             <a:r>
-              <a:rPr lang="ko-KR" altLang="en-US" dirty="0" err="1" smtClean="0">
+              <a:rPr lang="ko-KR" altLang="en-US" dirty="0" err="1">
                 <a:latin typeface="Noto Sans KR Medium" pitchFamily="34" charset="-127"/>
                 <a:ea typeface="Noto Sans KR Medium" pitchFamily="34" charset="-127"/>
               </a:rPr>
               <a:t>제나디아</a:t>
-            </a:r>
-            <a:endParaRPr lang="en-US" altLang="ko-KR" dirty="0" smtClean="0">
-              <a:latin typeface="Noto Sans KR Medium" pitchFamily="34" charset="-127"/>
-              <a:ea typeface="Noto Sans KR Medium" pitchFamily="34" charset="-127"/>
-            </a:endParaRPr>
-          </a:p>
-          <a:p>
-            <a:pPr marL="0" indent="0">
-              <a:buNone/>
-            </a:pPr>
-            <a:r>
-              <a:rPr lang="ko-KR" altLang="en-US" dirty="0" smtClean="0">
-                <a:latin typeface="Noto Sans KR Medium" pitchFamily="34" charset="-127"/>
-                <a:ea typeface="Noto Sans KR Medium" pitchFamily="34" charset="-127"/>
-              </a:rPr>
-              <a:t>속성 </a:t>
-            </a:r>
-            <a:r>
-              <a:rPr lang="en-US" altLang="ko-KR" dirty="0" smtClean="0">
-                <a:latin typeface="Noto Sans KR Medium" pitchFamily="34" charset="-127"/>
-                <a:ea typeface="Noto Sans KR Medium" pitchFamily="34" charset="-127"/>
-              </a:rPr>
-              <a:t>: </a:t>
-            </a:r>
-            <a:r>
-              <a:rPr lang="ko-KR" altLang="en-US" dirty="0">
-                <a:latin typeface="Noto Sans KR Medium" pitchFamily="34" charset="-127"/>
-                <a:ea typeface="Noto Sans KR Medium" pitchFamily="34" charset="-127"/>
-              </a:rPr>
-              <a:t>물</a:t>
-            </a:r>
-            <a:endParaRPr lang="en-US" altLang="ko-KR" dirty="0" smtClean="0">
-              <a:latin typeface="Noto Sans KR Medium" pitchFamily="34" charset="-127"/>
-              <a:ea typeface="Noto Sans KR Medium" pitchFamily="34" charset="-127"/>
-            </a:endParaRPr>
-          </a:p>
-          <a:p>
-            <a:pPr marL="0" indent="0">
-              <a:buNone/>
-            </a:pPr>
-            <a:r>
-              <a:rPr lang="ko-KR" altLang="en-US" dirty="0" smtClean="0">
-                <a:latin typeface="Noto Sans KR Medium" pitchFamily="34" charset="-127"/>
-                <a:ea typeface="Noto Sans KR Medium" pitchFamily="34" charset="-127"/>
-              </a:rPr>
-              <a:t>일반 공격</a:t>
-            </a:r>
-            <a:r>
-              <a:rPr lang="en-US" altLang="ko-KR" dirty="0">
-                <a:latin typeface="Noto Sans KR Medium" pitchFamily="34" charset="-127"/>
-                <a:ea typeface="Noto Sans KR Medium" pitchFamily="34" charset="-127"/>
-              </a:rPr>
-              <a:t> </a:t>
-            </a:r>
-            <a:r>
-              <a:rPr lang="en-US" altLang="ko-KR" dirty="0" smtClean="0">
-                <a:latin typeface="Noto Sans KR Medium" pitchFamily="34" charset="-127"/>
-                <a:ea typeface="Noto Sans KR Medium" pitchFamily="34" charset="-127"/>
-              </a:rPr>
-              <a:t>: </a:t>
-            </a:r>
-            <a:r>
-              <a:rPr lang="ko-KR" altLang="en-US" dirty="0" smtClean="0">
-                <a:latin typeface="Noto Sans KR Medium" pitchFamily="34" charset="-127"/>
-                <a:ea typeface="Noto Sans KR Medium" pitchFamily="34" charset="-127"/>
-              </a:rPr>
-              <a:t>마우스 커서에 물 속성 오브젝트 생성</a:t>
-            </a:r>
-            <a:endParaRPr lang="en-US" altLang="ko-KR" dirty="0" smtClean="0">
-              <a:latin typeface="Noto Sans KR Medium" pitchFamily="34" charset="-127"/>
-              <a:ea typeface="Noto Sans KR Medium" pitchFamily="34" charset="-127"/>
-            </a:endParaRPr>
-          </a:p>
-          <a:p>
-            <a:pPr marL="0" indent="0">
-              <a:buNone/>
-            </a:pPr>
-            <a:r>
-              <a:rPr lang="ko-KR" altLang="en-US" dirty="0" smtClean="0">
-                <a:latin typeface="Noto Sans KR Medium" pitchFamily="34" charset="-127"/>
-                <a:ea typeface="Noto Sans KR Medium" pitchFamily="34" charset="-127"/>
-              </a:rPr>
-              <a:t>사용 스킬 </a:t>
-            </a:r>
-            <a:r>
-              <a:rPr lang="en-US" altLang="ko-KR" dirty="0" smtClean="0">
-                <a:latin typeface="Noto Sans KR Medium" pitchFamily="34" charset="-127"/>
-                <a:ea typeface="Noto Sans KR Medium" pitchFamily="34" charset="-127"/>
-              </a:rPr>
-              <a:t>: </a:t>
-            </a:r>
-            <a:r>
-              <a:rPr lang="ko-KR" altLang="en-US" dirty="0" smtClean="0">
-                <a:latin typeface="Noto Sans KR Medium" pitchFamily="34" charset="-127"/>
-                <a:ea typeface="Noto Sans KR Medium" pitchFamily="34" charset="-127"/>
-              </a:rPr>
-              <a:t>캐릭터 양쪽 범위 물기둥 생성</a:t>
             </a:r>
             <a:endParaRPr lang="en-US" altLang="ko-KR" dirty="0">
               <a:latin typeface="Noto Sans KR Medium" pitchFamily="34" charset="-127"/>
@@ -6819,41 +6716,27 @@
               <a:buNone/>
             </a:pPr>
             <a:r>
-              <a:rPr lang="ko-KR" altLang="en-US" dirty="0" smtClean="0">
-                <a:latin typeface="Noto Sans KR Medium" pitchFamily="34" charset="-127"/>
-                <a:ea typeface="Noto Sans KR Medium" pitchFamily="34" charset="-127"/>
-              </a:rPr>
-              <a:t>스킬 </a:t>
-            </a:r>
-            <a:r>
-              <a:rPr lang="ko-KR" altLang="en-US" dirty="0" err="1" smtClean="0">
-                <a:latin typeface="Noto Sans KR Medium" pitchFamily="34" charset="-127"/>
-                <a:ea typeface="Noto Sans KR Medium" pitchFamily="34" charset="-127"/>
-              </a:rPr>
-              <a:t>쿨타임</a:t>
-            </a:r>
-            <a:r>
-              <a:rPr lang="ko-KR" altLang="en-US" dirty="0" smtClean="0">
-                <a:latin typeface="Noto Sans KR Medium" pitchFamily="34" charset="-127"/>
-                <a:ea typeface="Noto Sans KR Medium" pitchFamily="34" charset="-127"/>
-              </a:rPr>
-              <a:t> </a:t>
-            </a:r>
-            <a:r>
-              <a:rPr lang="en-US" altLang="ko-KR" dirty="0" smtClean="0">
-                <a:latin typeface="Noto Sans KR Medium" pitchFamily="34" charset="-127"/>
-                <a:ea typeface="Noto Sans KR Medium" pitchFamily="34" charset="-127"/>
-              </a:rPr>
-              <a:t>: 6</a:t>
-            </a:r>
-            <a:r>
-              <a:rPr lang="ko-KR" altLang="en-US" dirty="0" smtClean="0">
-                <a:latin typeface="Noto Sans KR Medium" pitchFamily="34" charset="-127"/>
-                <a:ea typeface="Noto Sans KR Medium" pitchFamily="34" charset="-127"/>
-              </a:rPr>
-              <a:t>초</a:t>
-            </a:r>
-            <a:endParaRPr lang="en-US" altLang="ko-KR" dirty="0" smtClean="0">
+              <a:rPr lang="ko-KR" altLang="en-US" dirty="0">
+                <a:latin typeface="Noto Sans KR Medium" pitchFamily="34" charset="-127"/>
+                <a:ea typeface="Noto Sans KR Medium" pitchFamily="34" charset="-127"/>
+              </a:rPr>
+              <a:t>속성 </a:t>
+            </a:r>
+            <a:r>
+              <a:rPr lang="en-US" altLang="ko-KR" dirty="0">
+                <a:latin typeface="Noto Sans KR Medium" pitchFamily="34" charset="-127"/>
+                <a:ea typeface="Noto Sans KR Medium" pitchFamily="34" charset="-127"/>
+              </a:rPr>
+              <a:t>: </a:t>
+            </a:r>
+            <a:r>
+              <a:rPr lang="ko-KR" altLang="en-US" dirty="0">
+                <a:latin typeface="Noto Sans KR Medium" pitchFamily="34" charset="-127"/>
+                <a:ea typeface="Noto Sans KR Medium" pitchFamily="34" charset="-127"/>
+              </a:rPr>
+              <a:t>물</a:t>
+            </a:r>
+            <a:endParaRPr lang="en-US" altLang="ko-KR" dirty="0">
               <a:latin typeface="Noto Sans KR Medium" pitchFamily="34" charset="-127"/>
               <a:ea typeface="Noto Sans KR Medium" pitchFamily="34" charset="-127"/>
             </a:endParaRPr>
@@ -6863,49 +6746,149 @@
               <a:buNone/>
             </a:pPr>
             <a:r>
-              <a:rPr lang="ko-KR" altLang="en-US" dirty="0" smtClean="0">
-                <a:latin typeface="Noto Sans KR Medium" pitchFamily="34" charset="-127"/>
-                <a:ea typeface="Noto Sans KR Medium" pitchFamily="34" charset="-127"/>
-              </a:rPr>
-              <a:t>무게 </a:t>
-            </a:r>
-            <a:r>
-              <a:rPr lang="en-US" altLang="ko-KR" dirty="0" smtClean="0">
-                <a:latin typeface="Noto Sans KR Medium" pitchFamily="34" charset="-127"/>
-                <a:ea typeface="Noto Sans KR Medium" pitchFamily="34" charset="-127"/>
-              </a:rPr>
-              <a:t>: 1</a:t>
-            </a:r>
-          </a:p>
-          <a:p>
-            <a:pPr marL="0" indent="0">
-              <a:buNone/>
-            </a:pPr>
-            <a:r>
-              <a:rPr lang="ko-KR" altLang="en-US" dirty="0" smtClean="0">
-                <a:latin typeface="Noto Sans KR Medium" pitchFamily="34" charset="-127"/>
-                <a:ea typeface="Noto Sans KR Medium" pitchFamily="34" charset="-127"/>
-              </a:rPr>
-              <a:t>캐릭터 획득 시기  </a:t>
-            </a:r>
-            <a:r>
-              <a:rPr lang="en-US" altLang="ko-KR" dirty="0" smtClean="0">
-                <a:latin typeface="Noto Sans KR Medium" pitchFamily="34" charset="-127"/>
-                <a:ea typeface="Noto Sans KR Medium" pitchFamily="34" charset="-127"/>
-              </a:rPr>
-              <a:t>: </a:t>
-            </a:r>
-            <a:r>
-              <a:rPr lang="ko-KR" altLang="en-US" dirty="0" smtClean="0">
-                <a:latin typeface="Noto Sans KR Medium" pitchFamily="34" charset="-127"/>
-                <a:ea typeface="Noto Sans KR Medium" pitchFamily="34" charset="-127"/>
-              </a:rPr>
-              <a:t>스토리 진행</a:t>
-            </a:r>
-            <a:endParaRPr lang="ko-KR" altLang="en-US" dirty="0">
+              <a:rPr lang="ko-KR" altLang="en-US" dirty="0">
+                <a:latin typeface="Noto Sans KR Medium" pitchFamily="34" charset="-127"/>
+                <a:ea typeface="Noto Sans KR Medium" pitchFamily="34" charset="-127"/>
+              </a:rPr>
+              <a:t>일반 공격</a:t>
+            </a:r>
+            <a:r>
+              <a:rPr lang="en-US" altLang="ko-KR" dirty="0">
+                <a:latin typeface="Noto Sans KR Medium" pitchFamily="34" charset="-127"/>
+                <a:ea typeface="Noto Sans KR Medium" pitchFamily="34" charset="-127"/>
+              </a:rPr>
+              <a:t> : </a:t>
+            </a:r>
+            <a:r>
+              <a:rPr lang="ko-KR" altLang="en-US" dirty="0">
+                <a:latin typeface="Noto Sans KR Medium" pitchFamily="34" charset="-127"/>
+                <a:ea typeface="Noto Sans KR Medium" pitchFamily="34" charset="-127"/>
+              </a:rPr>
+              <a:t>마우스 커서에 물 속성 오브젝트 생성</a:t>
+            </a:r>
+            <a:endParaRPr lang="en-US" altLang="ko-KR" dirty="0">
               <a:latin typeface="Noto Sans KR Medium" pitchFamily="34" charset="-127"/>
               <a:ea typeface="Noto Sans KR Medium" pitchFamily="34" charset="-127"/>
             </a:endParaRPr>
+          </a:p>
+          <a:p>
+            <a:pPr marL="0" indent="0">
+              <a:buNone/>
+            </a:pPr>
+            <a:r>
+              <a:rPr lang="ko-KR" altLang="en-US" dirty="0">
+                <a:latin typeface="Noto Sans KR Medium" pitchFamily="34" charset="-127"/>
+                <a:ea typeface="Noto Sans KR Medium" pitchFamily="34" charset="-127"/>
+              </a:rPr>
+              <a:t>사용 스킬 </a:t>
+            </a:r>
+            <a:r>
+              <a:rPr lang="en-US" altLang="ko-KR" dirty="0">
+                <a:latin typeface="Noto Sans KR Medium" pitchFamily="34" charset="-127"/>
+                <a:ea typeface="Noto Sans KR Medium" pitchFamily="34" charset="-127"/>
+              </a:rPr>
+              <a:t>: </a:t>
+            </a:r>
+            <a:r>
+              <a:rPr lang="ko-KR" altLang="en-US" dirty="0">
+                <a:latin typeface="Noto Sans KR Medium" pitchFamily="34" charset="-127"/>
+                <a:ea typeface="Noto Sans KR Medium" pitchFamily="34" charset="-127"/>
+              </a:rPr>
+              <a:t>캐릭터 양쪽 범위 물기둥 생성</a:t>
+            </a:r>
+            <a:endParaRPr lang="en-US" altLang="ko-KR" dirty="0">
+              <a:latin typeface="Noto Sans KR Medium" pitchFamily="34" charset="-127"/>
+              <a:ea typeface="Noto Sans KR Medium" pitchFamily="34" charset="-127"/>
+            </a:endParaRPr>
+          </a:p>
+          <a:p>
+            <a:pPr marL="0" indent="0">
+              <a:buNone/>
+            </a:pPr>
+            <a:r>
+              <a:rPr lang="ko-KR" altLang="en-US" dirty="0">
+                <a:latin typeface="Noto Sans KR Medium" pitchFamily="34" charset="-127"/>
+                <a:ea typeface="Noto Sans KR Medium" pitchFamily="34" charset="-127"/>
+              </a:rPr>
+              <a:t>스킬 </a:t>
+            </a:r>
+            <a:r>
+              <a:rPr lang="ko-KR" altLang="en-US" dirty="0" err="1">
+                <a:latin typeface="Noto Sans KR Medium" pitchFamily="34" charset="-127"/>
+                <a:ea typeface="Noto Sans KR Medium" pitchFamily="34" charset="-127"/>
+              </a:rPr>
+              <a:t>쿨타임</a:t>
+            </a:r>
+            <a:r>
+              <a:rPr lang="ko-KR" altLang="en-US" dirty="0">
+                <a:latin typeface="Noto Sans KR Medium" pitchFamily="34" charset="-127"/>
+                <a:ea typeface="Noto Sans KR Medium" pitchFamily="34" charset="-127"/>
+              </a:rPr>
+              <a:t> </a:t>
+            </a:r>
+            <a:r>
+              <a:rPr lang="en-US" altLang="ko-KR" dirty="0">
+                <a:latin typeface="Noto Sans KR Medium" pitchFamily="34" charset="-127"/>
+                <a:ea typeface="Noto Sans KR Medium" pitchFamily="34" charset="-127"/>
+              </a:rPr>
+              <a:t>: 6</a:t>
+            </a:r>
+            <a:r>
+              <a:rPr lang="ko-KR" altLang="en-US" dirty="0">
+                <a:latin typeface="Noto Sans KR Medium" pitchFamily="34" charset="-127"/>
+                <a:ea typeface="Noto Sans KR Medium" pitchFamily="34" charset="-127"/>
+              </a:rPr>
+              <a:t>초</a:t>
+            </a:r>
+            <a:endParaRPr lang="en-US" altLang="ko-KR" dirty="0">
+              <a:latin typeface="Noto Sans KR Medium" pitchFamily="34" charset="-127"/>
+              <a:ea typeface="Noto Sans KR Medium" pitchFamily="34" charset="-127"/>
+            </a:endParaRPr>
+          </a:p>
+          <a:p>
+            <a:pPr marL="0" indent="0">
+              <a:buNone/>
+            </a:pPr>
+            <a:r>
+              <a:rPr lang="ko-KR" altLang="en-US" dirty="0">
+                <a:latin typeface="Noto Sans KR Medium" pitchFamily="34" charset="-127"/>
+                <a:ea typeface="Noto Sans KR Medium" pitchFamily="34" charset="-127"/>
+              </a:rPr>
+              <a:t>무게 </a:t>
+            </a:r>
+            <a:r>
+              <a:rPr lang="en-US" altLang="ko-KR" dirty="0">
+                <a:latin typeface="Noto Sans KR Medium" pitchFamily="34" charset="-127"/>
+                <a:ea typeface="Noto Sans KR Medium" pitchFamily="34" charset="-127"/>
+              </a:rPr>
+              <a:t>: 1</a:t>
+            </a:r>
+          </a:p>
+          <a:p>
+            <a:pPr marL="0" indent="0">
+              <a:buNone/>
+            </a:pPr>
+            <a:r>
+              <a:rPr lang="ko-KR" altLang="en-US" dirty="0">
+                <a:latin typeface="Noto Sans KR Medium" pitchFamily="34" charset="-127"/>
+                <a:ea typeface="Noto Sans KR Medium" pitchFamily="34" charset="-127"/>
+              </a:rPr>
+              <a:t>캐릭터 획득 시기  </a:t>
+            </a:r>
+            <a:r>
+              <a:rPr lang="en-US" altLang="ko-KR" dirty="0">
+                <a:latin typeface="Noto Sans KR Medium" pitchFamily="34" charset="-127"/>
+                <a:ea typeface="Noto Sans KR Medium" pitchFamily="34" charset="-127"/>
+              </a:rPr>
+              <a:t>: </a:t>
+            </a:r>
+            <a:r>
+              <a:rPr lang="ko-KR" altLang="en-US" dirty="0">
+                <a:latin typeface="Noto Sans KR Medium" pitchFamily="34" charset="-127"/>
+                <a:ea typeface="Noto Sans KR Medium" pitchFamily="34" charset="-127"/>
+              </a:rPr>
+              <a:t>스토리 진행</a:t>
+            </a:r>
           </a:p>
         </p:txBody>
       </p:sp>
@@ -6983,13 +6966,6 @@
   <p:clrMapOvr>
     <a:masterClrMapping/>
   </p:clrMapOvr>
-  <p:timing>
-    <p:tnLst>
-      <p:par>
-        <p:cTn id="1" dur="indefinite" restart="never" nodeType="tmRoot"/>
-      </p:par>
-    </p:tnLst>
-  </p:timing>
 </p:sld>
 </file>
 
@@ -7026,16 +7002,12 @@
           <a:lstStyle/>
           <a:p>
             <a:r>
-              <a:rPr lang="ko-KR" altLang="en-US" dirty="0" smtClean="0">
+              <a:rPr lang="ko-KR" altLang="en-US" dirty="0">
                 <a:latin typeface="Noto Sans KR Medium" pitchFamily="34" charset="-127"/>
                 <a:ea typeface="Noto Sans KR Medium" pitchFamily="34" charset="-127"/>
               </a:rPr>
               <a:t>캐릭터</a:t>
             </a:r>
-            <a:endParaRPr lang="ko-KR" altLang="en-US" dirty="0">
-              <a:latin typeface="Noto Sans KR Medium" pitchFamily="34" charset="-127"/>
-              <a:ea typeface="Noto Sans KR Medium" pitchFamily="34" charset="-127"/>
-            </a:endParaRPr>
           </a:p>
         </p:txBody>
       </p:sp>
@@ -7058,157 +7030,25 @@
               <a:buNone/>
             </a:pPr>
             <a:r>
-              <a:rPr lang="ko-KR" altLang="en-US" dirty="0" smtClean="0">
+              <a:rPr lang="ko-KR" altLang="en-US" dirty="0">
                 <a:latin typeface="Noto Sans KR Medium" pitchFamily="34" charset="-127"/>
                 <a:ea typeface="Noto Sans KR Medium" pitchFamily="34" charset="-127"/>
               </a:rPr>
               <a:t>이름 </a:t>
             </a:r>
             <a:r>
-              <a:rPr lang="en-US" altLang="ko-KR" dirty="0" smtClean="0">
+              <a:rPr lang="en-US" altLang="ko-KR" dirty="0">
                 <a:latin typeface="Noto Sans KR Medium" pitchFamily="34" charset="-127"/>
                 <a:ea typeface="Noto Sans KR Medium" pitchFamily="34" charset="-127"/>
               </a:rPr>
               <a:t>: </a:t>
             </a:r>
             <a:r>
-              <a:rPr lang="ko-KR" altLang="en-US" dirty="0" err="1" smtClean="0">
+              <a:rPr lang="ko-KR" altLang="en-US" dirty="0" err="1">
                 <a:latin typeface="Noto Sans KR Medium" pitchFamily="34" charset="-127"/>
                 <a:ea typeface="Noto Sans KR Medium" pitchFamily="34" charset="-127"/>
               </a:rPr>
               <a:t>서라현</a:t>
-            </a:r>
-            <a:endParaRPr lang="en-US" altLang="ko-KR" dirty="0" smtClean="0">
-              <a:latin typeface="Noto Sans KR Medium" pitchFamily="34" charset="-127"/>
-              <a:ea typeface="Noto Sans KR Medium" pitchFamily="34" charset="-127"/>
-            </a:endParaRPr>
-          </a:p>
-          <a:p>
-            <a:pPr marL="0" indent="0">
-              <a:buNone/>
-            </a:pPr>
-            <a:r>
-              <a:rPr lang="ko-KR" altLang="en-US" dirty="0" smtClean="0">
-                <a:latin typeface="Noto Sans KR Medium" pitchFamily="34" charset="-127"/>
-                <a:ea typeface="Noto Sans KR Medium" pitchFamily="34" charset="-127"/>
-              </a:rPr>
-              <a:t>속성 </a:t>
-            </a:r>
-            <a:r>
-              <a:rPr lang="en-US" altLang="ko-KR" dirty="0" smtClean="0">
-                <a:latin typeface="Noto Sans KR Medium" pitchFamily="34" charset="-127"/>
-                <a:ea typeface="Noto Sans KR Medium" pitchFamily="34" charset="-127"/>
-              </a:rPr>
-              <a:t>: </a:t>
-            </a:r>
-            <a:r>
-              <a:rPr lang="ko-KR" altLang="en-US" dirty="0" smtClean="0">
-                <a:latin typeface="Noto Sans KR Medium" pitchFamily="34" charset="-127"/>
-                <a:ea typeface="Noto Sans KR Medium" pitchFamily="34" charset="-127"/>
-              </a:rPr>
-              <a:t>불</a:t>
-            </a:r>
-            <a:endParaRPr lang="en-US" altLang="ko-KR" dirty="0" smtClean="0">
-              <a:latin typeface="Noto Sans KR Medium" pitchFamily="34" charset="-127"/>
-              <a:ea typeface="Noto Sans KR Medium" pitchFamily="34" charset="-127"/>
-            </a:endParaRPr>
-          </a:p>
-          <a:p>
-            <a:pPr marL="0" indent="0">
-              <a:buNone/>
-            </a:pPr>
-            <a:r>
-              <a:rPr lang="ko-KR" altLang="en-US" dirty="0" smtClean="0">
-                <a:latin typeface="Noto Sans KR Medium" pitchFamily="34" charset="-127"/>
-                <a:ea typeface="Noto Sans KR Medium" pitchFamily="34" charset="-127"/>
-              </a:rPr>
-              <a:t>일반 공격</a:t>
-            </a:r>
-            <a:r>
-              <a:rPr lang="en-US" altLang="ko-KR" dirty="0">
-                <a:latin typeface="Noto Sans KR Medium" pitchFamily="34" charset="-127"/>
-                <a:ea typeface="Noto Sans KR Medium" pitchFamily="34" charset="-127"/>
-              </a:rPr>
-              <a:t> </a:t>
-            </a:r>
-            <a:r>
-              <a:rPr lang="en-US" altLang="ko-KR" dirty="0" smtClean="0">
-                <a:latin typeface="Noto Sans KR Medium" pitchFamily="34" charset="-127"/>
-                <a:ea typeface="Noto Sans KR Medium" pitchFamily="34" charset="-127"/>
-              </a:rPr>
-              <a:t>: </a:t>
-            </a:r>
-            <a:r>
-              <a:rPr lang="ko-KR" altLang="en-US" dirty="0" smtClean="0">
-                <a:latin typeface="Noto Sans KR Medium" pitchFamily="34" charset="-127"/>
-                <a:ea typeface="Noto Sans KR Medium" pitchFamily="34" charset="-127"/>
-              </a:rPr>
-              <a:t>캐릭터 전방 범위 베기</a:t>
-            </a:r>
-            <a:endParaRPr lang="en-US" altLang="ko-KR" dirty="0" smtClean="0">
-              <a:latin typeface="Noto Sans KR Medium" pitchFamily="34" charset="-127"/>
-              <a:ea typeface="Noto Sans KR Medium" pitchFamily="34" charset="-127"/>
-            </a:endParaRPr>
-          </a:p>
-          <a:p>
-            <a:pPr marL="0" indent="0">
-              <a:buNone/>
-            </a:pPr>
-            <a:r>
-              <a:rPr lang="ko-KR" altLang="en-US" dirty="0" smtClean="0">
-                <a:latin typeface="Noto Sans KR Medium" pitchFamily="34" charset="-127"/>
-                <a:ea typeface="Noto Sans KR Medium" pitchFamily="34" charset="-127"/>
-              </a:rPr>
-              <a:t>사용 스킬 </a:t>
-            </a:r>
-            <a:r>
-              <a:rPr lang="en-US" altLang="ko-KR" dirty="0" smtClean="0">
-                <a:latin typeface="Noto Sans KR Medium" pitchFamily="34" charset="-127"/>
-                <a:ea typeface="Noto Sans KR Medium" pitchFamily="34" charset="-127"/>
-              </a:rPr>
-              <a:t>: </a:t>
-            </a:r>
-            <a:r>
-              <a:rPr lang="ko-KR" altLang="en-US" dirty="0" smtClean="0">
-                <a:latin typeface="Noto Sans KR Medium" pitchFamily="34" charset="-127"/>
-                <a:ea typeface="Noto Sans KR Medium" pitchFamily="34" charset="-127"/>
-              </a:rPr>
-              <a:t>캐릭터 전방 불 속성 오브젝트 소환 </a:t>
-            </a:r>
-            <a:r>
-              <a:rPr lang="en-US" altLang="ko-KR" dirty="0" smtClean="0">
-                <a:latin typeface="Noto Sans KR Medium" pitchFamily="34" charset="-127"/>
-                <a:ea typeface="Noto Sans KR Medium" pitchFamily="34" charset="-127"/>
-              </a:rPr>
-              <a:t>(</a:t>
-            </a:r>
-            <a:r>
-              <a:rPr lang="ko-KR" altLang="en-US" dirty="0" smtClean="0">
-                <a:latin typeface="Noto Sans KR Medium" pitchFamily="34" charset="-127"/>
-                <a:ea typeface="Noto Sans KR Medium" pitchFamily="34" charset="-127"/>
-              </a:rPr>
-              <a:t>지속시간 </a:t>
-            </a:r>
-            <a:r>
-              <a:rPr lang="en-US" altLang="ko-KR" dirty="0" smtClean="0">
-                <a:latin typeface="Noto Sans KR Medium" pitchFamily="34" charset="-127"/>
-                <a:ea typeface="Noto Sans KR Medium" pitchFamily="34" charset="-127"/>
-              </a:rPr>
-              <a:t>5</a:t>
-            </a:r>
-            <a:r>
-              <a:rPr lang="ko-KR" altLang="en-US" dirty="0" smtClean="0">
-                <a:latin typeface="Noto Sans KR Medium" pitchFamily="34" charset="-127"/>
-                <a:ea typeface="Noto Sans KR Medium" pitchFamily="34" charset="-127"/>
-              </a:rPr>
-              <a:t>초</a:t>
-            </a:r>
-            <a:r>
-              <a:rPr lang="en-US" altLang="ko-KR" dirty="0" smtClean="0">
-                <a:latin typeface="Noto Sans KR Medium" pitchFamily="34" charset="-127"/>
-                <a:ea typeface="Noto Sans KR Medium" pitchFamily="34" charset="-127"/>
-              </a:rPr>
-              <a:t>)</a:t>
             </a:r>
             <a:endParaRPr lang="en-US" altLang="ko-KR" dirty="0">
               <a:latin typeface="Noto Sans KR Medium" pitchFamily="34" charset="-127"/>
@@ -7220,41 +7060,27 @@
               <a:buNone/>
             </a:pPr>
             <a:r>
-              <a:rPr lang="ko-KR" altLang="en-US" dirty="0" smtClean="0">
-                <a:latin typeface="Noto Sans KR Medium" pitchFamily="34" charset="-127"/>
-                <a:ea typeface="Noto Sans KR Medium" pitchFamily="34" charset="-127"/>
-              </a:rPr>
-              <a:t>스킬 </a:t>
-            </a:r>
-            <a:r>
-              <a:rPr lang="ko-KR" altLang="en-US" dirty="0" err="1" smtClean="0">
-                <a:latin typeface="Noto Sans KR Medium" pitchFamily="34" charset="-127"/>
-                <a:ea typeface="Noto Sans KR Medium" pitchFamily="34" charset="-127"/>
-              </a:rPr>
-              <a:t>쿨타임</a:t>
-            </a:r>
-            <a:r>
-              <a:rPr lang="ko-KR" altLang="en-US" dirty="0" smtClean="0">
-                <a:latin typeface="Noto Sans KR Medium" pitchFamily="34" charset="-127"/>
-                <a:ea typeface="Noto Sans KR Medium" pitchFamily="34" charset="-127"/>
-              </a:rPr>
-              <a:t> </a:t>
-            </a:r>
-            <a:r>
-              <a:rPr lang="en-US" altLang="ko-KR" dirty="0" smtClean="0">
-                <a:latin typeface="Noto Sans KR Medium" pitchFamily="34" charset="-127"/>
-                <a:ea typeface="Noto Sans KR Medium" pitchFamily="34" charset="-127"/>
-              </a:rPr>
-              <a:t>: 6</a:t>
-            </a:r>
-            <a:r>
-              <a:rPr lang="ko-KR" altLang="en-US" dirty="0" smtClean="0">
-                <a:latin typeface="Noto Sans KR Medium" pitchFamily="34" charset="-127"/>
-                <a:ea typeface="Noto Sans KR Medium" pitchFamily="34" charset="-127"/>
-              </a:rPr>
-              <a:t>초</a:t>
-            </a:r>
-            <a:endParaRPr lang="en-US" altLang="ko-KR" dirty="0" smtClean="0">
+              <a:rPr lang="ko-KR" altLang="en-US" dirty="0">
+                <a:latin typeface="Noto Sans KR Medium" pitchFamily="34" charset="-127"/>
+                <a:ea typeface="Noto Sans KR Medium" pitchFamily="34" charset="-127"/>
+              </a:rPr>
+              <a:t>속성 </a:t>
+            </a:r>
+            <a:r>
+              <a:rPr lang="en-US" altLang="ko-KR" dirty="0">
+                <a:latin typeface="Noto Sans KR Medium" pitchFamily="34" charset="-127"/>
+                <a:ea typeface="Noto Sans KR Medium" pitchFamily="34" charset="-127"/>
+              </a:rPr>
+              <a:t>: </a:t>
+            </a:r>
+            <a:r>
+              <a:rPr lang="ko-KR" altLang="en-US" dirty="0">
+                <a:latin typeface="Noto Sans KR Medium" pitchFamily="34" charset="-127"/>
+                <a:ea typeface="Noto Sans KR Medium" pitchFamily="34" charset="-127"/>
+              </a:rPr>
+              <a:t>불</a:t>
+            </a:r>
+            <a:endParaRPr lang="en-US" altLang="ko-KR" dirty="0">
               <a:latin typeface="Noto Sans KR Medium" pitchFamily="34" charset="-127"/>
               <a:ea typeface="Noto Sans KR Medium" pitchFamily="34" charset="-127"/>
             </a:endParaRPr>
@@ -7264,14 +7090,149 @@
               <a:buNone/>
             </a:pPr>
             <a:r>
-              <a:rPr lang="ko-KR" altLang="en-US" dirty="0" smtClean="0">
+              <a:rPr lang="ko-KR" altLang="en-US" dirty="0">
+                <a:latin typeface="Noto Sans KR Medium" pitchFamily="34" charset="-127"/>
+                <a:ea typeface="Noto Sans KR Medium" pitchFamily="34" charset="-127"/>
+              </a:rPr>
+              <a:t>일반 공격</a:t>
+            </a:r>
+            <a:r>
+              <a:rPr lang="en-US" altLang="ko-KR" dirty="0">
+                <a:latin typeface="Noto Sans KR Medium" pitchFamily="34" charset="-127"/>
+                <a:ea typeface="Noto Sans KR Medium" pitchFamily="34" charset="-127"/>
+              </a:rPr>
+              <a:t> : </a:t>
+            </a:r>
+            <a:r>
+              <a:rPr lang="ko-KR" altLang="en-US" dirty="0">
+                <a:latin typeface="Noto Sans KR Medium" pitchFamily="34" charset="-127"/>
+                <a:ea typeface="Noto Sans KR Medium" pitchFamily="34" charset="-127"/>
+              </a:rPr>
+              <a:t>캐릭터 전방 범위 베기</a:t>
+            </a:r>
+            <a:endParaRPr lang="en-US" altLang="ko-KR" dirty="0">
+              <a:latin typeface="Noto Sans KR Medium" pitchFamily="34" charset="-127"/>
+              <a:ea typeface="Noto Sans KR Medium" pitchFamily="34" charset="-127"/>
+            </a:endParaRPr>
+          </a:p>
+          <a:p>
+            <a:pPr marL="0" indent="0">
+              <a:buNone/>
+            </a:pPr>
+            <a:r>
+              <a:rPr lang="ko-KR" altLang="en-US" dirty="0">
+                <a:latin typeface="Noto Sans KR Medium" pitchFamily="34" charset="-127"/>
+                <a:ea typeface="Noto Sans KR Medium" pitchFamily="34" charset="-127"/>
+              </a:rPr>
+              <a:t>사용 스킬 </a:t>
+            </a:r>
+            <a:r>
+              <a:rPr lang="en-US" altLang="ko-KR" dirty="0">
+                <a:latin typeface="Noto Sans KR Medium" pitchFamily="34" charset="-127"/>
+                <a:ea typeface="Noto Sans KR Medium" pitchFamily="34" charset="-127"/>
+              </a:rPr>
+              <a:t>: </a:t>
+            </a:r>
+            <a:r>
+              <a:rPr lang="ko-KR" altLang="en-US" dirty="0">
+                <a:latin typeface="Noto Sans KR Medium" pitchFamily="34" charset="-127"/>
+                <a:ea typeface="Noto Sans KR Medium" pitchFamily="34" charset="-127"/>
+              </a:rPr>
+              <a:t>캐릭터 전방 불 속성 오브젝트 소환 </a:t>
+            </a:r>
+            <a:r>
+              <a:rPr lang="en-US" altLang="ko-KR" dirty="0">
+                <a:latin typeface="Noto Sans KR Medium" pitchFamily="34" charset="-127"/>
+                <a:ea typeface="Noto Sans KR Medium" pitchFamily="34" charset="-127"/>
+              </a:rPr>
+              <a:t>(</a:t>
+            </a:r>
+            <a:r>
+              <a:rPr lang="ko-KR" altLang="en-US" dirty="0">
+                <a:latin typeface="Noto Sans KR Medium" pitchFamily="34" charset="-127"/>
+                <a:ea typeface="Noto Sans KR Medium" pitchFamily="34" charset="-127"/>
+              </a:rPr>
+              <a:t>지속시간 </a:t>
+            </a:r>
+            <a:r>
+              <a:rPr lang="en-US" altLang="ko-KR" dirty="0">
+                <a:latin typeface="Noto Sans KR Medium" pitchFamily="34" charset="-127"/>
+                <a:ea typeface="Noto Sans KR Medium" pitchFamily="34" charset="-127"/>
+              </a:rPr>
+              <a:t>5</a:t>
+            </a:r>
+            <a:r>
+              <a:rPr lang="ko-KR" altLang="en-US" dirty="0">
+                <a:latin typeface="Noto Sans KR Medium" pitchFamily="34" charset="-127"/>
+                <a:ea typeface="Noto Sans KR Medium" pitchFamily="34" charset="-127"/>
+              </a:rPr>
+              <a:t>초</a:t>
+            </a:r>
+            <a:r>
+              <a:rPr lang="en-US" altLang="ko-KR" dirty="0">
+                <a:latin typeface="Noto Sans KR Medium" pitchFamily="34" charset="-127"/>
+                <a:ea typeface="Noto Sans KR Medium" pitchFamily="34" charset="-127"/>
+              </a:rPr>
+              <a:t>)</a:t>
+            </a:r>
+          </a:p>
+          <a:p>
+            <a:pPr marL="0" indent="0">
+              <a:buNone/>
+            </a:pPr>
+            <a:r>
+              <a:rPr lang="ko-KR" altLang="en-US" dirty="0">
+                <a:latin typeface="Noto Sans KR Medium" pitchFamily="34" charset="-127"/>
+                <a:ea typeface="Noto Sans KR Medium" pitchFamily="34" charset="-127"/>
+              </a:rPr>
+              <a:t>스킬 </a:t>
+            </a:r>
+            <a:r>
+              <a:rPr lang="ko-KR" altLang="en-US" dirty="0" err="1">
+                <a:latin typeface="Noto Sans KR Medium" pitchFamily="34" charset="-127"/>
+                <a:ea typeface="Noto Sans KR Medium" pitchFamily="34" charset="-127"/>
+              </a:rPr>
+              <a:t>쿨타임</a:t>
+            </a:r>
+            <a:r>
+              <a:rPr lang="ko-KR" altLang="en-US" dirty="0">
+                <a:latin typeface="Noto Sans KR Medium" pitchFamily="34" charset="-127"/>
+                <a:ea typeface="Noto Sans KR Medium" pitchFamily="34" charset="-127"/>
+              </a:rPr>
+              <a:t> </a:t>
+            </a:r>
+            <a:r>
+              <a:rPr lang="en-US" altLang="ko-KR" dirty="0">
+                <a:latin typeface="Noto Sans KR Medium" pitchFamily="34" charset="-127"/>
+                <a:ea typeface="Noto Sans KR Medium" pitchFamily="34" charset="-127"/>
+              </a:rPr>
+              <a:t>: 6</a:t>
+            </a:r>
+            <a:r>
+              <a:rPr lang="ko-KR" altLang="en-US" dirty="0">
+                <a:latin typeface="Noto Sans KR Medium" pitchFamily="34" charset="-127"/>
+                <a:ea typeface="Noto Sans KR Medium" pitchFamily="34" charset="-127"/>
+              </a:rPr>
+              <a:t>초</a:t>
+            </a:r>
+            <a:endParaRPr lang="en-US" altLang="ko-KR" dirty="0">
+              <a:latin typeface="Noto Sans KR Medium" pitchFamily="34" charset="-127"/>
+              <a:ea typeface="Noto Sans KR Medium" pitchFamily="34" charset="-127"/>
+            </a:endParaRPr>
+          </a:p>
+          <a:p>
+            <a:pPr marL="0" indent="0">
+              <a:buNone/>
+            </a:pPr>
+            <a:r>
+              <a:rPr lang="ko-KR" altLang="en-US" dirty="0">
                 <a:latin typeface="Noto Sans KR Medium" pitchFamily="34" charset="-127"/>
                 <a:ea typeface="Noto Sans KR Medium" pitchFamily="34" charset="-127"/>
               </a:rPr>
               <a:t>무게 </a:t>
             </a:r>
             <a:r>
-              <a:rPr lang="en-US" altLang="ko-KR" dirty="0" smtClean="0">
+              <a:rPr lang="en-US" altLang="ko-KR" dirty="0">
                 <a:latin typeface="Noto Sans KR Medium" pitchFamily="34" charset="-127"/>
                 <a:ea typeface="Noto Sans KR Medium" pitchFamily="34" charset="-127"/>
               </a:rPr>
@@ -7283,14 +7244,14 @@
               <a:buNone/>
             </a:pPr>
             <a:r>
-              <a:rPr lang="ko-KR" altLang="en-US" dirty="0" smtClean="0">
+              <a:rPr lang="ko-KR" altLang="en-US" dirty="0">
                 <a:latin typeface="Noto Sans KR Medium" pitchFamily="34" charset="-127"/>
                 <a:ea typeface="Noto Sans KR Medium" pitchFamily="34" charset="-127"/>
               </a:rPr>
               <a:t>캐릭터 획득 시기  </a:t>
             </a:r>
             <a:r>
-              <a:rPr lang="en-US" altLang="ko-KR" dirty="0" smtClean="0">
+              <a:rPr lang="en-US" altLang="ko-KR" dirty="0">
                 <a:latin typeface="Noto Sans KR Medium" pitchFamily="34" charset="-127"/>
                 <a:ea typeface="Noto Sans KR Medium" pitchFamily="34" charset="-127"/>
               </a:rPr>
@@ -7389,13 +7350,6 @@
   <p:clrMapOvr>
     <a:masterClrMapping/>
   </p:clrMapOvr>
-  <p:timing>
-    <p:tnLst>
-      <p:par>
-        <p:cTn id="1" dur="indefinite" restart="never" nodeType="tmRoot"/>
-      </p:par>
-    </p:tnLst>
-  </p:timing>
 </p:sld>
 </file>
 
@@ -7432,59 +7386,85 @@
           <a:lstStyle/>
           <a:p>
             <a:r>
-              <a:rPr lang="ko-KR" altLang="en-US" dirty="0" smtClean="0">
+              <a:rPr lang="ko-KR" altLang="en-US" dirty="0">
                 <a:latin typeface="Noto Sans KR Medium" pitchFamily="34" charset="-127"/>
                 <a:ea typeface="Noto Sans KR Medium" pitchFamily="34" charset="-127"/>
               </a:rPr>
               <a:t>캐릭터</a:t>
             </a:r>
-            <a:endParaRPr lang="ko-KR" altLang="en-US" dirty="0">
+          </a:p>
+        </p:txBody>
+      </p:sp>
+      <p:sp>
+        <p:nvSpPr>
+          <p:cNvPr id="3" name="내용 개체 틀 2"/>
+          <p:cNvSpPr>
+            <a:spLocks noGrp="1"/>
+          </p:cNvSpPr>
+          <p:nvPr>
+            <p:ph idx="1"/>
+          </p:nvPr>
+        </p:nvSpPr>
+        <p:spPr/>
+        <p:txBody>
+          <a:bodyPr/>
+          <a:lstStyle/>
+          <a:p>
+            <a:pPr marL="0" indent="0">
+              <a:buNone/>
+            </a:pPr>
+            <a:r>
+              <a:rPr lang="ko-KR" altLang="en-US" dirty="0">
+                <a:latin typeface="Noto Sans KR Medium" pitchFamily="34" charset="-127"/>
+                <a:ea typeface="Noto Sans KR Medium" pitchFamily="34" charset="-127"/>
+              </a:rPr>
+              <a:t>이름 </a:t>
+            </a:r>
+            <a:r>
+              <a:rPr lang="en-US" altLang="ko-KR" dirty="0">
+                <a:latin typeface="Noto Sans KR Medium" pitchFamily="34" charset="-127"/>
+                <a:ea typeface="Noto Sans KR Medium" pitchFamily="34" charset="-127"/>
+              </a:rPr>
+              <a:t>: </a:t>
+            </a:r>
+            <a:r>
+              <a:rPr lang="ko-KR" altLang="en-US" dirty="0" err="1">
+                <a:latin typeface="Noto Sans KR Medium" pitchFamily="34" charset="-127"/>
+                <a:ea typeface="Noto Sans KR Medium" pitchFamily="34" charset="-127"/>
+              </a:rPr>
+              <a:t>후우</a:t>
+            </a:r>
+            <a:endParaRPr lang="en-US" altLang="ko-KR" dirty="0">
               <a:latin typeface="Noto Sans KR Medium" pitchFamily="34" charset="-127"/>
               <a:ea typeface="Noto Sans KR Medium" pitchFamily="34" charset="-127"/>
             </a:endParaRPr>
           </a:p>
-        </p:txBody>
-      </p:sp>
-      <p:sp>
-        <p:nvSpPr>
-          <p:cNvPr id="3" name="내용 개체 틀 2"/>
-          <p:cNvSpPr>
-            <a:spLocks noGrp="1"/>
-          </p:cNvSpPr>
-          <p:nvPr>
-            <p:ph idx="1"/>
-          </p:nvPr>
-        </p:nvSpPr>
-        <p:spPr/>
-        <p:txBody>
-          <a:bodyPr/>
-          <a:lstStyle/>
           <a:p>
             <a:pPr marL="0" indent="0">
               <a:buNone/>
             </a:pPr>
             <a:r>
-              <a:rPr lang="ko-KR" altLang="en-US" dirty="0" smtClean="0">
-                <a:latin typeface="Noto Sans KR Medium" pitchFamily="34" charset="-127"/>
-                <a:ea typeface="Noto Sans KR Medium" pitchFamily="34" charset="-127"/>
-              </a:rPr>
-              <a:t>이름 </a:t>
-            </a:r>
-            <a:r>
-              <a:rPr lang="en-US" altLang="ko-KR" dirty="0" smtClean="0">
+              <a:rPr lang="ko-KR" altLang="en-US" dirty="0">
+                <a:latin typeface="Noto Sans KR Medium" pitchFamily="34" charset="-127"/>
+                <a:ea typeface="Noto Sans KR Medium" pitchFamily="34" charset="-127"/>
+              </a:rPr>
+              <a:t>속성 </a:t>
+            </a:r>
+            <a:r>
+              <a:rPr lang="en-US" altLang="ko-KR" dirty="0">
                 <a:latin typeface="Noto Sans KR Medium" pitchFamily="34" charset="-127"/>
                 <a:ea typeface="Noto Sans KR Medium" pitchFamily="34" charset="-127"/>
               </a:rPr>
               <a:t>: </a:t>
             </a:r>
             <a:r>
-              <a:rPr lang="ko-KR" altLang="en-US" dirty="0" err="1" smtClean="0">
-                <a:latin typeface="Noto Sans KR Medium" pitchFamily="34" charset="-127"/>
-                <a:ea typeface="Noto Sans KR Medium" pitchFamily="34" charset="-127"/>
-              </a:rPr>
-              <a:t>후우</a:t>
-            </a:r>
-            <a:endParaRPr lang="en-US" altLang="ko-KR" dirty="0" smtClean="0">
+              <a:rPr lang="ko-KR" altLang="en-US" dirty="0">
+                <a:latin typeface="Noto Sans KR Medium" pitchFamily="34" charset="-127"/>
+                <a:ea typeface="Noto Sans KR Medium" pitchFamily="34" charset="-127"/>
+              </a:rPr>
+              <a:t>바람</a:t>
+            </a:r>
+            <a:endParaRPr lang="en-US" altLang="ko-KR" dirty="0">
               <a:latin typeface="Noto Sans KR Medium" pitchFamily="34" charset="-127"/>
               <a:ea typeface="Noto Sans KR Medium" pitchFamily="34" charset="-127"/>
             </a:endParaRPr>
@@ -7494,34 +7474,27 @@
               <a:buNone/>
             </a:pPr>
             <a:r>
-              <a:rPr lang="ko-KR" altLang="en-US" dirty="0" smtClean="0">
-                <a:latin typeface="Noto Sans KR Medium" pitchFamily="34" charset="-127"/>
-                <a:ea typeface="Noto Sans KR Medium" pitchFamily="34" charset="-127"/>
-              </a:rPr>
-              <a:t>속성 </a:t>
-            </a:r>
-            <a:r>
-              <a:rPr lang="en-US" altLang="ko-KR" dirty="0" smtClean="0">
-                <a:latin typeface="Noto Sans KR Medium" pitchFamily="34" charset="-127"/>
-                <a:ea typeface="Noto Sans KR Medium" pitchFamily="34" charset="-127"/>
-              </a:rPr>
-              <a:t>: </a:t>
-            </a:r>
-            <a:r>
-              <a:rPr lang="ko-KR" altLang="en-US" dirty="0" smtClean="0">
-                <a:latin typeface="Noto Sans KR Medium" pitchFamily="34" charset="-127"/>
-                <a:ea typeface="Noto Sans KR Medium" pitchFamily="34" charset="-127"/>
-              </a:rPr>
-              <a:t>바</a:t>
-            </a:r>
-            <a:r>
-              <a:rPr lang="ko-KR" altLang="en-US" dirty="0">
-                <a:latin typeface="Noto Sans KR Medium" pitchFamily="34" charset="-127"/>
-                <a:ea typeface="Noto Sans KR Medium" pitchFamily="34" charset="-127"/>
-              </a:rPr>
-              <a:t>람</a:t>
-            </a:r>
-            <a:endParaRPr lang="en-US" altLang="ko-KR" dirty="0" smtClean="0">
+              <a:rPr lang="ko-KR" altLang="en-US" dirty="0">
+                <a:latin typeface="Noto Sans KR Medium" pitchFamily="34" charset="-127"/>
+                <a:ea typeface="Noto Sans KR Medium" pitchFamily="34" charset="-127"/>
+              </a:rPr>
+              <a:t>일반 공격</a:t>
+            </a:r>
+            <a:r>
+              <a:rPr lang="en-US" altLang="ko-KR" dirty="0">
+                <a:latin typeface="Noto Sans KR Medium" pitchFamily="34" charset="-127"/>
+                <a:ea typeface="Noto Sans KR Medium" pitchFamily="34" charset="-127"/>
+              </a:rPr>
+              <a:t> : </a:t>
+            </a:r>
+            <a:r>
+              <a:rPr lang="ko-KR" altLang="en-US" dirty="0">
+                <a:latin typeface="Noto Sans KR Medium" pitchFamily="34" charset="-127"/>
+                <a:ea typeface="Noto Sans KR Medium" pitchFamily="34" charset="-127"/>
+              </a:rPr>
+              <a:t>캐릭터 전방 바람속성 공격</a:t>
+            </a:r>
+            <a:endParaRPr lang="en-US" altLang="ko-KR" dirty="0">
               <a:latin typeface="Noto Sans KR Medium" pitchFamily="34" charset="-127"/>
               <a:ea typeface="Noto Sans KR Medium" pitchFamily="34" charset="-127"/>
             </a:endParaRPr>
@@ -7531,34 +7504,27 @@
               <a:buNone/>
             </a:pPr>
             <a:r>
-              <a:rPr lang="ko-KR" altLang="en-US" dirty="0" smtClean="0">
-                <a:latin typeface="Noto Sans KR Medium" pitchFamily="34" charset="-127"/>
-                <a:ea typeface="Noto Sans KR Medium" pitchFamily="34" charset="-127"/>
-              </a:rPr>
-              <a:t>일반 공격</a:t>
+              <a:rPr lang="ko-KR" altLang="en-US" dirty="0">
+                <a:latin typeface="Noto Sans KR Medium" pitchFamily="34" charset="-127"/>
+                <a:ea typeface="Noto Sans KR Medium" pitchFamily="34" charset="-127"/>
+              </a:rPr>
+              <a:t>사용 스킬 </a:t>
             </a:r>
             <a:r>
               <a:rPr lang="en-US" altLang="ko-KR" dirty="0">
                 <a:latin typeface="Noto Sans KR Medium" pitchFamily="34" charset="-127"/>
                 <a:ea typeface="Noto Sans KR Medium" pitchFamily="34" charset="-127"/>
               </a:rPr>
-              <a:t> </a:t>
-            </a:r>
-            <a:r>
-              <a:rPr lang="en-US" altLang="ko-KR" dirty="0" smtClean="0">
-                <a:latin typeface="Noto Sans KR Medium" pitchFamily="34" charset="-127"/>
-                <a:ea typeface="Noto Sans KR Medium" pitchFamily="34" charset="-127"/>
-              </a:rPr>
               <a:t>: </a:t>
             </a:r>
             <a:r>
-              <a:rPr lang="ko-KR" altLang="en-US" dirty="0" smtClean="0">
-                <a:latin typeface="Noto Sans KR Medium" pitchFamily="34" charset="-127"/>
-                <a:ea typeface="Noto Sans KR Medium" pitchFamily="34" charset="-127"/>
-              </a:rPr>
-              <a:t>캐릭터 전방 바람속성 공격</a:t>
-            </a:r>
-            <a:endParaRPr lang="en-US" altLang="ko-KR" dirty="0" smtClean="0">
+              <a:rPr lang="ko-KR" altLang="en-US" dirty="0">
+                <a:latin typeface="Noto Sans KR Medium" pitchFamily="34" charset="-127"/>
+                <a:ea typeface="Noto Sans KR Medium" pitchFamily="34" charset="-127"/>
+              </a:rPr>
+              <a:t>캐릭터 전방 바람 속성 기둥 생성</a:t>
+            </a:r>
+            <a:endParaRPr lang="en-US" altLang="ko-KR" dirty="0">
               <a:latin typeface="Noto Sans KR Medium" pitchFamily="34" charset="-127"/>
               <a:ea typeface="Noto Sans KR Medium" pitchFamily="34" charset="-127"/>
             </a:endParaRPr>
@@ -7568,27 +7534,41 @@
               <a:buNone/>
             </a:pPr>
             <a:r>
-              <a:rPr lang="ko-KR" altLang="en-US" dirty="0" smtClean="0">
-                <a:latin typeface="Noto Sans KR Medium" pitchFamily="34" charset="-127"/>
-                <a:ea typeface="Noto Sans KR Medium" pitchFamily="34" charset="-127"/>
-              </a:rPr>
-              <a:t>사용 스킬 </a:t>
-            </a:r>
-            <a:r>
-              <a:rPr lang="en-US" altLang="ko-KR" dirty="0" smtClean="0">
-                <a:latin typeface="Noto Sans KR Medium" pitchFamily="34" charset="-127"/>
-                <a:ea typeface="Noto Sans KR Medium" pitchFamily="34" charset="-127"/>
-              </a:rPr>
-              <a:t>: </a:t>
-            </a:r>
-            <a:r>
-              <a:rPr lang="ko-KR" altLang="en-US" dirty="0" smtClean="0">
-                <a:latin typeface="Noto Sans KR Medium" pitchFamily="34" charset="-127"/>
-                <a:ea typeface="Noto Sans KR Medium" pitchFamily="34" charset="-127"/>
-              </a:rPr>
-              <a:t>캐릭터 전방 바람 속성 기둥 생성</a:t>
-            </a:r>
-            <a:endParaRPr lang="en-US" altLang="ko-KR" dirty="0" smtClean="0">
+              <a:rPr lang="ko-KR" altLang="en-US" dirty="0">
+                <a:latin typeface="Noto Sans KR Medium" pitchFamily="34" charset="-127"/>
+                <a:ea typeface="Noto Sans KR Medium" pitchFamily="34" charset="-127"/>
+              </a:rPr>
+              <a:t>스킬 </a:t>
+            </a:r>
+            <a:r>
+              <a:rPr lang="ko-KR" altLang="en-US" dirty="0" err="1">
+                <a:latin typeface="Noto Sans KR Medium" pitchFamily="34" charset="-127"/>
+                <a:ea typeface="Noto Sans KR Medium" pitchFamily="34" charset="-127"/>
+              </a:rPr>
+              <a:t>쿨타임</a:t>
+            </a:r>
+            <a:r>
+              <a:rPr lang="ko-KR" altLang="en-US" dirty="0">
+                <a:latin typeface="Noto Sans KR Medium" pitchFamily="34" charset="-127"/>
+                <a:ea typeface="Noto Sans KR Medium" pitchFamily="34" charset="-127"/>
+              </a:rPr>
+              <a:t> </a:t>
+            </a:r>
+            <a:r>
+              <a:rPr lang="en-US" altLang="ko-KR" dirty="0">
+                <a:latin typeface="Noto Sans KR Medium" pitchFamily="34" charset="-127"/>
+                <a:ea typeface="Noto Sans KR Medium" pitchFamily="34" charset="-127"/>
+              </a:rPr>
+              <a:t>: 7</a:t>
+            </a:r>
+            <a:r>
+              <a:rPr lang="ko-KR" altLang="en-US" dirty="0">
+                <a:latin typeface="Noto Sans KR Medium" pitchFamily="34" charset="-127"/>
+                <a:ea typeface="Noto Sans KR Medium" pitchFamily="34" charset="-127"/>
+              </a:rPr>
+              <a:t>초</a:t>
+            </a:r>
+            <a:endParaRPr lang="en-US" altLang="ko-KR" dirty="0">
               <a:latin typeface="Noto Sans KR Medium" pitchFamily="34" charset="-127"/>
               <a:ea typeface="Noto Sans KR Medium" pitchFamily="34" charset="-127"/>
             </a:endParaRPr>
@@ -7598,77 +7578,33 @@
               <a:buNone/>
             </a:pPr>
             <a:r>
-              <a:rPr lang="ko-KR" altLang="en-US" dirty="0" smtClean="0">
-                <a:latin typeface="Noto Sans KR Medium" pitchFamily="34" charset="-127"/>
-                <a:ea typeface="Noto Sans KR Medium" pitchFamily="34" charset="-127"/>
-              </a:rPr>
-              <a:t>스킬 </a:t>
-            </a:r>
-            <a:r>
-              <a:rPr lang="ko-KR" altLang="en-US" dirty="0" err="1" smtClean="0">
-                <a:latin typeface="Noto Sans KR Medium" pitchFamily="34" charset="-127"/>
-                <a:ea typeface="Noto Sans KR Medium" pitchFamily="34" charset="-127"/>
-              </a:rPr>
-              <a:t>쿨타임</a:t>
-            </a:r>
-            <a:r>
-              <a:rPr lang="ko-KR" altLang="en-US" dirty="0" smtClean="0">
-                <a:latin typeface="Noto Sans KR Medium" pitchFamily="34" charset="-127"/>
-                <a:ea typeface="Noto Sans KR Medium" pitchFamily="34" charset="-127"/>
-              </a:rPr>
-              <a:t> </a:t>
-            </a:r>
-            <a:r>
-              <a:rPr lang="en-US" altLang="ko-KR" dirty="0" smtClean="0">
-                <a:latin typeface="Noto Sans KR Medium" pitchFamily="34" charset="-127"/>
-                <a:ea typeface="Noto Sans KR Medium" pitchFamily="34" charset="-127"/>
-              </a:rPr>
-              <a:t>: 7</a:t>
-            </a:r>
-            <a:r>
-              <a:rPr lang="ko-KR" altLang="en-US" dirty="0" smtClean="0">
-                <a:latin typeface="Noto Sans KR Medium" pitchFamily="34" charset="-127"/>
-                <a:ea typeface="Noto Sans KR Medium" pitchFamily="34" charset="-127"/>
-              </a:rPr>
-              <a:t>초</a:t>
-            </a:r>
-            <a:endParaRPr lang="en-US" altLang="ko-KR" dirty="0" smtClean="0">
-              <a:latin typeface="Noto Sans KR Medium" pitchFamily="34" charset="-127"/>
-              <a:ea typeface="Noto Sans KR Medium" pitchFamily="34" charset="-127"/>
-            </a:endParaRPr>
+              <a:rPr lang="ko-KR" altLang="en-US" dirty="0">
+                <a:latin typeface="Noto Sans KR Medium" pitchFamily="34" charset="-127"/>
+                <a:ea typeface="Noto Sans KR Medium" pitchFamily="34" charset="-127"/>
+              </a:rPr>
+              <a:t>무게 </a:t>
+            </a:r>
+            <a:r>
+              <a:rPr lang="en-US" altLang="ko-KR" dirty="0">
+                <a:latin typeface="Noto Sans KR Medium" pitchFamily="34" charset="-127"/>
+                <a:ea typeface="Noto Sans KR Medium" pitchFamily="34" charset="-127"/>
+              </a:rPr>
+              <a:t>: 0</a:t>
+            </a:r>
           </a:p>
           <a:p>
             <a:pPr marL="0" indent="0">
               <a:buNone/>
             </a:pPr>
             <a:r>
-              <a:rPr lang="ko-KR" altLang="en-US" dirty="0" smtClean="0">
-                <a:latin typeface="Noto Sans KR Medium" pitchFamily="34" charset="-127"/>
-                <a:ea typeface="Noto Sans KR Medium" pitchFamily="34" charset="-127"/>
-              </a:rPr>
-              <a:t>무게 </a:t>
-            </a:r>
-            <a:r>
-              <a:rPr lang="en-US" altLang="ko-KR" dirty="0" smtClean="0">
-                <a:latin typeface="Noto Sans KR Medium" pitchFamily="34" charset="-127"/>
-                <a:ea typeface="Noto Sans KR Medium" pitchFamily="34" charset="-127"/>
-              </a:rPr>
-              <a:t>: 0</a:t>
-            </a:r>
-          </a:p>
-          <a:p>
-            <a:pPr marL="0" indent="0">
-              <a:buNone/>
-            </a:pPr>
-            <a:r>
-              <a:rPr lang="ko-KR" altLang="en-US" dirty="0" smtClean="0">
+              <a:rPr lang="ko-KR" altLang="en-US" dirty="0">
                 <a:latin typeface="Noto Sans KR Medium" pitchFamily="34" charset="-127"/>
                 <a:ea typeface="Noto Sans KR Medium" pitchFamily="34" charset="-127"/>
               </a:rPr>
               <a:t>캐릭터 획득 시기  </a:t>
             </a:r>
             <a:r>
-              <a:rPr lang="en-US" altLang="ko-KR" dirty="0" smtClean="0">
+              <a:rPr lang="en-US" altLang="ko-KR" dirty="0">
                 <a:latin typeface="Noto Sans KR Medium" pitchFamily="34" charset="-127"/>
                 <a:ea typeface="Noto Sans KR Medium" pitchFamily="34" charset="-127"/>
               </a:rPr>
@@ -7767,13 +7703,6 @@
   <p:clrMapOvr>
     <a:masterClrMapping/>
   </p:clrMapOvr>
-  <p:timing>
-    <p:tnLst>
-      <p:par>
-        <p:cTn id="1" dur="indefinite" restart="never" nodeType="tmRoot"/>
-      </p:par>
-    </p:tnLst>
-  </p:timing>
 </p:sld>
 </file>
 

--- a/2D Personal Game Project/새 Microsoft PowerPoint 프레젠테이션.pptx
+++ b/2D Personal Game Project/새 Microsoft PowerPoint 프레젠테이션.pptx
@@ -16,6 +16,7 @@
     <p:sldId id="263" r:id="rId10"/>
     <p:sldId id="265" r:id="rId11"/>
     <p:sldId id="266" r:id="rId12"/>
+    <p:sldId id="267" r:id="rId13"/>
   </p:sldIdLst>
   <p:sldSz cx="9144000" cy="6858000" type="screen4x3"/>
   <p:notesSz cx="6858000" cy="9144000"/>
@@ -116,7 +117,7 @@
   </p:defaultTextStyle>
   <p:extLst>
     <p:ext uri="{EFAFB233-063F-42B5-8137-9DF3F51BA10A}">
-      <p15:sldGuideLst xmlns:p15="http://schemas.microsoft.com/office/powerpoint/2012/main">
+      <p15:sldGuideLst xmlns:p15="http://schemas.microsoft.com/office/powerpoint/2012/main" xmlns="">
         <p15:guide id="1" orient="horz" pos="2160">
           <p15:clr>
             <a:srgbClr val="A4A3A4"/>
@@ -321,7 +322,7 @@
           <a:p>
             <a:fld id="{FB30EDBD-1C2D-4C1E-B459-B60219FAB484}" type="datetimeFigureOut">
               <a:rPr lang="ko-KR" altLang="en-US" smtClean="0"/>
-              <a:t>2020-11-15</a:t>
+              <a:t>2020-11-16</a:t>
             </a:fld>
             <a:endParaRPr lang="ko-KR" altLang="en-US"/>
           </a:p>
@@ -521,7 +522,7 @@
           <a:p>
             <a:fld id="{FB30EDBD-1C2D-4C1E-B459-B60219FAB484}" type="datetimeFigureOut">
               <a:rPr lang="ko-KR" altLang="en-US" smtClean="0"/>
-              <a:t>2020-11-15</a:t>
+              <a:t>2020-11-16</a:t>
             </a:fld>
             <a:endParaRPr lang="ko-KR" altLang="en-US"/>
           </a:p>
@@ -696,7 +697,7 @@
           <a:p>
             <a:fld id="{FB30EDBD-1C2D-4C1E-B459-B60219FAB484}" type="datetimeFigureOut">
               <a:rPr lang="ko-KR" altLang="en-US" smtClean="0"/>
-              <a:t>2020-11-15</a:t>
+              <a:t>2020-11-16</a:t>
             </a:fld>
             <a:endParaRPr lang="ko-KR" altLang="en-US"/>
           </a:p>
@@ -861,7 +862,7 @@
           <a:p>
             <a:fld id="{FB30EDBD-1C2D-4C1E-B459-B60219FAB484}" type="datetimeFigureOut">
               <a:rPr lang="ko-KR" altLang="en-US" smtClean="0"/>
-              <a:t>2020-11-15</a:t>
+              <a:t>2020-11-16</a:t>
             </a:fld>
             <a:endParaRPr lang="ko-KR" altLang="en-US"/>
           </a:p>
@@ -1109,7 +1110,7 @@
           <a:p>
             <a:fld id="{FB30EDBD-1C2D-4C1E-B459-B60219FAB484}" type="datetimeFigureOut">
               <a:rPr lang="ko-KR" altLang="en-US" smtClean="0"/>
-              <a:t>2020-11-15</a:t>
+              <a:t>2020-11-16</a:t>
             </a:fld>
             <a:endParaRPr lang="ko-KR" altLang="en-US"/>
           </a:p>
@@ -1427,7 +1428,7 @@
           <a:p>
             <a:fld id="{FB30EDBD-1C2D-4C1E-B459-B60219FAB484}" type="datetimeFigureOut">
               <a:rPr lang="ko-KR" altLang="en-US" smtClean="0"/>
-              <a:t>2020-11-15</a:t>
+              <a:t>2020-11-16</a:t>
             </a:fld>
             <a:endParaRPr lang="ko-KR" altLang="en-US"/>
           </a:p>
@@ -1893,7 +1894,7 @@
           <a:p>
             <a:fld id="{FB30EDBD-1C2D-4C1E-B459-B60219FAB484}" type="datetimeFigureOut">
               <a:rPr lang="ko-KR" altLang="en-US" smtClean="0"/>
-              <a:t>2020-11-15</a:t>
+              <a:t>2020-11-16</a:t>
             </a:fld>
             <a:endParaRPr lang="ko-KR" altLang="en-US"/>
           </a:p>
@@ -2041,7 +2042,7 @@
           <a:p>
             <a:fld id="{FB30EDBD-1C2D-4C1E-B459-B60219FAB484}" type="datetimeFigureOut">
               <a:rPr lang="ko-KR" altLang="en-US" smtClean="0"/>
-              <a:t>2020-11-15</a:t>
+              <a:t>2020-11-16</a:t>
             </a:fld>
             <a:endParaRPr lang="ko-KR" altLang="en-US"/>
           </a:p>
@@ -2131,7 +2132,7 @@
           <a:p>
             <a:fld id="{FB30EDBD-1C2D-4C1E-B459-B60219FAB484}" type="datetimeFigureOut">
               <a:rPr lang="ko-KR" altLang="en-US" smtClean="0"/>
-              <a:t>2020-11-15</a:t>
+              <a:t>2020-11-16</a:t>
             </a:fld>
             <a:endParaRPr lang="ko-KR" altLang="en-US"/>
           </a:p>
@@ -2405,7 +2406,7 @@
           <a:p>
             <a:fld id="{FB30EDBD-1C2D-4C1E-B459-B60219FAB484}" type="datetimeFigureOut">
               <a:rPr lang="ko-KR" altLang="en-US" smtClean="0"/>
-              <a:t>2020-11-15</a:t>
+              <a:t>2020-11-16</a:t>
             </a:fld>
             <a:endParaRPr lang="ko-KR" altLang="en-US"/>
           </a:p>
@@ -2710,7 +2711,7 @@
           <a:p>
             <a:fld id="{FB30EDBD-1C2D-4C1E-B459-B60219FAB484}" type="datetimeFigureOut">
               <a:rPr lang="ko-KR" altLang="en-US" smtClean="0"/>
-              <a:t>2020-11-15</a:t>
+              <a:t>2020-11-16</a:t>
             </a:fld>
             <a:endParaRPr lang="ko-KR" altLang="en-US"/>
           </a:p>
@@ -3008,7 +3009,7 @@
           <a:p>
             <a:fld id="{FB30EDBD-1C2D-4C1E-B459-B60219FAB484}" type="datetimeFigureOut">
               <a:rPr lang="ko-KR" altLang="en-US" smtClean="0"/>
-              <a:t>2020-11-15</a:t>
+              <a:t>2020-11-16</a:t>
             </a:fld>
             <a:endParaRPr lang="ko-KR" altLang="en-US"/>
           </a:p>
@@ -3604,21 +3605,21 @@
                 <a:gridCol w="2384152">
                   <a:extLst>
                     <a:ext uri="{9D8B030D-6E8A-4147-A177-3AD203B41FA5}">
-                      <a16:colId xmlns:a16="http://schemas.microsoft.com/office/drawing/2014/main" val="20000"/>
+                      <a16:colId xmlns:a16="http://schemas.microsoft.com/office/drawing/2014/main" xmlns="" val="20000"/>
                     </a:ext>
                   </a:extLst>
                 </a:gridCol>
                 <a:gridCol w="2384152">
                   <a:extLst>
                     <a:ext uri="{9D8B030D-6E8A-4147-A177-3AD203B41FA5}">
-                      <a16:colId xmlns:a16="http://schemas.microsoft.com/office/drawing/2014/main" val="20001"/>
+                      <a16:colId xmlns:a16="http://schemas.microsoft.com/office/drawing/2014/main" xmlns="" val="20001"/>
                     </a:ext>
                   </a:extLst>
                 </a:gridCol>
                 <a:gridCol w="2384152">
                   <a:extLst>
                     <a:ext uri="{9D8B030D-6E8A-4147-A177-3AD203B41FA5}">
-                      <a16:colId xmlns:a16="http://schemas.microsoft.com/office/drawing/2014/main" val="20002"/>
+                      <a16:colId xmlns:a16="http://schemas.microsoft.com/office/drawing/2014/main" xmlns="" val="20002"/>
                     </a:ext>
                   </a:extLst>
                 </a:gridCol>
@@ -3677,7 +3678,7 @@
                 </a:tc>
                 <a:extLst>
                   <a:ext uri="{0D108BD9-81ED-4DB2-BD59-A6C34878D82A}">
-                    <a16:rowId xmlns:a16="http://schemas.microsoft.com/office/drawing/2014/main" val="10000"/>
+                    <a16:rowId xmlns:a16="http://schemas.microsoft.com/office/drawing/2014/main" xmlns="" val="10000"/>
                   </a:ext>
                 </a:extLst>
               </a:tr>
@@ -3750,7 +3751,7 @@
                 </a:tc>
                 <a:extLst>
                   <a:ext uri="{0D108BD9-81ED-4DB2-BD59-A6C34878D82A}">
-                    <a16:rowId xmlns:a16="http://schemas.microsoft.com/office/drawing/2014/main" val="10001"/>
+                    <a16:rowId xmlns:a16="http://schemas.microsoft.com/office/drawing/2014/main" xmlns="" val="10001"/>
                   </a:ext>
                 </a:extLst>
               </a:tr>
@@ -3851,7 +3852,7 @@
                 </a:tc>
                 <a:extLst>
                   <a:ext uri="{0D108BD9-81ED-4DB2-BD59-A6C34878D82A}">
-                    <a16:rowId xmlns:a16="http://schemas.microsoft.com/office/drawing/2014/main" val="10002"/>
+                    <a16:rowId xmlns:a16="http://schemas.microsoft.com/office/drawing/2014/main" xmlns="" val="10002"/>
                   </a:ext>
                 </a:extLst>
               </a:tr>
@@ -3997,7 +3998,7 @@
                 </a:tc>
                 <a:extLst>
                   <a:ext uri="{0D108BD9-81ED-4DB2-BD59-A6C34878D82A}">
-                    <a16:rowId xmlns:a16="http://schemas.microsoft.com/office/drawing/2014/main" val="10003"/>
+                    <a16:rowId xmlns:a16="http://schemas.microsoft.com/office/drawing/2014/main" xmlns="" val="10003"/>
                   </a:ext>
                 </a:extLst>
               </a:tr>
@@ -4116,7 +4117,7 @@
                 </a:tc>
                 <a:extLst>
                   <a:ext uri="{0D108BD9-81ED-4DB2-BD59-A6C34878D82A}">
-                    <a16:rowId xmlns:a16="http://schemas.microsoft.com/office/drawing/2014/main" val="10004"/>
+                    <a16:rowId xmlns:a16="http://schemas.microsoft.com/office/drawing/2014/main" xmlns="" val="10004"/>
                   </a:ext>
                 </a:extLst>
               </a:tr>
@@ -4259,7 +4260,7 @@
                 </a:tc>
                 <a:extLst>
                   <a:ext uri="{0D108BD9-81ED-4DB2-BD59-A6C34878D82A}">
-                    <a16:rowId xmlns:a16="http://schemas.microsoft.com/office/drawing/2014/main" val="10005"/>
+                    <a16:rowId xmlns:a16="http://schemas.microsoft.com/office/drawing/2014/main" xmlns="" val="10005"/>
                   </a:ext>
                 </a:extLst>
               </a:tr>
@@ -4329,7 +4330,7 @@
                 </a:tc>
                 <a:extLst>
                   <a:ext uri="{0D108BD9-81ED-4DB2-BD59-A6C34878D82A}">
-                    <a16:rowId xmlns:a16="http://schemas.microsoft.com/office/drawing/2014/main" val="10006"/>
+                    <a16:rowId xmlns:a16="http://schemas.microsoft.com/office/drawing/2014/main" xmlns="" val="10006"/>
                   </a:ext>
                 </a:extLst>
               </a:tr>
@@ -4460,7 +4461,7 @@
           <p:nvPr>
             <p:extLst>
               <p:ext uri="{D42A27DB-BD31-4B8C-83A1-F6EECF244321}">
-                <p14:modId xmlns:p14="http://schemas.microsoft.com/office/powerpoint/2010/main" val="505331815"/>
+                <p14:modId xmlns:p14="http://schemas.microsoft.com/office/powerpoint/2010/main" val="1224699567"/>
               </p:ext>
             </p:extLst>
           </p:nvPr>
@@ -4479,21 +4480,21 @@
                 <a:gridCol w="2384152">
                   <a:extLst>
                     <a:ext uri="{9D8B030D-6E8A-4147-A177-3AD203B41FA5}">
-                      <a16:colId xmlns:a16="http://schemas.microsoft.com/office/drawing/2014/main" val="20000"/>
+                      <a16:colId xmlns:a16="http://schemas.microsoft.com/office/drawing/2014/main" xmlns="" val="20000"/>
                     </a:ext>
                   </a:extLst>
                 </a:gridCol>
                 <a:gridCol w="2384152">
                   <a:extLst>
                     <a:ext uri="{9D8B030D-6E8A-4147-A177-3AD203B41FA5}">
-                      <a16:colId xmlns:a16="http://schemas.microsoft.com/office/drawing/2014/main" val="20001"/>
+                      <a16:colId xmlns:a16="http://schemas.microsoft.com/office/drawing/2014/main" xmlns="" val="20001"/>
                     </a:ext>
                   </a:extLst>
                 </a:gridCol>
                 <a:gridCol w="2384152">
                   <a:extLst>
                     <a:ext uri="{9D8B030D-6E8A-4147-A177-3AD203B41FA5}">
-                      <a16:colId xmlns:a16="http://schemas.microsoft.com/office/drawing/2014/main" val="20002"/>
+                      <a16:colId xmlns:a16="http://schemas.microsoft.com/office/drawing/2014/main" xmlns="" val="20002"/>
                     </a:ext>
                   </a:extLst>
                 </a:gridCol>
@@ -4552,7 +4553,7 @@
                 </a:tc>
                 <a:extLst>
                   <a:ext uri="{0D108BD9-81ED-4DB2-BD59-A6C34878D82A}">
-                    <a16:rowId xmlns:a16="http://schemas.microsoft.com/office/drawing/2014/main" val="10000"/>
+                    <a16:rowId xmlns:a16="http://schemas.microsoft.com/office/drawing/2014/main" xmlns="" val="10000"/>
                   </a:ext>
                 </a:extLst>
               </a:tr>
@@ -4636,7 +4637,7 @@
                 </a:tc>
                 <a:extLst>
                   <a:ext uri="{0D108BD9-81ED-4DB2-BD59-A6C34878D82A}">
-                    <a16:rowId xmlns:a16="http://schemas.microsoft.com/office/drawing/2014/main" val="10001"/>
+                    <a16:rowId xmlns:a16="http://schemas.microsoft.com/office/drawing/2014/main" xmlns="" val="10001"/>
                   </a:ext>
                 </a:extLst>
               </a:tr>
@@ -4782,7 +4783,7 @@
                 </a:tc>
                 <a:extLst>
                   <a:ext uri="{0D108BD9-81ED-4DB2-BD59-A6C34878D82A}">
-                    <a16:rowId xmlns:a16="http://schemas.microsoft.com/office/drawing/2014/main" val="10002"/>
+                    <a16:rowId xmlns:a16="http://schemas.microsoft.com/office/drawing/2014/main" xmlns="" val="10002"/>
                   </a:ext>
                 </a:extLst>
               </a:tr>
@@ -4914,7 +4915,7 @@
                 </a:tc>
                 <a:extLst>
                   <a:ext uri="{0D108BD9-81ED-4DB2-BD59-A6C34878D82A}">
-                    <a16:rowId xmlns:a16="http://schemas.microsoft.com/office/drawing/2014/main" val="10003"/>
+                    <a16:rowId xmlns:a16="http://schemas.microsoft.com/office/drawing/2014/main" xmlns="" val="10003"/>
                   </a:ext>
                 </a:extLst>
               </a:tr>
@@ -5040,7 +5041,7 @@
                 </a:tc>
                 <a:extLst>
                   <a:ext uri="{0D108BD9-81ED-4DB2-BD59-A6C34878D82A}">
-                    <a16:rowId xmlns:a16="http://schemas.microsoft.com/office/drawing/2014/main" val="10004"/>
+                    <a16:rowId xmlns:a16="http://schemas.microsoft.com/office/drawing/2014/main" xmlns="" val="10004"/>
                   </a:ext>
                 </a:extLst>
               </a:tr>
@@ -5159,7 +5160,7 @@
                 </a:tc>
                 <a:extLst>
                   <a:ext uri="{0D108BD9-81ED-4DB2-BD59-A6C34878D82A}">
-                    <a16:rowId xmlns:a16="http://schemas.microsoft.com/office/drawing/2014/main" val="10005"/>
+                    <a16:rowId xmlns:a16="http://schemas.microsoft.com/office/drawing/2014/main" xmlns="" val="10005"/>
                   </a:ext>
                 </a:extLst>
               </a:tr>
@@ -5203,8 +5204,33 @@
                           <a:latin typeface="Noto Sans KR Medium" pitchFamily="34" charset="-127"/>
                           <a:ea typeface="Noto Sans KR Medium" pitchFamily="34" charset="-127"/>
                         </a:rPr>
-                        <a:t> 버그해결</a:t>
-                      </a:r>
+                        <a:t> </a:t>
+                      </a:r>
+                      <a:r>
+                        <a:rPr lang="ko-KR" altLang="en-US" sz="1400" dirty="0" smtClean="0">
+                          <a:latin typeface="Noto Sans KR Medium" pitchFamily="34" charset="-127"/>
+                          <a:ea typeface="Noto Sans KR Medium" pitchFamily="34" charset="-127"/>
+                        </a:rPr>
+                        <a:t>버그해결</a:t>
+                      </a:r>
+                      <a:endParaRPr lang="en-US" altLang="ko-KR" sz="1400" dirty="0" smtClean="0">
+                        <a:latin typeface="Noto Sans KR Medium" pitchFamily="34" charset="-127"/>
+                        <a:ea typeface="Noto Sans KR Medium" pitchFamily="34" charset="-127"/>
+                      </a:endParaRPr>
+                    </a:p>
+                    <a:p>
+                      <a:pPr algn="ctr" latinLnBrk="1"/>
+                      <a:r>
+                        <a:rPr lang="en-US" altLang="ko-KR" sz="1400" dirty="0" smtClean="0">
+                          <a:latin typeface="Noto Sans KR Medium" pitchFamily="34" charset="-127"/>
+                          <a:ea typeface="Noto Sans KR Medium" pitchFamily="34" charset="-127"/>
+                        </a:rPr>
+                        <a:t>2-3</a:t>
+                      </a:r>
+                      <a:endParaRPr lang="ko-KR" altLang="en-US" sz="1400" dirty="0">
+                        <a:latin typeface="Noto Sans KR Medium" pitchFamily="34" charset="-127"/>
+                        <a:ea typeface="Noto Sans KR Medium" pitchFamily="34" charset="-127"/>
+                      </a:endParaRPr>
                     </a:p>
                   </a:txBody>
                   <a:tcPr/>
@@ -5225,7 +5251,7 @@
                 </a:tc>
                 <a:extLst>
                   <a:ext uri="{0D108BD9-81ED-4DB2-BD59-A6C34878D82A}">
-                    <a16:rowId xmlns:a16="http://schemas.microsoft.com/office/drawing/2014/main" val="10006"/>
+                    <a16:rowId xmlns:a16="http://schemas.microsoft.com/office/drawing/2014/main" xmlns="" val="10006"/>
                   </a:ext>
                 </a:extLst>
               </a:tr>
@@ -5237,6 +5263,593 @@
     <p:extLst>
       <p:ext uri="{BB962C8B-B14F-4D97-AF65-F5344CB8AC3E}">
         <p14:creationId xmlns:p14="http://schemas.microsoft.com/office/powerpoint/2010/main" val="2051796337"/>
+      </p:ext>
+    </p:extLst>
+  </p:cSld>
+  <p:clrMapOvr>
+    <a:masterClrMapping/>
+  </p:clrMapOvr>
+</p:sld>
+</file>
+
+<file path=ppt/slides/slide12.xml><?xml version="1.0" encoding="utf-8"?>
+<p:sld xmlns:a="http://schemas.openxmlformats.org/drawingml/2006/main" xmlns:r="http://schemas.openxmlformats.org/officeDocument/2006/relationships" xmlns:p="http://schemas.openxmlformats.org/presentationml/2006/main">
+  <p:cSld>
+    <p:spTree>
+      <p:nvGrpSpPr>
+        <p:cNvPr id="1" name=""/>
+        <p:cNvGrpSpPr/>
+        <p:nvPr/>
+      </p:nvGrpSpPr>
+      <p:grpSpPr>
+        <a:xfrm>
+          <a:off x="0" y="0"/>
+          <a:ext cx="0" cy="0"/>
+          <a:chOff x="0" y="0"/>
+          <a:chExt cx="0" cy="0"/>
+        </a:xfrm>
+      </p:grpSpPr>
+      <p:sp>
+        <p:nvSpPr>
+          <p:cNvPr id="2" name="제목 1"/>
+          <p:cNvSpPr>
+            <a:spLocks noGrp="1"/>
+          </p:cNvSpPr>
+          <p:nvPr>
+            <p:ph type="title"/>
+          </p:nvPr>
+        </p:nvSpPr>
+        <p:spPr/>
+        <p:txBody>
+          <a:bodyPr/>
+          <a:lstStyle/>
+          <a:p>
+            <a:r>
+              <a:rPr lang="ko-KR" altLang="en-US" dirty="0">
+                <a:latin typeface="Noto Sans KR Medium" pitchFamily="34" charset="-127"/>
+                <a:ea typeface="Noto Sans KR Medium" pitchFamily="34" charset="-127"/>
+              </a:rPr>
+              <a:t>개발 단계 </a:t>
+            </a:r>
+            <a:r>
+              <a:rPr lang="en-US" altLang="ko-KR" dirty="0" smtClean="0">
+                <a:latin typeface="Noto Sans KR Medium" pitchFamily="34" charset="-127"/>
+                <a:ea typeface="Noto Sans KR Medium" pitchFamily="34" charset="-127"/>
+              </a:rPr>
+              <a:t>(3</a:t>
+            </a:r>
+            <a:r>
+              <a:rPr lang="ko-KR" altLang="en-US" dirty="0" smtClean="0">
+                <a:latin typeface="Noto Sans KR Medium" pitchFamily="34" charset="-127"/>
+                <a:ea typeface="Noto Sans KR Medium" pitchFamily="34" charset="-127"/>
+              </a:rPr>
+              <a:t>주차</a:t>
+            </a:r>
+            <a:r>
+              <a:rPr lang="en-US" altLang="ko-KR" dirty="0">
+                <a:latin typeface="Noto Sans KR Medium" pitchFamily="34" charset="-127"/>
+                <a:ea typeface="Noto Sans KR Medium" pitchFamily="34" charset="-127"/>
+              </a:rPr>
+              <a:t>)</a:t>
+            </a:r>
+            <a:endParaRPr lang="ko-KR" altLang="en-US" dirty="0">
+              <a:latin typeface="Noto Sans KR Medium" pitchFamily="34" charset="-127"/>
+              <a:ea typeface="Noto Sans KR Medium" pitchFamily="34" charset="-127"/>
+            </a:endParaRPr>
+          </a:p>
+        </p:txBody>
+      </p:sp>
+      <p:sp>
+        <p:nvSpPr>
+          <p:cNvPr id="3" name="내용 개체 틀 2"/>
+          <p:cNvSpPr>
+            <a:spLocks noGrp="1"/>
+          </p:cNvSpPr>
+          <p:nvPr>
+            <p:ph idx="1"/>
+          </p:nvPr>
+        </p:nvSpPr>
+        <p:spPr/>
+        <p:txBody>
+          <a:bodyPr/>
+          <a:lstStyle/>
+          <a:p>
+            <a:pPr marL="0" indent="0">
+              <a:buNone/>
+            </a:pPr>
+            <a:endParaRPr lang="en-US" altLang="ko-KR" dirty="0">
+              <a:latin typeface="Noto Sans KR Medium" pitchFamily="34" charset="-127"/>
+              <a:ea typeface="Noto Sans KR Medium" pitchFamily="34" charset="-127"/>
+            </a:endParaRPr>
+          </a:p>
+          <a:p>
+            <a:pPr marL="0" indent="0">
+              <a:buNone/>
+            </a:pPr>
+            <a:endParaRPr lang="ko-KR" altLang="en-US" dirty="0">
+              <a:latin typeface="Noto Sans KR Medium" pitchFamily="34" charset="-127"/>
+              <a:ea typeface="Noto Sans KR Medium" pitchFamily="34" charset="-127"/>
+            </a:endParaRPr>
+          </a:p>
+        </p:txBody>
+      </p:sp>
+      <p:graphicFrame>
+        <p:nvGraphicFramePr>
+          <p:cNvPr id="4" name="표 3"/>
+          <p:cNvGraphicFramePr>
+            <a:graphicFrameLocks noGrp="1"/>
+          </p:cNvGraphicFramePr>
+          <p:nvPr>
+            <p:extLst>
+              <p:ext uri="{D42A27DB-BD31-4B8C-83A1-F6EECF244321}">
+                <p14:modId xmlns:p14="http://schemas.microsoft.com/office/powerpoint/2010/main" val="65880291"/>
+              </p:ext>
+            </p:extLst>
+          </p:nvPr>
+        </p:nvGraphicFramePr>
+        <p:xfrm>
+          <a:off x="971600" y="1412776"/>
+          <a:ext cx="7152456" cy="5184576"/>
+        </p:xfrm>
+        <a:graphic>
+          <a:graphicData uri="http://schemas.openxmlformats.org/drawingml/2006/table">
+            <a:tbl>
+              <a:tblPr firstRow="1" bandRow="1">
+                <a:tableStyleId>{5C22544A-7EE6-4342-B048-85BDC9FD1C3A}</a:tableStyleId>
+              </a:tblPr>
+              <a:tblGrid>
+                <a:gridCol w="2384152">
+                  <a:extLst>
+                    <a:ext uri="{9D8B030D-6E8A-4147-A177-3AD203B41FA5}">
+                      <a16:colId xmlns:a16="http://schemas.microsoft.com/office/drawing/2014/main" xmlns="" val="20000"/>
+                    </a:ext>
+                  </a:extLst>
+                </a:gridCol>
+                <a:gridCol w="2384152">
+                  <a:extLst>
+                    <a:ext uri="{9D8B030D-6E8A-4147-A177-3AD203B41FA5}">
+                      <a16:colId xmlns:a16="http://schemas.microsoft.com/office/drawing/2014/main" xmlns="" val="20001"/>
+                    </a:ext>
+                  </a:extLst>
+                </a:gridCol>
+                <a:gridCol w="2384152">
+                  <a:extLst>
+                    <a:ext uri="{9D8B030D-6E8A-4147-A177-3AD203B41FA5}">
+                      <a16:colId xmlns:a16="http://schemas.microsoft.com/office/drawing/2014/main" xmlns="" val="20002"/>
+                    </a:ext>
+                  </a:extLst>
+                </a:gridCol>
+              </a:tblGrid>
+              <a:tr h="678068">
+                <a:tc>
+                  <a:txBody>
+                    <a:bodyPr/>
+                    <a:lstStyle/>
+                    <a:p>
+                      <a:pPr algn="ctr" latinLnBrk="1"/>
+                      <a:r>
+                        <a:rPr lang="ko-KR" altLang="en-US" sz="2800" dirty="0">
+                          <a:latin typeface="Noto Sans KR Bold" pitchFamily="34" charset="-127"/>
+                          <a:ea typeface="Noto Sans KR Bold" pitchFamily="34" charset="-127"/>
+                        </a:rPr>
+                        <a:t>날짜</a:t>
+                      </a:r>
+                    </a:p>
+                  </a:txBody>
+                  <a:tcPr/>
+                </a:tc>
+                <a:tc>
+                  <a:txBody>
+                    <a:bodyPr/>
+                    <a:lstStyle/>
+                    <a:p>
+                      <a:pPr algn="ctr" latinLnBrk="1"/>
+                      <a:r>
+                        <a:rPr lang="ko-KR" altLang="en-US" sz="2800" dirty="0">
+                          <a:latin typeface="Noto Sans KR Bold" pitchFamily="34" charset="-127"/>
+                          <a:ea typeface="Noto Sans KR Bold" pitchFamily="34" charset="-127"/>
+                        </a:rPr>
+                        <a:t>진행 내용</a:t>
+                      </a:r>
+                    </a:p>
+                  </a:txBody>
+                  <a:tcPr/>
+                </a:tc>
+                <a:tc>
+                  <a:txBody>
+                    <a:bodyPr/>
+                    <a:lstStyle/>
+                    <a:p>
+                      <a:pPr algn="ctr" latinLnBrk="1"/>
+                      <a:r>
+                        <a:rPr lang="ko-KR" altLang="en-US" sz="2800" dirty="0">
+                          <a:latin typeface="Noto Sans KR Bold" pitchFamily="34" charset="-127"/>
+                          <a:ea typeface="Noto Sans KR Bold" pitchFamily="34" charset="-127"/>
+                        </a:rPr>
+                        <a:t>비고</a:t>
+                      </a:r>
+                    </a:p>
+                  </a:txBody>
+                  <a:tcPr/>
+                </a:tc>
+                <a:extLst>
+                  <a:ext uri="{0D108BD9-81ED-4DB2-BD59-A6C34878D82A}">
+                    <a16:rowId xmlns:a16="http://schemas.microsoft.com/office/drawing/2014/main" xmlns="" val="10000"/>
+                  </a:ext>
+                </a:extLst>
+              </a:tr>
+              <a:tr h="712819">
+                <a:tc>
+                  <a:txBody>
+                    <a:bodyPr/>
+                    <a:lstStyle/>
+                    <a:p>
+                      <a:pPr algn="ctr" latinLnBrk="1"/>
+                      <a:r>
+                        <a:rPr lang="en-US" altLang="ko-KR" sz="1400" dirty="0" smtClean="0">
+                          <a:latin typeface="Noto Sans KR Medium" pitchFamily="34" charset="-127"/>
+                          <a:ea typeface="Noto Sans KR Medium" pitchFamily="34" charset="-127"/>
+                        </a:rPr>
+                        <a:t>11-16</a:t>
+                      </a:r>
+                      <a:endParaRPr lang="ko-KR" altLang="en-US" sz="1400" dirty="0">
+                        <a:latin typeface="Noto Sans KR Medium" pitchFamily="34" charset="-127"/>
+                        <a:ea typeface="Noto Sans KR Medium" pitchFamily="34" charset="-127"/>
+                      </a:endParaRPr>
+                    </a:p>
+                  </a:txBody>
+                  <a:tcPr/>
+                </a:tc>
+                <a:tc>
+                  <a:txBody>
+                    <a:bodyPr/>
+                    <a:lstStyle/>
+                    <a:p>
+                      <a:pPr algn="ctr" latinLnBrk="1"/>
+                      <a:r>
+                        <a:rPr lang="en-US" altLang="ko-KR" sz="1400" dirty="0" smtClean="0">
+                          <a:latin typeface="Noto Sans KR Medium" pitchFamily="34" charset="-127"/>
+                          <a:ea typeface="Noto Sans KR Medium" pitchFamily="34" charset="-127"/>
+                        </a:rPr>
+                        <a:t>2-3</a:t>
+                      </a:r>
+                      <a:r>
+                        <a:rPr lang="ko-KR" altLang="en-US" sz="1400" dirty="0" smtClean="0">
+                          <a:latin typeface="Noto Sans KR Medium" pitchFamily="34" charset="-127"/>
+                          <a:ea typeface="Noto Sans KR Medium" pitchFamily="34" charset="-127"/>
+                        </a:rPr>
+                        <a:t>완성</a:t>
+                      </a:r>
+                      <a:endParaRPr lang="en-US" altLang="ko-KR" sz="1400" dirty="0" smtClean="0">
+                        <a:latin typeface="Noto Sans KR Medium" pitchFamily="34" charset="-127"/>
+                        <a:ea typeface="Noto Sans KR Medium" pitchFamily="34" charset="-127"/>
+                      </a:endParaRPr>
+                    </a:p>
+                    <a:p>
+                      <a:pPr algn="ctr" latinLnBrk="1"/>
+                      <a:r>
+                        <a:rPr lang="en-US" altLang="ko-KR" sz="1400" smtClean="0">
+                          <a:latin typeface="Noto Sans KR Medium" pitchFamily="34" charset="-127"/>
+                          <a:ea typeface="Noto Sans KR Medium" pitchFamily="34" charset="-127"/>
+                        </a:rPr>
+                        <a:t>3-1</a:t>
+                      </a:r>
+                      <a:endParaRPr lang="ko-KR" altLang="en-US" sz="1400" dirty="0">
+                        <a:latin typeface="Noto Sans KR Medium" pitchFamily="34" charset="-127"/>
+                        <a:ea typeface="Noto Sans KR Medium" pitchFamily="34" charset="-127"/>
+                      </a:endParaRPr>
+                    </a:p>
+                  </a:txBody>
+                  <a:tcPr/>
+                </a:tc>
+                <a:tc>
+                  <a:txBody>
+                    <a:bodyPr/>
+                    <a:lstStyle/>
+                    <a:p>
+                      <a:pPr algn="ctr" latinLnBrk="1"/>
+                      <a:endParaRPr lang="ko-KR" altLang="en-US" sz="1400" dirty="0">
+                        <a:latin typeface="Noto Sans KR Medium" pitchFamily="34" charset="-127"/>
+                        <a:ea typeface="Noto Sans KR Medium" pitchFamily="34" charset="-127"/>
+                      </a:endParaRPr>
+                    </a:p>
+                  </a:txBody>
+                  <a:tcPr/>
+                </a:tc>
+                <a:extLst>
+                  <a:ext uri="{0D108BD9-81ED-4DB2-BD59-A6C34878D82A}">
+                    <a16:rowId xmlns:a16="http://schemas.microsoft.com/office/drawing/2014/main" xmlns="" val="10001"/>
+                  </a:ext>
+                </a:extLst>
+              </a:tr>
+              <a:tr h="1018313">
+                <a:tc>
+                  <a:txBody>
+                    <a:bodyPr/>
+                    <a:lstStyle/>
+                    <a:p>
+                      <a:pPr algn="ctr" latinLnBrk="1"/>
+                      <a:r>
+                        <a:rPr lang="en-US" altLang="ko-KR" sz="1400" dirty="0" smtClean="0">
+                          <a:latin typeface="Noto Sans KR Medium" pitchFamily="34" charset="-127"/>
+                          <a:ea typeface="Noto Sans KR Medium" pitchFamily="34" charset="-127"/>
+                        </a:rPr>
+                        <a:t>11-17</a:t>
+                      </a:r>
+                      <a:endParaRPr lang="ko-KR" altLang="en-US" sz="1400" dirty="0">
+                        <a:latin typeface="Noto Sans KR Medium" pitchFamily="34" charset="-127"/>
+                        <a:ea typeface="Noto Sans KR Medium" pitchFamily="34" charset="-127"/>
+                      </a:endParaRPr>
+                    </a:p>
+                  </a:txBody>
+                  <a:tcPr/>
+                </a:tc>
+                <a:tc>
+                  <a:txBody>
+                    <a:bodyPr/>
+                    <a:lstStyle/>
+                    <a:p>
+                      <a:pPr algn="ctr" latinLnBrk="1"/>
+                      <a:endParaRPr lang="en-US" altLang="ko-KR" sz="1400" baseline="0" dirty="0">
+                        <a:latin typeface="Noto Sans KR Medium" pitchFamily="34" charset="-127"/>
+                        <a:ea typeface="Noto Sans KR Medium" pitchFamily="34" charset="-127"/>
+                      </a:endParaRPr>
+                    </a:p>
+                  </a:txBody>
+                  <a:tcPr/>
+                </a:tc>
+                <a:tc>
+                  <a:txBody>
+                    <a:bodyPr/>
+                    <a:lstStyle/>
+                    <a:p>
+                      <a:pPr algn="ctr" latinLnBrk="1"/>
+                      <a:endParaRPr lang="ko-KR" altLang="en-US" sz="1400" dirty="0">
+                        <a:latin typeface="Noto Sans KR Medium" pitchFamily="34" charset="-127"/>
+                        <a:ea typeface="Noto Sans KR Medium" pitchFamily="34" charset="-127"/>
+                      </a:endParaRPr>
+                    </a:p>
+                  </a:txBody>
+                  <a:tcPr/>
+                </a:tc>
+                <a:extLst>
+                  <a:ext uri="{0D108BD9-81ED-4DB2-BD59-A6C34878D82A}">
+                    <a16:rowId xmlns:a16="http://schemas.microsoft.com/office/drawing/2014/main" xmlns="" val="10002"/>
+                  </a:ext>
+                </a:extLst>
+              </a:tr>
+              <a:tr h="693844">
+                <a:tc>
+                  <a:txBody>
+                    <a:bodyPr/>
+                    <a:lstStyle/>
+                    <a:p>
+                      <a:pPr algn="ctr" latinLnBrk="1"/>
+                      <a:r>
+                        <a:rPr lang="en-US" altLang="ko-KR" sz="1400" dirty="0" smtClean="0">
+                          <a:latin typeface="Noto Sans KR Medium" pitchFamily="34" charset="-127"/>
+                          <a:ea typeface="Noto Sans KR Medium" pitchFamily="34" charset="-127"/>
+                        </a:rPr>
+                        <a:t>11-18</a:t>
+                      </a:r>
+                      <a:endParaRPr lang="ko-KR" altLang="en-US" sz="1400" dirty="0">
+                        <a:latin typeface="Noto Sans KR Medium" pitchFamily="34" charset="-127"/>
+                        <a:ea typeface="Noto Sans KR Medium" pitchFamily="34" charset="-127"/>
+                      </a:endParaRPr>
+                    </a:p>
+                  </a:txBody>
+                  <a:tcPr/>
+                </a:tc>
+                <a:tc>
+                  <a:txBody>
+                    <a:bodyPr/>
+                    <a:lstStyle/>
+                    <a:p>
+                      <a:pPr algn="ctr" latinLnBrk="1"/>
+                      <a:endParaRPr lang="ko-KR" altLang="en-US" sz="1400" dirty="0">
+                        <a:latin typeface="Noto Sans KR Medium" pitchFamily="34" charset="-127"/>
+                        <a:ea typeface="Noto Sans KR Medium" pitchFamily="34" charset="-127"/>
+                      </a:endParaRPr>
+                    </a:p>
+                  </a:txBody>
+                  <a:tcPr/>
+                </a:tc>
+                <a:tc>
+                  <a:txBody>
+                    <a:bodyPr/>
+                    <a:lstStyle/>
+                    <a:p>
+                      <a:pPr algn="ctr" latinLnBrk="1"/>
+                      <a:endParaRPr lang="ko-KR" altLang="en-US" sz="1400" dirty="0">
+                        <a:latin typeface="Noto Sans KR Medium" pitchFamily="34" charset="-127"/>
+                        <a:ea typeface="Noto Sans KR Medium" pitchFamily="34" charset="-127"/>
+                      </a:endParaRPr>
+                    </a:p>
+                  </a:txBody>
+                  <a:tcPr/>
+                </a:tc>
+                <a:extLst>
+                  <a:ext uri="{0D108BD9-81ED-4DB2-BD59-A6C34878D82A}">
+                    <a16:rowId xmlns:a16="http://schemas.microsoft.com/office/drawing/2014/main" xmlns="" val="10003"/>
+                  </a:ext>
+                </a:extLst>
+              </a:tr>
+              <a:tr h="693844">
+                <a:tc>
+                  <a:txBody>
+                    <a:bodyPr/>
+                    <a:lstStyle/>
+                    <a:p>
+                      <a:pPr algn="ctr" latinLnBrk="1"/>
+                      <a:r>
+                        <a:rPr lang="en-US" altLang="ko-KR" sz="1400" dirty="0" smtClean="0">
+                          <a:latin typeface="Noto Sans KR Medium" pitchFamily="34" charset="-127"/>
+                          <a:ea typeface="Noto Sans KR Medium" pitchFamily="34" charset="-127"/>
+                        </a:rPr>
+                        <a:t>11-19</a:t>
+                      </a:r>
+                      <a:endParaRPr lang="ko-KR" altLang="en-US" sz="1400" dirty="0">
+                        <a:latin typeface="Noto Sans KR Medium" pitchFamily="34" charset="-127"/>
+                        <a:ea typeface="Noto Sans KR Medium" pitchFamily="34" charset="-127"/>
+                      </a:endParaRPr>
+                    </a:p>
+                  </a:txBody>
+                  <a:tcPr/>
+                </a:tc>
+                <a:tc>
+                  <a:txBody>
+                    <a:bodyPr/>
+                    <a:lstStyle/>
+                    <a:p>
+                      <a:pPr algn="ctr" latinLnBrk="1"/>
+                      <a:endParaRPr lang="en-US" altLang="ko-KR" sz="1400" baseline="0" dirty="0">
+                        <a:latin typeface="Noto Sans KR Medium" pitchFamily="34" charset="-127"/>
+                        <a:ea typeface="Noto Sans KR Medium" pitchFamily="34" charset="-127"/>
+                      </a:endParaRPr>
+                    </a:p>
+                  </a:txBody>
+                  <a:tcPr/>
+                </a:tc>
+                <a:tc>
+                  <a:txBody>
+                    <a:bodyPr/>
+                    <a:lstStyle/>
+                    <a:p>
+                      <a:pPr algn="ctr" latinLnBrk="1"/>
+                      <a:endParaRPr lang="ko-KR" altLang="en-US" sz="1400" dirty="0">
+                        <a:latin typeface="Noto Sans KR Medium" pitchFamily="34" charset="-127"/>
+                        <a:ea typeface="Noto Sans KR Medium" pitchFamily="34" charset="-127"/>
+                      </a:endParaRPr>
+                    </a:p>
+                  </a:txBody>
+                  <a:tcPr/>
+                </a:tc>
+                <a:extLst>
+                  <a:ext uri="{0D108BD9-81ED-4DB2-BD59-A6C34878D82A}">
+                    <a16:rowId xmlns:a16="http://schemas.microsoft.com/office/drawing/2014/main" xmlns="" val="10004"/>
+                  </a:ext>
+                </a:extLst>
+              </a:tr>
+              <a:tr h="693844">
+                <a:tc>
+                  <a:txBody>
+                    <a:bodyPr/>
+                    <a:lstStyle/>
+                    <a:p>
+                      <a:pPr algn="ctr" latinLnBrk="1"/>
+                      <a:r>
+                        <a:rPr lang="en-US" altLang="ko-KR" sz="1400" dirty="0" smtClean="0">
+                          <a:latin typeface="Noto Sans KR Medium" pitchFamily="34" charset="-127"/>
+                          <a:ea typeface="Noto Sans KR Medium" pitchFamily="34" charset="-127"/>
+                        </a:rPr>
+                        <a:t>11-20</a:t>
+                      </a:r>
+                      <a:endParaRPr lang="ko-KR" altLang="en-US" sz="1400" dirty="0">
+                        <a:latin typeface="Noto Sans KR Medium" pitchFamily="34" charset="-127"/>
+                        <a:ea typeface="Noto Sans KR Medium" pitchFamily="34" charset="-127"/>
+                      </a:endParaRPr>
+                    </a:p>
+                  </a:txBody>
+                  <a:tcPr/>
+                </a:tc>
+                <a:tc>
+                  <a:txBody>
+                    <a:bodyPr/>
+                    <a:lstStyle/>
+                    <a:p>
+                      <a:pPr algn="ctr" latinLnBrk="1"/>
+                      <a:endParaRPr lang="ko-KR" altLang="en-US" sz="1400" dirty="0">
+                        <a:latin typeface="Noto Sans KR Medium" pitchFamily="34" charset="-127"/>
+                        <a:ea typeface="Noto Sans KR Medium" pitchFamily="34" charset="-127"/>
+                      </a:endParaRPr>
+                    </a:p>
+                  </a:txBody>
+                  <a:tcPr/>
+                </a:tc>
+                <a:tc>
+                  <a:txBody>
+                    <a:bodyPr/>
+                    <a:lstStyle/>
+                    <a:p>
+                      <a:pPr algn="ctr" latinLnBrk="1"/>
+                      <a:endParaRPr lang="en-US" altLang="ko-KR" sz="1400" dirty="0">
+                        <a:latin typeface="Noto Sans KR Medium" pitchFamily="34" charset="-127"/>
+                        <a:ea typeface="Noto Sans KR Medium" pitchFamily="34" charset="-127"/>
+                      </a:endParaRPr>
+                    </a:p>
+                  </a:txBody>
+                  <a:tcPr/>
+                </a:tc>
+                <a:extLst>
+                  <a:ext uri="{0D108BD9-81ED-4DB2-BD59-A6C34878D82A}">
+                    <a16:rowId xmlns:a16="http://schemas.microsoft.com/office/drawing/2014/main" xmlns="" val="10005"/>
+                  </a:ext>
+                </a:extLst>
+              </a:tr>
+              <a:tr h="693844">
+                <a:tc>
+                  <a:txBody>
+                    <a:bodyPr/>
+                    <a:lstStyle/>
+                    <a:p>
+                      <a:pPr algn="ctr" latinLnBrk="1"/>
+                      <a:r>
+                        <a:rPr lang="en-US" altLang="ko-KR" sz="1400" dirty="0" smtClean="0">
+                          <a:latin typeface="Noto Sans KR Medium" pitchFamily="34" charset="-127"/>
+                          <a:ea typeface="Noto Sans KR Medium" pitchFamily="34" charset="-127"/>
+                        </a:rPr>
+                        <a:t>11-21</a:t>
+                      </a:r>
+                      <a:endParaRPr lang="ko-KR" altLang="en-US" sz="1400" dirty="0">
+                        <a:latin typeface="Noto Sans KR Medium" pitchFamily="34" charset="-127"/>
+                        <a:ea typeface="Noto Sans KR Medium" pitchFamily="34" charset="-127"/>
+                      </a:endParaRPr>
+                    </a:p>
+                  </a:txBody>
+                  <a:tcPr/>
+                </a:tc>
+                <a:tc>
+                  <a:txBody>
+                    <a:bodyPr/>
+                    <a:lstStyle/>
+                    <a:p>
+                      <a:pPr algn="ctr" latinLnBrk="1"/>
+                      <a:endParaRPr lang="ko-KR" altLang="en-US" sz="1400" dirty="0">
+                        <a:latin typeface="Noto Sans KR Medium" pitchFamily="34" charset="-127"/>
+                        <a:ea typeface="Noto Sans KR Medium" pitchFamily="34" charset="-127"/>
+                      </a:endParaRPr>
+                    </a:p>
+                  </a:txBody>
+                  <a:tcPr/>
+                </a:tc>
+                <a:tc>
+                  <a:txBody>
+                    <a:bodyPr/>
+                    <a:lstStyle/>
+                    <a:p>
+                      <a:pPr algn="ctr" latinLnBrk="1"/>
+                      <a:endParaRPr lang="ko-KR" altLang="en-US" sz="1400" dirty="0">
+                        <a:latin typeface="Noto Sans KR Medium" pitchFamily="34" charset="-127"/>
+                        <a:ea typeface="Noto Sans KR Medium" pitchFamily="34" charset="-127"/>
+                      </a:endParaRPr>
+                    </a:p>
+                  </a:txBody>
+                  <a:tcPr/>
+                </a:tc>
+                <a:extLst>
+                  <a:ext uri="{0D108BD9-81ED-4DB2-BD59-A6C34878D82A}">
+                    <a16:rowId xmlns:a16="http://schemas.microsoft.com/office/drawing/2014/main" xmlns="" val="10006"/>
+                  </a:ext>
+                </a:extLst>
+              </a:tr>
+            </a:tbl>
+          </a:graphicData>
+        </a:graphic>
+      </p:graphicFrame>
+    </p:spTree>
+    <p:extLst>
+      <p:ext uri="{BB962C8B-B14F-4D97-AF65-F5344CB8AC3E}">
+        <p14:creationId xmlns:p14="http://schemas.microsoft.com/office/powerpoint/2010/main" val="1192717728"/>
       </p:ext>
     </p:extLst>
   </p:cSld>
@@ -5917,7 +6530,7 @@
         <p:spPr/>
         <p:txBody>
           <a:bodyPr>
-            <a:normAutofit fontScale="92500"/>
+            <a:normAutofit lnSpcReduction="10000"/>
           </a:bodyPr>
           <a:lstStyle/>
           <a:p>

--- a/2D Personal Game Project/새 Microsoft PowerPoint 프레젠테이션.pptx
+++ b/2D Personal Game Project/새 Microsoft PowerPoint 프레젠테이션.pptx
@@ -10,13 +10,16 @@
     <p:sldId id="258" r:id="rId4"/>
     <p:sldId id="259" r:id="rId5"/>
     <p:sldId id="264" r:id="rId6"/>
-    <p:sldId id="260" r:id="rId7"/>
-    <p:sldId id="261" r:id="rId8"/>
-    <p:sldId id="262" r:id="rId9"/>
-    <p:sldId id="263" r:id="rId10"/>
-    <p:sldId id="265" r:id="rId11"/>
-    <p:sldId id="266" r:id="rId12"/>
-    <p:sldId id="267" r:id="rId13"/>
+    <p:sldId id="268" r:id="rId7"/>
+    <p:sldId id="270" r:id="rId8"/>
+    <p:sldId id="269" r:id="rId9"/>
+    <p:sldId id="260" r:id="rId10"/>
+    <p:sldId id="261" r:id="rId11"/>
+    <p:sldId id="262" r:id="rId12"/>
+    <p:sldId id="263" r:id="rId13"/>
+    <p:sldId id="265" r:id="rId14"/>
+    <p:sldId id="266" r:id="rId15"/>
+    <p:sldId id="267" r:id="rId16"/>
   </p:sldIdLst>
   <p:sldSz cx="9144000" cy="6858000" type="screen4x3"/>
   <p:notesSz cx="6858000" cy="9144000"/>
@@ -117,7 +120,7 @@
   </p:defaultTextStyle>
   <p:extLst>
     <p:ext uri="{EFAFB233-063F-42B5-8137-9DF3F51BA10A}">
-      <p15:sldGuideLst xmlns:p15="http://schemas.microsoft.com/office/powerpoint/2012/main" xmlns="">
+      <p15:sldGuideLst xmlns="" xmlns:p15="http://schemas.microsoft.com/office/powerpoint/2012/main">
         <p15:guide id="1" orient="horz" pos="2160">
           <p15:clr>
             <a:srgbClr val="A4A3A4"/>
@@ -322,7 +325,7 @@
           <a:p>
             <a:fld id="{FB30EDBD-1C2D-4C1E-B459-B60219FAB484}" type="datetimeFigureOut">
               <a:rPr lang="ko-KR" altLang="en-US" smtClean="0"/>
-              <a:t>2020-11-16</a:t>
+              <a:t>2020-11-17</a:t>
             </a:fld>
             <a:endParaRPr lang="ko-KR" altLang="en-US"/>
           </a:p>
@@ -522,7 +525,7 @@
           <a:p>
             <a:fld id="{FB30EDBD-1C2D-4C1E-B459-B60219FAB484}" type="datetimeFigureOut">
               <a:rPr lang="ko-KR" altLang="en-US" smtClean="0"/>
-              <a:t>2020-11-16</a:t>
+              <a:t>2020-11-17</a:t>
             </a:fld>
             <a:endParaRPr lang="ko-KR" altLang="en-US"/>
           </a:p>
@@ -697,7 +700,7 @@
           <a:p>
             <a:fld id="{FB30EDBD-1C2D-4C1E-B459-B60219FAB484}" type="datetimeFigureOut">
               <a:rPr lang="ko-KR" altLang="en-US" smtClean="0"/>
-              <a:t>2020-11-16</a:t>
+              <a:t>2020-11-17</a:t>
             </a:fld>
             <a:endParaRPr lang="ko-KR" altLang="en-US"/>
           </a:p>
@@ -862,7 +865,7 @@
           <a:p>
             <a:fld id="{FB30EDBD-1C2D-4C1E-B459-B60219FAB484}" type="datetimeFigureOut">
               <a:rPr lang="ko-KR" altLang="en-US" smtClean="0"/>
-              <a:t>2020-11-16</a:t>
+              <a:t>2020-11-17</a:t>
             </a:fld>
             <a:endParaRPr lang="ko-KR" altLang="en-US"/>
           </a:p>
@@ -1110,7 +1113,7 @@
           <a:p>
             <a:fld id="{FB30EDBD-1C2D-4C1E-B459-B60219FAB484}" type="datetimeFigureOut">
               <a:rPr lang="ko-KR" altLang="en-US" smtClean="0"/>
-              <a:t>2020-11-16</a:t>
+              <a:t>2020-11-17</a:t>
             </a:fld>
             <a:endParaRPr lang="ko-KR" altLang="en-US"/>
           </a:p>
@@ -1428,7 +1431,7 @@
           <a:p>
             <a:fld id="{FB30EDBD-1C2D-4C1E-B459-B60219FAB484}" type="datetimeFigureOut">
               <a:rPr lang="ko-KR" altLang="en-US" smtClean="0"/>
-              <a:t>2020-11-16</a:t>
+              <a:t>2020-11-17</a:t>
             </a:fld>
             <a:endParaRPr lang="ko-KR" altLang="en-US"/>
           </a:p>
@@ -1894,7 +1897,7 @@
           <a:p>
             <a:fld id="{FB30EDBD-1C2D-4C1E-B459-B60219FAB484}" type="datetimeFigureOut">
               <a:rPr lang="ko-KR" altLang="en-US" smtClean="0"/>
-              <a:t>2020-11-16</a:t>
+              <a:t>2020-11-17</a:t>
             </a:fld>
             <a:endParaRPr lang="ko-KR" altLang="en-US"/>
           </a:p>
@@ -2042,7 +2045,7 @@
           <a:p>
             <a:fld id="{FB30EDBD-1C2D-4C1E-B459-B60219FAB484}" type="datetimeFigureOut">
               <a:rPr lang="ko-KR" altLang="en-US" smtClean="0"/>
-              <a:t>2020-11-16</a:t>
+              <a:t>2020-11-17</a:t>
             </a:fld>
             <a:endParaRPr lang="ko-KR" altLang="en-US"/>
           </a:p>
@@ -2132,7 +2135,7 @@
           <a:p>
             <a:fld id="{FB30EDBD-1C2D-4C1E-B459-B60219FAB484}" type="datetimeFigureOut">
               <a:rPr lang="ko-KR" altLang="en-US" smtClean="0"/>
-              <a:t>2020-11-16</a:t>
+              <a:t>2020-11-17</a:t>
             </a:fld>
             <a:endParaRPr lang="ko-KR" altLang="en-US"/>
           </a:p>
@@ -2406,7 +2409,7 @@
           <a:p>
             <a:fld id="{FB30EDBD-1C2D-4C1E-B459-B60219FAB484}" type="datetimeFigureOut">
               <a:rPr lang="ko-KR" altLang="en-US" smtClean="0"/>
-              <a:t>2020-11-16</a:t>
+              <a:t>2020-11-17</a:t>
             </a:fld>
             <a:endParaRPr lang="ko-KR" altLang="en-US"/>
           </a:p>
@@ -2711,7 +2714,7 @@
           <a:p>
             <a:fld id="{FB30EDBD-1C2D-4C1E-B459-B60219FAB484}" type="datetimeFigureOut">
               <a:rPr lang="ko-KR" altLang="en-US" smtClean="0"/>
-              <a:t>2020-11-16</a:t>
+              <a:t>2020-11-17</a:t>
             </a:fld>
             <a:endParaRPr lang="ko-KR" altLang="en-US"/>
           </a:p>
@@ -3009,7 +3012,7 @@
           <a:p>
             <a:fld id="{FB30EDBD-1C2D-4C1E-B459-B60219FAB484}" type="datetimeFigureOut">
               <a:rPr lang="ko-KR" altLang="en-US" smtClean="0"/>
-              <a:t>2020-11-16</a:t>
+              <a:t>2020-11-17</a:t>
             </a:fld>
             <a:endParaRPr lang="ko-KR" altLang="en-US"/>
           </a:p>
@@ -3513,3768 +3516,6 @@
                 <a:latin typeface="Noto Sans KR Medium" pitchFamily="34" charset="-127"/>
                 <a:ea typeface="Noto Sans KR Medium" pitchFamily="34" charset="-127"/>
               </a:rPr>
-              <a:t>개발 단계 </a:t>
-            </a:r>
-            <a:r>
-              <a:rPr lang="en-US" altLang="ko-KR" dirty="0">
-                <a:latin typeface="Noto Sans KR Medium" pitchFamily="34" charset="-127"/>
-                <a:ea typeface="Noto Sans KR Medium" pitchFamily="34" charset="-127"/>
-              </a:rPr>
-              <a:t>(1</a:t>
-            </a:r>
-            <a:r>
-              <a:rPr lang="ko-KR" altLang="en-US" dirty="0">
-                <a:latin typeface="Noto Sans KR Medium" pitchFamily="34" charset="-127"/>
-                <a:ea typeface="Noto Sans KR Medium" pitchFamily="34" charset="-127"/>
-              </a:rPr>
-              <a:t>주차</a:t>
-            </a:r>
-            <a:r>
-              <a:rPr lang="en-US" altLang="ko-KR" dirty="0">
-                <a:latin typeface="Noto Sans KR Medium" pitchFamily="34" charset="-127"/>
-                <a:ea typeface="Noto Sans KR Medium" pitchFamily="34" charset="-127"/>
-              </a:rPr>
-              <a:t>)</a:t>
-            </a:r>
-            <a:endParaRPr lang="ko-KR" altLang="en-US" dirty="0">
-              <a:latin typeface="Noto Sans KR Medium" pitchFamily="34" charset="-127"/>
-              <a:ea typeface="Noto Sans KR Medium" pitchFamily="34" charset="-127"/>
-            </a:endParaRPr>
-          </a:p>
-        </p:txBody>
-      </p:sp>
-      <p:sp>
-        <p:nvSpPr>
-          <p:cNvPr id="3" name="내용 개체 틀 2"/>
-          <p:cNvSpPr>
-            <a:spLocks noGrp="1"/>
-          </p:cNvSpPr>
-          <p:nvPr>
-            <p:ph idx="1"/>
-          </p:nvPr>
-        </p:nvSpPr>
-        <p:spPr/>
-        <p:txBody>
-          <a:bodyPr/>
-          <a:lstStyle/>
-          <a:p>
-            <a:pPr marL="0" indent="0">
-              <a:buNone/>
-            </a:pPr>
-            <a:endParaRPr lang="en-US" altLang="ko-KR" dirty="0">
-              <a:latin typeface="Noto Sans KR Medium" pitchFamily="34" charset="-127"/>
-              <a:ea typeface="Noto Sans KR Medium" pitchFamily="34" charset="-127"/>
-            </a:endParaRPr>
-          </a:p>
-          <a:p>
-            <a:pPr marL="0" indent="0">
-              <a:buNone/>
-            </a:pPr>
-            <a:endParaRPr lang="ko-KR" altLang="en-US" dirty="0">
-              <a:latin typeface="Noto Sans KR Medium" pitchFamily="34" charset="-127"/>
-              <a:ea typeface="Noto Sans KR Medium" pitchFamily="34" charset="-127"/>
-            </a:endParaRPr>
-          </a:p>
-        </p:txBody>
-      </p:sp>
-      <p:graphicFrame>
-        <p:nvGraphicFramePr>
-          <p:cNvPr id="4" name="표 3"/>
-          <p:cNvGraphicFramePr>
-            <a:graphicFrameLocks noGrp="1"/>
-          </p:cNvGraphicFramePr>
-          <p:nvPr>
-            <p:extLst>
-              <p:ext uri="{D42A27DB-BD31-4B8C-83A1-F6EECF244321}">
-                <p14:modId xmlns:p14="http://schemas.microsoft.com/office/powerpoint/2010/main" val="523879812"/>
-              </p:ext>
-            </p:extLst>
-          </p:nvPr>
-        </p:nvGraphicFramePr>
-        <p:xfrm>
-          <a:off x="971600" y="1412776"/>
-          <a:ext cx="7152456" cy="5297604"/>
-        </p:xfrm>
-        <a:graphic>
-          <a:graphicData uri="http://schemas.openxmlformats.org/drawingml/2006/table">
-            <a:tbl>
-              <a:tblPr firstRow="1" bandRow="1">
-                <a:tableStyleId>{5C22544A-7EE6-4342-B048-85BDC9FD1C3A}</a:tableStyleId>
-              </a:tblPr>
-              <a:tblGrid>
-                <a:gridCol w="2384152">
-                  <a:extLst>
-                    <a:ext uri="{9D8B030D-6E8A-4147-A177-3AD203B41FA5}">
-                      <a16:colId xmlns:a16="http://schemas.microsoft.com/office/drawing/2014/main" xmlns="" val="20000"/>
-                    </a:ext>
-                  </a:extLst>
-                </a:gridCol>
-                <a:gridCol w="2384152">
-                  <a:extLst>
-                    <a:ext uri="{9D8B030D-6E8A-4147-A177-3AD203B41FA5}">
-                      <a16:colId xmlns:a16="http://schemas.microsoft.com/office/drawing/2014/main" xmlns="" val="20001"/>
-                    </a:ext>
-                  </a:extLst>
-                </a:gridCol>
-                <a:gridCol w="2384152">
-                  <a:extLst>
-                    <a:ext uri="{9D8B030D-6E8A-4147-A177-3AD203B41FA5}">
-                      <a16:colId xmlns:a16="http://schemas.microsoft.com/office/drawing/2014/main" xmlns="" val="20002"/>
-                    </a:ext>
-                  </a:extLst>
-                </a:gridCol>
-              </a:tblGrid>
-              <a:tr h="678068">
-                <a:tc>
-                  <a:txBody>
-                    <a:bodyPr/>
-                    <a:lstStyle/>
-                    <a:p>
-                      <a:pPr algn="ctr" latinLnBrk="1"/>
-                      <a:r>
-                        <a:rPr lang="ko-KR" altLang="en-US" sz="2800" dirty="0">
-                          <a:latin typeface="Noto Sans KR Bold" pitchFamily="34" charset="-127"/>
-                          <a:ea typeface="Noto Sans KR Bold" pitchFamily="34" charset="-127"/>
-                        </a:rPr>
-                        <a:t>날짜</a:t>
-                      </a:r>
-                    </a:p>
-                  </a:txBody>
-                  <a:tcPr/>
-                </a:tc>
-                <a:tc>
-                  <a:txBody>
-                    <a:bodyPr/>
-                    <a:lstStyle/>
-                    <a:p>
-                      <a:pPr algn="ctr" latinLnBrk="1"/>
-                      <a:r>
-                        <a:rPr lang="ko-KR" altLang="en-US" sz="2800" dirty="0">
-                          <a:latin typeface="Noto Sans KR Bold" pitchFamily="34" charset="-127"/>
-                          <a:ea typeface="Noto Sans KR Bold" pitchFamily="34" charset="-127"/>
-                        </a:rPr>
-                        <a:t>진행 내용</a:t>
-                      </a:r>
-                    </a:p>
-                  </a:txBody>
-                  <a:tcPr/>
-                </a:tc>
-                <a:tc>
-                  <a:txBody>
-                    <a:bodyPr/>
-                    <a:lstStyle/>
-                    <a:p>
-                      <a:pPr algn="ctr" latinLnBrk="1"/>
-                      <a:r>
-                        <a:rPr lang="ko-KR" altLang="en-US" sz="2800" dirty="0">
-                          <a:latin typeface="Noto Sans KR Bold" pitchFamily="34" charset="-127"/>
-                          <a:ea typeface="Noto Sans KR Bold" pitchFamily="34" charset="-127"/>
-                        </a:rPr>
-                        <a:t>비고</a:t>
-                      </a:r>
-                    </a:p>
-                  </a:txBody>
-                  <a:tcPr/>
-                </a:tc>
-                <a:extLst>
-                  <a:ext uri="{0D108BD9-81ED-4DB2-BD59-A6C34878D82A}">
-                    <a16:rowId xmlns:a16="http://schemas.microsoft.com/office/drawing/2014/main" xmlns="" val="10000"/>
-                  </a:ext>
-                </a:extLst>
-              </a:tr>
-              <a:tr h="712819">
-                <a:tc>
-                  <a:txBody>
-                    <a:bodyPr/>
-                    <a:lstStyle/>
-                    <a:p>
-                      <a:pPr algn="ctr" latinLnBrk="1"/>
-                      <a:r>
-                        <a:rPr lang="en-US" altLang="ko-KR" sz="1400" dirty="0">
-                          <a:latin typeface="Noto Sans KR Medium" pitchFamily="34" charset="-127"/>
-                          <a:ea typeface="Noto Sans KR Medium" pitchFamily="34" charset="-127"/>
-                        </a:rPr>
-                        <a:t>11-02</a:t>
-                      </a:r>
-                      <a:endParaRPr lang="ko-KR" altLang="en-US" sz="1400" dirty="0">
-                        <a:latin typeface="Noto Sans KR Medium" pitchFamily="34" charset="-127"/>
-                        <a:ea typeface="Noto Sans KR Medium" pitchFamily="34" charset="-127"/>
-                      </a:endParaRPr>
-                    </a:p>
-                  </a:txBody>
-                  <a:tcPr/>
-                </a:tc>
-                <a:tc>
-                  <a:txBody>
-                    <a:bodyPr/>
-                    <a:lstStyle/>
-                    <a:p>
-                      <a:pPr algn="ctr" latinLnBrk="1"/>
-                      <a:r>
-                        <a:rPr lang="ko-KR" altLang="en-US" sz="1400" dirty="0">
-                          <a:latin typeface="Noto Sans KR Medium" pitchFamily="34" charset="-127"/>
-                          <a:ea typeface="Noto Sans KR Medium" pitchFamily="34" charset="-127"/>
-                        </a:rPr>
-                        <a:t>게임 구상</a:t>
-                      </a:r>
-                      <a:r>
-                        <a:rPr lang="en-US" altLang="ko-KR" sz="1400" dirty="0">
-                          <a:latin typeface="Noto Sans KR Medium" pitchFamily="34" charset="-127"/>
-                          <a:ea typeface="Noto Sans KR Medium" pitchFamily="34" charset="-127"/>
-                        </a:rPr>
-                        <a:t>, </a:t>
-                      </a:r>
-                      <a:r>
-                        <a:rPr lang="ko-KR" altLang="en-US" sz="1400" dirty="0">
-                          <a:latin typeface="Noto Sans KR Medium" pitchFamily="34" charset="-127"/>
-                          <a:ea typeface="Noto Sans KR Medium" pitchFamily="34" charset="-127"/>
-                        </a:rPr>
-                        <a:t>기획</a:t>
-                      </a:r>
-                    </a:p>
-                  </a:txBody>
-                  <a:tcPr/>
-                </a:tc>
-                <a:tc>
-                  <a:txBody>
-                    <a:bodyPr/>
-                    <a:lstStyle/>
-                    <a:p>
-                      <a:pPr algn="ctr" latinLnBrk="1"/>
-                      <a:endParaRPr lang="ko-KR" altLang="en-US" sz="1400" dirty="0">
-                        <a:latin typeface="Noto Sans KR Medium" pitchFamily="34" charset="-127"/>
-                        <a:ea typeface="Noto Sans KR Medium" pitchFamily="34" charset="-127"/>
-                      </a:endParaRPr>
-                    </a:p>
-                  </a:txBody>
-                  <a:tcPr/>
-                </a:tc>
-                <a:extLst>
-                  <a:ext uri="{0D108BD9-81ED-4DB2-BD59-A6C34878D82A}">
-                    <a16:rowId xmlns:a16="http://schemas.microsoft.com/office/drawing/2014/main" xmlns="" val="10001"/>
-                  </a:ext>
-                </a:extLst>
-              </a:tr>
-              <a:tr h="1018313">
-                <a:tc>
-                  <a:txBody>
-                    <a:bodyPr/>
-                    <a:lstStyle/>
-                    <a:p>
-                      <a:pPr algn="ctr" latinLnBrk="1"/>
-                      <a:r>
-                        <a:rPr lang="en-US" altLang="ko-KR" sz="1400" dirty="0">
-                          <a:latin typeface="Noto Sans KR Medium" pitchFamily="34" charset="-127"/>
-                          <a:ea typeface="Noto Sans KR Medium" pitchFamily="34" charset="-127"/>
-                        </a:rPr>
-                        <a:t>11-03</a:t>
-                      </a:r>
-                      <a:endParaRPr lang="ko-KR" altLang="en-US" sz="1400" dirty="0">
-                        <a:latin typeface="Noto Sans KR Medium" pitchFamily="34" charset="-127"/>
-                        <a:ea typeface="Noto Sans KR Medium" pitchFamily="34" charset="-127"/>
-                      </a:endParaRPr>
-                    </a:p>
-                  </a:txBody>
-                  <a:tcPr/>
-                </a:tc>
-                <a:tc>
-                  <a:txBody>
-                    <a:bodyPr/>
-                    <a:lstStyle/>
-                    <a:p>
-                      <a:pPr algn="ctr" latinLnBrk="1"/>
-                      <a:r>
-                        <a:rPr lang="ko-KR" altLang="en-US" sz="1400" dirty="0">
-                          <a:latin typeface="Noto Sans KR Medium" pitchFamily="34" charset="-127"/>
-                          <a:ea typeface="Noto Sans KR Medium" pitchFamily="34" charset="-127"/>
-                        </a:rPr>
-                        <a:t>퍼즐 </a:t>
-                      </a:r>
-                      <a:r>
-                        <a:rPr lang="ko-KR" altLang="en-US" sz="1400" dirty="0" err="1">
-                          <a:latin typeface="Noto Sans KR Medium" pitchFamily="34" charset="-127"/>
-                          <a:ea typeface="Noto Sans KR Medium" pitchFamily="34" charset="-127"/>
-                        </a:rPr>
-                        <a:t>로직</a:t>
-                      </a:r>
-                      <a:r>
-                        <a:rPr lang="ko-KR" altLang="en-US" sz="1400" dirty="0">
-                          <a:latin typeface="Noto Sans KR Medium" pitchFamily="34" charset="-127"/>
-                          <a:ea typeface="Noto Sans KR Medium" pitchFamily="34" charset="-127"/>
-                        </a:rPr>
-                        <a:t> 구상</a:t>
-                      </a:r>
-                      <a:r>
-                        <a:rPr lang="ko-KR" altLang="en-US" sz="1400" baseline="0" dirty="0">
-                          <a:latin typeface="Noto Sans KR Medium" pitchFamily="34" charset="-127"/>
-                          <a:ea typeface="Noto Sans KR Medium" pitchFamily="34" charset="-127"/>
-                        </a:rPr>
-                        <a:t>플레이어 이동</a:t>
-                      </a:r>
-                      <a:r>
-                        <a:rPr lang="en-US" altLang="ko-KR" sz="1400" baseline="0" dirty="0">
-                          <a:latin typeface="Noto Sans KR Medium" pitchFamily="34" charset="-127"/>
-                          <a:ea typeface="Noto Sans KR Medium" pitchFamily="34" charset="-127"/>
-                        </a:rPr>
-                        <a:t>, </a:t>
-                      </a:r>
-                    </a:p>
-                    <a:p>
-                      <a:pPr algn="ctr" latinLnBrk="1"/>
-                      <a:r>
-                        <a:rPr lang="ko-KR" altLang="en-US" sz="1400" baseline="0" dirty="0">
-                          <a:latin typeface="Noto Sans KR Medium" pitchFamily="34" charset="-127"/>
-                          <a:ea typeface="Noto Sans KR Medium" pitchFamily="34" charset="-127"/>
-                        </a:rPr>
-                        <a:t>공격 애니메이션</a:t>
-                      </a:r>
-                      <a:endParaRPr lang="en-US" altLang="ko-KR" sz="1400" baseline="0" dirty="0">
-                        <a:latin typeface="Noto Sans KR Medium" pitchFamily="34" charset="-127"/>
-                        <a:ea typeface="Noto Sans KR Medium" pitchFamily="34" charset="-127"/>
-                      </a:endParaRPr>
-                    </a:p>
-                  </a:txBody>
-                  <a:tcPr/>
-                </a:tc>
-                <a:tc>
-                  <a:txBody>
-                    <a:bodyPr/>
-                    <a:lstStyle/>
-                    <a:p>
-                      <a:pPr algn="ctr" latinLnBrk="1"/>
-                      <a:endParaRPr lang="ko-KR" altLang="en-US" sz="1400">
-                        <a:latin typeface="Noto Sans KR Medium" pitchFamily="34" charset="-127"/>
-                        <a:ea typeface="Noto Sans KR Medium" pitchFamily="34" charset="-127"/>
-                      </a:endParaRPr>
-                    </a:p>
-                  </a:txBody>
-                  <a:tcPr/>
-                </a:tc>
-                <a:extLst>
-                  <a:ext uri="{0D108BD9-81ED-4DB2-BD59-A6C34878D82A}">
-                    <a16:rowId xmlns:a16="http://schemas.microsoft.com/office/drawing/2014/main" xmlns="" val="10002"/>
-                  </a:ext>
-                </a:extLst>
-              </a:tr>
-              <a:tr h="693844">
-                <a:tc>
-                  <a:txBody>
-                    <a:bodyPr/>
-                    <a:lstStyle/>
-                    <a:p>
-                      <a:pPr algn="ctr" latinLnBrk="1"/>
-                      <a:r>
-                        <a:rPr lang="en-US" altLang="ko-KR" sz="1400" dirty="0">
-                          <a:latin typeface="Noto Sans KR Medium" pitchFamily="34" charset="-127"/>
-                          <a:ea typeface="Noto Sans KR Medium" pitchFamily="34" charset="-127"/>
-                        </a:rPr>
-                        <a:t>11-04</a:t>
-                      </a:r>
-                      <a:endParaRPr lang="ko-KR" altLang="en-US" sz="1400" dirty="0">
-                        <a:latin typeface="Noto Sans KR Medium" pitchFamily="34" charset="-127"/>
-                        <a:ea typeface="Noto Sans KR Medium" pitchFamily="34" charset="-127"/>
-                      </a:endParaRPr>
-                    </a:p>
-                  </a:txBody>
-                  <a:tcPr/>
-                </a:tc>
-                <a:tc>
-                  <a:txBody>
-                    <a:bodyPr/>
-                    <a:lstStyle/>
-                    <a:p>
-                      <a:pPr algn="ctr" latinLnBrk="1"/>
-                      <a:r>
-                        <a:rPr lang="ko-KR" altLang="en-US" sz="1400" dirty="0">
-                          <a:latin typeface="Noto Sans KR Medium" pitchFamily="34" charset="-127"/>
-                          <a:ea typeface="Noto Sans KR Medium" pitchFamily="34" charset="-127"/>
-                        </a:rPr>
-                        <a:t>플레이어 공격</a:t>
-                      </a:r>
-                      <a:r>
-                        <a:rPr lang="en-US" altLang="ko-KR" sz="1400" baseline="0" dirty="0">
-                          <a:latin typeface="Noto Sans KR Medium" pitchFamily="34" charset="-127"/>
-                          <a:ea typeface="Noto Sans KR Medium" pitchFamily="34" charset="-127"/>
-                        </a:rPr>
-                        <a:t>,</a:t>
-                      </a:r>
-                      <a:r>
-                        <a:rPr lang="ko-KR" altLang="en-US" sz="1400" baseline="0" dirty="0">
-                          <a:latin typeface="Noto Sans KR Medium" pitchFamily="34" charset="-127"/>
-                          <a:ea typeface="Noto Sans KR Medium" pitchFamily="34" charset="-127"/>
-                        </a:rPr>
-                        <a:t>스킬 </a:t>
-                      </a:r>
-                      <a:endParaRPr lang="en-US" altLang="ko-KR" sz="1400" baseline="0" dirty="0">
-                        <a:latin typeface="Noto Sans KR Medium" pitchFamily="34" charset="-127"/>
-                        <a:ea typeface="Noto Sans KR Medium" pitchFamily="34" charset="-127"/>
-                      </a:endParaRPr>
-                    </a:p>
-                    <a:p>
-                      <a:pPr algn="ctr" latinLnBrk="1"/>
-                      <a:r>
-                        <a:rPr lang="ko-KR" altLang="en-US" sz="1400" baseline="0" dirty="0">
-                          <a:latin typeface="Noto Sans KR Medium" pitchFamily="34" charset="-127"/>
-                          <a:ea typeface="Noto Sans KR Medium" pitchFamily="34" charset="-127"/>
-                        </a:rPr>
-                        <a:t>무게 발판 </a:t>
-                      </a:r>
-                      <a:endParaRPr lang="en-US" altLang="ko-KR" sz="1400" baseline="0" dirty="0">
-                        <a:latin typeface="Noto Sans KR Medium" pitchFamily="34" charset="-127"/>
-                        <a:ea typeface="Noto Sans KR Medium" pitchFamily="34" charset="-127"/>
-                      </a:endParaRPr>
-                    </a:p>
-                    <a:p>
-                      <a:pPr algn="ctr" latinLnBrk="1"/>
-                      <a:r>
-                        <a:rPr lang="ko-KR" altLang="en-US" sz="1400" dirty="0">
-                          <a:latin typeface="Noto Sans KR Medium" pitchFamily="34" charset="-127"/>
-                          <a:ea typeface="Noto Sans KR Medium" pitchFamily="34" charset="-127"/>
-                        </a:rPr>
-                        <a:t>속성 구슬 </a:t>
-                      </a:r>
-                    </a:p>
-                  </a:txBody>
-                  <a:tcPr/>
-                </a:tc>
-                <a:tc>
-                  <a:txBody>
-                    <a:bodyPr/>
-                    <a:lstStyle/>
-                    <a:p>
-                      <a:pPr algn="ctr" latinLnBrk="1"/>
-                      <a:r>
-                        <a:rPr lang="ko-KR" altLang="en-US" sz="1400" dirty="0">
-                          <a:latin typeface="Noto Sans KR Medium" pitchFamily="34" charset="-127"/>
-                          <a:ea typeface="Noto Sans KR Medium" pitchFamily="34" charset="-127"/>
-                        </a:rPr>
-                        <a:t>무게가 필요한 오브젝트에 </a:t>
-                      </a:r>
-                      <a:endParaRPr lang="en-US" altLang="ko-KR" sz="1400" dirty="0">
-                        <a:latin typeface="Noto Sans KR Medium" pitchFamily="34" charset="-127"/>
-                        <a:ea typeface="Noto Sans KR Medium" pitchFamily="34" charset="-127"/>
-                      </a:endParaRPr>
-                    </a:p>
-                    <a:p>
-                      <a:pPr algn="ctr" latinLnBrk="1"/>
-                      <a:r>
-                        <a:rPr lang="ko-KR" altLang="en-US" sz="1400" dirty="0">
-                          <a:latin typeface="Noto Sans KR Medium" pitchFamily="34" charset="-127"/>
-                          <a:ea typeface="Noto Sans KR Medium" pitchFamily="34" charset="-127"/>
-                        </a:rPr>
-                        <a:t>무게 </a:t>
-                      </a:r>
-                      <a:r>
-                        <a:rPr lang="ko-KR" altLang="en-US" sz="1400" dirty="0" err="1">
-                          <a:latin typeface="Noto Sans KR Medium" pitchFamily="34" charset="-127"/>
-                          <a:ea typeface="Noto Sans KR Medium" pitchFamily="34" charset="-127"/>
-                        </a:rPr>
-                        <a:t>스크립터블오브젝트</a:t>
-                      </a:r>
-                      <a:r>
-                        <a:rPr lang="ko-KR" altLang="en-US" sz="1400" dirty="0">
-                          <a:latin typeface="Noto Sans KR Medium" pitchFamily="34" charset="-127"/>
-                          <a:ea typeface="Noto Sans KR Medium" pitchFamily="34" charset="-127"/>
-                        </a:rPr>
-                        <a:t> </a:t>
-                      </a:r>
-                      <a:endParaRPr lang="en-US" altLang="ko-KR" sz="1400" dirty="0">
-                        <a:latin typeface="Noto Sans KR Medium" pitchFamily="34" charset="-127"/>
-                        <a:ea typeface="Noto Sans KR Medium" pitchFamily="34" charset="-127"/>
-                      </a:endParaRPr>
-                    </a:p>
-                    <a:p>
-                      <a:pPr algn="ctr" latinLnBrk="1"/>
-                      <a:r>
-                        <a:rPr lang="ko-KR" altLang="en-US" sz="1400" dirty="0">
-                          <a:latin typeface="Noto Sans KR Medium" pitchFamily="34" charset="-127"/>
-                          <a:ea typeface="Noto Sans KR Medium" pitchFamily="34" charset="-127"/>
-                        </a:rPr>
-                        <a:t>추가</a:t>
-                      </a:r>
-                    </a:p>
-                  </a:txBody>
-                  <a:tcPr/>
-                </a:tc>
-                <a:extLst>
-                  <a:ext uri="{0D108BD9-81ED-4DB2-BD59-A6C34878D82A}">
-                    <a16:rowId xmlns:a16="http://schemas.microsoft.com/office/drawing/2014/main" xmlns="" val="10003"/>
-                  </a:ext>
-                </a:extLst>
-              </a:tr>
-              <a:tr h="693844">
-                <a:tc>
-                  <a:txBody>
-                    <a:bodyPr/>
-                    <a:lstStyle/>
-                    <a:p>
-                      <a:pPr algn="ctr" latinLnBrk="1"/>
-                      <a:r>
-                        <a:rPr lang="en-US" altLang="ko-KR" sz="1400" dirty="0">
-                          <a:latin typeface="Noto Sans KR Medium" pitchFamily="34" charset="-127"/>
-                          <a:ea typeface="Noto Sans KR Medium" pitchFamily="34" charset="-127"/>
-                        </a:rPr>
-                        <a:t>11-05</a:t>
-                      </a:r>
-                      <a:endParaRPr lang="ko-KR" altLang="en-US" sz="1400" dirty="0">
-                        <a:latin typeface="Noto Sans KR Medium" pitchFamily="34" charset="-127"/>
-                        <a:ea typeface="Noto Sans KR Medium" pitchFamily="34" charset="-127"/>
-                      </a:endParaRPr>
-                    </a:p>
-                  </a:txBody>
-                  <a:tcPr/>
-                </a:tc>
-                <a:tc>
-                  <a:txBody>
-                    <a:bodyPr/>
-                    <a:lstStyle/>
-                    <a:p>
-                      <a:pPr algn="ctr" latinLnBrk="1"/>
-                      <a:r>
-                        <a:rPr lang="ko-KR" altLang="en-US" sz="1400" dirty="0">
-                          <a:latin typeface="Noto Sans KR Medium" pitchFamily="34" charset="-127"/>
-                          <a:ea typeface="Noto Sans KR Medium" pitchFamily="34" charset="-127"/>
-                        </a:rPr>
-                        <a:t>횃불</a:t>
-                      </a:r>
-                      <a:endParaRPr lang="en-US" altLang="ko-KR" sz="1400" baseline="0" dirty="0">
-                        <a:latin typeface="Noto Sans KR Medium" pitchFamily="34" charset="-127"/>
-                        <a:ea typeface="Noto Sans KR Medium" pitchFamily="34" charset="-127"/>
-                      </a:endParaRPr>
-                    </a:p>
-                    <a:p>
-                      <a:pPr algn="ctr" latinLnBrk="1"/>
-                      <a:r>
-                        <a:rPr lang="ko-KR" altLang="en-US" sz="1400" baseline="0" dirty="0">
-                          <a:latin typeface="Noto Sans KR Medium" pitchFamily="34" charset="-127"/>
-                          <a:ea typeface="Noto Sans KR Medium" pitchFamily="34" charset="-127"/>
-                        </a:rPr>
-                        <a:t>레버 제작</a:t>
-                      </a:r>
-                      <a:endParaRPr lang="en-US" altLang="ko-KR" sz="1400" baseline="0" dirty="0">
-                        <a:latin typeface="Noto Sans KR Medium" pitchFamily="34" charset="-127"/>
-                        <a:ea typeface="Noto Sans KR Medium" pitchFamily="34" charset="-127"/>
-                      </a:endParaRPr>
-                    </a:p>
-                    <a:p>
-                      <a:pPr algn="ctr" latinLnBrk="1"/>
-                      <a:r>
-                        <a:rPr lang="ko-KR" altLang="en-US" sz="1400" baseline="0" dirty="0" err="1">
-                          <a:latin typeface="Noto Sans KR Medium" pitchFamily="34" charset="-127"/>
-                          <a:ea typeface="Noto Sans KR Medium" pitchFamily="34" charset="-127"/>
-                        </a:rPr>
-                        <a:t>윈드스톤</a:t>
-                      </a:r>
-                      <a:r>
-                        <a:rPr lang="ko-KR" altLang="en-US" sz="1400" baseline="0" dirty="0">
-                          <a:latin typeface="Noto Sans KR Medium" pitchFamily="34" charset="-127"/>
-                          <a:ea typeface="Noto Sans KR Medium" pitchFamily="34" charset="-127"/>
-                        </a:rPr>
-                        <a:t> </a:t>
-                      </a:r>
-                      <a:endParaRPr lang="en-US" altLang="ko-KR" sz="1400" baseline="0" dirty="0">
-                        <a:latin typeface="Noto Sans KR Medium" pitchFamily="34" charset="-127"/>
-                        <a:ea typeface="Noto Sans KR Medium" pitchFamily="34" charset="-127"/>
-                      </a:endParaRPr>
-                    </a:p>
-                  </a:txBody>
-                  <a:tcPr/>
-                </a:tc>
-                <a:tc>
-                  <a:txBody>
-                    <a:bodyPr/>
-                    <a:lstStyle/>
-                    <a:p>
-                      <a:pPr algn="ctr" latinLnBrk="1"/>
-                      <a:r>
-                        <a:rPr lang="ko-KR" altLang="en-US" sz="1400" dirty="0">
-                          <a:latin typeface="Noto Sans KR Medium" pitchFamily="34" charset="-127"/>
-                          <a:ea typeface="Noto Sans KR Medium" pitchFamily="34" charset="-127"/>
-                        </a:rPr>
-                        <a:t>횃불 </a:t>
-                      </a:r>
-                      <a:r>
-                        <a:rPr lang="en-US" altLang="ko-KR" sz="1400">
-                          <a:latin typeface="Noto Sans KR Medium" pitchFamily="34" charset="-127"/>
-                          <a:ea typeface="Noto Sans KR Medium" pitchFamily="34" charset="-127"/>
-                        </a:rPr>
-                        <a:t>2D</a:t>
-                      </a:r>
-                      <a:r>
-                        <a:rPr lang="en-US" altLang="ko-KR" sz="1400" baseline="0">
-                          <a:latin typeface="Noto Sans KR Medium" pitchFamily="34" charset="-127"/>
-                          <a:ea typeface="Noto Sans KR Medium" pitchFamily="34" charset="-127"/>
-                        </a:rPr>
-                        <a:t> Light</a:t>
-                      </a:r>
-                      <a:endParaRPr lang="ko-KR" altLang="en-US" sz="1400" dirty="0">
-                        <a:latin typeface="Noto Sans KR Medium" pitchFamily="34" charset="-127"/>
-                        <a:ea typeface="Noto Sans KR Medium" pitchFamily="34" charset="-127"/>
-                      </a:endParaRPr>
-                    </a:p>
-                  </a:txBody>
-                  <a:tcPr/>
-                </a:tc>
-                <a:extLst>
-                  <a:ext uri="{0D108BD9-81ED-4DB2-BD59-A6C34878D82A}">
-                    <a16:rowId xmlns:a16="http://schemas.microsoft.com/office/drawing/2014/main" xmlns="" val="10004"/>
-                  </a:ext>
-                </a:extLst>
-              </a:tr>
-              <a:tr h="693844">
-                <a:tc>
-                  <a:txBody>
-                    <a:bodyPr/>
-                    <a:lstStyle/>
-                    <a:p>
-                      <a:pPr algn="ctr" latinLnBrk="1"/>
-                      <a:r>
-                        <a:rPr lang="en-US" altLang="ko-KR" sz="1400" dirty="0">
-                          <a:latin typeface="Noto Sans KR Medium" pitchFamily="34" charset="-127"/>
-                          <a:ea typeface="Noto Sans KR Medium" pitchFamily="34" charset="-127"/>
-                        </a:rPr>
-                        <a:t>11-06</a:t>
-                      </a:r>
-                      <a:endParaRPr lang="ko-KR" altLang="en-US" sz="1400" dirty="0">
-                        <a:latin typeface="Noto Sans KR Medium" pitchFamily="34" charset="-127"/>
-                        <a:ea typeface="Noto Sans KR Medium" pitchFamily="34" charset="-127"/>
-                      </a:endParaRPr>
-                    </a:p>
-                  </a:txBody>
-                  <a:tcPr/>
-                </a:tc>
-                <a:tc>
-                  <a:txBody>
-                    <a:bodyPr/>
-                    <a:lstStyle/>
-                    <a:p>
-                      <a:pPr algn="ctr" latinLnBrk="1"/>
-                      <a:r>
-                        <a:rPr lang="ko-KR" altLang="en-US" sz="1400" dirty="0">
-                          <a:latin typeface="Noto Sans KR Medium" pitchFamily="34" charset="-127"/>
-                          <a:ea typeface="Noto Sans KR Medium" pitchFamily="34" charset="-127"/>
-                        </a:rPr>
-                        <a:t>스테이지</a:t>
-                      </a:r>
-                      <a:r>
-                        <a:rPr lang="en-US" altLang="ko-KR" sz="1400" dirty="0">
-                          <a:latin typeface="Noto Sans KR Medium" pitchFamily="34" charset="-127"/>
-                          <a:ea typeface="Noto Sans KR Medium" pitchFamily="34" charset="-127"/>
-                        </a:rPr>
-                        <a:t>1</a:t>
-                      </a:r>
-                      <a:r>
-                        <a:rPr lang="en-US" altLang="ko-KR" sz="1400" baseline="0" dirty="0">
-                          <a:latin typeface="Noto Sans KR Medium" pitchFamily="34" charset="-127"/>
-                          <a:ea typeface="Noto Sans KR Medium" pitchFamily="34" charset="-127"/>
-                        </a:rPr>
-                        <a:t> </a:t>
-                      </a:r>
-                      <a:r>
-                        <a:rPr lang="ko-KR" altLang="en-US" sz="1400" baseline="0" dirty="0">
-                          <a:latin typeface="Noto Sans KR Medium" pitchFamily="34" charset="-127"/>
-                          <a:ea typeface="Noto Sans KR Medium" pitchFamily="34" charset="-127"/>
-                        </a:rPr>
-                        <a:t>구현</a:t>
-                      </a:r>
-                      <a:endParaRPr lang="en-US" altLang="ko-KR" sz="1400" baseline="0" dirty="0">
-                        <a:latin typeface="Noto Sans KR Medium" pitchFamily="34" charset="-127"/>
-                        <a:ea typeface="Noto Sans KR Medium" pitchFamily="34" charset="-127"/>
-                      </a:endParaRPr>
-                    </a:p>
-                    <a:p>
-                      <a:pPr algn="ctr" latinLnBrk="1"/>
-                      <a:r>
-                        <a:rPr lang="ko-KR" altLang="en-US" sz="1400" baseline="0" dirty="0">
-                          <a:latin typeface="Noto Sans KR Medium" pitchFamily="34" charset="-127"/>
-                          <a:ea typeface="Noto Sans KR Medium" pitchFamily="34" charset="-127"/>
-                        </a:rPr>
-                        <a:t>스테이지</a:t>
-                      </a:r>
-                      <a:r>
-                        <a:rPr lang="en-US" altLang="ko-KR" sz="1400" baseline="0" dirty="0">
-                          <a:latin typeface="Noto Sans KR Medium" pitchFamily="34" charset="-127"/>
-                          <a:ea typeface="Noto Sans KR Medium" pitchFamily="34" charset="-127"/>
-                        </a:rPr>
-                        <a:t>2 </a:t>
-                      </a:r>
-                    </a:p>
-                    <a:p>
-                      <a:pPr algn="ctr" latinLnBrk="1"/>
-                      <a:endParaRPr lang="ko-KR" altLang="en-US" sz="1400" dirty="0">
-                        <a:latin typeface="Noto Sans KR Medium" pitchFamily="34" charset="-127"/>
-                        <a:ea typeface="Noto Sans KR Medium" pitchFamily="34" charset="-127"/>
-                      </a:endParaRPr>
-                    </a:p>
-                  </a:txBody>
-                  <a:tcPr/>
-                </a:tc>
-                <a:tc>
-                  <a:txBody>
-                    <a:bodyPr/>
-                    <a:lstStyle/>
-                    <a:p>
-                      <a:pPr algn="ctr" latinLnBrk="1"/>
-                      <a:r>
-                        <a:rPr lang="ko-KR" altLang="en-US" sz="1400" dirty="0">
-                          <a:latin typeface="Noto Sans KR Medium" pitchFamily="34" charset="-127"/>
-                          <a:ea typeface="Noto Sans KR Medium" pitchFamily="34" charset="-127"/>
-                        </a:rPr>
-                        <a:t>타임라인</a:t>
-                      </a:r>
-                      <a:r>
-                        <a:rPr lang="ko-KR" altLang="en-US" sz="1400" baseline="0" dirty="0">
-                          <a:latin typeface="Noto Sans KR Medium" pitchFamily="34" charset="-127"/>
-                          <a:ea typeface="Noto Sans KR Medium" pitchFamily="34" charset="-127"/>
-                        </a:rPr>
-                        <a:t> 스테이지</a:t>
-                      </a:r>
-                      <a:r>
-                        <a:rPr lang="en-US" altLang="ko-KR" sz="1400" baseline="0" dirty="0">
-                          <a:latin typeface="Noto Sans KR Medium" pitchFamily="34" charset="-127"/>
-                          <a:ea typeface="Noto Sans KR Medium" pitchFamily="34" charset="-127"/>
-                        </a:rPr>
-                        <a:t>2 </a:t>
-                      </a:r>
-                      <a:r>
-                        <a:rPr lang="ko-KR" altLang="en-US" sz="1400" baseline="0" err="1">
-                          <a:latin typeface="Noto Sans KR Medium" pitchFamily="34" charset="-127"/>
-                          <a:ea typeface="Noto Sans KR Medium" pitchFamily="34" charset="-127"/>
-                        </a:rPr>
-                        <a:t>컷씬</a:t>
-                      </a:r>
-                      <a:r>
-                        <a:rPr lang="ko-KR" altLang="en-US" sz="1400" baseline="0">
-                          <a:latin typeface="Noto Sans KR Medium" pitchFamily="34" charset="-127"/>
-                          <a:ea typeface="Noto Sans KR Medium" pitchFamily="34" charset="-127"/>
-                        </a:rPr>
-                        <a:t> 작업</a:t>
-                      </a:r>
-                      <a:endParaRPr lang="ko-KR" altLang="en-US" sz="1400" dirty="0">
-                        <a:latin typeface="Noto Sans KR Medium" pitchFamily="34" charset="-127"/>
-                        <a:ea typeface="Noto Sans KR Medium" pitchFamily="34" charset="-127"/>
-                      </a:endParaRPr>
-                    </a:p>
-                  </a:txBody>
-                  <a:tcPr/>
-                </a:tc>
-                <a:extLst>
-                  <a:ext uri="{0D108BD9-81ED-4DB2-BD59-A6C34878D82A}">
-                    <a16:rowId xmlns:a16="http://schemas.microsoft.com/office/drawing/2014/main" xmlns="" val="10005"/>
-                  </a:ext>
-                </a:extLst>
-              </a:tr>
-              <a:tr h="693844">
-                <a:tc>
-                  <a:txBody>
-                    <a:bodyPr/>
-                    <a:lstStyle/>
-                    <a:p>
-                      <a:pPr algn="ctr" latinLnBrk="1"/>
-                      <a:r>
-                        <a:rPr lang="en-US" altLang="ko-KR" sz="1400" dirty="0">
-                          <a:latin typeface="Noto Sans KR Medium" pitchFamily="34" charset="-127"/>
-                          <a:ea typeface="Noto Sans KR Medium" pitchFamily="34" charset="-127"/>
-                        </a:rPr>
-                        <a:t>11-07</a:t>
-                      </a:r>
-                      <a:endParaRPr lang="ko-KR" altLang="en-US" sz="1400" dirty="0">
-                        <a:latin typeface="Noto Sans KR Medium" pitchFamily="34" charset="-127"/>
-                        <a:ea typeface="Noto Sans KR Medium" pitchFamily="34" charset="-127"/>
-                      </a:endParaRPr>
-                    </a:p>
-                  </a:txBody>
-                  <a:tcPr/>
-                </a:tc>
-                <a:tc>
-                  <a:txBody>
-                    <a:bodyPr/>
-                    <a:lstStyle/>
-                    <a:p>
-                      <a:pPr algn="ctr" latinLnBrk="1"/>
-                      <a:r>
-                        <a:rPr lang="en-US" altLang="ko-KR" sz="1400" dirty="0">
-                          <a:latin typeface="Noto Sans KR Medium" pitchFamily="34" charset="-127"/>
-                          <a:ea typeface="Noto Sans KR Medium" pitchFamily="34" charset="-127"/>
-                        </a:rPr>
-                        <a:t>X</a:t>
-                      </a:r>
-                      <a:endParaRPr lang="ko-KR" altLang="en-US" sz="1400" dirty="0">
-                        <a:latin typeface="Noto Sans KR Medium" pitchFamily="34" charset="-127"/>
-                        <a:ea typeface="Noto Sans KR Medium" pitchFamily="34" charset="-127"/>
-                      </a:endParaRPr>
-                    </a:p>
-                  </a:txBody>
-                  <a:tcPr/>
-                </a:tc>
-                <a:tc>
-                  <a:txBody>
-                    <a:bodyPr/>
-                    <a:lstStyle/>
-                    <a:p>
-                      <a:pPr algn="ctr" latinLnBrk="1"/>
-                      <a:r>
-                        <a:rPr lang="en-US" altLang="ko-KR" sz="1400" dirty="0">
-                          <a:latin typeface="Noto Sans KR Medium" pitchFamily="34" charset="-127"/>
-                          <a:ea typeface="Noto Sans KR Medium" pitchFamily="34" charset="-127"/>
-                        </a:rPr>
-                        <a:t>X</a:t>
-                      </a:r>
-                      <a:endParaRPr lang="ko-KR" altLang="en-US" sz="1400" dirty="0">
-                        <a:latin typeface="Noto Sans KR Medium" pitchFamily="34" charset="-127"/>
-                        <a:ea typeface="Noto Sans KR Medium" pitchFamily="34" charset="-127"/>
-                      </a:endParaRPr>
-                    </a:p>
-                  </a:txBody>
-                  <a:tcPr/>
-                </a:tc>
-                <a:extLst>
-                  <a:ext uri="{0D108BD9-81ED-4DB2-BD59-A6C34878D82A}">
-                    <a16:rowId xmlns:a16="http://schemas.microsoft.com/office/drawing/2014/main" xmlns="" val="10006"/>
-                  </a:ext>
-                </a:extLst>
-              </a:tr>
-            </a:tbl>
-          </a:graphicData>
-        </a:graphic>
-      </p:graphicFrame>
-    </p:spTree>
-    <p:extLst>
-      <p:ext uri="{BB962C8B-B14F-4D97-AF65-F5344CB8AC3E}">
-        <p14:creationId xmlns:p14="http://schemas.microsoft.com/office/powerpoint/2010/main" val="1783695213"/>
-      </p:ext>
-    </p:extLst>
-  </p:cSld>
-  <p:clrMapOvr>
-    <a:masterClrMapping/>
-  </p:clrMapOvr>
-</p:sld>
-</file>
-
-<file path=ppt/slides/slide11.xml><?xml version="1.0" encoding="utf-8"?>
-<p:sld xmlns:a="http://schemas.openxmlformats.org/drawingml/2006/main" xmlns:r="http://schemas.openxmlformats.org/officeDocument/2006/relationships" xmlns:p="http://schemas.openxmlformats.org/presentationml/2006/main">
-  <p:cSld>
-    <p:spTree>
-      <p:nvGrpSpPr>
-        <p:cNvPr id="1" name=""/>
-        <p:cNvGrpSpPr/>
-        <p:nvPr/>
-      </p:nvGrpSpPr>
-      <p:grpSpPr>
-        <a:xfrm>
-          <a:off x="0" y="0"/>
-          <a:ext cx="0" cy="0"/>
-          <a:chOff x="0" y="0"/>
-          <a:chExt cx="0" cy="0"/>
-        </a:xfrm>
-      </p:grpSpPr>
-      <p:sp>
-        <p:nvSpPr>
-          <p:cNvPr id="2" name="제목 1"/>
-          <p:cNvSpPr>
-            <a:spLocks noGrp="1"/>
-          </p:cNvSpPr>
-          <p:nvPr>
-            <p:ph type="title"/>
-          </p:nvPr>
-        </p:nvSpPr>
-        <p:spPr/>
-        <p:txBody>
-          <a:bodyPr/>
-          <a:lstStyle/>
-          <a:p>
-            <a:r>
-              <a:rPr lang="ko-KR" altLang="en-US" dirty="0">
-                <a:latin typeface="Noto Sans KR Medium" pitchFamily="34" charset="-127"/>
-                <a:ea typeface="Noto Sans KR Medium" pitchFamily="34" charset="-127"/>
-              </a:rPr>
-              <a:t>개발 단계 </a:t>
-            </a:r>
-            <a:r>
-              <a:rPr lang="en-US" altLang="ko-KR" dirty="0">
-                <a:latin typeface="Noto Sans KR Medium" pitchFamily="34" charset="-127"/>
-                <a:ea typeface="Noto Sans KR Medium" pitchFamily="34" charset="-127"/>
-              </a:rPr>
-              <a:t>(2</a:t>
-            </a:r>
-            <a:r>
-              <a:rPr lang="ko-KR" altLang="en-US" dirty="0">
-                <a:latin typeface="Noto Sans KR Medium" pitchFamily="34" charset="-127"/>
-                <a:ea typeface="Noto Sans KR Medium" pitchFamily="34" charset="-127"/>
-              </a:rPr>
-              <a:t>주차</a:t>
-            </a:r>
-            <a:r>
-              <a:rPr lang="en-US" altLang="ko-KR" dirty="0">
-                <a:latin typeface="Noto Sans KR Medium" pitchFamily="34" charset="-127"/>
-                <a:ea typeface="Noto Sans KR Medium" pitchFamily="34" charset="-127"/>
-              </a:rPr>
-              <a:t>)</a:t>
-            </a:r>
-            <a:endParaRPr lang="ko-KR" altLang="en-US" dirty="0">
-              <a:latin typeface="Noto Sans KR Medium" pitchFamily="34" charset="-127"/>
-              <a:ea typeface="Noto Sans KR Medium" pitchFamily="34" charset="-127"/>
-            </a:endParaRPr>
-          </a:p>
-        </p:txBody>
-      </p:sp>
-      <p:sp>
-        <p:nvSpPr>
-          <p:cNvPr id="3" name="내용 개체 틀 2"/>
-          <p:cNvSpPr>
-            <a:spLocks noGrp="1"/>
-          </p:cNvSpPr>
-          <p:nvPr>
-            <p:ph idx="1"/>
-          </p:nvPr>
-        </p:nvSpPr>
-        <p:spPr/>
-        <p:txBody>
-          <a:bodyPr/>
-          <a:lstStyle/>
-          <a:p>
-            <a:pPr marL="0" indent="0">
-              <a:buNone/>
-            </a:pPr>
-            <a:endParaRPr lang="en-US" altLang="ko-KR" dirty="0">
-              <a:latin typeface="Noto Sans KR Medium" pitchFamily="34" charset="-127"/>
-              <a:ea typeface="Noto Sans KR Medium" pitchFamily="34" charset="-127"/>
-            </a:endParaRPr>
-          </a:p>
-          <a:p>
-            <a:pPr marL="0" indent="0">
-              <a:buNone/>
-            </a:pPr>
-            <a:endParaRPr lang="ko-KR" altLang="en-US" dirty="0">
-              <a:latin typeface="Noto Sans KR Medium" pitchFamily="34" charset="-127"/>
-              <a:ea typeface="Noto Sans KR Medium" pitchFamily="34" charset="-127"/>
-            </a:endParaRPr>
-          </a:p>
-        </p:txBody>
-      </p:sp>
-      <p:graphicFrame>
-        <p:nvGraphicFramePr>
-          <p:cNvPr id="4" name="표 3"/>
-          <p:cNvGraphicFramePr>
-            <a:graphicFrameLocks noGrp="1"/>
-          </p:cNvGraphicFramePr>
-          <p:nvPr>
-            <p:extLst>
-              <p:ext uri="{D42A27DB-BD31-4B8C-83A1-F6EECF244321}">
-                <p14:modId xmlns:p14="http://schemas.microsoft.com/office/powerpoint/2010/main" val="1224699567"/>
-              </p:ext>
-            </p:extLst>
-          </p:nvPr>
-        </p:nvGraphicFramePr>
-        <p:xfrm>
-          <a:off x="971600" y="1412776"/>
-          <a:ext cx="7152456" cy="5184576"/>
-        </p:xfrm>
-        <a:graphic>
-          <a:graphicData uri="http://schemas.openxmlformats.org/drawingml/2006/table">
-            <a:tbl>
-              <a:tblPr firstRow="1" bandRow="1">
-                <a:tableStyleId>{5C22544A-7EE6-4342-B048-85BDC9FD1C3A}</a:tableStyleId>
-              </a:tblPr>
-              <a:tblGrid>
-                <a:gridCol w="2384152">
-                  <a:extLst>
-                    <a:ext uri="{9D8B030D-6E8A-4147-A177-3AD203B41FA5}">
-                      <a16:colId xmlns:a16="http://schemas.microsoft.com/office/drawing/2014/main" xmlns="" val="20000"/>
-                    </a:ext>
-                  </a:extLst>
-                </a:gridCol>
-                <a:gridCol w="2384152">
-                  <a:extLst>
-                    <a:ext uri="{9D8B030D-6E8A-4147-A177-3AD203B41FA5}">
-                      <a16:colId xmlns:a16="http://schemas.microsoft.com/office/drawing/2014/main" xmlns="" val="20001"/>
-                    </a:ext>
-                  </a:extLst>
-                </a:gridCol>
-                <a:gridCol w="2384152">
-                  <a:extLst>
-                    <a:ext uri="{9D8B030D-6E8A-4147-A177-3AD203B41FA5}">
-                      <a16:colId xmlns:a16="http://schemas.microsoft.com/office/drawing/2014/main" xmlns="" val="20002"/>
-                    </a:ext>
-                  </a:extLst>
-                </a:gridCol>
-              </a:tblGrid>
-              <a:tr h="678068">
-                <a:tc>
-                  <a:txBody>
-                    <a:bodyPr/>
-                    <a:lstStyle/>
-                    <a:p>
-                      <a:pPr algn="ctr" latinLnBrk="1"/>
-                      <a:r>
-                        <a:rPr lang="ko-KR" altLang="en-US" sz="2800" dirty="0">
-                          <a:latin typeface="Noto Sans KR Bold" pitchFamily="34" charset="-127"/>
-                          <a:ea typeface="Noto Sans KR Bold" pitchFamily="34" charset="-127"/>
-                        </a:rPr>
-                        <a:t>날짜</a:t>
-                      </a:r>
-                    </a:p>
-                  </a:txBody>
-                  <a:tcPr/>
-                </a:tc>
-                <a:tc>
-                  <a:txBody>
-                    <a:bodyPr/>
-                    <a:lstStyle/>
-                    <a:p>
-                      <a:pPr algn="ctr" latinLnBrk="1"/>
-                      <a:r>
-                        <a:rPr lang="ko-KR" altLang="en-US" sz="2800" dirty="0">
-                          <a:latin typeface="Noto Sans KR Bold" pitchFamily="34" charset="-127"/>
-                          <a:ea typeface="Noto Sans KR Bold" pitchFamily="34" charset="-127"/>
-                        </a:rPr>
-                        <a:t>진행 내용</a:t>
-                      </a:r>
-                    </a:p>
-                  </a:txBody>
-                  <a:tcPr/>
-                </a:tc>
-                <a:tc>
-                  <a:txBody>
-                    <a:bodyPr/>
-                    <a:lstStyle/>
-                    <a:p>
-                      <a:pPr algn="ctr" latinLnBrk="1"/>
-                      <a:r>
-                        <a:rPr lang="ko-KR" altLang="en-US" sz="2800" dirty="0">
-                          <a:latin typeface="Noto Sans KR Bold" pitchFamily="34" charset="-127"/>
-                          <a:ea typeface="Noto Sans KR Bold" pitchFamily="34" charset="-127"/>
-                        </a:rPr>
-                        <a:t>비고</a:t>
-                      </a:r>
-                    </a:p>
-                  </a:txBody>
-                  <a:tcPr/>
-                </a:tc>
-                <a:extLst>
-                  <a:ext uri="{0D108BD9-81ED-4DB2-BD59-A6C34878D82A}">
-                    <a16:rowId xmlns:a16="http://schemas.microsoft.com/office/drawing/2014/main" xmlns="" val="10000"/>
-                  </a:ext>
-                </a:extLst>
-              </a:tr>
-              <a:tr h="712819">
-                <a:tc>
-                  <a:txBody>
-                    <a:bodyPr/>
-                    <a:lstStyle/>
-                    <a:p>
-                      <a:pPr algn="ctr" latinLnBrk="1"/>
-                      <a:r>
-                        <a:rPr lang="en-US" altLang="ko-KR" sz="1400" dirty="0">
-                          <a:latin typeface="Noto Sans KR Medium" pitchFamily="34" charset="-127"/>
-                          <a:ea typeface="Noto Sans KR Medium" pitchFamily="34" charset="-127"/>
-                        </a:rPr>
-                        <a:t>11-09</a:t>
-                      </a:r>
-                      <a:endParaRPr lang="ko-KR" altLang="en-US" sz="1400" dirty="0">
-                        <a:latin typeface="Noto Sans KR Medium" pitchFamily="34" charset="-127"/>
-                        <a:ea typeface="Noto Sans KR Medium" pitchFamily="34" charset="-127"/>
-                      </a:endParaRPr>
-                    </a:p>
-                  </a:txBody>
-                  <a:tcPr/>
-                </a:tc>
-                <a:tc>
-                  <a:txBody>
-                    <a:bodyPr/>
-                    <a:lstStyle/>
-                    <a:p>
-                      <a:pPr algn="ctr" latinLnBrk="1"/>
-                      <a:r>
-                        <a:rPr lang="ko-KR" altLang="en-US" sz="1400" dirty="0" err="1">
-                          <a:latin typeface="Noto Sans KR Medium" pitchFamily="34" charset="-127"/>
-                          <a:ea typeface="Noto Sans KR Medium" pitchFamily="34" charset="-127"/>
-                        </a:rPr>
-                        <a:t>튜토리얼</a:t>
-                      </a:r>
-                      <a:endParaRPr lang="en-US" altLang="ko-KR" sz="1400" dirty="0">
-                        <a:latin typeface="Noto Sans KR Medium" pitchFamily="34" charset="-127"/>
-                        <a:ea typeface="Noto Sans KR Medium" pitchFamily="34" charset="-127"/>
-                      </a:endParaRPr>
-                    </a:p>
-                    <a:p>
-                      <a:pPr algn="ctr" latinLnBrk="1"/>
-                      <a:r>
-                        <a:rPr lang="ko-KR" altLang="en-US" sz="1400" dirty="0">
-                          <a:latin typeface="Noto Sans KR Medium" pitchFamily="34" charset="-127"/>
-                          <a:ea typeface="Noto Sans KR Medium" pitchFamily="34" charset="-127"/>
-                        </a:rPr>
-                        <a:t>스토리</a:t>
-                      </a:r>
-                      <a:r>
-                        <a:rPr lang="en-US" altLang="ko-KR" sz="1400" dirty="0">
-                          <a:latin typeface="Noto Sans KR Medium" pitchFamily="34" charset="-127"/>
-                          <a:ea typeface="Noto Sans KR Medium" pitchFamily="34" charset="-127"/>
-                        </a:rPr>
-                        <a:t>1</a:t>
-                      </a:r>
-                      <a:endParaRPr lang="ko-KR" altLang="en-US" sz="1400" dirty="0">
-                        <a:latin typeface="Noto Sans KR Medium" pitchFamily="34" charset="-127"/>
-                        <a:ea typeface="Noto Sans KR Medium" pitchFamily="34" charset="-127"/>
-                      </a:endParaRPr>
-                    </a:p>
-                  </a:txBody>
-                  <a:tcPr/>
-                </a:tc>
-                <a:tc>
-                  <a:txBody>
-                    <a:bodyPr/>
-                    <a:lstStyle/>
-                    <a:p>
-                      <a:pPr algn="ctr" latinLnBrk="1"/>
-                      <a:endParaRPr lang="ko-KR" altLang="en-US" sz="1400" dirty="0">
-                        <a:latin typeface="Noto Sans KR Medium" pitchFamily="34" charset="-127"/>
-                        <a:ea typeface="Noto Sans KR Medium" pitchFamily="34" charset="-127"/>
-                      </a:endParaRPr>
-                    </a:p>
-                  </a:txBody>
-                  <a:tcPr/>
-                </a:tc>
-                <a:extLst>
-                  <a:ext uri="{0D108BD9-81ED-4DB2-BD59-A6C34878D82A}">
-                    <a16:rowId xmlns:a16="http://schemas.microsoft.com/office/drawing/2014/main" xmlns="" val="10001"/>
-                  </a:ext>
-                </a:extLst>
-              </a:tr>
-              <a:tr h="1018313">
-                <a:tc>
-                  <a:txBody>
-                    <a:bodyPr/>
-                    <a:lstStyle/>
-                    <a:p>
-                      <a:pPr algn="ctr" latinLnBrk="1"/>
-                      <a:r>
-                        <a:rPr lang="en-US" altLang="ko-KR" sz="1400" dirty="0">
-                          <a:latin typeface="Noto Sans KR Medium" pitchFamily="34" charset="-127"/>
-                          <a:ea typeface="Noto Sans KR Medium" pitchFamily="34" charset="-127"/>
-                        </a:rPr>
-                        <a:t>11-10</a:t>
-                      </a:r>
-                      <a:endParaRPr lang="ko-KR" altLang="en-US" sz="1400" dirty="0">
-                        <a:latin typeface="Noto Sans KR Medium" pitchFamily="34" charset="-127"/>
-                        <a:ea typeface="Noto Sans KR Medium" pitchFamily="34" charset="-127"/>
-                      </a:endParaRPr>
-                    </a:p>
-                  </a:txBody>
-                  <a:tcPr/>
-                </a:tc>
-                <a:tc>
-                  <a:txBody>
-                    <a:bodyPr/>
-                    <a:lstStyle/>
-                    <a:p>
-                      <a:pPr algn="ctr" latinLnBrk="1"/>
-                      <a:r>
-                        <a:rPr lang="ko-KR" altLang="en-US" sz="1400" baseline="0" dirty="0">
-                          <a:latin typeface="Noto Sans KR Medium" pitchFamily="34" charset="-127"/>
-                          <a:ea typeface="Noto Sans KR Medium" pitchFamily="34" charset="-127"/>
-                        </a:rPr>
-                        <a:t>스테이지</a:t>
-                      </a:r>
-                      <a:r>
-                        <a:rPr lang="en-US" altLang="ko-KR" sz="1400" baseline="0" dirty="0">
-                          <a:latin typeface="Noto Sans KR Medium" pitchFamily="34" charset="-127"/>
-                          <a:ea typeface="Noto Sans KR Medium" pitchFamily="34" charset="-127"/>
-                        </a:rPr>
-                        <a:t>1-1</a:t>
-                      </a:r>
-                    </a:p>
-                    <a:p>
-                      <a:pPr algn="ctr" latinLnBrk="1"/>
-                      <a:r>
-                        <a:rPr lang="ko-KR" altLang="en-US" sz="1400" baseline="0" dirty="0">
-                          <a:latin typeface="Noto Sans KR Medium" pitchFamily="34" charset="-127"/>
-                          <a:ea typeface="Noto Sans KR Medium" pitchFamily="34" charset="-127"/>
-                        </a:rPr>
-                        <a:t>스테이지</a:t>
-                      </a:r>
-                      <a:r>
-                        <a:rPr lang="en-US" altLang="ko-KR" sz="1400" baseline="0" dirty="0">
-                          <a:latin typeface="Noto Sans KR Medium" pitchFamily="34" charset="-127"/>
-                          <a:ea typeface="Noto Sans KR Medium" pitchFamily="34" charset="-127"/>
-                        </a:rPr>
-                        <a:t>1-3</a:t>
-                      </a:r>
-                    </a:p>
-                    <a:p>
-                      <a:pPr algn="ctr" latinLnBrk="1"/>
-                      <a:r>
-                        <a:rPr lang="ko-KR" altLang="en-US" sz="1400" baseline="0" dirty="0">
-                          <a:latin typeface="Noto Sans KR Medium" pitchFamily="34" charset="-127"/>
-                          <a:ea typeface="Noto Sans KR Medium" pitchFamily="34" charset="-127"/>
-                        </a:rPr>
-                        <a:t>스테이지</a:t>
-                      </a:r>
-                      <a:r>
-                        <a:rPr lang="en-US" altLang="ko-KR" sz="1400" baseline="0" dirty="0">
-                          <a:latin typeface="Noto Sans KR Medium" pitchFamily="34" charset="-127"/>
-                          <a:ea typeface="Noto Sans KR Medium" pitchFamily="34" charset="-127"/>
-                        </a:rPr>
-                        <a:t>1-2</a:t>
-                      </a:r>
-                      <a:r>
-                        <a:rPr lang="ko-KR" altLang="en-US" sz="1400" baseline="0" dirty="0">
-                          <a:latin typeface="Noto Sans KR Medium" pitchFamily="34" charset="-127"/>
-                          <a:ea typeface="Noto Sans KR Medium" pitchFamily="34" charset="-127"/>
-                        </a:rPr>
-                        <a:t>배치</a:t>
-                      </a:r>
-                      <a:endParaRPr lang="en-US" altLang="ko-KR" sz="1400" baseline="0" dirty="0">
-                        <a:latin typeface="Noto Sans KR Medium" pitchFamily="34" charset="-127"/>
-                        <a:ea typeface="Noto Sans KR Medium" pitchFamily="34" charset="-127"/>
-                      </a:endParaRPr>
-                    </a:p>
-                  </a:txBody>
-                  <a:tcPr/>
-                </a:tc>
-                <a:tc>
-                  <a:txBody>
-                    <a:bodyPr/>
-                    <a:lstStyle/>
-                    <a:p>
-                      <a:pPr algn="ctr" latinLnBrk="1"/>
-                      <a:r>
-                        <a:rPr lang="ko-KR" altLang="en-US" sz="1400" dirty="0" err="1">
-                          <a:latin typeface="Noto Sans KR Medium" pitchFamily="34" charset="-127"/>
-                          <a:ea typeface="Noto Sans KR Medium" pitchFamily="34" charset="-127"/>
-                        </a:rPr>
-                        <a:t>모아이</a:t>
-                      </a:r>
-                      <a:r>
-                        <a:rPr lang="ko-KR" altLang="en-US" sz="1400" baseline="0" dirty="0">
-                          <a:latin typeface="Noto Sans KR Medium" pitchFamily="34" charset="-127"/>
-                          <a:ea typeface="Noto Sans KR Medium" pitchFamily="34" charset="-127"/>
-                        </a:rPr>
-                        <a:t> 타임라인</a:t>
-                      </a:r>
-                      <a:endParaRPr lang="en-US" altLang="ko-KR" sz="1400" baseline="0" dirty="0">
-                        <a:latin typeface="Noto Sans KR Medium" pitchFamily="34" charset="-127"/>
-                        <a:ea typeface="Noto Sans KR Medium" pitchFamily="34" charset="-127"/>
-                      </a:endParaRPr>
-                    </a:p>
-                    <a:p>
-                      <a:pPr algn="ctr" latinLnBrk="1"/>
-                      <a:r>
-                        <a:rPr lang="en-US" altLang="ko-KR" sz="1400" baseline="0" dirty="0">
-                          <a:latin typeface="Noto Sans KR Medium" pitchFamily="34" charset="-127"/>
-                          <a:ea typeface="Noto Sans KR Medium" pitchFamily="34" charset="-127"/>
-                        </a:rPr>
-                        <a:t>1-2 </a:t>
-                      </a:r>
-                      <a:r>
-                        <a:rPr lang="ko-KR" altLang="en-US" sz="1400" baseline="0">
-                          <a:latin typeface="Noto Sans KR Medium" pitchFamily="34" charset="-127"/>
-                          <a:ea typeface="Noto Sans KR Medium" pitchFamily="34" charset="-127"/>
-                        </a:rPr>
-                        <a:t>덜 함</a:t>
-                      </a:r>
-                      <a:endParaRPr lang="ko-KR" altLang="en-US" sz="1400" dirty="0">
-                        <a:latin typeface="Noto Sans KR Medium" pitchFamily="34" charset="-127"/>
-                        <a:ea typeface="Noto Sans KR Medium" pitchFamily="34" charset="-127"/>
-                      </a:endParaRPr>
-                    </a:p>
-                  </a:txBody>
-                  <a:tcPr/>
-                </a:tc>
-                <a:extLst>
-                  <a:ext uri="{0D108BD9-81ED-4DB2-BD59-A6C34878D82A}">
-                    <a16:rowId xmlns:a16="http://schemas.microsoft.com/office/drawing/2014/main" xmlns="" val="10002"/>
-                  </a:ext>
-                </a:extLst>
-              </a:tr>
-              <a:tr h="693844">
-                <a:tc>
-                  <a:txBody>
-                    <a:bodyPr/>
-                    <a:lstStyle/>
-                    <a:p>
-                      <a:pPr algn="ctr" latinLnBrk="1"/>
-                      <a:r>
-                        <a:rPr lang="en-US" altLang="ko-KR" sz="1400" dirty="0">
-                          <a:latin typeface="Noto Sans KR Medium" pitchFamily="34" charset="-127"/>
-                          <a:ea typeface="Noto Sans KR Medium" pitchFamily="34" charset="-127"/>
-                        </a:rPr>
-                        <a:t>11-11</a:t>
-                      </a:r>
-                      <a:endParaRPr lang="ko-KR" altLang="en-US" sz="1400" dirty="0">
-                        <a:latin typeface="Noto Sans KR Medium" pitchFamily="34" charset="-127"/>
-                        <a:ea typeface="Noto Sans KR Medium" pitchFamily="34" charset="-127"/>
-                      </a:endParaRPr>
-                    </a:p>
-                  </a:txBody>
-                  <a:tcPr/>
-                </a:tc>
-                <a:tc>
-                  <a:txBody>
-                    <a:bodyPr/>
-                    <a:lstStyle/>
-                    <a:p>
-                      <a:pPr algn="ctr" latinLnBrk="1"/>
-                      <a:r>
-                        <a:rPr lang="ko-KR" altLang="en-US" sz="1400" dirty="0">
-                          <a:latin typeface="Noto Sans KR Medium" pitchFamily="34" charset="-127"/>
-                          <a:ea typeface="Noto Sans KR Medium" pitchFamily="34" charset="-127"/>
-                        </a:rPr>
-                        <a:t>스테이지</a:t>
-                      </a:r>
-                      <a:r>
-                        <a:rPr lang="en-US" altLang="ko-KR" sz="1400" dirty="0">
-                          <a:latin typeface="Noto Sans KR Medium" pitchFamily="34" charset="-127"/>
-                          <a:ea typeface="Noto Sans KR Medium" pitchFamily="34" charset="-127"/>
-                        </a:rPr>
-                        <a:t>1-2</a:t>
-                      </a:r>
-                      <a:r>
-                        <a:rPr lang="ko-KR" altLang="en-US" sz="1400" dirty="0">
-                          <a:latin typeface="Noto Sans KR Medium" pitchFamily="34" charset="-127"/>
-                          <a:ea typeface="Noto Sans KR Medium" pitchFamily="34" charset="-127"/>
-                        </a:rPr>
-                        <a:t>동굴</a:t>
-                      </a:r>
-                      <a:endParaRPr lang="en-US" altLang="ko-KR" sz="1400" dirty="0">
-                        <a:latin typeface="Noto Sans KR Medium" pitchFamily="34" charset="-127"/>
-                        <a:ea typeface="Noto Sans KR Medium" pitchFamily="34" charset="-127"/>
-                      </a:endParaRPr>
-                    </a:p>
-                    <a:p>
-                      <a:pPr algn="ctr" latinLnBrk="1"/>
-                      <a:r>
-                        <a:rPr lang="ko-KR" altLang="en-US" sz="1400" dirty="0">
-                          <a:latin typeface="Noto Sans KR Medium" pitchFamily="34" charset="-127"/>
-                          <a:ea typeface="Noto Sans KR Medium" pitchFamily="34" charset="-127"/>
-                        </a:rPr>
-                        <a:t>스테이지</a:t>
-                      </a:r>
-                      <a:r>
-                        <a:rPr lang="en-US" altLang="ko-KR" sz="1400" dirty="0">
-                          <a:latin typeface="Noto Sans KR Medium" pitchFamily="34" charset="-127"/>
-                          <a:ea typeface="Noto Sans KR Medium" pitchFamily="34" charset="-127"/>
-                        </a:rPr>
-                        <a:t>1-2</a:t>
-                      </a:r>
-                      <a:r>
-                        <a:rPr lang="ko-KR" altLang="en-US" sz="1400" dirty="0">
-                          <a:latin typeface="Noto Sans KR Medium" pitchFamily="34" charset="-127"/>
-                          <a:ea typeface="Noto Sans KR Medium" pitchFamily="34" charset="-127"/>
-                        </a:rPr>
-                        <a:t>석판</a:t>
-                      </a:r>
-                    </a:p>
-                  </a:txBody>
-                  <a:tcPr/>
-                </a:tc>
-                <a:tc>
-                  <a:txBody>
-                    <a:bodyPr/>
-                    <a:lstStyle/>
-                    <a:p>
-                      <a:pPr algn="ctr" latinLnBrk="1"/>
-                      <a:r>
-                        <a:rPr lang="ko-KR" altLang="en-US" sz="1400" dirty="0">
-                          <a:latin typeface="Noto Sans KR Medium" pitchFamily="34" charset="-127"/>
-                          <a:ea typeface="Noto Sans KR Medium" pitchFamily="34" charset="-127"/>
-                        </a:rPr>
-                        <a:t>석판 드래그 앤 </a:t>
-                      </a:r>
-                      <a:r>
-                        <a:rPr lang="ko-KR" altLang="en-US" sz="1400" dirty="0" err="1">
-                          <a:latin typeface="Noto Sans KR Medium" pitchFamily="34" charset="-127"/>
-                          <a:ea typeface="Noto Sans KR Medium" pitchFamily="34" charset="-127"/>
-                        </a:rPr>
-                        <a:t>드랍</a:t>
-                      </a:r>
-                      <a:endParaRPr lang="en-US" altLang="ko-KR" sz="1400" dirty="0">
-                        <a:latin typeface="Noto Sans KR Medium" pitchFamily="34" charset="-127"/>
-                        <a:ea typeface="Noto Sans KR Medium" pitchFamily="34" charset="-127"/>
-                      </a:endParaRPr>
-                    </a:p>
-                    <a:p>
-                      <a:pPr algn="ctr" latinLnBrk="1"/>
-                      <a:r>
-                        <a:rPr lang="ko-KR" altLang="en-US" sz="1400" dirty="0" err="1">
-                          <a:latin typeface="Noto Sans KR Medium" pitchFamily="34" charset="-127"/>
-                          <a:ea typeface="Noto Sans KR Medium" pitchFamily="34" charset="-127"/>
-                        </a:rPr>
-                        <a:t>텔레포트</a:t>
-                      </a:r>
-                      <a:r>
-                        <a:rPr lang="ko-KR" altLang="en-US" sz="1400" dirty="0">
-                          <a:latin typeface="Noto Sans KR Medium" pitchFamily="34" charset="-127"/>
-                          <a:ea typeface="Noto Sans KR Medium" pitchFamily="34" charset="-127"/>
-                        </a:rPr>
-                        <a:t> 포탈</a:t>
-                      </a:r>
-                    </a:p>
-                  </a:txBody>
-                  <a:tcPr/>
-                </a:tc>
-                <a:extLst>
-                  <a:ext uri="{0D108BD9-81ED-4DB2-BD59-A6C34878D82A}">
-                    <a16:rowId xmlns:a16="http://schemas.microsoft.com/office/drawing/2014/main" xmlns="" val="10003"/>
-                  </a:ext>
-                </a:extLst>
-              </a:tr>
-              <a:tr h="693844">
-                <a:tc>
-                  <a:txBody>
-                    <a:bodyPr/>
-                    <a:lstStyle/>
-                    <a:p>
-                      <a:pPr algn="ctr" latinLnBrk="1"/>
-                      <a:r>
-                        <a:rPr lang="en-US" altLang="ko-KR" sz="1400" dirty="0">
-                          <a:latin typeface="Noto Sans KR Medium" pitchFamily="34" charset="-127"/>
-                          <a:ea typeface="Noto Sans KR Medium" pitchFamily="34" charset="-127"/>
-                        </a:rPr>
-                        <a:t>11-12</a:t>
-                      </a:r>
-                      <a:endParaRPr lang="ko-KR" altLang="en-US" sz="1400" dirty="0">
-                        <a:latin typeface="Noto Sans KR Medium" pitchFamily="34" charset="-127"/>
-                        <a:ea typeface="Noto Sans KR Medium" pitchFamily="34" charset="-127"/>
-                      </a:endParaRPr>
-                    </a:p>
-                  </a:txBody>
-                  <a:tcPr/>
-                </a:tc>
-                <a:tc>
-                  <a:txBody>
-                    <a:bodyPr/>
-                    <a:lstStyle/>
-                    <a:p>
-                      <a:pPr algn="ctr" latinLnBrk="1"/>
-                      <a:r>
-                        <a:rPr lang="en-US" altLang="ko-KR" sz="1400" baseline="0" dirty="0">
-                          <a:latin typeface="Noto Sans KR Medium" pitchFamily="34" charset="-127"/>
-                          <a:ea typeface="Noto Sans KR Medium" pitchFamily="34" charset="-127"/>
-                        </a:rPr>
-                        <a:t>1-2</a:t>
-                      </a:r>
-                      <a:r>
-                        <a:rPr lang="ko-KR" altLang="en-US" sz="1400" baseline="0" dirty="0">
-                          <a:latin typeface="Noto Sans KR Medium" pitchFamily="34" charset="-127"/>
-                          <a:ea typeface="Noto Sans KR Medium" pitchFamily="34" charset="-127"/>
-                        </a:rPr>
-                        <a:t>완성</a:t>
-                      </a:r>
-                      <a:endParaRPr lang="en-US" altLang="ko-KR" sz="1400" baseline="0" dirty="0">
-                        <a:latin typeface="Noto Sans KR Medium" pitchFamily="34" charset="-127"/>
-                        <a:ea typeface="Noto Sans KR Medium" pitchFamily="34" charset="-127"/>
-                      </a:endParaRPr>
-                    </a:p>
-                    <a:p>
-                      <a:pPr algn="ctr" latinLnBrk="1"/>
-                      <a:r>
-                        <a:rPr lang="en-US" altLang="ko-KR" sz="1400" baseline="0" dirty="0">
-                          <a:latin typeface="Noto Sans KR Medium" pitchFamily="34" charset="-127"/>
-                          <a:ea typeface="Noto Sans KR Medium" pitchFamily="34" charset="-127"/>
-                        </a:rPr>
-                        <a:t>2-1</a:t>
-                      </a:r>
-                      <a:r>
-                        <a:rPr lang="ko-KR" altLang="en-US" sz="1400" baseline="0" dirty="0">
-                          <a:latin typeface="Noto Sans KR Medium" pitchFamily="34" charset="-127"/>
-                          <a:ea typeface="Noto Sans KR Medium" pitchFamily="34" charset="-127"/>
-                        </a:rPr>
-                        <a:t>완성</a:t>
-                      </a:r>
-                      <a:endParaRPr lang="en-US" altLang="ko-KR" sz="1400" baseline="0" dirty="0">
-                        <a:latin typeface="Noto Sans KR Medium" pitchFamily="34" charset="-127"/>
-                        <a:ea typeface="Noto Sans KR Medium" pitchFamily="34" charset="-127"/>
-                      </a:endParaRPr>
-                    </a:p>
-                  </a:txBody>
-                  <a:tcPr/>
-                </a:tc>
-                <a:tc>
-                  <a:txBody>
-                    <a:bodyPr/>
-                    <a:lstStyle/>
-                    <a:p>
-                      <a:pPr algn="ctr" latinLnBrk="1"/>
-                      <a:r>
-                        <a:rPr lang="en-US" altLang="ko-KR" sz="1400" dirty="0">
-                          <a:latin typeface="Noto Sans KR Medium" pitchFamily="34" charset="-127"/>
-                          <a:ea typeface="Noto Sans KR Medium" pitchFamily="34" charset="-127"/>
-                        </a:rPr>
-                        <a:t>2-1 </a:t>
-                      </a:r>
-                      <a:r>
-                        <a:rPr lang="ko-KR" altLang="en-US" sz="1400" dirty="0">
-                          <a:latin typeface="Noto Sans KR Medium" pitchFamily="34" charset="-127"/>
-                          <a:ea typeface="Noto Sans KR Medium" pitchFamily="34" charset="-127"/>
-                        </a:rPr>
-                        <a:t>타임라인 </a:t>
-                      </a:r>
-                      <a:r>
-                        <a:rPr lang="ko-KR" altLang="en-US" sz="1400" dirty="0" err="1">
-                          <a:latin typeface="Noto Sans KR Medium" pitchFamily="34" charset="-127"/>
-                          <a:ea typeface="Noto Sans KR Medium" pitchFamily="34" charset="-127"/>
-                        </a:rPr>
-                        <a:t>두개</a:t>
-                      </a:r>
-                      <a:endParaRPr lang="en-US" altLang="ko-KR" sz="1400" dirty="0">
-                        <a:latin typeface="Noto Sans KR Medium" pitchFamily="34" charset="-127"/>
-                        <a:ea typeface="Noto Sans KR Medium" pitchFamily="34" charset="-127"/>
-                      </a:endParaRPr>
-                    </a:p>
-                    <a:p>
-                      <a:pPr algn="ctr" latinLnBrk="1"/>
-                      <a:r>
-                        <a:rPr lang="ko-KR" altLang="en-US" sz="1400" dirty="0" err="1">
-                          <a:latin typeface="Noto Sans KR Medium" pitchFamily="34" charset="-127"/>
-                          <a:ea typeface="Noto Sans KR Medium" pitchFamily="34" charset="-127"/>
-                        </a:rPr>
-                        <a:t>트램펄린</a:t>
-                      </a:r>
-                      <a:endParaRPr lang="ko-KR" altLang="en-US" sz="1400" dirty="0">
-                        <a:latin typeface="Noto Sans KR Medium" pitchFamily="34" charset="-127"/>
-                        <a:ea typeface="Noto Sans KR Medium" pitchFamily="34" charset="-127"/>
-                      </a:endParaRPr>
-                    </a:p>
-                  </a:txBody>
-                  <a:tcPr/>
-                </a:tc>
-                <a:extLst>
-                  <a:ext uri="{0D108BD9-81ED-4DB2-BD59-A6C34878D82A}">
-                    <a16:rowId xmlns:a16="http://schemas.microsoft.com/office/drawing/2014/main" xmlns="" val="10004"/>
-                  </a:ext>
-                </a:extLst>
-              </a:tr>
-              <a:tr h="693844">
-                <a:tc>
-                  <a:txBody>
-                    <a:bodyPr/>
-                    <a:lstStyle/>
-                    <a:p>
-                      <a:pPr algn="ctr" latinLnBrk="1"/>
-                      <a:r>
-                        <a:rPr lang="en-US" altLang="ko-KR" sz="1400" dirty="0">
-                          <a:latin typeface="Noto Sans KR Medium" pitchFamily="34" charset="-127"/>
-                          <a:ea typeface="Noto Sans KR Medium" pitchFamily="34" charset="-127"/>
-                        </a:rPr>
-                        <a:t>11-13</a:t>
-                      </a:r>
-                      <a:endParaRPr lang="ko-KR" altLang="en-US" sz="1400" dirty="0">
-                        <a:latin typeface="Noto Sans KR Medium" pitchFamily="34" charset="-127"/>
-                        <a:ea typeface="Noto Sans KR Medium" pitchFamily="34" charset="-127"/>
-                      </a:endParaRPr>
-                    </a:p>
-                  </a:txBody>
-                  <a:tcPr/>
-                </a:tc>
-                <a:tc>
-                  <a:txBody>
-                    <a:bodyPr/>
-                    <a:lstStyle/>
-                    <a:p>
-                      <a:pPr algn="ctr" latinLnBrk="1"/>
-                      <a:r>
-                        <a:rPr lang="en-US" altLang="ko-KR" sz="1400" dirty="0">
-                          <a:latin typeface="Noto Sans KR Medium" pitchFamily="34" charset="-127"/>
-                          <a:ea typeface="Noto Sans KR Medium" pitchFamily="34" charset="-127"/>
-                        </a:rPr>
-                        <a:t>2-2</a:t>
-                      </a:r>
-                      <a:r>
-                        <a:rPr lang="ko-KR" altLang="en-US" sz="1400" dirty="0">
-                          <a:latin typeface="Noto Sans KR Medium" pitchFamily="34" charset="-127"/>
-                          <a:ea typeface="Noto Sans KR Medium" pitchFamily="34" charset="-127"/>
-                        </a:rPr>
-                        <a:t>완성</a:t>
-                      </a:r>
-                      <a:endParaRPr lang="en-US" altLang="ko-KR" sz="1400" dirty="0">
-                        <a:latin typeface="Noto Sans KR Medium" pitchFamily="34" charset="-127"/>
-                        <a:ea typeface="Noto Sans KR Medium" pitchFamily="34" charset="-127"/>
-                      </a:endParaRPr>
-                    </a:p>
-                    <a:p>
-                      <a:pPr algn="ctr" latinLnBrk="1"/>
-                      <a:r>
-                        <a:rPr lang="en-US" altLang="ko-KR" sz="1400" dirty="0">
-                          <a:latin typeface="Noto Sans KR Medium" pitchFamily="34" charset="-127"/>
-                          <a:ea typeface="Noto Sans KR Medium" pitchFamily="34" charset="-127"/>
-                        </a:rPr>
-                        <a:t>2-3</a:t>
-                      </a:r>
-                      <a:endParaRPr lang="ko-KR" altLang="en-US" sz="1400" dirty="0">
-                        <a:latin typeface="Noto Sans KR Medium" pitchFamily="34" charset="-127"/>
-                        <a:ea typeface="Noto Sans KR Medium" pitchFamily="34" charset="-127"/>
-                      </a:endParaRPr>
-                    </a:p>
-                  </a:txBody>
-                  <a:tcPr/>
-                </a:tc>
-                <a:tc>
-                  <a:txBody>
-                    <a:bodyPr/>
-                    <a:lstStyle/>
-                    <a:p>
-                      <a:pPr algn="ctr" latinLnBrk="1"/>
-                      <a:r>
-                        <a:rPr lang="ko-KR" altLang="en-US" sz="1400" dirty="0">
-                          <a:latin typeface="Noto Sans KR Medium" pitchFamily="34" charset="-127"/>
-                          <a:ea typeface="Noto Sans KR Medium" pitchFamily="34" charset="-127"/>
-                        </a:rPr>
-                        <a:t>스프링점프</a:t>
-                      </a:r>
-                      <a:endParaRPr lang="en-US" altLang="ko-KR" sz="1400" dirty="0">
-                        <a:latin typeface="Noto Sans KR Medium" pitchFamily="34" charset="-127"/>
-                        <a:ea typeface="Noto Sans KR Medium" pitchFamily="34" charset="-127"/>
-                      </a:endParaRPr>
-                    </a:p>
-                    <a:p>
-                      <a:pPr algn="ctr" latinLnBrk="1"/>
-                      <a:r>
-                        <a:rPr lang="ko-KR" altLang="en-US" sz="1400" dirty="0" err="1">
-                          <a:latin typeface="Noto Sans KR Medium" pitchFamily="34" charset="-127"/>
-                          <a:ea typeface="Noto Sans KR Medium" pitchFamily="34" charset="-127"/>
-                        </a:rPr>
-                        <a:t>시네머신</a:t>
-                      </a:r>
-                      <a:r>
-                        <a:rPr lang="ko-KR" altLang="en-US" sz="1400" dirty="0">
-                          <a:latin typeface="Noto Sans KR Medium" pitchFamily="34" charset="-127"/>
-                          <a:ea typeface="Noto Sans KR Medium" pitchFamily="34" charset="-127"/>
-                        </a:rPr>
-                        <a:t> </a:t>
-                      </a:r>
-                      <a:r>
-                        <a:rPr lang="ko-KR" altLang="en-US" sz="1400" dirty="0" err="1">
-                          <a:latin typeface="Noto Sans KR Medium" pitchFamily="34" charset="-127"/>
-                          <a:ea typeface="Noto Sans KR Medium" pitchFamily="34" charset="-127"/>
-                        </a:rPr>
-                        <a:t>버그있음</a:t>
-                      </a:r>
-                      <a:endParaRPr lang="en-US" altLang="ko-KR" sz="1400" dirty="0">
-                        <a:latin typeface="Noto Sans KR Medium" pitchFamily="34" charset="-127"/>
-                        <a:ea typeface="Noto Sans KR Medium" pitchFamily="34" charset="-127"/>
-                      </a:endParaRPr>
-                    </a:p>
-                  </a:txBody>
-                  <a:tcPr/>
-                </a:tc>
-                <a:extLst>
-                  <a:ext uri="{0D108BD9-81ED-4DB2-BD59-A6C34878D82A}">
-                    <a16:rowId xmlns:a16="http://schemas.microsoft.com/office/drawing/2014/main" xmlns="" val="10005"/>
-                  </a:ext>
-                </a:extLst>
-              </a:tr>
-              <a:tr h="693844">
-                <a:tc>
-                  <a:txBody>
-                    <a:bodyPr/>
-                    <a:lstStyle/>
-                    <a:p>
-                      <a:pPr algn="ctr" latinLnBrk="1"/>
-                      <a:r>
-                        <a:rPr lang="en-US" altLang="ko-KR" sz="1400" dirty="0">
-                          <a:latin typeface="Noto Sans KR Medium" pitchFamily="34" charset="-127"/>
-                          <a:ea typeface="Noto Sans KR Medium" pitchFamily="34" charset="-127"/>
-                        </a:rPr>
-                        <a:t>11-14</a:t>
-                      </a:r>
-                      <a:endParaRPr lang="ko-KR" altLang="en-US" sz="1400" dirty="0">
-                        <a:latin typeface="Noto Sans KR Medium" pitchFamily="34" charset="-127"/>
-                        <a:ea typeface="Noto Sans KR Medium" pitchFamily="34" charset="-127"/>
-                      </a:endParaRPr>
-                    </a:p>
-                  </a:txBody>
-                  <a:tcPr/>
-                </a:tc>
-                <a:tc>
-                  <a:txBody>
-                    <a:bodyPr/>
-                    <a:lstStyle/>
-                    <a:p>
-                      <a:pPr algn="ctr" latinLnBrk="1"/>
-                      <a:r>
-                        <a:rPr lang="ko-KR" altLang="en-US" sz="1400" dirty="0" err="1">
-                          <a:latin typeface="Noto Sans KR Medium" pitchFamily="34" charset="-127"/>
-                          <a:ea typeface="Noto Sans KR Medium" pitchFamily="34" charset="-127"/>
-                        </a:rPr>
-                        <a:t>시네머신</a:t>
-                      </a:r>
-                      <a:r>
-                        <a:rPr lang="ko-KR" altLang="en-US" sz="1400" dirty="0">
-                          <a:latin typeface="Noto Sans KR Medium" pitchFamily="34" charset="-127"/>
-                          <a:ea typeface="Noto Sans KR Medium" pitchFamily="34" charset="-127"/>
-                        </a:rPr>
-                        <a:t> </a:t>
-                      </a:r>
-                      <a:r>
-                        <a:rPr lang="ko-KR" altLang="en-US" sz="1400" dirty="0" smtClean="0">
-                          <a:latin typeface="Noto Sans KR Medium" pitchFamily="34" charset="-127"/>
-                          <a:ea typeface="Noto Sans KR Medium" pitchFamily="34" charset="-127"/>
-                        </a:rPr>
-                        <a:t>버그해결</a:t>
-                      </a:r>
-                      <a:endParaRPr lang="en-US" altLang="ko-KR" sz="1400" dirty="0" smtClean="0">
-                        <a:latin typeface="Noto Sans KR Medium" pitchFamily="34" charset="-127"/>
-                        <a:ea typeface="Noto Sans KR Medium" pitchFamily="34" charset="-127"/>
-                      </a:endParaRPr>
-                    </a:p>
-                    <a:p>
-                      <a:pPr algn="ctr" latinLnBrk="1"/>
-                      <a:r>
-                        <a:rPr lang="en-US" altLang="ko-KR" sz="1400" dirty="0" smtClean="0">
-                          <a:latin typeface="Noto Sans KR Medium" pitchFamily="34" charset="-127"/>
-                          <a:ea typeface="Noto Sans KR Medium" pitchFamily="34" charset="-127"/>
-                        </a:rPr>
-                        <a:t>2-3</a:t>
-                      </a:r>
-                      <a:endParaRPr lang="ko-KR" altLang="en-US" sz="1400" dirty="0">
-                        <a:latin typeface="Noto Sans KR Medium" pitchFamily="34" charset="-127"/>
-                        <a:ea typeface="Noto Sans KR Medium" pitchFamily="34" charset="-127"/>
-                      </a:endParaRPr>
-                    </a:p>
-                  </a:txBody>
-                  <a:tcPr/>
-                </a:tc>
-                <a:tc>
-                  <a:txBody>
-                    <a:bodyPr/>
-                    <a:lstStyle/>
-                    <a:p>
-                      <a:pPr algn="ctr" latinLnBrk="1"/>
-                      <a:endParaRPr lang="ko-KR" altLang="en-US" sz="1400" dirty="0">
-                        <a:latin typeface="Noto Sans KR Medium" pitchFamily="34" charset="-127"/>
-                        <a:ea typeface="Noto Sans KR Medium" pitchFamily="34" charset="-127"/>
-                      </a:endParaRPr>
-                    </a:p>
-                  </a:txBody>
-                  <a:tcPr/>
-                </a:tc>
-                <a:extLst>
-                  <a:ext uri="{0D108BD9-81ED-4DB2-BD59-A6C34878D82A}">
-                    <a16:rowId xmlns:a16="http://schemas.microsoft.com/office/drawing/2014/main" xmlns="" val="10006"/>
-                  </a:ext>
-                </a:extLst>
-              </a:tr>
-            </a:tbl>
-          </a:graphicData>
-        </a:graphic>
-      </p:graphicFrame>
-    </p:spTree>
-    <p:extLst>
-      <p:ext uri="{BB962C8B-B14F-4D97-AF65-F5344CB8AC3E}">
-        <p14:creationId xmlns:p14="http://schemas.microsoft.com/office/powerpoint/2010/main" val="2051796337"/>
-      </p:ext>
-    </p:extLst>
-  </p:cSld>
-  <p:clrMapOvr>
-    <a:masterClrMapping/>
-  </p:clrMapOvr>
-</p:sld>
-</file>
-
-<file path=ppt/slides/slide12.xml><?xml version="1.0" encoding="utf-8"?>
-<p:sld xmlns:a="http://schemas.openxmlformats.org/drawingml/2006/main" xmlns:r="http://schemas.openxmlformats.org/officeDocument/2006/relationships" xmlns:p="http://schemas.openxmlformats.org/presentationml/2006/main">
-  <p:cSld>
-    <p:spTree>
-      <p:nvGrpSpPr>
-        <p:cNvPr id="1" name=""/>
-        <p:cNvGrpSpPr/>
-        <p:nvPr/>
-      </p:nvGrpSpPr>
-      <p:grpSpPr>
-        <a:xfrm>
-          <a:off x="0" y="0"/>
-          <a:ext cx="0" cy="0"/>
-          <a:chOff x="0" y="0"/>
-          <a:chExt cx="0" cy="0"/>
-        </a:xfrm>
-      </p:grpSpPr>
-      <p:sp>
-        <p:nvSpPr>
-          <p:cNvPr id="2" name="제목 1"/>
-          <p:cNvSpPr>
-            <a:spLocks noGrp="1"/>
-          </p:cNvSpPr>
-          <p:nvPr>
-            <p:ph type="title"/>
-          </p:nvPr>
-        </p:nvSpPr>
-        <p:spPr/>
-        <p:txBody>
-          <a:bodyPr/>
-          <a:lstStyle/>
-          <a:p>
-            <a:r>
-              <a:rPr lang="ko-KR" altLang="en-US" dirty="0">
-                <a:latin typeface="Noto Sans KR Medium" pitchFamily="34" charset="-127"/>
-                <a:ea typeface="Noto Sans KR Medium" pitchFamily="34" charset="-127"/>
-              </a:rPr>
-              <a:t>개발 단계 </a:t>
-            </a:r>
-            <a:r>
-              <a:rPr lang="en-US" altLang="ko-KR" dirty="0" smtClean="0">
-                <a:latin typeface="Noto Sans KR Medium" pitchFamily="34" charset="-127"/>
-                <a:ea typeface="Noto Sans KR Medium" pitchFamily="34" charset="-127"/>
-              </a:rPr>
-              <a:t>(3</a:t>
-            </a:r>
-            <a:r>
-              <a:rPr lang="ko-KR" altLang="en-US" dirty="0" smtClean="0">
-                <a:latin typeface="Noto Sans KR Medium" pitchFamily="34" charset="-127"/>
-                <a:ea typeface="Noto Sans KR Medium" pitchFamily="34" charset="-127"/>
-              </a:rPr>
-              <a:t>주차</a:t>
-            </a:r>
-            <a:r>
-              <a:rPr lang="en-US" altLang="ko-KR" dirty="0">
-                <a:latin typeface="Noto Sans KR Medium" pitchFamily="34" charset="-127"/>
-                <a:ea typeface="Noto Sans KR Medium" pitchFamily="34" charset="-127"/>
-              </a:rPr>
-              <a:t>)</a:t>
-            </a:r>
-            <a:endParaRPr lang="ko-KR" altLang="en-US" dirty="0">
-              <a:latin typeface="Noto Sans KR Medium" pitchFamily="34" charset="-127"/>
-              <a:ea typeface="Noto Sans KR Medium" pitchFamily="34" charset="-127"/>
-            </a:endParaRPr>
-          </a:p>
-        </p:txBody>
-      </p:sp>
-      <p:sp>
-        <p:nvSpPr>
-          <p:cNvPr id="3" name="내용 개체 틀 2"/>
-          <p:cNvSpPr>
-            <a:spLocks noGrp="1"/>
-          </p:cNvSpPr>
-          <p:nvPr>
-            <p:ph idx="1"/>
-          </p:nvPr>
-        </p:nvSpPr>
-        <p:spPr/>
-        <p:txBody>
-          <a:bodyPr/>
-          <a:lstStyle/>
-          <a:p>
-            <a:pPr marL="0" indent="0">
-              <a:buNone/>
-            </a:pPr>
-            <a:endParaRPr lang="en-US" altLang="ko-KR" dirty="0">
-              <a:latin typeface="Noto Sans KR Medium" pitchFamily="34" charset="-127"/>
-              <a:ea typeface="Noto Sans KR Medium" pitchFamily="34" charset="-127"/>
-            </a:endParaRPr>
-          </a:p>
-          <a:p>
-            <a:pPr marL="0" indent="0">
-              <a:buNone/>
-            </a:pPr>
-            <a:endParaRPr lang="ko-KR" altLang="en-US" dirty="0">
-              <a:latin typeface="Noto Sans KR Medium" pitchFamily="34" charset="-127"/>
-              <a:ea typeface="Noto Sans KR Medium" pitchFamily="34" charset="-127"/>
-            </a:endParaRPr>
-          </a:p>
-        </p:txBody>
-      </p:sp>
-      <p:graphicFrame>
-        <p:nvGraphicFramePr>
-          <p:cNvPr id="4" name="표 3"/>
-          <p:cNvGraphicFramePr>
-            <a:graphicFrameLocks noGrp="1"/>
-          </p:cNvGraphicFramePr>
-          <p:nvPr>
-            <p:extLst>
-              <p:ext uri="{D42A27DB-BD31-4B8C-83A1-F6EECF244321}">
-                <p14:modId xmlns:p14="http://schemas.microsoft.com/office/powerpoint/2010/main" val="65880291"/>
-              </p:ext>
-            </p:extLst>
-          </p:nvPr>
-        </p:nvGraphicFramePr>
-        <p:xfrm>
-          <a:off x="971600" y="1412776"/>
-          <a:ext cx="7152456" cy="5184576"/>
-        </p:xfrm>
-        <a:graphic>
-          <a:graphicData uri="http://schemas.openxmlformats.org/drawingml/2006/table">
-            <a:tbl>
-              <a:tblPr firstRow="1" bandRow="1">
-                <a:tableStyleId>{5C22544A-7EE6-4342-B048-85BDC9FD1C3A}</a:tableStyleId>
-              </a:tblPr>
-              <a:tblGrid>
-                <a:gridCol w="2384152">
-                  <a:extLst>
-                    <a:ext uri="{9D8B030D-6E8A-4147-A177-3AD203B41FA5}">
-                      <a16:colId xmlns:a16="http://schemas.microsoft.com/office/drawing/2014/main" xmlns="" val="20000"/>
-                    </a:ext>
-                  </a:extLst>
-                </a:gridCol>
-                <a:gridCol w="2384152">
-                  <a:extLst>
-                    <a:ext uri="{9D8B030D-6E8A-4147-A177-3AD203B41FA5}">
-                      <a16:colId xmlns:a16="http://schemas.microsoft.com/office/drawing/2014/main" xmlns="" val="20001"/>
-                    </a:ext>
-                  </a:extLst>
-                </a:gridCol>
-                <a:gridCol w="2384152">
-                  <a:extLst>
-                    <a:ext uri="{9D8B030D-6E8A-4147-A177-3AD203B41FA5}">
-                      <a16:colId xmlns:a16="http://schemas.microsoft.com/office/drawing/2014/main" xmlns="" val="20002"/>
-                    </a:ext>
-                  </a:extLst>
-                </a:gridCol>
-              </a:tblGrid>
-              <a:tr h="678068">
-                <a:tc>
-                  <a:txBody>
-                    <a:bodyPr/>
-                    <a:lstStyle/>
-                    <a:p>
-                      <a:pPr algn="ctr" latinLnBrk="1"/>
-                      <a:r>
-                        <a:rPr lang="ko-KR" altLang="en-US" sz="2800" dirty="0">
-                          <a:latin typeface="Noto Sans KR Bold" pitchFamily="34" charset="-127"/>
-                          <a:ea typeface="Noto Sans KR Bold" pitchFamily="34" charset="-127"/>
-                        </a:rPr>
-                        <a:t>날짜</a:t>
-                      </a:r>
-                    </a:p>
-                  </a:txBody>
-                  <a:tcPr/>
-                </a:tc>
-                <a:tc>
-                  <a:txBody>
-                    <a:bodyPr/>
-                    <a:lstStyle/>
-                    <a:p>
-                      <a:pPr algn="ctr" latinLnBrk="1"/>
-                      <a:r>
-                        <a:rPr lang="ko-KR" altLang="en-US" sz="2800" dirty="0">
-                          <a:latin typeface="Noto Sans KR Bold" pitchFamily="34" charset="-127"/>
-                          <a:ea typeface="Noto Sans KR Bold" pitchFamily="34" charset="-127"/>
-                        </a:rPr>
-                        <a:t>진행 내용</a:t>
-                      </a:r>
-                    </a:p>
-                  </a:txBody>
-                  <a:tcPr/>
-                </a:tc>
-                <a:tc>
-                  <a:txBody>
-                    <a:bodyPr/>
-                    <a:lstStyle/>
-                    <a:p>
-                      <a:pPr algn="ctr" latinLnBrk="1"/>
-                      <a:r>
-                        <a:rPr lang="ko-KR" altLang="en-US" sz="2800" dirty="0">
-                          <a:latin typeface="Noto Sans KR Bold" pitchFamily="34" charset="-127"/>
-                          <a:ea typeface="Noto Sans KR Bold" pitchFamily="34" charset="-127"/>
-                        </a:rPr>
-                        <a:t>비고</a:t>
-                      </a:r>
-                    </a:p>
-                  </a:txBody>
-                  <a:tcPr/>
-                </a:tc>
-                <a:extLst>
-                  <a:ext uri="{0D108BD9-81ED-4DB2-BD59-A6C34878D82A}">
-                    <a16:rowId xmlns:a16="http://schemas.microsoft.com/office/drawing/2014/main" xmlns="" val="10000"/>
-                  </a:ext>
-                </a:extLst>
-              </a:tr>
-              <a:tr h="712819">
-                <a:tc>
-                  <a:txBody>
-                    <a:bodyPr/>
-                    <a:lstStyle/>
-                    <a:p>
-                      <a:pPr algn="ctr" latinLnBrk="1"/>
-                      <a:r>
-                        <a:rPr lang="en-US" altLang="ko-KR" sz="1400" dirty="0" smtClean="0">
-                          <a:latin typeface="Noto Sans KR Medium" pitchFamily="34" charset="-127"/>
-                          <a:ea typeface="Noto Sans KR Medium" pitchFamily="34" charset="-127"/>
-                        </a:rPr>
-                        <a:t>11-16</a:t>
-                      </a:r>
-                      <a:endParaRPr lang="ko-KR" altLang="en-US" sz="1400" dirty="0">
-                        <a:latin typeface="Noto Sans KR Medium" pitchFamily="34" charset="-127"/>
-                        <a:ea typeface="Noto Sans KR Medium" pitchFamily="34" charset="-127"/>
-                      </a:endParaRPr>
-                    </a:p>
-                  </a:txBody>
-                  <a:tcPr/>
-                </a:tc>
-                <a:tc>
-                  <a:txBody>
-                    <a:bodyPr/>
-                    <a:lstStyle/>
-                    <a:p>
-                      <a:pPr algn="ctr" latinLnBrk="1"/>
-                      <a:r>
-                        <a:rPr lang="en-US" altLang="ko-KR" sz="1400" dirty="0" smtClean="0">
-                          <a:latin typeface="Noto Sans KR Medium" pitchFamily="34" charset="-127"/>
-                          <a:ea typeface="Noto Sans KR Medium" pitchFamily="34" charset="-127"/>
-                        </a:rPr>
-                        <a:t>2-3</a:t>
-                      </a:r>
-                      <a:r>
-                        <a:rPr lang="ko-KR" altLang="en-US" sz="1400" dirty="0" smtClean="0">
-                          <a:latin typeface="Noto Sans KR Medium" pitchFamily="34" charset="-127"/>
-                          <a:ea typeface="Noto Sans KR Medium" pitchFamily="34" charset="-127"/>
-                        </a:rPr>
-                        <a:t>완성</a:t>
-                      </a:r>
-                      <a:endParaRPr lang="en-US" altLang="ko-KR" sz="1400" dirty="0" smtClean="0">
-                        <a:latin typeface="Noto Sans KR Medium" pitchFamily="34" charset="-127"/>
-                        <a:ea typeface="Noto Sans KR Medium" pitchFamily="34" charset="-127"/>
-                      </a:endParaRPr>
-                    </a:p>
-                    <a:p>
-                      <a:pPr algn="ctr" latinLnBrk="1"/>
-                      <a:r>
-                        <a:rPr lang="en-US" altLang="ko-KR" sz="1400" smtClean="0">
-                          <a:latin typeface="Noto Sans KR Medium" pitchFamily="34" charset="-127"/>
-                          <a:ea typeface="Noto Sans KR Medium" pitchFamily="34" charset="-127"/>
-                        </a:rPr>
-                        <a:t>3-1</a:t>
-                      </a:r>
-                      <a:endParaRPr lang="ko-KR" altLang="en-US" sz="1400" dirty="0">
-                        <a:latin typeface="Noto Sans KR Medium" pitchFamily="34" charset="-127"/>
-                        <a:ea typeface="Noto Sans KR Medium" pitchFamily="34" charset="-127"/>
-                      </a:endParaRPr>
-                    </a:p>
-                  </a:txBody>
-                  <a:tcPr/>
-                </a:tc>
-                <a:tc>
-                  <a:txBody>
-                    <a:bodyPr/>
-                    <a:lstStyle/>
-                    <a:p>
-                      <a:pPr algn="ctr" latinLnBrk="1"/>
-                      <a:endParaRPr lang="ko-KR" altLang="en-US" sz="1400" dirty="0">
-                        <a:latin typeface="Noto Sans KR Medium" pitchFamily="34" charset="-127"/>
-                        <a:ea typeface="Noto Sans KR Medium" pitchFamily="34" charset="-127"/>
-                      </a:endParaRPr>
-                    </a:p>
-                  </a:txBody>
-                  <a:tcPr/>
-                </a:tc>
-                <a:extLst>
-                  <a:ext uri="{0D108BD9-81ED-4DB2-BD59-A6C34878D82A}">
-                    <a16:rowId xmlns:a16="http://schemas.microsoft.com/office/drawing/2014/main" xmlns="" val="10001"/>
-                  </a:ext>
-                </a:extLst>
-              </a:tr>
-              <a:tr h="1018313">
-                <a:tc>
-                  <a:txBody>
-                    <a:bodyPr/>
-                    <a:lstStyle/>
-                    <a:p>
-                      <a:pPr algn="ctr" latinLnBrk="1"/>
-                      <a:r>
-                        <a:rPr lang="en-US" altLang="ko-KR" sz="1400" dirty="0" smtClean="0">
-                          <a:latin typeface="Noto Sans KR Medium" pitchFamily="34" charset="-127"/>
-                          <a:ea typeface="Noto Sans KR Medium" pitchFamily="34" charset="-127"/>
-                        </a:rPr>
-                        <a:t>11-17</a:t>
-                      </a:r>
-                      <a:endParaRPr lang="ko-KR" altLang="en-US" sz="1400" dirty="0">
-                        <a:latin typeface="Noto Sans KR Medium" pitchFamily="34" charset="-127"/>
-                        <a:ea typeface="Noto Sans KR Medium" pitchFamily="34" charset="-127"/>
-                      </a:endParaRPr>
-                    </a:p>
-                  </a:txBody>
-                  <a:tcPr/>
-                </a:tc>
-                <a:tc>
-                  <a:txBody>
-                    <a:bodyPr/>
-                    <a:lstStyle/>
-                    <a:p>
-                      <a:pPr algn="ctr" latinLnBrk="1"/>
-                      <a:endParaRPr lang="en-US" altLang="ko-KR" sz="1400" baseline="0" dirty="0">
-                        <a:latin typeface="Noto Sans KR Medium" pitchFamily="34" charset="-127"/>
-                        <a:ea typeface="Noto Sans KR Medium" pitchFamily="34" charset="-127"/>
-                      </a:endParaRPr>
-                    </a:p>
-                  </a:txBody>
-                  <a:tcPr/>
-                </a:tc>
-                <a:tc>
-                  <a:txBody>
-                    <a:bodyPr/>
-                    <a:lstStyle/>
-                    <a:p>
-                      <a:pPr algn="ctr" latinLnBrk="1"/>
-                      <a:endParaRPr lang="ko-KR" altLang="en-US" sz="1400" dirty="0">
-                        <a:latin typeface="Noto Sans KR Medium" pitchFamily="34" charset="-127"/>
-                        <a:ea typeface="Noto Sans KR Medium" pitchFamily="34" charset="-127"/>
-                      </a:endParaRPr>
-                    </a:p>
-                  </a:txBody>
-                  <a:tcPr/>
-                </a:tc>
-                <a:extLst>
-                  <a:ext uri="{0D108BD9-81ED-4DB2-BD59-A6C34878D82A}">
-                    <a16:rowId xmlns:a16="http://schemas.microsoft.com/office/drawing/2014/main" xmlns="" val="10002"/>
-                  </a:ext>
-                </a:extLst>
-              </a:tr>
-              <a:tr h="693844">
-                <a:tc>
-                  <a:txBody>
-                    <a:bodyPr/>
-                    <a:lstStyle/>
-                    <a:p>
-                      <a:pPr algn="ctr" latinLnBrk="1"/>
-                      <a:r>
-                        <a:rPr lang="en-US" altLang="ko-KR" sz="1400" dirty="0" smtClean="0">
-                          <a:latin typeface="Noto Sans KR Medium" pitchFamily="34" charset="-127"/>
-                          <a:ea typeface="Noto Sans KR Medium" pitchFamily="34" charset="-127"/>
-                        </a:rPr>
-                        <a:t>11-18</a:t>
-                      </a:r>
-                      <a:endParaRPr lang="ko-KR" altLang="en-US" sz="1400" dirty="0">
-                        <a:latin typeface="Noto Sans KR Medium" pitchFamily="34" charset="-127"/>
-                        <a:ea typeface="Noto Sans KR Medium" pitchFamily="34" charset="-127"/>
-                      </a:endParaRPr>
-                    </a:p>
-                  </a:txBody>
-                  <a:tcPr/>
-                </a:tc>
-                <a:tc>
-                  <a:txBody>
-                    <a:bodyPr/>
-                    <a:lstStyle/>
-                    <a:p>
-                      <a:pPr algn="ctr" latinLnBrk="1"/>
-                      <a:endParaRPr lang="ko-KR" altLang="en-US" sz="1400" dirty="0">
-                        <a:latin typeface="Noto Sans KR Medium" pitchFamily="34" charset="-127"/>
-                        <a:ea typeface="Noto Sans KR Medium" pitchFamily="34" charset="-127"/>
-                      </a:endParaRPr>
-                    </a:p>
-                  </a:txBody>
-                  <a:tcPr/>
-                </a:tc>
-                <a:tc>
-                  <a:txBody>
-                    <a:bodyPr/>
-                    <a:lstStyle/>
-                    <a:p>
-                      <a:pPr algn="ctr" latinLnBrk="1"/>
-                      <a:endParaRPr lang="ko-KR" altLang="en-US" sz="1400" dirty="0">
-                        <a:latin typeface="Noto Sans KR Medium" pitchFamily="34" charset="-127"/>
-                        <a:ea typeface="Noto Sans KR Medium" pitchFamily="34" charset="-127"/>
-                      </a:endParaRPr>
-                    </a:p>
-                  </a:txBody>
-                  <a:tcPr/>
-                </a:tc>
-                <a:extLst>
-                  <a:ext uri="{0D108BD9-81ED-4DB2-BD59-A6C34878D82A}">
-                    <a16:rowId xmlns:a16="http://schemas.microsoft.com/office/drawing/2014/main" xmlns="" val="10003"/>
-                  </a:ext>
-                </a:extLst>
-              </a:tr>
-              <a:tr h="693844">
-                <a:tc>
-                  <a:txBody>
-                    <a:bodyPr/>
-                    <a:lstStyle/>
-                    <a:p>
-                      <a:pPr algn="ctr" latinLnBrk="1"/>
-                      <a:r>
-                        <a:rPr lang="en-US" altLang="ko-KR" sz="1400" dirty="0" smtClean="0">
-                          <a:latin typeface="Noto Sans KR Medium" pitchFamily="34" charset="-127"/>
-                          <a:ea typeface="Noto Sans KR Medium" pitchFamily="34" charset="-127"/>
-                        </a:rPr>
-                        <a:t>11-19</a:t>
-                      </a:r>
-                      <a:endParaRPr lang="ko-KR" altLang="en-US" sz="1400" dirty="0">
-                        <a:latin typeface="Noto Sans KR Medium" pitchFamily="34" charset="-127"/>
-                        <a:ea typeface="Noto Sans KR Medium" pitchFamily="34" charset="-127"/>
-                      </a:endParaRPr>
-                    </a:p>
-                  </a:txBody>
-                  <a:tcPr/>
-                </a:tc>
-                <a:tc>
-                  <a:txBody>
-                    <a:bodyPr/>
-                    <a:lstStyle/>
-                    <a:p>
-                      <a:pPr algn="ctr" latinLnBrk="1"/>
-                      <a:endParaRPr lang="en-US" altLang="ko-KR" sz="1400" baseline="0" dirty="0">
-                        <a:latin typeface="Noto Sans KR Medium" pitchFamily="34" charset="-127"/>
-                        <a:ea typeface="Noto Sans KR Medium" pitchFamily="34" charset="-127"/>
-                      </a:endParaRPr>
-                    </a:p>
-                  </a:txBody>
-                  <a:tcPr/>
-                </a:tc>
-                <a:tc>
-                  <a:txBody>
-                    <a:bodyPr/>
-                    <a:lstStyle/>
-                    <a:p>
-                      <a:pPr algn="ctr" latinLnBrk="1"/>
-                      <a:endParaRPr lang="ko-KR" altLang="en-US" sz="1400" dirty="0">
-                        <a:latin typeface="Noto Sans KR Medium" pitchFamily="34" charset="-127"/>
-                        <a:ea typeface="Noto Sans KR Medium" pitchFamily="34" charset="-127"/>
-                      </a:endParaRPr>
-                    </a:p>
-                  </a:txBody>
-                  <a:tcPr/>
-                </a:tc>
-                <a:extLst>
-                  <a:ext uri="{0D108BD9-81ED-4DB2-BD59-A6C34878D82A}">
-                    <a16:rowId xmlns:a16="http://schemas.microsoft.com/office/drawing/2014/main" xmlns="" val="10004"/>
-                  </a:ext>
-                </a:extLst>
-              </a:tr>
-              <a:tr h="693844">
-                <a:tc>
-                  <a:txBody>
-                    <a:bodyPr/>
-                    <a:lstStyle/>
-                    <a:p>
-                      <a:pPr algn="ctr" latinLnBrk="1"/>
-                      <a:r>
-                        <a:rPr lang="en-US" altLang="ko-KR" sz="1400" dirty="0" smtClean="0">
-                          <a:latin typeface="Noto Sans KR Medium" pitchFamily="34" charset="-127"/>
-                          <a:ea typeface="Noto Sans KR Medium" pitchFamily="34" charset="-127"/>
-                        </a:rPr>
-                        <a:t>11-20</a:t>
-                      </a:r>
-                      <a:endParaRPr lang="ko-KR" altLang="en-US" sz="1400" dirty="0">
-                        <a:latin typeface="Noto Sans KR Medium" pitchFamily="34" charset="-127"/>
-                        <a:ea typeface="Noto Sans KR Medium" pitchFamily="34" charset="-127"/>
-                      </a:endParaRPr>
-                    </a:p>
-                  </a:txBody>
-                  <a:tcPr/>
-                </a:tc>
-                <a:tc>
-                  <a:txBody>
-                    <a:bodyPr/>
-                    <a:lstStyle/>
-                    <a:p>
-                      <a:pPr algn="ctr" latinLnBrk="1"/>
-                      <a:endParaRPr lang="ko-KR" altLang="en-US" sz="1400" dirty="0">
-                        <a:latin typeface="Noto Sans KR Medium" pitchFamily="34" charset="-127"/>
-                        <a:ea typeface="Noto Sans KR Medium" pitchFamily="34" charset="-127"/>
-                      </a:endParaRPr>
-                    </a:p>
-                  </a:txBody>
-                  <a:tcPr/>
-                </a:tc>
-                <a:tc>
-                  <a:txBody>
-                    <a:bodyPr/>
-                    <a:lstStyle/>
-                    <a:p>
-                      <a:pPr algn="ctr" latinLnBrk="1"/>
-                      <a:endParaRPr lang="en-US" altLang="ko-KR" sz="1400" dirty="0">
-                        <a:latin typeface="Noto Sans KR Medium" pitchFamily="34" charset="-127"/>
-                        <a:ea typeface="Noto Sans KR Medium" pitchFamily="34" charset="-127"/>
-                      </a:endParaRPr>
-                    </a:p>
-                  </a:txBody>
-                  <a:tcPr/>
-                </a:tc>
-                <a:extLst>
-                  <a:ext uri="{0D108BD9-81ED-4DB2-BD59-A6C34878D82A}">
-                    <a16:rowId xmlns:a16="http://schemas.microsoft.com/office/drawing/2014/main" xmlns="" val="10005"/>
-                  </a:ext>
-                </a:extLst>
-              </a:tr>
-              <a:tr h="693844">
-                <a:tc>
-                  <a:txBody>
-                    <a:bodyPr/>
-                    <a:lstStyle/>
-                    <a:p>
-                      <a:pPr algn="ctr" latinLnBrk="1"/>
-                      <a:r>
-                        <a:rPr lang="en-US" altLang="ko-KR" sz="1400" dirty="0" smtClean="0">
-                          <a:latin typeface="Noto Sans KR Medium" pitchFamily="34" charset="-127"/>
-                          <a:ea typeface="Noto Sans KR Medium" pitchFamily="34" charset="-127"/>
-                        </a:rPr>
-                        <a:t>11-21</a:t>
-                      </a:r>
-                      <a:endParaRPr lang="ko-KR" altLang="en-US" sz="1400" dirty="0">
-                        <a:latin typeface="Noto Sans KR Medium" pitchFamily="34" charset="-127"/>
-                        <a:ea typeface="Noto Sans KR Medium" pitchFamily="34" charset="-127"/>
-                      </a:endParaRPr>
-                    </a:p>
-                  </a:txBody>
-                  <a:tcPr/>
-                </a:tc>
-                <a:tc>
-                  <a:txBody>
-                    <a:bodyPr/>
-                    <a:lstStyle/>
-                    <a:p>
-                      <a:pPr algn="ctr" latinLnBrk="1"/>
-                      <a:endParaRPr lang="ko-KR" altLang="en-US" sz="1400" dirty="0">
-                        <a:latin typeface="Noto Sans KR Medium" pitchFamily="34" charset="-127"/>
-                        <a:ea typeface="Noto Sans KR Medium" pitchFamily="34" charset="-127"/>
-                      </a:endParaRPr>
-                    </a:p>
-                  </a:txBody>
-                  <a:tcPr/>
-                </a:tc>
-                <a:tc>
-                  <a:txBody>
-                    <a:bodyPr/>
-                    <a:lstStyle/>
-                    <a:p>
-                      <a:pPr algn="ctr" latinLnBrk="1"/>
-                      <a:endParaRPr lang="ko-KR" altLang="en-US" sz="1400" dirty="0">
-                        <a:latin typeface="Noto Sans KR Medium" pitchFamily="34" charset="-127"/>
-                        <a:ea typeface="Noto Sans KR Medium" pitchFamily="34" charset="-127"/>
-                      </a:endParaRPr>
-                    </a:p>
-                  </a:txBody>
-                  <a:tcPr/>
-                </a:tc>
-                <a:extLst>
-                  <a:ext uri="{0D108BD9-81ED-4DB2-BD59-A6C34878D82A}">
-                    <a16:rowId xmlns:a16="http://schemas.microsoft.com/office/drawing/2014/main" xmlns="" val="10006"/>
-                  </a:ext>
-                </a:extLst>
-              </a:tr>
-            </a:tbl>
-          </a:graphicData>
-        </a:graphic>
-      </p:graphicFrame>
-    </p:spTree>
-    <p:extLst>
-      <p:ext uri="{BB962C8B-B14F-4D97-AF65-F5344CB8AC3E}">
-        <p14:creationId xmlns:p14="http://schemas.microsoft.com/office/powerpoint/2010/main" val="1192717728"/>
-      </p:ext>
-    </p:extLst>
-  </p:cSld>
-  <p:clrMapOvr>
-    <a:masterClrMapping/>
-  </p:clrMapOvr>
-</p:sld>
-</file>
-
-<file path=ppt/slides/slide2.xml><?xml version="1.0" encoding="utf-8"?>
-<p:sld xmlns:a="http://schemas.openxmlformats.org/drawingml/2006/main" xmlns:r="http://schemas.openxmlformats.org/officeDocument/2006/relationships" xmlns:p="http://schemas.openxmlformats.org/presentationml/2006/main">
-  <p:cSld>
-    <p:spTree>
-      <p:nvGrpSpPr>
-        <p:cNvPr id="1" name=""/>
-        <p:cNvGrpSpPr/>
-        <p:nvPr/>
-      </p:nvGrpSpPr>
-      <p:grpSpPr>
-        <a:xfrm>
-          <a:off x="0" y="0"/>
-          <a:ext cx="0" cy="0"/>
-          <a:chOff x="0" y="0"/>
-          <a:chExt cx="0" cy="0"/>
-        </a:xfrm>
-      </p:grpSpPr>
-      <p:sp>
-        <p:nvSpPr>
-          <p:cNvPr id="2" name="제목 1"/>
-          <p:cNvSpPr>
-            <a:spLocks noGrp="1"/>
-          </p:cNvSpPr>
-          <p:nvPr>
-            <p:ph type="title"/>
-          </p:nvPr>
-        </p:nvSpPr>
-        <p:spPr/>
-        <p:txBody>
-          <a:bodyPr/>
-          <a:lstStyle/>
-          <a:p>
-            <a:r>
-              <a:rPr lang="ko-KR" altLang="en-US" dirty="0">
-                <a:latin typeface="Noto Sans KR Medium" pitchFamily="34" charset="-127"/>
-                <a:ea typeface="Noto Sans KR Medium" pitchFamily="34" charset="-127"/>
-              </a:rPr>
-              <a:t>개요</a:t>
-            </a:r>
-          </a:p>
-        </p:txBody>
-      </p:sp>
-      <p:sp>
-        <p:nvSpPr>
-          <p:cNvPr id="3" name="내용 개체 틀 2"/>
-          <p:cNvSpPr>
-            <a:spLocks noGrp="1"/>
-          </p:cNvSpPr>
-          <p:nvPr>
-            <p:ph idx="1"/>
-          </p:nvPr>
-        </p:nvSpPr>
-        <p:spPr/>
-        <p:txBody>
-          <a:bodyPr/>
-          <a:lstStyle/>
-          <a:p>
-            <a:r>
-              <a:rPr lang="ko-KR" altLang="en-US" dirty="0" err="1">
-                <a:latin typeface="Noto Sans KR Medium" pitchFamily="34" charset="-127"/>
-                <a:ea typeface="Noto Sans KR Medium" pitchFamily="34" charset="-127"/>
-              </a:rPr>
-              <a:t>횡스크롤</a:t>
-            </a:r>
-            <a:r>
-              <a:rPr lang="ko-KR" altLang="en-US" dirty="0">
-                <a:latin typeface="Noto Sans KR Medium" pitchFamily="34" charset="-127"/>
-                <a:ea typeface="Noto Sans KR Medium" pitchFamily="34" charset="-127"/>
-              </a:rPr>
-              <a:t> </a:t>
-            </a:r>
-            <a:r>
-              <a:rPr lang="en-US" altLang="ko-KR" dirty="0">
-                <a:latin typeface="Noto Sans KR Medium" pitchFamily="34" charset="-127"/>
-                <a:ea typeface="Noto Sans KR Medium" pitchFamily="34" charset="-127"/>
-              </a:rPr>
-              <a:t>2d </a:t>
-            </a:r>
-            <a:r>
-              <a:rPr lang="ko-KR" altLang="en-US" dirty="0">
-                <a:latin typeface="Noto Sans KR Medium" pitchFamily="34" charset="-127"/>
-                <a:ea typeface="Noto Sans KR Medium" pitchFamily="34" charset="-127"/>
-              </a:rPr>
-              <a:t>게임이다</a:t>
-            </a:r>
-            <a:r>
-              <a:rPr lang="en-US" altLang="ko-KR" dirty="0">
-                <a:latin typeface="Noto Sans KR Medium" pitchFamily="34" charset="-127"/>
-                <a:ea typeface="Noto Sans KR Medium" pitchFamily="34" charset="-127"/>
-              </a:rPr>
-              <a:t>.</a:t>
-            </a:r>
-          </a:p>
-          <a:p>
-            <a:r>
-              <a:rPr lang="ko-KR" altLang="en-US" dirty="0">
-                <a:latin typeface="Noto Sans KR Medium" pitchFamily="34" charset="-127"/>
-                <a:ea typeface="Noto Sans KR Medium" pitchFamily="34" charset="-127"/>
-              </a:rPr>
-              <a:t>스테이지 별로 퍼즐을 배치해 두고 플레이어가 퍼즐을 풀어 스테이지를 </a:t>
-            </a:r>
-            <a:r>
-              <a:rPr lang="ko-KR" altLang="en-US" dirty="0" err="1">
-                <a:latin typeface="Noto Sans KR Medium" pitchFamily="34" charset="-127"/>
-                <a:ea typeface="Noto Sans KR Medium" pitchFamily="34" charset="-127"/>
-              </a:rPr>
-              <a:t>클리어한다</a:t>
-            </a:r>
-            <a:r>
-              <a:rPr lang="en-US" altLang="ko-KR" dirty="0">
-                <a:latin typeface="Noto Sans KR Medium" pitchFamily="34" charset="-127"/>
-                <a:ea typeface="Noto Sans KR Medium" pitchFamily="34" charset="-127"/>
-              </a:rPr>
-              <a:t>.</a:t>
-            </a:r>
-          </a:p>
-          <a:p>
-            <a:r>
-              <a:rPr lang="ko-KR" altLang="en-US" dirty="0">
-                <a:latin typeface="Noto Sans KR Medium" pitchFamily="34" charset="-127"/>
-                <a:ea typeface="Noto Sans KR Medium" pitchFamily="34" charset="-127"/>
-              </a:rPr>
-              <a:t>스토리를 진행하여 플레이 동기부여를 한다</a:t>
-            </a:r>
-            <a:r>
-              <a:rPr lang="en-US" altLang="ko-KR" dirty="0">
-                <a:latin typeface="Noto Sans KR Medium" pitchFamily="34" charset="-127"/>
-                <a:ea typeface="Noto Sans KR Medium" pitchFamily="34" charset="-127"/>
-              </a:rPr>
-              <a:t>.</a:t>
-            </a:r>
-          </a:p>
-          <a:p>
-            <a:endParaRPr lang="ko-KR" altLang="en-US" dirty="0">
-              <a:latin typeface="Noto Sans KR Medium" pitchFamily="34" charset="-127"/>
-              <a:ea typeface="Noto Sans KR Medium" pitchFamily="34" charset="-127"/>
-            </a:endParaRPr>
-          </a:p>
-        </p:txBody>
-      </p:sp>
-    </p:spTree>
-    <p:extLst>
-      <p:ext uri="{BB962C8B-B14F-4D97-AF65-F5344CB8AC3E}">
-        <p14:creationId xmlns:p14="http://schemas.microsoft.com/office/powerpoint/2010/main" val="4158975667"/>
-      </p:ext>
-    </p:extLst>
-  </p:cSld>
-  <p:clrMapOvr>
-    <a:masterClrMapping/>
-  </p:clrMapOvr>
-</p:sld>
-</file>
-
-<file path=ppt/slides/slide3.xml><?xml version="1.0" encoding="utf-8"?>
-<p:sld xmlns:a="http://schemas.openxmlformats.org/drawingml/2006/main" xmlns:r="http://schemas.openxmlformats.org/officeDocument/2006/relationships" xmlns:p="http://schemas.openxmlformats.org/presentationml/2006/main">
-  <p:cSld>
-    <p:spTree>
-      <p:nvGrpSpPr>
-        <p:cNvPr id="1" name=""/>
-        <p:cNvGrpSpPr/>
-        <p:nvPr/>
-      </p:nvGrpSpPr>
-      <p:grpSpPr>
-        <a:xfrm>
-          <a:off x="0" y="0"/>
-          <a:ext cx="0" cy="0"/>
-          <a:chOff x="0" y="0"/>
-          <a:chExt cx="0" cy="0"/>
-        </a:xfrm>
-      </p:grpSpPr>
-      <p:sp>
-        <p:nvSpPr>
-          <p:cNvPr id="2" name="제목 1"/>
-          <p:cNvSpPr>
-            <a:spLocks noGrp="1"/>
-          </p:cNvSpPr>
-          <p:nvPr>
-            <p:ph type="title"/>
-          </p:nvPr>
-        </p:nvSpPr>
-        <p:spPr/>
-        <p:txBody>
-          <a:bodyPr/>
-          <a:lstStyle/>
-          <a:p>
-            <a:r>
-              <a:rPr lang="ko-KR" altLang="en-US" dirty="0">
-                <a:latin typeface="Noto Sans KR Medium" pitchFamily="34" charset="-127"/>
-                <a:ea typeface="Noto Sans KR Medium" pitchFamily="34" charset="-127"/>
-              </a:rPr>
-              <a:t>게임 특징</a:t>
-            </a:r>
-          </a:p>
-        </p:txBody>
-      </p:sp>
-      <p:sp>
-        <p:nvSpPr>
-          <p:cNvPr id="3" name="내용 개체 틀 2"/>
-          <p:cNvSpPr>
-            <a:spLocks noGrp="1"/>
-          </p:cNvSpPr>
-          <p:nvPr>
-            <p:ph idx="1"/>
-          </p:nvPr>
-        </p:nvSpPr>
-        <p:spPr/>
-        <p:txBody>
-          <a:bodyPr/>
-          <a:lstStyle/>
-          <a:p>
-            <a:r>
-              <a:rPr lang="ko-KR" altLang="en-US" dirty="0">
-                <a:latin typeface="Noto Sans KR Medium" pitchFamily="34" charset="-127"/>
-                <a:ea typeface="Noto Sans KR Medium" pitchFamily="34" charset="-127"/>
-              </a:rPr>
-              <a:t>캐릭터 마다 정해진 속성이 있다</a:t>
-            </a:r>
-            <a:r>
-              <a:rPr lang="en-US" altLang="ko-KR" dirty="0">
-                <a:latin typeface="Noto Sans KR Medium" pitchFamily="34" charset="-127"/>
-                <a:ea typeface="Noto Sans KR Medium" pitchFamily="34" charset="-127"/>
-              </a:rPr>
-              <a:t>.</a:t>
-            </a:r>
-          </a:p>
-          <a:p>
-            <a:r>
-              <a:rPr lang="ko-KR" altLang="en-US" dirty="0">
-                <a:latin typeface="Noto Sans KR Medium" pitchFamily="34" charset="-127"/>
-                <a:ea typeface="Noto Sans KR Medium" pitchFamily="34" charset="-127"/>
-              </a:rPr>
-              <a:t>속성은 불</a:t>
-            </a:r>
-            <a:r>
-              <a:rPr lang="en-US" altLang="ko-KR" dirty="0">
-                <a:latin typeface="Noto Sans KR Medium" pitchFamily="34" charset="-127"/>
-                <a:ea typeface="Noto Sans KR Medium" pitchFamily="34" charset="-127"/>
-              </a:rPr>
-              <a:t>,</a:t>
-            </a:r>
-            <a:r>
-              <a:rPr lang="ko-KR" altLang="en-US" dirty="0">
-                <a:latin typeface="Noto Sans KR Medium" pitchFamily="34" charset="-127"/>
-                <a:ea typeface="Noto Sans KR Medium" pitchFamily="34" charset="-127"/>
-              </a:rPr>
-              <a:t> 물</a:t>
-            </a:r>
-            <a:r>
-              <a:rPr lang="en-US" altLang="ko-KR" dirty="0">
-                <a:latin typeface="Noto Sans KR Medium" pitchFamily="34" charset="-127"/>
-                <a:ea typeface="Noto Sans KR Medium" pitchFamily="34" charset="-127"/>
-              </a:rPr>
-              <a:t>, </a:t>
-            </a:r>
-            <a:r>
-              <a:rPr lang="ko-KR" altLang="en-US" dirty="0">
-                <a:latin typeface="Noto Sans KR Medium" pitchFamily="34" charset="-127"/>
-                <a:ea typeface="Noto Sans KR Medium" pitchFamily="34" charset="-127"/>
-              </a:rPr>
-              <a:t>땅</a:t>
-            </a:r>
-            <a:r>
-              <a:rPr lang="en-US" altLang="ko-KR" dirty="0">
-                <a:latin typeface="Noto Sans KR Medium" pitchFamily="34" charset="-127"/>
-                <a:ea typeface="Noto Sans KR Medium" pitchFamily="34" charset="-127"/>
-              </a:rPr>
-              <a:t>, </a:t>
-            </a:r>
-            <a:r>
-              <a:rPr lang="ko-KR" altLang="en-US" dirty="0">
-                <a:latin typeface="Noto Sans KR Medium" pitchFamily="34" charset="-127"/>
-                <a:ea typeface="Noto Sans KR Medium" pitchFamily="34" charset="-127"/>
-              </a:rPr>
-              <a:t>바람 으로 이루어져있다</a:t>
-            </a:r>
-            <a:r>
-              <a:rPr lang="en-US" altLang="ko-KR" dirty="0">
-                <a:latin typeface="Noto Sans KR Medium" pitchFamily="34" charset="-127"/>
-                <a:ea typeface="Noto Sans KR Medium" pitchFamily="34" charset="-127"/>
-              </a:rPr>
-              <a:t>.</a:t>
-            </a:r>
-          </a:p>
-          <a:p>
-            <a:r>
-              <a:rPr lang="ko-KR" altLang="en-US" dirty="0">
-                <a:latin typeface="Noto Sans KR Medium" pitchFamily="34" charset="-127"/>
-                <a:ea typeface="Noto Sans KR Medium" pitchFamily="34" charset="-127"/>
-              </a:rPr>
-              <a:t>플레이어는 캐릭터를 </a:t>
-            </a:r>
-            <a:r>
-              <a:rPr lang="en-US" altLang="ko-KR" dirty="0">
-                <a:latin typeface="Noto Sans KR Medium" pitchFamily="34" charset="-127"/>
-                <a:ea typeface="Noto Sans KR Medium" pitchFamily="34" charset="-127"/>
-              </a:rPr>
-              <a:t>4</a:t>
-            </a:r>
-            <a:r>
-              <a:rPr lang="ko-KR" altLang="en-US" dirty="0">
-                <a:latin typeface="Noto Sans KR Medium" pitchFamily="34" charset="-127"/>
-                <a:ea typeface="Noto Sans KR Medium" pitchFamily="34" charset="-127"/>
-              </a:rPr>
-              <a:t>명 소지하며 각각의 속성을 이용하여 퍼즐을 풀어 나갈 수 있다</a:t>
-            </a:r>
-            <a:r>
-              <a:rPr lang="en-US" altLang="ko-KR" dirty="0">
-                <a:latin typeface="Noto Sans KR Medium" pitchFamily="34" charset="-127"/>
-                <a:ea typeface="Noto Sans KR Medium" pitchFamily="34" charset="-127"/>
-              </a:rPr>
-              <a:t>.</a:t>
-            </a:r>
-          </a:p>
-          <a:p>
-            <a:r>
-              <a:rPr lang="ko-KR" altLang="en-US" dirty="0">
-                <a:latin typeface="Noto Sans KR Medium" pitchFamily="34" charset="-127"/>
-                <a:ea typeface="Noto Sans KR Medium" pitchFamily="34" charset="-127"/>
-              </a:rPr>
-              <a:t>플레이어는 원소 구슬에 원소를 저장할 수 있으며 저장된 원소 구슬을 사용하여 새로운 원소 </a:t>
-            </a:r>
-            <a:r>
-              <a:rPr lang="ko-KR" altLang="en-US" dirty="0" err="1">
-                <a:latin typeface="Noto Sans KR Medium" pitchFamily="34" charset="-127"/>
-                <a:ea typeface="Noto Sans KR Medium" pitchFamily="34" charset="-127"/>
-              </a:rPr>
-              <a:t>스킬을</a:t>
-            </a:r>
-            <a:r>
-              <a:rPr lang="ko-KR" altLang="en-US" dirty="0">
-                <a:latin typeface="Noto Sans KR Medium" pitchFamily="34" charset="-127"/>
-                <a:ea typeface="Noto Sans KR Medium" pitchFamily="34" charset="-127"/>
-              </a:rPr>
-              <a:t> 발동시킬 수 있다</a:t>
-            </a:r>
-            <a:r>
-              <a:rPr lang="en-US" altLang="ko-KR" dirty="0">
-                <a:latin typeface="Noto Sans KR Medium" pitchFamily="34" charset="-127"/>
-                <a:ea typeface="Noto Sans KR Medium" pitchFamily="34" charset="-127"/>
-              </a:rPr>
-              <a:t>.</a:t>
-            </a:r>
-          </a:p>
-          <a:p>
-            <a:r>
-              <a:rPr lang="ko-KR" altLang="en-US" dirty="0">
-                <a:latin typeface="Noto Sans KR Medium" pitchFamily="34" charset="-127"/>
-                <a:ea typeface="Noto Sans KR Medium" pitchFamily="34" charset="-127"/>
-              </a:rPr>
-              <a:t>스토리를 진행하면서 캐릭터를 동료로 영입한다</a:t>
-            </a:r>
-            <a:r>
-              <a:rPr lang="en-US" altLang="ko-KR" dirty="0">
-                <a:latin typeface="Noto Sans KR Medium" pitchFamily="34" charset="-127"/>
-                <a:ea typeface="Noto Sans KR Medium" pitchFamily="34" charset="-127"/>
-              </a:rPr>
-              <a:t>.</a:t>
-            </a:r>
-          </a:p>
-          <a:p>
-            <a:r>
-              <a:rPr lang="ko-KR" altLang="en-US" dirty="0">
-                <a:latin typeface="Noto Sans KR Medium" pitchFamily="34" charset="-127"/>
-                <a:ea typeface="Noto Sans KR Medium" pitchFamily="34" charset="-127"/>
-              </a:rPr>
-              <a:t>유저는 상황에 따라서 플레이어를 변경하여 퍼즐을 풀어 나간다</a:t>
-            </a:r>
-            <a:r>
-              <a:rPr lang="en-US" altLang="ko-KR" dirty="0">
-                <a:latin typeface="Noto Sans KR Medium" pitchFamily="34" charset="-127"/>
-                <a:ea typeface="Noto Sans KR Medium" pitchFamily="34" charset="-127"/>
-              </a:rPr>
-              <a:t>.</a:t>
-            </a:r>
-            <a:endParaRPr lang="ko-KR" altLang="en-US" dirty="0">
-              <a:latin typeface="Noto Sans KR Medium" pitchFamily="34" charset="-127"/>
-              <a:ea typeface="Noto Sans KR Medium" pitchFamily="34" charset="-127"/>
-            </a:endParaRPr>
-          </a:p>
-        </p:txBody>
-      </p:sp>
-    </p:spTree>
-    <p:extLst>
-      <p:ext uri="{BB962C8B-B14F-4D97-AF65-F5344CB8AC3E}">
-        <p14:creationId xmlns:p14="http://schemas.microsoft.com/office/powerpoint/2010/main" val="2693528841"/>
-      </p:ext>
-    </p:extLst>
-  </p:cSld>
-  <p:clrMapOvr>
-    <a:masterClrMapping/>
-  </p:clrMapOvr>
-</p:sld>
-</file>
-
-<file path=ppt/slides/slide4.xml><?xml version="1.0" encoding="utf-8"?>
-<p:sld xmlns:a="http://schemas.openxmlformats.org/drawingml/2006/main" xmlns:r="http://schemas.openxmlformats.org/officeDocument/2006/relationships" xmlns:p="http://schemas.openxmlformats.org/presentationml/2006/main">
-  <p:cSld>
-    <p:spTree>
-      <p:nvGrpSpPr>
-        <p:cNvPr id="1" name=""/>
-        <p:cNvGrpSpPr/>
-        <p:nvPr/>
-      </p:nvGrpSpPr>
-      <p:grpSpPr>
-        <a:xfrm>
-          <a:off x="0" y="0"/>
-          <a:ext cx="0" cy="0"/>
-          <a:chOff x="0" y="0"/>
-          <a:chExt cx="0" cy="0"/>
-        </a:xfrm>
-      </p:grpSpPr>
-      <p:sp>
-        <p:nvSpPr>
-          <p:cNvPr id="2" name="제목 1"/>
-          <p:cNvSpPr>
-            <a:spLocks noGrp="1"/>
-          </p:cNvSpPr>
-          <p:nvPr>
-            <p:ph type="title"/>
-          </p:nvPr>
-        </p:nvSpPr>
-        <p:spPr/>
-        <p:txBody>
-          <a:bodyPr/>
-          <a:lstStyle/>
-          <a:p>
-            <a:r>
-              <a:rPr lang="ko-KR" altLang="en-US" dirty="0">
-                <a:latin typeface="Noto Sans KR Medium" pitchFamily="34" charset="-127"/>
-                <a:ea typeface="Noto Sans KR Medium" pitchFamily="34" charset="-127"/>
-              </a:rPr>
-              <a:t>퍼즐 </a:t>
-            </a:r>
-            <a:r>
-              <a:rPr lang="ko-KR" altLang="en-US" dirty="0" err="1">
-                <a:latin typeface="Noto Sans KR Medium" pitchFamily="34" charset="-127"/>
-                <a:ea typeface="Noto Sans KR Medium" pitchFamily="34" charset="-127"/>
-              </a:rPr>
-              <a:t>로직</a:t>
-            </a:r>
-            <a:endParaRPr lang="ko-KR" altLang="en-US" dirty="0">
-              <a:latin typeface="Noto Sans KR Medium" pitchFamily="34" charset="-127"/>
-              <a:ea typeface="Noto Sans KR Medium" pitchFamily="34" charset="-127"/>
-            </a:endParaRPr>
-          </a:p>
-        </p:txBody>
-      </p:sp>
-      <p:sp>
-        <p:nvSpPr>
-          <p:cNvPr id="3" name="내용 개체 틀 2"/>
-          <p:cNvSpPr>
-            <a:spLocks noGrp="1"/>
-          </p:cNvSpPr>
-          <p:nvPr>
-            <p:ph idx="1"/>
-          </p:nvPr>
-        </p:nvSpPr>
-        <p:spPr/>
-        <p:txBody>
-          <a:bodyPr/>
-          <a:lstStyle/>
-          <a:p>
-            <a:pPr>
-              <a:buFont typeface="Wingdings" panose="05000000000000000000" pitchFamily="2" charset="2"/>
-              <a:buChar char="l"/>
-            </a:pPr>
-            <a:r>
-              <a:rPr lang="ko-KR" altLang="en-US" dirty="0">
-                <a:latin typeface="Noto Sans KR Medium" pitchFamily="34" charset="-127"/>
-                <a:ea typeface="Noto Sans KR Medium" pitchFamily="34" charset="-127"/>
-              </a:rPr>
-              <a:t>무게</a:t>
-            </a:r>
-            <a:endParaRPr lang="en-US" altLang="ko-KR" dirty="0">
-              <a:latin typeface="Noto Sans KR Medium" pitchFamily="34" charset="-127"/>
-              <a:ea typeface="Noto Sans KR Medium" pitchFamily="34" charset="-127"/>
-            </a:endParaRPr>
-          </a:p>
-          <a:p>
-            <a:pPr marL="457200" indent="-457200">
-              <a:buFont typeface="+mj-lt"/>
-              <a:buAutoNum type="arabicPeriod"/>
-            </a:pPr>
-            <a:r>
-              <a:rPr lang="ko-KR" altLang="en-US" dirty="0">
-                <a:latin typeface="Noto Sans KR Medium" pitchFamily="34" charset="-127"/>
-                <a:ea typeface="Noto Sans KR Medium" pitchFamily="34" charset="-127"/>
-              </a:rPr>
-              <a:t>일정 무게가 올라오면 작동하는 </a:t>
-            </a:r>
-            <a:r>
-              <a:rPr lang="ko-KR" altLang="en-US" dirty="0" err="1">
-                <a:latin typeface="Noto Sans KR Medium" pitchFamily="34" charset="-127"/>
-                <a:ea typeface="Noto Sans KR Medium" pitchFamily="34" charset="-127"/>
-              </a:rPr>
-              <a:t>기믹</a:t>
-            </a:r>
-            <a:endParaRPr lang="en-US" altLang="ko-KR" dirty="0">
-              <a:latin typeface="Noto Sans KR Medium" pitchFamily="34" charset="-127"/>
-              <a:ea typeface="Noto Sans KR Medium" pitchFamily="34" charset="-127"/>
-            </a:endParaRPr>
-          </a:p>
-          <a:p>
-            <a:pPr marL="457200" indent="-457200">
-              <a:buFont typeface="+mj-lt"/>
-              <a:buAutoNum type="arabicPeriod"/>
-            </a:pPr>
-            <a:r>
-              <a:rPr lang="ko-KR" altLang="en-US" dirty="0">
-                <a:latin typeface="Noto Sans KR Medium" pitchFamily="34" charset="-127"/>
-                <a:ea typeface="Noto Sans KR Medium" pitchFamily="34" charset="-127"/>
-              </a:rPr>
-              <a:t>캐릭터가 직접 올라가거나 스킬</a:t>
-            </a:r>
-            <a:r>
-              <a:rPr lang="en-US" altLang="ko-KR" dirty="0">
-                <a:latin typeface="Noto Sans KR Medium" pitchFamily="34" charset="-127"/>
-                <a:ea typeface="Noto Sans KR Medium" pitchFamily="34" charset="-127"/>
-              </a:rPr>
-              <a:t>, </a:t>
-            </a:r>
-            <a:r>
-              <a:rPr lang="ko-KR" altLang="en-US" dirty="0">
-                <a:latin typeface="Noto Sans KR Medium" pitchFamily="34" charset="-127"/>
-                <a:ea typeface="Noto Sans KR Medium" pitchFamily="34" charset="-127"/>
-              </a:rPr>
-              <a:t>오브젝트를 이용하여 작동 가능</a:t>
-            </a:r>
-            <a:endParaRPr lang="en-US" altLang="ko-KR" dirty="0">
-              <a:latin typeface="Noto Sans KR Medium" pitchFamily="34" charset="-127"/>
-              <a:ea typeface="Noto Sans KR Medium" pitchFamily="34" charset="-127"/>
-            </a:endParaRPr>
-          </a:p>
-          <a:p>
-            <a:pPr>
-              <a:buFont typeface="Wingdings" panose="05000000000000000000" pitchFamily="2" charset="2"/>
-              <a:buChar char="l"/>
-            </a:pPr>
-            <a:r>
-              <a:rPr lang="ko-KR" altLang="en-US" dirty="0">
-                <a:latin typeface="Noto Sans KR Medium" pitchFamily="34" charset="-127"/>
-                <a:ea typeface="Noto Sans KR Medium" pitchFamily="34" charset="-127"/>
-              </a:rPr>
-              <a:t>속성 반응 </a:t>
-            </a:r>
-            <a:endParaRPr lang="en-US" altLang="ko-KR" dirty="0">
-              <a:latin typeface="Noto Sans KR Medium" pitchFamily="34" charset="-127"/>
-              <a:ea typeface="Noto Sans KR Medium" pitchFamily="34" charset="-127"/>
-            </a:endParaRPr>
-          </a:p>
-          <a:p>
-            <a:pPr marL="457200" indent="-457200">
-              <a:buFont typeface="+mj-lt"/>
-              <a:buAutoNum type="arabicPeriod"/>
-            </a:pPr>
-            <a:r>
-              <a:rPr lang="ko-KR" altLang="en-US" dirty="0">
-                <a:latin typeface="Noto Sans KR Medium" pitchFamily="34" charset="-127"/>
-                <a:ea typeface="Noto Sans KR Medium" pitchFamily="34" charset="-127"/>
-              </a:rPr>
-              <a:t>특정 속성이 닿으면 작동하는 </a:t>
-            </a:r>
-            <a:r>
-              <a:rPr lang="ko-KR" altLang="en-US" dirty="0" err="1">
-                <a:latin typeface="Noto Sans KR Medium" pitchFamily="34" charset="-127"/>
-                <a:ea typeface="Noto Sans KR Medium" pitchFamily="34" charset="-127"/>
-              </a:rPr>
-              <a:t>기믹</a:t>
-            </a:r>
-            <a:endParaRPr lang="en-US" altLang="ko-KR" dirty="0">
-              <a:latin typeface="Noto Sans KR Medium" pitchFamily="34" charset="-127"/>
-              <a:ea typeface="Noto Sans KR Medium" pitchFamily="34" charset="-127"/>
-            </a:endParaRPr>
-          </a:p>
-          <a:p>
-            <a:pPr marL="457200" indent="-457200">
-              <a:buFont typeface="+mj-lt"/>
-              <a:buAutoNum type="arabicPeriod"/>
-            </a:pPr>
-            <a:r>
-              <a:rPr lang="ko-KR" altLang="en-US" dirty="0">
-                <a:latin typeface="Noto Sans KR Medium" pitchFamily="34" charset="-127"/>
-                <a:ea typeface="Noto Sans KR Medium" pitchFamily="34" charset="-127"/>
-              </a:rPr>
-              <a:t>플레이어 캐릭터의 스킬 혹은 원소 구슬을 활용하여 작동시킴</a:t>
-            </a:r>
-            <a:endParaRPr lang="en-US" altLang="ko-KR" dirty="0">
-              <a:latin typeface="Noto Sans KR Medium" pitchFamily="34" charset="-127"/>
-              <a:ea typeface="Noto Sans KR Medium" pitchFamily="34" charset="-127"/>
-            </a:endParaRPr>
-          </a:p>
-          <a:p>
-            <a:pPr marL="457200" indent="-457200">
-              <a:buFont typeface="+mj-lt"/>
-              <a:buAutoNum type="arabicPeriod"/>
-            </a:pPr>
-            <a:endParaRPr lang="ko-KR" altLang="en-US" dirty="0">
-              <a:latin typeface="Noto Sans KR Medium" pitchFamily="34" charset="-127"/>
-              <a:ea typeface="Noto Sans KR Medium" pitchFamily="34" charset="-127"/>
-            </a:endParaRPr>
-          </a:p>
-        </p:txBody>
-      </p:sp>
-    </p:spTree>
-    <p:extLst>
-      <p:ext uri="{BB962C8B-B14F-4D97-AF65-F5344CB8AC3E}">
-        <p14:creationId xmlns:p14="http://schemas.microsoft.com/office/powerpoint/2010/main" val="2828355218"/>
-      </p:ext>
-    </p:extLst>
-  </p:cSld>
-  <p:clrMapOvr>
-    <a:masterClrMapping/>
-  </p:clrMapOvr>
-</p:sld>
-</file>
-
-<file path=ppt/slides/slide5.xml><?xml version="1.0" encoding="utf-8"?>
-<p:sld xmlns:a="http://schemas.openxmlformats.org/drawingml/2006/main" xmlns:r="http://schemas.openxmlformats.org/officeDocument/2006/relationships" xmlns:p="http://schemas.openxmlformats.org/presentationml/2006/main">
-  <p:cSld>
-    <p:spTree>
-      <p:nvGrpSpPr>
-        <p:cNvPr id="1" name=""/>
-        <p:cNvGrpSpPr/>
-        <p:nvPr/>
-      </p:nvGrpSpPr>
-      <p:grpSpPr>
-        <a:xfrm>
-          <a:off x="0" y="0"/>
-          <a:ext cx="0" cy="0"/>
-          <a:chOff x="0" y="0"/>
-          <a:chExt cx="0" cy="0"/>
-        </a:xfrm>
-      </p:grpSpPr>
-      <p:sp>
-        <p:nvSpPr>
-          <p:cNvPr id="2" name="제목 1"/>
-          <p:cNvSpPr>
-            <a:spLocks noGrp="1"/>
-          </p:cNvSpPr>
-          <p:nvPr>
-            <p:ph type="title"/>
-          </p:nvPr>
-        </p:nvSpPr>
-        <p:spPr/>
-        <p:txBody>
-          <a:bodyPr/>
-          <a:lstStyle/>
-          <a:p>
-            <a:r>
-              <a:rPr lang="ko-KR" altLang="en-US" dirty="0">
-                <a:latin typeface="Noto Sans KR Medium" pitchFamily="34" charset="-127"/>
-                <a:ea typeface="Noto Sans KR Medium" pitchFamily="34" charset="-127"/>
-              </a:rPr>
-              <a:t>원소 구슬</a:t>
-            </a:r>
-          </a:p>
-        </p:txBody>
-      </p:sp>
-      <p:sp>
-        <p:nvSpPr>
-          <p:cNvPr id="3" name="내용 개체 틀 2"/>
-          <p:cNvSpPr>
-            <a:spLocks noGrp="1"/>
-          </p:cNvSpPr>
-          <p:nvPr>
-            <p:ph idx="1"/>
-          </p:nvPr>
-        </p:nvSpPr>
-        <p:spPr/>
-        <p:txBody>
-          <a:bodyPr>
-            <a:normAutofit lnSpcReduction="10000"/>
-          </a:bodyPr>
-          <a:lstStyle/>
-          <a:p>
-            <a:pPr marL="0" indent="0">
-              <a:buNone/>
-            </a:pPr>
-            <a:r>
-              <a:rPr lang="ko-KR" altLang="en-US" dirty="0">
-                <a:latin typeface="Noto Sans KR Medium" pitchFamily="34" charset="-127"/>
-                <a:ea typeface="Noto Sans KR Medium" pitchFamily="34" charset="-127"/>
-              </a:rPr>
-              <a:t>사용 방법 </a:t>
-            </a:r>
-            <a:r>
-              <a:rPr lang="en-US" altLang="ko-KR" dirty="0">
-                <a:latin typeface="Noto Sans KR Medium" pitchFamily="34" charset="-127"/>
-                <a:ea typeface="Noto Sans KR Medium" pitchFamily="34" charset="-127"/>
-              </a:rPr>
-              <a:t>: </a:t>
-            </a:r>
-            <a:r>
-              <a:rPr lang="ko-KR" altLang="en-US" dirty="0">
-                <a:latin typeface="Noto Sans KR Medium" pitchFamily="34" charset="-127"/>
-                <a:ea typeface="Noto Sans KR Medium" pitchFamily="34" charset="-127"/>
-              </a:rPr>
-              <a:t>클릭 후 원소가 태그인 오브젝트 클릭 시 해당 원소 </a:t>
-            </a:r>
-            <a:endParaRPr lang="en-US" altLang="ko-KR" dirty="0">
-              <a:latin typeface="Noto Sans KR Medium" pitchFamily="34" charset="-127"/>
-              <a:ea typeface="Noto Sans KR Medium" pitchFamily="34" charset="-127"/>
-            </a:endParaRPr>
-          </a:p>
-          <a:p>
-            <a:pPr marL="0" indent="0">
-              <a:buNone/>
-            </a:pPr>
-            <a:r>
-              <a:rPr lang="ko-KR" altLang="en-US" dirty="0">
-                <a:latin typeface="Noto Sans KR Medium" pitchFamily="34" charset="-127"/>
-                <a:ea typeface="Noto Sans KR Medium" pitchFamily="34" charset="-127"/>
-              </a:rPr>
-              <a:t>구슬로 변경 </a:t>
-            </a:r>
-            <a:r>
-              <a:rPr lang="en-US" altLang="ko-KR" dirty="0">
-                <a:latin typeface="Noto Sans KR Medium" pitchFamily="34" charset="-127"/>
-                <a:ea typeface="Noto Sans KR Medium" pitchFamily="34" charset="-127"/>
-              </a:rPr>
-              <a:t>(</a:t>
-            </a:r>
-            <a:r>
-              <a:rPr lang="ko-KR" altLang="en-US" dirty="0">
-                <a:latin typeface="Noto Sans KR Medium" pitchFamily="34" charset="-127"/>
-                <a:ea typeface="Noto Sans KR Medium" pitchFamily="34" charset="-127"/>
-              </a:rPr>
-              <a:t>사용 후 </a:t>
-            </a:r>
-            <a:r>
-              <a:rPr lang="ko-KR" altLang="en-US" dirty="0" err="1">
-                <a:latin typeface="Noto Sans KR Medium" pitchFamily="34" charset="-127"/>
-                <a:ea typeface="Noto Sans KR Medium" pitchFamily="34" charset="-127"/>
-              </a:rPr>
-              <a:t>쿨타임</a:t>
-            </a:r>
-            <a:r>
-              <a:rPr lang="ko-KR" altLang="en-US" dirty="0">
-                <a:latin typeface="Noto Sans KR Medium" pitchFamily="34" charset="-127"/>
-                <a:ea typeface="Noto Sans KR Medium" pitchFamily="34" charset="-127"/>
-              </a:rPr>
-              <a:t> </a:t>
-            </a:r>
-            <a:r>
-              <a:rPr lang="en-US" altLang="ko-KR" dirty="0">
-                <a:latin typeface="Noto Sans KR Medium" pitchFamily="34" charset="-127"/>
-                <a:ea typeface="Noto Sans KR Medium" pitchFamily="34" charset="-127"/>
-              </a:rPr>
-              <a:t>15</a:t>
-            </a:r>
-            <a:r>
-              <a:rPr lang="ko-KR" altLang="en-US" dirty="0">
-                <a:latin typeface="Noto Sans KR Medium" pitchFamily="34" charset="-127"/>
-                <a:ea typeface="Noto Sans KR Medium" pitchFamily="34" charset="-127"/>
-              </a:rPr>
-              <a:t>초</a:t>
-            </a:r>
-            <a:r>
-              <a:rPr lang="en-US" altLang="ko-KR" dirty="0">
-                <a:latin typeface="Noto Sans KR Medium" pitchFamily="34" charset="-127"/>
-                <a:ea typeface="Noto Sans KR Medium" pitchFamily="34" charset="-127"/>
-              </a:rPr>
-              <a:t>)</a:t>
-            </a:r>
-          </a:p>
-          <a:p>
-            <a:pPr marL="0" indent="0">
-              <a:buNone/>
-            </a:pPr>
-            <a:endParaRPr lang="en-US" altLang="ko-KR" dirty="0">
-              <a:latin typeface="Noto Sans KR Medium" pitchFamily="34" charset="-127"/>
-              <a:ea typeface="Noto Sans KR Medium" pitchFamily="34" charset="-127"/>
-            </a:endParaRPr>
-          </a:p>
-          <a:p>
-            <a:pPr marL="0" indent="0">
-              <a:buNone/>
-            </a:pPr>
-            <a:r>
-              <a:rPr lang="ko-KR" altLang="en-US" dirty="0">
-                <a:latin typeface="Noto Sans KR Medium" pitchFamily="34" charset="-127"/>
-                <a:ea typeface="Noto Sans KR Medium" pitchFamily="34" charset="-127"/>
-              </a:rPr>
-              <a:t>땅 </a:t>
-            </a:r>
-            <a:r>
-              <a:rPr lang="en-US" altLang="ko-KR" dirty="0">
-                <a:latin typeface="Noto Sans KR Medium" pitchFamily="34" charset="-127"/>
-                <a:ea typeface="Noto Sans KR Medium" pitchFamily="34" charset="-127"/>
-              </a:rPr>
-              <a:t>: </a:t>
-            </a:r>
-            <a:r>
-              <a:rPr lang="ko-KR" altLang="en-US" dirty="0">
-                <a:latin typeface="Noto Sans KR Medium" pitchFamily="34" charset="-127"/>
-                <a:ea typeface="Noto Sans KR Medium" pitchFamily="34" charset="-127"/>
-              </a:rPr>
-              <a:t>플레이어 발 밑에서 서서히 올라오는 바위 오브젝트 생성</a:t>
-            </a:r>
-            <a:endParaRPr lang="en-US" altLang="ko-KR" dirty="0">
-              <a:latin typeface="Noto Sans KR Medium" pitchFamily="34" charset="-127"/>
-              <a:ea typeface="Noto Sans KR Medium" pitchFamily="34" charset="-127"/>
-            </a:endParaRPr>
-          </a:p>
-          <a:p>
-            <a:pPr marL="0" indent="0">
-              <a:buNone/>
-            </a:pPr>
-            <a:endParaRPr lang="en-US" altLang="ko-KR" dirty="0">
-              <a:latin typeface="Noto Sans KR Medium" pitchFamily="34" charset="-127"/>
-              <a:ea typeface="Noto Sans KR Medium" pitchFamily="34" charset="-127"/>
-            </a:endParaRPr>
-          </a:p>
-          <a:p>
-            <a:pPr marL="0" indent="0">
-              <a:buNone/>
-            </a:pPr>
-            <a:r>
-              <a:rPr lang="ko-KR" altLang="en-US" dirty="0">
-                <a:latin typeface="Noto Sans KR Medium" pitchFamily="34" charset="-127"/>
-                <a:ea typeface="Noto Sans KR Medium" pitchFamily="34" charset="-127"/>
-              </a:rPr>
-              <a:t>바람 </a:t>
-            </a:r>
-            <a:r>
-              <a:rPr lang="en-US" altLang="ko-KR" dirty="0">
-                <a:latin typeface="Noto Sans KR Medium" pitchFamily="34" charset="-127"/>
-                <a:ea typeface="Noto Sans KR Medium" pitchFamily="34" charset="-127"/>
-              </a:rPr>
-              <a:t>: </a:t>
-            </a:r>
-            <a:r>
-              <a:rPr lang="ko-KR" altLang="en-US" dirty="0">
-                <a:latin typeface="Noto Sans KR Medium" pitchFamily="34" charset="-127"/>
-                <a:ea typeface="Noto Sans KR Medium" pitchFamily="34" charset="-127"/>
-              </a:rPr>
-              <a:t>마우스 커서에 바람속성 오브젝트 생성</a:t>
-            </a:r>
-            <a:endParaRPr lang="en-US" altLang="ko-KR" dirty="0">
-              <a:latin typeface="Noto Sans KR Medium" pitchFamily="34" charset="-127"/>
-              <a:ea typeface="Noto Sans KR Medium" pitchFamily="34" charset="-127"/>
-            </a:endParaRPr>
-          </a:p>
-          <a:p>
-            <a:pPr marL="0" indent="0">
-              <a:buNone/>
-            </a:pPr>
-            <a:endParaRPr lang="en-US" altLang="ko-KR" dirty="0">
-              <a:latin typeface="Noto Sans KR Medium" pitchFamily="34" charset="-127"/>
-              <a:ea typeface="Noto Sans KR Medium" pitchFamily="34" charset="-127"/>
-            </a:endParaRPr>
-          </a:p>
-          <a:p>
-            <a:pPr marL="0" indent="0">
-              <a:buNone/>
-            </a:pPr>
-            <a:r>
-              <a:rPr lang="ko-KR" altLang="en-US" dirty="0">
-                <a:latin typeface="Noto Sans KR Medium" pitchFamily="34" charset="-127"/>
-                <a:ea typeface="Noto Sans KR Medium" pitchFamily="34" charset="-127"/>
-              </a:rPr>
-              <a:t>물 </a:t>
-            </a:r>
-            <a:r>
-              <a:rPr lang="en-US" altLang="ko-KR" dirty="0">
-                <a:latin typeface="Noto Sans KR Medium" pitchFamily="34" charset="-127"/>
-                <a:ea typeface="Noto Sans KR Medium" pitchFamily="34" charset="-127"/>
-              </a:rPr>
-              <a:t>: </a:t>
-            </a:r>
-            <a:r>
-              <a:rPr lang="ko-KR" altLang="en-US" dirty="0">
-                <a:latin typeface="Noto Sans KR Medium" pitchFamily="34" charset="-127"/>
-                <a:ea typeface="Noto Sans KR Medium" pitchFamily="34" charset="-127"/>
-              </a:rPr>
-              <a:t>플레이어가 물의 형상으로 변함 </a:t>
-            </a:r>
-            <a:r>
-              <a:rPr lang="en-US" altLang="ko-KR" dirty="0">
-                <a:latin typeface="Noto Sans KR Medium" pitchFamily="34" charset="-127"/>
-                <a:ea typeface="Noto Sans KR Medium" pitchFamily="34" charset="-127"/>
-              </a:rPr>
-              <a:t>(</a:t>
-            </a:r>
-            <a:r>
-              <a:rPr lang="ko-KR" altLang="en-US" dirty="0">
-                <a:latin typeface="Noto Sans KR Medium" pitchFamily="34" charset="-127"/>
-                <a:ea typeface="Noto Sans KR Medium" pitchFamily="34" charset="-127"/>
-              </a:rPr>
-              <a:t>크기 작음</a:t>
-            </a:r>
-            <a:r>
-              <a:rPr lang="en-US" altLang="ko-KR" dirty="0">
-                <a:latin typeface="Noto Sans KR Medium" pitchFamily="34" charset="-127"/>
-                <a:ea typeface="Noto Sans KR Medium" pitchFamily="34" charset="-127"/>
-              </a:rPr>
-              <a:t>)</a:t>
-            </a:r>
-          </a:p>
-          <a:p>
-            <a:pPr marL="0" indent="0">
-              <a:buNone/>
-            </a:pPr>
-            <a:endParaRPr lang="en-US" altLang="ko-KR" dirty="0">
-              <a:latin typeface="Noto Sans KR Medium" pitchFamily="34" charset="-127"/>
-              <a:ea typeface="Noto Sans KR Medium" pitchFamily="34" charset="-127"/>
-            </a:endParaRPr>
-          </a:p>
-          <a:p>
-            <a:pPr marL="0" indent="0">
-              <a:buNone/>
-            </a:pPr>
-            <a:r>
-              <a:rPr lang="ko-KR" altLang="en-US" dirty="0">
-                <a:latin typeface="Noto Sans KR Medium" pitchFamily="34" charset="-127"/>
-                <a:ea typeface="Noto Sans KR Medium" pitchFamily="34" charset="-127"/>
-              </a:rPr>
-              <a:t>불 </a:t>
-            </a:r>
-            <a:r>
-              <a:rPr lang="en-US" altLang="ko-KR" dirty="0">
-                <a:latin typeface="Noto Sans KR Medium" pitchFamily="34" charset="-127"/>
-                <a:ea typeface="Noto Sans KR Medium" pitchFamily="34" charset="-127"/>
-              </a:rPr>
-              <a:t>: </a:t>
-            </a:r>
-            <a:r>
-              <a:rPr lang="ko-KR" altLang="en-US" dirty="0">
-                <a:latin typeface="Noto Sans KR Medium" pitchFamily="34" charset="-127"/>
-                <a:ea typeface="Noto Sans KR Medium" pitchFamily="34" charset="-127"/>
-              </a:rPr>
-              <a:t>플레이어가 마우스 클릭 시 마우스 클릭 위치를 향해 포물선으로 </a:t>
-            </a:r>
-            <a:r>
-              <a:rPr lang="ko-KR" altLang="en-US" dirty="0" err="1">
-                <a:latin typeface="Noto Sans KR Medium" pitchFamily="34" charset="-127"/>
-                <a:ea typeface="Noto Sans KR Medium" pitchFamily="34" charset="-127"/>
-              </a:rPr>
-              <a:t>화염구</a:t>
-            </a:r>
-            <a:r>
-              <a:rPr lang="ko-KR" altLang="en-US" dirty="0">
-                <a:latin typeface="Noto Sans KR Medium" pitchFamily="34" charset="-127"/>
-                <a:ea typeface="Noto Sans KR Medium" pitchFamily="34" charset="-127"/>
-              </a:rPr>
-              <a:t> 사출 </a:t>
-            </a:r>
-            <a:r>
-              <a:rPr lang="en-US" altLang="ko-KR" dirty="0">
-                <a:latin typeface="Noto Sans KR Medium" pitchFamily="34" charset="-127"/>
-                <a:ea typeface="Noto Sans KR Medium" pitchFamily="34" charset="-127"/>
-              </a:rPr>
-              <a:t>(1</a:t>
-            </a:r>
-            <a:r>
-              <a:rPr lang="ko-KR" altLang="en-US" dirty="0">
-                <a:latin typeface="Noto Sans KR Medium" pitchFamily="34" charset="-127"/>
-                <a:ea typeface="Noto Sans KR Medium" pitchFamily="34" charset="-127"/>
-              </a:rPr>
-              <a:t>회</a:t>
-            </a:r>
-            <a:r>
-              <a:rPr lang="en-US" altLang="ko-KR" dirty="0">
-                <a:latin typeface="Noto Sans KR Medium" pitchFamily="34" charset="-127"/>
-                <a:ea typeface="Noto Sans KR Medium" pitchFamily="34" charset="-127"/>
-              </a:rPr>
-              <a:t>) </a:t>
-            </a:r>
-            <a:r>
-              <a:rPr lang="ko-KR" altLang="en-US" dirty="0">
-                <a:latin typeface="Noto Sans KR Medium" pitchFamily="34" charset="-127"/>
-                <a:ea typeface="Noto Sans KR Medium" pitchFamily="34" charset="-127"/>
-              </a:rPr>
-              <a:t>화염구가 바닥에 닿을 시 불꽃 오브젝트 생성 </a:t>
-            </a:r>
-            <a:endParaRPr lang="en-US" altLang="ko-KR" dirty="0">
-              <a:latin typeface="Noto Sans KR Medium" pitchFamily="34" charset="-127"/>
-              <a:ea typeface="Noto Sans KR Medium" pitchFamily="34" charset="-127"/>
-            </a:endParaRPr>
-          </a:p>
-          <a:p>
-            <a:pPr marL="0" indent="0">
-              <a:buNone/>
-            </a:pPr>
-            <a:endParaRPr lang="en-US" altLang="ko-KR" dirty="0">
-              <a:latin typeface="Noto Sans KR Medium" pitchFamily="34" charset="-127"/>
-              <a:ea typeface="Noto Sans KR Medium" pitchFamily="34" charset="-127"/>
-            </a:endParaRPr>
-          </a:p>
-          <a:p>
-            <a:pPr marL="0" indent="0">
-              <a:buNone/>
-            </a:pPr>
-            <a:endParaRPr lang="ko-KR" altLang="en-US" dirty="0">
-              <a:latin typeface="Noto Sans KR Medium" pitchFamily="34" charset="-127"/>
-              <a:ea typeface="Noto Sans KR Medium" pitchFamily="34" charset="-127"/>
-            </a:endParaRPr>
-          </a:p>
-        </p:txBody>
-      </p:sp>
-    </p:spTree>
-    <p:extLst>
-      <p:ext uri="{BB962C8B-B14F-4D97-AF65-F5344CB8AC3E}">
-        <p14:creationId xmlns:p14="http://schemas.microsoft.com/office/powerpoint/2010/main" val="213043796"/>
-      </p:ext>
-    </p:extLst>
-  </p:cSld>
-  <p:clrMapOvr>
-    <a:masterClrMapping/>
-  </p:clrMapOvr>
-</p:sld>
-</file>
-
-<file path=ppt/slides/slide6.xml><?xml version="1.0" encoding="utf-8"?>
-<p:sld xmlns:a="http://schemas.openxmlformats.org/drawingml/2006/main" xmlns:r="http://schemas.openxmlformats.org/officeDocument/2006/relationships" xmlns:p="http://schemas.openxmlformats.org/presentationml/2006/main">
-  <p:cSld>
-    <p:spTree>
-      <p:nvGrpSpPr>
-        <p:cNvPr id="1" name=""/>
-        <p:cNvGrpSpPr/>
-        <p:nvPr/>
-      </p:nvGrpSpPr>
-      <p:grpSpPr>
-        <a:xfrm>
-          <a:off x="0" y="0"/>
-          <a:ext cx="0" cy="0"/>
-          <a:chOff x="0" y="0"/>
-          <a:chExt cx="0" cy="0"/>
-        </a:xfrm>
-      </p:grpSpPr>
-      <p:sp>
-        <p:nvSpPr>
-          <p:cNvPr id="2" name="제목 1"/>
-          <p:cNvSpPr>
-            <a:spLocks noGrp="1"/>
-          </p:cNvSpPr>
-          <p:nvPr>
-            <p:ph type="title"/>
-          </p:nvPr>
-        </p:nvSpPr>
-        <p:spPr/>
-        <p:txBody>
-          <a:bodyPr/>
-          <a:lstStyle/>
-          <a:p>
-            <a:r>
-              <a:rPr lang="ko-KR" altLang="en-US" dirty="0">
-                <a:latin typeface="Noto Sans KR Medium" pitchFamily="34" charset="-127"/>
-                <a:ea typeface="Noto Sans KR Medium" pitchFamily="34" charset="-127"/>
-              </a:rPr>
-              <a:t>캐릭터</a:t>
-            </a:r>
-          </a:p>
-        </p:txBody>
-      </p:sp>
-      <p:sp>
-        <p:nvSpPr>
-          <p:cNvPr id="3" name="내용 개체 틀 2"/>
-          <p:cNvSpPr>
-            <a:spLocks noGrp="1"/>
-          </p:cNvSpPr>
-          <p:nvPr>
-            <p:ph idx="1"/>
-          </p:nvPr>
-        </p:nvSpPr>
-        <p:spPr/>
-        <p:txBody>
-          <a:bodyPr/>
-          <a:lstStyle/>
-          <a:p>
-            <a:pPr marL="0" indent="0">
-              <a:buNone/>
-            </a:pPr>
-            <a:r>
-              <a:rPr lang="ko-KR" altLang="en-US" dirty="0">
-                <a:latin typeface="Noto Sans KR Medium" pitchFamily="34" charset="-127"/>
-                <a:ea typeface="Noto Sans KR Medium" pitchFamily="34" charset="-127"/>
-              </a:rPr>
-              <a:t>이름 </a:t>
-            </a:r>
-            <a:r>
-              <a:rPr lang="en-US" altLang="ko-KR" dirty="0">
-                <a:latin typeface="Noto Sans KR Medium" pitchFamily="34" charset="-127"/>
-                <a:ea typeface="Noto Sans KR Medium" pitchFamily="34" charset="-127"/>
-              </a:rPr>
-              <a:t>: </a:t>
-            </a:r>
-            <a:r>
-              <a:rPr lang="ko-KR" altLang="en-US" dirty="0">
-                <a:latin typeface="Noto Sans KR Medium" pitchFamily="34" charset="-127"/>
-                <a:ea typeface="Noto Sans KR Medium" pitchFamily="34" charset="-127"/>
-              </a:rPr>
-              <a:t>마에</a:t>
-            </a:r>
-            <a:endParaRPr lang="en-US" altLang="ko-KR" dirty="0">
-              <a:latin typeface="Noto Sans KR Medium" pitchFamily="34" charset="-127"/>
-              <a:ea typeface="Noto Sans KR Medium" pitchFamily="34" charset="-127"/>
-            </a:endParaRPr>
-          </a:p>
-          <a:p>
-            <a:pPr marL="0" indent="0">
-              <a:buNone/>
-            </a:pPr>
-            <a:r>
-              <a:rPr lang="ko-KR" altLang="en-US" dirty="0">
-                <a:latin typeface="Noto Sans KR Medium" pitchFamily="34" charset="-127"/>
-                <a:ea typeface="Noto Sans KR Medium" pitchFamily="34" charset="-127"/>
-              </a:rPr>
-              <a:t>속성 </a:t>
-            </a:r>
-            <a:r>
-              <a:rPr lang="en-US" altLang="ko-KR" dirty="0">
-                <a:latin typeface="Noto Sans KR Medium" pitchFamily="34" charset="-127"/>
-                <a:ea typeface="Noto Sans KR Medium" pitchFamily="34" charset="-127"/>
-              </a:rPr>
-              <a:t>: </a:t>
-            </a:r>
-            <a:r>
-              <a:rPr lang="ko-KR" altLang="en-US" dirty="0">
-                <a:latin typeface="Noto Sans KR Medium" pitchFamily="34" charset="-127"/>
-                <a:ea typeface="Noto Sans KR Medium" pitchFamily="34" charset="-127"/>
-              </a:rPr>
-              <a:t>땅</a:t>
-            </a:r>
-            <a:endParaRPr lang="en-US" altLang="ko-KR" dirty="0">
-              <a:latin typeface="Noto Sans KR Medium" pitchFamily="34" charset="-127"/>
-              <a:ea typeface="Noto Sans KR Medium" pitchFamily="34" charset="-127"/>
-            </a:endParaRPr>
-          </a:p>
-          <a:p>
-            <a:pPr marL="0" indent="0">
-              <a:buNone/>
-            </a:pPr>
-            <a:r>
-              <a:rPr lang="ko-KR" altLang="en-US" dirty="0">
-                <a:latin typeface="Noto Sans KR Medium" pitchFamily="34" charset="-127"/>
-                <a:ea typeface="Noto Sans KR Medium" pitchFamily="34" charset="-127"/>
-              </a:rPr>
-              <a:t>일반 공격</a:t>
-            </a:r>
-            <a:r>
-              <a:rPr lang="en-US" altLang="ko-KR" dirty="0">
-                <a:latin typeface="Noto Sans KR Medium" pitchFamily="34" charset="-127"/>
-                <a:ea typeface="Noto Sans KR Medium" pitchFamily="34" charset="-127"/>
-              </a:rPr>
-              <a:t> : </a:t>
-            </a:r>
-            <a:r>
-              <a:rPr lang="ko-KR" altLang="en-US" dirty="0">
-                <a:latin typeface="Noto Sans KR Medium" pitchFamily="34" charset="-127"/>
-                <a:ea typeface="Noto Sans KR Medium" pitchFamily="34" charset="-127"/>
-              </a:rPr>
-              <a:t>바위속성 물체 사출</a:t>
-            </a:r>
-            <a:endParaRPr lang="en-US" altLang="ko-KR" dirty="0">
-              <a:latin typeface="Noto Sans KR Medium" pitchFamily="34" charset="-127"/>
-              <a:ea typeface="Noto Sans KR Medium" pitchFamily="34" charset="-127"/>
-            </a:endParaRPr>
-          </a:p>
-          <a:p>
-            <a:pPr marL="0" indent="0">
-              <a:buNone/>
-            </a:pPr>
-            <a:r>
-              <a:rPr lang="ko-KR" altLang="en-US" dirty="0">
-                <a:latin typeface="Noto Sans KR Medium" pitchFamily="34" charset="-127"/>
-                <a:ea typeface="Noto Sans KR Medium" pitchFamily="34" charset="-127"/>
-              </a:rPr>
-              <a:t>사용 스킬 </a:t>
-            </a:r>
-            <a:r>
-              <a:rPr lang="en-US" altLang="ko-KR" dirty="0">
-                <a:latin typeface="Noto Sans KR Medium" pitchFamily="34" charset="-127"/>
-                <a:ea typeface="Noto Sans KR Medium" pitchFamily="34" charset="-127"/>
-              </a:rPr>
-              <a:t>: </a:t>
-            </a:r>
-            <a:r>
-              <a:rPr lang="ko-KR" altLang="en-US" dirty="0">
-                <a:latin typeface="Noto Sans KR Medium" pitchFamily="34" charset="-127"/>
-                <a:ea typeface="Noto Sans KR Medium" pitchFamily="34" charset="-127"/>
-              </a:rPr>
-              <a:t>마우스 커서 위치에 땅 속성 오브젝트 생성 </a:t>
-            </a:r>
-            <a:endParaRPr lang="en-US" altLang="ko-KR" dirty="0">
-              <a:latin typeface="Noto Sans KR Medium" pitchFamily="34" charset="-127"/>
-              <a:ea typeface="Noto Sans KR Medium" pitchFamily="34" charset="-127"/>
-            </a:endParaRPr>
-          </a:p>
-          <a:p>
-            <a:pPr marL="0" indent="0">
-              <a:buNone/>
-            </a:pPr>
-            <a:r>
-              <a:rPr lang="ko-KR" altLang="en-US" dirty="0">
-                <a:latin typeface="Noto Sans KR Medium" pitchFamily="34" charset="-127"/>
-                <a:ea typeface="Noto Sans KR Medium" pitchFamily="34" charset="-127"/>
-              </a:rPr>
-              <a:t>스킬 </a:t>
-            </a:r>
-            <a:r>
-              <a:rPr lang="ko-KR" altLang="en-US" dirty="0" err="1">
-                <a:latin typeface="Noto Sans KR Medium" pitchFamily="34" charset="-127"/>
-                <a:ea typeface="Noto Sans KR Medium" pitchFamily="34" charset="-127"/>
-              </a:rPr>
-              <a:t>쿨타임</a:t>
-            </a:r>
-            <a:r>
-              <a:rPr lang="ko-KR" altLang="en-US" dirty="0">
-                <a:latin typeface="Noto Sans KR Medium" pitchFamily="34" charset="-127"/>
-                <a:ea typeface="Noto Sans KR Medium" pitchFamily="34" charset="-127"/>
-              </a:rPr>
-              <a:t> </a:t>
-            </a:r>
-            <a:r>
-              <a:rPr lang="en-US" altLang="ko-KR" dirty="0">
-                <a:latin typeface="Noto Sans KR Medium" pitchFamily="34" charset="-127"/>
-                <a:ea typeface="Noto Sans KR Medium" pitchFamily="34" charset="-127"/>
-              </a:rPr>
-              <a:t>: 10</a:t>
-            </a:r>
-            <a:r>
-              <a:rPr lang="ko-KR" altLang="en-US" dirty="0">
-                <a:latin typeface="Noto Sans KR Medium" pitchFamily="34" charset="-127"/>
-                <a:ea typeface="Noto Sans KR Medium" pitchFamily="34" charset="-127"/>
-              </a:rPr>
-              <a:t>초</a:t>
-            </a:r>
-            <a:endParaRPr lang="en-US" altLang="ko-KR" dirty="0">
-              <a:latin typeface="Noto Sans KR Medium" pitchFamily="34" charset="-127"/>
-              <a:ea typeface="Noto Sans KR Medium" pitchFamily="34" charset="-127"/>
-            </a:endParaRPr>
-          </a:p>
-          <a:p>
-            <a:pPr marL="0" indent="0">
-              <a:buNone/>
-            </a:pPr>
-            <a:r>
-              <a:rPr lang="ko-KR" altLang="en-US" dirty="0">
-                <a:latin typeface="Noto Sans KR Medium" pitchFamily="34" charset="-127"/>
-                <a:ea typeface="Noto Sans KR Medium" pitchFamily="34" charset="-127"/>
-              </a:rPr>
-              <a:t>무게 </a:t>
-            </a:r>
-            <a:r>
-              <a:rPr lang="en-US" altLang="ko-KR" dirty="0">
-                <a:latin typeface="Noto Sans KR Medium" pitchFamily="34" charset="-127"/>
-                <a:ea typeface="Noto Sans KR Medium" pitchFamily="34" charset="-127"/>
-              </a:rPr>
-              <a:t>: 1</a:t>
-            </a:r>
-          </a:p>
-          <a:p>
-            <a:pPr marL="0" indent="0">
-              <a:buNone/>
-            </a:pPr>
-            <a:r>
-              <a:rPr lang="ko-KR" altLang="en-US" dirty="0">
-                <a:latin typeface="Noto Sans KR Medium" pitchFamily="34" charset="-127"/>
-                <a:ea typeface="Noto Sans KR Medium" pitchFamily="34" charset="-127"/>
-              </a:rPr>
-              <a:t>캐릭터 획득 시기  </a:t>
-            </a:r>
-            <a:r>
-              <a:rPr lang="en-US" altLang="ko-KR" dirty="0">
-                <a:latin typeface="Noto Sans KR Medium" pitchFamily="34" charset="-127"/>
-                <a:ea typeface="Noto Sans KR Medium" pitchFamily="34" charset="-127"/>
-              </a:rPr>
-              <a:t>: </a:t>
-            </a:r>
-            <a:r>
-              <a:rPr lang="ko-KR" altLang="en-US" dirty="0">
-                <a:latin typeface="Noto Sans KR Medium" pitchFamily="34" charset="-127"/>
-                <a:ea typeface="Noto Sans KR Medium" pitchFamily="34" charset="-127"/>
-              </a:rPr>
-              <a:t>기본 플레이어</a:t>
-            </a:r>
-            <a:endParaRPr lang="en-US" altLang="ko-KR" dirty="0">
-              <a:latin typeface="Noto Sans KR Medium" pitchFamily="34" charset="-127"/>
-              <a:ea typeface="Noto Sans KR Medium" pitchFamily="34" charset="-127"/>
-            </a:endParaRPr>
-          </a:p>
-          <a:p>
-            <a:pPr marL="0" indent="0">
-              <a:buNone/>
-            </a:pPr>
-            <a:endParaRPr lang="en-US" altLang="ko-KR" dirty="0">
-              <a:latin typeface="Noto Sans KR Medium" pitchFamily="34" charset="-127"/>
-              <a:ea typeface="Noto Sans KR Medium" pitchFamily="34" charset="-127"/>
-            </a:endParaRPr>
-          </a:p>
-          <a:p>
-            <a:pPr marL="0" indent="0">
-              <a:buNone/>
-            </a:pPr>
-            <a:endParaRPr lang="ko-KR" altLang="en-US" dirty="0">
-              <a:latin typeface="Noto Sans KR Medium" pitchFamily="34" charset="-127"/>
-              <a:ea typeface="Noto Sans KR Medium" pitchFamily="34" charset="-127"/>
-            </a:endParaRPr>
-          </a:p>
-        </p:txBody>
-      </p:sp>
-      <p:pic>
-        <p:nvPicPr>
-          <p:cNvPr id="1026" name="Picture 2"/>
-          <p:cNvPicPr>
-            <a:picLocks noChangeAspect="1" noChangeArrowheads="1"/>
-          </p:cNvPicPr>
-          <p:nvPr/>
-        </p:nvPicPr>
-        <p:blipFill>
-          <a:blip r:embed="rId2">
-            <a:extLst>
-              <a:ext uri="{28A0092B-C50C-407E-A947-70E740481C1C}">
-                <a14:useLocalDpi xmlns:a14="http://schemas.microsoft.com/office/drawing/2010/main" val="0"/>
-              </a:ext>
-            </a:extLst>
-          </a:blip>
-          <a:srcRect/>
-          <a:stretch>
-            <a:fillRect/>
-          </a:stretch>
-        </p:blipFill>
-        <p:spPr bwMode="auto">
-          <a:xfrm>
-            <a:off x="6876256" y="692696"/>
-            <a:ext cx="1872208" cy="2034004"/>
-          </a:xfrm>
-          <a:prstGeom prst="rect">
-            <a:avLst/>
-          </a:prstGeom>
-          <a:noFill/>
-          <a:ln>
-            <a:noFill/>
-          </a:ln>
-          <a:effectLst/>
-          <a:extLst>
-            <a:ext uri="{909E8E84-426E-40DD-AFC4-6F175D3DCCD1}">
-              <a14:hiddenFill xmlns:a14="http://schemas.microsoft.com/office/drawing/2010/main">
-                <a:solidFill>
-                  <a:schemeClr val="accent1"/>
-                </a:solidFill>
-              </a14:hiddenFill>
-            </a:ext>
-            <a:ext uri="{91240B29-F687-4F45-9708-019B960494DF}">
-              <a14:hiddenLine xmlns:a14="http://schemas.microsoft.com/office/drawing/2010/main" w="9525">
-                <a:solidFill>
-                  <a:schemeClr val="tx1"/>
-                </a:solidFill>
-                <a:miter lim="800000"/>
-                <a:headEnd/>
-                <a:tailEnd/>
-              </a14:hiddenLine>
-            </a:ext>
-            <a:ext uri="{AF507438-7753-43E0-B8FC-AC1667EBCBE1}">
-              <a14:hiddenEffects xmlns:a14="http://schemas.microsoft.com/office/drawing/2010/main">
-                <a:effectLst>
-                  <a:outerShdw dist="35921" dir="2700000" algn="ctr" rotWithShape="0">
-                    <a:schemeClr val="bg2"/>
-                  </a:outerShdw>
-                </a:effectLst>
-              </a14:hiddenEffects>
-            </a:ext>
-          </a:extLst>
-        </p:spPr>
-      </p:pic>
-    </p:spTree>
-    <p:extLst>
-      <p:ext uri="{BB962C8B-B14F-4D97-AF65-F5344CB8AC3E}">
-        <p14:creationId xmlns:p14="http://schemas.microsoft.com/office/powerpoint/2010/main" val="2870108825"/>
-      </p:ext>
-    </p:extLst>
-  </p:cSld>
-  <p:clrMapOvr>
-    <a:masterClrMapping/>
-  </p:clrMapOvr>
-</p:sld>
-</file>
-
-<file path=ppt/slides/slide7.xml><?xml version="1.0" encoding="utf-8"?>
-<p:sld xmlns:a="http://schemas.openxmlformats.org/drawingml/2006/main" xmlns:r="http://schemas.openxmlformats.org/officeDocument/2006/relationships" xmlns:p="http://schemas.openxmlformats.org/presentationml/2006/main">
-  <p:cSld>
-    <p:spTree>
-      <p:nvGrpSpPr>
-        <p:cNvPr id="1" name=""/>
-        <p:cNvGrpSpPr/>
-        <p:nvPr/>
-      </p:nvGrpSpPr>
-      <p:grpSpPr>
-        <a:xfrm>
-          <a:off x="0" y="0"/>
-          <a:ext cx="0" cy="0"/>
-          <a:chOff x="0" y="0"/>
-          <a:chExt cx="0" cy="0"/>
-        </a:xfrm>
-      </p:grpSpPr>
-      <p:sp>
-        <p:nvSpPr>
-          <p:cNvPr id="2" name="제목 1"/>
-          <p:cNvSpPr>
-            <a:spLocks noGrp="1"/>
-          </p:cNvSpPr>
-          <p:nvPr>
-            <p:ph type="title"/>
-          </p:nvPr>
-        </p:nvSpPr>
-        <p:spPr/>
-        <p:txBody>
-          <a:bodyPr/>
-          <a:lstStyle/>
-          <a:p>
-            <a:r>
-              <a:rPr lang="ko-KR" altLang="en-US" dirty="0">
-                <a:latin typeface="Noto Sans KR Medium" pitchFamily="34" charset="-127"/>
-                <a:ea typeface="Noto Sans KR Medium" pitchFamily="34" charset="-127"/>
-              </a:rPr>
               <a:t>캐릭터</a:t>
             </a:r>
           </a:p>
@@ -7582,7 +3823,7 @@
 </p:sld>
 </file>
 
-<file path=ppt/slides/slide8.xml><?xml version="1.0" encoding="utf-8"?>
+<file path=ppt/slides/slide11.xml><?xml version="1.0" encoding="utf-8"?>
 <p:sld xmlns:a="http://schemas.openxmlformats.org/drawingml/2006/main" xmlns:r="http://schemas.openxmlformats.org/officeDocument/2006/relationships" xmlns:p="http://schemas.openxmlformats.org/presentationml/2006/main">
   <p:cSld>
     <p:spTree>
@@ -7966,7 +4207,7 @@
 </p:sld>
 </file>
 
-<file path=ppt/slides/slide9.xml><?xml version="1.0" encoding="utf-8"?>
+<file path=ppt/slides/slide12.xml><?xml version="1.0" encoding="utf-8"?>
 <p:sld xmlns:a="http://schemas.openxmlformats.org/drawingml/2006/main" xmlns:r="http://schemas.openxmlformats.org/officeDocument/2006/relationships" xmlns:p="http://schemas.openxmlformats.org/presentationml/2006/main">
   <p:cSld>
     <p:spTree>
@@ -8310,6 +4551,4823 @@
     <p:extLst>
       <p:ext uri="{BB962C8B-B14F-4D97-AF65-F5344CB8AC3E}">
         <p14:creationId xmlns:p14="http://schemas.microsoft.com/office/powerpoint/2010/main" val="2054793296"/>
+      </p:ext>
+    </p:extLst>
+  </p:cSld>
+  <p:clrMapOvr>
+    <a:masterClrMapping/>
+  </p:clrMapOvr>
+</p:sld>
+</file>
+
+<file path=ppt/slides/slide13.xml><?xml version="1.0" encoding="utf-8"?>
+<p:sld xmlns:a="http://schemas.openxmlformats.org/drawingml/2006/main" xmlns:r="http://schemas.openxmlformats.org/officeDocument/2006/relationships" xmlns:p="http://schemas.openxmlformats.org/presentationml/2006/main">
+  <p:cSld>
+    <p:spTree>
+      <p:nvGrpSpPr>
+        <p:cNvPr id="1" name=""/>
+        <p:cNvGrpSpPr/>
+        <p:nvPr/>
+      </p:nvGrpSpPr>
+      <p:grpSpPr>
+        <a:xfrm>
+          <a:off x="0" y="0"/>
+          <a:ext cx="0" cy="0"/>
+          <a:chOff x="0" y="0"/>
+          <a:chExt cx="0" cy="0"/>
+        </a:xfrm>
+      </p:grpSpPr>
+      <p:sp>
+        <p:nvSpPr>
+          <p:cNvPr id="2" name="제목 1"/>
+          <p:cNvSpPr>
+            <a:spLocks noGrp="1"/>
+          </p:cNvSpPr>
+          <p:nvPr>
+            <p:ph type="title"/>
+          </p:nvPr>
+        </p:nvSpPr>
+        <p:spPr/>
+        <p:txBody>
+          <a:bodyPr/>
+          <a:lstStyle/>
+          <a:p>
+            <a:r>
+              <a:rPr lang="ko-KR" altLang="en-US" dirty="0">
+                <a:latin typeface="Noto Sans KR Medium" pitchFamily="34" charset="-127"/>
+                <a:ea typeface="Noto Sans KR Medium" pitchFamily="34" charset="-127"/>
+              </a:rPr>
+              <a:t>개발 단계 </a:t>
+            </a:r>
+            <a:r>
+              <a:rPr lang="en-US" altLang="ko-KR" dirty="0">
+                <a:latin typeface="Noto Sans KR Medium" pitchFamily="34" charset="-127"/>
+                <a:ea typeface="Noto Sans KR Medium" pitchFamily="34" charset="-127"/>
+              </a:rPr>
+              <a:t>(1</a:t>
+            </a:r>
+            <a:r>
+              <a:rPr lang="ko-KR" altLang="en-US" dirty="0">
+                <a:latin typeface="Noto Sans KR Medium" pitchFamily="34" charset="-127"/>
+                <a:ea typeface="Noto Sans KR Medium" pitchFamily="34" charset="-127"/>
+              </a:rPr>
+              <a:t>주차</a:t>
+            </a:r>
+            <a:r>
+              <a:rPr lang="en-US" altLang="ko-KR" dirty="0">
+                <a:latin typeface="Noto Sans KR Medium" pitchFamily="34" charset="-127"/>
+                <a:ea typeface="Noto Sans KR Medium" pitchFamily="34" charset="-127"/>
+              </a:rPr>
+              <a:t>)</a:t>
+            </a:r>
+            <a:endParaRPr lang="ko-KR" altLang="en-US" dirty="0">
+              <a:latin typeface="Noto Sans KR Medium" pitchFamily="34" charset="-127"/>
+              <a:ea typeface="Noto Sans KR Medium" pitchFamily="34" charset="-127"/>
+            </a:endParaRPr>
+          </a:p>
+        </p:txBody>
+      </p:sp>
+      <p:sp>
+        <p:nvSpPr>
+          <p:cNvPr id="3" name="내용 개체 틀 2"/>
+          <p:cNvSpPr>
+            <a:spLocks noGrp="1"/>
+          </p:cNvSpPr>
+          <p:nvPr>
+            <p:ph idx="1"/>
+          </p:nvPr>
+        </p:nvSpPr>
+        <p:spPr/>
+        <p:txBody>
+          <a:bodyPr/>
+          <a:lstStyle/>
+          <a:p>
+            <a:pPr marL="0" indent="0">
+              <a:buNone/>
+            </a:pPr>
+            <a:endParaRPr lang="en-US" altLang="ko-KR" dirty="0">
+              <a:latin typeface="Noto Sans KR Medium" pitchFamily="34" charset="-127"/>
+              <a:ea typeface="Noto Sans KR Medium" pitchFamily="34" charset="-127"/>
+            </a:endParaRPr>
+          </a:p>
+          <a:p>
+            <a:pPr marL="0" indent="0">
+              <a:buNone/>
+            </a:pPr>
+            <a:endParaRPr lang="ko-KR" altLang="en-US" dirty="0">
+              <a:latin typeface="Noto Sans KR Medium" pitchFamily="34" charset="-127"/>
+              <a:ea typeface="Noto Sans KR Medium" pitchFamily="34" charset="-127"/>
+            </a:endParaRPr>
+          </a:p>
+        </p:txBody>
+      </p:sp>
+      <p:graphicFrame>
+        <p:nvGraphicFramePr>
+          <p:cNvPr id="4" name="표 3"/>
+          <p:cNvGraphicFramePr>
+            <a:graphicFrameLocks noGrp="1"/>
+          </p:cNvGraphicFramePr>
+          <p:nvPr>
+            <p:extLst>
+              <p:ext uri="{D42A27DB-BD31-4B8C-83A1-F6EECF244321}">
+                <p14:modId xmlns:p14="http://schemas.microsoft.com/office/powerpoint/2010/main" val="523879812"/>
+              </p:ext>
+            </p:extLst>
+          </p:nvPr>
+        </p:nvGraphicFramePr>
+        <p:xfrm>
+          <a:off x="971600" y="1412776"/>
+          <a:ext cx="7152456" cy="5297604"/>
+        </p:xfrm>
+        <a:graphic>
+          <a:graphicData uri="http://schemas.openxmlformats.org/drawingml/2006/table">
+            <a:tbl>
+              <a:tblPr firstRow="1" bandRow="1">
+                <a:tableStyleId>{5C22544A-7EE6-4342-B048-85BDC9FD1C3A}</a:tableStyleId>
+              </a:tblPr>
+              <a:tblGrid>
+                <a:gridCol w="2384152">
+                  <a:extLst>
+                    <a:ext uri="{9D8B030D-6E8A-4147-A177-3AD203B41FA5}">
+                      <a16:colId xmlns="" xmlns:a16="http://schemas.microsoft.com/office/drawing/2014/main" val="20000"/>
+                    </a:ext>
+                  </a:extLst>
+                </a:gridCol>
+                <a:gridCol w="2384152">
+                  <a:extLst>
+                    <a:ext uri="{9D8B030D-6E8A-4147-A177-3AD203B41FA5}">
+                      <a16:colId xmlns="" xmlns:a16="http://schemas.microsoft.com/office/drawing/2014/main" val="20001"/>
+                    </a:ext>
+                  </a:extLst>
+                </a:gridCol>
+                <a:gridCol w="2384152">
+                  <a:extLst>
+                    <a:ext uri="{9D8B030D-6E8A-4147-A177-3AD203B41FA5}">
+                      <a16:colId xmlns="" xmlns:a16="http://schemas.microsoft.com/office/drawing/2014/main" val="20002"/>
+                    </a:ext>
+                  </a:extLst>
+                </a:gridCol>
+              </a:tblGrid>
+              <a:tr h="678068">
+                <a:tc>
+                  <a:txBody>
+                    <a:bodyPr/>
+                    <a:lstStyle/>
+                    <a:p>
+                      <a:pPr algn="ctr" latinLnBrk="1"/>
+                      <a:r>
+                        <a:rPr lang="ko-KR" altLang="en-US" sz="2800" dirty="0">
+                          <a:latin typeface="Noto Sans KR Bold" pitchFamily="34" charset="-127"/>
+                          <a:ea typeface="Noto Sans KR Bold" pitchFamily="34" charset="-127"/>
+                        </a:rPr>
+                        <a:t>날짜</a:t>
+                      </a:r>
+                    </a:p>
+                  </a:txBody>
+                  <a:tcPr/>
+                </a:tc>
+                <a:tc>
+                  <a:txBody>
+                    <a:bodyPr/>
+                    <a:lstStyle/>
+                    <a:p>
+                      <a:pPr algn="ctr" latinLnBrk="1"/>
+                      <a:r>
+                        <a:rPr lang="ko-KR" altLang="en-US" sz="2800" dirty="0">
+                          <a:latin typeface="Noto Sans KR Bold" pitchFamily="34" charset="-127"/>
+                          <a:ea typeface="Noto Sans KR Bold" pitchFamily="34" charset="-127"/>
+                        </a:rPr>
+                        <a:t>진행 내용</a:t>
+                      </a:r>
+                    </a:p>
+                  </a:txBody>
+                  <a:tcPr/>
+                </a:tc>
+                <a:tc>
+                  <a:txBody>
+                    <a:bodyPr/>
+                    <a:lstStyle/>
+                    <a:p>
+                      <a:pPr algn="ctr" latinLnBrk="1"/>
+                      <a:r>
+                        <a:rPr lang="ko-KR" altLang="en-US" sz="2800" dirty="0">
+                          <a:latin typeface="Noto Sans KR Bold" pitchFamily="34" charset="-127"/>
+                          <a:ea typeface="Noto Sans KR Bold" pitchFamily="34" charset="-127"/>
+                        </a:rPr>
+                        <a:t>비고</a:t>
+                      </a:r>
+                    </a:p>
+                  </a:txBody>
+                  <a:tcPr/>
+                </a:tc>
+                <a:extLst>
+                  <a:ext uri="{0D108BD9-81ED-4DB2-BD59-A6C34878D82A}">
+                    <a16:rowId xmlns="" xmlns:a16="http://schemas.microsoft.com/office/drawing/2014/main" val="10000"/>
+                  </a:ext>
+                </a:extLst>
+              </a:tr>
+              <a:tr h="712819">
+                <a:tc>
+                  <a:txBody>
+                    <a:bodyPr/>
+                    <a:lstStyle/>
+                    <a:p>
+                      <a:pPr algn="ctr" latinLnBrk="1"/>
+                      <a:r>
+                        <a:rPr lang="en-US" altLang="ko-KR" sz="1400" dirty="0">
+                          <a:latin typeface="Noto Sans KR Medium" pitchFamily="34" charset="-127"/>
+                          <a:ea typeface="Noto Sans KR Medium" pitchFamily="34" charset="-127"/>
+                        </a:rPr>
+                        <a:t>11-02</a:t>
+                      </a:r>
+                      <a:endParaRPr lang="ko-KR" altLang="en-US" sz="1400" dirty="0">
+                        <a:latin typeface="Noto Sans KR Medium" pitchFamily="34" charset="-127"/>
+                        <a:ea typeface="Noto Sans KR Medium" pitchFamily="34" charset="-127"/>
+                      </a:endParaRPr>
+                    </a:p>
+                  </a:txBody>
+                  <a:tcPr/>
+                </a:tc>
+                <a:tc>
+                  <a:txBody>
+                    <a:bodyPr/>
+                    <a:lstStyle/>
+                    <a:p>
+                      <a:pPr algn="ctr" latinLnBrk="1"/>
+                      <a:r>
+                        <a:rPr lang="ko-KR" altLang="en-US" sz="1400" dirty="0">
+                          <a:latin typeface="Noto Sans KR Medium" pitchFamily="34" charset="-127"/>
+                          <a:ea typeface="Noto Sans KR Medium" pitchFamily="34" charset="-127"/>
+                        </a:rPr>
+                        <a:t>게임 구상</a:t>
+                      </a:r>
+                      <a:r>
+                        <a:rPr lang="en-US" altLang="ko-KR" sz="1400" dirty="0">
+                          <a:latin typeface="Noto Sans KR Medium" pitchFamily="34" charset="-127"/>
+                          <a:ea typeface="Noto Sans KR Medium" pitchFamily="34" charset="-127"/>
+                        </a:rPr>
+                        <a:t>, </a:t>
+                      </a:r>
+                      <a:r>
+                        <a:rPr lang="ko-KR" altLang="en-US" sz="1400" dirty="0">
+                          <a:latin typeface="Noto Sans KR Medium" pitchFamily="34" charset="-127"/>
+                          <a:ea typeface="Noto Sans KR Medium" pitchFamily="34" charset="-127"/>
+                        </a:rPr>
+                        <a:t>기획</a:t>
+                      </a:r>
+                    </a:p>
+                  </a:txBody>
+                  <a:tcPr/>
+                </a:tc>
+                <a:tc>
+                  <a:txBody>
+                    <a:bodyPr/>
+                    <a:lstStyle/>
+                    <a:p>
+                      <a:pPr algn="ctr" latinLnBrk="1"/>
+                      <a:endParaRPr lang="ko-KR" altLang="en-US" sz="1400" dirty="0">
+                        <a:latin typeface="Noto Sans KR Medium" pitchFamily="34" charset="-127"/>
+                        <a:ea typeface="Noto Sans KR Medium" pitchFamily="34" charset="-127"/>
+                      </a:endParaRPr>
+                    </a:p>
+                  </a:txBody>
+                  <a:tcPr/>
+                </a:tc>
+                <a:extLst>
+                  <a:ext uri="{0D108BD9-81ED-4DB2-BD59-A6C34878D82A}">
+                    <a16:rowId xmlns="" xmlns:a16="http://schemas.microsoft.com/office/drawing/2014/main" val="10001"/>
+                  </a:ext>
+                </a:extLst>
+              </a:tr>
+              <a:tr h="1018313">
+                <a:tc>
+                  <a:txBody>
+                    <a:bodyPr/>
+                    <a:lstStyle/>
+                    <a:p>
+                      <a:pPr algn="ctr" latinLnBrk="1"/>
+                      <a:r>
+                        <a:rPr lang="en-US" altLang="ko-KR" sz="1400" dirty="0">
+                          <a:latin typeface="Noto Sans KR Medium" pitchFamily="34" charset="-127"/>
+                          <a:ea typeface="Noto Sans KR Medium" pitchFamily="34" charset="-127"/>
+                        </a:rPr>
+                        <a:t>11-03</a:t>
+                      </a:r>
+                      <a:endParaRPr lang="ko-KR" altLang="en-US" sz="1400" dirty="0">
+                        <a:latin typeface="Noto Sans KR Medium" pitchFamily="34" charset="-127"/>
+                        <a:ea typeface="Noto Sans KR Medium" pitchFamily="34" charset="-127"/>
+                      </a:endParaRPr>
+                    </a:p>
+                  </a:txBody>
+                  <a:tcPr/>
+                </a:tc>
+                <a:tc>
+                  <a:txBody>
+                    <a:bodyPr/>
+                    <a:lstStyle/>
+                    <a:p>
+                      <a:pPr algn="ctr" latinLnBrk="1"/>
+                      <a:r>
+                        <a:rPr lang="ko-KR" altLang="en-US" sz="1400" dirty="0">
+                          <a:latin typeface="Noto Sans KR Medium" pitchFamily="34" charset="-127"/>
+                          <a:ea typeface="Noto Sans KR Medium" pitchFamily="34" charset="-127"/>
+                        </a:rPr>
+                        <a:t>퍼즐 </a:t>
+                      </a:r>
+                      <a:r>
+                        <a:rPr lang="ko-KR" altLang="en-US" sz="1400" dirty="0" err="1">
+                          <a:latin typeface="Noto Sans KR Medium" pitchFamily="34" charset="-127"/>
+                          <a:ea typeface="Noto Sans KR Medium" pitchFamily="34" charset="-127"/>
+                        </a:rPr>
+                        <a:t>로직</a:t>
+                      </a:r>
+                      <a:r>
+                        <a:rPr lang="ko-KR" altLang="en-US" sz="1400" dirty="0">
+                          <a:latin typeface="Noto Sans KR Medium" pitchFamily="34" charset="-127"/>
+                          <a:ea typeface="Noto Sans KR Medium" pitchFamily="34" charset="-127"/>
+                        </a:rPr>
+                        <a:t> 구상</a:t>
+                      </a:r>
+                      <a:r>
+                        <a:rPr lang="ko-KR" altLang="en-US" sz="1400" baseline="0" dirty="0">
+                          <a:latin typeface="Noto Sans KR Medium" pitchFamily="34" charset="-127"/>
+                          <a:ea typeface="Noto Sans KR Medium" pitchFamily="34" charset="-127"/>
+                        </a:rPr>
+                        <a:t>플레이어 이동</a:t>
+                      </a:r>
+                      <a:r>
+                        <a:rPr lang="en-US" altLang="ko-KR" sz="1400" baseline="0" dirty="0">
+                          <a:latin typeface="Noto Sans KR Medium" pitchFamily="34" charset="-127"/>
+                          <a:ea typeface="Noto Sans KR Medium" pitchFamily="34" charset="-127"/>
+                        </a:rPr>
+                        <a:t>, </a:t>
+                      </a:r>
+                    </a:p>
+                    <a:p>
+                      <a:pPr algn="ctr" latinLnBrk="1"/>
+                      <a:r>
+                        <a:rPr lang="ko-KR" altLang="en-US" sz="1400" baseline="0" dirty="0">
+                          <a:latin typeface="Noto Sans KR Medium" pitchFamily="34" charset="-127"/>
+                          <a:ea typeface="Noto Sans KR Medium" pitchFamily="34" charset="-127"/>
+                        </a:rPr>
+                        <a:t>공격 애니메이션</a:t>
+                      </a:r>
+                      <a:endParaRPr lang="en-US" altLang="ko-KR" sz="1400" baseline="0" dirty="0">
+                        <a:latin typeface="Noto Sans KR Medium" pitchFamily="34" charset="-127"/>
+                        <a:ea typeface="Noto Sans KR Medium" pitchFamily="34" charset="-127"/>
+                      </a:endParaRPr>
+                    </a:p>
+                  </a:txBody>
+                  <a:tcPr/>
+                </a:tc>
+                <a:tc>
+                  <a:txBody>
+                    <a:bodyPr/>
+                    <a:lstStyle/>
+                    <a:p>
+                      <a:pPr algn="ctr" latinLnBrk="1"/>
+                      <a:endParaRPr lang="ko-KR" altLang="en-US" sz="1400">
+                        <a:latin typeface="Noto Sans KR Medium" pitchFamily="34" charset="-127"/>
+                        <a:ea typeface="Noto Sans KR Medium" pitchFamily="34" charset="-127"/>
+                      </a:endParaRPr>
+                    </a:p>
+                  </a:txBody>
+                  <a:tcPr/>
+                </a:tc>
+                <a:extLst>
+                  <a:ext uri="{0D108BD9-81ED-4DB2-BD59-A6C34878D82A}">
+                    <a16:rowId xmlns="" xmlns:a16="http://schemas.microsoft.com/office/drawing/2014/main" val="10002"/>
+                  </a:ext>
+                </a:extLst>
+              </a:tr>
+              <a:tr h="693844">
+                <a:tc>
+                  <a:txBody>
+                    <a:bodyPr/>
+                    <a:lstStyle/>
+                    <a:p>
+                      <a:pPr algn="ctr" latinLnBrk="1"/>
+                      <a:r>
+                        <a:rPr lang="en-US" altLang="ko-KR" sz="1400" dirty="0">
+                          <a:latin typeface="Noto Sans KR Medium" pitchFamily="34" charset="-127"/>
+                          <a:ea typeface="Noto Sans KR Medium" pitchFamily="34" charset="-127"/>
+                        </a:rPr>
+                        <a:t>11-04</a:t>
+                      </a:r>
+                      <a:endParaRPr lang="ko-KR" altLang="en-US" sz="1400" dirty="0">
+                        <a:latin typeface="Noto Sans KR Medium" pitchFamily="34" charset="-127"/>
+                        <a:ea typeface="Noto Sans KR Medium" pitchFamily="34" charset="-127"/>
+                      </a:endParaRPr>
+                    </a:p>
+                  </a:txBody>
+                  <a:tcPr/>
+                </a:tc>
+                <a:tc>
+                  <a:txBody>
+                    <a:bodyPr/>
+                    <a:lstStyle/>
+                    <a:p>
+                      <a:pPr algn="ctr" latinLnBrk="1"/>
+                      <a:r>
+                        <a:rPr lang="ko-KR" altLang="en-US" sz="1400" dirty="0">
+                          <a:latin typeface="Noto Sans KR Medium" pitchFamily="34" charset="-127"/>
+                          <a:ea typeface="Noto Sans KR Medium" pitchFamily="34" charset="-127"/>
+                        </a:rPr>
+                        <a:t>플레이어 공격</a:t>
+                      </a:r>
+                      <a:r>
+                        <a:rPr lang="en-US" altLang="ko-KR" sz="1400" baseline="0" dirty="0">
+                          <a:latin typeface="Noto Sans KR Medium" pitchFamily="34" charset="-127"/>
+                          <a:ea typeface="Noto Sans KR Medium" pitchFamily="34" charset="-127"/>
+                        </a:rPr>
+                        <a:t>,</a:t>
+                      </a:r>
+                      <a:r>
+                        <a:rPr lang="ko-KR" altLang="en-US" sz="1400" baseline="0" dirty="0">
+                          <a:latin typeface="Noto Sans KR Medium" pitchFamily="34" charset="-127"/>
+                          <a:ea typeface="Noto Sans KR Medium" pitchFamily="34" charset="-127"/>
+                        </a:rPr>
+                        <a:t>스킬 </a:t>
+                      </a:r>
+                      <a:endParaRPr lang="en-US" altLang="ko-KR" sz="1400" baseline="0" dirty="0">
+                        <a:latin typeface="Noto Sans KR Medium" pitchFamily="34" charset="-127"/>
+                        <a:ea typeface="Noto Sans KR Medium" pitchFamily="34" charset="-127"/>
+                      </a:endParaRPr>
+                    </a:p>
+                    <a:p>
+                      <a:pPr algn="ctr" latinLnBrk="1"/>
+                      <a:r>
+                        <a:rPr lang="ko-KR" altLang="en-US" sz="1400" baseline="0" dirty="0">
+                          <a:latin typeface="Noto Sans KR Medium" pitchFamily="34" charset="-127"/>
+                          <a:ea typeface="Noto Sans KR Medium" pitchFamily="34" charset="-127"/>
+                        </a:rPr>
+                        <a:t>무게 발판 </a:t>
+                      </a:r>
+                      <a:endParaRPr lang="en-US" altLang="ko-KR" sz="1400" baseline="0" dirty="0">
+                        <a:latin typeface="Noto Sans KR Medium" pitchFamily="34" charset="-127"/>
+                        <a:ea typeface="Noto Sans KR Medium" pitchFamily="34" charset="-127"/>
+                      </a:endParaRPr>
+                    </a:p>
+                    <a:p>
+                      <a:pPr algn="ctr" latinLnBrk="1"/>
+                      <a:r>
+                        <a:rPr lang="ko-KR" altLang="en-US" sz="1400" dirty="0">
+                          <a:latin typeface="Noto Sans KR Medium" pitchFamily="34" charset="-127"/>
+                          <a:ea typeface="Noto Sans KR Medium" pitchFamily="34" charset="-127"/>
+                        </a:rPr>
+                        <a:t>속성 구슬 </a:t>
+                      </a:r>
+                    </a:p>
+                  </a:txBody>
+                  <a:tcPr/>
+                </a:tc>
+                <a:tc>
+                  <a:txBody>
+                    <a:bodyPr/>
+                    <a:lstStyle/>
+                    <a:p>
+                      <a:pPr algn="ctr" latinLnBrk="1"/>
+                      <a:r>
+                        <a:rPr lang="ko-KR" altLang="en-US" sz="1400" dirty="0">
+                          <a:latin typeface="Noto Sans KR Medium" pitchFamily="34" charset="-127"/>
+                          <a:ea typeface="Noto Sans KR Medium" pitchFamily="34" charset="-127"/>
+                        </a:rPr>
+                        <a:t>무게가 필요한 오브젝트에 </a:t>
+                      </a:r>
+                      <a:endParaRPr lang="en-US" altLang="ko-KR" sz="1400" dirty="0">
+                        <a:latin typeface="Noto Sans KR Medium" pitchFamily="34" charset="-127"/>
+                        <a:ea typeface="Noto Sans KR Medium" pitchFamily="34" charset="-127"/>
+                      </a:endParaRPr>
+                    </a:p>
+                    <a:p>
+                      <a:pPr algn="ctr" latinLnBrk="1"/>
+                      <a:r>
+                        <a:rPr lang="ko-KR" altLang="en-US" sz="1400" dirty="0">
+                          <a:latin typeface="Noto Sans KR Medium" pitchFamily="34" charset="-127"/>
+                          <a:ea typeface="Noto Sans KR Medium" pitchFamily="34" charset="-127"/>
+                        </a:rPr>
+                        <a:t>무게 </a:t>
+                      </a:r>
+                      <a:r>
+                        <a:rPr lang="ko-KR" altLang="en-US" sz="1400" dirty="0" err="1">
+                          <a:latin typeface="Noto Sans KR Medium" pitchFamily="34" charset="-127"/>
+                          <a:ea typeface="Noto Sans KR Medium" pitchFamily="34" charset="-127"/>
+                        </a:rPr>
+                        <a:t>스크립터블오브젝트</a:t>
+                      </a:r>
+                      <a:r>
+                        <a:rPr lang="ko-KR" altLang="en-US" sz="1400" dirty="0">
+                          <a:latin typeface="Noto Sans KR Medium" pitchFamily="34" charset="-127"/>
+                          <a:ea typeface="Noto Sans KR Medium" pitchFamily="34" charset="-127"/>
+                        </a:rPr>
+                        <a:t> </a:t>
+                      </a:r>
+                      <a:endParaRPr lang="en-US" altLang="ko-KR" sz="1400" dirty="0">
+                        <a:latin typeface="Noto Sans KR Medium" pitchFamily="34" charset="-127"/>
+                        <a:ea typeface="Noto Sans KR Medium" pitchFamily="34" charset="-127"/>
+                      </a:endParaRPr>
+                    </a:p>
+                    <a:p>
+                      <a:pPr algn="ctr" latinLnBrk="1"/>
+                      <a:r>
+                        <a:rPr lang="ko-KR" altLang="en-US" sz="1400" dirty="0">
+                          <a:latin typeface="Noto Sans KR Medium" pitchFamily="34" charset="-127"/>
+                          <a:ea typeface="Noto Sans KR Medium" pitchFamily="34" charset="-127"/>
+                        </a:rPr>
+                        <a:t>추가</a:t>
+                      </a:r>
+                    </a:p>
+                  </a:txBody>
+                  <a:tcPr/>
+                </a:tc>
+                <a:extLst>
+                  <a:ext uri="{0D108BD9-81ED-4DB2-BD59-A6C34878D82A}">
+                    <a16:rowId xmlns="" xmlns:a16="http://schemas.microsoft.com/office/drawing/2014/main" val="10003"/>
+                  </a:ext>
+                </a:extLst>
+              </a:tr>
+              <a:tr h="693844">
+                <a:tc>
+                  <a:txBody>
+                    <a:bodyPr/>
+                    <a:lstStyle/>
+                    <a:p>
+                      <a:pPr algn="ctr" latinLnBrk="1"/>
+                      <a:r>
+                        <a:rPr lang="en-US" altLang="ko-KR" sz="1400" dirty="0">
+                          <a:latin typeface="Noto Sans KR Medium" pitchFamily="34" charset="-127"/>
+                          <a:ea typeface="Noto Sans KR Medium" pitchFamily="34" charset="-127"/>
+                        </a:rPr>
+                        <a:t>11-05</a:t>
+                      </a:r>
+                      <a:endParaRPr lang="ko-KR" altLang="en-US" sz="1400" dirty="0">
+                        <a:latin typeface="Noto Sans KR Medium" pitchFamily="34" charset="-127"/>
+                        <a:ea typeface="Noto Sans KR Medium" pitchFamily="34" charset="-127"/>
+                      </a:endParaRPr>
+                    </a:p>
+                  </a:txBody>
+                  <a:tcPr/>
+                </a:tc>
+                <a:tc>
+                  <a:txBody>
+                    <a:bodyPr/>
+                    <a:lstStyle/>
+                    <a:p>
+                      <a:pPr algn="ctr" latinLnBrk="1"/>
+                      <a:r>
+                        <a:rPr lang="ko-KR" altLang="en-US" sz="1400" dirty="0">
+                          <a:latin typeface="Noto Sans KR Medium" pitchFamily="34" charset="-127"/>
+                          <a:ea typeface="Noto Sans KR Medium" pitchFamily="34" charset="-127"/>
+                        </a:rPr>
+                        <a:t>횃불</a:t>
+                      </a:r>
+                      <a:endParaRPr lang="en-US" altLang="ko-KR" sz="1400" baseline="0" dirty="0">
+                        <a:latin typeface="Noto Sans KR Medium" pitchFamily="34" charset="-127"/>
+                        <a:ea typeface="Noto Sans KR Medium" pitchFamily="34" charset="-127"/>
+                      </a:endParaRPr>
+                    </a:p>
+                    <a:p>
+                      <a:pPr algn="ctr" latinLnBrk="1"/>
+                      <a:r>
+                        <a:rPr lang="ko-KR" altLang="en-US" sz="1400" baseline="0" dirty="0">
+                          <a:latin typeface="Noto Sans KR Medium" pitchFamily="34" charset="-127"/>
+                          <a:ea typeface="Noto Sans KR Medium" pitchFamily="34" charset="-127"/>
+                        </a:rPr>
+                        <a:t>레버 제작</a:t>
+                      </a:r>
+                      <a:endParaRPr lang="en-US" altLang="ko-KR" sz="1400" baseline="0" dirty="0">
+                        <a:latin typeface="Noto Sans KR Medium" pitchFamily="34" charset="-127"/>
+                        <a:ea typeface="Noto Sans KR Medium" pitchFamily="34" charset="-127"/>
+                      </a:endParaRPr>
+                    </a:p>
+                    <a:p>
+                      <a:pPr algn="ctr" latinLnBrk="1"/>
+                      <a:r>
+                        <a:rPr lang="ko-KR" altLang="en-US" sz="1400" baseline="0" dirty="0" err="1">
+                          <a:latin typeface="Noto Sans KR Medium" pitchFamily="34" charset="-127"/>
+                          <a:ea typeface="Noto Sans KR Medium" pitchFamily="34" charset="-127"/>
+                        </a:rPr>
+                        <a:t>윈드스톤</a:t>
+                      </a:r>
+                      <a:r>
+                        <a:rPr lang="ko-KR" altLang="en-US" sz="1400" baseline="0" dirty="0">
+                          <a:latin typeface="Noto Sans KR Medium" pitchFamily="34" charset="-127"/>
+                          <a:ea typeface="Noto Sans KR Medium" pitchFamily="34" charset="-127"/>
+                        </a:rPr>
+                        <a:t> </a:t>
+                      </a:r>
+                      <a:endParaRPr lang="en-US" altLang="ko-KR" sz="1400" baseline="0" dirty="0">
+                        <a:latin typeface="Noto Sans KR Medium" pitchFamily="34" charset="-127"/>
+                        <a:ea typeface="Noto Sans KR Medium" pitchFamily="34" charset="-127"/>
+                      </a:endParaRPr>
+                    </a:p>
+                  </a:txBody>
+                  <a:tcPr/>
+                </a:tc>
+                <a:tc>
+                  <a:txBody>
+                    <a:bodyPr/>
+                    <a:lstStyle/>
+                    <a:p>
+                      <a:pPr algn="ctr" latinLnBrk="1"/>
+                      <a:r>
+                        <a:rPr lang="ko-KR" altLang="en-US" sz="1400" dirty="0">
+                          <a:latin typeface="Noto Sans KR Medium" pitchFamily="34" charset="-127"/>
+                          <a:ea typeface="Noto Sans KR Medium" pitchFamily="34" charset="-127"/>
+                        </a:rPr>
+                        <a:t>횃불 </a:t>
+                      </a:r>
+                      <a:r>
+                        <a:rPr lang="en-US" altLang="ko-KR" sz="1400">
+                          <a:latin typeface="Noto Sans KR Medium" pitchFamily="34" charset="-127"/>
+                          <a:ea typeface="Noto Sans KR Medium" pitchFamily="34" charset="-127"/>
+                        </a:rPr>
+                        <a:t>2D</a:t>
+                      </a:r>
+                      <a:r>
+                        <a:rPr lang="en-US" altLang="ko-KR" sz="1400" baseline="0">
+                          <a:latin typeface="Noto Sans KR Medium" pitchFamily="34" charset="-127"/>
+                          <a:ea typeface="Noto Sans KR Medium" pitchFamily="34" charset="-127"/>
+                        </a:rPr>
+                        <a:t> Light</a:t>
+                      </a:r>
+                      <a:endParaRPr lang="ko-KR" altLang="en-US" sz="1400" dirty="0">
+                        <a:latin typeface="Noto Sans KR Medium" pitchFamily="34" charset="-127"/>
+                        <a:ea typeface="Noto Sans KR Medium" pitchFamily="34" charset="-127"/>
+                      </a:endParaRPr>
+                    </a:p>
+                  </a:txBody>
+                  <a:tcPr/>
+                </a:tc>
+                <a:extLst>
+                  <a:ext uri="{0D108BD9-81ED-4DB2-BD59-A6C34878D82A}">
+                    <a16:rowId xmlns="" xmlns:a16="http://schemas.microsoft.com/office/drawing/2014/main" val="10004"/>
+                  </a:ext>
+                </a:extLst>
+              </a:tr>
+              <a:tr h="693844">
+                <a:tc>
+                  <a:txBody>
+                    <a:bodyPr/>
+                    <a:lstStyle/>
+                    <a:p>
+                      <a:pPr algn="ctr" latinLnBrk="1"/>
+                      <a:r>
+                        <a:rPr lang="en-US" altLang="ko-KR" sz="1400" dirty="0">
+                          <a:latin typeface="Noto Sans KR Medium" pitchFamily="34" charset="-127"/>
+                          <a:ea typeface="Noto Sans KR Medium" pitchFamily="34" charset="-127"/>
+                        </a:rPr>
+                        <a:t>11-06</a:t>
+                      </a:r>
+                      <a:endParaRPr lang="ko-KR" altLang="en-US" sz="1400" dirty="0">
+                        <a:latin typeface="Noto Sans KR Medium" pitchFamily="34" charset="-127"/>
+                        <a:ea typeface="Noto Sans KR Medium" pitchFamily="34" charset="-127"/>
+                      </a:endParaRPr>
+                    </a:p>
+                  </a:txBody>
+                  <a:tcPr/>
+                </a:tc>
+                <a:tc>
+                  <a:txBody>
+                    <a:bodyPr/>
+                    <a:lstStyle/>
+                    <a:p>
+                      <a:pPr algn="ctr" latinLnBrk="1"/>
+                      <a:r>
+                        <a:rPr lang="ko-KR" altLang="en-US" sz="1400" dirty="0">
+                          <a:latin typeface="Noto Sans KR Medium" pitchFamily="34" charset="-127"/>
+                          <a:ea typeface="Noto Sans KR Medium" pitchFamily="34" charset="-127"/>
+                        </a:rPr>
+                        <a:t>스테이지</a:t>
+                      </a:r>
+                      <a:r>
+                        <a:rPr lang="en-US" altLang="ko-KR" sz="1400" dirty="0">
+                          <a:latin typeface="Noto Sans KR Medium" pitchFamily="34" charset="-127"/>
+                          <a:ea typeface="Noto Sans KR Medium" pitchFamily="34" charset="-127"/>
+                        </a:rPr>
+                        <a:t>1</a:t>
+                      </a:r>
+                      <a:r>
+                        <a:rPr lang="en-US" altLang="ko-KR" sz="1400" baseline="0" dirty="0">
+                          <a:latin typeface="Noto Sans KR Medium" pitchFamily="34" charset="-127"/>
+                          <a:ea typeface="Noto Sans KR Medium" pitchFamily="34" charset="-127"/>
+                        </a:rPr>
+                        <a:t> </a:t>
+                      </a:r>
+                      <a:r>
+                        <a:rPr lang="ko-KR" altLang="en-US" sz="1400" baseline="0" dirty="0">
+                          <a:latin typeface="Noto Sans KR Medium" pitchFamily="34" charset="-127"/>
+                          <a:ea typeface="Noto Sans KR Medium" pitchFamily="34" charset="-127"/>
+                        </a:rPr>
+                        <a:t>구현</a:t>
+                      </a:r>
+                      <a:endParaRPr lang="en-US" altLang="ko-KR" sz="1400" baseline="0" dirty="0">
+                        <a:latin typeface="Noto Sans KR Medium" pitchFamily="34" charset="-127"/>
+                        <a:ea typeface="Noto Sans KR Medium" pitchFamily="34" charset="-127"/>
+                      </a:endParaRPr>
+                    </a:p>
+                    <a:p>
+                      <a:pPr algn="ctr" latinLnBrk="1"/>
+                      <a:r>
+                        <a:rPr lang="ko-KR" altLang="en-US" sz="1400" baseline="0" dirty="0">
+                          <a:latin typeface="Noto Sans KR Medium" pitchFamily="34" charset="-127"/>
+                          <a:ea typeface="Noto Sans KR Medium" pitchFamily="34" charset="-127"/>
+                        </a:rPr>
+                        <a:t>스테이지</a:t>
+                      </a:r>
+                      <a:r>
+                        <a:rPr lang="en-US" altLang="ko-KR" sz="1400" baseline="0" dirty="0">
+                          <a:latin typeface="Noto Sans KR Medium" pitchFamily="34" charset="-127"/>
+                          <a:ea typeface="Noto Sans KR Medium" pitchFamily="34" charset="-127"/>
+                        </a:rPr>
+                        <a:t>2 </a:t>
+                      </a:r>
+                    </a:p>
+                    <a:p>
+                      <a:pPr algn="ctr" latinLnBrk="1"/>
+                      <a:endParaRPr lang="ko-KR" altLang="en-US" sz="1400" dirty="0">
+                        <a:latin typeface="Noto Sans KR Medium" pitchFamily="34" charset="-127"/>
+                        <a:ea typeface="Noto Sans KR Medium" pitchFamily="34" charset="-127"/>
+                      </a:endParaRPr>
+                    </a:p>
+                  </a:txBody>
+                  <a:tcPr/>
+                </a:tc>
+                <a:tc>
+                  <a:txBody>
+                    <a:bodyPr/>
+                    <a:lstStyle/>
+                    <a:p>
+                      <a:pPr algn="ctr" latinLnBrk="1"/>
+                      <a:r>
+                        <a:rPr lang="ko-KR" altLang="en-US" sz="1400" dirty="0">
+                          <a:latin typeface="Noto Sans KR Medium" pitchFamily="34" charset="-127"/>
+                          <a:ea typeface="Noto Sans KR Medium" pitchFamily="34" charset="-127"/>
+                        </a:rPr>
+                        <a:t>타임라인</a:t>
+                      </a:r>
+                      <a:r>
+                        <a:rPr lang="ko-KR" altLang="en-US" sz="1400" baseline="0" dirty="0">
+                          <a:latin typeface="Noto Sans KR Medium" pitchFamily="34" charset="-127"/>
+                          <a:ea typeface="Noto Sans KR Medium" pitchFamily="34" charset="-127"/>
+                        </a:rPr>
+                        <a:t> 스테이지</a:t>
+                      </a:r>
+                      <a:r>
+                        <a:rPr lang="en-US" altLang="ko-KR" sz="1400" baseline="0" dirty="0">
+                          <a:latin typeface="Noto Sans KR Medium" pitchFamily="34" charset="-127"/>
+                          <a:ea typeface="Noto Sans KR Medium" pitchFamily="34" charset="-127"/>
+                        </a:rPr>
+                        <a:t>2 </a:t>
+                      </a:r>
+                      <a:r>
+                        <a:rPr lang="ko-KR" altLang="en-US" sz="1400" baseline="0" err="1">
+                          <a:latin typeface="Noto Sans KR Medium" pitchFamily="34" charset="-127"/>
+                          <a:ea typeface="Noto Sans KR Medium" pitchFamily="34" charset="-127"/>
+                        </a:rPr>
+                        <a:t>컷씬</a:t>
+                      </a:r>
+                      <a:r>
+                        <a:rPr lang="ko-KR" altLang="en-US" sz="1400" baseline="0">
+                          <a:latin typeface="Noto Sans KR Medium" pitchFamily="34" charset="-127"/>
+                          <a:ea typeface="Noto Sans KR Medium" pitchFamily="34" charset="-127"/>
+                        </a:rPr>
+                        <a:t> 작업</a:t>
+                      </a:r>
+                      <a:endParaRPr lang="ko-KR" altLang="en-US" sz="1400" dirty="0">
+                        <a:latin typeface="Noto Sans KR Medium" pitchFamily="34" charset="-127"/>
+                        <a:ea typeface="Noto Sans KR Medium" pitchFamily="34" charset="-127"/>
+                      </a:endParaRPr>
+                    </a:p>
+                  </a:txBody>
+                  <a:tcPr/>
+                </a:tc>
+                <a:extLst>
+                  <a:ext uri="{0D108BD9-81ED-4DB2-BD59-A6C34878D82A}">
+                    <a16:rowId xmlns="" xmlns:a16="http://schemas.microsoft.com/office/drawing/2014/main" val="10005"/>
+                  </a:ext>
+                </a:extLst>
+              </a:tr>
+              <a:tr h="693844">
+                <a:tc>
+                  <a:txBody>
+                    <a:bodyPr/>
+                    <a:lstStyle/>
+                    <a:p>
+                      <a:pPr algn="ctr" latinLnBrk="1"/>
+                      <a:r>
+                        <a:rPr lang="en-US" altLang="ko-KR" sz="1400" dirty="0">
+                          <a:latin typeface="Noto Sans KR Medium" pitchFamily="34" charset="-127"/>
+                          <a:ea typeface="Noto Sans KR Medium" pitchFamily="34" charset="-127"/>
+                        </a:rPr>
+                        <a:t>11-07</a:t>
+                      </a:r>
+                      <a:endParaRPr lang="ko-KR" altLang="en-US" sz="1400" dirty="0">
+                        <a:latin typeface="Noto Sans KR Medium" pitchFamily="34" charset="-127"/>
+                        <a:ea typeface="Noto Sans KR Medium" pitchFamily="34" charset="-127"/>
+                      </a:endParaRPr>
+                    </a:p>
+                  </a:txBody>
+                  <a:tcPr/>
+                </a:tc>
+                <a:tc>
+                  <a:txBody>
+                    <a:bodyPr/>
+                    <a:lstStyle/>
+                    <a:p>
+                      <a:pPr algn="ctr" latinLnBrk="1"/>
+                      <a:r>
+                        <a:rPr lang="en-US" altLang="ko-KR" sz="1400" dirty="0">
+                          <a:latin typeface="Noto Sans KR Medium" pitchFamily="34" charset="-127"/>
+                          <a:ea typeface="Noto Sans KR Medium" pitchFamily="34" charset="-127"/>
+                        </a:rPr>
+                        <a:t>X</a:t>
+                      </a:r>
+                      <a:endParaRPr lang="ko-KR" altLang="en-US" sz="1400" dirty="0">
+                        <a:latin typeface="Noto Sans KR Medium" pitchFamily="34" charset="-127"/>
+                        <a:ea typeface="Noto Sans KR Medium" pitchFamily="34" charset="-127"/>
+                      </a:endParaRPr>
+                    </a:p>
+                  </a:txBody>
+                  <a:tcPr/>
+                </a:tc>
+                <a:tc>
+                  <a:txBody>
+                    <a:bodyPr/>
+                    <a:lstStyle/>
+                    <a:p>
+                      <a:pPr algn="ctr" latinLnBrk="1"/>
+                      <a:r>
+                        <a:rPr lang="en-US" altLang="ko-KR" sz="1400" dirty="0">
+                          <a:latin typeface="Noto Sans KR Medium" pitchFamily="34" charset="-127"/>
+                          <a:ea typeface="Noto Sans KR Medium" pitchFamily="34" charset="-127"/>
+                        </a:rPr>
+                        <a:t>X</a:t>
+                      </a:r>
+                      <a:endParaRPr lang="ko-KR" altLang="en-US" sz="1400" dirty="0">
+                        <a:latin typeface="Noto Sans KR Medium" pitchFamily="34" charset="-127"/>
+                        <a:ea typeface="Noto Sans KR Medium" pitchFamily="34" charset="-127"/>
+                      </a:endParaRPr>
+                    </a:p>
+                  </a:txBody>
+                  <a:tcPr/>
+                </a:tc>
+                <a:extLst>
+                  <a:ext uri="{0D108BD9-81ED-4DB2-BD59-A6C34878D82A}">
+                    <a16:rowId xmlns="" xmlns:a16="http://schemas.microsoft.com/office/drawing/2014/main" val="10006"/>
+                  </a:ext>
+                </a:extLst>
+              </a:tr>
+            </a:tbl>
+          </a:graphicData>
+        </a:graphic>
+      </p:graphicFrame>
+    </p:spTree>
+    <p:extLst>
+      <p:ext uri="{BB962C8B-B14F-4D97-AF65-F5344CB8AC3E}">
+        <p14:creationId xmlns:p14="http://schemas.microsoft.com/office/powerpoint/2010/main" val="1783695213"/>
+      </p:ext>
+    </p:extLst>
+  </p:cSld>
+  <p:clrMapOvr>
+    <a:masterClrMapping/>
+  </p:clrMapOvr>
+</p:sld>
+</file>
+
+<file path=ppt/slides/slide14.xml><?xml version="1.0" encoding="utf-8"?>
+<p:sld xmlns:a="http://schemas.openxmlformats.org/drawingml/2006/main" xmlns:r="http://schemas.openxmlformats.org/officeDocument/2006/relationships" xmlns:p="http://schemas.openxmlformats.org/presentationml/2006/main">
+  <p:cSld>
+    <p:spTree>
+      <p:nvGrpSpPr>
+        <p:cNvPr id="1" name=""/>
+        <p:cNvGrpSpPr/>
+        <p:nvPr/>
+      </p:nvGrpSpPr>
+      <p:grpSpPr>
+        <a:xfrm>
+          <a:off x="0" y="0"/>
+          <a:ext cx="0" cy="0"/>
+          <a:chOff x="0" y="0"/>
+          <a:chExt cx="0" cy="0"/>
+        </a:xfrm>
+      </p:grpSpPr>
+      <p:sp>
+        <p:nvSpPr>
+          <p:cNvPr id="2" name="제목 1"/>
+          <p:cNvSpPr>
+            <a:spLocks noGrp="1"/>
+          </p:cNvSpPr>
+          <p:nvPr>
+            <p:ph type="title"/>
+          </p:nvPr>
+        </p:nvSpPr>
+        <p:spPr/>
+        <p:txBody>
+          <a:bodyPr/>
+          <a:lstStyle/>
+          <a:p>
+            <a:r>
+              <a:rPr lang="ko-KR" altLang="en-US" dirty="0">
+                <a:latin typeface="Noto Sans KR Medium" pitchFamily="34" charset="-127"/>
+                <a:ea typeface="Noto Sans KR Medium" pitchFamily="34" charset="-127"/>
+              </a:rPr>
+              <a:t>개발 단계 </a:t>
+            </a:r>
+            <a:r>
+              <a:rPr lang="en-US" altLang="ko-KR" dirty="0">
+                <a:latin typeface="Noto Sans KR Medium" pitchFamily="34" charset="-127"/>
+                <a:ea typeface="Noto Sans KR Medium" pitchFamily="34" charset="-127"/>
+              </a:rPr>
+              <a:t>(2</a:t>
+            </a:r>
+            <a:r>
+              <a:rPr lang="ko-KR" altLang="en-US" dirty="0">
+                <a:latin typeface="Noto Sans KR Medium" pitchFamily="34" charset="-127"/>
+                <a:ea typeface="Noto Sans KR Medium" pitchFamily="34" charset="-127"/>
+              </a:rPr>
+              <a:t>주차</a:t>
+            </a:r>
+            <a:r>
+              <a:rPr lang="en-US" altLang="ko-KR" dirty="0">
+                <a:latin typeface="Noto Sans KR Medium" pitchFamily="34" charset="-127"/>
+                <a:ea typeface="Noto Sans KR Medium" pitchFamily="34" charset="-127"/>
+              </a:rPr>
+              <a:t>)</a:t>
+            </a:r>
+            <a:endParaRPr lang="ko-KR" altLang="en-US" dirty="0">
+              <a:latin typeface="Noto Sans KR Medium" pitchFamily="34" charset="-127"/>
+              <a:ea typeface="Noto Sans KR Medium" pitchFamily="34" charset="-127"/>
+            </a:endParaRPr>
+          </a:p>
+        </p:txBody>
+      </p:sp>
+      <p:sp>
+        <p:nvSpPr>
+          <p:cNvPr id="3" name="내용 개체 틀 2"/>
+          <p:cNvSpPr>
+            <a:spLocks noGrp="1"/>
+          </p:cNvSpPr>
+          <p:nvPr>
+            <p:ph idx="1"/>
+          </p:nvPr>
+        </p:nvSpPr>
+        <p:spPr/>
+        <p:txBody>
+          <a:bodyPr/>
+          <a:lstStyle/>
+          <a:p>
+            <a:pPr marL="0" indent="0">
+              <a:buNone/>
+            </a:pPr>
+            <a:endParaRPr lang="en-US" altLang="ko-KR" dirty="0">
+              <a:latin typeface="Noto Sans KR Medium" pitchFamily="34" charset="-127"/>
+              <a:ea typeface="Noto Sans KR Medium" pitchFamily="34" charset="-127"/>
+            </a:endParaRPr>
+          </a:p>
+          <a:p>
+            <a:pPr marL="0" indent="0">
+              <a:buNone/>
+            </a:pPr>
+            <a:endParaRPr lang="ko-KR" altLang="en-US" dirty="0">
+              <a:latin typeface="Noto Sans KR Medium" pitchFamily="34" charset="-127"/>
+              <a:ea typeface="Noto Sans KR Medium" pitchFamily="34" charset="-127"/>
+            </a:endParaRPr>
+          </a:p>
+        </p:txBody>
+      </p:sp>
+      <p:graphicFrame>
+        <p:nvGraphicFramePr>
+          <p:cNvPr id="4" name="표 3"/>
+          <p:cNvGraphicFramePr>
+            <a:graphicFrameLocks noGrp="1"/>
+          </p:cNvGraphicFramePr>
+          <p:nvPr>
+            <p:extLst>
+              <p:ext uri="{D42A27DB-BD31-4B8C-83A1-F6EECF244321}">
+                <p14:modId xmlns:p14="http://schemas.microsoft.com/office/powerpoint/2010/main" val="1224699567"/>
+              </p:ext>
+            </p:extLst>
+          </p:nvPr>
+        </p:nvGraphicFramePr>
+        <p:xfrm>
+          <a:off x="971600" y="1412776"/>
+          <a:ext cx="7152456" cy="5184576"/>
+        </p:xfrm>
+        <a:graphic>
+          <a:graphicData uri="http://schemas.openxmlformats.org/drawingml/2006/table">
+            <a:tbl>
+              <a:tblPr firstRow="1" bandRow="1">
+                <a:tableStyleId>{5C22544A-7EE6-4342-B048-85BDC9FD1C3A}</a:tableStyleId>
+              </a:tblPr>
+              <a:tblGrid>
+                <a:gridCol w="2384152">
+                  <a:extLst>
+                    <a:ext uri="{9D8B030D-6E8A-4147-A177-3AD203B41FA5}">
+                      <a16:colId xmlns="" xmlns:a16="http://schemas.microsoft.com/office/drawing/2014/main" val="20000"/>
+                    </a:ext>
+                  </a:extLst>
+                </a:gridCol>
+                <a:gridCol w="2384152">
+                  <a:extLst>
+                    <a:ext uri="{9D8B030D-6E8A-4147-A177-3AD203B41FA5}">
+                      <a16:colId xmlns="" xmlns:a16="http://schemas.microsoft.com/office/drawing/2014/main" val="20001"/>
+                    </a:ext>
+                  </a:extLst>
+                </a:gridCol>
+                <a:gridCol w="2384152">
+                  <a:extLst>
+                    <a:ext uri="{9D8B030D-6E8A-4147-A177-3AD203B41FA5}">
+                      <a16:colId xmlns="" xmlns:a16="http://schemas.microsoft.com/office/drawing/2014/main" val="20002"/>
+                    </a:ext>
+                  </a:extLst>
+                </a:gridCol>
+              </a:tblGrid>
+              <a:tr h="678068">
+                <a:tc>
+                  <a:txBody>
+                    <a:bodyPr/>
+                    <a:lstStyle/>
+                    <a:p>
+                      <a:pPr algn="ctr" latinLnBrk="1"/>
+                      <a:r>
+                        <a:rPr lang="ko-KR" altLang="en-US" sz="2800" dirty="0">
+                          <a:latin typeface="Noto Sans KR Bold" pitchFamily="34" charset="-127"/>
+                          <a:ea typeface="Noto Sans KR Bold" pitchFamily="34" charset="-127"/>
+                        </a:rPr>
+                        <a:t>날짜</a:t>
+                      </a:r>
+                    </a:p>
+                  </a:txBody>
+                  <a:tcPr/>
+                </a:tc>
+                <a:tc>
+                  <a:txBody>
+                    <a:bodyPr/>
+                    <a:lstStyle/>
+                    <a:p>
+                      <a:pPr algn="ctr" latinLnBrk="1"/>
+                      <a:r>
+                        <a:rPr lang="ko-KR" altLang="en-US" sz="2800" dirty="0">
+                          <a:latin typeface="Noto Sans KR Bold" pitchFamily="34" charset="-127"/>
+                          <a:ea typeface="Noto Sans KR Bold" pitchFamily="34" charset="-127"/>
+                        </a:rPr>
+                        <a:t>진행 내용</a:t>
+                      </a:r>
+                    </a:p>
+                  </a:txBody>
+                  <a:tcPr/>
+                </a:tc>
+                <a:tc>
+                  <a:txBody>
+                    <a:bodyPr/>
+                    <a:lstStyle/>
+                    <a:p>
+                      <a:pPr algn="ctr" latinLnBrk="1"/>
+                      <a:r>
+                        <a:rPr lang="ko-KR" altLang="en-US" sz="2800" dirty="0">
+                          <a:latin typeface="Noto Sans KR Bold" pitchFamily="34" charset="-127"/>
+                          <a:ea typeface="Noto Sans KR Bold" pitchFamily="34" charset="-127"/>
+                        </a:rPr>
+                        <a:t>비고</a:t>
+                      </a:r>
+                    </a:p>
+                  </a:txBody>
+                  <a:tcPr/>
+                </a:tc>
+                <a:extLst>
+                  <a:ext uri="{0D108BD9-81ED-4DB2-BD59-A6C34878D82A}">
+                    <a16:rowId xmlns="" xmlns:a16="http://schemas.microsoft.com/office/drawing/2014/main" val="10000"/>
+                  </a:ext>
+                </a:extLst>
+              </a:tr>
+              <a:tr h="712819">
+                <a:tc>
+                  <a:txBody>
+                    <a:bodyPr/>
+                    <a:lstStyle/>
+                    <a:p>
+                      <a:pPr algn="ctr" latinLnBrk="1"/>
+                      <a:r>
+                        <a:rPr lang="en-US" altLang="ko-KR" sz="1400" dirty="0">
+                          <a:latin typeface="Noto Sans KR Medium" pitchFamily="34" charset="-127"/>
+                          <a:ea typeface="Noto Sans KR Medium" pitchFamily="34" charset="-127"/>
+                        </a:rPr>
+                        <a:t>11-09</a:t>
+                      </a:r>
+                      <a:endParaRPr lang="ko-KR" altLang="en-US" sz="1400" dirty="0">
+                        <a:latin typeface="Noto Sans KR Medium" pitchFamily="34" charset="-127"/>
+                        <a:ea typeface="Noto Sans KR Medium" pitchFamily="34" charset="-127"/>
+                      </a:endParaRPr>
+                    </a:p>
+                  </a:txBody>
+                  <a:tcPr/>
+                </a:tc>
+                <a:tc>
+                  <a:txBody>
+                    <a:bodyPr/>
+                    <a:lstStyle/>
+                    <a:p>
+                      <a:pPr algn="ctr" latinLnBrk="1"/>
+                      <a:r>
+                        <a:rPr lang="ko-KR" altLang="en-US" sz="1400" dirty="0" err="1">
+                          <a:latin typeface="Noto Sans KR Medium" pitchFamily="34" charset="-127"/>
+                          <a:ea typeface="Noto Sans KR Medium" pitchFamily="34" charset="-127"/>
+                        </a:rPr>
+                        <a:t>튜토리얼</a:t>
+                      </a:r>
+                      <a:endParaRPr lang="en-US" altLang="ko-KR" sz="1400" dirty="0">
+                        <a:latin typeface="Noto Sans KR Medium" pitchFamily="34" charset="-127"/>
+                        <a:ea typeface="Noto Sans KR Medium" pitchFamily="34" charset="-127"/>
+                      </a:endParaRPr>
+                    </a:p>
+                    <a:p>
+                      <a:pPr algn="ctr" latinLnBrk="1"/>
+                      <a:r>
+                        <a:rPr lang="ko-KR" altLang="en-US" sz="1400" dirty="0">
+                          <a:latin typeface="Noto Sans KR Medium" pitchFamily="34" charset="-127"/>
+                          <a:ea typeface="Noto Sans KR Medium" pitchFamily="34" charset="-127"/>
+                        </a:rPr>
+                        <a:t>스토리</a:t>
+                      </a:r>
+                      <a:r>
+                        <a:rPr lang="en-US" altLang="ko-KR" sz="1400" dirty="0">
+                          <a:latin typeface="Noto Sans KR Medium" pitchFamily="34" charset="-127"/>
+                          <a:ea typeface="Noto Sans KR Medium" pitchFamily="34" charset="-127"/>
+                        </a:rPr>
+                        <a:t>1</a:t>
+                      </a:r>
+                      <a:endParaRPr lang="ko-KR" altLang="en-US" sz="1400" dirty="0">
+                        <a:latin typeface="Noto Sans KR Medium" pitchFamily="34" charset="-127"/>
+                        <a:ea typeface="Noto Sans KR Medium" pitchFamily="34" charset="-127"/>
+                      </a:endParaRPr>
+                    </a:p>
+                  </a:txBody>
+                  <a:tcPr/>
+                </a:tc>
+                <a:tc>
+                  <a:txBody>
+                    <a:bodyPr/>
+                    <a:lstStyle/>
+                    <a:p>
+                      <a:pPr algn="ctr" latinLnBrk="1"/>
+                      <a:endParaRPr lang="ko-KR" altLang="en-US" sz="1400" dirty="0">
+                        <a:latin typeface="Noto Sans KR Medium" pitchFamily="34" charset="-127"/>
+                        <a:ea typeface="Noto Sans KR Medium" pitchFamily="34" charset="-127"/>
+                      </a:endParaRPr>
+                    </a:p>
+                  </a:txBody>
+                  <a:tcPr/>
+                </a:tc>
+                <a:extLst>
+                  <a:ext uri="{0D108BD9-81ED-4DB2-BD59-A6C34878D82A}">
+                    <a16:rowId xmlns="" xmlns:a16="http://schemas.microsoft.com/office/drawing/2014/main" val="10001"/>
+                  </a:ext>
+                </a:extLst>
+              </a:tr>
+              <a:tr h="1018313">
+                <a:tc>
+                  <a:txBody>
+                    <a:bodyPr/>
+                    <a:lstStyle/>
+                    <a:p>
+                      <a:pPr algn="ctr" latinLnBrk="1"/>
+                      <a:r>
+                        <a:rPr lang="en-US" altLang="ko-KR" sz="1400" dirty="0">
+                          <a:latin typeface="Noto Sans KR Medium" pitchFamily="34" charset="-127"/>
+                          <a:ea typeface="Noto Sans KR Medium" pitchFamily="34" charset="-127"/>
+                        </a:rPr>
+                        <a:t>11-10</a:t>
+                      </a:r>
+                      <a:endParaRPr lang="ko-KR" altLang="en-US" sz="1400" dirty="0">
+                        <a:latin typeface="Noto Sans KR Medium" pitchFamily="34" charset="-127"/>
+                        <a:ea typeface="Noto Sans KR Medium" pitchFamily="34" charset="-127"/>
+                      </a:endParaRPr>
+                    </a:p>
+                  </a:txBody>
+                  <a:tcPr/>
+                </a:tc>
+                <a:tc>
+                  <a:txBody>
+                    <a:bodyPr/>
+                    <a:lstStyle/>
+                    <a:p>
+                      <a:pPr algn="ctr" latinLnBrk="1"/>
+                      <a:r>
+                        <a:rPr lang="ko-KR" altLang="en-US" sz="1400" baseline="0" dirty="0">
+                          <a:latin typeface="Noto Sans KR Medium" pitchFamily="34" charset="-127"/>
+                          <a:ea typeface="Noto Sans KR Medium" pitchFamily="34" charset="-127"/>
+                        </a:rPr>
+                        <a:t>스테이지</a:t>
+                      </a:r>
+                      <a:r>
+                        <a:rPr lang="en-US" altLang="ko-KR" sz="1400" baseline="0" dirty="0">
+                          <a:latin typeface="Noto Sans KR Medium" pitchFamily="34" charset="-127"/>
+                          <a:ea typeface="Noto Sans KR Medium" pitchFamily="34" charset="-127"/>
+                        </a:rPr>
+                        <a:t>1-1</a:t>
+                      </a:r>
+                    </a:p>
+                    <a:p>
+                      <a:pPr algn="ctr" latinLnBrk="1"/>
+                      <a:r>
+                        <a:rPr lang="ko-KR" altLang="en-US" sz="1400" baseline="0" dirty="0">
+                          <a:latin typeface="Noto Sans KR Medium" pitchFamily="34" charset="-127"/>
+                          <a:ea typeface="Noto Sans KR Medium" pitchFamily="34" charset="-127"/>
+                        </a:rPr>
+                        <a:t>스테이지</a:t>
+                      </a:r>
+                      <a:r>
+                        <a:rPr lang="en-US" altLang="ko-KR" sz="1400" baseline="0" dirty="0">
+                          <a:latin typeface="Noto Sans KR Medium" pitchFamily="34" charset="-127"/>
+                          <a:ea typeface="Noto Sans KR Medium" pitchFamily="34" charset="-127"/>
+                        </a:rPr>
+                        <a:t>1-3</a:t>
+                      </a:r>
+                    </a:p>
+                    <a:p>
+                      <a:pPr algn="ctr" latinLnBrk="1"/>
+                      <a:r>
+                        <a:rPr lang="ko-KR" altLang="en-US" sz="1400" baseline="0" dirty="0">
+                          <a:latin typeface="Noto Sans KR Medium" pitchFamily="34" charset="-127"/>
+                          <a:ea typeface="Noto Sans KR Medium" pitchFamily="34" charset="-127"/>
+                        </a:rPr>
+                        <a:t>스테이지</a:t>
+                      </a:r>
+                      <a:r>
+                        <a:rPr lang="en-US" altLang="ko-KR" sz="1400" baseline="0" dirty="0">
+                          <a:latin typeface="Noto Sans KR Medium" pitchFamily="34" charset="-127"/>
+                          <a:ea typeface="Noto Sans KR Medium" pitchFamily="34" charset="-127"/>
+                        </a:rPr>
+                        <a:t>1-2</a:t>
+                      </a:r>
+                      <a:r>
+                        <a:rPr lang="ko-KR" altLang="en-US" sz="1400" baseline="0" dirty="0">
+                          <a:latin typeface="Noto Sans KR Medium" pitchFamily="34" charset="-127"/>
+                          <a:ea typeface="Noto Sans KR Medium" pitchFamily="34" charset="-127"/>
+                        </a:rPr>
+                        <a:t>배치</a:t>
+                      </a:r>
+                      <a:endParaRPr lang="en-US" altLang="ko-KR" sz="1400" baseline="0" dirty="0">
+                        <a:latin typeface="Noto Sans KR Medium" pitchFamily="34" charset="-127"/>
+                        <a:ea typeface="Noto Sans KR Medium" pitchFamily="34" charset="-127"/>
+                      </a:endParaRPr>
+                    </a:p>
+                  </a:txBody>
+                  <a:tcPr/>
+                </a:tc>
+                <a:tc>
+                  <a:txBody>
+                    <a:bodyPr/>
+                    <a:lstStyle/>
+                    <a:p>
+                      <a:pPr algn="ctr" latinLnBrk="1"/>
+                      <a:r>
+                        <a:rPr lang="ko-KR" altLang="en-US" sz="1400" dirty="0" err="1">
+                          <a:latin typeface="Noto Sans KR Medium" pitchFamily="34" charset="-127"/>
+                          <a:ea typeface="Noto Sans KR Medium" pitchFamily="34" charset="-127"/>
+                        </a:rPr>
+                        <a:t>모아이</a:t>
+                      </a:r>
+                      <a:r>
+                        <a:rPr lang="ko-KR" altLang="en-US" sz="1400" baseline="0" dirty="0">
+                          <a:latin typeface="Noto Sans KR Medium" pitchFamily="34" charset="-127"/>
+                          <a:ea typeface="Noto Sans KR Medium" pitchFamily="34" charset="-127"/>
+                        </a:rPr>
+                        <a:t> 타임라인</a:t>
+                      </a:r>
+                      <a:endParaRPr lang="en-US" altLang="ko-KR" sz="1400" baseline="0" dirty="0">
+                        <a:latin typeface="Noto Sans KR Medium" pitchFamily="34" charset="-127"/>
+                        <a:ea typeface="Noto Sans KR Medium" pitchFamily="34" charset="-127"/>
+                      </a:endParaRPr>
+                    </a:p>
+                    <a:p>
+                      <a:pPr algn="ctr" latinLnBrk="1"/>
+                      <a:r>
+                        <a:rPr lang="en-US" altLang="ko-KR" sz="1400" baseline="0" dirty="0">
+                          <a:latin typeface="Noto Sans KR Medium" pitchFamily="34" charset="-127"/>
+                          <a:ea typeface="Noto Sans KR Medium" pitchFamily="34" charset="-127"/>
+                        </a:rPr>
+                        <a:t>1-2 </a:t>
+                      </a:r>
+                      <a:r>
+                        <a:rPr lang="ko-KR" altLang="en-US" sz="1400" baseline="0">
+                          <a:latin typeface="Noto Sans KR Medium" pitchFamily="34" charset="-127"/>
+                          <a:ea typeface="Noto Sans KR Medium" pitchFamily="34" charset="-127"/>
+                        </a:rPr>
+                        <a:t>덜 함</a:t>
+                      </a:r>
+                      <a:endParaRPr lang="ko-KR" altLang="en-US" sz="1400" dirty="0">
+                        <a:latin typeface="Noto Sans KR Medium" pitchFamily="34" charset="-127"/>
+                        <a:ea typeface="Noto Sans KR Medium" pitchFamily="34" charset="-127"/>
+                      </a:endParaRPr>
+                    </a:p>
+                  </a:txBody>
+                  <a:tcPr/>
+                </a:tc>
+                <a:extLst>
+                  <a:ext uri="{0D108BD9-81ED-4DB2-BD59-A6C34878D82A}">
+                    <a16:rowId xmlns="" xmlns:a16="http://schemas.microsoft.com/office/drawing/2014/main" val="10002"/>
+                  </a:ext>
+                </a:extLst>
+              </a:tr>
+              <a:tr h="693844">
+                <a:tc>
+                  <a:txBody>
+                    <a:bodyPr/>
+                    <a:lstStyle/>
+                    <a:p>
+                      <a:pPr algn="ctr" latinLnBrk="1"/>
+                      <a:r>
+                        <a:rPr lang="en-US" altLang="ko-KR" sz="1400" dirty="0">
+                          <a:latin typeface="Noto Sans KR Medium" pitchFamily="34" charset="-127"/>
+                          <a:ea typeface="Noto Sans KR Medium" pitchFamily="34" charset="-127"/>
+                        </a:rPr>
+                        <a:t>11-11</a:t>
+                      </a:r>
+                      <a:endParaRPr lang="ko-KR" altLang="en-US" sz="1400" dirty="0">
+                        <a:latin typeface="Noto Sans KR Medium" pitchFamily="34" charset="-127"/>
+                        <a:ea typeface="Noto Sans KR Medium" pitchFamily="34" charset="-127"/>
+                      </a:endParaRPr>
+                    </a:p>
+                  </a:txBody>
+                  <a:tcPr/>
+                </a:tc>
+                <a:tc>
+                  <a:txBody>
+                    <a:bodyPr/>
+                    <a:lstStyle/>
+                    <a:p>
+                      <a:pPr algn="ctr" latinLnBrk="1"/>
+                      <a:r>
+                        <a:rPr lang="ko-KR" altLang="en-US" sz="1400" dirty="0">
+                          <a:latin typeface="Noto Sans KR Medium" pitchFamily="34" charset="-127"/>
+                          <a:ea typeface="Noto Sans KR Medium" pitchFamily="34" charset="-127"/>
+                        </a:rPr>
+                        <a:t>스테이지</a:t>
+                      </a:r>
+                      <a:r>
+                        <a:rPr lang="en-US" altLang="ko-KR" sz="1400" dirty="0">
+                          <a:latin typeface="Noto Sans KR Medium" pitchFamily="34" charset="-127"/>
+                          <a:ea typeface="Noto Sans KR Medium" pitchFamily="34" charset="-127"/>
+                        </a:rPr>
+                        <a:t>1-2</a:t>
+                      </a:r>
+                      <a:r>
+                        <a:rPr lang="ko-KR" altLang="en-US" sz="1400" dirty="0">
+                          <a:latin typeface="Noto Sans KR Medium" pitchFamily="34" charset="-127"/>
+                          <a:ea typeface="Noto Sans KR Medium" pitchFamily="34" charset="-127"/>
+                        </a:rPr>
+                        <a:t>동굴</a:t>
+                      </a:r>
+                      <a:endParaRPr lang="en-US" altLang="ko-KR" sz="1400" dirty="0">
+                        <a:latin typeface="Noto Sans KR Medium" pitchFamily="34" charset="-127"/>
+                        <a:ea typeface="Noto Sans KR Medium" pitchFamily="34" charset="-127"/>
+                      </a:endParaRPr>
+                    </a:p>
+                    <a:p>
+                      <a:pPr algn="ctr" latinLnBrk="1"/>
+                      <a:r>
+                        <a:rPr lang="ko-KR" altLang="en-US" sz="1400" dirty="0">
+                          <a:latin typeface="Noto Sans KR Medium" pitchFamily="34" charset="-127"/>
+                          <a:ea typeface="Noto Sans KR Medium" pitchFamily="34" charset="-127"/>
+                        </a:rPr>
+                        <a:t>스테이지</a:t>
+                      </a:r>
+                      <a:r>
+                        <a:rPr lang="en-US" altLang="ko-KR" sz="1400" dirty="0">
+                          <a:latin typeface="Noto Sans KR Medium" pitchFamily="34" charset="-127"/>
+                          <a:ea typeface="Noto Sans KR Medium" pitchFamily="34" charset="-127"/>
+                        </a:rPr>
+                        <a:t>1-2</a:t>
+                      </a:r>
+                      <a:r>
+                        <a:rPr lang="ko-KR" altLang="en-US" sz="1400" dirty="0">
+                          <a:latin typeface="Noto Sans KR Medium" pitchFamily="34" charset="-127"/>
+                          <a:ea typeface="Noto Sans KR Medium" pitchFamily="34" charset="-127"/>
+                        </a:rPr>
+                        <a:t>석판</a:t>
+                      </a:r>
+                    </a:p>
+                  </a:txBody>
+                  <a:tcPr/>
+                </a:tc>
+                <a:tc>
+                  <a:txBody>
+                    <a:bodyPr/>
+                    <a:lstStyle/>
+                    <a:p>
+                      <a:pPr algn="ctr" latinLnBrk="1"/>
+                      <a:r>
+                        <a:rPr lang="ko-KR" altLang="en-US" sz="1400" dirty="0">
+                          <a:latin typeface="Noto Sans KR Medium" pitchFamily="34" charset="-127"/>
+                          <a:ea typeface="Noto Sans KR Medium" pitchFamily="34" charset="-127"/>
+                        </a:rPr>
+                        <a:t>석판 드래그 앤 </a:t>
+                      </a:r>
+                      <a:r>
+                        <a:rPr lang="ko-KR" altLang="en-US" sz="1400" dirty="0" err="1">
+                          <a:latin typeface="Noto Sans KR Medium" pitchFamily="34" charset="-127"/>
+                          <a:ea typeface="Noto Sans KR Medium" pitchFamily="34" charset="-127"/>
+                        </a:rPr>
+                        <a:t>드랍</a:t>
+                      </a:r>
+                      <a:endParaRPr lang="en-US" altLang="ko-KR" sz="1400" dirty="0">
+                        <a:latin typeface="Noto Sans KR Medium" pitchFamily="34" charset="-127"/>
+                        <a:ea typeface="Noto Sans KR Medium" pitchFamily="34" charset="-127"/>
+                      </a:endParaRPr>
+                    </a:p>
+                    <a:p>
+                      <a:pPr algn="ctr" latinLnBrk="1"/>
+                      <a:r>
+                        <a:rPr lang="ko-KR" altLang="en-US" sz="1400" dirty="0" err="1">
+                          <a:latin typeface="Noto Sans KR Medium" pitchFamily="34" charset="-127"/>
+                          <a:ea typeface="Noto Sans KR Medium" pitchFamily="34" charset="-127"/>
+                        </a:rPr>
+                        <a:t>텔레포트</a:t>
+                      </a:r>
+                      <a:r>
+                        <a:rPr lang="ko-KR" altLang="en-US" sz="1400" dirty="0">
+                          <a:latin typeface="Noto Sans KR Medium" pitchFamily="34" charset="-127"/>
+                          <a:ea typeface="Noto Sans KR Medium" pitchFamily="34" charset="-127"/>
+                        </a:rPr>
+                        <a:t> 포탈</a:t>
+                      </a:r>
+                    </a:p>
+                  </a:txBody>
+                  <a:tcPr/>
+                </a:tc>
+                <a:extLst>
+                  <a:ext uri="{0D108BD9-81ED-4DB2-BD59-A6C34878D82A}">
+                    <a16:rowId xmlns="" xmlns:a16="http://schemas.microsoft.com/office/drawing/2014/main" val="10003"/>
+                  </a:ext>
+                </a:extLst>
+              </a:tr>
+              <a:tr h="693844">
+                <a:tc>
+                  <a:txBody>
+                    <a:bodyPr/>
+                    <a:lstStyle/>
+                    <a:p>
+                      <a:pPr algn="ctr" latinLnBrk="1"/>
+                      <a:r>
+                        <a:rPr lang="en-US" altLang="ko-KR" sz="1400" dirty="0">
+                          <a:latin typeface="Noto Sans KR Medium" pitchFamily="34" charset="-127"/>
+                          <a:ea typeface="Noto Sans KR Medium" pitchFamily="34" charset="-127"/>
+                        </a:rPr>
+                        <a:t>11-12</a:t>
+                      </a:r>
+                      <a:endParaRPr lang="ko-KR" altLang="en-US" sz="1400" dirty="0">
+                        <a:latin typeface="Noto Sans KR Medium" pitchFamily="34" charset="-127"/>
+                        <a:ea typeface="Noto Sans KR Medium" pitchFamily="34" charset="-127"/>
+                      </a:endParaRPr>
+                    </a:p>
+                  </a:txBody>
+                  <a:tcPr/>
+                </a:tc>
+                <a:tc>
+                  <a:txBody>
+                    <a:bodyPr/>
+                    <a:lstStyle/>
+                    <a:p>
+                      <a:pPr algn="ctr" latinLnBrk="1"/>
+                      <a:r>
+                        <a:rPr lang="en-US" altLang="ko-KR" sz="1400" baseline="0" dirty="0">
+                          <a:latin typeface="Noto Sans KR Medium" pitchFamily="34" charset="-127"/>
+                          <a:ea typeface="Noto Sans KR Medium" pitchFamily="34" charset="-127"/>
+                        </a:rPr>
+                        <a:t>1-2</a:t>
+                      </a:r>
+                      <a:r>
+                        <a:rPr lang="ko-KR" altLang="en-US" sz="1400" baseline="0" dirty="0">
+                          <a:latin typeface="Noto Sans KR Medium" pitchFamily="34" charset="-127"/>
+                          <a:ea typeface="Noto Sans KR Medium" pitchFamily="34" charset="-127"/>
+                        </a:rPr>
+                        <a:t>완성</a:t>
+                      </a:r>
+                      <a:endParaRPr lang="en-US" altLang="ko-KR" sz="1400" baseline="0" dirty="0">
+                        <a:latin typeface="Noto Sans KR Medium" pitchFamily="34" charset="-127"/>
+                        <a:ea typeface="Noto Sans KR Medium" pitchFamily="34" charset="-127"/>
+                      </a:endParaRPr>
+                    </a:p>
+                    <a:p>
+                      <a:pPr algn="ctr" latinLnBrk="1"/>
+                      <a:r>
+                        <a:rPr lang="en-US" altLang="ko-KR" sz="1400" baseline="0" dirty="0">
+                          <a:latin typeface="Noto Sans KR Medium" pitchFamily="34" charset="-127"/>
+                          <a:ea typeface="Noto Sans KR Medium" pitchFamily="34" charset="-127"/>
+                        </a:rPr>
+                        <a:t>2-1</a:t>
+                      </a:r>
+                      <a:r>
+                        <a:rPr lang="ko-KR" altLang="en-US" sz="1400" baseline="0" dirty="0">
+                          <a:latin typeface="Noto Sans KR Medium" pitchFamily="34" charset="-127"/>
+                          <a:ea typeface="Noto Sans KR Medium" pitchFamily="34" charset="-127"/>
+                        </a:rPr>
+                        <a:t>완성</a:t>
+                      </a:r>
+                      <a:endParaRPr lang="en-US" altLang="ko-KR" sz="1400" baseline="0" dirty="0">
+                        <a:latin typeface="Noto Sans KR Medium" pitchFamily="34" charset="-127"/>
+                        <a:ea typeface="Noto Sans KR Medium" pitchFamily="34" charset="-127"/>
+                      </a:endParaRPr>
+                    </a:p>
+                  </a:txBody>
+                  <a:tcPr/>
+                </a:tc>
+                <a:tc>
+                  <a:txBody>
+                    <a:bodyPr/>
+                    <a:lstStyle/>
+                    <a:p>
+                      <a:pPr algn="ctr" latinLnBrk="1"/>
+                      <a:r>
+                        <a:rPr lang="en-US" altLang="ko-KR" sz="1400" dirty="0">
+                          <a:latin typeface="Noto Sans KR Medium" pitchFamily="34" charset="-127"/>
+                          <a:ea typeface="Noto Sans KR Medium" pitchFamily="34" charset="-127"/>
+                        </a:rPr>
+                        <a:t>2-1 </a:t>
+                      </a:r>
+                      <a:r>
+                        <a:rPr lang="ko-KR" altLang="en-US" sz="1400" dirty="0">
+                          <a:latin typeface="Noto Sans KR Medium" pitchFamily="34" charset="-127"/>
+                          <a:ea typeface="Noto Sans KR Medium" pitchFamily="34" charset="-127"/>
+                        </a:rPr>
+                        <a:t>타임라인 </a:t>
+                      </a:r>
+                      <a:r>
+                        <a:rPr lang="ko-KR" altLang="en-US" sz="1400" dirty="0" err="1">
+                          <a:latin typeface="Noto Sans KR Medium" pitchFamily="34" charset="-127"/>
+                          <a:ea typeface="Noto Sans KR Medium" pitchFamily="34" charset="-127"/>
+                        </a:rPr>
+                        <a:t>두개</a:t>
+                      </a:r>
+                      <a:endParaRPr lang="en-US" altLang="ko-KR" sz="1400" dirty="0">
+                        <a:latin typeface="Noto Sans KR Medium" pitchFamily="34" charset="-127"/>
+                        <a:ea typeface="Noto Sans KR Medium" pitchFamily="34" charset="-127"/>
+                      </a:endParaRPr>
+                    </a:p>
+                    <a:p>
+                      <a:pPr algn="ctr" latinLnBrk="1"/>
+                      <a:r>
+                        <a:rPr lang="ko-KR" altLang="en-US" sz="1400" dirty="0" err="1">
+                          <a:latin typeface="Noto Sans KR Medium" pitchFamily="34" charset="-127"/>
+                          <a:ea typeface="Noto Sans KR Medium" pitchFamily="34" charset="-127"/>
+                        </a:rPr>
+                        <a:t>트램펄린</a:t>
+                      </a:r>
+                      <a:endParaRPr lang="ko-KR" altLang="en-US" sz="1400" dirty="0">
+                        <a:latin typeface="Noto Sans KR Medium" pitchFamily="34" charset="-127"/>
+                        <a:ea typeface="Noto Sans KR Medium" pitchFamily="34" charset="-127"/>
+                      </a:endParaRPr>
+                    </a:p>
+                  </a:txBody>
+                  <a:tcPr/>
+                </a:tc>
+                <a:extLst>
+                  <a:ext uri="{0D108BD9-81ED-4DB2-BD59-A6C34878D82A}">
+                    <a16:rowId xmlns="" xmlns:a16="http://schemas.microsoft.com/office/drawing/2014/main" val="10004"/>
+                  </a:ext>
+                </a:extLst>
+              </a:tr>
+              <a:tr h="693844">
+                <a:tc>
+                  <a:txBody>
+                    <a:bodyPr/>
+                    <a:lstStyle/>
+                    <a:p>
+                      <a:pPr algn="ctr" latinLnBrk="1"/>
+                      <a:r>
+                        <a:rPr lang="en-US" altLang="ko-KR" sz="1400" dirty="0">
+                          <a:latin typeface="Noto Sans KR Medium" pitchFamily="34" charset="-127"/>
+                          <a:ea typeface="Noto Sans KR Medium" pitchFamily="34" charset="-127"/>
+                        </a:rPr>
+                        <a:t>11-13</a:t>
+                      </a:r>
+                      <a:endParaRPr lang="ko-KR" altLang="en-US" sz="1400" dirty="0">
+                        <a:latin typeface="Noto Sans KR Medium" pitchFamily="34" charset="-127"/>
+                        <a:ea typeface="Noto Sans KR Medium" pitchFamily="34" charset="-127"/>
+                      </a:endParaRPr>
+                    </a:p>
+                  </a:txBody>
+                  <a:tcPr/>
+                </a:tc>
+                <a:tc>
+                  <a:txBody>
+                    <a:bodyPr/>
+                    <a:lstStyle/>
+                    <a:p>
+                      <a:pPr algn="ctr" latinLnBrk="1"/>
+                      <a:r>
+                        <a:rPr lang="en-US" altLang="ko-KR" sz="1400" dirty="0">
+                          <a:latin typeface="Noto Sans KR Medium" pitchFamily="34" charset="-127"/>
+                          <a:ea typeface="Noto Sans KR Medium" pitchFamily="34" charset="-127"/>
+                        </a:rPr>
+                        <a:t>2-2</a:t>
+                      </a:r>
+                      <a:r>
+                        <a:rPr lang="ko-KR" altLang="en-US" sz="1400" dirty="0">
+                          <a:latin typeface="Noto Sans KR Medium" pitchFamily="34" charset="-127"/>
+                          <a:ea typeface="Noto Sans KR Medium" pitchFamily="34" charset="-127"/>
+                        </a:rPr>
+                        <a:t>완성</a:t>
+                      </a:r>
+                      <a:endParaRPr lang="en-US" altLang="ko-KR" sz="1400" dirty="0">
+                        <a:latin typeface="Noto Sans KR Medium" pitchFamily="34" charset="-127"/>
+                        <a:ea typeface="Noto Sans KR Medium" pitchFamily="34" charset="-127"/>
+                      </a:endParaRPr>
+                    </a:p>
+                    <a:p>
+                      <a:pPr algn="ctr" latinLnBrk="1"/>
+                      <a:r>
+                        <a:rPr lang="en-US" altLang="ko-KR" sz="1400" dirty="0">
+                          <a:latin typeface="Noto Sans KR Medium" pitchFamily="34" charset="-127"/>
+                          <a:ea typeface="Noto Sans KR Medium" pitchFamily="34" charset="-127"/>
+                        </a:rPr>
+                        <a:t>2-3</a:t>
+                      </a:r>
+                      <a:endParaRPr lang="ko-KR" altLang="en-US" sz="1400" dirty="0">
+                        <a:latin typeface="Noto Sans KR Medium" pitchFamily="34" charset="-127"/>
+                        <a:ea typeface="Noto Sans KR Medium" pitchFamily="34" charset="-127"/>
+                      </a:endParaRPr>
+                    </a:p>
+                  </a:txBody>
+                  <a:tcPr/>
+                </a:tc>
+                <a:tc>
+                  <a:txBody>
+                    <a:bodyPr/>
+                    <a:lstStyle/>
+                    <a:p>
+                      <a:pPr algn="ctr" latinLnBrk="1"/>
+                      <a:r>
+                        <a:rPr lang="ko-KR" altLang="en-US" sz="1400" dirty="0">
+                          <a:latin typeface="Noto Sans KR Medium" pitchFamily="34" charset="-127"/>
+                          <a:ea typeface="Noto Sans KR Medium" pitchFamily="34" charset="-127"/>
+                        </a:rPr>
+                        <a:t>스프링점프</a:t>
+                      </a:r>
+                      <a:endParaRPr lang="en-US" altLang="ko-KR" sz="1400" dirty="0">
+                        <a:latin typeface="Noto Sans KR Medium" pitchFamily="34" charset="-127"/>
+                        <a:ea typeface="Noto Sans KR Medium" pitchFamily="34" charset="-127"/>
+                      </a:endParaRPr>
+                    </a:p>
+                    <a:p>
+                      <a:pPr algn="ctr" latinLnBrk="1"/>
+                      <a:r>
+                        <a:rPr lang="ko-KR" altLang="en-US" sz="1400" dirty="0" err="1">
+                          <a:latin typeface="Noto Sans KR Medium" pitchFamily="34" charset="-127"/>
+                          <a:ea typeface="Noto Sans KR Medium" pitchFamily="34" charset="-127"/>
+                        </a:rPr>
+                        <a:t>시네머신</a:t>
+                      </a:r>
+                      <a:r>
+                        <a:rPr lang="ko-KR" altLang="en-US" sz="1400" dirty="0">
+                          <a:latin typeface="Noto Sans KR Medium" pitchFamily="34" charset="-127"/>
+                          <a:ea typeface="Noto Sans KR Medium" pitchFamily="34" charset="-127"/>
+                        </a:rPr>
+                        <a:t> </a:t>
+                      </a:r>
+                      <a:r>
+                        <a:rPr lang="ko-KR" altLang="en-US" sz="1400" dirty="0" err="1">
+                          <a:latin typeface="Noto Sans KR Medium" pitchFamily="34" charset="-127"/>
+                          <a:ea typeface="Noto Sans KR Medium" pitchFamily="34" charset="-127"/>
+                        </a:rPr>
+                        <a:t>버그있음</a:t>
+                      </a:r>
+                      <a:endParaRPr lang="en-US" altLang="ko-KR" sz="1400" dirty="0">
+                        <a:latin typeface="Noto Sans KR Medium" pitchFamily="34" charset="-127"/>
+                        <a:ea typeface="Noto Sans KR Medium" pitchFamily="34" charset="-127"/>
+                      </a:endParaRPr>
+                    </a:p>
+                  </a:txBody>
+                  <a:tcPr/>
+                </a:tc>
+                <a:extLst>
+                  <a:ext uri="{0D108BD9-81ED-4DB2-BD59-A6C34878D82A}">
+                    <a16:rowId xmlns="" xmlns:a16="http://schemas.microsoft.com/office/drawing/2014/main" val="10005"/>
+                  </a:ext>
+                </a:extLst>
+              </a:tr>
+              <a:tr h="693844">
+                <a:tc>
+                  <a:txBody>
+                    <a:bodyPr/>
+                    <a:lstStyle/>
+                    <a:p>
+                      <a:pPr algn="ctr" latinLnBrk="1"/>
+                      <a:r>
+                        <a:rPr lang="en-US" altLang="ko-KR" sz="1400" dirty="0">
+                          <a:latin typeface="Noto Sans KR Medium" pitchFamily="34" charset="-127"/>
+                          <a:ea typeface="Noto Sans KR Medium" pitchFamily="34" charset="-127"/>
+                        </a:rPr>
+                        <a:t>11-14</a:t>
+                      </a:r>
+                      <a:endParaRPr lang="ko-KR" altLang="en-US" sz="1400" dirty="0">
+                        <a:latin typeface="Noto Sans KR Medium" pitchFamily="34" charset="-127"/>
+                        <a:ea typeface="Noto Sans KR Medium" pitchFamily="34" charset="-127"/>
+                      </a:endParaRPr>
+                    </a:p>
+                  </a:txBody>
+                  <a:tcPr/>
+                </a:tc>
+                <a:tc>
+                  <a:txBody>
+                    <a:bodyPr/>
+                    <a:lstStyle/>
+                    <a:p>
+                      <a:pPr algn="ctr" latinLnBrk="1"/>
+                      <a:r>
+                        <a:rPr lang="ko-KR" altLang="en-US" sz="1400" dirty="0" err="1">
+                          <a:latin typeface="Noto Sans KR Medium" pitchFamily="34" charset="-127"/>
+                          <a:ea typeface="Noto Sans KR Medium" pitchFamily="34" charset="-127"/>
+                        </a:rPr>
+                        <a:t>시네머신</a:t>
+                      </a:r>
+                      <a:r>
+                        <a:rPr lang="ko-KR" altLang="en-US" sz="1400" dirty="0">
+                          <a:latin typeface="Noto Sans KR Medium" pitchFamily="34" charset="-127"/>
+                          <a:ea typeface="Noto Sans KR Medium" pitchFamily="34" charset="-127"/>
+                        </a:rPr>
+                        <a:t> </a:t>
+                      </a:r>
+                      <a:r>
+                        <a:rPr lang="ko-KR" altLang="en-US" sz="1400" dirty="0" smtClean="0">
+                          <a:latin typeface="Noto Sans KR Medium" pitchFamily="34" charset="-127"/>
+                          <a:ea typeface="Noto Sans KR Medium" pitchFamily="34" charset="-127"/>
+                        </a:rPr>
+                        <a:t>버그해결</a:t>
+                      </a:r>
+                      <a:endParaRPr lang="en-US" altLang="ko-KR" sz="1400" dirty="0" smtClean="0">
+                        <a:latin typeface="Noto Sans KR Medium" pitchFamily="34" charset="-127"/>
+                        <a:ea typeface="Noto Sans KR Medium" pitchFamily="34" charset="-127"/>
+                      </a:endParaRPr>
+                    </a:p>
+                    <a:p>
+                      <a:pPr algn="ctr" latinLnBrk="1"/>
+                      <a:r>
+                        <a:rPr lang="en-US" altLang="ko-KR" sz="1400" dirty="0" smtClean="0">
+                          <a:latin typeface="Noto Sans KR Medium" pitchFamily="34" charset="-127"/>
+                          <a:ea typeface="Noto Sans KR Medium" pitchFamily="34" charset="-127"/>
+                        </a:rPr>
+                        <a:t>2-3</a:t>
+                      </a:r>
+                      <a:endParaRPr lang="ko-KR" altLang="en-US" sz="1400" dirty="0">
+                        <a:latin typeface="Noto Sans KR Medium" pitchFamily="34" charset="-127"/>
+                        <a:ea typeface="Noto Sans KR Medium" pitchFamily="34" charset="-127"/>
+                      </a:endParaRPr>
+                    </a:p>
+                  </a:txBody>
+                  <a:tcPr/>
+                </a:tc>
+                <a:tc>
+                  <a:txBody>
+                    <a:bodyPr/>
+                    <a:lstStyle/>
+                    <a:p>
+                      <a:pPr algn="ctr" latinLnBrk="1"/>
+                      <a:endParaRPr lang="ko-KR" altLang="en-US" sz="1400" dirty="0">
+                        <a:latin typeface="Noto Sans KR Medium" pitchFamily="34" charset="-127"/>
+                        <a:ea typeface="Noto Sans KR Medium" pitchFamily="34" charset="-127"/>
+                      </a:endParaRPr>
+                    </a:p>
+                  </a:txBody>
+                  <a:tcPr/>
+                </a:tc>
+                <a:extLst>
+                  <a:ext uri="{0D108BD9-81ED-4DB2-BD59-A6C34878D82A}">
+                    <a16:rowId xmlns="" xmlns:a16="http://schemas.microsoft.com/office/drawing/2014/main" val="10006"/>
+                  </a:ext>
+                </a:extLst>
+              </a:tr>
+            </a:tbl>
+          </a:graphicData>
+        </a:graphic>
+      </p:graphicFrame>
+    </p:spTree>
+    <p:extLst>
+      <p:ext uri="{BB962C8B-B14F-4D97-AF65-F5344CB8AC3E}">
+        <p14:creationId xmlns:p14="http://schemas.microsoft.com/office/powerpoint/2010/main" val="2051796337"/>
+      </p:ext>
+    </p:extLst>
+  </p:cSld>
+  <p:clrMapOvr>
+    <a:masterClrMapping/>
+  </p:clrMapOvr>
+</p:sld>
+</file>
+
+<file path=ppt/slides/slide15.xml><?xml version="1.0" encoding="utf-8"?>
+<p:sld xmlns:a="http://schemas.openxmlformats.org/drawingml/2006/main" xmlns:r="http://schemas.openxmlformats.org/officeDocument/2006/relationships" xmlns:p="http://schemas.openxmlformats.org/presentationml/2006/main">
+  <p:cSld>
+    <p:spTree>
+      <p:nvGrpSpPr>
+        <p:cNvPr id="1" name=""/>
+        <p:cNvGrpSpPr/>
+        <p:nvPr/>
+      </p:nvGrpSpPr>
+      <p:grpSpPr>
+        <a:xfrm>
+          <a:off x="0" y="0"/>
+          <a:ext cx="0" cy="0"/>
+          <a:chOff x="0" y="0"/>
+          <a:chExt cx="0" cy="0"/>
+        </a:xfrm>
+      </p:grpSpPr>
+      <p:sp>
+        <p:nvSpPr>
+          <p:cNvPr id="2" name="제목 1"/>
+          <p:cNvSpPr>
+            <a:spLocks noGrp="1"/>
+          </p:cNvSpPr>
+          <p:nvPr>
+            <p:ph type="title"/>
+          </p:nvPr>
+        </p:nvSpPr>
+        <p:spPr/>
+        <p:txBody>
+          <a:bodyPr/>
+          <a:lstStyle/>
+          <a:p>
+            <a:r>
+              <a:rPr lang="ko-KR" altLang="en-US" dirty="0">
+                <a:latin typeface="Noto Sans KR Medium" pitchFamily="34" charset="-127"/>
+                <a:ea typeface="Noto Sans KR Medium" pitchFamily="34" charset="-127"/>
+              </a:rPr>
+              <a:t>개발 단계 </a:t>
+            </a:r>
+            <a:r>
+              <a:rPr lang="en-US" altLang="ko-KR" dirty="0" smtClean="0">
+                <a:latin typeface="Noto Sans KR Medium" pitchFamily="34" charset="-127"/>
+                <a:ea typeface="Noto Sans KR Medium" pitchFamily="34" charset="-127"/>
+              </a:rPr>
+              <a:t>(3</a:t>
+            </a:r>
+            <a:r>
+              <a:rPr lang="ko-KR" altLang="en-US" dirty="0" smtClean="0">
+                <a:latin typeface="Noto Sans KR Medium" pitchFamily="34" charset="-127"/>
+                <a:ea typeface="Noto Sans KR Medium" pitchFamily="34" charset="-127"/>
+              </a:rPr>
+              <a:t>주차</a:t>
+            </a:r>
+            <a:r>
+              <a:rPr lang="en-US" altLang="ko-KR" dirty="0">
+                <a:latin typeface="Noto Sans KR Medium" pitchFamily="34" charset="-127"/>
+                <a:ea typeface="Noto Sans KR Medium" pitchFamily="34" charset="-127"/>
+              </a:rPr>
+              <a:t>)</a:t>
+            </a:r>
+            <a:endParaRPr lang="ko-KR" altLang="en-US" dirty="0">
+              <a:latin typeface="Noto Sans KR Medium" pitchFamily="34" charset="-127"/>
+              <a:ea typeface="Noto Sans KR Medium" pitchFamily="34" charset="-127"/>
+            </a:endParaRPr>
+          </a:p>
+        </p:txBody>
+      </p:sp>
+      <p:sp>
+        <p:nvSpPr>
+          <p:cNvPr id="3" name="내용 개체 틀 2"/>
+          <p:cNvSpPr>
+            <a:spLocks noGrp="1"/>
+          </p:cNvSpPr>
+          <p:nvPr>
+            <p:ph idx="1"/>
+          </p:nvPr>
+        </p:nvSpPr>
+        <p:spPr/>
+        <p:txBody>
+          <a:bodyPr/>
+          <a:lstStyle/>
+          <a:p>
+            <a:pPr marL="0" indent="0">
+              <a:buNone/>
+            </a:pPr>
+            <a:endParaRPr lang="en-US" altLang="ko-KR" dirty="0">
+              <a:latin typeface="Noto Sans KR Medium" pitchFamily="34" charset="-127"/>
+              <a:ea typeface="Noto Sans KR Medium" pitchFamily="34" charset="-127"/>
+            </a:endParaRPr>
+          </a:p>
+          <a:p>
+            <a:pPr marL="0" indent="0">
+              <a:buNone/>
+            </a:pPr>
+            <a:endParaRPr lang="ko-KR" altLang="en-US" dirty="0">
+              <a:latin typeface="Noto Sans KR Medium" pitchFamily="34" charset="-127"/>
+              <a:ea typeface="Noto Sans KR Medium" pitchFamily="34" charset="-127"/>
+            </a:endParaRPr>
+          </a:p>
+        </p:txBody>
+      </p:sp>
+      <p:graphicFrame>
+        <p:nvGraphicFramePr>
+          <p:cNvPr id="4" name="표 3"/>
+          <p:cNvGraphicFramePr>
+            <a:graphicFrameLocks noGrp="1"/>
+          </p:cNvGraphicFramePr>
+          <p:nvPr>
+            <p:extLst>
+              <p:ext uri="{D42A27DB-BD31-4B8C-83A1-F6EECF244321}">
+                <p14:modId xmlns:p14="http://schemas.microsoft.com/office/powerpoint/2010/main" val="1955614148"/>
+              </p:ext>
+            </p:extLst>
+          </p:nvPr>
+        </p:nvGraphicFramePr>
+        <p:xfrm>
+          <a:off x="971600" y="1412776"/>
+          <a:ext cx="7152456" cy="5184576"/>
+        </p:xfrm>
+        <a:graphic>
+          <a:graphicData uri="http://schemas.openxmlformats.org/drawingml/2006/table">
+            <a:tbl>
+              <a:tblPr firstRow="1" bandRow="1">
+                <a:tableStyleId>{5C22544A-7EE6-4342-B048-85BDC9FD1C3A}</a:tableStyleId>
+              </a:tblPr>
+              <a:tblGrid>
+                <a:gridCol w="2384152">
+                  <a:extLst>
+                    <a:ext uri="{9D8B030D-6E8A-4147-A177-3AD203B41FA5}">
+                      <a16:colId xmlns="" xmlns:a16="http://schemas.microsoft.com/office/drawing/2014/main" val="20000"/>
+                    </a:ext>
+                  </a:extLst>
+                </a:gridCol>
+                <a:gridCol w="2384152">
+                  <a:extLst>
+                    <a:ext uri="{9D8B030D-6E8A-4147-A177-3AD203B41FA5}">
+                      <a16:colId xmlns="" xmlns:a16="http://schemas.microsoft.com/office/drawing/2014/main" val="20001"/>
+                    </a:ext>
+                  </a:extLst>
+                </a:gridCol>
+                <a:gridCol w="2384152">
+                  <a:extLst>
+                    <a:ext uri="{9D8B030D-6E8A-4147-A177-3AD203B41FA5}">
+                      <a16:colId xmlns="" xmlns:a16="http://schemas.microsoft.com/office/drawing/2014/main" val="20002"/>
+                    </a:ext>
+                  </a:extLst>
+                </a:gridCol>
+              </a:tblGrid>
+              <a:tr h="678068">
+                <a:tc>
+                  <a:txBody>
+                    <a:bodyPr/>
+                    <a:lstStyle/>
+                    <a:p>
+                      <a:pPr algn="ctr" latinLnBrk="1"/>
+                      <a:r>
+                        <a:rPr lang="ko-KR" altLang="en-US" sz="2800" dirty="0">
+                          <a:latin typeface="Noto Sans KR Bold" pitchFamily="34" charset="-127"/>
+                          <a:ea typeface="Noto Sans KR Bold" pitchFamily="34" charset="-127"/>
+                        </a:rPr>
+                        <a:t>날짜</a:t>
+                      </a:r>
+                    </a:p>
+                  </a:txBody>
+                  <a:tcPr/>
+                </a:tc>
+                <a:tc>
+                  <a:txBody>
+                    <a:bodyPr/>
+                    <a:lstStyle/>
+                    <a:p>
+                      <a:pPr algn="ctr" latinLnBrk="1"/>
+                      <a:r>
+                        <a:rPr lang="ko-KR" altLang="en-US" sz="2800" dirty="0">
+                          <a:latin typeface="Noto Sans KR Bold" pitchFamily="34" charset="-127"/>
+                          <a:ea typeface="Noto Sans KR Bold" pitchFamily="34" charset="-127"/>
+                        </a:rPr>
+                        <a:t>진행 내용</a:t>
+                      </a:r>
+                    </a:p>
+                  </a:txBody>
+                  <a:tcPr/>
+                </a:tc>
+                <a:tc>
+                  <a:txBody>
+                    <a:bodyPr/>
+                    <a:lstStyle/>
+                    <a:p>
+                      <a:pPr algn="ctr" latinLnBrk="1"/>
+                      <a:r>
+                        <a:rPr lang="ko-KR" altLang="en-US" sz="2800" dirty="0">
+                          <a:latin typeface="Noto Sans KR Bold" pitchFamily="34" charset="-127"/>
+                          <a:ea typeface="Noto Sans KR Bold" pitchFamily="34" charset="-127"/>
+                        </a:rPr>
+                        <a:t>비고</a:t>
+                      </a:r>
+                    </a:p>
+                  </a:txBody>
+                  <a:tcPr/>
+                </a:tc>
+                <a:extLst>
+                  <a:ext uri="{0D108BD9-81ED-4DB2-BD59-A6C34878D82A}">
+                    <a16:rowId xmlns="" xmlns:a16="http://schemas.microsoft.com/office/drawing/2014/main" val="10000"/>
+                  </a:ext>
+                </a:extLst>
+              </a:tr>
+              <a:tr h="712819">
+                <a:tc>
+                  <a:txBody>
+                    <a:bodyPr/>
+                    <a:lstStyle/>
+                    <a:p>
+                      <a:pPr algn="ctr" latinLnBrk="1"/>
+                      <a:r>
+                        <a:rPr lang="en-US" altLang="ko-KR" sz="1400" dirty="0" smtClean="0">
+                          <a:latin typeface="Noto Sans KR Medium" pitchFamily="34" charset="-127"/>
+                          <a:ea typeface="Noto Sans KR Medium" pitchFamily="34" charset="-127"/>
+                        </a:rPr>
+                        <a:t>11-16</a:t>
+                      </a:r>
+                      <a:endParaRPr lang="ko-KR" altLang="en-US" sz="1400" dirty="0">
+                        <a:latin typeface="Noto Sans KR Medium" pitchFamily="34" charset="-127"/>
+                        <a:ea typeface="Noto Sans KR Medium" pitchFamily="34" charset="-127"/>
+                      </a:endParaRPr>
+                    </a:p>
+                  </a:txBody>
+                  <a:tcPr/>
+                </a:tc>
+                <a:tc>
+                  <a:txBody>
+                    <a:bodyPr/>
+                    <a:lstStyle/>
+                    <a:p>
+                      <a:pPr algn="ctr" latinLnBrk="1"/>
+                      <a:r>
+                        <a:rPr lang="en-US" altLang="ko-KR" sz="1400" dirty="0" smtClean="0">
+                          <a:latin typeface="Noto Sans KR Medium" pitchFamily="34" charset="-127"/>
+                          <a:ea typeface="Noto Sans KR Medium" pitchFamily="34" charset="-127"/>
+                        </a:rPr>
+                        <a:t>2-3</a:t>
+                      </a:r>
+                      <a:r>
+                        <a:rPr lang="ko-KR" altLang="en-US" sz="1400" dirty="0" smtClean="0">
+                          <a:latin typeface="Noto Sans KR Medium" pitchFamily="34" charset="-127"/>
+                          <a:ea typeface="Noto Sans KR Medium" pitchFamily="34" charset="-127"/>
+                        </a:rPr>
+                        <a:t>완성</a:t>
+                      </a:r>
+                      <a:endParaRPr lang="en-US" altLang="ko-KR" sz="1400" dirty="0" smtClean="0">
+                        <a:latin typeface="Noto Sans KR Medium" pitchFamily="34" charset="-127"/>
+                        <a:ea typeface="Noto Sans KR Medium" pitchFamily="34" charset="-127"/>
+                      </a:endParaRPr>
+                    </a:p>
+                    <a:p>
+                      <a:pPr algn="ctr" latinLnBrk="1"/>
+                      <a:r>
+                        <a:rPr lang="en-US" altLang="ko-KR" sz="1400" dirty="0" smtClean="0">
+                          <a:latin typeface="Noto Sans KR Medium" pitchFamily="34" charset="-127"/>
+                          <a:ea typeface="Noto Sans KR Medium" pitchFamily="34" charset="-127"/>
+                        </a:rPr>
+                        <a:t>3-1</a:t>
+                      </a:r>
+                      <a:endParaRPr lang="ko-KR" altLang="en-US" sz="1400" dirty="0">
+                        <a:latin typeface="Noto Sans KR Medium" pitchFamily="34" charset="-127"/>
+                        <a:ea typeface="Noto Sans KR Medium" pitchFamily="34" charset="-127"/>
+                      </a:endParaRPr>
+                    </a:p>
+                  </a:txBody>
+                  <a:tcPr/>
+                </a:tc>
+                <a:tc>
+                  <a:txBody>
+                    <a:bodyPr/>
+                    <a:lstStyle/>
+                    <a:p>
+                      <a:pPr algn="ctr" latinLnBrk="1"/>
+                      <a:endParaRPr lang="ko-KR" altLang="en-US" sz="1400" dirty="0">
+                        <a:latin typeface="Noto Sans KR Medium" pitchFamily="34" charset="-127"/>
+                        <a:ea typeface="Noto Sans KR Medium" pitchFamily="34" charset="-127"/>
+                      </a:endParaRPr>
+                    </a:p>
+                  </a:txBody>
+                  <a:tcPr/>
+                </a:tc>
+                <a:extLst>
+                  <a:ext uri="{0D108BD9-81ED-4DB2-BD59-A6C34878D82A}">
+                    <a16:rowId xmlns="" xmlns:a16="http://schemas.microsoft.com/office/drawing/2014/main" val="10001"/>
+                  </a:ext>
+                </a:extLst>
+              </a:tr>
+              <a:tr h="1018313">
+                <a:tc>
+                  <a:txBody>
+                    <a:bodyPr/>
+                    <a:lstStyle/>
+                    <a:p>
+                      <a:pPr algn="ctr" latinLnBrk="1"/>
+                      <a:r>
+                        <a:rPr lang="en-US" altLang="ko-KR" sz="1400" dirty="0" smtClean="0">
+                          <a:latin typeface="Noto Sans KR Medium" pitchFamily="34" charset="-127"/>
+                          <a:ea typeface="Noto Sans KR Medium" pitchFamily="34" charset="-127"/>
+                        </a:rPr>
+                        <a:t>11-17</a:t>
+                      </a:r>
+                      <a:endParaRPr lang="ko-KR" altLang="en-US" sz="1400" dirty="0">
+                        <a:latin typeface="Noto Sans KR Medium" pitchFamily="34" charset="-127"/>
+                        <a:ea typeface="Noto Sans KR Medium" pitchFamily="34" charset="-127"/>
+                      </a:endParaRPr>
+                    </a:p>
+                  </a:txBody>
+                  <a:tcPr/>
+                </a:tc>
+                <a:tc>
+                  <a:txBody>
+                    <a:bodyPr/>
+                    <a:lstStyle/>
+                    <a:p>
+                      <a:pPr algn="ctr" latinLnBrk="1"/>
+                      <a:r>
+                        <a:rPr lang="en-US" altLang="ko-KR" sz="1400" baseline="0" dirty="0" smtClean="0">
+                          <a:latin typeface="Noto Sans KR Medium" pitchFamily="34" charset="-127"/>
+                          <a:ea typeface="Noto Sans KR Medium" pitchFamily="34" charset="-127"/>
+                        </a:rPr>
+                        <a:t>3-1</a:t>
+                      </a:r>
+                      <a:r>
+                        <a:rPr lang="ko-KR" altLang="en-US" sz="1400" baseline="0" dirty="0" smtClean="0">
+                          <a:latin typeface="Noto Sans KR Medium" pitchFamily="34" charset="-127"/>
+                          <a:ea typeface="Noto Sans KR Medium" pitchFamily="34" charset="-127"/>
+                        </a:rPr>
+                        <a:t>완성</a:t>
+                      </a:r>
+                      <a:endParaRPr lang="en-US" altLang="ko-KR" sz="1400" baseline="0" dirty="0" smtClean="0">
+                        <a:latin typeface="Noto Sans KR Medium" pitchFamily="34" charset="-127"/>
+                        <a:ea typeface="Noto Sans KR Medium" pitchFamily="34" charset="-127"/>
+                      </a:endParaRPr>
+                    </a:p>
+                    <a:p>
+                      <a:pPr algn="ctr" latinLnBrk="1"/>
+                      <a:r>
+                        <a:rPr lang="ko-KR" altLang="en-US" sz="1400" baseline="0" dirty="0" smtClean="0">
+                          <a:latin typeface="Noto Sans KR Medium" pitchFamily="34" charset="-127"/>
+                          <a:ea typeface="Noto Sans KR Medium" pitchFamily="34" charset="-127"/>
+                        </a:rPr>
+                        <a:t>스토리</a:t>
+                      </a:r>
+                      <a:r>
+                        <a:rPr lang="en-US" altLang="ko-KR" sz="1400" baseline="0" dirty="0" smtClean="0">
+                          <a:latin typeface="Noto Sans KR Medium" pitchFamily="34" charset="-127"/>
+                          <a:ea typeface="Noto Sans KR Medium" pitchFamily="34" charset="-127"/>
+                        </a:rPr>
+                        <a:t>1 </a:t>
+                      </a:r>
+                      <a:r>
+                        <a:rPr lang="ko-KR" altLang="en-US" sz="1400" baseline="0" dirty="0" smtClean="0">
+                          <a:latin typeface="Noto Sans KR Medium" pitchFamily="34" charset="-127"/>
+                          <a:ea typeface="Noto Sans KR Medium" pitchFamily="34" charset="-127"/>
+                        </a:rPr>
+                        <a:t>끝</a:t>
+                      </a:r>
+                      <a:endParaRPr lang="en-US" altLang="ko-KR" sz="1400" baseline="0" dirty="0" smtClean="0">
+                        <a:latin typeface="Noto Sans KR Medium" pitchFamily="34" charset="-127"/>
+                        <a:ea typeface="Noto Sans KR Medium" pitchFamily="34" charset="-127"/>
+                      </a:endParaRPr>
+                    </a:p>
+                    <a:p>
+                      <a:pPr algn="ctr" latinLnBrk="1"/>
+                      <a:r>
+                        <a:rPr lang="ko-KR" altLang="en-US" sz="1400" baseline="0" dirty="0" smtClean="0">
+                          <a:latin typeface="Noto Sans KR Medium" pitchFamily="34" charset="-127"/>
+                          <a:ea typeface="Noto Sans KR Medium" pitchFamily="34" charset="-127"/>
+                        </a:rPr>
+                        <a:t>메인 게임 구상</a:t>
+                      </a:r>
+                      <a:endParaRPr lang="en-US" altLang="ko-KR" sz="1400" baseline="0" dirty="0" smtClean="0">
+                        <a:latin typeface="Noto Sans KR Medium" pitchFamily="34" charset="-127"/>
+                        <a:ea typeface="Noto Sans KR Medium" pitchFamily="34" charset="-127"/>
+                      </a:endParaRPr>
+                    </a:p>
+                    <a:p>
+                      <a:pPr algn="ctr" latinLnBrk="1"/>
+                      <a:r>
+                        <a:rPr lang="ko-KR" altLang="en-US" sz="1400" baseline="0" dirty="0" smtClean="0">
+                          <a:latin typeface="Noto Sans KR Medium" pitchFamily="34" charset="-127"/>
+                          <a:ea typeface="Noto Sans KR Medium" pitchFamily="34" charset="-127"/>
+                        </a:rPr>
+                        <a:t>스토리 </a:t>
+                      </a:r>
+                      <a:r>
+                        <a:rPr lang="ko-KR" altLang="en-US" sz="1400" baseline="0" dirty="0" err="1" smtClean="0">
+                          <a:latin typeface="Noto Sans KR Medium" pitchFamily="34" charset="-127"/>
+                          <a:ea typeface="Noto Sans KR Medium" pitchFamily="34" charset="-127"/>
+                        </a:rPr>
+                        <a:t>스킵버튼</a:t>
+                      </a:r>
+                      <a:endParaRPr lang="en-US" altLang="ko-KR" sz="1400" baseline="0" dirty="0">
+                        <a:latin typeface="Noto Sans KR Medium" pitchFamily="34" charset="-127"/>
+                        <a:ea typeface="Noto Sans KR Medium" pitchFamily="34" charset="-127"/>
+                      </a:endParaRPr>
+                    </a:p>
+                  </a:txBody>
+                  <a:tcPr/>
+                </a:tc>
+                <a:tc>
+                  <a:txBody>
+                    <a:bodyPr/>
+                    <a:lstStyle/>
+                    <a:p>
+                      <a:pPr algn="ctr" latinLnBrk="1"/>
+                      <a:r>
+                        <a:rPr lang="ko-KR" altLang="en-US" sz="1400" dirty="0" err="1" smtClean="0">
+                          <a:latin typeface="Noto Sans KR Medium" pitchFamily="34" charset="-127"/>
+                          <a:ea typeface="Noto Sans KR Medium" pitchFamily="34" charset="-127"/>
+                        </a:rPr>
+                        <a:t>메인게임</a:t>
+                      </a:r>
+                      <a:r>
+                        <a:rPr lang="ko-KR" altLang="en-US" sz="1400" dirty="0" smtClean="0">
+                          <a:latin typeface="Noto Sans KR Medium" pitchFamily="34" charset="-127"/>
+                          <a:ea typeface="Noto Sans KR Medium" pitchFamily="34" charset="-127"/>
+                        </a:rPr>
+                        <a:t> 월드타임 세이브</a:t>
+                      </a:r>
+                      <a:r>
+                        <a:rPr lang="en-US" altLang="ko-KR" sz="1400" dirty="0" smtClean="0">
+                          <a:latin typeface="Noto Sans KR Medium" pitchFamily="34" charset="-127"/>
+                          <a:ea typeface="Noto Sans KR Medium" pitchFamily="34" charset="-127"/>
+                        </a:rPr>
+                        <a:t>,</a:t>
+                      </a:r>
+                      <a:r>
+                        <a:rPr lang="ko-KR" altLang="en-US" sz="1400" dirty="0" smtClean="0">
+                          <a:latin typeface="Noto Sans KR Medium" pitchFamily="34" charset="-127"/>
+                          <a:ea typeface="Noto Sans KR Medium" pitchFamily="34" charset="-127"/>
+                        </a:rPr>
+                        <a:t>로드</a:t>
+                      </a:r>
+                      <a:endParaRPr lang="en-US" altLang="ko-KR" sz="1400" dirty="0" smtClean="0">
+                        <a:latin typeface="Noto Sans KR Medium" pitchFamily="34" charset="-127"/>
+                        <a:ea typeface="Noto Sans KR Medium" pitchFamily="34" charset="-127"/>
+                      </a:endParaRPr>
+                    </a:p>
+                    <a:p>
+                      <a:pPr algn="ctr" latinLnBrk="1"/>
+                      <a:r>
+                        <a:rPr lang="ko-KR" altLang="en-US" sz="1400" smtClean="0">
+                          <a:latin typeface="Noto Sans KR Medium" pitchFamily="34" charset="-127"/>
+                          <a:ea typeface="Noto Sans KR Medium" pitchFamily="34" charset="-127"/>
+                        </a:rPr>
+                        <a:t>시계 돌리기 하다 맘</a:t>
+                      </a:r>
+                      <a:endParaRPr lang="ko-KR" altLang="en-US" sz="1400" dirty="0">
+                        <a:latin typeface="Noto Sans KR Medium" pitchFamily="34" charset="-127"/>
+                        <a:ea typeface="Noto Sans KR Medium" pitchFamily="34" charset="-127"/>
+                      </a:endParaRPr>
+                    </a:p>
+                  </a:txBody>
+                  <a:tcPr/>
+                </a:tc>
+                <a:extLst>
+                  <a:ext uri="{0D108BD9-81ED-4DB2-BD59-A6C34878D82A}">
+                    <a16:rowId xmlns="" xmlns:a16="http://schemas.microsoft.com/office/drawing/2014/main" val="10002"/>
+                  </a:ext>
+                </a:extLst>
+              </a:tr>
+              <a:tr h="693844">
+                <a:tc>
+                  <a:txBody>
+                    <a:bodyPr/>
+                    <a:lstStyle/>
+                    <a:p>
+                      <a:pPr algn="ctr" latinLnBrk="1"/>
+                      <a:r>
+                        <a:rPr lang="en-US" altLang="ko-KR" sz="1400" dirty="0" smtClean="0">
+                          <a:latin typeface="Noto Sans KR Medium" pitchFamily="34" charset="-127"/>
+                          <a:ea typeface="Noto Sans KR Medium" pitchFamily="34" charset="-127"/>
+                        </a:rPr>
+                        <a:t>11-18</a:t>
+                      </a:r>
+                      <a:endParaRPr lang="ko-KR" altLang="en-US" sz="1400" dirty="0">
+                        <a:latin typeface="Noto Sans KR Medium" pitchFamily="34" charset="-127"/>
+                        <a:ea typeface="Noto Sans KR Medium" pitchFamily="34" charset="-127"/>
+                      </a:endParaRPr>
+                    </a:p>
+                  </a:txBody>
+                  <a:tcPr/>
+                </a:tc>
+                <a:tc>
+                  <a:txBody>
+                    <a:bodyPr/>
+                    <a:lstStyle/>
+                    <a:p>
+                      <a:pPr algn="ctr" latinLnBrk="1"/>
+                      <a:endParaRPr lang="ko-KR" altLang="en-US" sz="1400" dirty="0">
+                        <a:latin typeface="Noto Sans KR Medium" pitchFamily="34" charset="-127"/>
+                        <a:ea typeface="Noto Sans KR Medium" pitchFamily="34" charset="-127"/>
+                      </a:endParaRPr>
+                    </a:p>
+                  </a:txBody>
+                  <a:tcPr/>
+                </a:tc>
+                <a:tc>
+                  <a:txBody>
+                    <a:bodyPr/>
+                    <a:lstStyle/>
+                    <a:p>
+                      <a:pPr algn="ctr" latinLnBrk="1"/>
+                      <a:endParaRPr lang="ko-KR" altLang="en-US" sz="1400" dirty="0">
+                        <a:latin typeface="Noto Sans KR Medium" pitchFamily="34" charset="-127"/>
+                        <a:ea typeface="Noto Sans KR Medium" pitchFamily="34" charset="-127"/>
+                      </a:endParaRPr>
+                    </a:p>
+                  </a:txBody>
+                  <a:tcPr/>
+                </a:tc>
+                <a:extLst>
+                  <a:ext uri="{0D108BD9-81ED-4DB2-BD59-A6C34878D82A}">
+                    <a16:rowId xmlns="" xmlns:a16="http://schemas.microsoft.com/office/drawing/2014/main" val="10003"/>
+                  </a:ext>
+                </a:extLst>
+              </a:tr>
+              <a:tr h="693844">
+                <a:tc>
+                  <a:txBody>
+                    <a:bodyPr/>
+                    <a:lstStyle/>
+                    <a:p>
+                      <a:pPr algn="ctr" latinLnBrk="1"/>
+                      <a:r>
+                        <a:rPr lang="en-US" altLang="ko-KR" sz="1400" dirty="0" smtClean="0">
+                          <a:latin typeface="Noto Sans KR Medium" pitchFamily="34" charset="-127"/>
+                          <a:ea typeface="Noto Sans KR Medium" pitchFamily="34" charset="-127"/>
+                        </a:rPr>
+                        <a:t>11-19</a:t>
+                      </a:r>
+                      <a:endParaRPr lang="ko-KR" altLang="en-US" sz="1400" dirty="0">
+                        <a:latin typeface="Noto Sans KR Medium" pitchFamily="34" charset="-127"/>
+                        <a:ea typeface="Noto Sans KR Medium" pitchFamily="34" charset="-127"/>
+                      </a:endParaRPr>
+                    </a:p>
+                  </a:txBody>
+                  <a:tcPr/>
+                </a:tc>
+                <a:tc>
+                  <a:txBody>
+                    <a:bodyPr/>
+                    <a:lstStyle/>
+                    <a:p>
+                      <a:pPr algn="ctr" latinLnBrk="1"/>
+                      <a:endParaRPr lang="en-US" altLang="ko-KR" sz="1400" baseline="0" dirty="0">
+                        <a:latin typeface="Noto Sans KR Medium" pitchFamily="34" charset="-127"/>
+                        <a:ea typeface="Noto Sans KR Medium" pitchFamily="34" charset="-127"/>
+                      </a:endParaRPr>
+                    </a:p>
+                  </a:txBody>
+                  <a:tcPr/>
+                </a:tc>
+                <a:tc>
+                  <a:txBody>
+                    <a:bodyPr/>
+                    <a:lstStyle/>
+                    <a:p>
+                      <a:pPr algn="ctr" latinLnBrk="1"/>
+                      <a:endParaRPr lang="ko-KR" altLang="en-US" sz="1400" dirty="0">
+                        <a:latin typeface="Noto Sans KR Medium" pitchFamily="34" charset="-127"/>
+                        <a:ea typeface="Noto Sans KR Medium" pitchFamily="34" charset="-127"/>
+                      </a:endParaRPr>
+                    </a:p>
+                  </a:txBody>
+                  <a:tcPr/>
+                </a:tc>
+                <a:extLst>
+                  <a:ext uri="{0D108BD9-81ED-4DB2-BD59-A6C34878D82A}">
+                    <a16:rowId xmlns="" xmlns:a16="http://schemas.microsoft.com/office/drawing/2014/main" val="10004"/>
+                  </a:ext>
+                </a:extLst>
+              </a:tr>
+              <a:tr h="693844">
+                <a:tc>
+                  <a:txBody>
+                    <a:bodyPr/>
+                    <a:lstStyle/>
+                    <a:p>
+                      <a:pPr algn="ctr" latinLnBrk="1"/>
+                      <a:r>
+                        <a:rPr lang="en-US" altLang="ko-KR" sz="1400" dirty="0" smtClean="0">
+                          <a:latin typeface="Noto Sans KR Medium" pitchFamily="34" charset="-127"/>
+                          <a:ea typeface="Noto Sans KR Medium" pitchFamily="34" charset="-127"/>
+                        </a:rPr>
+                        <a:t>11-20</a:t>
+                      </a:r>
+                      <a:endParaRPr lang="ko-KR" altLang="en-US" sz="1400" dirty="0">
+                        <a:latin typeface="Noto Sans KR Medium" pitchFamily="34" charset="-127"/>
+                        <a:ea typeface="Noto Sans KR Medium" pitchFamily="34" charset="-127"/>
+                      </a:endParaRPr>
+                    </a:p>
+                  </a:txBody>
+                  <a:tcPr/>
+                </a:tc>
+                <a:tc>
+                  <a:txBody>
+                    <a:bodyPr/>
+                    <a:lstStyle/>
+                    <a:p>
+                      <a:pPr algn="ctr" latinLnBrk="1"/>
+                      <a:endParaRPr lang="ko-KR" altLang="en-US" sz="1400" dirty="0">
+                        <a:latin typeface="Noto Sans KR Medium" pitchFamily="34" charset="-127"/>
+                        <a:ea typeface="Noto Sans KR Medium" pitchFamily="34" charset="-127"/>
+                      </a:endParaRPr>
+                    </a:p>
+                  </a:txBody>
+                  <a:tcPr/>
+                </a:tc>
+                <a:tc>
+                  <a:txBody>
+                    <a:bodyPr/>
+                    <a:lstStyle/>
+                    <a:p>
+                      <a:pPr algn="ctr" latinLnBrk="1"/>
+                      <a:endParaRPr lang="en-US" altLang="ko-KR" sz="1400" dirty="0">
+                        <a:latin typeface="Noto Sans KR Medium" pitchFamily="34" charset="-127"/>
+                        <a:ea typeface="Noto Sans KR Medium" pitchFamily="34" charset="-127"/>
+                      </a:endParaRPr>
+                    </a:p>
+                  </a:txBody>
+                  <a:tcPr/>
+                </a:tc>
+                <a:extLst>
+                  <a:ext uri="{0D108BD9-81ED-4DB2-BD59-A6C34878D82A}">
+                    <a16:rowId xmlns="" xmlns:a16="http://schemas.microsoft.com/office/drawing/2014/main" val="10005"/>
+                  </a:ext>
+                </a:extLst>
+              </a:tr>
+              <a:tr h="693844">
+                <a:tc>
+                  <a:txBody>
+                    <a:bodyPr/>
+                    <a:lstStyle/>
+                    <a:p>
+                      <a:pPr algn="ctr" latinLnBrk="1"/>
+                      <a:r>
+                        <a:rPr lang="en-US" altLang="ko-KR" sz="1400" dirty="0" smtClean="0">
+                          <a:latin typeface="Noto Sans KR Medium" pitchFamily="34" charset="-127"/>
+                          <a:ea typeface="Noto Sans KR Medium" pitchFamily="34" charset="-127"/>
+                        </a:rPr>
+                        <a:t>11-21</a:t>
+                      </a:r>
+                      <a:endParaRPr lang="ko-KR" altLang="en-US" sz="1400" dirty="0">
+                        <a:latin typeface="Noto Sans KR Medium" pitchFamily="34" charset="-127"/>
+                        <a:ea typeface="Noto Sans KR Medium" pitchFamily="34" charset="-127"/>
+                      </a:endParaRPr>
+                    </a:p>
+                  </a:txBody>
+                  <a:tcPr/>
+                </a:tc>
+                <a:tc>
+                  <a:txBody>
+                    <a:bodyPr/>
+                    <a:lstStyle/>
+                    <a:p>
+                      <a:pPr algn="ctr" latinLnBrk="1"/>
+                      <a:endParaRPr lang="ko-KR" altLang="en-US" sz="1400" dirty="0">
+                        <a:latin typeface="Noto Sans KR Medium" pitchFamily="34" charset="-127"/>
+                        <a:ea typeface="Noto Sans KR Medium" pitchFamily="34" charset="-127"/>
+                      </a:endParaRPr>
+                    </a:p>
+                  </a:txBody>
+                  <a:tcPr/>
+                </a:tc>
+                <a:tc>
+                  <a:txBody>
+                    <a:bodyPr/>
+                    <a:lstStyle/>
+                    <a:p>
+                      <a:pPr algn="ctr" latinLnBrk="1"/>
+                      <a:endParaRPr lang="ko-KR" altLang="en-US" sz="1400" dirty="0">
+                        <a:latin typeface="Noto Sans KR Medium" pitchFamily="34" charset="-127"/>
+                        <a:ea typeface="Noto Sans KR Medium" pitchFamily="34" charset="-127"/>
+                      </a:endParaRPr>
+                    </a:p>
+                  </a:txBody>
+                  <a:tcPr/>
+                </a:tc>
+                <a:extLst>
+                  <a:ext uri="{0D108BD9-81ED-4DB2-BD59-A6C34878D82A}">
+                    <a16:rowId xmlns="" xmlns:a16="http://schemas.microsoft.com/office/drawing/2014/main" val="10006"/>
+                  </a:ext>
+                </a:extLst>
+              </a:tr>
+            </a:tbl>
+          </a:graphicData>
+        </a:graphic>
+      </p:graphicFrame>
+    </p:spTree>
+    <p:extLst>
+      <p:ext uri="{BB962C8B-B14F-4D97-AF65-F5344CB8AC3E}">
+        <p14:creationId xmlns:p14="http://schemas.microsoft.com/office/powerpoint/2010/main" val="1192717728"/>
+      </p:ext>
+    </p:extLst>
+  </p:cSld>
+  <p:clrMapOvr>
+    <a:masterClrMapping/>
+  </p:clrMapOvr>
+</p:sld>
+</file>
+
+<file path=ppt/slides/slide2.xml><?xml version="1.0" encoding="utf-8"?>
+<p:sld xmlns:a="http://schemas.openxmlformats.org/drawingml/2006/main" xmlns:r="http://schemas.openxmlformats.org/officeDocument/2006/relationships" xmlns:p="http://schemas.openxmlformats.org/presentationml/2006/main">
+  <p:cSld>
+    <p:spTree>
+      <p:nvGrpSpPr>
+        <p:cNvPr id="1" name=""/>
+        <p:cNvGrpSpPr/>
+        <p:nvPr/>
+      </p:nvGrpSpPr>
+      <p:grpSpPr>
+        <a:xfrm>
+          <a:off x="0" y="0"/>
+          <a:ext cx="0" cy="0"/>
+          <a:chOff x="0" y="0"/>
+          <a:chExt cx="0" cy="0"/>
+        </a:xfrm>
+      </p:grpSpPr>
+      <p:sp>
+        <p:nvSpPr>
+          <p:cNvPr id="2" name="제목 1"/>
+          <p:cNvSpPr>
+            <a:spLocks noGrp="1"/>
+          </p:cNvSpPr>
+          <p:nvPr>
+            <p:ph type="title"/>
+          </p:nvPr>
+        </p:nvSpPr>
+        <p:spPr/>
+        <p:txBody>
+          <a:bodyPr/>
+          <a:lstStyle/>
+          <a:p>
+            <a:r>
+              <a:rPr lang="ko-KR" altLang="en-US" dirty="0">
+                <a:latin typeface="Noto Sans KR Medium" pitchFamily="34" charset="-127"/>
+                <a:ea typeface="Noto Sans KR Medium" pitchFamily="34" charset="-127"/>
+              </a:rPr>
+              <a:t>개요</a:t>
+            </a:r>
+          </a:p>
+        </p:txBody>
+      </p:sp>
+      <p:sp>
+        <p:nvSpPr>
+          <p:cNvPr id="3" name="내용 개체 틀 2"/>
+          <p:cNvSpPr>
+            <a:spLocks noGrp="1"/>
+          </p:cNvSpPr>
+          <p:nvPr>
+            <p:ph idx="1"/>
+          </p:nvPr>
+        </p:nvSpPr>
+        <p:spPr/>
+        <p:txBody>
+          <a:bodyPr/>
+          <a:lstStyle/>
+          <a:p>
+            <a:r>
+              <a:rPr lang="ko-KR" altLang="en-US" dirty="0" err="1">
+                <a:latin typeface="Noto Sans KR Medium" pitchFamily="34" charset="-127"/>
+                <a:ea typeface="Noto Sans KR Medium" pitchFamily="34" charset="-127"/>
+              </a:rPr>
+              <a:t>횡스크롤</a:t>
+            </a:r>
+            <a:r>
+              <a:rPr lang="ko-KR" altLang="en-US" dirty="0">
+                <a:latin typeface="Noto Sans KR Medium" pitchFamily="34" charset="-127"/>
+                <a:ea typeface="Noto Sans KR Medium" pitchFamily="34" charset="-127"/>
+              </a:rPr>
+              <a:t> </a:t>
+            </a:r>
+            <a:r>
+              <a:rPr lang="en-US" altLang="ko-KR" dirty="0">
+                <a:latin typeface="Noto Sans KR Medium" pitchFamily="34" charset="-127"/>
+                <a:ea typeface="Noto Sans KR Medium" pitchFamily="34" charset="-127"/>
+              </a:rPr>
+              <a:t>2d </a:t>
+            </a:r>
+            <a:r>
+              <a:rPr lang="ko-KR" altLang="en-US" dirty="0">
+                <a:latin typeface="Noto Sans KR Medium" pitchFamily="34" charset="-127"/>
+                <a:ea typeface="Noto Sans KR Medium" pitchFamily="34" charset="-127"/>
+              </a:rPr>
+              <a:t>게임이다</a:t>
+            </a:r>
+            <a:r>
+              <a:rPr lang="en-US" altLang="ko-KR" dirty="0">
+                <a:latin typeface="Noto Sans KR Medium" pitchFamily="34" charset="-127"/>
+                <a:ea typeface="Noto Sans KR Medium" pitchFamily="34" charset="-127"/>
+              </a:rPr>
+              <a:t>.</a:t>
+            </a:r>
+          </a:p>
+          <a:p>
+            <a:r>
+              <a:rPr lang="ko-KR" altLang="en-US" dirty="0">
+                <a:latin typeface="Noto Sans KR Medium" pitchFamily="34" charset="-127"/>
+                <a:ea typeface="Noto Sans KR Medium" pitchFamily="34" charset="-127"/>
+              </a:rPr>
+              <a:t>스테이지 별로 퍼즐을 배치해 두고 플레이어가 퍼즐을 풀어 스테이지를 </a:t>
+            </a:r>
+            <a:r>
+              <a:rPr lang="ko-KR" altLang="en-US" dirty="0" err="1">
+                <a:latin typeface="Noto Sans KR Medium" pitchFamily="34" charset="-127"/>
+                <a:ea typeface="Noto Sans KR Medium" pitchFamily="34" charset="-127"/>
+              </a:rPr>
+              <a:t>클리어한다</a:t>
+            </a:r>
+            <a:r>
+              <a:rPr lang="en-US" altLang="ko-KR" dirty="0">
+                <a:latin typeface="Noto Sans KR Medium" pitchFamily="34" charset="-127"/>
+                <a:ea typeface="Noto Sans KR Medium" pitchFamily="34" charset="-127"/>
+              </a:rPr>
+              <a:t>.</a:t>
+            </a:r>
+          </a:p>
+          <a:p>
+            <a:r>
+              <a:rPr lang="ko-KR" altLang="en-US" dirty="0">
+                <a:latin typeface="Noto Sans KR Medium" pitchFamily="34" charset="-127"/>
+                <a:ea typeface="Noto Sans KR Medium" pitchFamily="34" charset="-127"/>
+              </a:rPr>
+              <a:t>스토리를 진행하여 플레이 동기부여를 한다</a:t>
+            </a:r>
+            <a:r>
+              <a:rPr lang="en-US" altLang="ko-KR" dirty="0">
+                <a:latin typeface="Noto Sans KR Medium" pitchFamily="34" charset="-127"/>
+                <a:ea typeface="Noto Sans KR Medium" pitchFamily="34" charset="-127"/>
+              </a:rPr>
+              <a:t>.</a:t>
+            </a:r>
+          </a:p>
+          <a:p>
+            <a:endParaRPr lang="ko-KR" altLang="en-US" dirty="0">
+              <a:latin typeface="Noto Sans KR Medium" pitchFamily="34" charset="-127"/>
+              <a:ea typeface="Noto Sans KR Medium" pitchFamily="34" charset="-127"/>
+            </a:endParaRPr>
+          </a:p>
+        </p:txBody>
+      </p:sp>
+    </p:spTree>
+    <p:extLst>
+      <p:ext uri="{BB962C8B-B14F-4D97-AF65-F5344CB8AC3E}">
+        <p14:creationId xmlns:p14="http://schemas.microsoft.com/office/powerpoint/2010/main" val="4158975667"/>
+      </p:ext>
+    </p:extLst>
+  </p:cSld>
+  <p:clrMapOvr>
+    <a:masterClrMapping/>
+  </p:clrMapOvr>
+</p:sld>
+</file>
+
+<file path=ppt/slides/slide3.xml><?xml version="1.0" encoding="utf-8"?>
+<p:sld xmlns:a="http://schemas.openxmlformats.org/drawingml/2006/main" xmlns:r="http://schemas.openxmlformats.org/officeDocument/2006/relationships" xmlns:p="http://schemas.openxmlformats.org/presentationml/2006/main">
+  <p:cSld>
+    <p:spTree>
+      <p:nvGrpSpPr>
+        <p:cNvPr id="1" name=""/>
+        <p:cNvGrpSpPr/>
+        <p:nvPr/>
+      </p:nvGrpSpPr>
+      <p:grpSpPr>
+        <a:xfrm>
+          <a:off x="0" y="0"/>
+          <a:ext cx="0" cy="0"/>
+          <a:chOff x="0" y="0"/>
+          <a:chExt cx="0" cy="0"/>
+        </a:xfrm>
+      </p:grpSpPr>
+      <p:sp>
+        <p:nvSpPr>
+          <p:cNvPr id="2" name="제목 1"/>
+          <p:cNvSpPr>
+            <a:spLocks noGrp="1"/>
+          </p:cNvSpPr>
+          <p:nvPr>
+            <p:ph type="title"/>
+          </p:nvPr>
+        </p:nvSpPr>
+        <p:spPr/>
+        <p:txBody>
+          <a:bodyPr/>
+          <a:lstStyle/>
+          <a:p>
+            <a:r>
+              <a:rPr lang="ko-KR" altLang="en-US" dirty="0">
+                <a:latin typeface="Noto Sans KR Medium" pitchFamily="34" charset="-127"/>
+                <a:ea typeface="Noto Sans KR Medium" pitchFamily="34" charset="-127"/>
+              </a:rPr>
+              <a:t>게임 특징</a:t>
+            </a:r>
+          </a:p>
+        </p:txBody>
+      </p:sp>
+      <p:sp>
+        <p:nvSpPr>
+          <p:cNvPr id="3" name="내용 개체 틀 2"/>
+          <p:cNvSpPr>
+            <a:spLocks noGrp="1"/>
+          </p:cNvSpPr>
+          <p:nvPr>
+            <p:ph idx="1"/>
+          </p:nvPr>
+        </p:nvSpPr>
+        <p:spPr/>
+        <p:txBody>
+          <a:bodyPr/>
+          <a:lstStyle/>
+          <a:p>
+            <a:r>
+              <a:rPr lang="ko-KR" altLang="en-US" dirty="0">
+                <a:latin typeface="Noto Sans KR Medium" pitchFamily="34" charset="-127"/>
+                <a:ea typeface="Noto Sans KR Medium" pitchFamily="34" charset="-127"/>
+              </a:rPr>
+              <a:t>캐릭터 마다 정해진 속성이 있다</a:t>
+            </a:r>
+            <a:r>
+              <a:rPr lang="en-US" altLang="ko-KR" dirty="0">
+                <a:latin typeface="Noto Sans KR Medium" pitchFamily="34" charset="-127"/>
+                <a:ea typeface="Noto Sans KR Medium" pitchFamily="34" charset="-127"/>
+              </a:rPr>
+              <a:t>.</a:t>
+            </a:r>
+          </a:p>
+          <a:p>
+            <a:r>
+              <a:rPr lang="ko-KR" altLang="en-US" dirty="0">
+                <a:latin typeface="Noto Sans KR Medium" pitchFamily="34" charset="-127"/>
+                <a:ea typeface="Noto Sans KR Medium" pitchFamily="34" charset="-127"/>
+              </a:rPr>
+              <a:t>속성은 불</a:t>
+            </a:r>
+            <a:r>
+              <a:rPr lang="en-US" altLang="ko-KR" dirty="0">
+                <a:latin typeface="Noto Sans KR Medium" pitchFamily="34" charset="-127"/>
+                <a:ea typeface="Noto Sans KR Medium" pitchFamily="34" charset="-127"/>
+              </a:rPr>
+              <a:t>,</a:t>
+            </a:r>
+            <a:r>
+              <a:rPr lang="ko-KR" altLang="en-US" dirty="0">
+                <a:latin typeface="Noto Sans KR Medium" pitchFamily="34" charset="-127"/>
+                <a:ea typeface="Noto Sans KR Medium" pitchFamily="34" charset="-127"/>
+              </a:rPr>
+              <a:t> 물</a:t>
+            </a:r>
+            <a:r>
+              <a:rPr lang="en-US" altLang="ko-KR" dirty="0">
+                <a:latin typeface="Noto Sans KR Medium" pitchFamily="34" charset="-127"/>
+                <a:ea typeface="Noto Sans KR Medium" pitchFamily="34" charset="-127"/>
+              </a:rPr>
+              <a:t>, </a:t>
+            </a:r>
+            <a:r>
+              <a:rPr lang="ko-KR" altLang="en-US" dirty="0">
+                <a:latin typeface="Noto Sans KR Medium" pitchFamily="34" charset="-127"/>
+                <a:ea typeface="Noto Sans KR Medium" pitchFamily="34" charset="-127"/>
+              </a:rPr>
+              <a:t>땅</a:t>
+            </a:r>
+            <a:r>
+              <a:rPr lang="en-US" altLang="ko-KR" dirty="0">
+                <a:latin typeface="Noto Sans KR Medium" pitchFamily="34" charset="-127"/>
+                <a:ea typeface="Noto Sans KR Medium" pitchFamily="34" charset="-127"/>
+              </a:rPr>
+              <a:t>, </a:t>
+            </a:r>
+            <a:r>
+              <a:rPr lang="ko-KR" altLang="en-US" dirty="0">
+                <a:latin typeface="Noto Sans KR Medium" pitchFamily="34" charset="-127"/>
+                <a:ea typeface="Noto Sans KR Medium" pitchFamily="34" charset="-127"/>
+              </a:rPr>
+              <a:t>바람 으로 이루어져있다</a:t>
+            </a:r>
+            <a:r>
+              <a:rPr lang="en-US" altLang="ko-KR" dirty="0">
+                <a:latin typeface="Noto Sans KR Medium" pitchFamily="34" charset="-127"/>
+                <a:ea typeface="Noto Sans KR Medium" pitchFamily="34" charset="-127"/>
+              </a:rPr>
+              <a:t>.</a:t>
+            </a:r>
+          </a:p>
+          <a:p>
+            <a:r>
+              <a:rPr lang="ko-KR" altLang="en-US" dirty="0">
+                <a:latin typeface="Noto Sans KR Medium" pitchFamily="34" charset="-127"/>
+                <a:ea typeface="Noto Sans KR Medium" pitchFamily="34" charset="-127"/>
+              </a:rPr>
+              <a:t>플레이어는 캐릭터를 </a:t>
+            </a:r>
+            <a:r>
+              <a:rPr lang="en-US" altLang="ko-KR" dirty="0">
+                <a:latin typeface="Noto Sans KR Medium" pitchFamily="34" charset="-127"/>
+                <a:ea typeface="Noto Sans KR Medium" pitchFamily="34" charset="-127"/>
+              </a:rPr>
+              <a:t>4</a:t>
+            </a:r>
+            <a:r>
+              <a:rPr lang="ko-KR" altLang="en-US" dirty="0">
+                <a:latin typeface="Noto Sans KR Medium" pitchFamily="34" charset="-127"/>
+                <a:ea typeface="Noto Sans KR Medium" pitchFamily="34" charset="-127"/>
+              </a:rPr>
+              <a:t>명 소지하며 각각의 속성을 이용하여 퍼즐을 풀어 나갈 수 있다</a:t>
+            </a:r>
+            <a:r>
+              <a:rPr lang="en-US" altLang="ko-KR" dirty="0">
+                <a:latin typeface="Noto Sans KR Medium" pitchFamily="34" charset="-127"/>
+                <a:ea typeface="Noto Sans KR Medium" pitchFamily="34" charset="-127"/>
+              </a:rPr>
+              <a:t>.</a:t>
+            </a:r>
+          </a:p>
+          <a:p>
+            <a:r>
+              <a:rPr lang="ko-KR" altLang="en-US" dirty="0">
+                <a:latin typeface="Noto Sans KR Medium" pitchFamily="34" charset="-127"/>
+                <a:ea typeface="Noto Sans KR Medium" pitchFamily="34" charset="-127"/>
+              </a:rPr>
+              <a:t>플레이어는 원소 구슬에 원소를 저장할 수 있으며 저장된 원소 구슬을 사용하여 새로운 원소 </a:t>
+            </a:r>
+            <a:r>
+              <a:rPr lang="ko-KR" altLang="en-US" dirty="0" err="1">
+                <a:latin typeface="Noto Sans KR Medium" pitchFamily="34" charset="-127"/>
+                <a:ea typeface="Noto Sans KR Medium" pitchFamily="34" charset="-127"/>
+              </a:rPr>
+              <a:t>스킬을</a:t>
+            </a:r>
+            <a:r>
+              <a:rPr lang="ko-KR" altLang="en-US" dirty="0">
+                <a:latin typeface="Noto Sans KR Medium" pitchFamily="34" charset="-127"/>
+                <a:ea typeface="Noto Sans KR Medium" pitchFamily="34" charset="-127"/>
+              </a:rPr>
+              <a:t> 발동시킬 수 있다</a:t>
+            </a:r>
+            <a:r>
+              <a:rPr lang="en-US" altLang="ko-KR" dirty="0">
+                <a:latin typeface="Noto Sans KR Medium" pitchFamily="34" charset="-127"/>
+                <a:ea typeface="Noto Sans KR Medium" pitchFamily="34" charset="-127"/>
+              </a:rPr>
+              <a:t>.</a:t>
+            </a:r>
+          </a:p>
+          <a:p>
+            <a:r>
+              <a:rPr lang="ko-KR" altLang="en-US" dirty="0">
+                <a:latin typeface="Noto Sans KR Medium" pitchFamily="34" charset="-127"/>
+                <a:ea typeface="Noto Sans KR Medium" pitchFamily="34" charset="-127"/>
+              </a:rPr>
+              <a:t>스토리를 진행하면서 캐릭터를 동료로 영입한다</a:t>
+            </a:r>
+            <a:r>
+              <a:rPr lang="en-US" altLang="ko-KR" dirty="0">
+                <a:latin typeface="Noto Sans KR Medium" pitchFamily="34" charset="-127"/>
+                <a:ea typeface="Noto Sans KR Medium" pitchFamily="34" charset="-127"/>
+              </a:rPr>
+              <a:t>.</a:t>
+            </a:r>
+          </a:p>
+          <a:p>
+            <a:r>
+              <a:rPr lang="ko-KR" altLang="en-US" dirty="0">
+                <a:latin typeface="Noto Sans KR Medium" pitchFamily="34" charset="-127"/>
+                <a:ea typeface="Noto Sans KR Medium" pitchFamily="34" charset="-127"/>
+              </a:rPr>
+              <a:t>유저는 상황에 따라서 플레이어를 변경하여 퍼즐을 풀어 나간다</a:t>
+            </a:r>
+            <a:r>
+              <a:rPr lang="en-US" altLang="ko-KR" dirty="0">
+                <a:latin typeface="Noto Sans KR Medium" pitchFamily="34" charset="-127"/>
+                <a:ea typeface="Noto Sans KR Medium" pitchFamily="34" charset="-127"/>
+              </a:rPr>
+              <a:t>.</a:t>
+            </a:r>
+            <a:endParaRPr lang="ko-KR" altLang="en-US" dirty="0">
+              <a:latin typeface="Noto Sans KR Medium" pitchFamily="34" charset="-127"/>
+              <a:ea typeface="Noto Sans KR Medium" pitchFamily="34" charset="-127"/>
+            </a:endParaRPr>
+          </a:p>
+        </p:txBody>
+      </p:sp>
+    </p:spTree>
+    <p:extLst>
+      <p:ext uri="{BB962C8B-B14F-4D97-AF65-F5344CB8AC3E}">
+        <p14:creationId xmlns:p14="http://schemas.microsoft.com/office/powerpoint/2010/main" val="2693528841"/>
+      </p:ext>
+    </p:extLst>
+  </p:cSld>
+  <p:clrMapOvr>
+    <a:masterClrMapping/>
+  </p:clrMapOvr>
+</p:sld>
+</file>
+
+<file path=ppt/slides/slide4.xml><?xml version="1.0" encoding="utf-8"?>
+<p:sld xmlns:a="http://schemas.openxmlformats.org/drawingml/2006/main" xmlns:r="http://schemas.openxmlformats.org/officeDocument/2006/relationships" xmlns:p="http://schemas.openxmlformats.org/presentationml/2006/main">
+  <p:cSld>
+    <p:spTree>
+      <p:nvGrpSpPr>
+        <p:cNvPr id="1" name=""/>
+        <p:cNvGrpSpPr/>
+        <p:nvPr/>
+      </p:nvGrpSpPr>
+      <p:grpSpPr>
+        <a:xfrm>
+          <a:off x="0" y="0"/>
+          <a:ext cx="0" cy="0"/>
+          <a:chOff x="0" y="0"/>
+          <a:chExt cx="0" cy="0"/>
+        </a:xfrm>
+      </p:grpSpPr>
+      <p:sp>
+        <p:nvSpPr>
+          <p:cNvPr id="2" name="제목 1"/>
+          <p:cNvSpPr>
+            <a:spLocks noGrp="1"/>
+          </p:cNvSpPr>
+          <p:nvPr>
+            <p:ph type="title"/>
+          </p:nvPr>
+        </p:nvSpPr>
+        <p:spPr/>
+        <p:txBody>
+          <a:bodyPr/>
+          <a:lstStyle/>
+          <a:p>
+            <a:r>
+              <a:rPr lang="ko-KR" altLang="en-US" dirty="0">
+                <a:latin typeface="Noto Sans KR Medium" pitchFamily="34" charset="-127"/>
+                <a:ea typeface="Noto Sans KR Medium" pitchFamily="34" charset="-127"/>
+              </a:rPr>
+              <a:t>퍼즐 </a:t>
+            </a:r>
+            <a:r>
+              <a:rPr lang="ko-KR" altLang="en-US" dirty="0" err="1">
+                <a:latin typeface="Noto Sans KR Medium" pitchFamily="34" charset="-127"/>
+                <a:ea typeface="Noto Sans KR Medium" pitchFamily="34" charset="-127"/>
+              </a:rPr>
+              <a:t>로직</a:t>
+            </a:r>
+            <a:endParaRPr lang="ko-KR" altLang="en-US" dirty="0">
+              <a:latin typeface="Noto Sans KR Medium" pitchFamily="34" charset="-127"/>
+              <a:ea typeface="Noto Sans KR Medium" pitchFamily="34" charset="-127"/>
+            </a:endParaRPr>
+          </a:p>
+        </p:txBody>
+      </p:sp>
+      <p:sp>
+        <p:nvSpPr>
+          <p:cNvPr id="3" name="내용 개체 틀 2"/>
+          <p:cNvSpPr>
+            <a:spLocks noGrp="1"/>
+          </p:cNvSpPr>
+          <p:nvPr>
+            <p:ph idx="1"/>
+          </p:nvPr>
+        </p:nvSpPr>
+        <p:spPr/>
+        <p:txBody>
+          <a:bodyPr/>
+          <a:lstStyle/>
+          <a:p>
+            <a:pPr>
+              <a:buFont typeface="Wingdings" panose="05000000000000000000" pitchFamily="2" charset="2"/>
+              <a:buChar char="l"/>
+            </a:pPr>
+            <a:r>
+              <a:rPr lang="ko-KR" altLang="en-US" dirty="0" smtClean="0">
+                <a:latin typeface="Noto Sans KR Medium" pitchFamily="34" charset="-127"/>
+                <a:ea typeface="Noto Sans KR Medium" pitchFamily="34" charset="-127"/>
+              </a:rPr>
+              <a:t>무게 발판</a:t>
+            </a:r>
+            <a:endParaRPr lang="en-US" altLang="ko-KR" dirty="0">
+              <a:latin typeface="Noto Sans KR Medium" pitchFamily="34" charset="-127"/>
+              <a:ea typeface="Noto Sans KR Medium" pitchFamily="34" charset="-127"/>
+            </a:endParaRPr>
+          </a:p>
+          <a:p>
+            <a:pPr marL="457200" indent="-457200">
+              <a:buFont typeface="+mj-lt"/>
+              <a:buAutoNum type="arabicPeriod"/>
+            </a:pPr>
+            <a:r>
+              <a:rPr lang="ko-KR" altLang="en-US" dirty="0">
+                <a:latin typeface="Noto Sans KR Medium" pitchFamily="34" charset="-127"/>
+                <a:ea typeface="Noto Sans KR Medium" pitchFamily="34" charset="-127"/>
+              </a:rPr>
+              <a:t>일정 무게가 올라오면 작동하는 </a:t>
+            </a:r>
+            <a:r>
+              <a:rPr lang="ko-KR" altLang="en-US" dirty="0" err="1">
+                <a:latin typeface="Noto Sans KR Medium" pitchFamily="34" charset="-127"/>
+                <a:ea typeface="Noto Sans KR Medium" pitchFamily="34" charset="-127"/>
+              </a:rPr>
+              <a:t>기믹</a:t>
+            </a:r>
+            <a:endParaRPr lang="en-US" altLang="ko-KR" dirty="0">
+              <a:latin typeface="Noto Sans KR Medium" pitchFamily="34" charset="-127"/>
+              <a:ea typeface="Noto Sans KR Medium" pitchFamily="34" charset="-127"/>
+            </a:endParaRPr>
+          </a:p>
+          <a:p>
+            <a:pPr marL="457200" indent="-457200">
+              <a:buFont typeface="+mj-lt"/>
+              <a:buAutoNum type="arabicPeriod"/>
+            </a:pPr>
+            <a:r>
+              <a:rPr lang="ko-KR" altLang="en-US" dirty="0">
+                <a:latin typeface="Noto Sans KR Medium" pitchFamily="34" charset="-127"/>
+                <a:ea typeface="Noto Sans KR Medium" pitchFamily="34" charset="-127"/>
+              </a:rPr>
+              <a:t>캐릭터가 직접 올라가거나 스킬</a:t>
+            </a:r>
+            <a:r>
+              <a:rPr lang="en-US" altLang="ko-KR" dirty="0">
+                <a:latin typeface="Noto Sans KR Medium" pitchFamily="34" charset="-127"/>
+                <a:ea typeface="Noto Sans KR Medium" pitchFamily="34" charset="-127"/>
+              </a:rPr>
+              <a:t>, </a:t>
+            </a:r>
+            <a:r>
+              <a:rPr lang="ko-KR" altLang="en-US" dirty="0">
+                <a:latin typeface="Noto Sans KR Medium" pitchFamily="34" charset="-127"/>
+                <a:ea typeface="Noto Sans KR Medium" pitchFamily="34" charset="-127"/>
+              </a:rPr>
+              <a:t>오브젝트를 이용하여 작동 가능</a:t>
+            </a:r>
+            <a:endParaRPr lang="en-US" altLang="ko-KR" dirty="0">
+              <a:latin typeface="Noto Sans KR Medium" pitchFamily="34" charset="-127"/>
+              <a:ea typeface="Noto Sans KR Medium" pitchFamily="34" charset="-127"/>
+            </a:endParaRPr>
+          </a:p>
+          <a:p>
+            <a:pPr>
+              <a:buFont typeface="Wingdings" panose="05000000000000000000" pitchFamily="2" charset="2"/>
+              <a:buChar char="l"/>
+            </a:pPr>
+            <a:r>
+              <a:rPr lang="ko-KR" altLang="en-US" dirty="0">
+                <a:latin typeface="Noto Sans KR Medium" pitchFamily="34" charset="-127"/>
+                <a:ea typeface="Noto Sans KR Medium" pitchFamily="34" charset="-127"/>
+              </a:rPr>
+              <a:t>속성 </a:t>
+            </a:r>
+            <a:r>
+              <a:rPr lang="ko-KR" altLang="en-US" dirty="0" smtClean="0">
+                <a:latin typeface="Noto Sans KR Medium" pitchFamily="34" charset="-127"/>
+                <a:ea typeface="Noto Sans KR Medium" pitchFamily="34" charset="-127"/>
+              </a:rPr>
+              <a:t>반응</a:t>
+            </a:r>
+            <a:endParaRPr lang="en-US" altLang="ko-KR" dirty="0">
+              <a:latin typeface="Noto Sans KR Medium" pitchFamily="34" charset="-127"/>
+              <a:ea typeface="Noto Sans KR Medium" pitchFamily="34" charset="-127"/>
+            </a:endParaRPr>
+          </a:p>
+          <a:p>
+            <a:pPr marL="457200" indent="-457200">
+              <a:buFont typeface="+mj-lt"/>
+              <a:buAutoNum type="arabicPeriod"/>
+            </a:pPr>
+            <a:r>
+              <a:rPr lang="ko-KR" altLang="en-US" dirty="0">
+                <a:latin typeface="Noto Sans KR Medium" pitchFamily="34" charset="-127"/>
+                <a:ea typeface="Noto Sans KR Medium" pitchFamily="34" charset="-127"/>
+              </a:rPr>
+              <a:t>특정 속성이 닿으면 작동하는 </a:t>
+            </a:r>
+            <a:r>
+              <a:rPr lang="ko-KR" altLang="en-US" dirty="0" err="1">
+                <a:latin typeface="Noto Sans KR Medium" pitchFamily="34" charset="-127"/>
+                <a:ea typeface="Noto Sans KR Medium" pitchFamily="34" charset="-127"/>
+              </a:rPr>
+              <a:t>기믹</a:t>
+            </a:r>
+            <a:endParaRPr lang="en-US" altLang="ko-KR" dirty="0">
+              <a:latin typeface="Noto Sans KR Medium" pitchFamily="34" charset="-127"/>
+              <a:ea typeface="Noto Sans KR Medium" pitchFamily="34" charset="-127"/>
+            </a:endParaRPr>
+          </a:p>
+          <a:p>
+            <a:pPr marL="457200" indent="-457200">
+              <a:buFont typeface="+mj-lt"/>
+              <a:buAutoNum type="arabicPeriod"/>
+            </a:pPr>
+            <a:r>
+              <a:rPr lang="ko-KR" altLang="en-US" dirty="0">
+                <a:latin typeface="Noto Sans KR Medium" pitchFamily="34" charset="-127"/>
+                <a:ea typeface="Noto Sans KR Medium" pitchFamily="34" charset="-127"/>
+              </a:rPr>
+              <a:t>플레이어 캐릭터의 스킬 혹은 원소 구슬을 활용하여 </a:t>
+            </a:r>
+            <a:r>
+              <a:rPr lang="ko-KR" altLang="en-US" dirty="0" smtClean="0">
+                <a:latin typeface="Noto Sans KR Medium" pitchFamily="34" charset="-127"/>
+                <a:ea typeface="Noto Sans KR Medium" pitchFamily="34" charset="-127"/>
+              </a:rPr>
+              <a:t>작동시킴</a:t>
+            </a:r>
+            <a:endParaRPr lang="en-US" altLang="ko-KR" dirty="0">
+              <a:latin typeface="Noto Sans KR Medium" pitchFamily="34" charset="-127"/>
+              <a:ea typeface="Noto Sans KR Medium" pitchFamily="34" charset="-127"/>
+            </a:endParaRPr>
+          </a:p>
+          <a:p>
+            <a:pPr>
+              <a:buFont typeface="Wingdings" panose="05000000000000000000" pitchFamily="2" charset="2"/>
+              <a:buChar char="l"/>
+            </a:pPr>
+            <a:r>
+              <a:rPr lang="ko-KR" altLang="en-US" dirty="0" smtClean="0">
+                <a:latin typeface="Noto Sans KR Medium" pitchFamily="34" charset="-127"/>
+                <a:ea typeface="Noto Sans KR Medium" pitchFamily="34" charset="-127"/>
+              </a:rPr>
+              <a:t>퍼즐</a:t>
+            </a:r>
+            <a:endParaRPr lang="en-US" altLang="ko-KR" dirty="0">
+              <a:latin typeface="Noto Sans KR Medium" pitchFamily="34" charset="-127"/>
+              <a:ea typeface="Noto Sans KR Medium" pitchFamily="34" charset="-127"/>
+            </a:endParaRPr>
+          </a:p>
+          <a:p>
+            <a:pPr marL="457200" indent="-457200">
+              <a:buFont typeface="+mj-lt"/>
+              <a:buAutoNum type="arabicPeriod"/>
+            </a:pPr>
+            <a:r>
+              <a:rPr lang="ko-KR" altLang="en-US" dirty="0" smtClean="0">
+                <a:latin typeface="Noto Sans KR Medium" pitchFamily="34" charset="-127"/>
+                <a:ea typeface="Noto Sans KR Medium" pitchFamily="34" charset="-127"/>
+              </a:rPr>
+              <a:t>필드에 있는 퍼즐을 습득하여 힌트를 보고 알맞게 </a:t>
+            </a:r>
+            <a:r>
+              <a:rPr lang="ko-KR" altLang="en-US" dirty="0" err="1" smtClean="0">
+                <a:latin typeface="Noto Sans KR Medium" pitchFamily="34" charset="-127"/>
+                <a:ea typeface="Noto Sans KR Medium" pitchFamily="34" charset="-127"/>
+              </a:rPr>
+              <a:t>끼워맞춤</a:t>
+            </a:r>
+            <a:endParaRPr lang="en-US" altLang="ko-KR" dirty="0" smtClean="0">
+              <a:latin typeface="Noto Sans KR Medium" pitchFamily="34" charset="-127"/>
+              <a:ea typeface="Noto Sans KR Medium" pitchFamily="34" charset="-127"/>
+            </a:endParaRPr>
+          </a:p>
+          <a:p>
+            <a:pPr marL="457200" indent="-457200">
+              <a:buFont typeface="+mj-lt"/>
+              <a:buAutoNum type="arabicPeriod"/>
+            </a:pPr>
+            <a:r>
+              <a:rPr lang="ko-KR" altLang="en-US" dirty="0" smtClean="0">
+                <a:latin typeface="Noto Sans KR Medium" pitchFamily="34" charset="-127"/>
+                <a:ea typeface="Noto Sans KR Medium" pitchFamily="34" charset="-127"/>
+              </a:rPr>
+              <a:t>클릭하여 같은 그림을 맞춰 다음 단계로 진행되게 함</a:t>
+            </a:r>
+            <a:r>
+              <a:rPr lang="en-US" altLang="ko-KR" dirty="0" smtClean="0">
+                <a:latin typeface="Noto Sans KR Medium" pitchFamily="34" charset="-127"/>
+                <a:ea typeface="Noto Sans KR Medium" pitchFamily="34" charset="-127"/>
+              </a:rPr>
+              <a:t>.</a:t>
+            </a:r>
+            <a:endParaRPr lang="ko-KR" altLang="en-US" dirty="0">
+              <a:latin typeface="Noto Sans KR Medium" pitchFamily="34" charset="-127"/>
+              <a:ea typeface="Noto Sans KR Medium" pitchFamily="34" charset="-127"/>
+            </a:endParaRPr>
+          </a:p>
+        </p:txBody>
+      </p:sp>
+    </p:spTree>
+    <p:extLst>
+      <p:ext uri="{BB962C8B-B14F-4D97-AF65-F5344CB8AC3E}">
+        <p14:creationId xmlns:p14="http://schemas.microsoft.com/office/powerpoint/2010/main" val="2828355218"/>
+      </p:ext>
+    </p:extLst>
+  </p:cSld>
+  <p:clrMapOvr>
+    <a:masterClrMapping/>
+  </p:clrMapOvr>
+</p:sld>
+</file>
+
+<file path=ppt/slides/slide5.xml><?xml version="1.0" encoding="utf-8"?>
+<p:sld xmlns:a="http://schemas.openxmlformats.org/drawingml/2006/main" xmlns:r="http://schemas.openxmlformats.org/officeDocument/2006/relationships" xmlns:p="http://schemas.openxmlformats.org/presentationml/2006/main">
+  <p:cSld>
+    <p:spTree>
+      <p:nvGrpSpPr>
+        <p:cNvPr id="1" name=""/>
+        <p:cNvGrpSpPr/>
+        <p:nvPr/>
+      </p:nvGrpSpPr>
+      <p:grpSpPr>
+        <a:xfrm>
+          <a:off x="0" y="0"/>
+          <a:ext cx="0" cy="0"/>
+          <a:chOff x="0" y="0"/>
+          <a:chExt cx="0" cy="0"/>
+        </a:xfrm>
+      </p:grpSpPr>
+      <p:sp>
+        <p:nvSpPr>
+          <p:cNvPr id="2" name="제목 1"/>
+          <p:cNvSpPr>
+            <a:spLocks noGrp="1"/>
+          </p:cNvSpPr>
+          <p:nvPr>
+            <p:ph type="title"/>
+          </p:nvPr>
+        </p:nvSpPr>
+        <p:spPr/>
+        <p:txBody>
+          <a:bodyPr/>
+          <a:lstStyle/>
+          <a:p>
+            <a:r>
+              <a:rPr lang="ko-KR" altLang="en-US" dirty="0">
+                <a:latin typeface="Noto Sans KR Medium" pitchFamily="34" charset="-127"/>
+                <a:ea typeface="Noto Sans KR Medium" pitchFamily="34" charset="-127"/>
+              </a:rPr>
+              <a:t>원소 구슬</a:t>
+            </a:r>
+          </a:p>
+        </p:txBody>
+      </p:sp>
+      <p:sp>
+        <p:nvSpPr>
+          <p:cNvPr id="3" name="내용 개체 틀 2"/>
+          <p:cNvSpPr>
+            <a:spLocks noGrp="1"/>
+          </p:cNvSpPr>
+          <p:nvPr>
+            <p:ph idx="1"/>
+          </p:nvPr>
+        </p:nvSpPr>
+        <p:spPr/>
+        <p:txBody>
+          <a:bodyPr>
+            <a:normAutofit fontScale="92500"/>
+          </a:bodyPr>
+          <a:lstStyle/>
+          <a:p>
+            <a:pPr marL="0" indent="0">
+              <a:buNone/>
+            </a:pPr>
+            <a:r>
+              <a:rPr lang="ko-KR" altLang="en-US" dirty="0">
+                <a:latin typeface="Noto Sans KR Medium" pitchFamily="34" charset="-127"/>
+                <a:ea typeface="Noto Sans KR Medium" pitchFamily="34" charset="-127"/>
+              </a:rPr>
+              <a:t>사용 방법 </a:t>
+            </a:r>
+            <a:r>
+              <a:rPr lang="en-US" altLang="ko-KR" dirty="0">
+                <a:latin typeface="Noto Sans KR Medium" pitchFamily="34" charset="-127"/>
+                <a:ea typeface="Noto Sans KR Medium" pitchFamily="34" charset="-127"/>
+              </a:rPr>
+              <a:t>: </a:t>
+            </a:r>
+            <a:r>
+              <a:rPr lang="ko-KR" altLang="en-US" dirty="0">
+                <a:latin typeface="Noto Sans KR Medium" pitchFamily="34" charset="-127"/>
+                <a:ea typeface="Noto Sans KR Medium" pitchFamily="34" charset="-127"/>
+              </a:rPr>
+              <a:t>클릭 후 원소가 태그인 오브젝트 클릭 시 해당 원소 </a:t>
+            </a:r>
+            <a:endParaRPr lang="en-US" altLang="ko-KR" dirty="0">
+              <a:latin typeface="Noto Sans KR Medium" pitchFamily="34" charset="-127"/>
+              <a:ea typeface="Noto Sans KR Medium" pitchFamily="34" charset="-127"/>
+            </a:endParaRPr>
+          </a:p>
+          <a:p>
+            <a:pPr marL="0" indent="0">
+              <a:buNone/>
+            </a:pPr>
+            <a:r>
+              <a:rPr lang="ko-KR" altLang="en-US" dirty="0">
+                <a:latin typeface="Noto Sans KR Medium" pitchFamily="34" charset="-127"/>
+                <a:ea typeface="Noto Sans KR Medium" pitchFamily="34" charset="-127"/>
+              </a:rPr>
+              <a:t>구슬로 변경 </a:t>
+            </a:r>
+            <a:r>
+              <a:rPr lang="en-US" altLang="ko-KR" dirty="0">
+                <a:latin typeface="Noto Sans KR Medium" pitchFamily="34" charset="-127"/>
+                <a:ea typeface="Noto Sans KR Medium" pitchFamily="34" charset="-127"/>
+              </a:rPr>
+              <a:t>(</a:t>
+            </a:r>
+            <a:r>
+              <a:rPr lang="ko-KR" altLang="en-US" dirty="0">
+                <a:latin typeface="Noto Sans KR Medium" pitchFamily="34" charset="-127"/>
+                <a:ea typeface="Noto Sans KR Medium" pitchFamily="34" charset="-127"/>
+              </a:rPr>
+              <a:t>사용 후 </a:t>
+            </a:r>
+            <a:r>
+              <a:rPr lang="ko-KR" altLang="en-US" dirty="0" err="1">
+                <a:latin typeface="Noto Sans KR Medium" pitchFamily="34" charset="-127"/>
+                <a:ea typeface="Noto Sans KR Medium" pitchFamily="34" charset="-127"/>
+              </a:rPr>
+              <a:t>쿨타임</a:t>
+            </a:r>
+            <a:r>
+              <a:rPr lang="ko-KR" altLang="en-US" dirty="0">
+                <a:latin typeface="Noto Sans KR Medium" pitchFamily="34" charset="-127"/>
+                <a:ea typeface="Noto Sans KR Medium" pitchFamily="34" charset="-127"/>
+              </a:rPr>
+              <a:t> </a:t>
+            </a:r>
+            <a:r>
+              <a:rPr lang="en-US" altLang="ko-KR" dirty="0">
+                <a:latin typeface="Noto Sans KR Medium" pitchFamily="34" charset="-127"/>
+                <a:ea typeface="Noto Sans KR Medium" pitchFamily="34" charset="-127"/>
+              </a:rPr>
+              <a:t>15</a:t>
+            </a:r>
+            <a:r>
+              <a:rPr lang="ko-KR" altLang="en-US" dirty="0">
+                <a:latin typeface="Noto Sans KR Medium" pitchFamily="34" charset="-127"/>
+                <a:ea typeface="Noto Sans KR Medium" pitchFamily="34" charset="-127"/>
+              </a:rPr>
+              <a:t>초</a:t>
+            </a:r>
+            <a:r>
+              <a:rPr lang="en-US" altLang="ko-KR" dirty="0">
+                <a:latin typeface="Noto Sans KR Medium" pitchFamily="34" charset="-127"/>
+                <a:ea typeface="Noto Sans KR Medium" pitchFamily="34" charset="-127"/>
+              </a:rPr>
+              <a:t>)</a:t>
+            </a:r>
+          </a:p>
+          <a:p>
+            <a:pPr marL="0" indent="0">
+              <a:buNone/>
+            </a:pPr>
+            <a:endParaRPr lang="en-US" altLang="ko-KR" dirty="0">
+              <a:latin typeface="Noto Sans KR Medium" pitchFamily="34" charset="-127"/>
+              <a:ea typeface="Noto Sans KR Medium" pitchFamily="34" charset="-127"/>
+            </a:endParaRPr>
+          </a:p>
+          <a:p>
+            <a:pPr marL="0" indent="0">
+              <a:buNone/>
+            </a:pPr>
+            <a:r>
+              <a:rPr lang="ko-KR" altLang="en-US" dirty="0">
+                <a:latin typeface="Noto Sans KR Medium" pitchFamily="34" charset="-127"/>
+                <a:ea typeface="Noto Sans KR Medium" pitchFamily="34" charset="-127"/>
+              </a:rPr>
+              <a:t>땅 </a:t>
+            </a:r>
+            <a:r>
+              <a:rPr lang="en-US" altLang="ko-KR" dirty="0">
+                <a:latin typeface="Noto Sans KR Medium" pitchFamily="34" charset="-127"/>
+                <a:ea typeface="Noto Sans KR Medium" pitchFamily="34" charset="-127"/>
+              </a:rPr>
+              <a:t>: </a:t>
+            </a:r>
+            <a:r>
+              <a:rPr lang="ko-KR" altLang="en-US" dirty="0">
+                <a:latin typeface="Noto Sans KR Medium" pitchFamily="34" charset="-127"/>
+                <a:ea typeface="Noto Sans KR Medium" pitchFamily="34" charset="-127"/>
+              </a:rPr>
+              <a:t>플레이어 발 밑에서 서서히 올라오는 바위 오브젝트 생성</a:t>
+            </a:r>
+            <a:endParaRPr lang="en-US" altLang="ko-KR" dirty="0">
+              <a:latin typeface="Noto Sans KR Medium" pitchFamily="34" charset="-127"/>
+              <a:ea typeface="Noto Sans KR Medium" pitchFamily="34" charset="-127"/>
+            </a:endParaRPr>
+          </a:p>
+          <a:p>
+            <a:pPr marL="0" indent="0">
+              <a:buNone/>
+            </a:pPr>
+            <a:endParaRPr lang="en-US" altLang="ko-KR" dirty="0">
+              <a:latin typeface="Noto Sans KR Medium" pitchFamily="34" charset="-127"/>
+              <a:ea typeface="Noto Sans KR Medium" pitchFamily="34" charset="-127"/>
+            </a:endParaRPr>
+          </a:p>
+          <a:p>
+            <a:pPr marL="0" indent="0">
+              <a:buNone/>
+            </a:pPr>
+            <a:r>
+              <a:rPr lang="ko-KR" altLang="en-US" dirty="0">
+                <a:latin typeface="Noto Sans KR Medium" pitchFamily="34" charset="-127"/>
+                <a:ea typeface="Noto Sans KR Medium" pitchFamily="34" charset="-127"/>
+              </a:rPr>
+              <a:t>바람 </a:t>
+            </a:r>
+            <a:r>
+              <a:rPr lang="en-US" altLang="ko-KR" dirty="0">
+                <a:latin typeface="Noto Sans KR Medium" pitchFamily="34" charset="-127"/>
+                <a:ea typeface="Noto Sans KR Medium" pitchFamily="34" charset="-127"/>
+              </a:rPr>
+              <a:t>: </a:t>
+            </a:r>
+            <a:r>
+              <a:rPr lang="ko-KR" altLang="en-US" dirty="0">
+                <a:latin typeface="Noto Sans KR Medium" pitchFamily="34" charset="-127"/>
+                <a:ea typeface="Noto Sans KR Medium" pitchFamily="34" charset="-127"/>
+              </a:rPr>
+              <a:t>마우스 커서에 바람속성 오브젝트 </a:t>
+            </a:r>
+            <a:r>
+              <a:rPr lang="ko-KR" altLang="en-US" dirty="0" smtClean="0">
+                <a:latin typeface="Noto Sans KR Medium" pitchFamily="34" charset="-127"/>
+                <a:ea typeface="Noto Sans KR Medium" pitchFamily="34" charset="-127"/>
+              </a:rPr>
+              <a:t>생성 </a:t>
+            </a:r>
+            <a:r>
+              <a:rPr lang="en-US" altLang="ko-KR" dirty="0" smtClean="0">
+                <a:latin typeface="Noto Sans KR Medium" pitchFamily="34" charset="-127"/>
+                <a:ea typeface="Noto Sans KR Medium" pitchFamily="34" charset="-127"/>
+              </a:rPr>
+              <a:t>(</a:t>
+            </a:r>
+            <a:r>
+              <a:rPr lang="ko-KR" altLang="en-US" dirty="0" smtClean="0">
+                <a:latin typeface="Noto Sans KR Medium" pitchFamily="34" charset="-127"/>
+                <a:ea typeface="Noto Sans KR Medium" pitchFamily="34" charset="-127"/>
+              </a:rPr>
+              <a:t>오브젝트를 밀어 낼 수 있음</a:t>
+            </a:r>
+            <a:r>
+              <a:rPr lang="en-US" altLang="ko-KR" dirty="0" smtClean="0">
+                <a:latin typeface="Noto Sans KR Medium" pitchFamily="34" charset="-127"/>
+                <a:ea typeface="Noto Sans KR Medium" pitchFamily="34" charset="-127"/>
+              </a:rPr>
+              <a:t>)</a:t>
+            </a:r>
+            <a:endParaRPr lang="en-US" altLang="ko-KR" dirty="0">
+              <a:latin typeface="Noto Sans KR Medium" pitchFamily="34" charset="-127"/>
+              <a:ea typeface="Noto Sans KR Medium" pitchFamily="34" charset="-127"/>
+            </a:endParaRPr>
+          </a:p>
+          <a:p>
+            <a:pPr marL="0" indent="0">
+              <a:buNone/>
+            </a:pPr>
+            <a:endParaRPr lang="en-US" altLang="ko-KR" dirty="0">
+              <a:latin typeface="Noto Sans KR Medium" pitchFamily="34" charset="-127"/>
+              <a:ea typeface="Noto Sans KR Medium" pitchFamily="34" charset="-127"/>
+            </a:endParaRPr>
+          </a:p>
+          <a:p>
+            <a:pPr marL="0" indent="0">
+              <a:buNone/>
+            </a:pPr>
+            <a:r>
+              <a:rPr lang="ko-KR" altLang="en-US" dirty="0">
+                <a:latin typeface="Noto Sans KR Medium" pitchFamily="34" charset="-127"/>
+                <a:ea typeface="Noto Sans KR Medium" pitchFamily="34" charset="-127"/>
+              </a:rPr>
+              <a:t>물 </a:t>
+            </a:r>
+            <a:r>
+              <a:rPr lang="en-US" altLang="ko-KR" dirty="0">
+                <a:latin typeface="Noto Sans KR Medium" pitchFamily="34" charset="-127"/>
+                <a:ea typeface="Noto Sans KR Medium" pitchFamily="34" charset="-127"/>
+              </a:rPr>
+              <a:t>: </a:t>
+            </a:r>
+            <a:r>
+              <a:rPr lang="ko-KR" altLang="en-US" dirty="0">
+                <a:latin typeface="Noto Sans KR Medium" pitchFamily="34" charset="-127"/>
+                <a:ea typeface="Noto Sans KR Medium" pitchFamily="34" charset="-127"/>
+              </a:rPr>
+              <a:t>플레이어가 물의 형상으로 변함 </a:t>
+            </a:r>
+            <a:r>
+              <a:rPr lang="en-US" altLang="ko-KR" dirty="0">
+                <a:latin typeface="Noto Sans KR Medium" pitchFamily="34" charset="-127"/>
+                <a:ea typeface="Noto Sans KR Medium" pitchFamily="34" charset="-127"/>
+              </a:rPr>
+              <a:t>(</a:t>
+            </a:r>
+            <a:r>
+              <a:rPr lang="ko-KR" altLang="en-US" dirty="0">
+                <a:latin typeface="Noto Sans KR Medium" pitchFamily="34" charset="-127"/>
+                <a:ea typeface="Noto Sans KR Medium" pitchFamily="34" charset="-127"/>
+              </a:rPr>
+              <a:t>크기 작음</a:t>
+            </a:r>
+            <a:r>
+              <a:rPr lang="en-US" altLang="ko-KR" dirty="0">
+                <a:latin typeface="Noto Sans KR Medium" pitchFamily="34" charset="-127"/>
+                <a:ea typeface="Noto Sans KR Medium" pitchFamily="34" charset="-127"/>
+              </a:rPr>
+              <a:t>)</a:t>
+            </a:r>
+          </a:p>
+          <a:p>
+            <a:pPr marL="0" indent="0">
+              <a:buNone/>
+            </a:pPr>
+            <a:endParaRPr lang="en-US" altLang="ko-KR" dirty="0">
+              <a:latin typeface="Noto Sans KR Medium" pitchFamily="34" charset="-127"/>
+              <a:ea typeface="Noto Sans KR Medium" pitchFamily="34" charset="-127"/>
+            </a:endParaRPr>
+          </a:p>
+          <a:p>
+            <a:pPr marL="0" indent="0">
+              <a:buNone/>
+            </a:pPr>
+            <a:r>
+              <a:rPr lang="ko-KR" altLang="en-US" dirty="0">
+                <a:latin typeface="Noto Sans KR Medium" pitchFamily="34" charset="-127"/>
+                <a:ea typeface="Noto Sans KR Medium" pitchFamily="34" charset="-127"/>
+              </a:rPr>
+              <a:t>불 </a:t>
+            </a:r>
+            <a:r>
+              <a:rPr lang="en-US" altLang="ko-KR" dirty="0">
+                <a:latin typeface="Noto Sans KR Medium" pitchFamily="34" charset="-127"/>
+                <a:ea typeface="Noto Sans KR Medium" pitchFamily="34" charset="-127"/>
+              </a:rPr>
+              <a:t>: </a:t>
+            </a:r>
+            <a:r>
+              <a:rPr lang="ko-KR" altLang="en-US" dirty="0">
+                <a:latin typeface="Noto Sans KR Medium" pitchFamily="34" charset="-127"/>
+                <a:ea typeface="Noto Sans KR Medium" pitchFamily="34" charset="-127"/>
+              </a:rPr>
+              <a:t>플레이어가 마우스 클릭 시 마우스 클릭 위치를 향해 포물선으로 </a:t>
+            </a:r>
+            <a:r>
+              <a:rPr lang="ko-KR" altLang="en-US" dirty="0" err="1">
+                <a:latin typeface="Noto Sans KR Medium" pitchFamily="34" charset="-127"/>
+                <a:ea typeface="Noto Sans KR Medium" pitchFamily="34" charset="-127"/>
+              </a:rPr>
+              <a:t>화염구</a:t>
+            </a:r>
+            <a:r>
+              <a:rPr lang="ko-KR" altLang="en-US" dirty="0">
+                <a:latin typeface="Noto Sans KR Medium" pitchFamily="34" charset="-127"/>
+                <a:ea typeface="Noto Sans KR Medium" pitchFamily="34" charset="-127"/>
+              </a:rPr>
+              <a:t> 사출 </a:t>
+            </a:r>
+            <a:r>
+              <a:rPr lang="en-US" altLang="ko-KR" dirty="0">
+                <a:latin typeface="Noto Sans KR Medium" pitchFamily="34" charset="-127"/>
+                <a:ea typeface="Noto Sans KR Medium" pitchFamily="34" charset="-127"/>
+              </a:rPr>
+              <a:t>(1</a:t>
+            </a:r>
+            <a:r>
+              <a:rPr lang="ko-KR" altLang="en-US" dirty="0">
+                <a:latin typeface="Noto Sans KR Medium" pitchFamily="34" charset="-127"/>
+                <a:ea typeface="Noto Sans KR Medium" pitchFamily="34" charset="-127"/>
+              </a:rPr>
+              <a:t>회</a:t>
+            </a:r>
+            <a:r>
+              <a:rPr lang="en-US" altLang="ko-KR" dirty="0">
+                <a:latin typeface="Noto Sans KR Medium" pitchFamily="34" charset="-127"/>
+                <a:ea typeface="Noto Sans KR Medium" pitchFamily="34" charset="-127"/>
+              </a:rPr>
+              <a:t>) </a:t>
+            </a:r>
+            <a:r>
+              <a:rPr lang="ko-KR" altLang="en-US" dirty="0">
+                <a:latin typeface="Noto Sans KR Medium" pitchFamily="34" charset="-127"/>
+                <a:ea typeface="Noto Sans KR Medium" pitchFamily="34" charset="-127"/>
+              </a:rPr>
+              <a:t>화염구가 바닥에 닿을 시 불꽃 오브젝트 생성 </a:t>
+            </a:r>
+            <a:endParaRPr lang="en-US" altLang="ko-KR" dirty="0">
+              <a:latin typeface="Noto Sans KR Medium" pitchFamily="34" charset="-127"/>
+              <a:ea typeface="Noto Sans KR Medium" pitchFamily="34" charset="-127"/>
+            </a:endParaRPr>
+          </a:p>
+          <a:p>
+            <a:pPr marL="0" indent="0">
+              <a:buNone/>
+            </a:pPr>
+            <a:endParaRPr lang="en-US" altLang="ko-KR" dirty="0">
+              <a:latin typeface="Noto Sans KR Medium" pitchFamily="34" charset="-127"/>
+              <a:ea typeface="Noto Sans KR Medium" pitchFamily="34" charset="-127"/>
+            </a:endParaRPr>
+          </a:p>
+          <a:p>
+            <a:pPr marL="0" indent="0">
+              <a:buNone/>
+            </a:pPr>
+            <a:endParaRPr lang="ko-KR" altLang="en-US" dirty="0">
+              <a:latin typeface="Noto Sans KR Medium" pitchFamily="34" charset="-127"/>
+              <a:ea typeface="Noto Sans KR Medium" pitchFamily="34" charset="-127"/>
+            </a:endParaRPr>
+          </a:p>
+        </p:txBody>
+      </p:sp>
+    </p:spTree>
+    <p:extLst>
+      <p:ext uri="{BB962C8B-B14F-4D97-AF65-F5344CB8AC3E}">
+        <p14:creationId xmlns:p14="http://schemas.microsoft.com/office/powerpoint/2010/main" val="213043796"/>
+      </p:ext>
+    </p:extLst>
+  </p:cSld>
+  <p:clrMapOvr>
+    <a:masterClrMapping/>
+  </p:clrMapOvr>
+</p:sld>
+</file>
+
+<file path=ppt/slides/slide6.xml><?xml version="1.0" encoding="utf-8"?>
+<p:sld xmlns:a="http://schemas.openxmlformats.org/drawingml/2006/main" xmlns:r="http://schemas.openxmlformats.org/officeDocument/2006/relationships" xmlns:p="http://schemas.openxmlformats.org/presentationml/2006/main">
+  <p:cSld>
+    <p:spTree>
+      <p:nvGrpSpPr>
+        <p:cNvPr id="1" name=""/>
+        <p:cNvGrpSpPr/>
+        <p:nvPr/>
+      </p:nvGrpSpPr>
+      <p:grpSpPr>
+        <a:xfrm>
+          <a:off x="0" y="0"/>
+          <a:ext cx="0" cy="0"/>
+          <a:chOff x="0" y="0"/>
+          <a:chExt cx="0" cy="0"/>
+        </a:xfrm>
+      </p:grpSpPr>
+      <p:sp>
+        <p:nvSpPr>
+          <p:cNvPr id="2" name="제목 1"/>
+          <p:cNvSpPr>
+            <a:spLocks noGrp="1"/>
+          </p:cNvSpPr>
+          <p:nvPr>
+            <p:ph type="title"/>
+          </p:nvPr>
+        </p:nvSpPr>
+        <p:spPr/>
+        <p:txBody>
+          <a:bodyPr/>
+          <a:lstStyle/>
+          <a:p>
+            <a:r>
+              <a:rPr lang="ko-KR" altLang="en-US" dirty="0">
+                <a:latin typeface="Noto Sans KR Medium" pitchFamily="34" charset="-127"/>
+                <a:ea typeface="Noto Sans KR Medium" pitchFamily="34" charset="-127"/>
+              </a:rPr>
+              <a:t>게임 </a:t>
+            </a:r>
+            <a:r>
+              <a:rPr lang="ko-KR" altLang="en-US" dirty="0" smtClean="0">
+                <a:latin typeface="Noto Sans KR Medium" pitchFamily="34" charset="-127"/>
+                <a:ea typeface="Noto Sans KR Medium" pitchFamily="34" charset="-127"/>
+              </a:rPr>
+              <a:t>방식</a:t>
+            </a:r>
+            <a:endParaRPr lang="ko-KR" altLang="en-US" dirty="0">
+              <a:latin typeface="Noto Sans KR Medium" pitchFamily="34" charset="-127"/>
+              <a:ea typeface="Noto Sans KR Medium" pitchFamily="34" charset="-127"/>
+            </a:endParaRPr>
+          </a:p>
+        </p:txBody>
+      </p:sp>
+      <p:sp>
+        <p:nvSpPr>
+          <p:cNvPr id="3" name="내용 개체 틀 2"/>
+          <p:cNvSpPr>
+            <a:spLocks noGrp="1"/>
+          </p:cNvSpPr>
+          <p:nvPr>
+            <p:ph idx="1"/>
+          </p:nvPr>
+        </p:nvSpPr>
+        <p:spPr/>
+        <p:txBody>
+          <a:bodyPr/>
+          <a:lstStyle/>
+          <a:p>
+            <a:r>
+              <a:rPr lang="ko-KR" altLang="en-US" dirty="0" smtClean="0">
+                <a:latin typeface="Noto Sans KR Medium" pitchFamily="34" charset="-127"/>
+                <a:ea typeface="Noto Sans KR Medium" pitchFamily="34" charset="-127"/>
+              </a:rPr>
+              <a:t>메인 스토리</a:t>
+            </a:r>
+            <a:r>
+              <a:rPr lang="en-US" altLang="ko-KR" dirty="0" smtClean="0">
+                <a:latin typeface="Noto Sans KR Medium" pitchFamily="34" charset="-127"/>
+                <a:ea typeface="Noto Sans KR Medium" pitchFamily="34" charset="-127"/>
+              </a:rPr>
+              <a:t>1</a:t>
+            </a:r>
+            <a:r>
+              <a:rPr lang="ko-KR" altLang="en-US" dirty="0" smtClean="0">
+                <a:latin typeface="Noto Sans KR Medium" pitchFamily="34" charset="-127"/>
+                <a:ea typeface="Noto Sans KR Medium" pitchFamily="34" charset="-127"/>
+              </a:rPr>
+              <a:t>을 끝내면 마을에서 자유로이 게임을 플레이 할 수 </a:t>
+            </a:r>
+            <a:r>
+              <a:rPr lang="ko-KR" altLang="en-US" dirty="0" err="1" smtClean="0">
+                <a:latin typeface="Noto Sans KR Medium" pitchFamily="34" charset="-127"/>
+                <a:ea typeface="Noto Sans KR Medium" pitchFamily="34" charset="-127"/>
+              </a:rPr>
+              <a:t>있게된다</a:t>
+            </a:r>
+            <a:r>
+              <a:rPr lang="en-US" altLang="ko-KR" dirty="0" smtClean="0">
+                <a:latin typeface="Noto Sans KR Medium" pitchFamily="34" charset="-127"/>
+                <a:ea typeface="Noto Sans KR Medium" pitchFamily="34" charset="-127"/>
+              </a:rPr>
+              <a:t>.</a:t>
+            </a:r>
+          </a:p>
+          <a:p>
+            <a:r>
+              <a:rPr lang="ko-KR" altLang="en-US" dirty="0" smtClean="0">
+                <a:latin typeface="Noto Sans KR Medium" pitchFamily="34" charset="-127"/>
+                <a:ea typeface="Noto Sans KR Medium" pitchFamily="34" charset="-127"/>
+              </a:rPr>
+              <a:t>플레이어는 탐색</a:t>
+            </a:r>
+            <a:r>
+              <a:rPr lang="en-US" altLang="ko-KR" dirty="0" smtClean="0">
+                <a:latin typeface="Noto Sans KR Medium" pitchFamily="34" charset="-127"/>
+                <a:ea typeface="Noto Sans KR Medium" pitchFamily="34" charset="-127"/>
+              </a:rPr>
+              <a:t>, </a:t>
+            </a:r>
+            <a:r>
+              <a:rPr lang="ko-KR" altLang="en-US" dirty="0" smtClean="0">
+                <a:latin typeface="Noto Sans KR Medium" pitchFamily="34" charset="-127"/>
+                <a:ea typeface="Noto Sans KR Medium" pitchFamily="34" charset="-127"/>
+              </a:rPr>
+              <a:t>휴식</a:t>
+            </a:r>
+            <a:r>
+              <a:rPr lang="en-US" altLang="ko-KR" dirty="0" smtClean="0">
+                <a:latin typeface="Noto Sans KR Medium" pitchFamily="34" charset="-127"/>
+                <a:ea typeface="Noto Sans KR Medium" pitchFamily="34" charset="-127"/>
+              </a:rPr>
+              <a:t>, NPC</a:t>
+            </a:r>
+            <a:r>
+              <a:rPr lang="ko-KR" altLang="en-US" dirty="0" smtClean="0">
+                <a:latin typeface="Noto Sans KR Medium" pitchFamily="34" charset="-127"/>
+                <a:ea typeface="Noto Sans KR Medium" pitchFamily="34" charset="-127"/>
+              </a:rPr>
+              <a:t>의 </a:t>
+            </a:r>
+            <a:r>
+              <a:rPr lang="ko-KR" altLang="en-US" dirty="0" err="1" smtClean="0">
+                <a:latin typeface="Noto Sans KR Medium" pitchFamily="34" charset="-127"/>
+                <a:ea typeface="Noto Sans KR Medium" pitchFamily="34" charset="-127"/>
+              </a:rPr>
+              <a:t>퀘스트를</a:t>
+            </a:r>
+            <a:r>
+              <a:rPr lang="ko-KR" altLang="en-US" dirty="0" smtClean="0">
+                <a:latin typeface="Noto Sans KR Medium" pitchFamily="34" charset="-127"/>
+                <a:ea typeface="Noto Sans KR Medium" pitchFamily="34" charset="-127"/>
+              </a:rPr>
+              <a:t> 수행할 수 있다</a:t>
+            </a:r>
+            <a:r>
+              <a:rPr lang="en-US" altLang="ko-KR" dirty="0" smtClean="0">
+                <a:latin typeface="Noto Sans KR Medium" pitchFamily="34" charset="-127"/>
+                <a:ea typeface="Noto Sans KR Medium" pitchFamily="34" charset="-127"/>
+              </a:rPr>
+              <a:t>.</a:t>
+            </a:r>
+          </a:p>
+          <a:p>
+            <a:r>
+              <a:rPr lang="ko-KR" altLang="en-US" dirty="0" smtClean="0">
+                <a:latin typeface="Noto Sans KR Medium" pitchFamily="34" charset="-127"/>
+                <a:ea typeface="Noto Sans KR Medium" pitchFamily="34" charset="-127"/>
+              </a:rPr>
+              <a:t>마을에서는 총 </a:t>
+            </a:r>
+            <a:r>
+              <a:rPr lang="en-US" altLang="ko-KR" dirty="0" smtClean="0">
+                <a:latin typeface="Noto Sans KR Medium" pitchFamily="34" charset="-127"/>
+                <a:ea typeface="Noto Sans KR Medium" pitchFamily="34" charset="-127"/>
+              </a:rPr>
+              <a:t>24</a:t>
+            </a:r>
+            <a:r>
+              <a:rPr lang="ko-KR" altLang="en-US" dirty="0" smtClean="0">
+                <a:latin typeface="Noto Sans KR Medium" pitchFamily="34" charset="-127"/>
+                <a:ea typeface="Noto Sans KR Medium" pitchFamily="34" charset="-127"/>
+              </a:rPr>
+              <a:t>시간의 시간이 존재하며 시간에 따라 플레이 범위가 달라진다</a:t>
+            </a:r>
+            <a:r>
+              <a:rPr lang="en-US" altLang="ko-KR" dirty="0" smtClean="0">
+                <a:latin typeface="Noto Sans KR Medium" pitchFamily="34" charset="-127"/>
+                <a:ea typeface="Noto Sans KR Medium" pitchFamily="34" charset="-127"/>
+              </a:rPr>
+              <a:t>.</a:t>
+            </a:r>
+          </a:p>
+          <a:p>
+            <a:r>
+              <a:rPr lang="ko-KR" altLang="en-US" dirty="0" smtClean="0">
+                <a:latin typeface="Noto Sans KR Medium" pitchFamily="34" charset="-127"/>
+                <a:ea typeface="Noto Sans KR Medium" pitchFamily="34" charset="-127"/>
+              </a:rPr>
+              <a:t>플레이어는 탐색할 때 </a:t>
+            </a:r>
+            <a:r>
+              <a:rPr lang="en-US" altLang="ko-KR" dirty="0" smtClean="0">
+                <a:latin typeface="Noto Sans KR Medium" pitchFamily="34" charset="-127"/>
+                <a:ea typeface="Noto Sans KR Medium" pitchFamily="34" charset="-127"/>
+              </a:rPr>
+              <a:t>1</a:t>
+            </a:r>
+            <a:r>
+              <a:rPr lang="ko-KR" altLang="en-US" dirty="0" smtClean="0">
+                <a:latin typeface="Noto Sans KR Medium" pitchFamily="34" charset="-127"/>
+                <a:ea typeface="Noto Sans KR Medium" pitchFamily="34" charset="-127"/>
+              </a:rPr>
+              <a:t>스테이지 입장 시 시간이 </a:t>
+            </a:r>
+            <a:r>
+              <a:rPr lang="en-US" altLang="ko-KR" dirty="0" smtClean="0">
+                <a:latin typeface="Noto Sans KR Medium" pitchFamily="34" charset="-127"/>
+                <a:ea typeface="Noto Sans KR Medium" pitchFamily="34" charset="-127"/>
+              </a:rPr>
+              <a:t>+3</a:t>
+            </a:r>
+            <a:r>
+              <a:rPr lang="ko-KR" altLang="en-US" dirty="0" smtClean="0">
+                <a:latin typeface="Noto Sans KR Medium" pitchFamily="34" charset="-127"/>
+                <a:ea typeface="Noto Sans KR Medium" pitchFamily="34" charset="-127"/>
+              </a:rPr>
+              <a:t>시간 추가된다</a:t>
+            </a:r>
+            <a:r>
+              <a:rPr lang="en-US" altLang="ko-KR" dirty="0" smtClean="0">
+                <a:latin typeface="Noto Sans KR Medium" pitchFamily="34" charset="-127"/>
+                <a:ea typeface="Noto Sans KR Medium" pitchFamily="34" charset="-127"/>
+              </a:rPr>
+              <a:t>.</a:t>
+            </a:r>
+          </a:p>
+          <a:p>
+            <a:r>
+              <a:rPr lang="ko-KR" altLang="en-US" dirty="0" smtClean="0">
+                <a:latin typeface="Noto Sans KR Medium" pitchFamily="34" charset="-127"/>
+                <a:ea typeface="Noto Sans KR Medium" pitchFamily="34" charset="-127"/>
+              </a:rPr>
+              <a:t>시간은 마을에서 휴식을 통해 아침 </a:t>
+            </a:r>
+            <a:r>
+              <a:rPr lang="en-US" altLang="ko-KR" dirty="0" smtClean="0">
+                <a:latin typeface="Noto Sans KR Medium" pitchFamily="34" charset="-127"/>
+                <a:ea typeface="Noto Sans KR Medium" pitchFamily="34" charset="-127"/>
+              </a:rPr>
+              <a:t>6</a:t>
+            </a:r>
+            <a:r>
+              <a:rPr lang="ko-KR" altLang="en-US" dirty="0" smtClean="0">
+                <a:latin typeface="Noto Sans KR Medium" pitchFamily="34" charset="-127"/>
+                <a:ea typeface="Noto Sans KR Medium" pitchFamily="34" charset="-127"/>
+              </a:rPr>
+              <a:t>시로 조정할 수 있다</a:t>
+            </a:r>
+            <a:r>
+              <a:rPr lang="en-US" altLang="ko-KR" dirty="0" smtClean="0">
+                <a:latin typeface="Noto Sans KR Medium" pitchFamily="34" charset="-127"/>
+                <a:ea typeface="Noto Sans KR Medium" pitchFamily="34" charset="-127"/>
+              </a:rPr>
+              <a:t>.</a:t>
+            </a:r>
+          </a:p>
+          <a:p>
+            <a:endParaRPr lang="ko-KR" altLang="en-US" dirty="0">
+              <a:latin typeface="Noto Sans KR Medium" pitchFamily="34" charset="-127"/>
+              <a:ea typeface="Noto Sans KR Medium" pitchFamily="34" charset="-127"/>
+            </a:endParaRPr>
+          </a:p>
+        </p:txBody>
+      </p:sp>
+    </p:spTree>
+    <p:extLst>
+      <p:ext uri="{BB962C8B-B14F-4D97-AF65-F5344CB8AC3E}">
+        <p14:creationId xmlns:p14="http://schemas.microsoft.com/office/powerpoint/2010/main" val="3218666769"/>
+      </p:ext>
+    </p:extLst>
+  </p:cSld>
+  <p:clrMapOvr>
+    <a:masterClrMapping/>
+  </p:clrMapOvr>
+</p:sld>
+</file>
+
+<file path=ppt/slides/slide7.xml><?xml version="1.0" encoding="utf-8"?>
+<p:sld xmlns:a="http://schemas.openxmlformats.org/drawingml/2006/main" xmlns:r="http://schemas.openxmlformats.org/officeDocument/2006/relationships" xmlns:p="http://schemas.openxmlformats.org/presentationml/2006/main">
+  <p:cSld>
+    <p:spTree>
+      <p:nvGrpSpPr>
+        <p:cNvPr id="1" name=""/>
+        <p:cNvGrpSpPr/>
+        <p:nvPr/>
+      </p:nvGrpSpPr>
+      <p:grpSpPr>
+        <a:xfrm>
+          <a:off x="0" y="0"/>
+          <a:ext cx="0" cy="0"/>
+          <a:chOff x="0" y="0"/>
+          <a:chExt cx="0" cy="0"/>
+        </a:xfrm>
+      </p:grpSpPr>
+      <p:sp>
+        <p:nvSpPr>
+          <p:cNvPr id="2" name="제목 1"/>
+          <p:cNvSpPr>
+            <a:spLocks noGrp="1"/>
+          </p:cNvSpPr>
+          <p:nvPr>
+            <p:ph type="title"/>
+          </p:nvPr>
+        </p:nvSpPr>
+        <p:spPr/>
+        <p:txBody>
+          <a:bodyPr/>
+          <a:lstStyle/>
+          <a:p>
+            <a:r>
+              <a:rPr lang="ko-KR" altLang="en-US" dirty="0" smtClean="0">
+                <a:latin typeface="Noto Sans KR Medium" pitchFamily="34" charset="-127"/>
+                <a:ea typeface="Noto Sans KR Medium" pitchFamily="34" charset="-127"/>
+              </a:rPr>
+              <a:t>게임 내 시간</a:t>
+            </a:r>
+            <a:endParaRPr lang="ko-KR" altLang="en-US" dirty="0">
+              <a:latin typeface="Noto Sans KR Medium" pitchFamily="34" charset="-127"/>
+              <a:ea typeface="Noto Sans KR Medium" pitchFamily="34" charset="-127"/>
+            </a:endParaRPr>
+          </a:p>
+        </p:txBody>
+      </p:sp>
+      <p:sp>
+        <p:nvSpPr>
+          <p:cNvPr id="3" name="내용 개체 틀 2"/>
+          <p:cNvSpPr>
+            <a:spLocks noGrp="1"/>
+          </p:cNvSpPr>
+          <p:nvPr>
+            <p:ph idx="1"/>
+          </p:nvPr>
+        </p:nvSpPr>
+        <p:spPr/>
+        <p:txBody>
+          <a:bodyPr/>
+          <a:lstStyle/>
+          <a:p>
+            <a:r>
+              <a:rPr lang="en-US" altLang="ko-KR" dirty="0" smtClean="0">
+                <a:latin typeface="Noto Sans KR Medium" pitchFamily="34" charset="-127"/>
+                <a:ea typeface="Noto Sans KR Medium" pitchFamily="34" charset="-127"/>
+              </a:rPr>
+              <a:t>20</a:t>
+            </a:r>
+            <a:r>
+              <a:rPr lang="ko-KR" altLang="en-US" dirty="0" smtClean="0">
+                <a:latin typeface="Noto Sans KR Medium" pitchFamily="34" charset="-127"/>
+                <a:ea typeface="Noto Sans KR Medium" pitchFamily="34" charset="-127"/>
+              </a:rPr>
+              <a:t>시 </a:t>
+            </a:r>
+            <a:r>
+              <a:rPr lang="en-US" altLang="ko-KR" dirty="0" smtClean="0">
+                <a:latin typeface="Noto Sans KR Medium" pitchFamily="34" charset="-127"/>
+                <a:ea typeface="Noto Sans KR Medium" pitchFamily="34" charset="-127"/>
+              </a:rPr>
+              <a:t>~ 06</a:t>
+            </a:r>
+            <a:r>
+              <a:rPr lang="ko-KR" altLang="en-US" dirty="0" smtClean="0">
+                <a:latin typeface="Noto Sans KR Medium" pitchFamily="34" charset="-127"/>
+                <a:ea typeface="Noto Sans KR Medium" pitchFamily="34" charset="-127"/>
+              </a:rPr>
+              <a:t>시 </a:t>
+            </a:r>
+            <a:r>
+              <a:rPr lang="en-US" altLang="ko-KR" dirty="0" smtClean="0">
+                <a:latin typeface="Noto Sans KR Medium" pitchFamily="34" charset="-127"/>
+                <a:ea typeface="Noto Sans KR Medium" pitchFamily="34" charset="-127"/>
+              </a:rPr>
+              <a:t>(</a:t>
+            </a:r>
+            <a:r>
+              <a:rPr lang="ko-KR" altLang="en-US" dirty="0" smtClean="0">
+                <a:latin typeface="Noto Sans KR Medium" pitchFamily="34" charset="-127"/>
+                <a:ea typeface="Noto Sans KR Medium" pitchFamily="34" charset="-127"/>
+              </a:rPr>
+              <a:t>밤</a:t>
+            </a:r>
+            <a:r>
+              <a:rPr lang="en-US" altLang="ko-KR" dirty="0" smtClean="0">
+                <a:latin typeface="Noto Sans KR Medium" pitchFamily="34" charset="-127"/>
+                <a:ea typeface="Noto Sans KR Medium" pitchFamily="34" charset="-127"/>
+              </a:rPr>
+              <a:t>) – </a:t>
+            </a:r>
+            <a:r>
+              <a:rPr lang="ko-KR" altLang="en-US" dirty="0" smtClean="0">
+                <a:latin typeface="Noto Sans KR Medium" pitchFamily="34" charset="-127"/>
+                <a:ea typeface="Noto Sans KR Medium" pitchFamily="34" charset="-127"/>
+              </a:rPr>
+              <a:t>탐색불가</a:t>
+            </a:r>
+            <a:r>
+              <a:rPr lang="en-US" altLang="ko-KR" dirty="0" smtClean="0">
+                <a:latin typeface="Noto Sans KR Medium" pitchFamily="34" charset="-127"/>
+                <a:ea typeface="Noto Sans KR Medium" pitchFamily="34" charset="-127"/>
+              </a:rPr>
+              <a:t>, </a:t>
+            </a:r>
+            <a:r>
+              <a:rPr lang="ko-KR" altLang="en-US" dirty="0" smtClean="0">
+                <a:latin typeface="Noto Sans KR Medium" pitchFamily="34" charset="-127"/>
+                <a:ea typeface="Noto Sans KR Medium" pitchFamily="34" charset="-127"/>
+              </a:rPr>
+              <a:t>휴식가능</a:t>
+            </a:r>
+            <a:endParaRPr lang="en-US" altLang="ko-KR" dirty="0" smtClean="0">
+              <a:latin typeface="Noto Sans KR Medium" pitchFamily="34" charset="-127"/>
+              <a:ea typeface="Noto Sans KR Medium" pitchFamily="34" charset="-127"/>
+            </a:endParaRPr>
+          </a:p>
+          <a:p>
+            <a:pPr marL="0" indent="0">
+              <a:buNone/>
+            </a:pPr>
+            <a:r>
+              <a:rPr lang="en-US" altLang="ko-KR" dirty="0" smtClean="0">
+                <a:latin typeface="Noto Sans KR Medium" pitchFamily="34" charset="-127"/>
+                <a:ea typeface="Noto Sans KR Medium" pitchFamily="34" charset="-127"/>
+              </a:rPr>
+              <a:t>- </a:t>
+            </a:r>
+            <a:r>
+              <a:rPr lang="ko-KR" altLang="en-US" dirty="0" smtClean="0">
+                <a:latin typeface="Noto Sans KR Medium" pitchFamily="34" charset="-127"/>
+                <a:ea typeface="Noto Sans KR Medium" pitchFamily="34" charset="-127"/>
+              </a:rPr>
+              <a:t>어두움</a:t>
+            </a:r>
+            <a:endParaRPr lang="en-US" altLang="ko-KR" dirty="0" smtClean="0">
+              <a:latin typeface="Noto Sans KR Medium" pitchFamily="34" charset="-127"/>
+              <a:ea typeface="Noto Sans KR Medium" pitchFamily="34" charset="-127"/>
+            </a:endParaRPr>
+          </a:p>
+          <a:p>
+            <a:r>
+              <a:rPr lang="en-US" altLang="ko-KR" dirty="0" smtClean="0">
+                <a:latin typeface="Noto Sans KR Medium" pitchFamily="34" charset="-127"/>
+                <a:ea typeface="Noto Sans KR Medium" pitchFamily="34" charset="-127"/>
+              </a:rPr>
+              <a:t>6</a:t>
+            </a:r>
+            <a:r>
+              <a:rPr lang="ko-KR" altLang="en-US" dirty="0" smtClean="0">
+                <a:latin typeface="Noto Sans KR Medium" pitchFamily="34" charset="-127"/>
+                <a:ea typeface="Noto Sans KR Medium" pitchFamily="34" charset="-127"/>
+              </a:rPr>
+              <a:t>시</a:t>
+            </a:r>
+            <a:r>
+              <a:rPr lang="en-US" altLang="ko-KR" dirty="0" smtClean="0">
+                <a:latin typeface="Noto Sans KR Medium" pitchFamily="34" charset="-127"/>
+                <a:ea typeface="Noto Sans KR Medium" pitchFamily="34" charset="-127"/>
+              </a:rPr>
+              <a:t>~12</a:t>
+            </a:r>
+            <a:r>
+              <a:rPr lang="ko-KR" altLang="en-US" dirty="0" smtClean="0">
+                <a:latin typeface="Noto Sans KR Medium" pitchFamily="34" charset="-127"/>
+                <a:ea typeface="Noto Sans KR Medium" pitchFamily="34" charset="-127"/>
+              </a:rPr>
+              <a:t>시 </a:t>
+            </a:r>
+            <a:r>
+              <a:rPr lang="en-US" altLang="ko-KR" dirty="0" smtClean="0">
+                <a:latin typeface="Noto Sans KR Medium" pitchFamily="34" charset="-127"/>
+                <a:ea typeface="Noto Sans KR Medium" pitchFamily="34" charset="-127"/>
+              </a:rPr>
+              <a:t>(</a:t>
+            </a:r>
+            <a:r>
+              <a:rPr lang="ko-KR" altLang="en-US" dirty="0" smtClean="0">
+                <a:latin typeface="Noto Sans KR Medium" pitchFamily="34" charset="-127"/>
+                <a:ea typeface="Noto Sans KR Medium" pitchFamily="34" charset="-127"/>
+              </a:rPr>
+              <a:t>아침</a:t>
+            </a:r>
+            <a:r>
+              <a:rPr lang="en-US" altLang="ko-KR" dirty="0" smtClean="0">
+                <a:latin typeface="Noto Sans KR Medium" pitchFamily="34" charset="-127"/>
+                <a:ea typeface="Noto Sans KR Medium" pitchFamily="34" charset="-127"/>
+              </a:rPr>
+              <a:t>)</a:t>
+            </a:r>
+            <a:r>
+              <a:rPr lang="ko-KR" altLang="en-US" dirty="0" smtClean="0">
+                <a:latin typeface="Noto Sans KR Medium" pitchFamily="34" charset="-127"/>
+                <a:ea typeface="Noto Sans KR Medium" pitchFamily="34" charset="-127"/>
+              </a:rPr>
+              <a:t> </a:t>
+            </a:r>
+            <a:r>
+              <a:rPr lang="en-US" altLang="ko-KR" dirty="0" smtClean="0">
+                <a:latin typeface="Noto Sans KR Medium" pitchFamily="34" charset="-127"/>
+                <a:ea typeface="Noto Sans KR Medium" pitchFamily="34" charset="-127"/>
+              </a:rPr>
+              <a:t>– </a:t>
+            </a:r>
+            <a:r>
+              <a:rPr lang="ko-KR" altLang="en-US" dirty="0" smtClean="0">
+                <a:latin typeface="Noto Sans KR Medium" pitchFamily="34" charset="-127"/>
+                <a:ea typeface="Noto Sans KR Medium" pitchFamily="34" charset="-127"/>
+              </a:rPr>
+              <a:t>탐색가능</a:t>
+            </a:r>
+            <a:r>
+              <a:rPr lang="en-US" altLang="ko-KR" dirty="0" smtClean="0">
+                <a:latin typeface="Noto Sans KR Medium" pitchFamily="34" charset="-127"/>
+                <a:ea typeface="Noto Sans KR Medium" pitchFamily="34" charset="-127"/>
+              </a:rPr>
+              <a:t>, </a:t>
+            </a:r>
+            <a:r>
+              <a:rPr lang="ko-KR" altLang="en-US" dirty="0" smtClean="0">
+                <a:latin typeface="Noto Sans KR Medium" pitchFamily="34" charset="-127"/>
+                <a:ea typeface="Noto Sans KR Medium" pitchFamily="34" charset="-127"/>
+              </a:rPr>
+              <a:t>휴식불가능</a:t>
+            </a:r>
+            <a:endParaRPr lang="en-US" altLang="ko-KR" dirty="0" smtClean="0">
+              <a:latin typeface="Noto Sans KR Medium" pitchFamily="34" charset="-127"/>
+              <a:ea typeface="Noto Sans KR Medium" pitchFamily="34" charset="-127"/>
+            </a:endParaRPr>
+          </a:p>
+          <a:p>
+            <a:pPr marL="0" indent="0">
+              <a:buNone/>
+            </a:pPr>
+            <a:r>
+              <a:rPr lang="en-US" altLang="ko-KR" dirty="0" smtClean="0">
+                <a:latin typeface="Noto Sans KR Medium" pitchFamily="34" charset="-127"/>
+                <a:ea typeface="Noto Sans KR Medium" pitchFamily="34" charset="-127"/>
+              </a:rPr>
+              <a:t>- </a:t>
+            </a:r>
+            <a:r>
+              <a:rPr lang="ko-KR" altLang="en-US" dirty="0" smtClean="0">
+                <a:latin typeface="Noto Sans KR Medium" pitchFamily="34" charset="-127"/>
+                <a:ea typeface="Noto Sans KR Medium" pitchFamily="34" charset="-127"/>
+              </a:rPr>
+              <a:t>밝음</a:t>
+            </a:r>
+            <a:endParaRPr lang="en-US" altLang="ko-KR" dirty="0" smtClean="0">
+              <a:latin typeface="Noto Sans KR Medium" pitchFamily="34" charset="-127"/>
+              <a:ea typeface="Noto Sans KR Medium" pitchFamily="34" charset="-127"/>
+            </a:endParaRPr>
+          </a:p>
+          <a:p>
+            <a:r>
+              <a:rPr lang="en-US" altLang="ko-KR" dirty="0" smtClean="0">
+                <a:latin typeface="Noto Sans KR Medium" pitchFamily="34" charset="-127"/>
+                <a:ea typeface="Noto Sans KR Medium" pitchFamily="34" charset="-127"/>
+              </a:rPr>
+              <a:t>12~17</a:t>
+            </a:r>
+            <a:r>
+              <a:rPr lang="ko-KR" altLang="en-US" dirty="0" smtClean="0">
+                <a:latin typeface="Noto Sans KR Medium" pitchFamily="34" charset="-127"/>
+                <a:ea typeface="Noto Sans KR Medium" pitchFamily="34" charset="-127"/>
+              </a:rPr>
+              <a:t>시 </a:t>
+            </a:r>
+            <a:r>
+              <a:rPr lang="en-US" altLang="ko-KR" dirty="0" smtClean="0">
+                <a:latin typeface="Noto Sans KR Medium" pitchFamily="34" charset="-127"/>
+                <a:ea typeface="Noto Sans KR Medium" pitchFamily="34" charset="-127"/>
+              </a:rPr>
+              <a:t>(</a:t>
+            </a:r>
+            <a:r>
+              <a:rPr lang="ko-KR" altLang="en-US" dirty="0" smtClean="0">
+                <a:latin typeface="Noto Sans KR Medium" pitchFamily="34" charset="-127"/>
+                <a:ea typeface="Noto Sans KR Medium" pitchFamily="34" charset="-127"/>
+              </a:rPr>
+              <a:t>오후</a:t>
+            </a:r>
+            <a:r>
+              <a:rPr lang="en-US" altLang="ko-KR" dirty="0" smtClean="0">
+                <a:latin typeface="Noto Sans KR Medium" pitchFamily="34" charset="-127"/>
+                <a:ea typeface="Noto Sans KR Medium" pitchFamily="34" charset="-127"/>
+              </a:rPr>
+              <a:t>) – </a:t>
+            </a:r>
+            <a:r>
+              <a:rPr lang="ko-KR" altLang="en-US" dirty="0" smtClean="0">
+                <a:latin typeface="Noto Sans KR Medium" pitchFamily="34" charset="-127"/>
+                <a:ea typeface="Noto Sans KR Medium" pitchFamily="34" charset="-127"/>
+              </a:rPr>
+              <a:t>탐색가능</a:t>
+            </a:r>
+            <a:r>
+              <a:rPr lang="en-US" altLang="ko-KR" dirty="0" smtClean="0">
+                <a:latin typeface="Noto Sans KR Medium" pitchFamily="34" charset="-127"/>
+                <a:ea typeface="Noto Sans KR Medium" pitchFamily="34" charset="-127"/>
+              </a:rPr>
+              <a:t>, </a:t>
+            </a:r>
+            <a:r>
+              <a:rPr lang="ko-KR" altLang="en-US" dirty="0" smtClean="0">
+                <a:latin typeface="Noto Sans KR Medium" pitchFamily="34" charset="-127"/>
+                <a:ea typeface="Noto Sans KR Medium" pitchFamily="34" charset="-127"/>
+              </a:rPr>
+              <a:t>휴식가능</a:t>
+            </a:r>
+            <a:endParaRPr lang="en-US" altLang="ko-KR" dirty="0" smtClean="0">
+              <a:latin typeface="Noto Sans KR Medium" pitchFamily="34" charset="-127"/>
+              <a:ea typeface="Noto Sans KR Medium" pitchFamily="34" charset="-127"/>
+            </a:endParaRPr>
+          </a:p>
+          <a:p>
+            <a:pPr marL="0" indent="0">
+              <a:buNone/>
+            </a:pPr>
+            <a:r>
+              <a:rPr lang="en-US" altLang="ko-KR" dirty="0" smtClean="0">
+                <a:latin typeface="Noto Sans KR Medium" pitchFamily="34" charset="-127"/>
+                <a:ea typeface="Noto Sans KR Medium" pitchFamily="34" charset="-127"/>
+              </a:rPr>
+              <a:t>- </a:t>
+            </a:r>
+            <a:r>
+              <a:rPr lang="ko-KR" altLang="en-US" dirty="0" smtClean="0">
+                <a:latin typeface="Noto Sans KR Medium" pitchFamily="34" charset="-127"/>
+                <a:ea typeface="Noto Sans KR Medium" pitchFamily="34" charset="-127"/>
+              </a:rPr>
+              <a:t>밝음</a:t>
+            </a:r>
+            <a:endParaRPr lang="en-US" altLang="ko-KR" dirty="0" smtClean="0">
+              <a:latin typeface="Noto Sans KR Medium" pitchFamily="34" charset="-127"/>
+              <a:ea typeface="Noto Sans KR Medium" pitchFamily="34" charset="-127"/>
+            </a:endParaRPr>
+          </a:p>
+          <a:p>
+            <a:r>
+              <a:rPr lang="en-US" altLang="ko-KR" dirty="0" smtClean="0">
+                <a:latin typeface="Noto Sans KR Medium" pitchFamily="34" charset="-127"/>
+                <a:ea typeface="Noto Sans KR Medium" pitchFamily="34" charset="-127"/>
+              </a:rPr>
+              <a:t>17~20</a:t>
+            </a:r>
+            <a:r>
+              <a:rPr lang="ko-KR" altLang="en-US" dirty="0" smtClean="0">
+                <a:latin typeface="Noto Sans KR Medium" pitchFamily="34" charset="-127"/>
+                <a:ea typeface="Noto Sans KR Medium" pitchFamily="34" charset="-127"/>
+              </a:rPr>
+              <a:t>시 </a:t>
+            </a:r>
+            <a:r>
+              <a:rPr lang="en-US" altLang="ko-KR" dirty="0" smtClean="0">
+                <a:latin typeface="Noto Sans KR Medium" pitchFamily="34" charset="-127"/>
+                <a:ea typeface="Noto Sans KR Medium" pitchFamily="34" charset="-127"/>
+              </a:rPr>
+              <a:t>(</a:t>
+            </a:r>
+            <a:r>
+              <a:rPr lang="ko-KR" altLang="en-US" dirty="0" smtClean="0">
+                <a:latin typeface="Noto Sans KR Medium" pitchFamily="34" charset="-127"/>
+                <a:ea typeface="Noto Sans KR Medium" pitchFamily="34" charset="-127"/>
+              </a:rPr>
+              <a:t>저녁</a:t>
+            </a:r>
+            <a:r>
+              <a:rPr lang="en-US" altLang="ko-KR" dirty="0" smtClean="0">
+                <a:latin typeface="Noto Sans KR Medium" pitchFamily="34" charset="-127"/>
+                <a:ea typeface="Noto Sans KR Medium" pitchFamily="34" charset="-127"/>
+              </a:rPr>
+              <a:t>) – </a:t>
+            </a:r>
+            <a:r>
+              <a:rPr lang="ko-KR" altLang="en-US" dirty="0" smtClean="0">
+                <a:latin typeface="Noto Sans KR Medium" pitchFamily="34" charset="-127"/>
+                <a:ea typeface="Noto Sans KR Medium" pitchFamily="34" charset="-127"/>
+              </a:rPr>
+              <a:t>탐색가능</a:t>
+            </a:r>
+            <a:r>
+              <a:rPr lang="en-US" altLang="ko-KR" dirty="0" smtClean="0">
+                <a:latin typeface="Noto Sans KR Medium" pitchFamily="34" charset="-127"/>
+                <a:ea typeface="Noto Sans KR Medium" pitchFamily="34" charset="-127"/>
+              </a:rPr>
+              <a:t>, </a:t>
+            </a:r>
+            <a:r>
+              <a:rPr lang="ko-KR" altLang="en-US" dirty="0" smtClean="0">
+                <a:latin typeface="Noto Sans KR Medium" pitchFamily="34" charset="-127"/>
+                <a:ea typeface="Noto Sans KR Medium" pitchFamily="34" charset="-127"/>
+              </a:rPr>
+              <a:t>휴식가능</a:t>
+            </a:r>
+            <a:r>
+              <a:rPr lang="ko-KR" altLang="en-US" dirty="0" smtClean="0">
+                <a:latin typeface="Noto Sans KR Medium" pitchFamily="34" charset="-127"/>
+                <a:ea typeface="Noto Sans KR Medium" pitchFamily="34" charset="-127"/>
+              </a:rPr>
+              <a:t> </a:t>
+            </a:r>
+            <a:endParaRPr lang="en-US" altLang="ko-KR" dirty="0" smtClean="0">
+              <a:latin typeface="Noto Sans KR Medium" pitchFamily="34" charset="-127"/>
+              <a:ea typeface="Noto Sans KR Medium" pitchFamily="34" charset="-127"/>
+            </a:endParaRPr>
+          </a:p>
+          <a:p>
+            <a:pPr marL="0" indent="0">
+              <a:buNone/>
+            </a:pPr>
+            <a:r>
+              <a:rPr lang="en-US" altLang="ko-KR" dirty="0" smtClean="0">
+                <a:latin typeface="Noto Sans KR Medium" pitchFamily="34" charset="-127"/>
+                <a:ea typeface="Noto Sans KR Medium" pitchFamily="34" charset="-127"/>
+              </a:rPr>
+              <a:t>-</a:t>
+            </a:r>
+            <a:r>
+              <a:rPr lang="ko-KR" altLang="en-US" dirty="0" smtClean="0">
+                <a:latin typeface="Noto Sans KR Medium" pitchFamily="34" charset="-127"/>
+                <a:ea typeface="Noto Sans KR Medium" pitchFamily="34" charset="-127"/>
+              </a:rPr>
+              <a:t>밤의 절반의 밝기</a:t>
+            </a:r>
+            <a:endParaRPr lang="ko-KR" altLang="en-US" dirty="0">
+              <a:latin typeface="Noto Sans KR Medium" pitchFamily="34" charset="-127"/>
+              <a:ea typeface="Noto Sans KR Medium" pitchFamily="34" charset="-127"/>
+            </a:endParaRPr>
+          </a:p>
+        </p:txBody>
+      </p:sp>
+    </p:spTree>
+    <p:extLst>
+      <p:ext uri="{BB962C8B-B14F-4D97-AF65-F5344CB8AC3E}">
+        <p14:creationId xmlns:p14="http://schemas.microsoft.com/office/powerpoint/2010/main" val="1443544338"/>
+      </p:ext>
+    </p:extLst>
+  </p:cSld>
+  <p:clrMapOvr>
+    <a:masterClrMapping/>
+  </p:clrMapOvr>
+</p:sld>
+</file>
+
+<file path=ppt/slides/slide8.xml><?xml version="1.0" encoding="utf-8"?>
+<p:sld xmlns:a="http://schemas.openxmlformats.org/drawingml/2006/main" xmlns:r="http://schemas.openxmlformats.org/officeDocument/2006/relationships" xmlns:p="http://schemas.openxmlformats.org/presentationml/2006/main">
+  <p:cSld>
+    <p:spTree>
+      <p:nvGrpSpPr>
+        <p:cNvPr id="1" name=""/>
+        <p:cNvGrpSpPr/>
+        <p:nvPr/>
+      </p:nvGrpSpPr>
+      <p:grpSpPr>
+        <a:xfrm>
+          <a:off x="0" y="0"/>
+          <a:ext cx="0" cy="0"/>
+          <a:chOff x="0" y="0"/>
+          <a:chExt cx="0" cy="0"/>
+        </a:xfrm>
+      </p:grpSpPr>
+      <p:sp>
+        <p:nvSpPr>
+          <p:cNvPr id="2" name="제목 1"/>
+          <p:cNvSpPr>
+            <a:spLocks noGrp="1"/>
+          </p:cNvSpPr>
+          <p:nvPr>
+            <p:ph type="title"/>
+          </p:nvPr>
+        </p:nvSpPr>
+        <p:spPr/>
+        <p:txBody>
+          <a:bodyPr/>
+          <a:lstStyle/>
+          <a:p>
+            <a:r>
+              <a:rPr lang="ko-KR" altLang="en-US" dirty="0" smtClean="0">
+                <a:latin typeface="Noto Sans KR Medium" pitchFamily="34" charset="-127"/>
+                <a:ea typeface="Noto Sans KR Medium" pitchFamily="34" charset="-127"/>
+              </a:rPr>
+              <a:t>탐색</a:t>
+            </a:r>
+            <a:endParaRPr lang="ko-KR" altLang="en-US" dirty="0">
+              <a:latin typeface="Noto Sans KR Medium" pitchFamily="34" charset="-127"/>
+              <a:ea typeface="Noto Sans KR Medium" pitchFamily="34" charset="-127"/>
+            </a:endParaRPr>
+          </a:p>
+        </p:txBody>
+      </p:sp>
+      <p:sp>
+        <p:nvSpPr>
+          <p:cNvPr id="3" name="내용 개체 틀 2"/>
+          <p:cNvSpPr>
+            <a:spLocks noGrp="1"/>
+          </p:cNvSpPr>
+          <p:nvPr>
+            <p:ph idx="1"/>
+          </p:nvPr>
+        </p:nvSpPr>
+        <p:spPr/>
+        <p:txBody>
+          <a:bodyPr/>
+          <a:lstStyle/>
+          <a:p>
+            <a:r>
+              <a:rPr lang="ko-KR" altLang="en-US" dirty="0" smtClean="0">
+                <a:latin typeface="Noto Sans KR Medium" pitchFamily="34" charset="-127"/>
+                <a:ea typeface="Noto Sans KR Medium" pitchFamily="34" charset="-127"/>
+              </a:rPr>
+              <a:t> </a:t>
+            </a:r>
+            <a:endParaRPr lang="ko-KR" altLang="en-US" dirty="0">
+              <a:latin typeface="Noto Sans KR Medium" pitchFamily="34" charset="-127"/>
+              <a:ea typeface="Noto Sans KR Medium" pitchFamily="34" charset="-127"/>
+            </a:endParaRPr>
+          </a:p>
+        </p:txBody>
+      </p:sp>
+    </p:spTree>
+    <p:extLst>
+      <p:ext uri="{BB962C8B-B14F-4D97-AF65-F5344CB8AC3E}">
+        <p14:creationId xmlns:p14="http://schemas.microsoft.com/office/powerpoint/2010/main" val="391544843"/>
+      </p:ext>
+    </p:extLst>
+  </p:cSld>
+  <p:clrMapOvr>
+    <a:masterClrMapping/>
+  </p:clrMapOvr>
+</p:sld>
+</file>
+
+<file path=ppt/slides/slide9.xml><?xml version="1.0" encoding="utf-8"?>
+<p:sld xmlns:a="http://schemas.openxmlformats.org/drawingml/2006/main" xmlns:r="http://schemas.openxmlformats.org/officeDocument/2006/relationships" xmlns:p="http://schemas.openxmlformats.org/presentationml/2006/main">
+  <p:cSld>
+    <p:spTree>
+      <p:nvGrpSpPr>
+        <p:cNvPr id="1" name=""/>
+        <p:cNvGrpSpPr/>
+        <p:nvPr/>
+      </p:nvGrpSpPr>
+      <p:grpSpPr>
+        <a:xfrm>
+          <a:off x="0" y="0"/>
+          <a:ext cx="0" cy="0"/>
+          <a:chOff x="0" y="0"/>
+          <a:chExt cx="0" cy="0"/>
+        </a:xfrm>
+      </p:grpSpPr>
+      <p:sp>
+        <p:nvSpPr>
+          <p:cNvPr id="2" name="제목 1"/>
+          <p:cNvSpPr>
+            <a:spLocks noGrp="1"/>
+          </p:cNvSpPr>
+          <p:nvPr>
+            <p:ph type="title"/>
+          </p:nvPr>
+        </p:nvSpPr>
+        <p:spPr/>
+        <p:txBody>
+          <a:bodyPr/>
+          <a:lstStyle/>
+          <a:p>
+            <a:r>
+              <a:rPr lang="ko-KR" altLang="en-US" dirty="0">
+                <a:latin typeface="Noto Sans KR Medium" pitchFamily="34" charset="-127"/>
+                <a:ea typeface="Noto Sans KR Medium" pitchFamily="34" charset="-127"/>
+              </a:rPr>
+              <a:t>캐릭터</a:t>
+            </a:r>
+          </a:p>
+        </p:txBody>
+      </p:sp>
+      <p:sp>
+        <p:nvSpPr>
+          <p:cNvPr id="3" name="내용 개체 틀 2"/>
+          <p:cNvSpPr>
+            <a:spLocks noGrp="1"/>
+          </p:cNvSpPr>
+          <p:nvPr>
+            <p:ph idx="1"/>
+          </p:nvPr>
+        </p:nvSpPr>
+        <p:spPr/>
+        <p:txBody>
+          <a:bodyPr/>
+          <a:lstStyle/>
+          <a:p>
+            <a:pPr marL="0" indent="0">
+              <a:buNone/>
+            </a:pPr>
+            <a:r>
+              <a:rPr lang="ko-KR" altLang="en-US" dirty="0">
+                <a:latin typeface="Noto Sans KR Medium" pitchFamily="34" charset="-127"/>
+                <a:ea typeface="Noto Sans KR Medium" pitchFamily="34" charset="-127"/>
+              </a:rPr>
+              <a:t>이름 </a:t>
+            </a:r>
+            <a:r>
+              <a:rPr lang="en-US" altLang="ko-KR" dirty="0">
+                <a:latin typeface="Noto Sans KR Medium" pitchFamily="34" charset="-127"/>
+                <a:ea typeface="Noto Sans KR Medium" pitchFamily="34" charset="-127"/>
+              </a:rPr>
+              <a:t>: </a:t>
+            </a:r>
+            <a:r>
+              <a:rPr lang="ko-KR" altLang="en-US" dirty="0">
+                <a:latin typeface="Noto Sans KR Medium" pitchFamily="34" charset="-127"/>
+                <a:ea typeface="Noto Sans KR Medium" pitchFamily="34" charset="-127"/>
+              </a:rPr>
+              <a:t>마에</a:t>
+            </a:r>
+            <a:endParaRPr lang="en-US" altLang="ko-KR" dirty="0">
+              <a:latin typeface="Noto Sans KR Medium" pitchFamily="34" charset="-127"/>
+              <a:ea typeface="Noto Sans KR Medium" pitchFamily="34" charset="-127"/>
+            </a:endParaRPr>
+          </a:p>
+          <a:p>
+            <a:pPr marL="0" indent="0">
+              <a:buNone/>
+            </a:pPr>
+            <a:r>
+              <a:rPr lang="ko-KR" altLang="en-US" dirty="0">
+                <a:latin typeface="Noto Sans KR Medium" pitchFamily="34" charset="-127"/>
+                <a:ea typeface="Noto Sans KR Medium" pitchFamily="34" charset="-127"/>
+              </a:rPr>
+              <a:t>속성 </a:t>
+            </a:r>
+            <a:r>
+              <a:rPr lang="en-US" altLang="ko-KR" dirty="0">
+                <a:latin typeface="Noto Sans KR Medium" pitchFamily="34" charset="-127"/>
+                <a:ea typeface="Noto Sans KR Medium" pitchFamily="34" charset="-127"/>
+              </a:rPr>
+              <a:t>: </a:t>
+            </a:r>
+            <a:r>
+              <a:rPr lang="ko-KR" altLang="en-US" dirty="0">
+                <a:latin typeface="Noto Sans KR Medium" pitchFamily="34" charset="-127"/>
+                <a:ea typeface="Noto Sans KR Medium" pitchFamily="34" charset="-127"/>
+              </a:rPr>
+              <a:t>땅</a:t>
+            </a:r>
+            <a:endParaRPr lang="en-US" altLang="ko-KR" dirty="0">
+              <a:latin typeface="Noto Sans KR Medium" pitchFamily="34" charset="-127"/>
+              <a:ea typeface="Noto Sans KR Medium" pitchFamily="34" charset="-127"/>
+            </a:endParaRPr>
+          </a:p>
+          <a:p>
+            <a:pPr marL="0" indent="0">
+              <a:buNone/>
+            </a:pPr>
+            <a:r>
+              <a:rPr lang="ko-KR" altLang="en-US" dirty="0">
+                <a:latin typeface="Noto Sans KR Medium" pitchFamily="34" charset="-127"/>
+                <a:ea typeface="Noto Sans KR Medium" pitchFamily="34" charset="-127"/>
+              </a:rPr>
+              <a:t>일반 공격</a:t>
+            </a:r>
+            <a:r>
+              <a:rPr lang="en-US" altLang="ko-KR" dirty="0">
+                <a:latin typeface="Noto Sans KR Medium" pitchFamily="34" charset="-127"/>
+                <a:ea typeface="Noto Sans KR Medium" pitchFamily="34" charset="-127"/>
+              </a:rPr>
+              <a:t> : </a:t>
+            </a:r>
+            <a:r>
+              <a:rPr lang="ko-KR" altLang="en-US" dirty="0">
+                <a:latin typeface="Noto Sans KR Medium" pitchFamily="34" charset="-127"/>
+                <a:ea typeface="Noto Sans KR Medium" pitchFamily="34" charset="-127"/>
+              </a:rPr>
+              <a:t>바위속성 물체 사출</a:t>
+            </a:r>
+            <a:endParaRPr lang="en-US" altLang="ko-KR" dirty="0">
+              <a:latin typeface="Noto Sans KR Medium" pitchFamily="34" charset="-127"/>
+              <a:ea typeface="Noto Sans KR Medium" pitchFamily="34" charset="-127"/>
+            </a:endParaRPr>
+          </a:p>
+          <a:p>
+            <a:pPr marL="0" indent="0">
+              <a:buNone/>
+            </a:pPr>
+            <a:r>
+              <a:rPr lang="ko-KR" altLang="en-US" dirty="0">
+                <a:latin typeface="Noto Sans KR Medium" pitchFamily="34" charset="-127"/>
+                <a:ea typeface="Noto Sans KR Medium" pitchFamily="34" charset="-127"/>
+              </a:rPr>
+              <a:t>사용 스킬 </a:t>
+            </a:r>
+            <a:r>
+              <a:rPr lang="en-US" altLang="ko-KR" dirty="0">
+                <a:latin typeface="Noto Sans KR Medium" pitchFamily="34" charset="-127"/>
+                <a:ea typeface="Noto Sans KR Medium" pitchFamily="34" charset="-127"/>
+              </a:rPr>
+              <a:t>: </a:t>
+            </a:r>
+            <a:r>
+              <a:rPr lang="ko-KR" altLang="en-US" dirty="0">
+                <a:latin typeface="Noto Sans KR Medium" pitchFamily="34" charset="-127"/>
+                <a:ea typeface="Noto Sans KR Medium" pitchFamily="34" charset="-127"/>
+              </a:rPr>
+              <a:t>마우스 커서 위치에 땅 속성 오브젝트 생성 </a:t>
+            </a:r>
+            <a:endParaRPr lang="en-US" altLang="ko-KR" dirty="0">
+              <a:latin typeface="Noto Sans KR Medium" pitchFamily="34" charset="-127"/>
+              <a:ea typeface="Noto Sans KR Medium" pitchFamily="34" charset="-127"/>
+            </a:endParaRPr>
+          </a:p>
+          <a:p>
+            <a:pPr marL="0" indent="0">
+              <a:buNone/>
+            </a:pPr>
+            <a:r>
+              <a:rPr lang="ko-KR" altLang="en-US" dirty="0">
+                <a:latin typeface="Noto Sans KR Medium" pitchFamily="34" charset="-127"/>
+                <a:ea typeface="Noto Sans KR Medium" pitchFamily="34" charset="-127"/>
+              </a:rPr>
+              <a:t>스킬 </a:t>
+            </a:r>
+            <a:r>
+              <a:rPr lang="ko-KR" altLang="en-US" dirty="0" err="1">
+                <a:latin typeface="Noto Sans KR Medium" pitchFamily="34" charset="-127"/>
+                <a:ea typeface="Noto Sans KR Medium" pitchFamily="34" charset="-127"/>
+              </a:rPr>
+              <a:t>쿨타임</a:t>
+            </a:r>
+            <a:r>
+              <a:rPr lang="ko-KR" altLang="en-US" dirty="0">
+                <a:latin typeface="Noto Sans KR Medium" pitchFamily="34" charset="-127"/>
+                <a:ea typeface="Noto Sans KR Medium" pitchFamily="34" charset="-127"/>
+              </a:rPr>
+              <a:t> </a:t>
+            </a:r>
+            <a:r>
+              <a:rPr lang="en-US" altLang="ko-KR" dirty="0">
+                <a:latin typeface="Noto Sans KR Medium" pitchFamily="34" charset="-127"/>
+                <a:ea typeface="Noto Sans KR Medium" pitchFamily="34" charset="-127"/>
+              </a:rPr>
+              <a:t>: 10</a:t>
+            </a:r>
+            <a:r>
+              <a:rPr lang="ko-KR" altLang="en-US" dirty="0">
+                <a:latin typeface="Noto Sans KR Medium" pitchFamily="34" charset="-127"/>
+                <a:ea typeface="Noto Sans KR Medium" pitchFamily="34" charset="-127"/>
+              </a:rPr>
+              <a:t>초</a:t>
+            </a:r>
+            <a:endParaRPr lang="en-US" altLang="ko-KR" dirty="0">
+              <a:latin typeface="Noto Sans KR Medium" pitchFamily="34" charset="-127"/>
+              <a:ea typeface="Noto Sans KR Medium" pitchFamily="34" charset="-127"/>
+            </a:endParaRPr>
+          </a:p>
+          <a:p>
+            <a:pPr marL="0" indent="0">
+              <a:buNone/>
+            </a:pPr>
+            <a:r>
+              <a:rPr lang="ko-KR" altLang="en-US" dirty="0">
+                <a:latin typeface="Noto Sans KR Medium" pitchFamily="34" charset="-127"/>
+                <a:ea typeface="Noto Sans KR Medium" pitchFamily="34" charset="-127"/>
+              </a:rPr>
+              <a:t>무게 </a:t>
+            </a:r>
+            <a:r>
+              <a:rPr lang="en-US" altLang="ko-KR" dirty="0">
+                <a:latin typeface="Noto Sans KR Medium" pitchFamily="34" charset="-127"/>
+                <a:ea typeface="Noto Sans KR Medium" pitchFamily="34" charset="-127"/>
+              </a:rPr>
+              <a:t>: 1</a:t>
+            </a:r>
+          </a:p>
+          <a:p>
+            <a:pPr marL="0" indent="0">
+              <a:buNone/>
+            </a:pPr>
+            <a:r>
+              <a:rPr lang="ko-KR" altLang="en-US" dirty="0">
+                <a:latin typeface="Noto Sans KR Medium" pitchFamily="34" charset="-127"/>
+                <a:ea typeface="Noto Sans KR Medium" pitchFamily="34" charset="-127"/>
+              </a:rPr>
+              <a:t>캐릭터 획득 시기  </a:t>
+            </a:r>
+            <a:r>
+              <a:rPr lang="en-US" altLang="ko-KR" dirty="0">
+                <a:latin typeface="Noto Sans KR Medium" pitchFamily="34" charset="-127"/>
+                <a:ea typeface="Noto Sans KR Medium" pitchFamily="34" charset="-127"/>
+              </a:rPr>
+              <a:t>: </a:t>
+            </a:r>
+            <a:r>
+              <a:rPr lang="ko-KR" altLang="en-US" dirty="0">
+                <a:latin typeface="Noto Sans KR Medium" pitchFamily="34" charset="-127"/>
+                <a:ea typeface="Noto Sans KR Medium" pitchFamily="34" charset="-127"/>
+              </a:rPr>
+              <a:t>기본 플레이어</a:t>
+            </a:r>
+            <a:endParaRPr lang="en-US" altLang="ko-KR" dirty="0">
+              <a:latin typeface="Noto Sans KR Medium" pitchFamily="34" charset="-127"/>
+              <a:ea typeface="Noto Sans KR Medium" pitchFamily="34" charset="-127"/>
+            </a:endParaRPr>
+          </a:p>
+          <a:p>
+            <a:pPr marL="0" indent="0">
+              <a:buNone/>
+            </a:pPr>
+            <a:endParaRPr lang="en-US" altLang="ko-KR" dirty="0">
+              <a:latin typeface="Noto Sans KR Medium" pitchFamily="34" charset="-127"/>
+              <a:ea typeface="Noto Sans KR Medium" pitchFamily="34" charset="-127"/>
+            </a:endParaRPr>
+          </a:p>
+          <a:p>
+            <a:pPr marL="0" indent="0">
+              <a:buNone/>
+            </a:pPr>
+            <a:endParaRPr lang="ko-KR" altLang="en-US" dirty="0">
+              <a:latin typeface="Noto Sans KR Medium" pitchFamily="34" charset="-127"/>
+              <a:ea typeface="Noto Sans KR Medium" pitchFamily="34" charset="-127"/>
+            </a:endParaRPr>
+          </a:p>
+        </p:txBody>
+      </p:sp>
+      <p:pic>
+        <p:nvPicPr>
+          <p:cNvPr id="1026" name="Picture 2"/>
+          <p:cNvPicPr>
+            <a:picLocks noChangeAspect="1" noChangeArrowheads="1"/>
+          </p:cNvPicPr>
+          <p:nvPr/>
+        </p:nvPicPr>
+        <p:blipFill>
+          <a:blip r:embed="rId2">
+            <a:extLst>
+              <a:ext uri="{28A0092B-C50C-407E-A947-70E740481C1C}">
+                <a14:useLocalDpi xmlns:a14="http://schemas.microsoft.com/office/drawing/2010/main" val="0"/>
+              </a:ext>
+            </a:extLst>
+          </a:blip>
+          <a:srcRect/>
+          <a:stretch>
+            <a:fillRect/>
+          </a:stretch>
+        </p:blipFill>
+        <p:spPr bwMode="auto">
+          <a:xfrm>
+            <a:off x="6876256" y="692696"/>
+            <a:ext cx="1872208" cy="2034004"/>
+          </a:xfrm>
+          <a:prstGeom prst="rect">
+            <a:avLst/>
+          </a:prstGeom>
+          <a:noFill/>
+          <a:ln>
+            <a:noFill/>
+          </a:ln>
+          <a:effectLst/>
+          <a:extLst>
+            <a:ext uri="{909E8E84-426E-40DD-AFC4-6F175D3DCCD1}">
+              <a14:hiddenFill xmlns:a14="http://schemas.microsoft.com/office/drawing/2010/main">
+                <a:solidFill>
+                  <a:schemeClr val="accent1"/>
+                </a:solidFill>
+              </a14:hiddenFill>
+            </a:ext>
+            <a:ext uri="{91240B29-F687-4F45-9708-019B960494DF}">
+              <a14:hiddenLine xmlns:a14="http://schemas.microsoft.com/office/drawing/2010/main" w="9525">
+                <a:solidFill>
+                  <a:schemeClr val="tx1"/>
+                </a:solidFill>
+                <a:miter lim="800000"/>
+                <a:headEnd/>
+                <a:tailEnd/>
+              </a14:hiddenLine>
+            </a:ext>
+            <a:ext uri="{AF507438-7753-43E0-B8FC-AC1667EBCBE1}">
+              <a14:hiddenEffects xmlns:a14="http://schemas.microsoft.com/office/drawing/2010/main">
+                <a:effectLst>
+                  <a:outerShdw dist="35921" dir="2700000" algn="ctr" rotWithShape="0">
+                    <a:schemeClr val="bg2"/>
+                  </a:outerShdw>
+                </a:effectLst>
+              </a14:hiddenEffects>
+            </a:ext>
+          </a:extLst>
+        </p:spPr>
+      </p:pic>
+    </p:spTree>
+    <p:extLst>
+      <p:ext uri="{BB962C8B-B14F-4D97-AF65-F5344CB8AC3E}">
+        <p14:creationId xmlns:p14="http://schemas.microsoft.com/office/powerpoint/2010/main" val="2870108825"/>
       </p:ext>
     </p:extLst>
   </p:cSld>

--- a/2D Personal Game Project/새 Microsoft PowerPoint 프레젠테이션.pptx
+++ b/2D Personal Game Project/새 Microsoft PowerPoint 프레젠테이션.pptx
@@ -120,7 +120,7 @@
   </p:defaultTextStyle>
   <p:extLst>
     <p:ext uri="{EFAFB233-063F-42B5-8137-9DF3F51BA10A}">
-      <p15:sldGuideLst xmlns="" xmlns:p15="http://schemas.microsoft.com/office/powerpoint/2012/main">
+      <p15:sldGuideLst xmlns:p15="http://schemas.microsoft.com/office/powerpoint/2012/main" xmlns="">
         <p15:guide id="1" orient="horz" pos="2160">
           <p15:clr>
             <a:srgbClr val="A4A3A4"/>
@@ -325,7 +325,7 @@
           <a:p>
             <a:fld id="{FB30EDBD-1C2D-4C1E-B459-B60219FAB484}" type="datetimeFigureOut">
               <a:rPr lang="ko-KR" altLang="en-US" smtClean="0"/>
-              <a:t>2020-11-17</a:t>
+              <a:t>2020-11-18</a:t>
             </a:fld>
             <a:endParaRPr lang="ko-KR" altLang="en-US"/>
           </a:p>
@@ -525,7 +525,7 @@
           <a:p>
             <a:fld id="{FB30EDBD-1C2D-4C1E-B459-B60219FAB484}" type="datetimeFigureOut">
               <a:rPr lang="ko-KR" altLang="en-US" smtClean="0"/>
-              <a:t>2020-11-17</a:t>
+              <a:t>2020-11-18</a:t>
             </a:fld>
             <a:endParaRPr lang="ko-KR" altLang="en-US"/>
           </a:p>
@@ -700,7 +700,7 @@
           <a:p>
             <a:fld id="{FB30EDBD-1C2D-4C1E-B459-B60219FAB484}" type="datetimeFigureOut">
               <a:rPr lang="ko-KR" altLang="en-US" smtClean="0"/>
-              <a:t>2020-11-17</a:t>
+              <a:t>2020-11-18</a:t>
             </a:fld>
             <a:endParaRPr lang="ko-KR" altLang="en-US"/>
           </a:p>
@@ -865,7 +865,7 @@
           <a:p>
             <a:fld id="{FB30EDBD-1C2D-4C1E-B459-B60219FAB484}" type="datetimeFigureOut">
               <a:rPr lang="ko-KR" altLang="en-US" smtClean="0"/>
-              <a:t>2020-11-17</a:t>
+              <a:t>2020-11-18</a:t>
             </a:fld>
             <a:endParaRPr lang="ko-KR" altLang="en-US"/>
           </a:p>
@@ -1113,7 +1113,7 @@
           <a:p>
             <a:fld id="{FB30EDBD-1C2D-4C1E-B459-B60219FAB484}" type="datetimeFigureOut">
               <a:rPr lang="ko-KR" altLang="en-US" smtClean="0"/>
-              <a:t>2020-11-17</a:t>
+              <a:t>2020-11-18</a:t>
             </a:fld>
             <a:endParaRPr lang="ko-KR" altLang="en-US"/>
           </a:p>
@@ -1431,7 +1431,7 @@
           <a:p>
             <a:fld id="{FB30EDBD-1C2D-4C1E-B459-B60219FAB484}" type="datetimeFigureOut">
               <a:rPr lang="ko-KR" altLang="en-US" smtClean="0"/>
-              <a:t>2020-11-17</a:t>
+              <a:t>2020-11-18</a:t>
             </a:fld>
             <a:endParaRPr lang="ko-KR" altLang="en-US"/>
           </a:p>
@@ -1897,7 +1897,7 @@
           <a:p>
             <a:fld id="{FB30EDBD-1C2D-4C1E-B459-B60219FAB484}" type="datetimeFigureOut">
               <a:rPr lang="ko-KR" altLang="en-US" smtClean="0"/>
-              <a:t>2020-11-17</a:t>
+              <a:t>2020-11-18</a:t>
             </a:fld>
             <a:endParaRPr lang="ko-KR" altLang="en-US"/>
           </a:p>
@@ -2045,7 +2045,7 @@
           <a:p>
             <a:fld id="{FB30EDBD-1C2D-4C1E-B459-B60219FAB484}" type="datetimeFigureOut">
               <a:rPr lang="ko-KR" altLang="en-US" smtClean="0"/>
-              <a:t>2020-11-17</a:t>
+              <a:t>2020-11-18</a:t>
             </a:fld>
             <a:endParaRPr lang="ko-KR" altLang="en-US"/>
           </a:p>
@@ -2135,7 +2135,7 @@
           <a:p>
             <a:fld id="{FB30EDBD-1C2D-4C1E-B459-B60219FAB484}" type="datetimeFigureOut">
               <a:rPr lang="ko-KR" altLang="en-US" smtClean="0"/>
-              <a:t>2020-11-17</a:t>
+              <a:t>2020-11-18</a:t>
             </a:fld>
             <a:endParaRPr lang="ko-KR" altLang="en-US"/>
           </a:p>
@@ -2409,7 +2409,7 @@
           <a:p>
             <a:fld id="{FB30EDBD-1C2D-4C1E-B459-B60219FAB484}" type="datetimeFigureOut">
               <a:rPr lang="ko-KR" altLang="en-US" smtClean="0"/>
-              <a:t>2020-11-17</a:t>
+              <a:t>2020-11-18</a:t>
             </a:fld>
             <a:endParaRPr lang="ko-KR" altLang="en-US"/>
           </a:p>
@@ -2714,7 +2714,7 @@
           <a:p>
             <a:fld id="{FB30EDBD-1C2D-4C1E-B459-B60219FAB484}" type="datetimeFigureOut">
               <a:rPr lang="ko-KR" altLang="en-US" smtClean="0"/>
-              <a:t>2020-11-17</a:t>
+              <a:t>2020-11-18</a:t>
             </a:fld>
             <a:endParaRPr lang="ko-KR" altLang="en-US"/>
           </a:p>
@@ -3012,7 +3012,7 @@
           <a:p>
             <a:fld id="{FB30EDBD-1C2D-4C1E-B459-B60219FAB484}" type="datetimeFigureOut">
               <a:rPr lang="ko-KR" altLang="en-US" smtClean="0"/>
-              <a:t>2020-11-17</a:t>
+              <a:t>2020-11-18</a:t>
             </a:fld>
             <a:endParaRPr lang="ko-KR" altLang="en-US"/>
           </a:p>
@@ -4689,21 +4689,21 @@
                 <a:gridCol w="2384152">
                   <a:extLst>
                     <a:ext uri="{9D8B030D-6E8A-4147-A177-3AD203B41FA5}">
-                      <a16:colId xmlns="" xmlns:a16="http://schemas.microsoft.com/office/drawing/2014/main" val="20000"/>
+                      <a16:colId xmlns:a16="http://schemas.microsoft.com/office/drawing/2014/main" xmlns="" val="20000"/>
                     </a:ext>
                   </a:extLst>
                 </a:gridCol>
                 <a:gridCol w="2384152">
                   <a:extLst>
                     <a:ext uri="{9D8B030D-6E8A-4147-A177-3AD203B41FA5}">
-                      <a16:colId xmlns="" xmlns:a16="http://schemas.microsoft.com/office/drawing/2014/main" val="20001"/>
+                      <a16:colId xmlns:a16="http://schemas.microsoft.com/office/drawing/2014/main" xmlns="" val="20001"/>
                     </a:ext>
                   </a:extLst>
                 </a:gridCol>
                 <a:gridCol w="2384152">
                   <a:extLst>
                     <a:ext uri="{9D8B030D-6E8A-4147-A177-3AD203B41FA5}">
-                      <a16:colId xmlns="" xmlns:a16="http://schemas.microsoft.com/office/drawing/2014/main" val="20002"/>
+                      <a16:colId xmlns:a16="http://schemas.microsoft.com/office/drawing/2014/main" xmlns="" val="20002"/>
                     </a:ext>
                   </a:extLst>
                 </a:gridCol>
@@ -4762,7 +4762,7 @@
                 </a:tc>
                 <a:extLst>
                   <a:ext uri="{0D108BD9-81ED-4DB2-BD59-A6C34878D82A}">
-                    <a16:rowId xmlns="" xmlns:a16="http://schemas.microsoft.com/office/drawing/2014/main" val="10000"/>
+                    <a16:rowId xmlns:a16="http://schemas.microsoft.com/office/drawing/2014/main" xmlns="" val="10000"/>
                   </a:ext>
                 </a:extLst>
               </a:tr>
@@ -4835,7 +4835,7 @@
                 </a:tc>
                 <a:extLst>
                   <a:ext uri="{0D108BD9-81ED-4DB2-BD59-A6C34878D82A}">
-                    <a16:rowId xmlns="" xmlns:a16="http://schemas.microsoft.com/office/drawing/2014/main" val="10001"/>
+                    <a16:rowId xmlns:a16="http://schemas.microsoft.com/office/drawing/2014/main" xmlns="" val="10001"/>
                   </a:ext>
                 </a:extLst>
               </a:tr>
@@ -4936,7 +4936,7 @@
                 </a:tc>
                 <a:extLst>
                   <a:ext uri="{0D108BD9-81ED-4DB2-BD59-A6C34878D82A}">
-                    <a16:rowId xmlns="" xmlns:a16="http://schemas.microsoft.com/office/drawing/2014/main" val="10002"/>
+                    <a16:rowId xmlns:a16="http://schemas.microsoft.com/office/drawing/2014/main" xmlns="" val="10002"/>
                   </a:ext>
                 </a:extLst>
               </a:tr>
@@ -5082,7 +5082,7 @@
                 </a:tc>
                 <a:extLst>
                   <a:ext uri="{0D108BD9-81ED-4DB2-BD59-A6C34878D82A}">
-                    <a16:rowId xmlns="" xmlns:a16="http://schemas.microsoft.com/office/drawing/2014/main" val="10003"/>
+                    <a16:rowId xmlns:a16="http://schemas.microsoft.com/office/drawing/2014/main" xmlns="" val="10003"/>
                   </a:ext>
                 </a:extLst>
               </a:tr>
@@ -5201,7 +5201,7 @@
                 </a:tc>
                 <a:extLst>
                   <a:ext uri="{0D108BD9-81ED-4DB2-BD59-A6C34878D82A}">
-                    <a16:rowId xmlns="" xmlns:a16="http://schemas.microsoft.com/office/drawing/2014/main" val="10004"/>
+                    <a16:rowId xmlns:a16="http://schemas.microsoft.com/office/drawing/2014/main" xmlns="" val="10004"/>
                   </a:ext>
                 </a:extLst>
               </a:tr>
@@ -5344,7 +5344,7 @@
                 </a:tc>
                 <a:extLst>
                   <a:ext uri="{0D108BD9-81ED-4DB2-BD59-A6C34878D82A}">
-                    <a16:rowId xmlns="" xmlns:a16="http://schemas.microsoft.com/office/drawing/2014/main" val="10005"/>
+                    <a16:rowId xmlns:a16="http://schemas.microsoft.com/office/drawing/2014/main" xmlns="" val="10005"/>
                   </a:ext>
                 </a:extLst>
               </a:tr>
@@ -5414,7 +5414,7 @@
                 </a:tc>
                 <a:extLst>
                   <a:ext uri="{0D108BD9-81ED-4DB2-BD59-A6C34878D82A}">
-                    <a16:rowId xmlns="" xmlns:a16="http://schemas.microsoft.com/office/drawing/2014/main" val="10006"/>
+                    <a16:rowId xmlns:a16="http://schemas.microsoft.com/office/drawing/2014/main" xmlns="" val="10006"/>
                   </a:ext>
                 </a:extLst>
               </a:tr>
@@ -5564,21 +5564,21 @@
                 <a:gridCol w="2384152">
                   <a:extLst>
                     <a:ext uri="{9D8B030D-6E8A-4147-A177-3AD203B41FA5}">
-                      <a16:colId xmlns="" xmlns:a16="http://schemas.microsoft.com/office/drawing/2014/main" val="20000"/>
+                      <a16:colId xmlns:a16="http://schemas.microsoft.com/office/drawing/2014/main" xmlns="" val="20000"/>
                     </a:ext>
                   </a:extLst>
                 </a:gridCol>
                 <a:gridCol w="2384152">
                   <a:extLst>
                     <a:ext uri="{9D8B030D-6E8A-4147-A177-3AD203B41FA5}">
-                      <a16:colId xmlns="" xmlns:a16="http://schemas.microsoft.com/office/drawing/2014/main" val="20001"/>
+                      <a16:colId xmlns:a16="http://schemas.microsoft.com/office/drawing/2014/main" xmlns="" val="20001"/>
                     </a:ext>
                   </a:extLst>
                 </a:gridCol>
                 <a:gridCol w="2384152">
                   <a:extLst>
                     <a:ext uri="{9D8B030D-6E8A-4147-A177-3AD203B41FA5}">
-                      <a16:colId xmlns="" xmlns:a16="http://schemas.microsoft.com/office/drawing/2014/main" val="20002"/>
+                      <a16:colId xmlns:a16="http://schemas.microsoft.com/office/drawing/2014/main" xmlns="" val="20002"/>
                     </a:ext>
                   </a:extLst>
                 </a:gridCol>
@@ -5637,7 +5637,7 @@
                 </a:tc>
                 <a:extLst>
                   <a:ext uri="{0D108BD9-81ED-4DB2-BD59-A6C34878D82A}">
-                    <a16:rowId xmlns="" xmlns:a16="http://schemas.microsoft.com/office/drawing/2014/main" val="10000"/>
+                    <a16:rowId xmlns:a16="http://schemas.microsoft.com/office/drawing/2014/main" xmlns="" val="10000"/>
                   </a:ext>
                 </a:extLst>
               </a:tr>
@@ -5721,7 +5721,7 @@
                 </a:tc>
                 <a:extLst>
                   <a:ext uri="{0D108BD9-81ED-4DB2-BD59-A6C34878D82A}">
-                    <a16:rowId xmlns="" xmlns:a16="http://schemas.microsoft.com/office/drawing/2014/main" val="10001"/>
+                    <a16:rowId xmlns:a16="http://schemas.microsoft.com/office/drawing/2014/main" xmlns="" val="10001"/>
                   </a:ext>
                 </a:extLst>
               </a:tr>
@@ -5867,7 +5867,7 @@
                 </a:tc>
                 <a:extLst>
                   <a:ext uri="{0D108BD9-81ED-4DB2-BD59-A6C34878D82A}">
-                    <a16:rowId xmlns="" xmlns:a16="http://schemas.microsoft.com/office/drawing/2014/main" val="10002"/>
+                    <a16:rowId xmlns:a16="http://schemas.microsoft.com/office/drawing/2014/main" xmlns="" val="10002"/>
                   </a:ext>
                 </a:extLst>
               </a:tr>
@@ -5999,7 +5999,7 @@
                 </a:tc>
                 <a:extLst>
                   <a:ext uri="{0D108BD9-81ED-4DB2-BD59-A6C34878D82A}">
-                    <a16:rowId xmlns="" xmlns:a16="http://schemas.microsoft.com/office/drawing/2014/main" val="10003"/>
+                    <a16:rowId xmlns:a16="http://schemas.microsoft.com/office/drawing/2014/main" xmlns="" val="10003"/>
                   </a:ext>
                 </a:extLst>
               </a:tr>
@@ -6125,7 +6125,7 @@
                 </a:tc>
                 <a:extLst>
                   <a:ext uri="{0D108BD9-81ED-4DB2-BD59-A6C34878D82A}">
-                    <a16:rowId xmlns="" xmlns:a16="http://schemas.microsoft.com/office/drawing/2014/main" val="10004"/>
+                    <a16:rowId xmlns:a16="http://schemas.microsoft.com/office/drawing/2014/main" xmlns="" val="10004"/>
                   </a:ext>
                 </a:extLst>
               </a:tr>
@@ -6244,7 +6244,7 @@
                 </a:tc>
                 <a:extLst>
                   <a:ext uri="{0D108BD9-81ED-4DB2-BD59-A6C34878D82A}">
-                    <a16:rowId xmlns="" xmlns:a16="http://schemas.microsoft.com/office/drawing/2014/main" val="10005"/>
+                    <a16:rowId xmlns:a16="http://schemas.microsoft.com/office/drawing/2014/main" xmlns="" val="10005"/>
                   </a:ext>
                 </a:extLst>
               </a:tr>
@@ -6335,7 +6335,7 @@
                 </a:tc>
                 <a:extLst>
                   <a:ext uri="{0D108BD9-81ED-4DB2-BD59-A6C34878D82A}">
-                    <a16:rowId xmlns="" xmlns:a16="http://schemas.microsoft.com/office/drawing/2014/main" val="10006"/>
+                    <a16:rowId xmlns:a16="http://schemas.microsoft.com/office/drawing/2014/main" xmlns="" val="10006"/>
                   </a:ext>
                 </a:extLst>
               </a:tr>
@@ -6466,14 +6466,14 @@
           <p:nvPr>
             <p:extLst>
               <p:ext uri="{D42A27DB-BD31-4B8C-83A1-F6EECF244321}">
-                <p14:modId xmlns:p14="http://schemas.microsoft.com/office/powerpoint/2010/main" val="1955614148"/>
+                <p14:modId xmlns:p14="http://schemas.microsoft.com/office/powerpoint/2010/main" val="2703708327"/>
               </p:ext>
             </p:extLst>
           </p:nvPr>
         </p:nvGraphicFramePr>
         <p:xfrm>
           <a:off x="971600" y="1412776"/>
-          <a:ext cx="7152456" cy="5184576"/>
+          <a:ext cx="7152456" cy="5435612"/>
         </p:xfrm>
         <a:graphic>
           <a:graphicData uri="http://schemas.openxmlformats.org/drawingml/2006/table">
@@ -6485,21 +6485,21 @@
                 <a:gridCol w="2384152">
                   <a:extLst>
                     <a:ext uri="{9D8B030D-6E8A-4147-A177-3AD203B41FA5}">
-                      <a16:colId xmlns="" xmlns:a16="http://schemas.microsoft.com/office/drawing/2014/main" val="20000"/>
+                      <a16:colId xmlns:a16="http://schemas.microsoft.com/office/drawing/2014/main" xmlns="" val="20000"/>
                     </a:ext>
                   </a:extLst>
                 </a:gridCol>
                 <a:gridCol w="2384152">
                   <a:extLst>
                     <a:ext uri="{9D8B030D-6E8A-4147-A177-3AD203B41FA5}">
-                      <a16:colId xmlns="" xmlns:a16="http://schemas.microsoft.com/office/drawing/2014/main" val="20001"/>
+                      <a16:colId xmlns:a16="http://schemas.microsoft.com/office/drawing/2014/main" xmlns="" val="20001"/>
                     </a:ext>
                   </a:extLst>
                 </a:gridCol>
                 <a:gridCol w="2384152">
                   <a:extLst>
                     <a:ext uri="{9D8B030D-6E8A-4147-A177-3AD203B41FA5}">
-                      <a16:colId xmlns="" xmlns:a16="http://schemas.microsoft.com/office/drawing/2014/main" val="20002"/>
+                      <a16:colId xmlns:a16="http://schemas.microsoft.com/office/drawing/2014/main" xmlns="" val="20002"/>
                     </a:ext>
                   </a:extLst>
                 </a:gridCol>
@@ -6558,7 +6558,7 @@
                 </a:tc>
                 <a:extLst>
                   <a:ext uri="{0D108BD9-81ED-4DB2-BD59-A6C34878D82A}">
-                    <a16:rowId xmlns="" xmlns:a16="http://schemas.microsoft.com/office/drawing/2014/main" val="10000"/>
+                    <a16:rowId xmlns:a16="http://schemas.microsoft.com/office/drawing/2014/main" xmlns="" val="10000"/>
                   </a:ext>
                 </a:extLst>
               </a:tr>
@@ -6642,7 +6642,7 @@
                 </a:tc>
                 <a:extLst>
                   <a:ext uri="{0D108BD9-81ED-4DB2-BD59-A6C34878D82A}">
-                    <a16:rowId xmlns="" xmlns:a16="http://schemas.microsoft.com/office/drawing/2014/main" val="10001"/>
+                    <a16:rowId xmlns:a16="http://schemas.microsoft.com/office/drawing/2014/main" xmlns="" val="10001"/>
                   </a:ext>
                 </a:extLst>
               </a:tr>
@@ -6793,20 +6793,6 @@
                         </a:rPr>
                         <a:t>로드</a:t>
                       </a:r>
-                      <a:endParaRPr lang="en-US" altLang="ko-KR" sz="1400" dirty="0" smtClean="0">
-                        <a:latin typeface="Noto Sans KR Medium" pitchFamily="34" charset="-127"/>
-                        <a:ea typeface="Noto Sans KR Medium" pitchFamily="34" charset="-127"/>
-                      </a:endParaRPr>
-                    </a:p>
-                    <a:p>
-                      <a:pPr algn="ctr" latinLnBrk="1"/>
-                      <a:r>
-                        <a:rPr lang="ko-KR" altLang="en-US" sz="1400" smtClean="0">
-                          <a:latin typeface="Noto Sans KR Medium" pitchFamily="34" charset="-127"/>
-                          <a:ea typeface="Noto Sans KR Medium" pitchFamily="34" charset="-127"/>
-                        </a:rPr>
-                        <a:t>시계 돌리기 하다 맘</a:t>
-                      </a:r>
                       <a:endParaRPr lang="ko-KR" altLang="en-US" sz="1400" dirty="0">
                         <a:latin typeface="Noto Sans KR Medium" pitchFamily="34" charset="-127"/>
                         <a:ea typeface="Noto Sans KR Medium" pitchFamily="34" charset="-127"/>
@@ -6817,7 +6803,7 @@
                 </a:tc>
                 <a:extLst>
                   <a:ext uri="{0D108BD9-81ED-4DB2-BD59-A6C34878D82A}">
-                    <a16:rowId xmlns="" xmlns:a16="http://schemas.microsoft.com/office/drawing/2014/main" val="10002"/>
+                    <a16:rowId xmlns:a16="http://schemas.microsoft.com/office/drawing/2014/main" xmlns="" val="10002"/>
                   </a:ext>
                 </a:extLst>
               </a:tr>
@@ -6834,6 +6820,328 @@
                           <a:ea typeface="Noto Sans KR Medium" pitchFamily="34" charset="-127"/>
                         </a:rPr>
                         <a:t>11-18</a:t>
+                      </a:r>
+                      <a:endParaRPr lang="ko-KR" altLang="en-US" sz="1400" dirty="0">
+                        <a:latin typeface="Noto Sans KR Medium" pitchFamily="34" charset="-127"/>
+                        <a:ea typeface="Noto Sans KR Medium" pitchFamily="34" charset="-127"/>
+                      </a:endParaRPr>
+                    </a:p>
+                  </a:txBody>
+                  <a:tcPr/>
+                </a:tc>
+                <a:tc>
+                  <a:txBody>
+                    <a:bodyPr/>
+                    <a:lstStyle/>
+                    <a:p>
+                      <a:pPr algn="ctr" latinLnBrk="1"/>
+                      <a:r>
+                        <a:rPr lang="ko-KR" altLang="en-US" sz="1400" dirty="0" smtClean="0">
+                          <a:latin typeface="Noto Sans KR Medium" pitchFamily="34" charset="-127"/>
+                          <a:ea typeface="Noto Sans KR Medium" pitchFamily="34" charset="-127"/>
+                        </a:rPr>
+                        <a:t>마을 </a:t>
+                      </a:r>
+                      <a:r>
+                        <a:rPr lang="en-US" altLang="ko-KR" sz="1400" dirty="0" smtClean="0">
+                          <a:latin typeface="Noto Sans KR Medium" pitchFamily="34" charset="-127"/>
+                          <a:ea typeface="Noto Sans KR Medium" pitchFamily="34" charset="-127"/>
+                        </a:rPr>
+                        <a:t>House </a:t>
+                      </a:r>
+                      <a:r>
+                        <a:rPr lang="ko-KR" altLang="en-US" sz="1400" dirty="0" smtClean="0">
+                          <a:latin typeface="Noto Sans KR Medium" pitchFamily="34" charset="-127"/>
+                          <a:ea typeface="Noto Sans KR Medium" pitchFamily="34" charset="-127"/>
+                        </a:rPr>
+                        <a:t>완성</a:t>
+                      </a:r>
+                      <a:endParaRPr lang="en-US" altLang="ko-KR" sz="1400" dirty="0" smtClean="0">
+                        <a:latin typeface="Noto Sans KR Medium" pitchFamily="34" charset="-127"/>
+                        <a:ea typeface="Noto Sans KR Medium" pitchFamily="34" charset="-127"/>
+                      </a:endParaRPr>
+                    </a:p>
+                    <a:p>
+                      <a:pPr algn="ctr" latinLnBrk="1"/>
+                      <a:r>
+                        <a:rPr lang="ko-KR" altLang="en-US" sz="1400" dirty="0" smtClean="0">
+                          <a:latin typeface="Noto Sans KR Medium" pitchFamily="34" charset="-127"/>
+                          <a:ea typeface="Noto Sans KR Medium" pitchFamily="34" charset="-127"/>
+                        </a:rPr>
+                        <a:t>마을 </a:t>
+                      </a:r>
+                      <a:r>
+                        <a:rPr lang="en-US" altLang="ko-KR" sz="1400" dirty="0" err="1" smtClean="0">
+                          <a:latin typeface="Noto Sans KR Medium" pitchFamily="34" charset="-127"/>
+                          <a:ea typeface="Noto Sans KR Medium" pitchFamily="34" charset="-127"/>
+                        </a:rPr>
+                        <a:t>worldTime</a:t>
+                      </a:r>
+                      <a:r>
+                        <a:rPr lang="en-US" altLang="ko-KR" sz="1400" baseline="0" dirty="0" smtClean="0">
+                          <a:latin typeface="Noto Sans KR Medium" pitchFamily="34" charset="-127"/>
+                          <a:ea typeface="Noto Sans KR Medium" pitchFamily="34" charset="-127"/>
+                        </a:rPr>
+                        <a:t> </a:t>
+                      </a:r>
+                      <a:r>
+                        <a:rPr lang="ko-KR" altLang="en-US" sz="1400" baseline="0" dirty="0" smtClean="0">
+                          <a:latin typeface="Noto Sans KR Medium" pitchFamily="34" charset="-127"/>
+                          <a:ea typeface="Noto Sans KR Medium" pitchFamily="34" charset="-127"/>
+                        </a:rPr>
+                        <a:t>변경</a:t>
+                      </a:r>
+                      <a:endParaRPr lang="en-US" altLang="ko-KR" sz="1400" baseline="0" dirty="0" smtClean="0">
+                        <a:latin typeface="Noto Sans KR Medium" pitchFamily="34" charset="-127"/>
+                        <a:ea typeface="Noto Sans KR Medium" pitchFamily="34" charset="-127"/>
+                      </a:endParaRPr>
+                    </a:p>
+                    <a:p>
+                      <a:pPr algn="ctr" latinLnBrk="1"/>
+                      <a:r>
+                        <a:rPr lang="ko-KR" altLang="en-US" sz="1400" dirty="0" smtClean="0">
+                          <a:latin typeface="Noto Sans KR Medium" pitchFamily="34" charset="-127"/>
+                          <a:ea typeface="Noto Sans KR Medium" pitchFamily="34" charset="-127"/>
+                        </a:rPr>
+                        <a:t>마을 </a:t>
+                      </a:r>
+                      <a:r>
+                        <a:rPr lang="en-US" altLang="ko-KR" sz="1400" dirty="0" err="1" smtClean="0">
+                          <a:latin typeface="Noto Sans KR Medium" pitchFamily="34" charset="-127"/>
+                          <a:ea typeface="Noto Sans KR Medium" pitchFamily="34" charset="-127"/>
+                        </a:rPr>
+                        <a:t>worldTime</a:t>
+                      </a:r>
+                      <a:r>
+                        <a:rPr lang="en-US" altLang="ko-KR" sz="1400" dirty="0" smtClean="0">
+                          <a:latin typeface="Noto Sans KR Medium" pitchFamily="34" charset="-127"/>
+                          <a:ea typeface="Noto Sans KR Medium" pitchFamily="34" charset="-127"/>
+                        </a:rPr>
+                        <a:t> </a:t>
+                      </a:r>
+                      <a:r>
+                        <a:rPr lang="ko-KR" altLang="en-US" sz="1400" dirty="0" smtClean="0">
+                          <a:latin typeface="Noto Sans KR Medium" pitchFamily="34" charset="-127"/>
+                          <a:ea typeface="Noto Sans KR Medium" pitchFamily="34" charset="-127"/>
+                        </a:rPr>
+                        <a:t>저장</a:t>
+                      </a:r>
+                      <a:endParaRPr lang="en-US" altLang="ko-KR" sz="1400" dirty="0" smtClean="0">
+                        <a:latin typeface="Noto Sans KR Medium" pitchFamily="34" charset="-127"/>
+                        <a:ea typeface="Noto Sans KR Medium" pitchFamily="34" charset="-127"/>
+                      </a:endParaRPr>
+                    </a:p>
+                    <a:p>
+                      <a:pPr algn="ctr" latinLnBrk="1"/>
+                      <a:r>
+                        <a:rPr lang="ko-KR" altLang="en-US" sz="1400" dirty="0" err="1" smtClean="0">
+                          <a:latin typeface="Noto Sans KR Medium" pitchFamily="34" charset="-127"/>
+                          <a:ea typeface="Noto Sans KR Medium" pitchFamily="34" charset="-127"/>
+                        </a:rPr>
+                        <a:t>맵</a:t>
+                      </a:r>
+                      <a:r>
+                        <a:rPr lang="ko-KR" altLang="en-US" sz="1400" dirty="0" smtClean="0">
+                          <a:latin typeface="Noto Sans KR Medium" pitchFamily="34" charset="-127"/>
+                          <a:ea typeface="Noto Sans KR Medium" pitchFamily="34" charset="-127"/>
+                        </a:rPr>
+                        <a:t> 선택창</a:t>
+                      </a:r>
+                      <a:endParaRPr lang="ko-KR" altLang="en-US" sz="1400" dirty="0">
+                        <a:latin typeface="Noto Sans KR Medium" pitchFamily="34" charset="-127"/>
+                        <a:ea typeface="Noto Sans KR Medium" pitchFamily="34" charset="-127"/>
+                      </a:endParaRPr>
+                    </a:p>
+                  </a:txBody>
+                  <a:tcPr/>
+                </a:tc>
+                <a:tc>
+                  <a:txBody>
+                    <a:bodyPr/>
+                    <a:lstStyle/>
+                    <a:p>
+                      <a:pPr algn="ctr" latinLnBrk="1"/>
+                      <a:r>
+                        <a:rPr lang="ko-KR" altLang="en-US" sz="1400" dirty="0" smtClean="0">
+                          <a:latin typeface="Noto Sans KR Medium" pitchFamily="34" charset="-127"/>
+                          <a:ea typeface="Noto Sans KR Medium" pitchFamily="34" charset="-127"/>
+                        </a:rPr>
+                        <a:t>마을 </a:t>
+                      </a:r>
+                      <a:r>
+                        <a:rPr lang="en-US" altLang="ko-KR" sz="1400" dirty="0" smtClean="0">
+                          <a:latin typeface="Noto Sans KR Medium" pitchFamily="34" charset="-127"/>
+                          <a:ea typeface="Noto Sans KR Medium" pitchFamily="34" charset="-127"/>
+                        </a:rPr>
+                        <a:t>–</a:t>
+                      </a:r>
+                      <a:r>
+                        <a:rPr lang="en-US" altLang="ko-KR" sz="1400" baseline="0" dirty="0" smtClean="0">
+                          <a:latin typeface="Noto Sans KR Medium" pitchFamily="34" charset="-127"/>
+                          <a:ea typeface="Noto Sans KR Medium" pitchFamily="34" charset="-127"/>
+                        </a:rPr>
+                        <a:t> </a:t>
+                      </a:r>
+                      <a:r>
+                        <a:rPr lang="ko-KR" altLang="en-US" sz="1400" baseline="0" dirty="0" smtClean="0">
+                          <a:latin typeface="Noto Sans KR Medium" pitchFamily="34" charset="-127"/>
+                          <a:ea typeface="Noto Sans KR Medium" pitchFamily="34" charset="-127"/>
+                        </a:rPr>
+                        <a:t>하우스 간 이동</a:t>
+                      </a:r>
+                      <a:endParaRPr lang="en-US" altLang="ko-KR" sz="1400" baseline="0" dirty="0" smtClean="0">
+                        <a:latin typeface="Noto Sans KR Medium" pitchFamily="34" charset="-127"/>
+                        <a:ea typeface="Noto Sans KR Medium" pitchFamily="34" charset="-127"/>
+                      </a:endParaRPr>
+                    </a:p>
+                    <a:p>
+                      <a:pPr algn="ctr" latinLnBrk="1"/>
+                      <a:r>
+                        <a:rPr lang="ko-KR" altLang="en-US" sz="1400" dirty="0" smtClean="0">
+                          <a:latin typeface="Noto Sans KR Medium" pitchFamily="34" charset="-127"/>
+                          <a:ea typeface="Noto Sans KR Medium" pitchFamily="34" charset="-127"/>
+                        </a:rPr>
+                        <a:t>휴식 시간 제한</a:t>
+                      </a:r>
+                      <a:endParaRPr lang="ko-KR" altLang="en-US" sz="1400" dirty="0">
+                        <a:latin typeface="Noto Sans KR Medium" pitchFamily="34" charset="-127"/>
+                        <a:ea typeface="Noto Sans KR Medium" pitchFamily="34" charset="-127"/>
+                      </a:endParaRPr>
+                    </a:p>
+                  </a:txBody>
+                  <a:tcPr/>
+                </a:tc>
+                <a:extLst>
+                  <a:ext uri="{0D108BD9-81ED-4DB2-BD59-A6C34878D82A}">
+                    <a16:rowId xmlns:a16="http://schemas.microsoft.com/office/drawing/2014/main" xmlns="" val="10003"/>
+                  </a:ext>
+                </a:extLst>
+              </a:tr>
+              <a:tr h="693844">
+                <a:tc>
+                  <a:txBody>
+                    <a:bodyPr/>
+                    <a:lstStyle/>
+                    <a:p>
+                      <a:pPr algn="ctr" latinLnBrk="1"/>
+                      <a:r>
+                        <a:rPr lang="en-US" altLang="ko-KR" sz="1400" dirty="0" smtClean="0">
+                          <a:latin typeface="Noto Sans KR Medium" pitchFamily="34" charset="-127"/>
+                          <a:ea typeface="Noto Sans KR Medium" pitchFamily="34" charset="-127"/>
+                        </a:rPr>
+                        <a:t>11-19</a:t>
+                      </a:r>
+                      <a:endParaRPr lang="ko-KR" altLang="en-US" sz="1400" dirty="0">
+                        <a:latin typeface="Noto Sans KR Medium" pitchFamily="34" charset="-127"/>
+                        <a:ea typeface="Noto Sans KR Medium" pitchFamily="34" charset="-127"/>
+                      </a:endParaRPr>
+                    </a:p>
+                  </a:txBody>
+                  <a:tcPr/>
+                </a:tc>
+                <a:tc>
+                  <a:txBody>
+                    <a:bodyPr/>
+                    <a:lstStyle/>
+                    <a:p>
+                      <a:pPr algn="ctr" latinLnBrk="1"/>
+                      <a:endParaRPr lang="en-US" altLang="ko-KR" sz="1400" baseline="0" dirty="0">
+                        <a:latin typeface="Noto Sans KR Medium" pitchFamily="34" charset="-127"/>
+                        <a:ea typeface="Noto Sans KR Medium" pitchFamily="34" charset="-127"/>
+                      </a:endParaRPr>
+                    </a:p>
+                  </a:txBody>
+                  <a:tcPr/>
+                </a:tc>
+                <a:tc>
+                  <a:txBody>
+                    <a:bodyPr/>
+                    <a:lstStyle/>
+                    <a:p>
+                      <a:pPr algn="ctr" latinLnBrk="1"/>
+                      <a:endParaRPr lang="ko-KR" altLang="en-US" sz="1400" dirty="0">
+                        <a:latin typeface="Noto Sans KR Medium" pitchFamily="34" charset="-127"/>
+                        <a:ea typeface="Noto Sans KR Medium" pitchFamily="34" charset="-127"/>
+                      </a:endParaRPr>
+                    </a:p>
+                  </a:txBody>
+                  <a:tcPr/>
+                </a:tc>
+                <a:extLst>
+                  <a:ext uri="{0D108BD9-81ED-4DB2-BD59-A6C34878D82A}">
+                    <a16:rowId xmlns:a16="http://schemas.microsoft.com/office/drawing/2014/main" xmlns="" val="10004"/>
+                  </a:ext>
+                </a:extLst>
+              </a:tr>
+              <a:tr h="693844">
+                <a:tc>
+                  <a:txBody>
+                    <a:bodyPr/>
+                    <a:lstStyle/>
+                    <a:p>
+                      <a:pPr algn="ctr" latinLnBrk="1"/>
+                      <a:r>
+                        <a:rPr lang="en-US" altLang="ko-KR" sz="1400" dirty="0" smtClean="0">
+                          <a:latin typeface="Noto Sans KR Medium" pitchFamily="34" charset="-127"/>
+                          <a:ea typeface="Noto Sans KR Medium" pitchFamily="34" charset="-127"/>
+                        </a:rPr>
+                        <a:t>11-20</a:t>
+                      </a:r>
+                      <a:endParaRPr lang="ko-KR" altLang="en-US" sz="1400" dirty="0">
+                        <a:latin typeface="Noto Sans KR Medium" pitchFamily="34" charset="-127"/>
+                        <a:ea typeface="Noto Sans KR Medium" pitchFamily="34" charset="-127"/>
+                      </a:endParaRPr>
+                    </a:p>
+                  </a:txBody>
+                  <a:tcPr/>
+                </a:tc>
+                <a:tc>
+                  <a:txBody>
+                    <a:bodyPr/>
+                    <a:lstStyle/>
+                    <a:p>
+                      <a:pPr algn="ctr" latinLnBrk="1"/>
+                      <a:endParaRPr lang="ko-KR" altLang="en-US" sz="1400" dirty="0">
+                        <a:latin typeface="Noto Sans KR Medium" pitchFamily="34" charset="-127"/>
+                        <a:ea typeface="Noto Sans KR Medium" pitchFamily="34" charset="-127"/>
+                      </a:endParaRPr>
+                    </a:p>
+                  </a:txBody>
+                  <a:tcPr/>
+                </a:tc>
+                <a:tc>
+                  <a:txBody>
+                    <a:bodyPr/>
+                    <a:lstStyle/>
+                    <a:p>
+                      <a:pPr algn="ctr" latinLnBrk="1"/>
+                      <a:endParaRPr lang="en-US" altLang="ko-KR" sz="1400" dirty="0">
+                        <a:latin typeface="Noto Sans KR Medium" pitchFamily="34" charset="-127"/>
+                        <a:ea typeface="Noto Sans KR Medium" pitchFamily="34" charset="-127"/>
+                      </a:endParaRPr>
+                    </a:p>
+                  </a:txBody>
+                  <a:tcPr/>
+                </a:tc>
+                <a:extLst>
+                  <a:ext uri="{0D108BD9-81ED-4DB2-BD59-A6C34878D82A}">
+                    <a16:rowId xmlns:a16="http://schemas.microsoft.com/office/drawing/2014/main" xmlns="" val="10005"/>
+                  </a:ext>
+                </a:extLst>
+              </a:tr>
+              <a:tr h="693844">
+                <a:tc>
+                  <a:txBody>
+                    <a:bodyPr/>
+                    <a:lstStyle/>
+                    <a:p>
+                      <a:pPr algn="ctr" latinLnBrk="1"/>
+                      <a:r>
+                        <a:rPr lang="en-US" altLang="ko-KR" sz="1400" dirty="0" smtClean="0">
+                          <a:latin typeface="Noto Sans KR Medium" pitchFamily="34" charset="-127"/>
+                          <a:ea typeface="Noto Sans KR Medium" pitchFamily="34" charset="-127"/>
+                        </a:rPr>
+                        <a:t>11-21</a:t>
                       </a:r>
                       <a:endParaRPr lang="ko-KR" altLang="en-US" sz="1400" dirty="0">
                         <a:latin typeface="Noto Sans KR Medium" pitchFamily="34" charset="-127"/>
@@ -6873,175 +7181,7 @@
                 </a:tc>
                 <a:extLst>
                   <a:ext uri="{0D108BD9-81ED-4DB2-BD59-A6C34878D82A}">
-                    <a16:rowId xmlns="" xmlns:a16="http://schemas.microsoft.com/office/drawing/2014/main" val="10003"/>
-                  </a:ext>
-                </a:extLst>
-              </a:tr>
-              <a:tr h="693844">
-                <a:tc>
-                  <a:txBody>
-                    <a:bodyPr/>
-                    <a:lstStyle/>
-                    <a:p>
-                      <a:pPr algn="ctr" latinLnBrk="1"/>
-                      <a:r>
-                        <a:rPr lang="en-US" altLang="ko-KR" sz="1400" dirty="0" smtClean="0">
-                          <a:latin typeface="Noto Sans KR Medium" pitchFamily="34" charset="-127"/>
-                          <a:ea typeface="Noto Sans KR Medium" pitchFamily="34" charset="-127"/>
-                        </a:rPr>
-                        <a:t>11-19</a:t>
-                      </a:r>
-                      <a:endParaRPr lang="ko-KR" altLang="en-US" sz="1400" dirty="0">
-                        <a:latin typeface="Noto Sans KR Medium" pitchFamily="34" charset="-127"/>
-                        <a:ea typeface="Noto Sans KR Medium" pitchFamily="34" charset="-127"/>
-                      </a:endParaRPr>
-                    </a:p>
-                  </a:txBody>
-                  <a:tcPr/>
-                </a:tc>
-                <a:tc>
-                  <a:txBody>
-                    <a:bodyPr/>
-                    <a:lstStyle/>
-                    <a:p>
-                      <a:pPr algn="ctr" latinLnBrk="1"/>
-                      <a:endParaRPr lang="en-US" altLang="ko-KR" sz="1400" baseline="0" dirty="0">
-                        <a:latin typeface="Noto Sans KR Medium" pitchFamily="34" charset="-127"/>
-                        <a:ea typeface="Noto Sans KR Medium" pitchFamily="34" charset="-127"/>
-                      </a:endParaRPr>
-                    </a:p>
-                  </a:txBody>
-                  <a:tcPr/>
-                </a:tc>
-                <a:tc>
-                  <a:txBody>
-                    <a:bodyPr/>
-                    <a:lstStyle/>
-                    <a:p>
-                      <a:pPr algn="ctr" latinLnBrk="1"/>
-                      <a:endParaRPr lang="ko-KR" altLang="en-US" sz="1400" dirty="0">
-                        <a:latin typeface="Noto Sans KR Medium" pitchFamily="34" charset="-127"/>
-                        <a:ea typeface="Noto Sans KR Medium" pitchFamily="34" charset="-127"/>
-                      </a:endParaRPr>
-                    </a:p>
-                  </a:txBody>
-                  <a:tcPr/>
-                </a:tc>
-                <a:extLst>
-                  <a:ext uri="{0D108BD9-81ED-4DB2-BD59-A6C34878D82A}">
-                    <a16:rowId xmlns="" xmlns:a16="http://schemas.microsoft.com/office/drawing/2014/main" val="10004"/>
-                  </a:ext>
-                </a:extLst>
-              </a:tr>
-              <a:tr h="693844">
-                <a:tc>
-                  <a:txBody>
-                    <a:bodyPr/>
-                    <a:lstStyle/>
-                    <a:p>
-                      <a:pPr algn="ctr" latinLnBrk="1"/>
-                      <a:r>
-                        <a:rPr lang="en-US" altLang="ko-KR" sz="1400" dirty="0" smtClean="0">
-                          <a:latin typeface="Noto Sans KR Medium" pitchFamily="34" charset="-127"/>
-                          <a:ea typeface="Noto Sans KR Medium" pitchFamily="34" charset="-127"/>
-                        </a:rPr>
-                        <a:t>11-20</a:t>
-                      </a:r>
-                      <a:endParaRPr lang="ko-KR" altLang="en-US" sz="1400" dirty="0">
-                        <a:latin typeface="Noto Sans KR Medium" pitchFamily="34" charset="-127"/>
-                        <a:ea typeface="Noto Sans KR Medium" pitchFamily="34" charset="-127"/>
-                      </a:endParaRPr>
-                    </a:p>
-                  </a:txBody>
-                  <a:tcPr/>
-                </a:tc>
-                <a:tc>
-                  <a:txBody>
-                    <a:bodyPr/>
-                    <a:lstStyle/>
-                    <a:p>
-                      <a:pPr algn="ctr" latinLnBrk="1"/>
-                      <a:endParaRPr lang="ko-KR" altLang="en-US" sz="1400" dirty="0">
-                        <a:latin typeface="Noto Sans KR Medium" pitchFamily="34" charset="-127"/>
-                        <a:ea typeface="Noto Sans KR Medium" pitchFamily="34" charset="-127"/>
-                      </a:endParaRPr>
-                    </a:p>
-                  </a:txBody>
-                  <a:tcPr/>
-                </a:tc>
-                <a:tc>
-                  <a:txBody>
-                    <a:bodyPr/>
-                    <a:lstStyle/>
-                    <a:p>
-                      <a:pPr algn="ctr" latinLnBrk="1"/>
-                      <a:endParaRPr lang="en-US" altLang="ko-KR" sz="1400" dirty="0">
-                        <a:latin typeface="Noto Sans KR Medium" pitchFamily="34" charset="-127"/>
-                        <a:ea typeface="Noto Sans KR Medium" pitchFamily="34" charset="-127"/>
-                      </a:endParaRPr>
-                    </a:p>
-                  </a:txBody>
-                  <a:tcPr/>
-                </a:tc>
-                <a:extLst>
-                  <a:ext uri="{0D108BD9-81ED-4DB2-BD59-A6C34878D82A}">
-                    <a16:rowId xmlns="" xmlns:a16="http://schemas.microsoft.com/office/drawing/2014/main" val="10005"/>
-                  </a:ext>
-                </a:extLst>
-              </a:tr>
-              <a:tr h="693844">
-                <a:tc>
-                  <a:txBody>
-                    <a:bodyPr/>
-                    <a:lstStyle/>
-                    <a:p>
-                      <a:pPr algn="ctr" latinLnBrk="1"/>
-                      <a:r>
-                        <a:rPr lang="en-US" altLang="ko-KR" sz="1400" dirty="0" smtClean="0">
-                          <a:latin typeface="Noto Sans KR Medium" pitchFamily="34" charset="-127"/>
-                          <a:ea typeface="Noto Sans KR Medium" pitchFamily="34" charset="-127"/>
-                        </a:rPr>
-                        <a:t>11-21</a:t>
-                      </a:r>
-                      <a:endParaRPr lang="ko-KR" altLang="en-US" sz="1400" dirty="0">
-                        <a:latin typeface="Noto Sans KR Medium" pitchFamily="34" charset="-127"/>
-                        <a:ea typeface="Noto Sans KR Medium" pitchFamily="34" charset="-127"/>
-                      </a:endParaRPr>
-                    </a:p>
-                  </a:txBody>
-                  <a:tcPr/>
-                </a:tc>
-                <a:tc>
-                  <a:txBody>
-                    <a:bodyPr/>
-                    <a:lstStyle/>
-                    <a:p>
-                      <a:pPr algn="ctr" latinLnBrk="1"/>
-                      <a:endParaRPr lang="ko-KR" altLang="en-US" sz="1400" dirty="0">
-                        <a:latin typeface="Noto Sans KR Medium" pitchFamily="34" charset="-127"/>
-                        <a:ea typeface="Noto Sans KR Medium" pitchFamily="34" charset="-127"/>
-                      </a:endParaRPr>
-                    </a:p>
-                  </a:txBody>
-                  <a:tcPr/>
-                </a:tc>
-                <a:tc>
-                  <a:txBody>
-                    <a:bodyPr/>
-                    <a:lstStyle/>
-                    <a:p>
-                      <a:pPr algn="ctr" latinLnBrk="1"/>
-                      <a:endParaRPr lang="ko-KR" altLang="en-US" sz="1400" dirty="0">
-                        <a:latin typeface="Noto Sans KR Medium" pitchFamily="34" charset="-127"/>
-                        <a:ea typeface="Noto Sans KR Medium" pitchFamily="34" charset="-127"/>
-                      </a:endParaRPr>
-                    </a:p>
-                  </a:txBody>
-                  <a:tcPr/>
-                </a:tc>
-                <a:extLst>
-                  <a:ext uri="{0D108BD9-81ED-4DB2-BD59-A6C34878D82A}">
-                    <a16:rowId xmlns="" xmlns:a16="http://schemas.microsoft.com/office/drawing/2014/main" val="10006"/>
+                    <a16:rowId xmlns:a16="http://schemas.microsoft.com/office/drawing/2014/main" xmlns="" val="10006"/>
                   </a:ext>
                 </a:extLst>
               </a:tr>
@@ -8414,31 +8554,22 @@
                 <a:latin typeface="Noto Sans KR Medium" pitchFamily="34" charset="-127"/>
                 <a:ea typeface="Noto Sans KR Medium" pitchFamily="34" charset="-127"/>
               </a:rPr>
-              <a:t>시간은 마을에서 휴식을 통해 아침 </a:t>
+              <a:t>시간은 마을에서 </a:t>
+            </a:r>
+            <a:r>
+              <a:rPr lang="ko-KR" altLang="en-US" dirty="0" smtClean="0">
+                <a:latin typeface="Noto Sans KR Medium" pitchFamily="34" charset="-127"/>
+                <a:ea typeface="Noto Sans KR Medium" pitchFamily="34" charset="-127"/>
+              </a:rPr>
+              <a:t>휴식을 통해 자유롭게 조정할 수 있다</a:t>
             </a:r>
             <a:r>
               <a:rPr lang="en-US" altLang="ko-KR" dirty="0" smtClean="0">
                 <a:latin typeface="Noto Sans KR Medium" pitchFamily="34" charset="-127"/>
                 <a:ea typeface="Noto Sans KR Medium" pitchFamily="34" charset="-127"/>
               </a:rPr>
-              <a:t>6</a:t>
-            </a:r>
-            <a:r>
-              <a:rPr lang="ko-KR" altLang="en-US" dirty="0" smtClean="0">
-                <a:latin typeface="Noto Sans KR Medium" pitchFamily="34" charset="-127"/>
-                <a:ea typeface="Noto Sans KR Medium" pitchFamily="34" charset="-127"/>
-              </a:rPr>
-              <a:t>시로 조정할 수 있다</a:t>
-            </a:r>
-            <a:r>
-              <a:rPr lang="en-US" altLang="ko-KR" dirty="0" smtClean="0">
-                <a:latin typeface="Noto Sans KR Medium" pitchFamily="34" charset="-127"/>
-                <a:ea typeface="Noto Sans KR Medium" pitchFamily="34" charset="-127"/>
-              </a:rPr>
               <a:t>.</a:t>
             </a:r>
-          </a:p>
-          <a:p>
             <a:endParaRPr lang="ko-KR" altLang="en-US" dirty="0">
               <a:latin typeface="Noto Sans KR Medium" pitchFamily="34" charset="-127"/>
               <a:ea typeface="Noto Sans KR Medium" pitchFamily="34" charset="-127"/>
@@ -8871,14 +9002,7 @@
                 <a:latin typeface="Noto Sans KR Medium" pitchFamily="34" charset="-127"/>
                 <a:ea typeface="Noto Sans KR Medium" pitchFamily="34" charset="-127"/>
               </a:rPr>
-              <a:t>휴식가능</a:t>
-            </a:r>
-            <a:r>
-              <a:rPr lang="ko-KR" altLang="en-US" dirty="0" smtClean="0">
-                <a:latin typeface="Noto Sans KR Medium" pitchFamily="34" charset="-127"/>
-                <a:ea typeface="Noto Sans KR Medium" pitchFamily="34" charset="-127"/>
-              </a:rPr>
-              <a:t> </a:t>
+              <a:t>휴식가능 </a:t>
             </a:r>
             <a:endParaRPr lang="en-US" altLang="ko-KR" dirty="0" smtClean="0">
               <a:latin typeface="Noto Sans KR Medium" pitchFamily="34" charset="-127"/>
@@ -8894,14 +9018,21 @@
                 <a:latin typeface="Noto Sans KR Medium" pitchFamily="34" charset="-127"/>
                 <a:ea typeface="Noto Sans KR Medium" pitchFamily="34" charset="-127"/>
               </a:rPr>
-              <a:t>-</a:t>
+              <a:t>- </a:t>
             </a:r>
             <a:r>
               <a:rPr lang="ko-KR" altLang="en-US" dirty="0" smtClean="0">
                 <a:latin typeface="Noto Sans KR Medium" pitchFamily="34" charset="-127"/>
                 <a:ea typeface="Noto Sans KR Medium" pitchFamily="34" charset="-127"/>
               </a:rPr>
-              <a:t>밤의 절반의 밝기</a:t>
+              <a:t>밤의 </a:t>
+            </a:r>
+            <a:r>
+              <a:rPr lang="ko-KR" altLang="en-US" dirty="0" smtClean="0">
+                <a:latin typeface="Noto Sans KR Medium" pitchFamily="34" charset="-127"/>
+                <a:ea typeface="Noto Sans KR Medium" pitchFamily="34" charset="-127"/>
+              </a:rPr>
+              <a:t>절반의 밝기</a:t>
             </a:r>
             <a:endParaRPr lang="ko-KR" altLang="en-US" dirty="0">
               <a:latin typeface="Noto Sans KR Medium" pitchFamily="34" charset="-127"/>
@@ -8989,12 +9120,107 @@
                 <a:latin typeface="Noto Sans KR Medium" pitchFamily="34" charset="-127"/>
                 <a:ea typeface="Noto Sans KR Medium" pitchFamily="34" charset="-127"/>
               </a:rPr>
+              <a:t>스테이지 별로 </a:t>
+            </a:r>
+            <a:r>
+              <a:rPr lang="ko-KR" altLang="en-US" dirty="0" err="1" smtClean="0">
+                <a:latin typeface="Noto Sans KR Medium" pitchFamily="34" charset="-127"/>
+                <a:ea typeface="Noto Sans KR Medium" pitchFamily="34" charset="-127"/>
+              </a:rPr>
+              <a:t>클리어</a:t>
+            </a:r>
+            <a:r>
+              <a:rPr lang="ko-KR" altLang="en-US" dirty="0">
+                <a:latin typeface="Noto Sans KR Medium" pitchFamily="34" charset="-127"/>
+                <a:ea typeface="Noto Sans KR Medium" pitchFamily="34" charset="-127"/>
+              </a:rPr>
               <a:t> </a:t>
             </a:r>
-            <a:endParaRPr lang="ko-KR" altLang="en-US" dirty="0">
+            <a:r>
+              <a:rPr lang="ko-KR" altLang="en-US" dirty="0" smtClean="0">
+                <a:latin typeface="Noto Sans KR Medium" pitchFamily="34" charset="-127"/>
+                <a:ea typeface="Noto Sans KR Medium" pitchFamily="34" charset="-127"/>
+              </a:rPr>
+              <a:t>조건이 다르며 </a:t>
+            </a:r>
+            <a:r>
+              <a:rPr lang="ko-KR" altLang="en-US" dirty="0" err="1" smtClean="0">
+                <a:latin typeface="Noto Sans KR Medium" pitchFamily="34" charset="-127"/>
+                <a:ea typeface="Noto Sans KR Medium" pitchFamily="34" charset="-127"/>
+              </a:rPr>
+              <a:t>클리어</a:t>
+            </a:r>
+            <a:r>
+              <a:rPr lang="ko-KR" altLang="en-US" dirty="0" smtClean="0">
+                <a:latin typeface="Noto Sans KR Medium" pitchFamily="34" charset="-127"/>
+                <a:ea typeface="Noto Sans KR Medium" pitchFamily="34" charset="-127"/>
+              </a:rPr>
+              <a:t> 시 다음 스테이지가 해방이 된다</a:t>
+            </a:r>
+            <a:r>
+              <a:rPr lang="en-US" altLang="ko-KR" dirty="0" smtClean="0">
+                <a:latin typeface="Noto Sans KR Medium" pitchFamily="34" charset="-127"/>
+                <a:ea typeface="Noto Sans KR Medium" pitchFamily="34" charset="-127"/>
+              </a:rPr>
+              <a:t>.</a:t>
+            </a:r>
+          </a:p>
+          <a:p>
+            <a:r>
+              <a:rPr lang="ko-KR" altLang="en-US" dirty="0" err="1" smtClean="0">
+                <a:latin typeface="Noto Sans KR Medium" pitchFamily="34" charset="-127"/>
+                <a:ea typeface="Noto Sans KR Medium" pitchFamily="34" charset="-127"/>
+              </a:rPr>
+              <a:t>클리어</a:t>
+            </a:r>
+            <a:r>
+              <a:rPr lang="ko-KR" altLang="en-US" dirty="0" smtClean="0">
+                <a:latin typeface="Noto Sans KR Medium" pitchFamily="34" charset="-127"/>
+                <a:ea typeface="Noto Sans KR Medium" pitchFamily="34" charset="-127"/>
+              </a:rPr>
+              <a:t> 조건은 스테이지 시작 할 때 보여주고 </a:t>
+            </a:r>
+            <a:r>
+              <a:rPr lang="en-US" altLang="ko-KR" dirty="0" smtClean="0">
+                <a:latin typeface="Noto Sans KR Medium" pitchFamily="34" charset="-127"/>
+                <a:ea typeface="Noto Sans KR Medium" pitchFamily="34" charset="-127"/>
+              </a:rPr>
+              <a:t>UI</a:t>
+            </a:r>
+            <a:r>
+              <a:rPr lang="ko-KR" altLang="en-US" dirty="0" smtClean="0">
+                <a:latin typeface="Noto Sans KR Medium" pitchFamily="34" charset="-127"/>
+                <a:ea typeface="Noto Sans KR Medium" pitchFamily="34" charset="-127"/>
+              </a:rPr>
+              <a:t>에 표시 한다</a:t>
+            </a:r>
+            <a:r>
+              <a:rPr lang="en-US" altLang="ko-KR" smtClean="0">
+                <a:latin typeface="Noto Sans KR Medium" pitchFamily="34" charset="-127"/>
+                <a:ea typeface="Noto Sans KR Medium" pitchFamily="34" charset="-127"/>
+              </a:rPr>
+              <a:t>.</a:t>
+            </a:r>
+            <a:endParaRPr lang="en-US" altLang="ko-KR" dirty="0" smtClean="0">
               <a:latin typeface="Noto Sans KR Medium" pitchFamily="34" charset="-127"/>
               <a:ea typeface="Noto Sans KR Medium" pitchFamily="34" charset="-127"/>
             </a:endParaRPr>
+          </a:p>
+          <a:p>
+            <a:r>
+              <a:rPr lang="ko-KR" altLang="en-US" dirty="0" smtClean="0">
+                <a:latin typeface="Noto Sans KR Medium" pitchFamily="34" charset="-127"/>
+                <a:ea typeface="Noto Sans KR Medium" pitchFamily="34" charset="-127"/>
+              </a:rPr>
+              <a:t>시간의 영향을 받으며 탐색 불가 시간이 되면 다음 스테이지로 넘어 갈 수 없다</a:t>
+            </a:r>
+            <a:r>
+              <a:rPr lang="en-US" altLang="ko-KR" dirty="0" smtClean="0">
+                <a:latin typeface="Noto Sans KR Medium" pitchFamily="34" charset="-127"/>
+                <a:ea typeface="Noto Sans KR Medium" pitchFamily="34" charset="-127"/>
+              </a:rPr>
+              <a:t>.</a:t>
+            </a:r>
           </a:p>
         </p:txBody>
       </p:sp>

--- a/2D Personal Game Project/새 Microsoft PowerPoint 프레젠테이션.pptx
+++ b/2D Personal Game Project/새 Microsoft PowerPoint 프레젠테이션.pptx
@@ -120,7 +120,7 @@
   </p:defaultTextStyle>
   <p:extLst>
     <p:ext uri="{EFAFB233-063F-42B5-8137-9DF3F51BA10A}">
-      <p15:sldGuideLst xmlns:p15="http://schemas.microsoft.com/office/powerpoint/2012/main" xmlns="">
+      <p15:sldGuideLst xmlns:p15="http://schemas.microsoft.com/office/powerpoint/2012/main">
         <p15:guide id="1" orient="horz" pos="2160">
           <p15:clr>
             <a:srgbClr val="A4A3A4"/>
@@ -325,7 +325,7 @@
           <a:p>
             <a:fld id="{FB30EDBD-1C2D-4C1E-B459-B60219FAB484}" type="datetimeFigureOut">
               <a:rPr lang="ko-KR" altLang="en-US" smtClean="0"/>
-              <a:t>2020-11-18</a:t>
+              <a:t>2020-11-19</a:t>
             </a:fld>
             <a:endParaRPr lang="ko-KR" altLang="en-US"/>
           </a:p>
@@ -525,7 +525,7 @@
           <a:p>
             <a:fld id="{FB30EDBD-1C2D-4C1E-B459-B60219FAB484}" type="datetimeFigureOut">
               <a:rPr lang="ko-KR" altLang="en-US" smtClean="0"/>
-              <a:t>2020-11-18</a:t>
+              <a:t>2020-11-19</a:t>
             </a:fld>
             <a:endParaRPr lang="ko-KR" altLang="en-US"/>
           </a:p>
@@ -700,7 +700,7 @@
           <a:p>
             <a:fld id="{FB30EDBD-1C2D-4C1E-B459-B60219FAB484}" type="datetimeFigureOut">
               <a:rPr lang="ko-KR" altLang="en-US" smtClean="0"/>
-              <a:t>2020-11-18</a:t>
+              <a:t>2020-11-19</a:t>
             </a:fld>
             <a:endParaRPr lang="ko-KR" altLang="en-US"/>
           </a:p>
@@ -865,7 +865,7 @@
           <a:p>
             <a:fld id="{FB30EDBD-1C2D-4C1E-B459-B60219FAB484}" type="datetimeFigureOut">
               <a:rPr lang="ko-KR" altLang="en-US" smtClean="0"/>
-              <a:t>2020-11-18</a:t>
+              <a:t>2020-11-19</a:t>
             </a:fld>
             <a:endParaRPr lang="ko-KR" altLang="en-US"/>
           </a:p>
@@ -1113,7 +1113,7 @@
           <a:p>
             <a:fld id="{FB30EDBD-1C2D-4C1E-B459-B60219FAB484}" type="datetimeFigureOut">
               <a:rPr lang="ko-KR" altLang="en-US" smtClean="0"/>
-              <a:t>2020-11-18</a:t>
+              <a:t>2020-11-19</a:t>
             </a:fld>
             <a:endParaRPr lang="ko-KR" altLang="en-US"/>
           </a:p>
@@ -1431,7 +1431,7 @@
           <a:p>
             <a:fld id="{FB30EDBD-1C2D-4C1E-B459-B60219FAB484}" type="datetimeFigureOut">
               <a:rPr lang="ko-KR" altLang="en-US" smtClean="0"/>
-              <a:t>2020-11-18</a:t>
+              <a:t>2020-11-19</a:t>
             </a:fld>
             <a:endParaRPr lang="ko-KR" altLang="en-US"/>
           </a:p>
@@ -1897,7 +1897,7 @@
           <a:p>
             <a:fld id="{FB30EDBD-1C2D-4C1E-B459-B60219FAB484}" type="datetimeFigureOut">
               <a:rPr lang="ko-KR" altLang="en-US" smtClean="0"/>
-              <a:t>2020-11-18</a:t>
+              <a:t>2020-11-19</a:t>
             </a:fld>
             <a:endParaRPr lang="ko-KR" altLang="en-US"/>
           </a:p>
@@ -2045,7 +2045,7 @@
           <a:p>
             <a:fld id="{FB30EDBD-1C2D-4C1E-B459-B60219FAB484}" type="datetimeFigureOut">
               <a:rPr lang="ko-KR" altLang="en-US" smtClean="0"/>
-              <a:t>2020-11-18</a:t>
+              <a:t>2020-11-19</a:t>
             </a:fld>
             <a:endParaRPr lang="ko-KR" altLang="en-US"/>
           </a:p>
@@ -2135,7 +2135,7 @@
           <a:p>
             <a:fld id="{FB30EDBD-1C2D-4C1E-B459-B60219FAB484}" type="datetimeFigureOut">
               <a:rPr lang="ko-KR" altLang="en-US" smtClean="0"/>
-              <a:t>2020-11-18</a:t>
+              <a:t>2020-11-19</a:t>
             </a:fld>
             <a:endParaRPr lang="ko-KR" altLang="en-US"/>
           </a:p>
@@ -2409,7 +2409,7 @@
           <a:p>
             <a:fld id="{FB30EDBD-1C2D-4C1E-B459-B60219FAB484}" type="datetimeFigureOut">
               <a:rPr lang="ko-KR" altLang="en-US" smtClean="0"/>
-              <a:t>2020-11-18</a:t>
+              <a:t>2020-11-19</a:t>
             </a:fld>
             <a:endParaRPr lang="ko-KR" altLang="en-US"/>
           </a:p>
@@ -2714,7 +2714,7 @@
           <a:p>
             <a:fld id="{FB30EDBD-1C2D-4C1E-B459-B60219FAB484}" type="datetimeFigureOut">
               <a:rPr lang="ko-KR" altLang="en-US" smtClean="0"/>
-              <a:t>2020-11-18</a:t>
+              <a:t>2020-11-19</a:t>
             </a:fld>
             <a:endParaRPr lang="ko-KR" altLang="en-US"/>
           </a:p>
@@ -3012,7 +3012,7 @@
           <a:p>
             <a:fld id="{FB30EDBD-1C2D-4C1E-B459-B60219FAB484}" type="datetimeFigureOut">
               <a:rPr lang="ko-KR" altLang="en-US" smtClean="0"/>
-              <a:t>2020-11-18</a:t>
+              <a:t>2020-11-19</a:t>
             </a:fld>
             <a:endParaRPr lang="ko-KR" altLang="en-US"/>
           </a:p>
@@ -4689,21 +4689,21 @@
                 <a:gridCol w="2384152">
                   <a:extLst>
                     <a:ext uri="{9D8B030D-6E8A-4147-A177-3AD203B41FA5}">
-                      <a16:colId xmlns:a16="http://schemas.microsoft.com/office/drawing/2014/main" xmlns="" val="20000"/>
+                      <a16:colId xmlns:a16="http://schemas.microsoft.com/office/drawing/2014/main" val="20000"/>
                     </a:ext>
                   </a:extLst>
                 </a:gridCol>
                 <a:gridCol w="2384152">
                   <a:extLst>
                     <a:ext uri="{9D8B030D-6E8A-4147-A177-3AD203B41FA5}">
-                      <a16:colId xmlns:a16="http://schemas.microsoft.com/office/drawing/2014/main" xmlns="" val="20001"/>
+                      <a16:colId xmlns:a16="http://schemas.microsoft.com/office/drawing/2014/main" val="20001"/>
                     </a:ext>
                   </a:extLst>
                 </a:gridCol>
                 <a:gridCol w="2384152">
                   <a:extLst>
                     <a:ext uri="{9D8B030D-6E8A-4147-A177-3AD203B41FA5}">
-                      <a16:colId xmlns:a16="http://schemas.microsoft.com/office/drawing/2014/main" xmlns="" val="20002"/>
+                      <a16:colId xmlns:a16="http://schemas.microsoft.com/office/drawing/2014/main" val="20002"/>
                     </a:ext>
                   </a:extLst>
                 </a:gridCol>
@@ -4762,7 +4762,7 @@
                 </a:tc>
                 <a:extLst>
                   <a:ext uri="{0D108BD9-81ED-4DB2-BD59-A6C34878D82A}">
-                    <a16:rowId xmlns:a16="http://schemas.microsoft.com/office/drawing/2014/main" xmlns="" val="10000"/>
+                    <a16:rowId xmlns:a16="http://schemas.microsoft.com/office/drawing/2014/main" val="10000"/>
                   </a:ext>
                 </a:extLst>
               </a:tr>
@@ -4835,7 +4835,7 @@
                 </a:tc>
                 <a:extLst>
                   <a:ext uri="{0D108BD9-81ED-4DB2-BD59-A6C34878D82A}">
-                    <a16:rowId xmlns:a16="http://schemas.microsoft.com/office/drawing/2014/main" xmlns="" val="10001"/>
+                    <a16:rowId xmlns:a16="http://schemas.microsoft.com/office/drawing/2014/main" val="10001"/>
                   </a:ext>
                 </a:extLst>
               </a:tr>
@@ -4936,7 +4936,7 @@
                 </a:tc>
                 <a:extLst>
                   <a:ext uri="{0D108BD9-81ED-4DB2-BD59-A6C34878D82A}">
-                    <a16:rowId xmlns:a16="http://schemas.microsoft.com/office/drawing/2014/main" xmlns="" val="10002"/>
+                    <a16:rowId xmlns:a16="http://schemas.microsoft.com/office/drawing/2014/main" val="10002"/>
                   </a:ext>
                 </a:extLst>
               </a:tr>
@@ -5082,7 +5082,7 @@
                 </a:tc>
                 <a:extLst>
                   <a:ext uri="{0D108BD9-81ED-4DB2-BD59-A6C34878D82A}">
-                    <a16:rowId xmlns:a16="http://schemas.microsoft.com/office/drawing/2014/main" xmlns="" val="10003"/>
+                    <a16:rowId xmlns:a16="http://schemas.microsoft.com/office/drawing/2014/main" val="10003"/>
                   </a:ext>
                 </a:extLst>
               </a:tr>
@@ -5201,7 +5201,7 @@
                 </a:tc>
                 <a:extLst>
                   <a:ext uri="{0D108BD9-81ED-4DB2-BD59-A6C34878D82A}">
-                    <a16:rowId xmlns:a16="http://schemas.microsoft.com/office/drawing/2014/main" xmlns="" val="10004"/>
+                    <a16:rowId xmlns:a16="http://schemas.microsoft.com/office/drawing/2014/main" val="10004"/>
                   </a:ext>
                 </a:extLst>
               </a:tr>
@@ -5344,7 +5344,7 @@
                 </a:tc>
                 <a:extLst>
                   <a:ext uri="{0D108BD9-81ED-4DB2-BD59-A6C34878D82A}">
-                    <a16:rowId xmlns:a16="http://schemas.microsoft.com/office/drawing/2014/main" xmlns="" val="10005"/>
+                    <a16:rowId xmlns:a16="http://schemas.microsoft.com/office/drawing/2014/main" val="10005"/>
                   </a:ext>
                 </a:extLst>
               </a:tr>
@@ -5414,7 +5414,7 @@
                 </a:tc>
                 <a:extLst>
                   <a:ext uri="{0D108BD9-81ED-4DB2-BD59-A6C34878D82A}">
-                    <a16:rowId xmlns:a16="http://schemas.microsoft.com/office/drawing/2014/main" xmlns="" val="10006"/>
+                    <a16:rowId xmlns:a16="http://schemas.microsoft.com/office/drawing/2014/main" val="10006"/>
                   </a:ext>
                 </a:extLst>
               </a:tr>
@@ -5564,21 +5564,21 @@
                 <a:gridCol w="2384152">
                   <a:extLst>
                     <a:ext uri="{9D8B030D-6E8A-4147-A177-3AD203B41FA5}">
-                      <a16:colId xmlns:a16="http://schemas.microsoft.com/office/drawing/2014/main" xmlns="" val="20000"/>
+                      <a16:colId xmlns:a16="http://schemas.microsoft.com/office/drawing/2014/main" val="20000"/>
                     </a:ext>
                   </a:extLst>
                 </a:gridCol>
                 <a:gridCol w="2384152">
                   <a:extLst>
                     <a:ext uri="{9D8B030D-6E8A-4147-A177-3AD203B41FA5}">
-                      <a16:colId xmlns:a16="http://schemas.microsoft.com/office/drawing/2014/main" xmlns="" val="20001"/>
+                      <a16:colId xmlns:a16="http://schemas.microsoft.com/office/drawing/2014/main" val="20001"/>
                     </a:ext>
                   </a:extLst>
                 </a:gridCol>
                 <a:gridCol w="2384152">
                   <a:extLst>
                     <a:ext uri="{9D8B030D-6E8A-4147-A177-3AD203B41FA5}">
-                      <a16:colId xmlns:a16="http://schemas.microsoft.com/office/drawing/2014/main" xmlns="" val="20002"/>
+                      <a16:colId xmlns:a16="http://schemas.microsoft.com/office/drawing/2014/main" val="20002"/>
                     </a:ext>
                   </a:extLst>
                 </a:gridCol>
@@ -5637,7 +5637,7 @@
                 </a:tc>
                 <a:extLst>
                   <a:ext uri="{0D108BD9-81ED-4DB2-BD59-A6C34878D82A}">
-                    <a16:rowId xmlns:a16="http://schemas.microsoft.com/office/drawing/2014/main" xmlns="" val="10000"/>
+                    <a16:rowId xmlns:a16="http://schemas.microsoft.com/office/drawing/2014/main" val="10000"/>
                   </a:ext>
                 </a:extLst>
               </a:tr>
@@ -5721,7 +5721,7 @@
                 </a:tc>
                 <a:extLst>
                   <a:ext uri="{0D108BD9-81ED-4DB2-BD59-A6C34878D82A}">
-                    <a16:rowId xmlns:a16="http://schemas.microsoft.com/office/drawing/2014/main" xmlns="" val="10001"/>
+                    <a16:rowId xmlns:a16="http://schemas.microsoft.com/office/drawing/2014/main" val="10001"/>
                   </a:ext>
                 </a:extLst>
               </a:tr>
@@ -5867,7 +5867,7 @@
                 </a:tc>
                 <a:extLst>
                   <a:ext uri="{0D108BD9-81ED-4DB2-BD59-A6C34878D82A}">
-                    <a16:rowId xmlns:a16="http://schemas.microsoft.com/office/drawing/2014/main" xmlns="" val="10002"/>
+                    <a16:rowId xmlns:a16="http://schemas.microsoft.com/office/drawing/2014/main" val="10002"/>
                   </a:ext>
                 </a:extLst>
               </a:tr>
@@ -5999,7 +5999,7 @@
                 </a:tc>
                 <a:extLst>
                   <a:ext uri="{0D108BD9-81ED-4DB2-BD59-A6C34878D82A}">
-                    <a16:rowId xmlns:a16="http://schemas.microsoft.com/office/drawing/2014/main" xmlns="" val="10003"/>
+                    <a16:rowId xmlns:a16="http://schemas.microsoft.com/office/drawing/2014/main" val="10003"/>
                   </a:ext>
                 </a:extLst>
               </a:tr>
@@ -6125,7 +6125,7 @@
                 </a:tc>
                 <a:extLst>
                   <a:ext uri="{0D108BD9-81ED-4DB2-BD59-A6C34878D82A}">
-                    <a16:rowId xmlns:a16="http://schemas.microsoft.com/office/drawing/2014/main" xmlns="" val="10004"/>
+                    <a16:rowId xmlns:a16="http://schemas.microsoft.com/office/drawing/2014/main" val="10004"/>
                   </a:ext>
                 </a:extLst>
               </a:tr>
@@ -6244,7 +6244,7 @@
                 </a:tc>
                 <a:extLst>
                   <a:ext uri="{0D108BD9-81ED-4DB2-BD59-A6C34878D82A}">
-                    <a16:rowId xmlns:a16="http://schemas.microsoft.com/office/drawing/2014/main" xmlns="" val="10005"/>
+                    <a16:rowId xmlns:a16="http://schemas.microsoft.com/office/drawing/2014/main" val="10005"/>
                   </a:ext>
                 </a:extLst>
               </a:tr>
@@ -6288,16 +6288,9 @@
                           <a:latin typeface="Noto Sans KR Medium" pitchFamily="34" charset="-127"/>
                           <a:ea typeface="Noto Sans KR Medium" pitchFamily="34" charset="-127"/>
                         </a:rPr>
-                        <a:t> </a:t>
-                      </a:r>
-                      <a:r>
-                        <a:rPr lang="ko-KR" altLang="en-US" sz="1400" dirty="0" smtClean="0">
-                          <a:latin typeface="Noto Sans KR Medium" pitchFamily="34" charset="-127"/>
-                          <a:ea typeface="Noto Sans KR Medium" pitchFamily="34" charset="-127"/>
-                        </a:rPr>
-                        <a:t>버그해결</a:t>
-                      </a:r>
-                      <a:endParaRPr lang="en-US" altLang="ko-KR" sz="1400" dirty="0" smtClean="0">
+                        <a:t> 버그해결</a:t>
+                      </a:r>
+                      <a:endParaRPr lang="en-US" altLang="ko-KR" sz="1400" dirty="0">
                         <a:latin typeface="Noto Sans KR Medium" pitchFamily="34" charset="-127"/>
                         <a:ea typeface="Noto Sans KR Medium" pitchFamily="34" charset="-127"/>
                       </a:endParaRPr>
@@ -6305,7 +6298,7 @@
                     <a:p>
                       <a:pPr algn="ctr" latinLnBrk="1"/>
                       <a:r>
-                        <a:rPr lang="en-US" altLang="ko-KR" sz="1400" dirty="0" smtClean="0">
+                        <a:rPr lang="en-US" altLang="ko-KR" sz="1400" dirty="0">
                           <a:latin typeface="Noto Sans KR Medium" pitchFamily="34" charset="-127"/>
                           <a:ea typeface="Noto Sans KR Medium" pitchFamily="34" charset="-127"/>
                         </a:rPr>
@@ -6335,7 +6328,7 @@
                 </a:tc>
                 <a:extLst>
                   <a:ext uri="{0D108BD9-81ED-4DB2-BD59-A6C34878D82A}">
-                    <a16:rowId xmlns:a16="http://schemas.microsoft.com/office/drawing/2014/main" xmlns="" val="10006"/>
+                    <a16:rowId xmlns:a16="http://schemas.microsoft.com/office/drawing/2014/main" val="10006"/>
                   </a:ext>
                 </a:extLst>
               </a:tr>
@@ -6396,14 +6389,14 @@
               <a:t>개발 단계 </a:t>
             </a:r>
             <a:r>
-              <a:rPr lang="en-US" altLang="ko-KR" dirty="0" smtClean="0">
+              <a:rPr lang="en-US" altLang="ko-KR" dirty="0">
                 <a:latin typeface="Noto Sans KR Medium" pitchFamily="34" charset="-127"/>
                 <a:ea typeface="Noto Sans KR Medium" pitchFamily="34" charset="-127"/>
               </a:rPr>
               <a:t>(3</a:t>
             </a:r>
             <a:r>
-              <a:rPr lang="ko-KR" altLang="en-US" dirty="0" smtClean="0">
+              <a:rPr lang="ko-KR" altLang="en-US" dirty="0">
                 <a:latin typeface="Noto Sans KR Medium" pitchFamily="34" charset="-127"/>
                 <a:ea typeface="Noto Sans KR Medium" pitchFamily="34" charset="-127"/>
               </a:rPr>
@@ -6466,7 +6459,7 @@
           <p:nvPr>
             <p:extLst>
               <p:ext uri="{D42A27DB-BD31-4B8C-83A1-F6EECF244321}">
-                <p14:modId xmlns:p14="http://schemas.microsoft.com/office/powerpoint/2010/main" val="2703708327"/>
+                <p14:modId xmlns:p14="http://schemas.microsoft.com/office/powerpoint/2010/main" val="688512065"/>
               </p:ext>
             </p:extLst>
           </p:nvPr>
@@ -6485,21 +6478,21 @@
                 <a:gridCol w="2384152">
                   <a:extLst>
                     <a:ext uri="{9D8B030D-6E8A-4147-A177-3AD203B41FA5}">
-                      <a16:colId xmlns:a16="http://schemas.microsoft.com/office/drawing/2014/main" xmlns="" val="20000"/>
+                      <a16:colId xmlns:a16="http://schemas.microsoft.com/office/drawing/2014/main" val="20000"/>
                     </a:ext>
                   </a:extLst>
                 </a:gridCol>
                 <a:gridCol w="2384152">
                   <a:extLst>
                     <a:ext uri="{9D8B030D-6E8A-4147-A177-3AD203B41FA5}">
-                      <a16:colId xmlns:a16="http://schemas.microsoft.com/office/drawing/2014/main" xmlns="" val="20001"/>
+                      <a16:colId xmlns:a16="http://schemas.microsoft.com/office/drawing/2014/main" val="20001"/>
                     </a:ext>
                   </a:extLst>
                 </a:gridCol>
                 <a:gridCol w="2384152">
                   <a:extLst>
                     <a:ext uri="{9D8B030D-6E8A-4147-A177-3AD203B41FA5}">
-                      <a16:colId xmlns:a16="http://schemas.microsoft.com/office/drawing/2014/main" xmlns="" val="20002"/>
+                      <a16:colId xmlns:a16="http://schemas.microsoft.com/office/drawing/2014/main" val="20002"/>
                     </a:ext>
                   </a:extLst>
                 </a:gridCol>
@@ -6558,7 +6551,7 @@
                 </a:tc>
                 <a:extLst>
                   <a:ext uri="{0D108BD9-81ED-4DB2-BD59-A6C34878D82A}">
-                    <a16:rowId xmlns:a16="http://schemas.microsoft.com/office/drawing/2014/main" xmlns="" val="10000"/>
+                    <a16:rowId xmlns:a16="http://schemas.microsoft.com/office/drawing/2014/main" val="10000"/>
                   </a:ext>
                 </a:extLst>
               </a:tr>
@@ -6570,7 +6563,7 @@
                     <a:p>
                       <a:pPr algn="ctr" latinLnBrk="1"/>
                       <a:r>
-                        <a:rPr lang="en-US" altLang="ko-KR" sz="1400" dirty="0" smtClean="0">
+                        <a:rPr lang="en-US" altLang="ko-KR" sz="1400" dirty="0">
                           <a:latin typeface="Noto Sans KR Medium" pitchFamily="34" charset="-127"/>
                           <a:ea typeface="Noto Sans KR Medium" pitchFamily="34" charset="-127"/>
                         </a:rPr>
@@ -6591,20 +6584,20 @@
                     <a:p>
                       <a:pPr algn="ctr" latinLnBrk="1"/>
                       <a:r>
-                        <a:rPr lang="en-US" altLang="ko-KR" sz="1400" dirty="0" smtClean="0">
+                        <a:rPr lang="en-US" altLang="ko-KR" sz="1400" dirty="0">
                           <a:latin typeface="Noto Sans KR Medium" pitchFamily="34" charset="-127"/>
                           <a:ea typeface="Noto Sans KR Medium" pitchFamily="34" charset="-127"/>
                         </a:rPr>
                         <a:t>2-3</a:t>
                       </a:r>
                       <a:r>
-                        <a:rPr lang="ko-KR" altLang="en-US" sz="1400" dirty="0" smtClean="0">
+                        <a:rPr lang="ko-KR" altLang="en-US" sz="1400" dirty="0">
                           <a:latin typeface="Noto Sans KR Medium" pitchFamily="34" charset="-127"/>
                           <a:ea typeface="Noto Sans KR Medium" pitchFamily="34" charset="-127"/>
                         </a:rPr>
                         <a:t>완성</a:t>
                       </a:r>
-                      <a:endParaRPr lang="en-US" altLang="ko-KR" sz="1400" dirty="0" smtClean="0">
+                      <a:endParaRPr lang="en-US" altLang="ko-KR" sz="1400" dirty="0">
                         <a:latin typeface="Noto Sans KR Medium" pitchFamily="34" charset="-127"/>
                         <a:ea typeface="Noto Sans KR Medium" pitchFamily="34" charset="-127"/>
                       </a:endParaRPr>
@@ -6612,7 +6605,7 @@
                     <a:p>
                       <a:pPr algn="ctr" latinLnBrk="1"/>
                       <a:r>
-                        <a:rPr lang="en-US" altLang="ko-KR" sz="1400" dirty="0" smtClean="0">
+                        <a:rPr lang="en-US" altLang="ko-KR" sz="1400" dirty="0">
                           <a:latin typeface="Noto Sans KR Medium" pitchFamily="34" charset="-127"/>
                           <a:ea typeface="Noto Sans KR Medium" pitchFamily="34" charset="-127"/>
                         </a:rPr>
@@ -6642,7 +6635,7 @@
                 </a:tc>
                 <a:extLst>
                   <a:ext uri="{0D108BD9-81ED-4DB2-BD59-A6C34878D82A}">
-                    <a16:rowId xmlns:a16="http://schemas.microsoft.com/office/drawing/2014/main" xmlns="" val="10001"/>
+                    <a16:rowId xmlns:a16="http://schemas.microsoft.com/office/drawing/2014/main" val="10001"/>
                   </a:ext>
                 </a:extLst>
               </a:tr>
@@ -6654,7 +6647,7 @@
                     <a:p>
                       <a:pPr algn="ctr" latinLnBrk="1"/>
                       <a:r>
-                        <a:rPr lang="en-US" altLang="ko-KR" sz="1400" dirty="0" smtClean="0">
+                        <a:rPr lang="en-US" altLang="ko-KR" sz="1400" dirty="0">
                           <a:latin typeface="Noto Sans KR Medium" pitchFamily="34" charset="-127"/>
                           <a:ea typeface="Noto Sans KR Medium" pitchFamily="34" charset="-127"/>
                         </a:rPr>
@@ -6675,20 +6668,20 @@
                     <a:p>
                       <a:pPr algn="ctr" latinLnBrk="1"/>
                       <a:r>
-                        <a:rPr lang="en-US" altLang="ko-KR" sz="1400" baseline="0" dirty="0" smtClean="0">
+                        <a:rPr lang="en-US" altLang="ko-KR" sz="1400" baseline="0" dirty="0">
                           <a:latin typeface="Noto Sans KR Medium" pitchFamily="34" charset="-127"/>
                           <a:ea typeface="Noto Sans KR Medium" pitchFamily="34" charset="-127"/>
                         </a:rPr>
                         <a:t>3-1</a:t>
                       </a:r>
                       <a:r>
-                        <a:rPr lang="ko-KR" altLang="en-US" sz="1400" baseline="0" dirty="0" smtClean="0">
+                        <a:rPr lang="ko-KR" altLang="en-US" sz="1400" baseline="0" dirty="0">
                           <a:latin typeface="Noto Sans KR Medium" pitchFamily="34" charset="-127"/>
                           <a:ea typeface="Noto Sans KR Medium" pitchFamily="34" charset="-127"/>
                         </a:rPr>
                         <a:t>완성</a:t>
                       </a:r>
-                      <a:endParaRPr lang="en-US" altLang="ko-KR" sz="1400" baseline="0" dirty="0" smtClean="0">
+                      <a:endParaRPr lang="en-US" altLang="ko-KR" sz="1400" baseline="0" dirty="0">
                         <a:latin typeface="Noto Sans KR Medium" pitchFamily="34" charset="-127"/>
                         <a:ea typeface="Noto Sans KR Medium" pitchFamily="34" charset="-127"/>
                       </a:endParaRPr>
@@ -6696,27 +6689,27 @@
                     <a:p>
                       <a:pPr algn="ctr" latinLnBrk="1"/>
                       <a:r>
-                        <a:rPr lang="ko-KR" altLang="en-US" sz="1400" baseline="0" dirty="0" smtClean="0">
+                        <a:rPr lang="ko-KR" altLang="en-US" sz="1400" baseline="0" dirty="0">
                           <a:latin typeface="Noto Sans KR Medium" pitchFamily="34" charset="-127"/>
                           <a:ea typeface="Noto Sans KR Medium" pitchFamily="34" charset="-127"/>
                         </a:rPr>
                         <a:t>스토리</a:t>
                       </a:r>
                       <a:r>
-                        <a:rPr lang="en-US" altLang="ko-KR" sz="1400" baseline="0" dirty="0" smtClean="0">
+                        <a:rPr lang="en-US" altLang="ko-KR" sz="1400" baseline="0" dirty="0">
                           <a:latin typeface="Noto Sans KR Medium" pitchFamily="34" charset="-127"/>
                           <a:ea typeface="Noto Sans KR Medium" pitchFamily="34" charset="-127"/>
                         </a:rPr>
                         <a:t>1 </a:t>
                       </a:r>
                       <a:r>
-                        <a:rPr lang="ko-KR" altLang="en-US" sz="1400" baseline="0" dirty="0" smtClean="0">
+                        <a:rPr lang="ko-KR" altLang="en-US" sz="1400" baseline="0" dirty="0">
                           <a:latin typeface="Noto Sans KR Medium" pitchFamily="34" charset="-127"/>
                           <a:ea typeface="Noto Sans KR Medium" pitchFamily="34" charset="-127"/>
                         </a:rPr>
                         <a:t>끝</a:t>
                       </a:r>
-                      <a:endParaRPr lang="en-US" altLang="ko-KR" sz="1400" baseline="0" dirty="0" smtClean="0">
+                      <a:endParaRPr lang="en-US" altLang="ko-KR" sz="1400" baseline="0" dirty="0">
                         <a:latin typeface="Noto Sans KR Medium" pitchFamily="34" charset="-127"/>
                         <a:ea typeface="Noto Sans KR Medium" pitchFamily="34" charset="-127"/>
                       </a:endParaRPr>
@@ -6724,13 +6717,13 @@
                     <a:p>
                       <a:pPr algn="ctr" latinLnBrk="1"/>
                       <a:r>
-                        <a:rPr lang="ko-KR" altLang="en-US" sz="1400" baseline="0" dirty="0" smtClean="0">
+                        <a:rPr lang="ko-KR" altLang="en-US" sz="1400" baseline="0" dirty="0">
                           <a:latin typeface="Noto Sans KR Medium" pitchFamily="34" charset="-127"/>
                           <a:ea typeface="Noto Sans KR Medium" pitchFamily="34" charset="-127"/>
                         </a:rPr>
                         <a:t>메인 게임 구상</a:t>
                       </a:r>
-                      <a:endParaRPr lang="en-US" altLang="ko-KR" sz="1400" baseline="0" dirty="0" smtClean="0">
+                      <a:endParaRPr lang="en-US" altLang="ko-KR" sz="1400" baseline="0" dirty="0">
                         <a:latin typeface="Noto Sans KR Medium" pitchFamily="34" charset="-127"/>
                         <a:ea typeface="Noto Sans KR Medium" pitchFamily="34" charset="-127"/>
                       </a:endParaRPr>
@@ -6738,14 +6731,14 @@
                     <a:p>
                       <a:pPr algn="ctr" latinLnBrk="1"/>
                       <a:r>
-                        <a:rPr lang="ko-KR" altLang="en-US" sz="1400" baseline="0" dirty="0" smtClean="0">
+                        <a:rPr lang="ko-KR" altLang="en-US" sz="1400" baseline="0" dirty="0">
                           <a:latin typeface="Noto Sans KR Medium" pitchFamily="34" charset="-127"/>
                           <a:ea typeface="Noto Sans KR Medium" pitchFamily="34" charset="-127"/>
                         </a:rPr>
                         <a:t>스토리 </a:t>
                       </a:r>
                       <a:r>
-                        <a:rPr lang="ko-KR" altLang="en-US" sz="1400" baseline="0" dirty="0" err="1" smtClean="0">
+                        <a:rPr lang="ko-KR" altLang="en-US" sz="1400" baseline="0" dirty="0" err="1">
                           <a:latin typeface="Noto Sans KR Medium" pitchFamily="34" charset="-127"/>
                           <a:ea typeface="Noto Sans KR Medium" pitchFamily="34" charset="-127"/>
                         </a:rPr>
@@ -6766,44 +6759,40 @@
                     <a:p>
                       <a:pPr algn="ctr" latinLnBrk="1"/>
                       <a:r>
-                        <a:rPr lang="ko-KR" altLang="en-US" sz="1400" dirty="0" err="1" smtClean="0">
+                        <a:rPr lang="ko-KR" altLang="en-US" sz="1400" dirty="0" err="1">
                           <a:latin typeface="Noto Sans KR Medium" pitchFamily="34" charset="-127"/>
                           <a:ea typeface="Noto Sans KR Medium" pitchFamily="34" charset="-127"/>
                         </a:rPr>
                         <a:t>메인게임</a:t>
                       </a:r>
                       <a:r>
-                        <a:rPr lang="ko-KR" altLang="en-US" sz="1400" dirty="0" smtClean="0">
+                        <a:rPr lang="ko-KR" altLang="en-US" sz="1400" dirty="0">
                           <a:latin typeface="Noto Sans KR Medium" pitchFamily="34" charset="-127"/>
                           <a:ea typeface="Noto Sans KR Medium" pitchFamily="34" charset="-127"/>
                         </a:rPr>
                         <a:t> 월드타임 세이브</a:t>
                       </a:r>
                       <a:r>
-                        <a:rPr lang="en-US" altLang="ko-KR" sz="1400" dirty="0" smtClean="0">
+                        <a:rPr lang="en-US" altLang="ko-KR" sz="1400" dirty="0">
                           <a:latin typeface="Noto Sans KR Medium" pitchFamily="34" charset="-127"/>
                           <a:ea typeface="Noto Sans KR Medium" pitchFamily="34" charset="-127"/>
                         </a:rPr>
                         <a:t>,</a:t>
                       </a:r>
                       <a:r>
-                        <a:rPr lang="ko-KR" altLang="en-US" sz="1400" dirty="0" smtClean="0">
+                        <a:rPr lang="ko-KR" altLang="en-US" sz="1400" dirty="0">
                           <a:latin typeface="Noto Sans KR Medium" pitchFamily="34" charset="-127"/>
                           <a:ea typeface="Noto Sans KR Medium" pitchFamily="34" charset="-127"/>
                         </a:rPr>
                         <a:t>로드</a:t>
                       </a:r>
-                      <a:endParaRPr lang="ko-KR" altLang="en-US" sz="1400" dirty="0">
-                        <a:latin typeface="Noto Sans KR Medium" pitchFamily="34" charset="-127"/>
-                        <a:ea typeface="Noto Sans KR Medium" pitchFamily="34" charset="-127"/>
-                      </a:endParaRPr>
                     </a:p>
                   </a:txBody>
                   <a:tcPr/>
                 </a:tc>
                 <a:extLst>
                   <a:ext uri="{0D108BD9-81ED-4DB2-BD59-A6C34878D82A}">
-                    <a16:rowId xmlns:a16="http://schemas.microsoft.com/office/drawing/2014/main" xmlns="" val="10002"/>
+                    <a16:rowId xmlns:a16="http://schemas.microsoft.com/office/drawing/2014/main" val="10002"/>
                   </a:ext>
                 </a:extLst>
               </a:tr>
@@ -6815,7 +6804,7 @@
                     <a:p>
                       <a:pPr algn="ctr" latinLnBrk="1"/>
                       <a:r>
-                        <a:rPr lang="en-US" altLang="ko-KR" sz="1400" dirty="0" smtClean="0">
+                        <a:rPr lang="en-US" altLang="ko-KR" sz="1400" dirty="0">
                           <a:latin typeface="Noto Sans KR Medium" pitchFamily="34" charset="-127"/>
                           <a:ea typeface="Noto Sans KR Medium" pitchFamily="34" charset="-127"/>
                         </a:rPr>
@@ -6836,27 +6825,27 @@
                     <a:p>
                       <a:pPr algn="ctr" latinLnBrk="1"/>
                       <a:r>
-                        <a:rPr lang="ko-KR" altLang="en-US" sz="1400" dirty="0" smtClean="0">
+                        <a:rPr lang="ko-KR" altLang="en-US" sz="1400" dirty="0">
                           <a:latin typeface="Noto Sans KR Medium" pitchFamily="34" charset="-127"/>
                           <a:ea typeface="Noto Sans KR Medium" pitchFamily="34" charset="-127"/>
                         </a:rPr>
                         <a:t>마을 </a:t>
                       </a:r>
                       <a:r>
-                        <a:rPr lang="en-US" altLang="ko-KR" sz="1400" dirty="0" smtClean="0">
+                        <a:rPr lang="en-US" altLang="ko-KR" sz="1400" dirty="0">
                           <a:latin typeface="Noto Sans KR Medium" pitchFamily="34" charset="-127"/>
                           <a:ea typeface="Noto Sans KR Medium" pitchFamily="34" charset="-127"/>
                         </a:rPr>
                         <a:t>House </a:t>
                       </a:r>
                       <a:r>
-                        <a:rPr lang="ko-KR" altLang="en-US" sz="1400" dirty="0" smtClean="0">
+                        <a:rPr lang="ko-KR" altLang="en-US" sz="1400" dirty="0">
                           <a:latin typeface="Noto Sans KR Medium" pitchFamily="34" charset="-127"/>
                           <a:ea typeface="Noto Sans KR Medium" pitchFamily="34" charset="-127"/>
                         </a:rPr>
                         <a:t>완성</a:t>
                       </a:r>
-                      <a:endParaRPr lang="en-US" altLang="ko-KR" sz="1400" dirty="0" smtClean="0">
+                      <a:endParaRPr lang="en-US" altLang="ko-KR" sz="1400" dirty="0">
                         <a:latin typeface="Noto Sans KR Medium" pitchFamily="34" charset="-127"/>
                         <a:ea typeface="Noto Sans KR Medium" pitchFamily="34" charset="-127"/>
                       </a:endParaRPr>
@@ -6864,34 +6853,34 @@
                     <a:p>
                       <a:pPr algn="ctr" latinLnBrk="1"/>
                       <a:r>
-                        <a:rPr lang="ko-KR" altLang="en-US" sz="1400" dirty="0" smtClean="0">
+                        <a:rPr lang="ko-KR" altLang="en-US" sz="1400" dirty="0">
                           <a:latin typeface="Noto Sans KR Medium" pitchFamily="34" charset="-127"/>
                           <a:ea typeface="Noto Sans KR Medium" pitchFamily="34" charset="-127"/>
                         </a:rPr>
                         <a:t>마을 </a:t>
                       </a:r>
                       <a:r>
-                        <a:rPr lang="en-US" altLang="ko-KR" sz="1400" dirty="0" err="1" smtClean="0">
+                        <a:rPr lang="en-US" altLang="ko-KR" sz="1400" dirty="0" err="1">
                           <a:latin typeface="Noto Sans KR Medium" pitchFamily="34" charset="-127"/>
                           <a:ea typeface="Noto Sans KR Medium" pitchFamily="34" charset="-127"/>
                         </a:rPr>
                         <a:t>worldTime</a:t>
                       </a:r>
                       <a:r>
-                        <a:rPr lang="en-US" altLang="ko-KR" sz="1400" baseline="0" dirty="0" smtClean="0">
+                        <a:rPr lang="en-US" altLang="ko-KR" sz="1400" baseline="0" dirty="0">
                           <a:latin typeface="Noto Sans KR Medium" pitchFamily="34" charset="-127"/>
                           <a:ea typeface="Noto Sans KR Medium" pitchFamily="34" charset="-127"/>
                         </a:rPr>
                         <a:t> </a:t>
                       </a:r>
                       <a:r>
-                        <a:rPr lang="ko-KR" altLang="en-US" sz="1400" baseline="0" dirty="0" smtClean="0">
+                        <a:rPr lang="ko-KR" altLang="en-US" sz="1400" baseline="0" dirty="0">
                           <a:latin typeface="Noto Sans KR Medium" pitchFamily="34" charset="-127"/>
                           <a:ea typeface="Noto Sans KR Medium" pitchFamily="34" charset="-127"/>
                         </a:rPr>
                         <a:t>변경</a:t>
                       </a:r>
-                      <a:endParaRPr lang="en-US" altLang="ko-KR" sz="1400" baseline="0" dirty="0" smtClean="0">
+                      <a:endParaRPr lang="en-US" altLang="ko-KR" sz="1400" baseline="0" dirty="0">
                         <a:latin typeface="Noto Sans KR Medium" pitchFamily="34" charset="-127"/>
                         <a:ea typeface="Noto Sans KR Medium" pitchFamily="34" charset="-127"/>
                       </a:endParaRPr>
@@ -6899,34 +6888,34 @@
                     <a:p>
                       <a:pPr algn="ctr" latinLnBrk="1"/>
                       <a:r>
-                        <a:rPr lang="ko-KR" altLang="en-US" sz="1400" dirty="0" smtClean="0">
+                        <a:rPr lang="ko-KR" altLang="en-US" sz="1400" dirty="0">
                           <a:latin typeface="Noto Sans KR Medium" pitchFamily="34" charset="-127"/>
                           <a:ea typeface="Noto Sans KR Medium" pitchFamily="34" charset="-127"/>
                         </a:rPr>
                         <a:t>마을 </a:t>
                       </a:r>
                       <a:r>
-                        <a:rPr lang="en-US" altLang="ko-KR" sz="1400" dirty="0" err="1" smtClean="0">
+                        <a:rPr lang="en-US" altLang="ko-KR" sz="1400" dirty="0" err="1">
                           <a:latin typeface="Noto Sans KR Medium" pitchFamily="34" charset="-127"/>
                           <a:ea typeface="Noto Sans KR Medium" pitchFamily="34" charset="-127"/>
                         </a:rPr>
                         <a:t>worldTime</a:t>
                       </a:r>
                       <a:r>
-                        <a:rPr lang="en-US" altLang="ko-KR" sz="1400" dirty="0" smtClean="0">
+                        <a:rPr lang="en-US" altLang="ko-KR" sz="1400" dirty="0">
                           <a:latin typeface="Noto Sans KR Medium" pitchFamily="34" charset="-127"/>
                           <a:ea typeface="Noto Sans KR Medium" pitchFamily="34" charset="-127"/>
                         </a:rPr>
                         <a:t> </a:t>
                       </a:r>
                       <a:r>
-                        <a:rPr lang="ko-KR" altLang="en-US" sz="1400" dirty="0" smtClean="0">
+                        <a:rPr lang="ko-KR" altLang="en-US" sz="1400" dirty="0">
                           <a:latin typeface="Noto Sans KR Medium" pitchFamily="34" charset="-127"/>
                           <a:ea typeface="Noto Sans KR Medium" pitchFamily="34" charset="-127"/>
                         </a:rPr>
                         <a:t>저장</a:t>
                       </a:r>
-                      <a:endParaRPr lang="en-US" altLang="ko-KR" sz="1400" dirty="0" smtClean="0">
+                      <a:endParaRPr lang="en-US" altLang="ko-KR" sz="1400" dirty="0">
                         <a:latin typeface="Noto Sans KR Medium" pitchFamily="34" charset="-127"/>
                         <a:ea typeface="Noto Sans KR Medium" pitchFamily="34" charset="-127"/>
                       </a:endParaRPr>
@@ -6934,18 +6923,94 @@
                     <a:p>
                       <a:pPr algn="ctr" latinLnBrk="1"/>
                       <a:r>
-                        <a:rPr lang="ko-KR" altLang="en-US" sz="1400" dirty="0" err="1" smtClean="0">
+                        <a:rPr lang="ko-KR" altLang="en-US" sz="1400" dirty="0" err="1">
                           <a:latin typeface="Noto Sans KR Medium" pitchFamily="34" charset="-127"/>
                           <a:ea typeface="Noto Sans KR Medium" pitchFamily="34" charset="-127"/>
                         </a:rPr>
                         <a:t>맵</a:t>
                       </a:r>
                       <a:r>
-                        <a:rPr lang="ko-KR" altLang="en-US" sz="1400" dirty="0" smtClean="0">
+                        <a:rPr lang="ko-KR" altLang="en-US" sz="1400" dirty="0">
                           <a:latin typeface="Noto Sans KR Medium" pitchFamily="34" charset="-127"/>
                           <a:ea typeface="Noto Sans KR Medium" pitchFamily="34" charset="-127"/>
                         </a:rPr>
                         <a:t> 선택창</a:t>
+                      </a:r>
+                    </a:p>
+                  </a:txBody>
+                  <a:tcPr/>
+                </a:tc>
+                <a:tc>
+                  <a:txBody>
+                    <a:bodyPr/>
+                    <a:lstStyle/>
+                    <a:p>
+                      <a:pPr algn="ctr" latinLnBrk="1"/>
+                      <a:r>
+                        <a:rPr lang="ko-KR" altLang="en-US" sz="1400" dirty="0">
+                          <a:latin typeface="Noto Sans KR Medium" pitchFamily="34" charset="-127"/>
+                          <a:ea typeface="Noto Sans KR Medium" pitchFamily="34" charset="-127"/>
+                        </a:rPr>
+                        <a:t>마을 </a:t>
+                      </a:r>
+                      <a:r>
+                        <a:rPr lang="en-US" altLang="ko-KR" sz="1400" dirty="0">
+                          <a:latin typeface="Noto Sans KR Medium" pitchFamily="34" charset="-127"/>
+                          <a:ea typeface="Noto Sans KR Medium" pitchFamily="34" charset="-127"/>
+                        </a:rPr>
+                        <a:t>–</a:t>
+                      </a:r>
+                      <a:r>
+                        <a:rPr lang="en-US" altLang="ko-KR" sz="1400" baseline="0" dirty="0">
+                          <a:latin typeface="Noto Sans KR Medium" pitchFamily="34" charset="-127"/>
+                          <a:ea typeface="Noto Sans KR Medium" pitchFamily="34" charset="-127"/>
+                        </a:rPr>
+                        <a:t> </a:t>
+                      </a:r>
+                      <a:r>
+                        <a:rPr lang="ko-KR" altLang="en-US" sz="1400" baseline="0" dirty="0">
+                          <a:latin typeface="Noto Sans KR Medium" pitchFamily="34" charset="-127"/>
+                          <a:ea typeface="Noto Sans KR Medium" pitchFamily="34" charset="-127"/>
+                        </a:rPr>
+                        <a:t>하우스 간 이동</a:t>
+                      </a:r>
+                      <a:endParaRPr lang="en-US" altLang="ko-KR" sz="1400" baseline="0" dirty="0">
+                        <a:latin typeface="Noto Sans KR Medium" pitchFamily="34" charset="-127"/>
+                        <a:ea typeface="Noto Sans KR Medium" pitchFamily="34" charset="-127"/>
+                      </a:endParaRPr>
+                    </a:p>
+                    <a:p>
+                      <a:pPr algn="ctr" latinLnBrk="1"/>
+                      <a:r>
+                        <a:rPr lang="ko-KR" altLang="en-US" sz="1400" dirty="0">
+                          <a:latin typeface="Noto Sans KR Medium" pitchFamily="34" charset="-127"/>
+                          <a:ea typeface="Noto Sans KR Medium" pitchFamily="34" charset="-127"/>
+                        </a:rPr>
+                        <a:t>휴식 시간 제한</a:t>
+                      </a:r>
+                    </a:p>
+                  </a:txBody>
+                  <a:tcPr/>
+                </a:tc>
+                <a:extLst>
+                  <a:ext uri="{0D108BD9-81ED-4DB2-BD59-A6C34878D82A}">
+                    <a16:rowId xmlns:a16="http://schemas.microsoft.com/office/drawing/2014/main" val="10003"/>
+                  </a:ext>
+                </a:extLst>
+              </a:tr>
+              <a:tr h="693844">
+                <a:tc>
+                  <a:txBody>
+                    <a:bodyPr/>
+                    <a:lstStyle/>
+                    <a:p>
+                      <a:pPr algn="ctr" latinLnBrk="1"/>
+                      <a:r>
+                        <a:rPr lang="en-US" altLang="ko-KR" sz="1400" dirty="0">
+                          <a:latin typeface="Noto Sans KR Medium" pitchFamily="34" charset="-127"/>
+                          <a:ea typeface="Noto Sans KR Medium" pitchFamily="34" charset="-127"/>
+                        </a:rPr>
+                        <a:t>11-19</a:t>
                       </a:r>
                       <a:endParaRPr lang="ko-KR" altLang="en-US" sz="1400" dirty="0">
                         <a:latin typeface="Noto Sans KR Medium" pitchFamily="34" charset="-127"/>
@@ -6962,89 +7027,26 @@
                     <a:p>
                       <a:pPr algn="ctr" latinLnBrk="1"/>
                       <a:r>
-                        <a:rPr lang="ko-KR" altLang="en-US" sz="1400" dirty="0" smtClean="0">
-                          <a:latin typeface="Noto Sans KR Medium" pitchFamily="34" charset="-127"/>
-                          <a:ea typeface="Noto Sans KR Medium" pitchFamily="34" charset="-127"/>
-                        </a:rPr>
-                        <a:t>마을 </a:t>
-                      </a:r>
-                      <a:r>
-                        <a:rPr lang="en-US" altLang="ko-KR" sz="1400" dirty="0" smtClean="0">
-                          <a:latin typeface="Noto Sans KR Medium" pitchFamily="34" charset="-127"/>
-                          <a:ea typeface="Noto Sans KR Medium" pitchFamily="34" charset="-127"/>
-                        </a:rPr>
-                        <a:t>–</a:t>
-                      </a:r>
-                      <a:r>
-                        <a:rPr lang="en-US" altLang="ko-KR" sz="1400" baseline="0" dirty="0" smtClean="0">
-                          <a:latin typeface="Noto Sans KR Medium" pitchFamily="34" charset="-127"/>
-                          <a:ea typeface="Noto Sans KR Medium" pitchFamily="34" charset="-127"/>
-                        </a:rPr>
-                        <a:t> </a:t>
-                      </a:r>
-                      <a:r>
-                        <a:rPr lang="ko-KR" altLang="en-US" sz="1400" baseline="0" dirty="0" smtClean="0">
-                          <a:latin typeface="Noto Sans KR Medium" pitchFamily="34" charset="-127"/>
-                          <a:ea typeface="Noto Sans KR Medium" pitchFamily="34" charset="-127"/>
-                        </a:rPr>
-                        <a:t>하우스 간 이동</a:t>
-                      </a:r>
-                      <a:endParaRPr lang="en-US" altLang="ko-KR" sz="1400" baseline="0" dirty="0" smtClean="0">
-                        <a:latin typeface="Noto Sans KR Medium" pitchFamily="34" charset="-127"/>
-                        <a:ea typeface="Noto Sans KR Medium" pitchFamily="34" charset="-127"/>
-                      </a:endParaRPr>
-                    </a:p>
-                    <a:p>
-                      <a:pPr algn="ctr" latinLnBrk="1"/>
-                      <a:r>
-                        <a:rPr lang="ko-KR" altLang="en-US" sz="1400" dirty="0" smtClean="0">
-                          <a:latin typeface="Noto Sans KR Medium" pitchFamily="34" charset="-127"/>
-                          <a:ea typeface="Noto Sans KR Medium" pitchFamily="34" charset="-127"/>
-                        </a:rPr>
-                        <a:t>휴식 시간 제한</a:t>
-                      </a:r>
-                      <a:endParaRPr lang="ko-KR" altLang="en-US" sz="1400" dirty="0">
-                        <a:latin typeface="Noto Sans KR Medium" pitchFamily="34" charset="-127"/>
-                        <a:ea typeface="Noto Sans KR Medium" pitchFamily="34" charset="-127"/>
-                      </a:endParaRPr>
-                    </a:p>
-                  </a:txBody>
-                  <a:tcPr/>
-                </a:tc>
-                <a:extLst>
-                  <a:ext uri="{0D108BD9-81ED-4DB2-BD59-A6C34878D82A}">
-                    <a16:rowId xmlns:a16="http://schemas.microsoft.com/office/drawing/2014/main" xmlns="" val="10003"/>
-                  </a:ext>
-                </a:extLst>
-              </a:tr>
-              <a:tr h="693844">
-                <a:tc>
-                  <a:txBody>
-                    <a:bodyPr/>
-                    <a:lstStyle/>
-                    <a:p>
-                      <a:pPr algn="ctr" latinLnBrk="1"/>
-                      <a:r>
-                        <a:rPr lang="en-US" altLang="ko-KR" sz="1400" dirty="0" smtClean="0">
-                          <a:latin typeface="Noto Sans KR Medium" pitchFamily="34" charset="-127"/>
-                          <a:ea typeface="Noto Sans KR Medium" pitchFamily="34" charset="-127"/>
-                        </a:rPr>
-                        <a:t>11-19</a:t>
-                      </a:r>
-                      <a:endParaRPr lang="ko-KR" altLang="en-US" sz="1400" dirty="0">
-                        <a:latin typeface="Noto Sans KR Medium" pitchFamily="34" charset="-127"/>
-                        <a:ea typeface="Noto Sans KR Medium" pitchFamily="34" charset="-127"/>
-                      </a:endParaRPr>
-                    </a:p>
-                  </a:txBody>
-                  <a:tcPr/>
-                </a:tc>
-                <a:tc>
-                  <a:txBody>
-                    <a:bodyPr/>
-                    <a:lstStyle/>
-                    <a:p>
-                      <a:pPr algn="ctr" latinLnBrk="1"/>
+                        <a:rPr lang="ko-KR" altLang="en-US" sz="1400" baseline="0" dirty="0">
+                          <a:latin typeface="Noto Sans KR Medium" pitchFamily="34" charset="-127"/>
+                          <a:ea typeface="Noto Sans KR Medium" pitchFamily="34" charset="-127"/>
+                        </a:rPr>
+                        <a:t>숲 </a:t>
+                      </a:r>
+                      <a:r>
+                        <a:rPr lang="en-US" altLang="ko-KR" sz="1400" baseline="0" dirty="0">
+                          <a:latin typeface="Noto Sans KR Medium" pitchFamily="34" charset="-127"/>
+                          <a:ea typeface="Noto Sans KR Medium" pitchFamily="34" charset="-127"/>
+                        </a:rPr>
+                        <a:t>1-1 </a:t>
+                      </a:r>
+                      <a:r>
+                        <a:rPr lang="ko-KR" altLang="en-US" sz="1400" baseline="0" dirty="0">
+                          <a:latin typeface="Noto Sans KR Medium" pitchFamily="34" charset="-127"/>
+                          <a:ea typeface="Noto Sans KR Medium" pitchFamily="34" charset="-127"/>
+                        </a:rPr>
+                        <a:t>완성</a:t>
+                      </a:r>
                       <a:endParaRPr lang="en-US" altLang="ko-KR" sz="1400" baseline="0" dirty="0">
                         <a:latin typeface="Noto Sans KR Medium" pitchFamily="34" charset="-127"/>
                         <a:ea typeface="Noto Sans KR Medium" pitchFamily="34" charset="-127"/>
@@ -7059,6 +7061,27 @@
                     <a:lstStyle/>
                     <a:p>
                       <a:pPr algn="ctr" latinLnBrk="1"/>
+                      <a:r>
+                        <a:rPr lang="ko-KR" altLang="en-US" sz="1400" dirty="0">
+                          <a:latin typeface="Noto Sans KR Medium" pitchFamily="34" charset="-127"/>
+                          <a:ea typeface="Noto Sans KR Medium" pitchFamily="34" charset="-127"/>
+                        </a:rPr>
+                        <a:t>열쇠</a:t>
+                      </a:r>
+                      <a:endParaRPr lang="en-US" altLang="ko-KR" sz="1400" dirty="0">
+                        <a:latin typeface="Noto Sans KR Medium" pitchFamily="34" charset="-127"/>
+                        <a:ea typeface="Noto Sans KR Medium" pitchFamily="34" charset="-127"/>
+                      </a:endParaRPr>
+                    </a:p>
+                    <a:p>
+                      <a:pPr algn="ctr" latinLnBrk="1"/>
+                      <a:r>
+                        <a:rPr lang="ko-KR" altLang="en-US" sz="1400">
+                          <a:latin typeface="Noto Sans KR Medium" pitchFamily="34" charset="-127"/>
+                          <a:ea typeface="Noto Sans KR Medium" pitchFamily="34" charset="-127"/>
+                        </a:rPr>
+                        <a:t>레버</a:t>
+                      </a:r>
                       <a:endParaRPr lang="ko-KR" altLang="en-US" sz="1400" dirty="0">
                         <a:latin typeface="Noto Sans KR Medium" pitchFamily="34" charset="-127"/>
                         <a:ea typeface="Noto Sans KR Medium" pitchFamily="34" charset="-127"/>
@@ -7069,7 +7092,7 @@
                 </a:tc>
                 <a:extLst>
                   <a:ext uri="{0D108BD9-81ED-4DB2-BD59-A6C34878D82A}">
-                    <a16:rowId xmlns:a16="http://schemas.microsoft.com/office/drawing/2014/main" xmlns="" val="10004"/>
+                    <a16:rowId xmlns:a16="http://schemas.microsoft.com/office/drawing/2014/main" val="10004"/>
                   </a:ext>
                 </a:extLst>
               </a:tr>
@@ -7081,7 +7104,7 @@
                     <a:p>
                       <a:pPr algn="ctr" latinLnBrk="1"/>
                       <a:r>
-                        <a:rPr lang="en-US" altLang="ko-KR" sz="1400" dirty="0" smtClean="0">
+                        <a:rPr lang="en-US" altLang="ko-KR" sz="1400" dirty="0">
                           <a:latin typeface="Noto Sans KR Medium" pitchFamily="34" charset="-127"/>
                           <a:ea typeface="Noto Sans KR Medium" pitchFamily="34" charset="-127"/>
                         </a:rPr>
@@ -7125,7 +7148,7 @@
                 </a:tc>
                 <a:extLst>
                   <a:ext uri="{0D108BD9-81ED-4DB2-BD59-A6C34878D82A}">
-                    <a16:rowId xmlns:a16="http://schemas.microsoft.com/office/drawing/2014/main" xmlns="" val="10005"/>
+                    <a16:rowId xmlns:a16="http://schemas.microsoft.com/office/drawing/2014/main" val="10005"/>
                   </a:ext>
                 </a:extLst>
               </a:tr>
@@ -7137,7 +7160,7 @@
                     <a:p>
                       <a:pPr algn="ctr" latinLnBrk="1"/>
                       <a:r>
-                        <a:rPr lang="en-US" altLang="ko-KR" sz="1400" dirty="0" smtClean="0">
+                        <a:rPr lang="en-US" altLang="ko-KR" sz="1400" dirty="0">
                           <a:latin typeface="Noto Sans KR Medium" pitchFamily="34" charset="-127"/>
                           <a:ea typeface="Noto Sans KR Medium" pitchFamily="34" charset="-127"/>
                         </a:rPr>
@@ -7181,7 +7204,7 @@
                 </a:tc>
                 <a:extLst>
                   <a:ext uri="{0D108BD9-81ED-4DB2-BD59-A6C34878D82A}">
-                    <a16:rowId xmlns:a16="http://schemas.microsoft.com/office/drawing/2014/main" xmlns="" val="10006"/>
+                    <a16:rowId xmlns:a16="http://schemas.microsoft.com/office/drawing/2014/main" val="10006"/>
                   </a:ext>
                 </a:extLst>
               </a:tr>
@@ -7661,7 +7684,9 @@
         </p:nvSpPr>
         <p:spPr/>
         <p:txBody>
-          <a:bodyPr/>
+          <a:bodyPr>
+            <a:normAutofit lnSpcReduction="10000"/>
+          </a:bodyPr>
           <a:lstStyle/>
           <a:p>
             <a:pPr>
@@ -7669,7 +7694,7 @@
               <a:buChar char="l"/>
             </a:pPr>
             <a:r>
-              <a:rPr lang="ko-KR" altLang="en-US" dirty="0" smtClean="0">
+              <a:rPr lang="ko-KR" altLang="en-US" dirty="0">
                 <a:latin typeface="Noto Sans KR Medium" pitchFamily="34" charset="-127"/>
                 <a:ea typeface="Noto Sans KR Medium" pitchFamily="34" charset="-127"/>
               </a:rPr>
@@ -7745,14 +7770,7 @@
                 <a:latin typeface="Noto Sans KR Medium" pitchFamily="34" charset="-127"/>
                 <a:ea typeface="Noto Sans KR Medium" pitchFamily="34" charset="-127"/>
               </a:rPr>
-              <a:t>속성 </a:t>
-            </a:r>
-            <a:r>
-              <a:rPr lang="ko-KR" altLang="en-US" dirty="0" smtClean="0">
-                <a:latin typeface="Noto Sans KR Medium" pitchFamily="34" charset="-127"/>
-                <a:ea typeface="Noto Sans KR Medium" pitchFamily="34" charset="-127"/>
-              </a:rPr>
-              <a:t>반응</a:t>
+              <a:t>속성 반응</a:t>
             </a:r>
             <a:endParaRPr lang="en-US" altLang="ko-KR" dirty="0">
               <a:latin typeface="Noto Sans KR Medium" pitchFamily="34" charset="-127"/>
@@ -7793,14 +7811,7 @@
                 <a:latin typeface="Noto Sans KR Medium" pitchFamily="34" charset="-127"/>
                 <a:ea typeface="Noto Sans KR Medium" pitchFamily="34" charset="-127"/>
               </a:rPr>
-              <a:t>플레이어 캐릭터의 스킬 혹은 원소 구슬을 활용하여 </a:t>
-            </a:r>
-            <a:r>
-              <a:rPr lang="ko-KR" altLang="en-US" dirty="0" smtClean="0">
-                <a:latin typeface="Noto Sans KR Medium" pitchFamily="34" charset="-127"/>
-                <a:ea typeface="Noto Sans KR Medium" pitchFamily="34" charset="-127"/>
-              </a:rPr>
-              <a:t>작동시킴</a:t>
+              <a:t>플레이어 캐릭터의 스킬 혹은 원소 구슬을 활용하여 작동시킴</a:t>
             </a:r>
             <a:endParaRPr lang="en-US" altLang="ko-KR" dirty="0">
               <a:latin typeface="Noto Sans KR Medium" pitchFamily="34" charset="-127"/>
@@ -7813,7 +7824,7 @@
               <a:buChar char="l"/>
             </a:pPr>
             <a:r>
-              <a:rPr lang="ko-KR" altLang="en-US" dirty="0" smtClean="0">
+              <a:rPr lang="ko-KR" altLang="en-US" dirty="0">
                 <a:latin typeface="Noto Sans KR Medium" pitchFamily="34" charset="-127"/>
                 <a:ea typeface="Noto Sans KR Medium" pitchFamily="34" charset="-127"/>
               </a:rPr>
@@ -7830,20 +7841,20 @@
               <a:buAutoNum type="arabicPeriod"/>
             </a:pPr>
             <a:r>
-              <a:rPr lang="ko-KR" altLang="en-US" dirty="0" smtClean="0">
+              <a:rPr lang="ko-KR" altLang="en-US" dirty="0">
                 <a:latin typeface="Noto Sans KR Medium" pitchFamily="34" charset="-127"/>
                 <a:ea typeface="Noto Sans KR Medium" pitchFamily="34" charset="-127"/>
               </a:rPr>
               <a:t>필드에 있는 퍼즐을 습득하여 힌트를 보고 알맞게 </a:t>
             </a:r>
             <a:r>
-              <a:rPr lang="ko-KR" altLang="en-US" dirty="0" err="1" smtClean="0">
+              <a:rPr lang="ko-KR" altLang="en-US" dirty="0" err="1">
                 <a:latin typeface="Noto Sans KR Medium" pitchFamily="34" charset="-127"/>
                 <a:ea typeface="Noto Sans KR Medium" pitchFamily="34" charset="-127"/>
               </a:rPr>
               <a:t>끼워맞춤</a:t>
             </a:r>
-            <a:endParaRPr lang="en-US" altLang="ko-KR" dirty="0" smtClean="0">
+            <a:endParaRPr lang="en-US" altLang="ko-KR" dirty="0">
               <a:latin typeface="Noto Sans KR Medium" pitchFamily="34" charset="-127"/>
               <a:ea typeface="Noto Sans KR Medium" pitchFamily="34" charset="-127"/>
             </a:endParaRPr>
@@ -7854,14 +7865,14 @@
               <a:buAutoNum type="arabicPeriod"/>
             </a:pPr>
             <a:r>
-              <a:rPr lang="ko-KR" altLang="en-US" dirty="0" smtClean="0">
+              <a:rPr lang="ko-KR" altLang="en-US" dirty="0">
                 <a:latin typeface="Noto Sans KR Medium" pitchFamily="34" charset="-127"/>
                 <a:ea typeface="Noto Sans KR Medium" pitchFamily="34" charset="-127"/>
               </a:rPr>
               <a:t>클릭하여 같은 그림을 맞춰 다음 단계로 진행되게 함</a:t>
             </a:r>
             <a:r>
-              <a:rPr lang="en-US" altLang="ko-KR" dirty="0" smtClean="0">
+              <a:rPr lang="en-US" altLang="ko-KR" dirty="0">
                 <a:latin typeface="Noto Sans KR Medium" pitchFamily="34" charset="-127"/>
                 <a:ea typeface="Noto Sans KR Medium" pitchFamily="34" charset="-127"/>
               </a:rPr>
@@ -7942,7 +7953,7 @@
         <p:spPr/>
         <p:txBody>
           <a:bodyPr>
-            <a:normAutofit fontScale="92500"/>
+            <a:normAutofit fontScale="92500" lnSpcReduction="10000"/>
           </a:bodyPr>
           <a:lstStyle/>
           <a:p>
@@ -8107,40 +8118,29 @@
                 <a:latin typeface="Noto Sans KR Medium" pitchFamily="34" charset="-127"/>
                 <a:ea typeface="Noto Sans KR Medium" pitchFamily="34" charset="-127"/>
               </a:rPr>
-              <a:t>마우스 커서에 바람속성 오브젝트 </a:t>
-            </a:r>
-            <a:r>
-              <a:rPr lang="ko-KR" altLang="en-US" dirty="0" smtClean="0">
-                <a:latin typeface="Noto Sans KR Medium" pitchFamily="34" charset="-127"/>
-                <a:ea typeface="Noto Sans KR Medium" pitchFamily="34" charset="-127"/>
-              </a:rPr>
-              <a:t>생성 </a:t>
-            </a:r>
-            <a:r>
-              <a:rPr lang="en-US" altLang="ko-KR" dirty="0" smtClean="0">
+              <a:t>마우스 커서에 바람속성 오브젝트 생성 </a:t>
+            </a:r>
+            <a:r>
+              <a:rPr lang="en-US" altLang="ko-KR" dirty="0">
                 <a:latin typeface="Noto Sans KR Medium" pitchFamily="34" charset="-127"/>
                 <a:ea typeface="Noto Sans KR Medium" pitchFamily="34" charset="-127"/>
               </a:rPr>
               <a:t>(</a:t>
             </a:r>
             <a:r>
-              <a:rPr lang="ko-KR" altLang="en-US" dirty="0" smtClean="0">
+              <a:rPr lang="ko-KR" altLang="en-US" dirty="0">
                 <a:latin typeface="Noto Sans KR Medium" pitchFamily="34" charset="-127"/>
                 <a:ea typeface="Noto Sans KR Medium" pitchFamily="34" charset="-127"/>
               </a:rPr>
               <a:t>오브젝트를 밀어 낼 수 있음</a:t>
             </a:r>
             <a:r>
-              <a:rPr lang="en-US" altLang="ko-KR" dirty="0" smtClean="0">
+              <a:rPr lang="en-US" altLang="ko-KR" dirty="0">
                 <a:latin typeface="Noto Sans KR Medium" pitchFamily="34" charset="-127"/>
                 <a:ea typeface="Noto Sans KR Medium" pitchFamily="34" charset="-127"/>
               </a:rPr>
               <a:t>)</a:t>
             </a:r>
-            <a:endParaRPr lang="en-US" altLang="ko-KR" dirty="0">
-              <a:latin typeface="Noto Sans KR Medium" pitchFamily="34" charset="-127"/>
-              <a:ea typeface="Noto Sans KR Medium" pitchFamily="34" charset="-127"/>
-            </a:endParaRPr>
           </a:p>
           <a:p>
             <a:pPr marL="0" indent="0">
@@ -8349,19 +8349,8 @@
                 <a:latin typeface="Noto Sans KR Medium" pitchFamily="34" charset="-127"/>
                 <a:ea typeface="Noto Sans KR Medium" pitchFamily="34" charset="-127"/>
               </a:rPr>
-              <a:t>게임 </a:t>
-            </a:r>
-            <a:r>
-              <a:rPr lang="ko-KR" altLang="en-US" dirty="0" smtClean="0">
-                <a:latin typeface="Noto Sans KR Medium" pitchFamily="34" charset="-127"/>
-                <a:ea typeface="Noto Sans KR Medium" pitchFamily="34" charset="-127"/>
-              </a:rPr>
-              <a:t>방식</a:t>
-            </a:r>
-            <a:endParaRPr lang="ko-KR" altLang="en-US" dirty="0">
-              <a:latin typeface="Noto Sans KR Medium" pitchFamily="34" charset="-127"/>
-              <a:ea typeface="Noto Sans KR Medium" pitchFamily="34" charset="-127"/>
-            </a:endParaRPr>
+              <a:t>게임 방식</a:t>
+            </a:r>
           </a:p>
         </p:txBody>
       </p:sp>
@@ -8381,35 +8370,35 @@
           <a:lstStyle/>
           <a:p>
             <a:r>
-              <a:rPr lang="ko-KR" altLang="en-US" dirty="0" smtClean="0">
+              <a:rPr lang="ko-KR" altLang="en-US" dirty="0">
                 <a:latin typeface="Noto Sans KR Medium" pitchFamily="34" charset="-127"/>
                 <a:ea typeface="Noto Sans KR Medium" pitchFamily="34" charset="-127"/>
               </a:rPr>
               <a:t>메인 스토리</a:t>
             </a:r>
             <a:r>
-              <a:rPr lang="en-US" altLang="ko-KR" dirty="0" smtClean="0">
+              <a:rPr lang="en-US" altLang="ko-KR" dirty="0">
                 <a:latin typeface="Noto Sans KR Medium" pitchFamily="34" charset="-127"/>
                 <a:ea typeface="Noto Sans KR Medium" pitchFamily="34" charset="-127"/>
               </a:rPr>
               <a:t>1</a:t>
             </a:r>
             <a:r>
-              <a:rPr lang="ko-KR" altLang="en-US" dirty="0" smtClean="0">
+              <a:rPr lang="ko-KR" altLang="en-US" dirty="0">
                 <a:latin typeface="Noto Sans KR Medium" pitchFamily="34" charset="-127"/>
                 <a:ea typeface="Noto Sans KR Medium" pitchFamily="34" charset="-127"/>
               </a:rPr>
               <a:t>을 끝내면 마을에서 자유로이 게임을 플레이 할 수 </a:t>
             </a:r>
             <a:r>
-              <a:rPr lang="ko-KR" altLang="en-US" dirty="0" err="1" smtClean="0">
+              <a:rPr lang="ko-KR" altLang="en-US" dirty="0" err="1">
                 <a:latin typeface="Noto Sans KR Medium" pitchFamily="34" charset="-127"/>
                 <a:ea typeface="Noto Sans KR Medium" pitchFamily="34" charset="-127"/>
               </a:rPr>
               <a:t>있게된다</a:t>
             </a:r>
             <a:r>
-              <a:rPr lang="en-US" altLang="ko-KR" dirty="0" smtClean="0">
+              <a:rPr lang="en-US" altLang="ko-KR" dirty="0">
                 <a:latin typeface="Noto Sans KR Medium" pitchFamily="34" charset="-127"/>
                 <a:ea typeface="Noto Sans KR Medium" pitchFamily="34" charset="-127"/>
               </a:rPr>
@@ -8418,56 +8407,56 @@
           </a:p>
           <a:p>
             <a:r>
-              <a:rPr lang="ko-KR" altLang="en-US" dirty="0" smtClean="0">
+              <a:rPr lang="ko-KR" altLang="en-US" dirty="0">
                 <a:latin typeface="Noto Sans KR Medium" pitchFamily="34" charset="-127"/>
                 <a:ea typeface="Noto Sans KR Medium" pitchFamily="34" charset="-127"/>
               </a:rPr>
               <a:t>플레이어는 탐색</a:t>
             </a:r>
             <a:r>
-              <a:rPr lang="en-US" altLang="ko-KR" dirty="0" smtClean="0">
+              <a:rPr lang="en-US" altLang="ko-KR" dirty="0">
                 <a:latin typeface="Noto Sans KR Medium" pitchFamily="34" charset="-127"/>
                 <a:ea typeface="Noto Sans KR Medium" pitchFamily="34" charset="-127"/>
               </a:rPr>
               <a:t>, </a:t>
             </a:r>
             <a:r>
-              <a:rPr lang="ko-KR" altLang="en-US" dirty="0" smtClean="0">
+              <a:rPr lang="ko-KR" altLang="en-US" dirty="0">
                 <a:latin typeface="Noto Sans KR Medium" pitchFamily="34" charset="-127"/>
                 <a:ea typeface="Noto Sans KR Medium" pitchFamily="34" charset="-127"/>
               </a:rPr>
               <a:t>휴식</a:t>
             </a:r>
             <a:r>
-              <a:rPr lang="en-US" altLang="ko-KR" dirty="0" smtClean="0">
+              <a:rPr lang="en-US" altLang="ko-KR" dirty="0">
                 <a:latin typeface="Noto Sans KR Medium" pitchFamily="34" charset="-127"/>
                 <a:ea typeface="Noto Sans KR Medium" pitchFamily="34" charset="-127"/>
               </a:rPr>
               <a:t>, NPC</a:t>
             </a:r>
             <a:r>
-              <a:rPr lang="ko-KR" altLang="en-US" dirty="0" smtClean="0">
+              <a:rPr lang="ko-KR" altLang="en-US" dirty="0">
                 <a:latin typeface="Noto Sans KR Medium" pitchFamily="34" charset="-127"/>
                 <a:ea typeface="Noto Sans KR Medium" pitchFamily="34" charset="-127"/>
               </a:rPr>
               <a:t>의 </a:t>
             </a:r>
             <a:r>
-              <a:rPr lang="ko-KR" altLang="en-US" dirty="0" err="1" smtClean="0">
+              <a:rPr lang="ko-KR" altLang="en-US" dirty="0" err="1">
                 <a:latin typeface="Noto Sans KR Medium" pitchFamily="34" charset="-127"/>
                 <a:ea typeface="Noto Sans KR Medium" pitchFamily="34" charset="-127"/>
               </a:rPr>
               <a:t>퀘스트를</a:t>
             </a:r>
             <a:r>
-              <a:rPr lang="ko-KR" altLang="en-US" dirty="0" smtClean="0">
+              <a:rPr lang="ko-KR" altLang="en-US" dirty="0">
                 <a:latin typeface="Noto Sans KR Medium" pitchFamily="34" charset="-127"/>
                 <a:ea typeface="Noto Sans KR Medium" pitchFamily="34" charset="-127"/>
               </a:rPr>
               <a:t> 수행할 수 있다</a:t>
             </a:r>
             <a:r>
-              <a:rPr lang="en-US" altLang="ko-KR" dirty="0" smtClean="0">
+              <a:rPr lang="en-US" altLang="ko-KR" dirty="0">
                 <a:latin typeface="Noto Sans KR Medium" pitchFamily="34" charset="-127"/>
                 <a:ea typeface="Noto Sans KR Medium" pitchFamily="34" charset="-127"/>
               </a:rPr>
@@ -8476,28 +8465,28 @@
           </a:p>
           <a:p>
             <a:r>
-              <a:rPr lang="ko-KR" altLang="en-US" dirty="0" smtClean="0">
+              <a:rPr lang="ko-KR" altLang="en-US" dirty="0">
                 <a:latin typeface="Noto Sans KR Medium" pitchFamily="34" charset="-127"/>
                 <a:ea typeface="Noto Sans KR Medium" pitchFamily="34" charset="-127"/>
               </a:rPr>
               <a:t>마을에서는 총 </a:t>
             </a:r>
             <a:r>
-              <a:rPr lang="en-US" altLang="ko-KR" dirty="0" smtClean="0">
+              <a:rPr lang="en-US" altLang="ko-KR" dirty="0">
                 <a:latin typeface="Noto Sans KR Medium" pitchFamily="34" charset="-127"/>
                 <a:ea typeface="Noto Sans KR Medium" pitchFamily="34" charset="-127"/>
               </a:rPr>
               <a:t>24</a:t>
             </a:r>
             <a:r>
-              <a:rPr lang="ko-KR" altLang="en-US" dirty="0" smtClean="0">
+              <a:rPr lang="ko-KR" altLang="en-US" dirty="0">
                 <a:latin typeface="Noto Sans KR Medium" pitchFamily="34" charset="-127"/>
                 <a:ea typeface="Noto Sans KR Medium" pitchFamily="34" charset="-127"/>
               </a:rPr>
               <a:t>시간의 시간이 존재하며 시간에 따라 플레이 범위가 달라진다</a:t>
             </a:r>
             <a:r>
-              <a:rPr lang="en-US" altLang="ko-KR" dirty="0" smtClean="0">
+              <a:rPr lang="en-US" altLang="ko-KR" dirty="0">
                 <a:latin typeface="Noto Sans KR Medium" pitchFamily="34" charset="-127"/>
                 <a:ea typeface="Noto Sans KR Medium" pitchFamily="34" charset="-127"/>
               </a:rPr>
@@ -8506,42 +8495,42 @@
           </a:p>
           <a:p>
             <a:r>
-              <a:rPr lang="ko-KR" altLang="en-US" dirty="0" smtClean="0">
+              <a:rPr lang="ko-KR" altLang="en-US" dirty="0">
                 <a:latin typeface="Noto Sans KR Medium" pitchFamily="34" charset="-127"/>
                 <a:ea typeface="Noto Sans KR Medium" pitchFamily="34" charset="-127"/>
               </a:rPr>
               <a:t>플레이어는 탐색할 때 </a:t>
             </a:r>
             <a:r>
-              <a:rPr lang="en-US" altLang="ko-KR" dirty="0" smtClean="0">
+              <a:rPr lang="en-US" altLang="ko-KR" dirty="0">
                 <a:latin typeface="Noto Sans KR Medium" pitchFamily="34" charset="-127"/>
                 <a:ea typeface="Noto Sans KR Medium" pitchFamily="34" charset="-127"/>
               </a:rPr>
               <a:t>1</a:t>
             </a:r>
             <a:r>
-              <a:rPr lang="ko-KR" altLang="en-US" dirty="0" smtClean="0">
+              <a:rPr lang="ko-KR" altLang="en-US" dirty="0">
                 <a:latin typeface="Noto Sans KR Medium" pitchFamily="34" charset="-127"/>
                 <a:ea typeface="Noto Sans KR Medium" pitchFamily="34" charset="-127"/>
               </a:rPr>
               <a:t>스테이지 입장 시 시간이 </a:t>
             </a:r>
             <a:r>
-              <a:rPr lang="en-US" altLang="ko-KR" dirty="0" smtClean="0">
+              <a:rPr lang="en-US" altLang="ko-KR" dirty="0">
                 <a:latin typeface="Noto Sans KR Medium" pitchFamily="34" charset="-127"/>
                 <a:ea typeface="Noto Sans KR Medium" pitchFamily="34" charset="-127"/>
               </a:rPr>
               <a:t>+3</a:t>
             </a:r>
             <a:r>
-              <a:rPr lang="ko-KR" altLang="en-US" dirty="0" smtClean="0">
+              <a:rPr lang="ko-KR" altLang="en-US" dirty="0">
                 <a:latin typeface="Noto Sans KR Medium" pitchFamily="34" charset="-127"/>
                 <a:ea typeface="Noto Sans KR Medium" pitchFamily="34" charset="-127"/>
               </a:rPr>
               <a:t>시간 추가된다</a:t>
             </a:r>
             <a:r>
-              <a:rPr lang="en-US" altLang="ko-KR" dirty="0" smtClean="0">
+              <a:rPr lang="en-US" altLang="ko-KR" dirty="0">
                 <a:latin typeface="Noto Sans KR Medium" pitchFamily="34" charset="-127"/>
                 <a:ea typeface="Noto Sans KR Medium" pitchFamily="34" charset="-127"/>
               </a:rPr>
@@ -8550,21 +8539,14 @@
           </a:p>
           <a:p>
             <a:r>
-              <a:rPr lang="ko-KR" altLang="en-US" dirty="0" smtClean="0">
-                <a:latin typeface="Noto Sans KR Medium" pitchFamily="34" charset="-127"/>
-                <a:ea typeface="Noto Sans KR Medium" pitchFamily="34" charset="-127"/>
-              </a:rPr>
-              <a:t>시간은 마을에서 </a:t>
-            </a:r>
-            <a:r>
-              <a:rPr lang="ko-KR" altLang="en-US" dirty="0" smtClean="0">
-                <a:latin typeface="Noto Sans KR Medium" pitchFamily="34" charset="-127"/>
-                <a:ea typeface="Noto Sans KR Medium" pitchFamily="34" charset="-127"/>
-              </a:rPr>
-              <a:t>휴식을 통해 자유롭게 조정할 수 있다</a:t>
-            </a:r>
-            <a:r>
-              <a:rPr lang="en-US" altLang="ko-KR" dirty="0" smtClean="0">
+              <a:rPr lang="ko-KR" altLang="en-US" dirty="0">
+                <a:latin typeface="Noto Sans KR Medium" pitchFamily="34" charset="-127"/>
+                <a:ea typeface="Noto Sans KR Medium" pitchFamily="34" charset="-127"/>
+              </a:rPr>
+              <a:t>시간은 마을에서 휴식을 통해 자유롭게 조정할 수 있다</a:t>
+            </a:r>
+            <a:r>
+              <a:rPr lang="en-US" altLang="ko-KR" dirty="0">
                 <a:latin typeface="Noto Sans KR Medium" pitchFamily="34" charset="-127"/>
                 <a:ea typeface="Noto Sans KR Medium" pitchFamily="34" charset="-127"/>
               </a:rPr>
@@ -8623,16 +8605,12 @@
           <a:lstStyle/>
           <a:p>
             <a:r>
-              <a:rPr lang="ko-KR" altLang="en-US" dirty="0" smtClean="0">
+              <a:rPr lang="ko-KR" altLang="en-US" dirty="0">
                 <a:latin typeface="Noto Sans KR Medium" pitchFamily="34" charset="-127"/>
                 <a:ea typeface="Noto Sans KR Medium" pitchFamily="34" charset="-127"/>
               </a:rPr>
               <a:t>게임 내 시간</a:t>
             </a:r>
-            <a:endParaRPr lang="ko-KR" altLang="en-US" dirty="0">
-              <a:latin typeface="Noto Sans KR Medium" pitchFamily="34" charset="-127"/>
-              <a:ea typeface="Noto Sans KR Medium" pitchFamily="34" charset="-127"/>
-            </a:endParaRPr>
           </a:p>
         </p:txBody>
       </p:sp>
@@ -8652,76 +8630,76 @@
           <a:lstStyle/>
           <a:p>
             <a:r>
-              <a:rPr lang="en-US" altLang="ko-KR" dirty="0" smtClean="0">
+              <a:rPr lang="en-US" altLang="ko-KR" dirty="0">
                 <a:latin typeface="Noto Sans KR Medium" pitchFamily="34" charset="-127"/>
                 <a:ea typeface="Noto Sans KR Medium" pitchFamily="34" charset="-127"/>
               </a:rPr>
               <a:t>20</a:t>
             </a:r>
             <a:r>
-              <a:rPr lang="ko-KR" altLang="en-US" dirty="0" smtClean="0">
+              <a:rPr lang="ko-KR" altLang="en-US" dirty="0">
                 <a:latin typeface="Noto Sans KR Medium" pitchFamily="34" charset="-127"/>
                 <a:ea typeface="Noto Sans KR Medium" pitchFamily="34" charset="-127"/>
               </a:rPr>
               <a:t>시 </a:t>
             </a:r>
             <a:r>
-              <a:rPr lang="en-US" altLang="ko-KR" dirty="0" smtClean="0">
+              <a:rPr lang="en-US" altLang="ko-KR" dirty="0">
                 <a:latin typeface="Noto Sans KR Medium" pitchFamily="34" charset="-127"/>
                 <a:ea typeface="Noto Sans KR Medium" pitchFamily="34" charset="-127"/>
               </a:rPr>
               <a:t>~ 06</a:t>
             </a:r>
             <a:r>
-              <a:rPr lang="ko-KR" altLang="en-US" dirty="0" smtClean="0">
+              <a:rPr lang="ko-KR" altLang="en-US" dirty="0">
                 <a:latin typeface="Noto Sans KR Medium" pitchFamily="34" charset="-127"/>
                 <a:ea typeface="Noto Sans KR Medium" pitchFamily="34" charset="-127"/>
               </a:rPr>
               <a:t>시 </a:t>
             </a:r>
             <a:r>
-              <a:rPr lang="en-US" altLang="ko-KR" dirty="0" smtClean="0">
+              <a:rPr lang="en-US" altLang="ko-KR" dirty="0">
                 <a:latin typeface="Noto Sans KR Medium" pitchFamily="34" charset="-127"/>
                 <a:ea typeface="Noto Sans KR Medium" pitchFamily="34" charset="-127"/>
               </a:rPr>
               <a:t>(</a:t>
             </a:r>
             <a:r>
-              <a:rPr lang="ko-KR" altLang="en-US" dirty="0" smtClean="0">
+              <a:rPr lang="ko-KR" altLang="en-US" dirty="0">
                 <a:latin typeface="Noto Sans KR Medium" pitchFamily="34" charset="-127"/>
                 <a:ea typeface="Noto Sans KR Medium" pitchFamily="34" charset="-127"/>
               </a:rPr>
               <a:t>밤</a:t>
             </a:r>
             <a:r>
-              <a:rPr lang="en-US" altLang="ko-KR" dirty="0" smtClean="0">
+              <a:rPr lang="en-US" altLang="ko-KR" dirty="0">
                 <a:latin typeface="Noto Sans KR Medium" pitchFamily="34" charset="-127"/>
                 <a:ea typeface="Noto Sans KR Medium" pitchFamily="34" charset="-127"/>
               </a:rPr>
               <a:t>) – </a:t>
             </a:r>
             <a:r>
-              <a:rPr lang="ko-KR" altLang="en-US" dirty="0" smtClean="0">
+              <a:rPr lang="ko-KR" altLang="en-US" dirty="0">
                 <a:latin typeface="Noto Sans KR Medium" pitchFamily="34" charset="-127"/>
                 <a:ea typeface="Noto Sans KR Medium" pitchFamily="34" charset="-127"/>
               </a:rPr>
               <a:t>탐색불가</a:t>
             </a:r>
             <a:r>
-              <a:rPr lang="en-US" altLang="ko-KR" dirty="0" smtClean="0">
+              <a:rPr lang="en-US" altLang="ko-KR" dirty="0">
                 <a:latin typeface="Noto Sans KR Medium" pitchFamily="34" charset="-127"/>
                 <a:ea typeface="Noto Sans KR Medium" pitchFamily="34" charset="-127"/>
               </a:rPr>
               <a:t>, </a:t>
             </a:r>
             <a:r>
-              <a:rPr lang="ko-KR" altLang="en-US" dirty="0" smtClean="0">
+              <a:rPr lang="ko-KR" altLang="en-US" dirty="0">
                 <a:latin typeface="Noto Sans KR Medium" pitchFamily="34" charset="-127"/>
                 <a:ea typeface="Noto Sans KR Medium" pitchFamily="34" charset="-127"/>
               </a:rPr>
               <a:t>휴식가능</a:t>
             </a:r>
-            <a:endParaRPr lang="en-US" altLang="ko-KR" dirty="0" smtClean="0">
+            <a:endParaRPr lang="en-US" altLang="ko-KR" dirty="0">
               <a:latin typeface="Noto Sans KR Medium" pitchFamily="34" charset="-127"/>
               <a:ea typeface="Noto Sans KR Medium" pitchFamily="34" charset="-127"/>
             </a:endParaRPr>
@@ -8731,110 +8709,110 @@
               <a:buNone/>
             </a:pPr>
             <a:r>
-              <a:rPr lang="en-US" altLang="ko-KR" dirty="0" smtClean="0">
+              <a:rPr lang="en-US" altLang="ko-KR" dirty="0">
                 <a:latin typeface="Noto Sans KR Medium" pitchFamily="34" charset="-127"/>
                 <a:ea typeface="Noto Sans KR Medium" pitchFamily="34" charset="-127"/>
               </a:rPr>
               <a:t>- </a:t>
             </a:r>
             <a:r>
-              <a:rPr lang="ko-KR" altLang="en-US" dirty="0" smtClean="0">
+              <a:rPr lang="ko-KR" altLang="en-US" dirty="0">
                 <a:latin typeface="Noto Sans KR Medium" pitchFamily="34" charset="-127"/>
                 <a:ea typeface="Noto Sans KR Medium" pitchFamily="34" charset="-127"/>
               </a:rPr>
               <a:t>어두움</a:t>
             </a:r>
-            <a:endParaRPr lang="en-US" altLang="ko-KR" dirty="0" smtClean="0">
+            <a:endParaRPr lang="en-US" altLang="ko-KR" dirty="0">
               <a:latin typeface="Noto Sans KR Medium" pitchFamily="34" charset="-127"/>
               <a:ea typeface="Noto Sans KR Medium" pitchFamily="34" charset="-127"/>
             </a:endParaRPr>
           </a:p>
           <a:p>
             <a:r>
-              <a:rPr lang="en-US" altLang="ko-KR" dirty="0" smtClean="0">
+              <a:rPr lang="en-US" altLang="ko-KR" dirty="0">
                 <a:latin typeface="Noto Sans KR Medium" pitchFamily="34" charset="-127"/>
                 <a:ea typeface="Noto Sans KR Medium" pitchFamily="34" charset="-127"/>
               </a:rPr>
               <a:t>6</a:t>
             </a:r>
             <a:r>
-              <a:rPr lang="ko-KR" altLang="en-US" dirty="0" smtClean="0">
+              <a:rPr lang="ko-KR" altLang="en-US" dirty="0">
                 <a:latin typeface="Noto Sans KR Medium" pitchFamily="34" charset="-127"/>
                 <a:ea typeface="Noto Sans KR Medium" pitchFamily="34" charset="-127"/>
               </a:rPr>
               <a:t>시</a:t>
             </a:r>
             <a:r>
-              <a:rPr lang="en-US" altLang="ko-KR" dirty="0" smtClean="0">
+              <a:rPr lang="en-US" altLang="ko-KR" dirty="0">
                 <a:latin typeface="Noto Sans KR Medium" pitchFamily="34" charset="-127"/>
                 <a:ea typeface="Noto Sans KR Medium" pitchFamily="34" charset="-127"/>
               </a:rPr>
               <a:t>~12</a:t>
             </a:r>
             <a:r>
-              <a:rPr lang="ko-KR" altLang="en-US" dirty="0" smtClean="0">
+              <a:rPr lang="ko-KR" altLang="en-US" dirty="0">
                 <a:latin typeface="Noto Sans KR Medium" pitchFamily="34" charset="-127"/>
                 <a:ea typeface="Noto Sans KR Medium" pitchFamily="34" charset="-127"/>
               </a:rPr>
               <a:t>시 </a:t>
             </a:r>
             <a:r>
-              <a:rPr lang="en-US" altLang="ko-KR" dirty="0" smtClean="0">
+              <a:rPr lang="en-US" altLang="ko-KR" dirty="0">
                 <a:latin typeface="Noto Sans KR Medium" pitchFamily="34" charset="-127"/>
                 <a:ea typeface="Noto Sans KR Medium" pitchFamily="34" charset="-127"/>
               </a:rPr>
               <a:t>(</a:t>
             </a:r>
             <a:r>
-              <a:rPr lang="ko-KR" altLang="en-US" dirty="0" smtClean="0">
+              <a:rPr lang="ko-KR" altLang="en-US" dirty="0">
                 <a:latin typeface="Noto Sans KR Medium" pitchFamily="34" charset="-127"/>
                 <a:ea typeface="Noto Sans KR Medium" pitchFamily="34" charset="-127"/>
               </a:rPr>
               <a:t>아침</a:t>
             </a:r>
             <a:r>
-              <a:rPr lang="en-US" altLang="ko-KR" dirty="0" smtClean="0">
+              <a:rPr lang="en-US" altLang="ko-KR" dirty="0">
                 <a:latin typeface="Noto Sans KR Medium" pitchFamily="34" charset="-127"/>
                 <a:ea typeface="Noto Sans KR Medium" pitchFamily="34" charset="-127"/>
               </a:rPr>
               <a:t>)</a:t>
             </a:r>
             <a:r>
-              <a:rPr lang="ko-KR" altLang="en-US" dirty="0" smtClean="0">
+              <a:rPr lang="ko-KR" altLang="en-US" dirty="0">
                 <a:latin typeface="Noto Sans KR Medium" pitchFamily="34" charset="-127"/>
                 <a:ea typeface="Noto Sans KR Medium" pitchFamily="34" charset="-127"/>
               </a:rPr>
               <a:t> </a:t>
             </a:r>
             <a:r>
-              <a:rPr lang="en-US" altLang="ko-KR" dirty="0" smtClean="0">
+              <a:rPr lang="en-US" altLang="ko-KR" dirty="0">
                 <a:latin typeface="Noto Sans KR Medium" pitchFamily="34" charset="-127"/>
                 <a:ea typeface="Noto Sans KR Medium" pitchFamily="34" charset="-127"/>
               </a:rPr>
               <a:t>– </a:t>
             </a:r>
             <a:r>
-              <a:rPr lang="ko-KR" altLang="en-US" dirty="0" smtClean="0">
+              <a:rPr lang="ko-KR" altLang="en-US" dirty="0">
                 <a:latin typeface="Noto Sans KR Medium" pitchFamily="34" charset="-127"/>
                 <a:ea typeface="Noto Sans KR Medium" pitchFamily="34" charset="-127"/>
               </a:rPr>
               <a:t>탐색가능</a:t>
             </a:r>
             <a:r>
-              <a:rPr lang="en-US" altLang="ko-KR" dirty="0" smtClean="0">
+              <a:rPr lang="en-US" altLang="ko-KR" dirty="0">
                 <a:latin typeface="Noto Sans KR Medium" pitchFamily="34" charset="-127"/>
                 <a:ea typeface="Noto Sans KR Medium" pitchFamily="34" charset="-127"/>
               </a:rPr>
               <a:t>, </a:t>
             </a:r>
             <a:r>
-              <a:rPr lang="ko-KR" altLang="en-US" dirty="0" smtClean="0">
+              <a:rPr lang="ko-KR" altLang="en-US" dirty="0">
                 <a:latin typeface="Noto Sans KR Medium" pitchFamily="34" charset="-127"/>
                 <a:ea typeface="Noto Sans KR Medium" pitchFamily="34" charset="-127"/>
               </a:rPr>
               <a:t>휴식불가능</a:t>
             </a:r>
-            <a:endParaRPr lang="en-US" altLang="ko-KR" dirty="0" smtClean="0">
+            <a:endParaRPr lang="en-US" altLang="ko-KR" dirty="0">
               <a:latin typeface="Noto Sans KR Medium" pitchFamily="34" charset="-127"/>
               <a:ea typeface="Noto Sans KR Medium" pitchFamily="34" charset="-127"/>
             </a:endParaRPr>
@@ -8844,82 +8822,82 @@
               <a:buNone/>
             </a:pPr>
             <a:r>
-              <a:rPr lang="en-US" altLang="ko-KR" dirty="0" smtClean="0">
+              <a:rPr lang="en-US" altLang="ko-KR" dirty="0">
                 <a:latin typeface="Noto Sans KR Medium" pitchFamily="34" charset="-127"/>
                 <a:ea typeface="Noto Sans KR Medium" pitchFamily="34" charset="-127"/>
               </a:rPr>
               <a:t>- </a:t>
             </a:r>
             <a:r>
-              <a:rPr lang="ko-KR" altLang="en-US" dirty="0" smtClean="0">
+              <a:rPr lang="ko-KR" altLang="en-US" dirty="0">
                 <a:latin typeface="Noto Sans KR Medium" pitchFamily="34" charset="-127"/>
                 <a:ea typeface="Noto Sans KR Medium" pitchFamily="34" charset="-127"/>
               </a:rPr>
               <a:t>밝음</a:t>
             </a:r>
-            <a:endParaRPr lang="en-US" altLang="ko-KR" dirty="0" smtClean="0">
+            <a:endParaRPr lang="en-US" altLang="ko-KR" dirty="0">
               <a:latin typeface="Noto Sans KR Medium" pitchFamily="34" charset="-127"/>
               <a:ea typeface="Noto Sans KR Medium" pitchFamily="34" charset="-127"/>
             </a:endParaRPr>
           </a:p>
           <a:p>
             <a:r>
-              <a:rPr lang="en-US" altLang="ko-KR" dirty="0" smtClean="0">
+              <a:rPr lang="en-US" altLang="ko-KR" dirty="0">
                 <a:latin typeface="Noto Sans KR Medium" pitchFamily="34" charset="-127"/>
                 <a:ea typeface="Noto Sans KR Medium" pitchFamily="34" charset="-127"/>
               </a:rPr>
               <a:t>12~17</a:t>
             </a:r>
             <a:r>
-              <a:rPr lang="ko-KR" altLang="en-US" dirty="0" smtClean="0">
+              <a:rPr lang="ko-KR" altLang="en-US" dirty="0">
                 <a:latin typeface="Noto Sans KR Medium" pitchFamily="34" charset="-127"/>
                 <a:ea typeface="Noto Sans KR Medium" pitchFamily="34" charset="-127"/>
               </a:rPr>
               <a:t>시 </a:t>
             </a:r>
             <a:r>
-              <a:rPr lang="en-US" altLang="ko-KR" dirty="0" smtClean="0">
+              <a:rPr lang="en-US" altLang="ko-KR" dirty="0">
                 <a:latin typeface="Noto Sans KR Medium" pitchFamily="34" charset="-127"/>
                 <a:ea typeface="Noto Sans KR Medium" pitchFamily="34" charset="-127"/>
               </a:rPr>
               <a:t>(</a:t>
             </a:r>
             <a:r>
-              <a:rPr lang="ko-KR" altLang="en-US" dirty="0" smtClean="0">
+              <a:rPr lang="ko-KR" altLang="en-US" dirty="0">
                 <a:latin typeface="Noto Sans KR Medium" pitchFamily="34" charset="-127"/>
                 <a:ea typeface="Noto Sans KR Medium" pitchFamily="34" charset="-127"/>
               </a:rPr>
               <a:t>오후</a:t>
             </a:r>
             <a:r>
-              <a:rPr lang="en-US" altLang="ko-KR" dirty="0" smtClean="0">
+              <a:rPr lang="en-US" altLang="ko-KR" dirty="0">
                 <a:latin typeface="Noto Sans KR Medium" pitchFamily="34" charset="-127"/>
                 <a:ea typeface="Noto Sans KR Medium" pitchFamily="34" charset="-127"/>
               </a:rPr>
               <a:t>) – </a:t>
             </a:r>
             <a:r>
-              <a:rPr lang="ko-KR" altLang="en-US" dirty="0" smtClean="0">
+              <a:rPr lang="ko-KR" altLang="en-US" dirty="0">
                 <a:latin typeface="Noto Sans KR Medium" pitchFamily="34" charset="-127"/>
                 <a:ea typeface="Noto Sans KR Medium" pitchFamily="34" charset="-127"/>
               </a:rPr>
               <a:t>탐색가능</a:t>
             </a:r>
             <a:r>
-              <a:rPr lang="en-US" altLang="ko-KR" dirty="0" smtClean="0">
+              <a:rPr lang="en-US" altLang="ko-KR" dirty="0">
                 <a:latin typeface="Noto Sans KR Medium" pitchFamily="34" charset="-127"/>
                 <a:ea typeface="Noto Sans KR Medium" pitchFamily="34" charset="-127"/>
               </a:rPr>
               <a:t>, </a:t>
             </a:r>
             <a:r>
-              <a:rPr lang="ko-KR" altLang="en-US" dirty="0" smtClean="0">
+              <a:rPr lang="ko-KR" altLang="en-US" dirty="0">
                 <a:latin typeface="Noto Sans KR Medium" pitchFamily="34" charset="-127"/>
                 <a:ea typeface="Noto Sans KR Medium" pitchFamily="34" charset="-127"/>
               </a:rPr>
               <a:t>휴식가능</a:t>
             </a:r>
-            <a:endParaRPr lang="en-US" altLang="ko-KR" dirty="0" smtClean="0">
+            <a:endParaRPr lang="en-US" altLang="ko-KR" dirty="0">
               <a:latin typeface="Noto Sans KR Medium" pitchFamily="34" charset="-127"/>
               <a:ea typeface="Noto Sans KR Medium" pitchFamily="34" charset="-127"/>
             </a:endParaRPr>
@@ -8929,82 +8907,82 @@
               <a:buNone/>
             </a:pPr>
             <a:r>
-              <a:rPr lang="en-US" altLang="ko-KR" dirty="0" smtClean="0">
+              <a:rPr lang="en-US" altLang="ko-KR" dirty="0">
                 <a:latin typeface="Noto Sans KR Medium" pitchFamily="34" charset="-127"/>
                 <a:ea typeface="Noto Sans KR Medium" pitchFamily="34" charset="-127"/>
               </a:rPr>
               <a:t>- </a:t>
             </a:r>
             <a:r>
-              <a:rPr lang="ko-KR" altLang="en-US" dirty="0" smtClean="0">
+              <a:rPr lang="ko-KR" altLang="en-US" dirty="0">
                 <a:latin typeface="Noto Sans KR Medium" pitchFamily="34" charset="-127"/>
                 <a:ea typeface="Noto Sans KR Medium" pitchFamily="34" charset="-127"/>
               </a:rPr>
               <a:t>밝음</a:t>
             </a:r>
-            <a:endParaRPr lang="en-US" altLang="ko-KR" dirty="0" smtClean="0">
+            <a:endParaRPr lang="en-US" altLang="ko-KR" dirty="0">
               <a:latin typeface="Noto Sans KR Medium" pitchFamily="34" charset="-127"/>
               <a:ea typeface="Noto Sans KR Medium" pitchFamily="34" charset="-127"/>
             </a:endParaRPr>
           </a:p>
           <a:p>
             <a:r>
-              <a:rPr lang="en-US" altLang="ko-KR" dirty="0" smtClean="0">
+              <a:rPr lang="en-US" altLang="ko-KR" dirty="0">
                 <a:latin typeface="Noto Sans KR Medium" pitchFamily="34" charset="-127"/>
                 <a:ea typeface="Noto Sans KR Medium" pitchFamily="34" charset="-127"/>
               </a:rPr>
               <a:t>17~20</a:t>
             </a:r>
             <a:r>
-              <a:rPr lang="ko-KR" altLang="en-US" dirty="0" smtClean="0">
+              <a:rPr lang="ko-KR" altLang="en-US" dirty="0">
                 <a:latin typeface="Noto Sans KR Medium" pitchFamily="34" charset="-127"/>
                 <a:ea typeface="Noto Sans KR Medium" pitchFamily="34" charset="-127"/>
               </a:rPr>
               <a:t>시 </a:t>
             </a:r>
             <a:r>
-              <a:rPr lang="en-US" altLang="ko-KR" dirty="0" smtClean="0">
+              <a:rPr lang="en-US" altLang="ko-KR" dirty="0">
                 <a:latin typeface="Noto Sans KR Medium" pitchFamily="34" charset="-127"/>
                 <a:ea typeface="Noto Sans KR Medium" pitchFamily="34" charset="-127"/>
               </a:rPr>
               <a:t>(</a:t>
             </a:r>
             <a:r>
-              <a:rPr lang="ko-KR" altLang="en-US" dirty="0" smtClean="0">
+              <a:rPr lang="ko-KR" altLang="en-US" dirty="0">
                 <a:latin typeface="Noto Sans KR Medium" pitchFamily="34" charset="-127"/>
                 <a:ea typeface="Noto Sans KR Medium" pitchFamily="34" charset="-127"/>
               </a:rPr>
               <a:t>저녁</a:t>
             </a:r>
             <a:r>
-              <a:rPr lang="en-US" altLang="ko-KR" dirty="0" smtClean="0">
+              <a:rPr lang="en-US" altLang="ko-KR" dirty="0">
                 <a:latin typeface="Noto Sans KR Medium" pitchFamily="34" charset="-127"/>
                 <a:ea typeface="Noto Sans KR Medium" pitchFamily="34" charset="-127"/>
               </a:rPr>
               <a:t>) – </a:t>
             </a:r>
             <a:r>
-              <a:rPr lang="ko-KR" altLang="en-US" dirty="0" smtClean="0">
+              <a:rPr lang="ko-KR" altLang="en-US" dirty="0">
                 <a:latin typeface="Noto Sans KR Medium" pitchFamily="34" charset="-127"/>
                 <a:ea typeface="Noto Sans KR Medium" pitchFamily="34" charset="-127"/>
               </a:rPr>
               <a:t>탐색가능</a:t>
             </a:r>
             <a:r>
-              <a:rPr lang="en-US" altLang="ko-KR" dirty="0" smtClean="0">
+              <a:rPr lang="en-US" altLang="ko-KR" dirty="0">
                 <a:latin typeface="Noto Sans KR Medium" pitchFamily="34" charset="-127"/>
                 <a:ea typeface="Noto Sans KR Medium" pitchFamily="34" charset="-127"/>
               </a:rPr>
               <a:t>, </a:t>
             </a:r>
             <a:r>
-              <a:rPr lang="ko-KR" altLang="en-US" dirty="0" smtClean="0">
+              <a:rPr lang="ko-KR" altLang="en-US" dirty="0">
                 <a:latin typeface="Noto Sans KR Medium" pitchFamily="34" charset="-127"/>
                 <a:ea typeface="Noto Sans KR Medium" pitchFamily="34" charset="-127"/>
               </a:rPr>
               <a:t>휴식가능 </a:t>
             </a:r>
-            <a:endParaRPr lang="en-US" altLang="ko-KR" dirty="0" smtClean="0">
+            <a:endParaRPr lang="en-US" altLang="ko-KR" dirty="0">
               <a:latin typeface="Noto Sans KR Medium" pitchFamily="34" charset="-127"/>
               <a:ea typeface="Noto Sans KR Medium" pitchFamily="34" charset="-127"/>
             </a:endParaRPr>
@@ -9014,30 +8992,19 @@
               <a:buNone/>
             </a:pPr>
             <a:r>
-              <a:rPr lang="en-US" altLang="ko-KR" dirty="0" smtClean="0">
+              <a:rPr lang="en-US" altLang="ko-KR" dirty="0">
                 <a:latin typeface="Noto Sans KR Medium" pitchFamily="34" charset="-127"/>
                 <a:ea typeface="Noto Sans KR Medium" pitchFamily="34" charset="-127"/>
               </a:rPr>
               <a:t>- </a:t>
             </a:r>
             <a:r>
-              <a:rPr lang="ko-KR" altLang="en-US" dirty="0" smtClean="0">
-                <a:latin typeface="Noto Sans KR Medium" pitchFamily="34" charset="-127"/>
-                <a:ea typeface="Noto Sans KR Medium" pitchFamily="34" charset="-127"/>
-              </a:rPr>
-              <a:t>밤의 </a:t>
-            </a:r>
-            <a:r>
-              <a:rPr lang="ko-KR" altLang="en-US" dirty="0" smtClean="0">
-                <a:latin typeface="Noto Sans KR Medium" pitchFamily="34" charset="-127"/>
-                <a:ea typeface="Noto Sans KR Medium" pitchFamily="34" charset="-127"/>
-              </a:rPr>
-              <a:t>절반의 밝기</a:t>
-            </a:r>
-            <a:endParaRPr lang="ko-KR" altLang="en-US" dirty="0">
-              <a:latin typeface="Noto Sans KR Medium" pitchFamily="34" charset="-127"/>
-              <a:ea typeface="Noto Sans KR Medium" pitchFamily="34" charset="-127"/>
-            </a:endParaRPr>
+              <a:rPr lang="ko-KR" altLang="en-US" dirty="0">
+                <a:latin typeface="Noto Sans KR Medium" pitchFamily="34" charset="-127"/>
+                <a:ea typeface="Noto Sans KR Medium" pitchFamily="34" charset="-127"/>
+              </a:rPr>
+              <a:t>밤의 절반의 밝기</a:t>
+            </a:r>
           </a:p>
         </p:txBody>
       </p:sp>
@@ -9087,16 +9054,12 @@
           <a:lstStyle/>
           <a:p>
             <a:r>
-              <a:rPr lang="ko-KR" altLang="en-US" dirty="0" smtClean="0">
+              <a:rPr lang="ko-KR" altLang="en-US" dirty="0">
                 <a:latin typeface="Noto Sans KR Medium" pitchFamily="34" charset="-127"/>
                 <a:ea typeface="Noto Sans KR Medium" pitchFamily="34" charset="-127"/>
               </a:rPr>
               <a:t>탐색</a:t>
             </a:r>
-            <a:endParaRPr lang="ko-KR" altLang="en-US" dirty="0">
-              <a:latin typeface="Noto Sans KR Medium" pitchFamily="34" charset="-127"/>
-              <a:ea typeface="Noto Sans KR Medium" pitchFamily="34" charset="-127"/>
-            </a:endParaRPr>
           </a:p>
         </p:txBody>
       </p:sp>
@@ -9116,14 +9079,14 @@
           <a:lstStyle/>
           <a:p>
             <a:r>
-              <a:rPr lang="ko-KR" altLang="en-US" dirty="0" smtClean="0">
+              <a:rPr lang="ko-KR" altLang="en-US" dirty="0">
                 <a:latin typeface="Noto Sans KR Medium" pitchFamily="34" charset="-127"/>
                 <a:ea typeface="Noto Sans KR Medium" pitchFamily="34" charset="-127"/>
               </a:rPr>
               <a:t>스테이지 별로 </a:t>
             </a:r>
             <a:r>
-              <a:rPr lang="ko-KR" altLang="en-US" dirty="0" err="1" smtClean="0">
+              <a:rPr lang="ko-KR" altLang="en-US" dirty="0" err="1">
                 <a:latin typeface="Noto Sans KR Medium" pitchFamily="34" charset="-127"/>
                 <a:ea typeface="Noto Sans KR Medium" pitchFamily="34" charset="-127"/>
               </a:rPr>
@@ -9134,31 +9097,24 @@
                 <a:latin typeface="Noto Sans KR Medium" pitchFamily="34" charset="-127"/>
                 <a:ea typeface="Noto Sans KR Medium" pitchFamily="34" charset="-127"/>
               </a:rPr>
-              <a:t> </a:t>
-            </a:r>
-            <a:r>
-              <a:rPr lang="ko-KR" altLang="en-US" dirty="0" smtClean="0">
-                <a:latin typeface="Noto Sans KR Medium" pitchFamily="34" charset="-127"/>
-                <a:ea typeface="Noto Sans KR Medium" pitchFamily="34" charset="-127"/>
-              </a:rPr>
-              <a:t>조건이 다르며 </a:t>
-            </a:r>
-            <a:r>
-              <a:rPr lang="ko-KR" altLang="en-US" dirty="0" err="1" smtClean="0">
+              <a:t> 조건이 다르며 </a:t>
+            </a:r>
+            <a:r>
+              <a:rPr lang="ko-KR" altLang="en-US" dirty="0" err="1">
                 <a:latin typeface="Noto Sans KR Medium" pitchFamily="34" charset="-127"/>
                 <a:ea typeface="Noto Sans KR Medium" pitchFamily="34" charset="-127"/>
               </a:rPr>
               <a:t>클리어</a:t>
             </a:r>
             <a:r>
-              <a:rPr lang="ko-KR" altLang="en-US" dirty="0" smtClean="0">
+              <a:rPr lang="ko-KR" altLang="en-US" dirty="0">
                 <a:latin typeface="Noto Sans KR Medium" pitchFamily="34" charset="-127"/>
                 <a:ea typeface="Noto Sans KR Medium" pitchFamily="34" charset="-127"/>
               </a:rPr>
               <a:t> 시 다음 스테이지가 해방이 된다</a:t>
             </a:r>
             <a:r>
-              <a:rPr lang="en-US" altLang="ko-KR" dirty="0" smtClean="0">
+              <a:rPr lang="en-US" altLang="ko-KR" dirty="0">
                 <a:latin typeface="Noto Sans KR Medium" pitchFamily="34" charset="-127"/>
                 <a:ea typeface="Noto Sans KR Medium" pitchFamily="34" charset="-127"/>
               </a:rPr>
@@ -9167,55 +9123,55 @@
           </a:p>
           <a:p>
             <a:r>
-              <a:rPr lang="ko-KR" altLang="en-US" dirty="0" err="1" smtClean="0">
+              <a:rPr lang="ko-KR" altLang="en-US" dirty="0" err="1">
                 <a:latin typeface="Noto Sans KR Medium" pitchFamily="34" charset="-127"/>
                 <a:ea typeface="Noto Sans KR Medium" pitchFamily="34" charset="-127"/>
               </a:rPr>
               <a:t>클리어</a:t>
             </a:r>
             <a:r>
-              <a:rPr lang="ko-KR" altLang="en-US" dirty="0" smtClean="0">
+              <a:rPr lang="ko-KR" altLang="en-US" dirty="0">
                 <a:latin typeface="Noto Sans KR Medium" pitchFamily="34" charset="-127"/>
                 <a:ea typeface="Noto Sans KR Medium" pitchFamily="34" charset="-127"/>
               </a:rPr>
               <a:t> 조건은 스테이지 시작 할 때 보여주고 </a:t>
             </a:r>
             <a:r>
-              <a:rPr lang="en-US" altLang="ko-KR" dirty="0" smtClean="0">
+              <a:rPr lang="en-US" altLang="ko-KR" dirty="0">
                 <a:latin typeface="Noto Sans KR Medium" pitchFamily="34" charset="-127"/>
                 <a:ea typeface="Noto Sans KR Medium" pitchFamily="34" charset="-127"/>
               </a:rPr>
               <a:t>UI</a:t>
             </a:r>
             <a:r>
-              <a:rPr lang="ko-KR" altLang="en-US" dirty="0" smtClean="0">
+              <a:rPr lang="ko-KR" altLang="en-US" dirty="0">
                 <a:latin typeface="Noto Sans KR Medium" pitchFamily="34" charset="-127"/>
                 <a:ea typeface="Noto Sans KR Medium" pitchFamily="34" charset="-127"/>
               </a:rPr>
               <a:t>에 표시 한다</a:t>
             </a:r>
             <a:r>
-              <a:rPr lang="en-US" altLang="ko-KR" smtClean="0">
+              <a:rPr lang="en-US" altLang="ko-KR">
                 <a:latin typeface="Noto Sans KR Medium" pitchFamily="34" charset="-127"/>
                 <a:ea typeface="Noto Sans KR Medium" pitchFamily="34" charset="-127"/>
               </a:rPr>
               <a:t>.</a:t>
             </a:r>
-            <a:endParaRPr lang="en-US" altLang="ko-KR" dirty="0" smtClean="0">
+            <a:endParaRPr lang="en-US" altLang="ko-KR" dirty="0">
               <a:latin typeface="Noto Sans KR Medium" pitchFamily="34" charset="-127"/>
               <a:ea typeface="Noto Sans KR Medium" pitchFamily="34" charset="-127"/>
             </a:endParaRPr>
           </a:p>
           <a:p>
             <a:r>
-              <a:rPr lang="ko-KR" altLang="en-US" dirty="0" smtClean="0">
+              <a:rPr lang="ko-KR" altLang="en-US" dirty="0">
                 <a:latin typeface="Noto Sans KR Medium" pitchFamily="34" charset="-127"/>
                 <a:ea typeface="Noto Sans KR Medium" pitchFamily="34" charset="-127"/>
               </a:rPr>
               <a:t>시간의 영향을 받으며 탐색 불가 시간이 되면 다음 스테이지로 넘어 갈 수 없다</a:t>
             </a:r>
             <a:r>
-              <a:rPr lang="en-US" altLang="ko-KR" dirty="0" smtClean="0">
+              <a:rPr lang="en-US" altLang="ko-KR" dirty="0">
                 <a:latin typeface="Noto Sans KR Medium" pitchFamily="34" charset="-127"/>
                 <a:ea typeface="Noto Sans KR Medium" pitchFamily="34" charset="-127"/>
               </a:rPr>
